--- a/presentation/KVS_presentation.pptx
+++ b/presentation/KVS_presentation.pptx
@@ -116,6 +116,11 @@
       </a:defRPr>
     </a:lvl9pPr>
   </p:defaultTextStyle>
+  <p:extLst>
+    <p:ext uri="{EFAFB233-063F-42B5-8137-9DF3F51BA10A}">
+      <p15:sldGuideLst xmlns:p15="http://schemas.microsoft.com/office/powerpoint/2012/main"/>
+    </p:ext>
+  </p:extLst>
 </p:presentation>
 </file>
 
@@ -268,7 +273,7 @@
           <a:p>
             <a:fld id="{FD3D37B8-783D-C048-BA61-5637DD627193}" type="datetimeFigureOut">
               <a:rPr lang="de-CH" smtClean="0"/>
-              <a:t>25.05.18</a:t>
+              <a:t>26.05.18</a:t>
             </a:fld>
             <a:endParaRPr lang="de-CH"/>
           </a:p>
@@ -443,7 +448,7 @@
           <a:p>
             <a:fld id="{FD3D37B8-783D-C048-BA61-5637DD627193}" type="datetimeFigureOut">
               <a:rPr lang="de-CH" smtClean="0"/>
-              <a:t>25.05.18</a:t>
+              <a:t>26.05.18</a:t>
             </a:fld>
             <a:endParaRPr lang="de-CH"/>
           </a:p>
@@ -628,7 +633,7 @@
           <a:p>
             <a:fld id="{FD3D37B8-783D-C048-BA61-5637DD627193}" type="datetimeFigureOut">
               <a:rPr lang="de-CH" smtClean="0"/>
-              <a:t>25.05.18</a:t>
+              <a:t>26.05.18</a:t>
             </a:fld>
             <a:endParaRPr lang="de-CH"/>
           </a:p>
@@ -803,7 +808,7 @@
           <a:p>
             <a:fld id="{FD3D37B8-783D-C048-BA61-5637DD627193}" type="datetimeFigureOut">
               <a:rPr lang="de-CH" smtClean="0"/>
-              <a:t>25.05.18</a:t>
+              <a:t>26.05.18</a:t>
             </a:fld>
             <a:endParaRPr lang="de-CH"/>
           </a:p>
@@ -1083,7 +1088,7 @@
           <a:p>
             <a:fld id="{FD3D37B8-783D-C048-BA61-5637DD627193}" type="datetimeFigureOut">
               <a:rPr lang="de-CH" smtClean="0"/>
-              <a:t>25.05.18</a:t>
+              <a:t>26.05.18</a:t>
             </a:fld>
             <a:endParaRPr lang="de-CH"/>
           </a:p>
@@ -1301,7 +1306,7 @@
           <a:p>
             <a:fld id="{FD3D37B8-783D-C048-BA61-5637DD627193}" type="datetimeFigureOut">
               <a:rPr lang="de-CH" smtClean="0"/>
-              <a:t>25.05.18</a:t>
+              <a:t>26.05.18</a:t>
             </a:fld>
             <a:endParaRPr lang="de-CH"/>
           </a:p>
@@ -1674,7 +1679,7 @@
           <a:p>
             <a:fld id="{FD3D37B8-783D-C048-BA61-5637DD627193}" type="datetimeFigureOut">
               <a:rPr lang="de-CH" smtClean="0"/>
-              <a:t>25.05.18</a:t>
+              <a:t>26.05.18</a:t>
             </a:fld>
             <a:endParaRPr lang="de-CH"/>
           </a:p>
@@ -1816,7 +1821,7 @@
           <a:p>
             <a:fld id="{FD3D37B8-783D-C048-BA61-5637DD627193}" type="datetimeFigureOut">
               <a:rPr lang="de-CH" smtClean="0"/>
-              <a:t>25.05.18</a:t>
+              <a:t>26.05.18</a:t>
             </a:fld>
             <a:endParaRPr lang="de-CH"/>
           </a:p>
@@ -1929,7 +1934,7 @@
           <a:p>
             <a:fld id="{FD3D37B8-783D-C048-BA61-5637DD627193}" type="datetimeFigureOut">
               <a:rPr lang="de-CH" smtClean="0"/>
-              <a:t>25.05.18</a:t>
+              <a:t>26.05.18</a:t>
             </a:fld>
             <a:endParaRPr lang="de-CH"/>
           </a:p>
@@ -2221,7 +2226,7 @@
           <a:p>
             <a:fld id="{FD3D37B8-783D-C048-BA61-5637DD627193}" type="datetimeFigureOut">
               <a:rPr lang="de-CH" smtClean="0"/>
-              <a:t>25.05.18</a:t>
+              <a:t>26.05.18</a:t>
             </a:fld>
             <a:endParaRPr lang="de-CH"/>
           </a:p>
@@ -2514,7 +2519,7 @@
           <a:p>
             <a:fld id="{FD3D37B8-783D-C048-BA61-5637DD627193}" type="datetimeFigureOut">
               <a:rPr lang="de-CH" smtClean="0"/>
-              <a:t>25.05.18</a:t>
+              <a:t>26.05.18</a:t>
             </a:fld>
             <a:endParaRPr lang="de-CH"/>
           </a:p>
@@ -2732,7 +2737,7 @@
           <a:p>
             <a:fld id="{FD3D37B8-783D-C048-BA61-5637DD627193}" type="datetimeFigureOut">
               <a:rPr lang="de-CH" smtClean="0"/>
-              <a:t>25.05.18</a:t>
+              <a:t>26.05.18</a:t>
             </a:fld>
             <a:endParaRPr lang="de-CH"/>
           </a:p>
@@ -3349,6 +3354,20 @@
               </a:rPr>
               <a:t> tableau coupé en plusieurs parties</a:t>
             </a:r>
+          </a:p>
+          <a:p>
+            <a:r>
+              <a:rPr lang="fr-CH" dirty="0">
+                <a:sym typeface="Wingdings" pitchFamily="2" charset="2"/>
+              </a:rPr>
+              <a:t>Client plus lent </a:t>
+            </a:r>
+            <a:r>
+              <a:rPr lang="fr-CH">
+                <a:sym typeface="Wingdings" pitchFamily="2" charset="2"/>
+              </a:rPr>
+              <a:t>que server</a:t>
+            </a:r>
             <a:endParaRPr lang="fr-CH" dirty="0"/>
           </a:p>
         </p:txBody>

--- a/presentation/KVS_presentation.pptx
+++ b/presentation/KVS_presentation.pptx
@@ -11,13 +11,14 @@
     <p:sldId id="259" r:id="rId5"/>
     <p:sldId id="260" r:id="rId6"/>
     <p:sldId id="261" r:id="rId7"/>
-    <p:sldId id="262" r:id="rId8"/>
-    <p:sldId id="263" r:id="rId9"/>
-    <p:sldId id="264" r:id="rId10"/>
-    <p:sldId id="265" r:id="rId11"/>
-    <p:sldId id="266" r:id="rId12"/>
-    <p:sldId id="267" r:id="rId13"/>
-    <p:sldId id="268" r:id="rId14"/>
+    <p:sldId id="269" r:id="rId8"/>
+    <p:sldId id="262" r:id="rId9"/>
+    <p:sldId id="263" r:id="rId10"/>
+    <p:sldId id="264" r:id="rId11"/>
+    <p:sldId id="265" r:id="rId12"/>
+    <p:sldId id="266" r:id="rId13"/>
+    <p:sldId id="267" r:id="rId14"/>
+    <p:sldId id="268" r:id="rId15"/>
   </p:sldIdLst>
   <p:sldSz cx="12192000" cy="6858000"/>
   <p:notesSz cx="6858000" cy="9144000"/>
@@ -327,7 +328,7 @@
           <a:p>
             <a:fld id="{5665E136-F9CC-824B-A791-16E19339E5D6}" type="slidenum">
               <a:rPr lang="de-CH" smtClean="0"/>
-              <a:t>‹N°›</a:t>
+              <a:t>‹#›</a:t>
             </a:fld>
             <a:endParaRPr lang="de-CH"/>
           </a:p>
@@ -502,7 +503,7 @@
           <a:p>
             <a:fld id="{5665E136-F9CC-824B-A791-16E19339E5D6}" type="slidenum">
               <a:rPr lang="de-CH" smtClean="0"/>
-              <a:t>‹N°›</a:t>
+              <a:t>‹#›</a:t>
             </a:fld>
             <a:endParaRPr lang="de-CH"/>
           </a:p>
@@ -687,7 +688,7 @@
           <a:p>
             <a:fld id="{5665E136-F9CC-824B-A791-16E19339E5D6}" type="slidenum">
               <a:rPr lang="de-CH" smtClean="0"/>
-              <a:t>‹N°›</a:t>
+              <a:t>‹#›</a:t>
             </a:fld>
             <a:endParaRPr lang="de-CH"/>
           </a:p>
@@ -862,7 +863,7 @@
           <a:p>
             <a:fld id="{5665E136-F9CC-824B-A791-16E19339E5D6}" type="slidenum">
               <a:rPr lang="de-CH" smtClean="0"/>
-              <a:t>‹N°›</a:t>
+              <a:t>‹#›</a:t>
             </a:fld>
             <a:endParaRPr lang="de-CH"/>
           </a:p>
@@ -1142,7 +1143,7 @@
           <a:p>
             <a:fld id="{5665E136-F9CC-824B-A791-16E19339E5D6}" type="slidenum">
               <a:rPr lang="de-CH" smtClean="0"/>
-              <a:t>‹N°›</a:t>
+              <a:t>‹#›</a:t>
             </a:fld>
             <a:endParaRPr lang="de-CH"/>
           </a:p>
@@ -1360,7 +1361,7 @@
           <a:p>
             <a:fld id="{5665E136-F9CC-824B-A791-16E19339E5D6}" type="slidenum">
               <a:rPr lang="de-CH" smtClean="0"/>
-              <a:t>‹N°›</a:t>
+              <a:t>‹#›</a:t>
             </a:fld>
             <a:endParaRPr lang="de-CH"/>
           </a:p>
@@ -1733,7 +1734,7 @@
           <a:p>
             <a:fld id="{5665E136-F9CC-824B-A791-16E19339E5D6}" type="slidenum">
               <a:rPr lang="de-CH" smtClean="0"/>
-              <a:t>‹N°›</a:t>
+              <a:t>‹#›</a:t>
             </a:fld>
             <a:endParaRPr lang="de-CH"/>
           </a:p>
@@ -1875,7 +1876,7 @@
           <a:p>
             <a:fld id="{5665E136-F9CC-824B-A791-16E19339E5D6}" type="slidenum">
               <a:rPr lang="de-CH" smtClean="0"/>
-              <a:t>‹N°›</a:t>
+              <a:t>‹#›</a:t>
             </a:fld>
             <a:endParaRPr lang="de-CH"/>
           </a:p>
@@ -1988,7 +1989,7 @@
           <a:p>
             <a:fld id="{5665E136-F9CC-824B-A791-16E19339E5D6}" type="slidenum">
               <a:rPr lang="de-CH" smtClean="0"/>
-              <a:t>‹N°›</a:t>
+              <a:t>‹#›</a:t>
             </a:fld>
             <a:endParaRPr lang="de-CH"/>
           </a:p>
@@ -2280,7 +2281,7 @@
           <a:p>
             <a:fld id="{5665E136-F9CC-824B-A791-16E19339E5D6}" type="slidenum">
               <a:rPr lang="de-CH" smtClean="0"/>
-              <a:t>‹N°›</a:t>
+              <a:t>‹#›</a:t>
             </a:fld>
             <a:endParaRPr lang="de-CH"/>
           </a:p>
@@ -2573,7 +2574,7 @@
           <a:p>
             <a:fld id="{5665E136-F9CC-824B-A791-16E19339E5D6}" type="slidenum">
               <a:rPr lang="de-CH" smtClean="0"/>
-              <a:t>‹N°›</a:t>
+              <a:t>‹#›</a:t>
             </a:fld>
             <a:endParaRPr lang="de-CH"/>
           </a:p>
@@ -2827,7 +2828,7 @@
           <a:p>
             <a:fld id="{5665E136-F9CC-824B-A791-16E19339E5D6}" type="slidenum">
               <a:rPr lang="de-CH" smtClean="0"/>
-              <a:t>‹N°›</a:t>
+              <a:t>‹#›</a:t>
             </a:fld>
             <a:endParaRPr lang="de-CH"/>
           </a:p>
@@ -3287,7 +3288,7 @@
           <p:cNvPr id="2" name="Titre 1">
             <a:extLst>
               <a:ext uri="{FF2B5EF4-FFF2-40B4-BE49-F238E27FC236}">
-                <a16:creationId xmlns:a16="http://schemas.microsoft.com/office/drawing/2014/main" id="{FE0FF8F4-292C-D14E-8863-70535C367B21}"/>
+                <a16:creationId xmlns:a16="http://schemas.microsoft.com/office/drawing/2014/main" id="{09441C29-167B-5146-8942-6CA044D184A4}"/>
               </a:ext>
             </a:extLst>
           </p:cNvPr>
@@ -3305,8 +3306,21 @@
           <a:p>
             <a:r>
               <a:rPr lang="fr-CH" dirty="0"/>
-              <a:t>Problèmes rencontrés</a:t>
-            </a:r>
+              <a:t>Accès sécurisé des </a:t>
+            </a:r>
+            <a:r>
+              <a:rPr lang="fr-CH" dirty="0" err="1"/>
+              <a:t>readers</a:t>
+            </a:r>
+            <a:r>
+              <a:rPr lang="fr-CH" dirty="0"/>
+              <a:t>/</a:t>
+            </a:r>
+            <a:r>
+              <a:rPr lang="fr-CH" dirty="0" err="1"/>
+              <a:t>writers</a:t>
+            </a:r>
+            <a:endParaRPr lang="fr-CH" dirty="0"/>
           </a:p>
         </p:txBody>
       </p:sp>
@@ -3315,7 +3329,7 @@
           <p:cNvPr id="3" name="Espace réservé du contenu 2">
             <a:extLst>
               <a:ext uri="{FF2B5EF4-FFF2-40B4-BE49-F238E27FC236}">
-                <a16:creationId xmlns:a16="http://schemas.microsoft.com/office/drawing/2014/main" id="{05E67DF9-DA02-BE4D-B4A7-7305FB64EB93}"/>
+                <a16:creationId xmlns:a16="http://schemas.microsoft.com/office/drawing/2014/main" id="{40C4AEB4-4E63-7147-862B-D490CC6A91EF}"/>
               </a:ext>
             </a:extLst>
           </p:cNvPr>
@@ -3331,51 +3345,70 @@
           <a:bodyPr/>
           <a:lstStyle/>
           <a:p>
+            <a:r>
+              <a:rPr lang="fr-CH" dirty="0" err="1"/>
+              <a:t>Mutex</a:t>
+            </a:r>
+            <a:r>
+              <a:rPr lang="fr-CH" dirty="0"/>
+              <a:t> : 4 </a:t>
+            </a:r>
+            <a:r>
+              <a:rPr lang="fr-CH" dirty="0" err="1"/>
+              <a:t>mutex</a:t>
+            </a:r>
             <a:endParaRPr lang="fr-CH" dirty="0"/>
           </a:p>
           <a:p>
+            <a:pPr lvl="1"/>
+            <a:r>
+              <a:rPr lang="fr-CH" dirty="0" err="1"/>
+              <a:t>rmutex</a:t>
+            </a:r>
             <a:endParaRPr lang="fr-CH" dirty="0"/>
           </a:p>
           <a:p>
+            <a:pPr lvl="1"/>
+            <a:r>
+              <a:rPr lang="fr-CH" dirty="0" err="1"/>
+              <a:t>wmutex</a:t>
+            </a:r>
             <a:endParaRPr lang="fr-CH" dirty="0"/>
           </a:p>
           <a:p>
-            <a:r>
-              <a:rPr lang="fr-CH" dirty="0" err="1"/>
-              <a:t>Mutex</a:t>
-            </a:r>
-            <a:r>
-              <a:rPr lang="fr-CH" dirty="0"/>
-              <a:t> </a:t>
-            </a:r>
-            <a:r>
-              <a:rPr lang="fr-CH" dirty="0">
-                <a:sym typeface="Wingdings" pitchFamily="2" charset="2"/>
-              </a:rPr>
-              <a:t> tableau coupé en plusieurs parties</a:t>
-            </a:r>
-          </a:p>
-          <a:p>
-            <a:r>
-              <a:rPr lang="fr-CH" dirty="0">
-                <a:sym typeface="Wingdings" pitchFamily="2" charset="2"/>
-              </a:rPr>
-              <a:t>Client plus lent </a:t>
-            </a:r>
-            <a:r>
-              <a:rPr lang="fr-CH">
-                <a:sym typeface="Wingdings" pitchFamily="2" charset="2"/>
-              </a:rPr>
-              <a:t>que server</a:t>
+            <a:pPr lvl="1"/>
+            <a:r>
+              <a:rPr lang="fr-CH" dirty="0" err="1"/>
+              <a:t>readTry</a:t>
             </a:r>
             <a:endParaRPr lang="fr-CH" dirty="0"/>
+          </a:p>
+          <a:p>
+            <a:pPr lvl="1"/>
+            <a:r>
+              <a:rPr lang="fr-CH" dirty="0" err="1"/>
+              <a:t>resource</a:t>
+            </a:r>
+            <a:endParaRPr lang="fr-CH" dirty="0"/>
+          </a:p>
+          <a:p>
+            <a:r>
+              <a:rPr lang="fr-CH" dirty="0"/>
+              <a:t>Priorité</a:t>
+            </a:r>
+          </a:p>
+          <a:p>
+            <a:r>
+              <a:rPr lang="fr-CH" dirty="0"/>
+              <a:t>Nombre clients max</a:t>
+            </a:r>
           </a:p>
         </p:txBody>
       </p:sp>
     </p:spTree>
     <p:extLst>
       <p:ext uri="{BB962C8B-B14F-4D97-AF65-F5344CB8AC3E}">
-        <p14:creationId xmlns:p14="http://schemas.microsoft.com/office/powerpoint/2010/main" val="4179238838"/>
+        <p14:creationId xmlns:p14="http://schemas.microsoft.com/office/powerpoint/2010/main" val="3447655025"/>
       </p:ext>
     </p:extLst>
   </p:cSld>
@@ -3407,7 +3440,7 @@
           <p:cNvPr id="2" name="Titre 1">
             <a:extLst>
               <a:ext uri="{FF2B5EF4-FFF2-40B4-BE49-F238E27FC236}">
-                <a16:creationId xmlns:a16="http://schemas.microsoft.com/office/drawing/2014/main" id="{160DA633-23F0-2147-AEF0-E793577C9A54}"/>
+                <a16:creationId xmlns:a16="http://schemas.microsoft.com/office/drawing/2014/main" id="{FE0FF8F4-292C-D14E-8863-70535C367B21}"/>
               </a:ext>
             </a:extLst>
           </p:cNvPr>
@@ -3425,7 +3458,7 @@
           <a:p>
             <a:r>
               <a:rPr lang="fr-CH" dirty="0"/>
-              <a:t>Démo</a:t>
+              <a:t>Problèmes rencontrés</a:t>
             </a:r>
           </a:p>
         </p:txBody>
@@ -3435,7 +3468,7 @@
           <p:cNvPr id="3" name="Espace réservé du contenu 2">
             <a:extLst>
               <a:ext uri="{FF2B5EF4-FFF2-40B4-BE49-F238E27FC236}">
-                <a16:creationId xmlns:a16="http://schemas.microsoft.com/office/drawing/2014/main" id="{0DC15AFC-0AE5-B442-BDB4-F5EDC10EADBF}"/>
+                <a16:creationId xmlns:a16="http://schemas.microsoft.com/office/drawing/2014/main" id="{05E67DF9-DA02-BE4D-B4A7-7305FB64EB93}"/>
               </a:ext>
             </a:extLst>
           </p:cNvPr>
@@ -3451,227 +3484,51 @@
           <a:bodyPr/>
           <a:lstStyle/>
           <a:p>
-            <a:r>
-              <a:rPr lang="fr-CH" dirty="0"/>
-              <a:t>Reader(s) </a:t>
-            </a:r>
-            <a:r>
-              <a:rPr lang="fr-CH" dirty="0" err="1"/>
-              <a:t>arriving</a:t>
+            <a:endParaRPr lang="fr-CH" dirty="0"/>
+          </a:p>
+          <a:p>
+            <a:endParaRPr lang="fr-CH" dirty="0"/>
+          </a:p>
+          <a:p>
+            <a:endParaRPr lang="fr-CH" dirty="0"/>
+          </a:p>
+          <a:p>
+            <a:r>
+              <a:rPr lang="fr-CH" dirty="0" err="1"/>
+              <a:t>Mutex</a:t>
             </a:r>
             <a:r>
               <a:rPr lang="fr-CH" dirty="0"/>
               <a:t> </a:t>
             </a:r>
             <a:r>
-              <a:rPr lang="fr-CH" dirty="0" err="1"/>
-              <a:t>while</a:t>
-            </a:r>
-            <a:r>
-              <a:rPr lang="fr-CH" dirty="0"/>
-              <a:t> </a:t>
-            </a:r>
-            <a:r>
-              <a:rPr lang="fr-CH" dirty="0" err="1"/>
-              <a:t>another</a:t>
-            </a:r>
-            <a:r>
-              <a:rPr lang="fr-CH" dirty="0"/>
-              <a:t> </a:t>
-            </a:r>
-            <a:r>
-              <a:rPr lang="fr-CH" dirty="0" err="1"/>
-              <a:t>reader</a:t>
-            </a:r>
-            <a:r>
-              <a:rPr lang="fr-CH" dirty="0"/>
-              <a:t> </a:t>
-            </a:r>
-            <a:r>
-              <a:rPr lang="fr-CH" dirty="0" err="1"/>
-              <a:t>is</a:t>
-            </a:r>
-            <a:r>
-              <a:rPr lang="fr-CH" dirty="0"/>
-              <a:t> </a:t>
-            </a:r>
-            <a:r>
-              <a:rPr lang="fr-CH" dirty="0" err="1"/>
-              <a:t>reading</a:t>
-            </a:r>
-            <a:r>
-              <a:rPr lang="fr-CH" dirty="0"/>
-              <a:t> </a:t>
-            </a:r>
-            <a:r>
-              <a:rPr lang="fr-CH" dirty="0" err="1"/>
-              <a:t>from</a:t>
-            </a:r>
-            <a:r>
-              <a:rPr lang="fr-CH" dirty="0"/>
-              <a:t> the KV store</a:t>
-            </a:r>
-          </a:p>
-          <a:p>
-            <a:r>
-              <a:rPr lang="fr-CH" dirty="0" err="1"/>
-              <a:t>Writer</a:t>
-            </a:r>
-            <a:r>
-              <a:rPr lang="fr-CH" dirty="0"/>
-              <a:t>(s) </a:t>
-            </a:r>
-            <a:r>
-              <a:rPr lang="fr-CH" dirty="0" err="1"/>
-              <a:t>arriving</a:t>
-            </a:r>
-            <a:r>
-              <a:rPr lang="fr-CH" dirty="0"/>
-              <a:t> </a:t>
-            </a:r>
-            <a:r>
-              <a:rPr lang="fr-CH" dirty="0" err="1"/>
-              <a:t>while</a:t>
-            </a:r>
-            <a:r>
-              <a:rPr lang="fr-CH" dirty="0"/>
-              <a:t> </a:t>
-            </a:r>
-            <a:r>
-              <a:rPr lang="fr-CH" dirty="0" err="1"/>
-              <a:t>another</a:t>
-            </a:r>
-            <a:r>
-              <a:rPr lang="fr-CH" dirty="0"/>
-              <a:t> </a:t>
-            </a:r>
-            <a:r>
-              <a:rPr lang="fr-CH" dirty="0" err="1"/>
-              <a:t>writer</a:t>
-            </a:r>
-            <a:r>
-              <a:rPr lang="fr-CH" dirty="0"/>
-              <a:t> </a:t>
-            </a:r>
-            <a:r>
-              <a:rPr lang="fr-CH" dirty="0" err="1"/>
-              <a:t>is</a:t>
-            </a:r>
-            <a:r>
-              <a:rPr lang="fr-CH" dirty="0"/>
-              <a:t> </a:t>
-            </a:r>
-            <a:r>
-              <a:rPr lang="fr-CH" dirty="0" err="1"/>
-              <a:t>writing</a:t>
-            </a:r>
-            <a:r>
-              <a:rPr lang="fr-CH" dirty="0"/>
-              <a:t> in the KV store</a:t>
-            </a:r>
-          </a:p>
-          <a:p>
-            <a:r>
-              <a:rPr lang="fr-CH" dirty="0" err="1"/>
-              <a:t>Writer</a:t>
-            </a:r>
-            <a:r>
-              <a:rPr lang="fr-CH" dirty="0"/>
-              <a:t>(s) </a:t>
-            </a:r>
-            <a:r>
-              <a:rPr lang="fr-CH" dirty="0" err="1"/>
-              <a:t>arriving</a:t>
-            </a:r>
-            <a:r>
-              <a:rPr lang="fr-CH" dirty="0"/>
-              <a:t> </a:t>
-            </a:r>
-            <a:r>
-              <a:rPr lang="fr-CH" dirty="0" err="1"/>
-              <a:t>while</a:t>
-            </a:r>
-            <a:r>
-              <a:rPr lang="fr-CH" dirty="0"/>
-              <a:t> </a:t>
-            </a:r>
-            <a:r>
-              <a:rPr lang="fr-CH" dirty="0" err="1"/>
-              <a:t>readers</a:t>
-            </a:r>
-            <a:r>
-              <a:rPr lang="fr-CH" dirty="0"/>
-              <a:t> are </a:t>
-            </a:r>
-            <a:r>
-              <a:rPr lang="fr-CH" dirty="0" err="1"/>
-              <a:t>reading</a:t>
-            </a:r>
-            <a:r>
-              <a:rPr lang="fr-CH" dirty="0"/>
-              <a:t> </a:t>
-            </a:r>
-            <a:r>
-              <a:rPr lang="fr-CH" dirty="0" err="1"/>
-              <a:t>from</a:t>
-            </a:r>
-            <a:r>
-              <a:rPr lang="fr-CH" dirty="0"/>
-              <a:t> the KV store</a:t>
-            </a:r>
-          </a:p>
-          <a:p>
-            <a:r>
-              <a:rPr lang="fr-CH" dirty="0"/>
-              <a:t>Reader(s) </a:t>
-            </a:r>
-            <a:r>
-              <a:rPr lang="fr-CH" dirty="0" err="1"/>
-              <a:t>arriving</a:t>
-            </a:r>
-            <a:r>
-              <a:rPr lang="fr-CH" dirty="0"/>
-              <a:t> </a:t>
-            </a:r>
-            <a:r>
-              <a:rPr lang="fr-CH" dirty="0" err="1"/>
-              <a:t>while</a:t>
-            </a:r>
-            <a:r>
-              <a:rPr lang="fr-CH" dirty="0"/>
-              <a:t> a </a:t>
-            </a:r>
-            <a:r>
-              <a:rPr lang="fr-CH" dirty="0" err="1"/>
-              <a:t>writer</a:t>
-            </a:r>
-            <a:r>
-              <a:rPr lang="fr-CH" dirty="0"/>
-              <a:t> </a:t>
-            </a:r>
-            <a:r>
-              <a:rPr lang="fr-CH" dirty="0" err="1"/>
-              <a:t>is</a:t>
-            </a:r>
-            <a:r>
-              <a:rPr lang="fr-CH" dirty="0"/>
-              <a:t> </a:t>
-            </a:r>
-            <a:r>
-              <a:rPr lang="fr-CH" dirty="0" err="1"/>
-              <a:t>writing</a:t>
-            </a:r>
-            <a:r>
-              <a:rPr lang="fr-CH" dirty="0"/>
-              <a:t> in the KV store</a:t>
-            </a:r>
+              <a:rPr lang="fr-CH" dirty="0">
+                <a:sym typeface="Wingdings" pitchFamily="2" charset="2"/>
+              </a:rPr>
+              <a:t> tableau coupé en plusieurs parties</a:t>
+            </a:r>
+          </a:p>
+          <a:p>
+            <a:r>
+              <a:rPr lang="fr-CH" dirty="0">
+                <a:sym typeface="Wingdings" pitchFamily="2" charset="2"/>
+              </a:rPr>
+              <a:t>Client plus lent </a:t>
+            </a:r>
+            <a:r>
+              <a:rPr lang="fr-CH">
+                <a:sym typeface="Wingdings" pitchFamily="2" charset="2"/>
+              </a:rPr>
+              <a:t>que server</a:t>
+            </a:r>
+            <a:endParaRPr lang="fr-CH" dirty="0"/>
           </a:p>
         </p:txBody>
       </p:sp>
     </p:spTree>
     <p:extLst>
       <p:ext uri="{BB962C8B-B14F-4D97-AF65-F5344CB8AC3E}">
-        <p14:creationId xmlns:p14="http://schemas.microsoft.com/office/powerpoint/2010/main" val="2815348372"/>
+        <p14:creationId xmlns:p14="http://schemas.microsoft.com/office/powerpoint/2010/main" val="4179238838"/>
       </p:ext>
     </p:extLst>
   </p:cSld>
@@ -3703,6 +3560,302 @@
           <p:cNvPr id="2" name="Titre 1">
             <a:extLst>
               <a:ext uri="{FF2B5EF4-FFF2-40B4-BE49-F238E27FC236}">
+                <a16:creationId xmlns:a16="http://schemas.microsoft.com/office/drawing/2014/main" id="{160DA633-23F0-2147-AEF0-E793577C9A54}"/>
+              </a:ext>
+            </a:extLst>
+          </p:cNvPr>
+          <p:cNvSpPr>
+            <a:spLocks noGrp="1"/>
+          </p:cNvSpPr>
+          <p:nvPr>
+            <p:ph type="title"/>
+          </p:nvPr>
+        </p:nvSpPr>
+        <p:spPr/>
+        <p:txBody>
+          <a:bodyPr/>
+          <a:lstStyle/>
+          <a:p>
+            <a:r>
+              <a:rPr lang="fr-CH" dirty="0"/>
+              <a:t>Démo</a:t>
+            </a:r>
+          </a:p>
+        </p:txBody>
+      </p:sp>
+      <p:sp>
+        <p:nvSpPr>
+          <p:cNvPr id="3" name="Espace réservé du contenu 2">
+            <a:extLst>
+              <a:ext uri="{FF2B5EF4-FFF2-40B4-BE49-F238E27FC236}">
+                <a16:creationId xmlns:a16="http://schemas.microsoft.com/office/drawing/2014/main" id="{0DC15AFC-0AE5-B442-BDB4-F5EDC10EADBF}"/>
+              </a:ext>
+            </a:extLst>
+          </p:cNvPr>
+          <p:cNvSpPr>
+            <a:spLocks noGrp="1"/>
+          </p:cNvSpPr>
+          <p:nvPr>
+            <p:ph idx="1"/>
+          </p:nvPr>
+        </p:nvSpPr>
+        <p:spPr/>
+        <p:txBody>
+          <a:bodyPr/>
+          <a:lstStyle/>
+          <a:p>
+            <a:r>
+              <a:rPr lang="fr-CH" dirty="0"/>
+              <a:t>Reader(s) </a:t>
+            </a:r>
+            <a:r>
+              <a:rPr lang="fr-CH" dirty="0" err="1"/>
+              <a:t>arriving</a:t>
+            </a:r>
+            <a:r>
+              <a:rPr lang="fr-CH" dirty="0"/>
+              <a:t> </a:t>
+            </a:r>
+            <a:r>
+              <a:rPr lang="fr-CH" dirty="0" err="1"/>
+              <a:t>while</a:t>
+            </a:r>
+            <a:r>
+              <a:rPr lang="fr-CH" dirty="0"/>
+              <a:t> </a:t>
+            </a:r>
+            <a:r>
+              <a:rPr lang="fr-CH" dirty="0" err="1"/>
+              <a:t>another</a:t>
+            </a:r>
+            <a:r>
+              <a:rPr lang="fr-CH" dirty="0"/>
+              <a:t> </a:t>
+            </a:r>
+            <a:r>
+              <a:rPr lang="fr-CH" dirty="0" err="1"/>
+              <a:t>reader</a:t>
+            </a:r>
+            <a:r>
+              <a:rPr lang="fr-CH" dirty="0"/>
+              <a:t> </a:t>
+            </a:r>
+            <a:r>
+              <a:rPr lang="fr-CH" dirty="0" err="1"/>
+              <a:t>is</a:t>
+            </a:r>
+            <a:r>
+              <a:rPr lang="fr-CH" dirty="0"/>
+              <a:t> </a:t>
+            </a:r>
+            <a:r>
+              <a:rPr lang="fr-CH" dirty="0" err="1"/>
+              <a:t>reading</a:t>
+            </a:r>
+            <a:r>
+              <a:rPr lang="fr-CH" dirty="0"/>
+              <a:t> </a:t>
+            </a:r>
+            <a:r>
+              <a:rPr lang="fr-CH" dirty="0" err="1"/>
+              <a:t>from</a:t>
+            </a:r>
+            <a:r>
+              <a:rPr lang="fr-CH" dirty="0"/>
+              <a:t> the KV store</a:t>
+            </a:r>
+          </a:p>
+          <a:p>
+            <a:r>
+              <a:rPr lang="fr-CH" dirty="0" err="1"/>
+              <a:t>Writer</a:t>
+            </a:r>
+            <a:r>
+              <a:rPr lang="fr-CH" dirty="0"/>
+              <a:t>(s) </a:t>
+            </a:r>
+            <a:r>
+              <a:rPr lang="fr-CH" dirty="0" err="1"/>
+              <a:t>arriving</a:t>
+            </a:r>
+            <a:r>
+              <a:rPr lang="fr-CH" dirty="0"/>
+              <a:t> </a:t>
+            </a:r>
+            <a:r>
+              <a:rPr lang="fr-CH" dirty="0" err="1"/>
+              <a:t>while</a:t>
+            </a:r>
+            <a:r>
+              <a:rPr lang="fr-CH" dirty="0"/>
+              <a:t> </a:t>
+            </a:r>
+            <a:r>
+              <a:rPr lang="fr-CH" dirty="0" err="1"/>
+              <a:t>another</a:t>
+            </a:r>
+            <a:r>
+              <a:rPr lang="fr-CH" dirty="0"/>
+              <a:t> </a:t>
+            </a:r>
+            <a:r>
+              <a:rPr lang="fr-CH" dirty="0" err="1"/>
+              <a:t>writer</a:t>
+            </a:r>
+            <a:r>
+              <a:rPr lang="fr-CH" dirty="0"/>
+              <a:t> </a:t>
+            </a:r>
+            <a:r>
+              <a:rPr lang="fr-CH" dirty="0" err="1"/>
+              <a:t>is</a:t>
+            </a:r>
+            <a:r>
+              <a:rPr lang="fr-CH" dirty="0"/>
+              <a:t> </a:t>
+            </a:r>
+            <a:r>
+              <a:rPr lang="fr-CH" dirty="0" err="1"/>
+              <a:t>writing</a:t>
+            </a:r>
+            <a:r>
+              <a:rPr lang="fr-CH" dirty="0"/>
+              <a:t> in the KV store</a:t>
+            </a:r>
+          </a:p>
+          <a:p>
+            <a:r>
+              <a:rPr lang="fr-CH" dirty="0" err="1"/>
+              <a:t>Writer</a:t>
+            </a:r>
+            <a:r>
+              <a:rPr lang="fr-CH" dirty="0"/>
+              <a:t>(s) </a:t>
+            </a:r>
+            <a:r>
+              <a:rPr lang="fr-CH" dirty="0" err="1"/>
+              <a:t>arriving</a:t>
+            </a:r>
+            <a:r>
+              <a:rPr lang="fr-CH" dirty="0"/>
+              <a:t> </a:t>
+            </a:r>
+            <a:r>
+              <a:rPr lang="fr-CH" dirty="0" err="1"/>
+              <a:t>while</a:t>
+            </a:r>
+            <a:r>
+              <a:rPr lang="fr-CH" dirty="0"/>
+              <a:t> </a:t>
+            </a:r>
+            <a:r>
+              <a:rPr lang="fr-CH" dirty="0" err="1"/>
+              <a:t>readers</a:t>
+            </a:r>
+            <a:r>
+              <a:rPr lang="fr-CH" dirty="0"/>
+              <a:t> are </a:t>
+            </a:r>
+            <a:r>
+              <a:rPr lang="fr-CH" dirty="0" err="1"/>
+              <a:t>reading</a:t>
+            </a:r>
+            <a:r>
+              <a:rPr lang="fr-CH" dirty="0"/>
+              <a:t> </a:t>
+            </a:r>
+            <a:r>
+              <a:rPr lang="fr-CH" dirty="0" err="1"/>
+              <a:t>from</a:t>
+            </a:r>
+            <a:r>
+              <a:rPr lang="fr-CH" dirty="0"/>
+              <a:t> the KV store</a:t>
+            </a:r>
+          </a:p>
+          <a:p>
+            <a:r>
+              <a:rPr lang="fr-CH" dirty="0"/>
+              <a:t>Reader(s) </a:t>
+            </a:r>
+            <a:r>
+              <a:rPr lang="fr-CH" dirty="0" err="1"/>
+              <a:t>arriving</a:t>
+            </a:r>
+            <a:r>
+              <a:rPr lang="fr-CH" dirty="0"/>
+              <a:t> </a:t>
+            </a:r>
+            <a:r>
+              <a:rPr lang="fr-CH" dirty="0" err="1"/>
+              <a:t>while</a:t>
+            </a:r>
+            <a:r>
+              <a:rPr lang="fr-CH" dirty="0"/>
+              <a:t> a </a:t>
+            </a:r>
+            <a:r>
+              <a:rPr lang="fr-CH" dirty="0" err="1"/>
+              <a:t>writer</a:t>
+            </a:r>
+            <a:r>
+              <a:rPr lang="fr-CH" dirty="0"/>
+              <a:t> </a:t>
+            </a:r>
+            <a:r>
+              <a:rPr lang="fr-CH" dirty="0" err="1"/>
+              <a:t>is</a:t>
+            </a:r>
+            <a:r>
+              <a:rPr lang="fr-CH" dirty="0"/>
+              <a:t> </a:t>
+            </a:r>
+            <a:r>
+              <a:rPr lang="fr-CH" dirty="0" err="1"/>
+              <a:t>writing</a:t>
+            </a:r>
+            <a:r>
+              <a:rPr lang="fr-CH" dirty="0"/>
+              <a:t> in the KV store</a:t>
+            </a:r>
+          </a:p>
+        </p:txBody>
+      </p:sp>
+    </p:spTree>
+    <p:extLst>
+      <p:ext uri="{BB962C8B-B14F-4D97-AF65-F5344CB8AC3E}">
+        <p14:creationId xmlns:p14="http://schemas.microsoft.com/office/powerpoint/2010/main" val="2815348372"/>
+      </p:ext>
+    </p:extLst>
+  </p:cSld>
+  <p:clrMapOvr>
+    <a:masterClrMapping/>
+  </p:clrMapOvr>
+</p:sld>
+</file>
+
+<file path=ppt/slides/slide13.xml><?xml version="1.0" encoding="utf-8"?>
+<p:sld xmlns:a="http://schemas.openxmlformats.org/drawingml/2006/main" xmlns:r="http://schemas.openxmlformats.org/officeDocument/2006/relationships" xmlns:p="http://schemas.openxmlformats.org/presentationml/2006/main">
+  <p:cSld>
+    <p:spTree>
+      <p:nvGrpSpPr>
+        <p:cNvPr id="1" name=""/>
+        <p:cNvGrpSpPr/>
+        <p:nvPr/>
+      </p:nvGrpSpPr>
+      <p:grpSpPr>
+        <a:xfrm>
+          <a:off x="0" y="0"/>
+          <a:ext cx="0" cy="0"/>
+          <a:chOff x="0" y="0"/>
+          <a:chExt cx="0" cy="0"/>
+        </a:xfrm>
+      </p:grpSpPr>
+      <p:sp>
+        <p:nvSpPr>
+          <p:cNvPr id="2" name="Titre 1">
+            <a:extLst>
+              <a:ext uri="{FF2B5EF4-FFF2-40B4-BE49-F238E27FC236}">
                 <a16:creationId xmlns:a16="http://schemas.microsoft.com/office/drawing/2014/main" id="{00E0BD86-BF77-554D-83D8-B38DC666CFF4}"/>
               </a:ext>
             </a:extLst>
@@ -3764,7 +3917,7 @@
 </p:sld>
 </file>
 
-<file path=ppt/slides/slide13.xml><?xml version="1.0" encoding="utf-8"?>
+<file path=ppt/slides/slide14.xml><?xml version="1.0" encoding="utf-8"?>
 <p:sld xmlns:a="http://schemas.openxmlformats.org/drawingml/2006/main" xmlns:r="http://schemas.openxmlformats.org/officeDocument/2006/relationships" xmlns:p="http://schemas.openxmlformats.org/presentationml/2006/main">
   <p:cSld>
     <p:spTree>
@@ -4553,34 +4706,65 @@
           </a:p>
         </p:txBody>
       </p:sp>
-      <p:sp>
-        <p:nvSpPr>
-          <p:cNvPr id="3" name="Espace réservé du contenu 2">
-            <a:extLst>
-              <a:ext uri="{FF2B5EF4-FFF2-40B4-BE49-F238E27FC236}">
-                <a16:creationId xmlns:a16="http://schemas.microsoft.com/office/drawing/2014/main" id="{87AC6C9C-A16C-5A4F-B351-7B5DFA3B4D97}"/>
-              </a:ext>
-            </a:extLst>
-          </p:cNvPr>
-          <p:cNvSpPr>
-            <a:spLocks noGrp="1"/>
-          </p:cNvSpPr>
+      <p:pic>
+        <p:nvPicPr>
+          <p:cNvPr id="12" name="Content Placeholder 11">
+            <a:extLst>
+              <a:ext uri="{FF2B5EF4-FFF2-40B4-BE49-F238E27FC236}">
+                <a16:creationId xmlns:a16="http://schemas.microsoft.com/office/drawing/2014/main" id="{22F8C626-A3C0-C04E-B41F-49D24CC9721A}"/>
+              </a:ext>
+            </a:extLst>
+          </p:cNvPr>
+          <p:cNvPicPr>
+            <a:picLocks noGrp="1" noChangeAspect="1"/>
+          </p:cNvPicPr>
           <p:nvPr>
             <p:ph idx="1"/>
           </p:nvPr>
-        </p:nvSpPr>
-        <p:spPr/>
-        <p:txBody>
-          <a:bodyPr/>
-          <a:lstStyle/>
-          <a:p>
-            <a:r>
-              <a:rPr lang="fr-CH" dirty="0"/>
-              <a:t>Nombre d’entrées maximum</a:t>
-            </a:r>
-          </a:p>
-        </p:txBody>
-      </p:sp>
+        </p:nvPicPr>
+        <p:blipFill>
+          <a:blip r:embed="rId2"/>
+          <a:stretch>
+            <a:fillRect/>
+          </a:stretch>
+        </p:blipFill>
+        <p:spPr>
+          <a:xfrm>
+            <a:off x="838200" y="2884671"/>
+            <a:ext cx="5505736" cy="1756140"/>
+          </a:xfrm>
+        </p:spPr>
+      </p:pic>
+      <p:pic>
+        <p:nvPicPr>
+          <p:cNvPr id="14" name="Picture 13">
+            <a:extLst>
+              <a:ext uri="{FF2B5EF4-FFF2-40B4-BE49-F238E27FC236}">
+                <a16:creationId xmlns:a16="http://schemas.microsoft.com/office/drawing/2014/main" id="{2B9149AD-90C4-3F4E-AC84-EDA73E484ED1}"/>
+              </a:ext>
+            </a:extLst>
+          </p:cNvPr>
+          <p:cNvPicPr>
+            <a:picLocks noChangeAspect="1"/>
+          </p:cNvPicPr>
+          <p:nvPr/>
+        </p:nvPicPr>
+        <p:blipFill>
+          <a:blip r:embed="rId3"/>
+          <a:stretch>
+            <a:fillRect/>
+          </a:stretch>
+        </p:blipFill>
+        <p:spPr>
+          <a:xfrm>
+            <a:off x="7558868" y="1843271"/>
+            <a:ext cx="3794932" cy="4478020"/>
+          </a:xfrm>
+          <a:prstGeom prst="rect">
+            <a:avLst/>
+          </a:prstGeom>
+        </p:spPr>
+      </p:pic>
     </p:spTree>
     <p:extLst>
       <p:ext uri="{BB962C8B-B14F-4D97-AF65-F5344CB8AC3E}">
@@ -4613,10 +4797,10 @@
       </p:grpSpPr>
       <p:sp>
         <p:nvSpPr>
-          <p:cNvPr id="2" name="Titre 1">
-            <a:extLst>
-              <a:ext uri="{FF2B5EF4-FFF2-40B4-BE49-F238E27FC236}">
-                <a16:creationId xmlns:a16="http://schemas.microsoft.com/office/drawing/2014/main" id="{CA1B08AD-FEDD-A14E-B182-F05B69FEBE5F}"/>
+          <p:cNvPr id="2" name="Title 1">
+            <a:extLst>
+              <a:ext uri="{FF2B5EF4-FFF2-40B4-BE49-F238E27FC236}">
+                <a16:creationId xmlns:a16="http://schemas.microsoft.com/office/drawing/2014/main" id="{5A4B1C14-23D2-F14F-B751-550E9D1B892F}"/>
               </a:ext>
             </a:extLst>
           </p:cNvPr>
@@ -4632,60 +4816,76 @@
           <a:bodyPr/>
           <a:lstStyle/>
           <a:p>
-            <a:r>
-              <a:rPr lang="fr-CH" dirty="0"/>
-              <a:t>Communication server - clients </a:t>
-            </a:r>
-          </a:p>
-        </p:txBody>
-      </p:sp>
-      <p:sp>
-        <p:nvSpPr>
-          <p:cNvPr id="3" name="Espace réservé du contenu 2">
-            <a:extLst>
-              <a:ext uri="{FF2B5EF4-FFF2-40B4-BE49-F238E27FC236}">
-                <a16:creationId xmlns:a16="http://schemas.microsoft.com/office/drawing/2014/main" id="{AE4F54AB-4F6C-F546-B873-EB616645313B}"/>
-              </a:ext>
-            </a:extLst>
-          </p:cNvPr>
-          <p:cNvSpPr>
-            <a:spLocks noGrp="1"/>
-          </p:cNvSpPr>
+            <a:endParaRPr lang="en-US"/>
+          </a:p>
+        </p:txBody>
+      </p:sp>
+      <p:pic>
+        <p:nvPicPr>
+          <p:cNvPr id="4" name="Content Placeholder 3">
+            <a:extLst>
+              <a:ext uri="{FF2B5EF4-FFF2-40B4-BE49-F238E27FC236}">
+                <a16:creationId xmlns:a16="http://schemas.microsoft.com/office/drawing/2014/main" id="{B6919C85-C2AD-C04F-BA31-40D08232D7A1}"/>
+              </a:ext>
+            </a:extLst>
+          </p:cNvPr>
+          <p:cNvPicPr>
+            <a:picLocks noGrp="1" noChangeAspect="1"/>
+          </p:cNvPicPr>
           <p:nvPr>
             <p:ph idx="1"/>
           </p:nvPr>
-        </p:nvSpPr>
-        <p:spPr/>
-        <p:txBody>
-          <a:bodyPr/>
-          <a:lstStyle/>
-          <a:p>
-            <a:endParaRPr lang="fr-CH" dirty="0"/>
-          </a:p>
-          <a:p>
-            <a:endParaRPr lang="fr-CH" dirty="0"/>
-          </a:p>
-          <a:p>
-            <a:endParaRPr lang="fr-CH" dirty="0"/>
-          </a:p>
-          <a:p>
-            <a:endParaRPr lang="fr-CH" dirty="0"/>
-          </a:p>
-          <a:p>
-            <a:endParaRPr lang="fr-CH" dirty="0"/>
-          </a:p>
-          <a:p>
-            <a:r>
-              <a:rPr lang="fr-CH" dirty="0"/>
-              <a:t>Messages renvoyés aux clients</a:t>
-            </a:r>
-          </a:p>
-        </p:txBody>
-      </p:sp>
+        </p:nvPicPr>
+        <p:blipFill>
+          <a:blip r:embed="rId2"/>
+          <a:stretch>
+            <a:fillRect/>
+          </a:stretch>
+        </p:blipFill>
+        <p:spPr>
+          <a:xfrm>
+            <a:off x="7666226" y="1990725"/>
+            <a:ext cx="3687574" cy="4351338"/>
+          </a:xfrm>
+          <a:prstGeom prst="rect">
+            <a:avLst/>
+          </a:prstGeom>
+        </p:spPr>
+      </p:pic>
+      <p:pic>
+        <p:nvPicPr>
+          <p:cNvPr id="6" name="Picture 5">
+            <a:extLst>
+              <a:ext uri="{FF2B5EF4-FFF2-40B4-BE49-F238E27FC236}">
+                <a16:creationId xmlns:a16="http://schemas.microsoft.com/office/drawing/2014/main" id="{9D5F8DF2-B144-CB4D-AEEC-E78E8CE86159}"/>
+              </a:ext>
+            </a:extLst>
+          </p:cNvPr>
+          <p:cNvPicPr>
+            <a:picLocks noChangeAspect="1"/>
+          </p:cNvPicPr>
+          <p:nvPr/>
+        </p:nvPicPr>
+        <p:blipFill>
+          <a:blip r:embed="rId3"/>
+          <a:stretch>
+            <a:fillRect/>
+          </a:stretch>
+        </p:blipFill>
+        <p:spPr>
+          <a:xfrm>
+            <a:off x="598008" y="1990725"/>
+            <a:ext cx="6761580" cy="1997075"/>
+          </a:xfrm>
+          <a:prstGeom prst="rect">
+            <a:avLst/>
+          </a:prstGeom>
+        </p:spPr>
+      </p:pic>
     </p:spTree>
     <p:extLst>
       <p:ext uri="{BB962C8B-B14F-4D97-AF65-F5344CB8AC3E}">
-        <p14:creationId xmlns:p14="http://schemas.microsoft.com/office/powerpoint/2010/main" val="682527423"/>
+        <p14:creationId xmlns:p14="http://schemas.microsoft.com/office/powerpoint/2010/main" val="3998104327"/>
       </p:ext>
     </p:extLst>
   </p:cSld>
@@ -4717,7 +4917,7 @@
           <p:cNvPr id="2" name="Titre 1">
             <a:extLst>
               <a:ext uri="{FF2B5EF4-FFF2-40B4-BE49-F238E27FC236}">
-                <a16:creationId xmlns:a16="http://schemas.microsoft.com/office/drawing/2014/main" id="{3FC40739-D497-7448-A2F0-F1DB658E0719}"/>
+                <a16:creationId xmlns:a16="http://schemas.microsoft.com/office/drawing/2014/main" id="{CA1B08AD-FEDD-A14E-B182-F05B69FEBE5F}"/>
               </a:ext>
             </a:extLst>
           </p:cNvPr>
@@ -4735,7 +4935,7 @@
           <a:p>
             <a:r>
               <a:rPr lang="fr-CH" dirty="0"/>
-              <a:t>Lire, écrire et modifier des valeurs</a:t>
+              <a:t>Communication server - clients </a:t>
             </a:r>
           </a:p>
         </p:txBody>
@@ -4745,7 +4945,7 @@
           <p:cNvPr id="3" name="Espace réservé du contenu 2">
             <a:extLst>
               <a:ext uri="{FF2B5EF4-FFF2-40B4-BE49-F238E27FC236}">
-                <a16:creationId xmlns:a16="http://schemas.microsoft.com/office/drawing/2014/main" id="{68A22EAD-1092-1A4F-AEC9-6627BB7E08E3}"/>
+                <a16:creationId xmlns:a16="http://schemas.microsoft.com/office/drawing/2014/main" id="{AE4F54AB-4F6C-F546-B873-EB616645313B}"/>
               </a:ext>
             </a:extLst>
           </p:cNvPr>
@@ -4761,14 +4961,32 @@
           <a:bodyPr/>
           <a:lstStyle/>
           <a:p>
-            <a:endParaRPr lang="fr-CH"/>
+            <a:endParaRPr lang="fr-CH" dirty="0"/>
+          </a:p>
+          <a:p>
+            <a:endParaRPr lang="fr-CH" dirty="0"/>
+          </a:p>
+          <a:p>
+            <a:endParaRPr lang="fr-CH" dirty="0"/>
+          </a:p>
+          <a:p>
+            <a:endParaRPr lang="fr-CH" dirty="0"/>
+          </a:p>
+          <a:p>
+            <a:endParaRPr lang="fr-CH" dirty="0"/>
+          </a:p>
+          <a:p>
+            <a:r>
+              <a:rPr lang="fr-CH" dirty="0"/>
+              <a:t>Messages renvoyés aux clients</a:t>
+            </a:r>
           </a:p>
         </p:txBody>
       </p:sp>
     </p:spTree>
     <p:extLst>
       <p:ext uri="{BB962C8B-B14F-4D97-AF65-F5344CB8AC3E}">
-        <p14:creationId xmlns:p14="http://schemas.microsoft.com/office/powerpoint/2010/main" val="2093827440"/>
+        <p14:creationId xmlns:p14="http://schemas.microsoft.com/office/powerpoint/2010/main" val="682527423"/>
       </p:ext>
     </p:extLst>
   </p:cSld>
@@ -4800,7 +5018,7 @@
           <p:cNvPr id="2" name="Titre 1">
             <a:extLst>
               <a:ext uri="{FF2B5EF4-FFF2-40B4-BE49-F238E27FC236}">
-                <a16:creationId xmlns:a16="http://schemas.microsoft.com/office/drawing/2014/main" id="{09441C29-167B-5146-8942-6CA044D184A4}"/>
+                <a16:creationId xmlns:a16="http://schemas.microsoft.com/office/drawing/2014/main" id="{3FC40739-D497-7448-A2F0-F1DB658E0719}"/>
               </a:ext>
             </a:extLst>
           </p:cNvPr>
@@ -4818,21 +5036,8 @@
           <a:p>
             <a:r>
               <a:rPr lang="fr-CH" dirty="0"/>
-              <a:t>Accès sécurisé des </a:t>
-            </a:r>
-            <a:r>
-              <a:rPr lang="fr-CH" dirty="0" err="1"/>
-              <a:t>readers</a:t>
-            </a:r>
-            <a:r>
-              <a:rPr lang="fr-CH" dirty="0"/>
-              <a:t>/</a:t>
-            </a:r>
-            <a:r>
-              <a:rPr lang="fr-CH" dirty="0" err="1"/>
-              <a:t>writers</a:t>
-            </a:r>
-            <a:endParaRPr lang="fr-CH" dirty="0"/>
+              <a:t>Lire, écrire et modifier des valeurs</a:t>
+            </a:r>
           </a:p>
         </p:txBody>
       </p:sp>
@@ -4841,7 +5046,7 @@
           <p:cNvPr id="3" name="Espace réservé du contenu 2">
             <a:extLst>
               <a:ext uri="{FF2B5EF4-FFF2-40B4-BE49-F238E27FC236}">
-                <a16:creationId xmlns:a16="http://schemas.microsoft.com/office/drawing/2014/main" id="{40C4AEB4-4E63-7147-862B-D490CC6A91EF}"/>
+                <a16:creationId xmlns:a16="http://schemas.microsoft.com/office/drawing/2014/main" id="{68A22EAD-1092-1A4F-AEC9-6627BB7E08E3}"/>
               </a:ext>
             </a:extLst>
           </p:cNvPr>
@@ -4857,70 +5062,14 @@
           <a:bodyPr/>
           <a:lstStyle/>
           <a:p>
-            <a:r>
-              <a:rPr lang="fr-CH" dirty="0" err="1"/>
-              <a:t>Mutex</a:t>
-            </a:r>
-            <a:r>
-              <a:rPr lang="fr-CH" dirty="0"/>
-              <a:t> : 4 </a:t>
-            </a:r>
-            <a:r>
-              <a:rPr lang="fr-CH" dirty="0" err="1"/>
-              <a:t>mutex</a:t>
-            </a:r>
-            <a:endParaRPr lang="fr-CH" dirty="0"/>
-          </a:p>
-          <a:p>
-            <a:pPr lvl="1"/>
-            <a:r>
-              <a:rPr lang="fr-CH" dirty="0" err="1"/>
-              <a:t>rmutex</a:t>
-            </a:r>
-            <a:endParaRPr lang="fr-CH" dirty="0"/>
-          </a:p>
-          <a:p>
-            <a:pPr lvl="1"/>
-            <a:r>
-              <a:rPr lang="fr-CH" dirty="0" err="1"/>
-              <a:t>wmutex</a:t>
-            </a:r>
-            <a:endParaRPr lang="fr-CH" dirty="0"/>
-          </a:p>
-          <a:p>
-            <a:pPr lvl="1"/>
-            <a:r>
-              <a:rPr lang="fr-CH" dirty="0" err="1"/>
-              <a:t>readTry</a:t>
-            </a:r>
-            <a:endParaRPr lang="fr-CH" dirty="0"/>
-          </a:p>
-          <a:p>
-            <a:pPr lvl="1"/>
-            <a:r>
-              <a:rPr lang="fr-CH" dirty="0" err="1"/>
-              <a:t>resource</a:t>
-            </a:r>
-            <a:endParaRPr lang="fr-CH" dirty="0"/>
-          </a:p>
-          <a:p>
-            <a:r>
-              <a:rPr lang="fr-CH" dirty="0"/>
-              <a:t>Priorité</a:t>
-            </a:r>
-          </a:p>
-          <a:p>
-            <a:r>
-              <a:rPr lang="fr-CH" dirty="0"/>
-              <a:t>Nombre clients max</a:t>
-            </a:r>
+            <a:endParaRPr lang="fr-CH"/>
           </a:p>
         </p:txBody>
       </p:sp>
     </p:spTree>
     <p:extLst>
       <p:ext uri="{BB962C8B-B14F-4D97-AF65-F5344CB8AC3E}">
-        <p14:creationId xmlns:p14="http://schemas.microsoft.com/office/powerpoint/2010/main" val="3447655025"/>
+        <p14:creationId xmlns:p14="http://schemas.microsoft.com/office/powerpoint/2010/main" val="2093827440"/>
       </p:ext>
     </p:extLst>
   </p:cSld>

--- a/presentation/KVS_presentation.pptx
+++ b/presentation/KVS_presentation.pptx
@@ -1,33 +1,128 @@
 
 <file path=ppt/presentation.xml><?xml version="1.0" encoding="utf-8"?>
-<p:presentation xmlns:a="http://schemas.openxmlformats.org/drawingml/2006/main" xmlns:p="http://schemas.openxmlformats.org/presentationml/2006/main" xmlns:r="http://schemas.openxmlformats.org/officeDocument/2006/relationships" xmlns:p14="http://schemas.microsoft.com/office/powerpoint/2010/main" xmlns:p15="http://schemas.microsoft.com/office/powerpoint/2012/main" xmlns:mc="http://schemas.openxmlformats.org/markup-compatibility/2006">
+<p:presentation xmlns:a="http://schemas.openxmlformats.org/drawingml/2006/main" xmlns:r="http://schemas.openxmlformats.org/officeDocument/2006/relationships" xmlns:p="http://schemas.openxmlformats.org/presentationml/2006/main">
   <p:sldMasterIdLst>
-    <p:sldMasterId id="2147483648" r:id="rId2"/>
-    <p:sldMasterId id="2147483661" r:id="rId3"/>
+    <p:sldMasterId id="2147483648" r:id="rId1"/>
+    <p:sldMasterId id="2147483661" r:id="rId2"/>
   </p:sldMasterIdLst>
   <p:sldIdLst>
-    <p:sldId id="256" r:id="rId4"/>
-    <p:sldId id="257" r:id="rId5"/>
-    <p:sldId id="258" r:id="rId6"/>
-    <p:sldId id="259" r:id="rId7"/>
-    <p:sldId id="260" r:id="rId8"/>
-    <p:sldId id="261" r:id="rId9"/>
-    <p:sldId id="262" r:id="rId10"/>
-    <p:sldId id="263" r:id="rId11"/>
-    <p:sldId id="264" r:id="rId12"/>
-    <p:sldId id="265" r:id="rId13"/>
-    <p:sldId id="266" r:id="rId14"/>
-    <p:sldId id="267" r:id="rId15"/>
-    <p:sldId id="268" r:id="rId16"/>
-    <p:sldId id="269" r:id="rId17"/>
+    <p:sldId id="256" r:id="rId3"/>
+    <p:sldId id="257" r:id="rId4"/>
+    <p:sldId id="258" r:id="rId5"/>
+    <p:sldId id="259" r:id="rId6"/>
+    <p:sldId id="260" r:id="rId7"/>
+    <p:sldId id="261" r:id="rId8"/>
+    <p:sldId id="262" r:id="rId9"/>
+    <p:sldId id="263" r:id="rId10"/>
+    <p:sldId id="264" r:id="rId11"/>
+    <p:sldId id="265" r:id="rId12"/>
+    <p:sldId id="266" r:id="rId13"/>
+    <p:sldId id="267" r:id="rId14"/>
+    <p:sldId id="268" r:id="rId15"/>
+    <p:sldId id="269" r:id="rId16"/>
   </p:sldIdLst>
   <p:sldSz cx="12192000" cy="6858000"/>
-  <p:notesSz cx="7559675" cy="10691812"/>
+  <p:notesSz cx="7559675" cy="10691813"/>
+  <p:defaultTextStyle>
+    <a:defPPr>
+      <a:defRPr lang="fr-FR"/>
+    </a:defPPr>
+    <a:lvl1pPr marL="0" algn="l" defTabSz="914400" rtl="0" eaLnBrk="1" latinLnBrk="0" hangingPunct="1">
+      <a:defRPr sz="1800" kern="1200">
+        <a:solidFill>
+          <a:schemeClr val="tx1"/>
+        </a:solidFill>
+        <a:latin typeface="+mn-lt"/>
+        <a:ea typeface="+mn-ea"/>
+        <a:cs typeface="+mn-cs"/>
+      </a:defRPr>
+    </a:lvl1pPr>
+    <a:lvl2pPr marL="457200" algn="l" defTabSz="914400" rtl="0" eaLnBrk="1" latinLnBrk="0" hangingPunct="1">
+      <a:defRPr sz="1800" kern="1200">
+        <a:solidFill>
+          <a:schemeClr val="tx1"/>
+        </a:solidFill>
+        <a:latin typeface="+mn-lt"/>
+        <a:ea typeface="+mn-ea"/>
+        <a:cs typeface="+mn-cs"/>
+      </a:defRPr>
+    </a:lvl2pPr>
+    <a:lvl3pPr marL="914400" algn="l" defTabSz="914400" rtl="0" eaLnBrk="1" latinLnBrk="0" hangingPunct="1">
+      <a:defRPr sz="1800" kern="1200">
+        <a:solidFill>
+          <a:schemeClr val="tx1"/>
+        </a:solidFill>
+        <a:latin typeface="+mn-lt"/>
+        <a:ea typeface="+mn-ea"/>
+        <a:cs typeface="+mn-cs"/>
+      </a:defRPr>
+    </a:lvl3pPr>
+    <a:lvl4pPr marL="1371600" algn="l" defTabSz="914400" rtl="0" eaLnBrk="1" latinLnBrk="0" hangingPunct="1">
+      <a:defRPr sz="1800" kern="1200">
+        <a:solidFill>
+          <a:schemeClr val="tx1"/>
+        </a:solidFill>
+        <a:latin typeface="+mn-lt"/>
+        <a:ea typeface="+mn-ea"/>
+        <a:cs typeface="+mn-cs"/>
+      </a:defRPr>
+    </a:lvl4pPr>
+    <a:lvl5pPr marL="1828800" algn="l" defTabSz="914400" rtl="0" eaLnBrk="1" latinLnBrk="0" hangingPunct="1">
+      <a:defRPr sz="1800" kern="1200">
+        <a:solidFill>
+          <a:schemeClr val="tx1"/>
+        </a:solidFill>
+        <a:latin typeface="+mn-lt"/>
+        <a:ea typeface="+mn-ea"/>
+        <a:cs typeface="+mn-cs"/>
+      </a:defRPr>
+    </a:lvl5pPr>
+    <a:lvl6pPr marL="2286000" algn="l" defTabSz="914400" rtl="0" eaLnBrk="1" latinLnBrk="0" hangingPunct="1">
+      <a:defRPr sz="1800" kern="1200">
+        <a:solidFill>
+          <a:schemeClr val="tx1"/>
+        </a:solidFill>
+        <a:latin typeface="+mn-lt"/>
+        <a:ea typeface="+mn-ea"/>
+        <a:cs typeface="+mn-cs"/>
+      </a:defRPr>
+    </a:lvl6pPr>
+    <a:lvl7pPr marL="2743200" algn="l" defTabSz="914400" rtl="0" eaLnBrk="1" latinLnBrk="0" hangingPunct="1">
+      <a:defRPr sz="1800" kern="1200">
+        <a:solidFill>
+          <a:schemeClr val="tx1"/>
+        </a:solidFill>
+        <a:latin typeface="+mn-lt"/>
+        <a:ea typeface="+mn-ea"/>
+        <a:cs typeface="+mn-cs"/>
+      </a:defRPr>
+    </a:lvl7pPr>
+    <a:lvl8pPr marL="3200400" algn="l" defTabSz="914400" rtl="0" eaLnBrk="1" latinLnBrk="0" hangingPunct="1">
+      <a:defRPr sz="1800" kern="1200">
+        <a:solidFill>
+          <a:schemeClr val="tx1"/>
+        </a:solidFill>
+        <a:latin typeface="+mn-lt"/>
+        <a:ea typeface="+mn-ea"/>
+        <a:cs typeface="+mn-cs"/>
+      </a:defRPr>
+    </a:lvl8pPr>
+    <a:lvl9pPr marL="3657600" algn="l" defTabSz="914400" rtl="0" eaLnBrk="1" latinLnBrk="0" hangingPunct="1">
+      <a:defRPr sz="1800" kern="1200">
+        <a:solidFill>
+          <a:schemeClr val="tx1"/>
+        </a:solidFill>
+        <a:latin typeface="+mn-lt"/>
+        <a:ea typeface="+mn-ea"/>
+        <a:cs typeface="+mn-cs"/>
+      </a:defRPr>
+    </a:lvl9pPr>
+  </p:defaultTextStyle>
 </p:presentation>
 </file>
 
 <file path=ppt/slideLayouts/slideLayout1.xml><?xml version="1.0" encoding="utf-8"?>
-<p:sldLayout xmlns:a="http://schemas.openxmlformats.org/drawingml/2006/main" xmlns:p="http://schemas.openxmlformats.org/presentationml/2006/main" xmlns:r="http://schemas.openxmlformats.org/officeDocument/2006/relationships" xmlns:p14="http://schemas.microsoft.com/office/powerpoint/2010/main" xmlns:p15="http://schemas.microsoft.com/office/powerpoint/2012/main" xmlns:mc="http://schemas.openxmlformats.org/markup-compatibility/2006" type="blank" preserve="1">
+<p:sldLayout xmlns:a="http://schemas.openxmlformats.org/drawingml/2006/main" xmlns:r="http://schemas.openxmlformats.org/officeDocument/2006/relationships" xmlns:p="http://schemas.openxmlformats.org/presentationml/2006/main" type="blank" preserve="1">
   <p:cSld name="Blank Slide">
     <p:spTree>
       <p:nvGrpSpPr>
@@ -45,11 +140,14 @@
       </p:grpSpPr>
     </p:spTree>
   </p:cSld>
+  <p:clrMapOvr>
+    <a:masterClrMapping/>
+  </p:clrMapOvr>
 </p:sldLayout>
 </file>
 
 <file path=ppt/slideLayouts/slideLayout10.xml><?xml version="1.0" encoding="utf-8"?>
-<p:sldLayout xmlns:a="http://schemas.openxmlformats.org/drawingml/2006/main" xmlns:p="http://schemas.openxmlformats.org/presentationml/2006/main" xmlns:r="http://schemas.openxmlformats.org/officeDocument/2006/relationships" xmlns:p14="http://schemas.microsoft.com/office/powerpoint/2010/main" xmlns:p15="http://schemas.microsoft.com/office/powerpoint/2012/main" xmlns:mc="http://schemas.openxmlformats.org/markup-compatibility/2006" type="objOverTx" preserve="1">
+<p:sldLayout xmlns:a="http://schemas.openxmlformats.org/drawingml/2006/main" xmlns:r="http://schemas.openxmlformats.org/officeDocument/2006/relationships" xmlns:p="http://schemas.openxmlformats.org/presentationml/2006/main" type="objOverTx" preserve="1">
   <p:cSld name="Title, Content over Content">
     <p:spTree>
       <p:nvGrpSpPr>
@@ -85,15 +183,16 @@
           </a:prstGeom>
         </p:spPr>
         <p:txBody>
-          <a:bodyPr lIns="0" rIns="0" tIns="0" bIns="0" anchor="ctr"/>
-          <a:p>
-            <a:endParaRPr b="0" lang="fr-FR" sz="1800" spc="-1" strike="noStrike">
-              <a:solidFill>
-                <a:srgbClr val="000000"/>
-              </a:solidFill>
-              <a:uFill>
-                <a:solidFill>
-                  <a:srgbClr val="ffffff"/>
+          <a:bodyPr lIns="0" tIns="0" rIns="0" bIns="0" anchor="ctr"/>
+          <a:lstStyle/>
+          <a:p>
+            <a:endParaRPr lang="fr-FR" sz="1800" b="0" strike="noStrike" spc="-1">
+              <a:solidFill>
+                <a:srgbClr val="000000"/>
+              </a:solidFill>
+              <a:uFill>
+                <a:solidFill>
+                  <a:srgbClr val="FFFFFF"/>
                 </a:solidFill>
               </a:uFill>
               <a:latin typeface="Calibri"/>
@@ -121,15 +220,16 @@
           </a:prstGeom>
         </p:spPr>
         <p:txBody>
-          <a:bodyPr lIns="0" rIns="0" tIns="0" bIns="0"/>
-          <a:p>
-            <a:endParaRPr b="0" lang="fr-FR" sz="2800" spc="-1" strike="noStrike">
-              <a:solidFill>
-                <a:srgbClr val="000000"/>
-              </a:solidFill>
-              <a:uFill>
-                <a:solidFill>
-                  <a:srgbClr val="ffffff"/>
+          <a:bodyPr lIns="0" tIns="0" rIns="0" bIns="0"/>
+          <a:lstStyle/>
+          <a:p>
+            <a:endParaRPr lang="fr-FR" sz="2800" b="0" strike="noStrike" spc="-1">
+              <a:solidFill>
+                <a:srgbClr val="000000"/>
+              </a:solidFill>
+              <a:uFill>
+                <a:solidFill>
+                  <a:srgbClr val="FFFFFF"/>
                 </a:solidFill>
               </a:uFill>
               <a:latin typeface="Calibri"/>
@@ -157,15 +257,16 @@
           </a:prstGeom>
         </p:spPr>
         <p:txBody>
-          <a:bodyPr lIns="0" rIns="0" tIns="0" bIns="0"/>
-          <a:p>
-            <a:endParaRPr b="0" lang="fr-FR" sz="2800" spc="-1" strike="noStrike">
-              <a:solidFill>
-                <a:srgbClr val="000000"/>
-              </a:solidFill>
-              <a:uFill>
-                <a:solidFill>
-                  <a:srgbClr val="ffffff"/>
+          <a:bodyPr lIns="0" tIns="0" rIns="0" bIns="0"/>
+          <a:lstStyle/>
+          <a:p>
+            <a:endParaRPr lang="fr-FR" sz="2800" b="0" strike="noStrike" spc="-1">
+              <a:solidFill>
+                <a:srgbClr val="000000"/>
+              </a:solidFill>
+              <a:uFill>
+                <a:solidFill>
+                  <a:srgbClr val="FFFFFF"/>
                 </a:solidFill>
               </a:uFill>
               <a:latin typeface="Calibri"/>
@@ -175,11 +276,14 @@
       </p:sp>
     </p:spTree>
   </p:cSld>
+  <p:clrMapOvr>
+    <a:masterClrMapping/>
+  </p:clrMapOvr>
 </p:sldLayout>
 </file>
 
 <file path=ppt/slideLayouts/slideLayout11.xml><?xml version="1.0" encoding="utf-8"?>
-<p:sldLayout xmlns:a="http://schemas.openxmlformats.org/drawingml/2006/main" xmlns:p="http://schemas.openxmlformats.org/presentationml/2006/main" xmlns:r="http://schemas.openxmlformats.org/officeDocument/2006/relationships" xmlns:p14="http://schemas.microsoft.com/office/powerpoint/2010/main" xmlns:p15="http://schemas.microsoft.com/office/powerpoint/2012/main" xmlns:mc="http://schemas.openxmlformats.org/markup-compatibility/2006" type="fourObj" preserve="1">
+<p:sldLayout xmlns:a="http://schemas.openxmlformats.org/drawingml/2006/main" xmlns:r="http://schemas.openxmlformats.org/officeDocument/2006/relationships" xmlns:p="http://schemas.openxmlformats.org/presentationml/2006/main" type="fourObj" preserve="1">
   <p:cSld name="Title, 4 Content">
     <p:spTree>
       <p:nvGrpSpPr>
@@ -215,15 +319,16 @@
           </a:prstGeom>
         </p:spPr>
         <p:txBody>
-          <a:bodyPr lIns="0" rIns="0" tIns="0" bIns="0" anchor="ctr"/>
-          <a:p>
-            <a:endParaRPr b="0" lang="fr-FR" sz="1800" spc="-1" strike="noStrike">
-              <a:solidFill>
-                <a:srgbClr val="000000"/>
-              </a:solidFill>
-              <a:uFill>
-                <a:solidFill>
-                  <a:srgbClr val="ffffff"/>
+          <a:bodyPr lIns="0" tIns="0" rIns="0" bIns="0" anchor="ctr"/>
+          <a:lstStyle/>
+          <a:p>
+            <a:endParaRPr lang="fr-FR" sz="1800" b="0" strike="noStrike" spc="-1">
+              <a:solidFill>
+                <a:srgbClr val="000000"/>
+              </a:solidFill>
+              <a:uFill>
+                <a:solidFill>
+                  <a:srgbClr val="FFFFFF"/>
                 </a:solidFill>
               </a:uFill>
               <a:latin typeface="Calibri"/>
@@ -251,15 +356,16 @@
           </a:prstGeom>
         </p:spPr>
         <p:txBody>
-          <a:bodyPr lIns="0" rIns="0" tIns="0" bIns="0"/>
-          <a:p>
-            <a:endParaRPr b="0" lang="fr-FR" sz="2800" spc="-1" strike="noStrike">
-              <a:solidFill>
-                <a:srgbClr val="000000"/>
-              </a:solidFill>
-              <a:uFill>
-                <a:solidFill>
-                  <a:srgbClr val="ffffff"/>
+          <a:bodyPr lIns="0" tIns="0" rIns="0" bIns="0"/>
+          <a:lstStyle/>
+          <a:p>
+            <a:endParaRPr lang="fr-FR" sz="2800" b="0" strike="noStrike" spc="-1">
+              <a:solidFill>
+                <a:srgbClr val="000000"/>
+              </a:solidFill>
+              <a:uFill>
+                <a:solidFill>
+                  <a:srgbClr val="FFFFFF"/>
                 </a:solidFill>
               </a:uFill>
               <a:latin typeface="Calibri"/>
@@ -287,15 +393,16 @@
           </a:prstGeom>
         </p:spPr>
         <p:txBody>
-          <a:bodyPr lIns="0" rIns="0" tIns="0" bIns="0"/>
-          <a:p>
-            <a:endParaRPr b="0" lang="fr-FR" sz="2800" spc="-1" strike="noStrike">
-              <a:solidFill>
-                <a:srgbClr val="000000"/>
-              </a:solidFill>
-              <a:uFill>
-                <a:solidFill>
-                  <a:srgbClr val="ffffff"/>
+          <a:bodyPr lIns="0" tIns="0" rIns="0" bIns="0"/>
+          <a:lstStyle/>
+          <a:p>
+            <a:endParaRPr lang="fr-FR" sz="2800" b="0" strike="noStrike" spc="-1">
+              <a:solidFill>
+                <a:srgbClr val="000000"/>
+              </a:solidFill>
+              <a:uFill>
+                <a:solidFill>
+                  <a:srgbClr val="FFFFFF"/>
                 </a:solidFill>
               </a:uFill>
               <a:latin typeface="Calibri"/>
@@ -323,15 +430,16 @@
           </a:prstGeom>
         </p:spPr>
         <p:txBody>
-          <a:bodyPr lIns="0" rIns="0" tIns="0" bIns="0"/>
-          <a:p>
-            <a:endParaRPr b="0" lang="fr-FR" sz="2800" spc="-1" strike="noStrike">
-              <a:solidFill>
-                <a:srgbClr val="000000"/>
-              </a:solidFill>
-              <a:uFill>
-                <a:solidFill>
-                  <a:srgbClr val="ffffff"/>
+          <a:bodyPr lIns="0" tIns="0" rIns="0" bIns="0"/>
+          <a:lstStyle/>
+          <a:p>
+            <a:endParaRPr lang="fr-FR" sz="2800" b="0" strike="noStrike" spc="-1">
+              <a:solidFill>
+                <a:srgbClr val="000000"/>
+              </a:solidFill>
+              <a:uFill>
+                <a:solidFill>
+                  <a:srgbClr val="FFFFFF"/>
                 </a:solidFill>
               </a:uFill>
               <a:latin typeface="Calibri"/>
@@ -359,15 +467,16 @@
           </a:prstGeom>
         </p:spPr>
         <p:txBody>
-          <a:bodyPr lIns="0" rIns="0" tIns="0" bIns="0"/>
-          <a:p>
-            <a:endParaRPr b="0" lang="fr-FR" sz="2800" spc="-1" strike="noStrike">
-              <a:solidFill>
-                <a:srgbClr val="000000"/>
-              </a:solidFill>
-              <a:uFill>
-                <a:solidFill>
-                  <a:srgbClr val="ffffff"/>
+          <a:bodyPr lIns="0" tIns="0" rIns="0" bIns="0"/>
+          <a:lstStyle/>
+          <a:p>
+            <a:endParaRPr lang="fr-FR" sz="2800" b="0" strike="noStrike" spc="-1">
+              <a:solidFill>
+                <a:srgbClr val="000000"/>
+              </a:solidFill>
+              <a:uFill>
+                <a:solidFill>
+                  <a:srgbClr val="FFFFFF"/>
                 </a:solidFill>
               </a:uFill>
               <a:latin typeface="Calibri"/>
@@ -377,11 +486,14 @@
       </p:sp>
     </p:spTree>
   </p:cSld>
+  <p:clrMapOvr>
+    <a:masterClrMapping/>
+  </p:clrMapOvr>
 </p:sldLayout>
 </file>
 
 <file path=ppt/slideLayouts/slideLayout12.xml><?xml version="1.0" encoding="utf-8"?>
-<p:sldLayout xmlns:a="http://schemas.openxmlformats.org/drawingml/2006/main" xmlns:p="http://schemas.openxmlformats.org/presentationml/2006/main" xmlns:r="http://schemas.openxmlformats.org/officeDocument/2006/relationships" xmlns:p14="http://schemas.microsoft.com/office/powerpoint/2010/main" xmlns:p15="http://schemas.microsoft.com/office/powerpoint/2012/main" xmlns:mc="http://schemas.openxmlformats.org/markup-compatibility/2006" type="blank" preserve="1">
+<p:sldLayout xmlns:a="http://schemas.openxmlformats.org/drawingml/2006/main" xmlns:r="http://schemas.openxmlformats.org/officeDocument/2006/relationships" xmlns:p="http://schemas.openxmlformats.org/presentationml/2006/main" type="blank" preserve="1">
   <p:cSld name="Title, 6 Content">
     <p:spTree>
       <p:nvGrpSpPr>
@@ -417,15 +529,16 @@
           </a:prstGeom>
         </p:spPr>
         <p:txBody>
-          <a:bodyPr lIns="0" rIns="0" tIns="0" bIns="0" anchor="ctr"/>
-          <a:p>
-            <a:endParaRPr b="0" lang="fr-FR" sz="1800" spc="-1" strike="noStrike">
-              <a:solidFill>
-                <a:srgbClr val="000000"/>
-              </a:solidFill>
-              <a:uFill>
-                <a:solidFill>
-                  <a:srgbClr val="ffffff"/>
+          <a:bodyPr lIns="0" tIns="0" rIns="0" bIns="0" anchor="ctr"/>
+          <a:lstStyle/>
+          <a:p>
+            <a:endParaRPr lang="fr-FR" sz="1800" b="0" strike="noStrike" spc="-1">
+              <a:solidFill>
+                <a:srgbClr val="000000"/>
+              </a:solidFill>
+              <a:uFill>
+                <a:solidFill>
+                  <a:srgbClr val="FFFFFF"/>
                 </a:solidFill>
               </a:uFill>
               <a:latin typeface="Calibri"/>
@@ -453,15 +566,16 @@
           </a:prstGeom>
         </p:spPr>
         <p:txBody>
-          <a:bodyPr lIns="0" rIns="0" tIns="0" bIns="0"/>
-          <a:p>
-            <a:endParaRPr b="0" lang="fr-FR" sz="2800" spc="-1" strike="noStrike">
-              <a:solidFill>
-                <a:srgbClr val="000000"/>
-              </a:solidFill>
-              <a:uFill>
-                <a:solidFill>
-                  <a:srgbClr val="ffffff"/>
+          <a:bodyPr lIns="0" tIns="0" rIns="0" bIns="0"/>
+          <a:lstStyle/>
+          <a:p>
+            <a:endParaRPr lang="fr-FR" sz="2800" b="0" strike="noStrike" spc="-1">
+              <a:solidFill>
+                <a:srgbClr val="000000"/>
+              </a:solidFill>
+              <a:uFill>
+                <a:solidFill>
+                  <a:srgbClr val="FFFFFF"/>
                 </a:solidFill>
               </a:uFill>
               <a:latin typeface="Calibri"/>
@@ -489,15 +603,16 @@
           </a:prstGeom>
         </p:spPr>
         <p:txBody>
-          <a:bodyPr lIns="0" rIns="0" tIns="0" bIns="0"/>
-          <a:p>
-            <a:endParaRPr b="0" lang="fr-FR" sz="2800" spc="-1" strike="noStrike">
-              <a:solidFill>
-                <a:srgbClr val="000000"/>
-              </a:solidFill>
-              <a:uFill>
-                <a:solidFill>
-                  <a:srgbClr val="ffffff"/>
+          <a:bodyPr lIns="0" tIns="0" rIns="0" bIns="0"/>
+          <a:lstStyle/>
+          <a:p>
+            <a:endParaRPr lang="fr-FR" sz="2800" b="0" strike="noStrike" spc="-1">
+              <a:solidFill>
+                <a:srgbClr val="000000"/>
+              </a:solidFill>
+              <a:uFill>
+                <a:solidFill>
+                  <a:srgbClr val="FFFFFF"/>
                 </a:solidFill>
               </a:uFill>
               <a:latin typeface="Calibri"/>
@@ -507,7 +622,7 @@
       </p:sp>
       <p:pic>
         <p:nvPicPr>
-          <p:cNvPr id="37" name="" descr=""/>
+          <p:cNvPr id="37" name="Image 36"/>
           <p:cNvPicPr/>
           <p:nvPr/>
         </p:nvPicPr>
@@ -530,12 +645,12 @@
       </p:pic>
       <p:pic>
         <p:nvPicPr>
-          <p:cNvPr id="38" name="" descr=""/>
+          <p:cNvPr id="38" name="Image 37"/>
           <p:cNvPicPr/>
           <p:nvPr/>
         </p:nvPicPr>
         <p:blipFill>
-          <a:blip r:embed="rId3"/>
+          <a:blip r:embed="rId2"/>
           <a:stretch/>
         </p:blipFill>
         <p:spPr>
@@ -553,11 +668,14 @@
       </p:pic>
     </p:spTree>
   </p:cSld>
+  <p:clrMapOvr>
+    <a:masterClrMapping/>
+  </p:clrMapOvr>
 </p:sldLayout>
 </file>
 
 <file path=ppt/slideLayouts/slideLayout13.xml><?xml version="1.0" encoding="utf-8"?>
-<p:sldLayout xmlns:a="http://schemas.openxmlformats.org/drawingml/2006/main" xmlns:p="http://schemas.openxmlformats.org/presentationml/2006/main" xmlns:r="http://schemas.openxmlformats.org/officeDocument/2006/relationships" xmlns:p14="http://schemas.microsoft.com/office/powerpoint/2010/main" xmlns:p15="http://schemas.microsoft.com/office/powerpoint/2012/main" xmlns:mc="http://schemas.openxmlformats.org/markup-compatibility/2006" type="blank" preserve="1">
+<p:sldLayout xmlns:a="http://schemas.openxmlformats.org/drawingml/2006/main" xmlns:r="http://schemas.openxmlformats.org/officeDocument/2006/relationships" xmlns:p="http://schemas.openxmlformats.org/presentationml/2006/main" type="blank" preserve="1">
   <p:cSld name="Blank Slide">
     <p:spTree>
       <p:nvGrpSpPr>
@@ -575,11 +693,14 @@
       </p:grpSpPr>
     </p:spTree>
   </p:cSld>
+  <p:clrMapOvr>
+    <a:masterClrMapping/>
+  </p:clrMapOvr>
 </p:sldLayout>
 </file>
 
 <file path=ppt/slideLayouts/slideLayout14.xml><?xml version="1.0" encoding="utf-8"?>
-<p:sldLayout xmlns:a="http://schemas.openxmlformats.org/drawingml/2006/main" xmlns:p="http://schemas.openxmlformats.org/presentationml/2006/main" xmlns:r="http://schemas.openxmlformats.org/officeDocument/2006/relationships" xmlns:p14="http://schemas.microsoft.com/office/powerpoint/2010/main" xmlns:p15="http://schemas.microsoft.com/office/powerpoint/2012/main" xmlns:mc="http://schemas.openxmlformats.org/markup-compatibility/2006" type="tx" preserve="1">
+<p:sldLayout xmlns:a="http://schemas.openxmlformats.org/drawingml/2006/main" xmlns:r="http://schemas.openxmlformats.org/officeDocument/2006/relationships" xmlns:p="http://schemas.openxmlformats.org/presentationml/2006/main" type="tx" preserve="1">
   <p:cSld name="Title Slide">
     <p:spTree>
       <p:nvGrpSpPr>
@@ -615,15 +736,16 @@
           </a:prstGeom>
         </p:spPr>
         <p:txBody>
-          <a:bodyPr lIns="0" rIns="0" tIns="0" bIns="0" anchor="ctr"/>
-          <a:p>
-            <a:endParaRPr b="0" lang="fr-FR" sz="1800" spc="-1" strike="noStrike">
-              <a:solidFill>
-                <a:srgbClr val="000000"/>
-              </a:solidFill>
-              <a:uFill>
-                <a:solidFill>
-                  <a:srgbClr val="ffffff"/>
+          <a:bodyPr lIns="0" tIns="0" rIns="0" bIns="0" anchor="ctr"/>
+          <a:lstStyle/>
+          <a:p>
+            <a:endParaRPr lang="fr-FR" sz="1800" b="0" strike="noStrike" spc="-1">
+              <a:solidFill>
+                <a:srgbClr val="000000"/>
+              </a:solidFill>
+              <a:uFill>
+                <a:solidFill>
+                  <a:srgbClr val="FFFFFF"/>
                 </a:solidFill>
               </a:uFill>
               <a:latin typeface="Calibri"/>
@@ -651,16 +773,17 @@
           </a:prstGeom>
         </p:spPr>
         <p:txBody>
-          <a:bodyPr lIns="0" rIns="0" tIns="0" bIns="0" anchor="ctr"/>
+          <a:bodyPr lIns="0" tIns="0" rIns="0" bIns="0" anchor="ctr"/>
+          <a:lstStyle/>
           <a:p>
             <a:pPr algn="ctr"/>
-            <a:endParaRPr b="0" lang="fr-FR" sz="3200" spc="-1" strike="noStrike">
-              <a:solidFill>
-                <a:srgbClr val="000000"/>
-              </a:solidFill>
-              <a:uFill>
-                <a:solidFill>
-                  <a:srgbClr val="ffffff"/>
+            <a:endParaRPr lang="fr-FR" sz="3200" b="0" strike="noStrike" spc="-1">
+              <a:solidFill>
+                <a:srgbClr val="000000"/>
+              </a:solidFill>
+              <a:uFill>
+                <a:solidFill>
+                  <a:srgbClr val="FFFFFF"/>
                 </a:solidFill>
               </a:uFill>
               <a:latin typeface="Arial"/>
@@ -670,11 +793,14 @@
       </p:sp>
     </p:spTree>
   </p:cSld>
+  <p:clrMapOvr>
+    <a:masterClrMapping/>
+  </p:clrMapOvr>
 </p:sldLayout>
 </file>
 
 <file path=ppt/slideLayouts/slideLayout15.xml><?xml version="1.0" encoding="utf-8"?>
-<p:sldLayout xmlns:a="http://schemas.openxmlformats.org/drawingml/2006/main" xmlns:p="http://schemas.openxmlformats.org/presentationml/2006/main" xmlns:r="http://schemas.openxmlformats.org/officeDocument/2006/relationships" xmlns:p14="http://schemas.microsoft.com/office/powerpoint/2010/main" xmlns:p15="http://schemas.microsoft.com/office/powerpoint/2012/main" xmlns:mc="http://schemas.openxmlformats.org/markup-compatibility/2006" type="obj" preserve="1">
+<p:sldLayout xmlns:a="http://schemas.openxmlformats.org/drawingml/2006/main" xmlns:r="http://schemas.openxmlformats.org/officeDocument/2006/relationships" xmlns:p="http://schemas.openxmlformats.org/presentationml/2006/main" type="obj" preserve="1">
   <p:cSld name="Title, Content">
     <p:spTree>
       <p:nvGrpSpPr>
@@ -710,15 +836,16 @@
           </a:prstGeom>
         </p:spPr>
         <p:txBody>
-          <a:bodyPr lIns="0" rIns="0" tIns="0" bIns="0" anchor="ctr"/>
-          <a:p>
-            <a:endParaRPr b="0" lang="fr-FR" sz="1800" spc="-1" strike="noStrike">
-              <a:solidFill>
-                <a:srgbClr val="000000"/>
-              </a:solidFill>
-              <a:uFill>
-                <a:solidFill>
-                  <a:srgbClr val="ffffff"/>
+          <a:bodyPr lIns="0" tIns="0" rIns="0" bIns="0" anchor="ctr"/>
+          <a:lstStyle/>
+          <a:p>
+            <a:endParaRPr lang="fr-FR" sz="1800" b="0" strike="noStrike" spc="-1">
+              <a:solidFill>
+                <a:srgbClr val="000000"/>
+              </a:solidFill>
+              <a:uFill>
+                <a:solidFill>
+                  <a:srgbClr val="FFFFFF"/>
                 </a:solidFill>
               </a:uFill>
               <a:latin typeface="Calibri"/>
@@ -746,15 +873,16 @@
           </a:prstGeom>
         </p:spPr>
         <p:txBody>
-          <a:bodyPr lIns="0" rIns="0" tIns="0" bIns="0"/>
-          <a:p>
-            <a:endParaRPr b="0" lang="fr-FR" sz="2800" spc="-1" strike="noStrike">
-              <a:solidFill>
-                <a:srgbClr val="000000"/>
-              </a:solidFill>
-              <a:uFill>
-                <a:solidFill>
-                  <a:srgbClr val="ffffff"/>
+          <a:bodyPr lIns="0" tIns="0" rIns="0" bIns="0"/>
+          <a:lstStyle/>
+          <a:p>
+            <a:endParaRPr lang="fr-FR" sz="2800" b="0" strike="noStrike" spc="-1">
+              <a:solidFill>
+                <a:srgbClr val="000000"/>
+              </a:solidFill>
+              <a:uFill>
+                <a:solidFill>
+                  <a:srgbClr val="FFFFFF"/>
                 </a:solidFill>
               </a:uFill>
               <a:latin typeface="Calibri"/>
@@ -764,11 +892,14 @@
       </p:sp>
     </p:spTree>
   </p:cSld>
+  <p:clrMapOvr>
+    <a:masterClrMapping/>
+  </p:clrMapOvr>
 </p:sldLayout>
 </file>
 
 <file path=ppt/slideLayouts/slideLayout16.xml><?xml version="1.0" encoding="utf-8"?>
-<p:sldLayout xmlns:a="http://schemas.openxmlformats.org/drawingml/2006/main" xmlns:p="http://schemas.openxmlformats.org/presentationml/2006/main" xmlns:r="http://schemas.openxmlformats.org/officeDocument/2006/relationships" xmlns:p14="http://schemas.microsoft.com/office/powerpoint/2010/main" xmlns:p15="http://schemas.microsoft.com/office/powerpoint/2012/main" xmlns:mc="http://schemas.openxmlformats.org/markup-compatibility/2006" type="twoObj" preserve="1">
+<p:sldLayout xmlns:a="http://schemas.openxmlformats.org/drawingml/2006/main" xmlns:r="http://schemas.openxmlformats.org/officeDocument/2006/relationships" xmlns:p="http://schemas.openxmlformats.org/presentationml/2006/main" type="twoObj" preserve="1">
   <p:cSld name="Title, 2 Content">
     <p:spTree>
       <p:nvGrpSpPr>
@@ -804,15 +935,16 @@
           </a:prstGeom>
         </p:spPr>
         <p:txBody>
-          <a:bodyPr lIns="0" rIns="0" tIns="0" bIns="0" anchor="ctr"/>
-          <a:p>
-            <a:endParaRPr b="0" lang="fr-FR" sz="1800" spc="-1" strike="noStrike">
-              <a:solidFill>
-                <a:srgbClr val="000000"/>
-              </a:solidFill>
-              <a:uFill>
-                <a:solidFill>
-                  <a:srgbClr val="ffffff"/>
+          <a:bodyPr lIns="0" tIns="0" rIns="0" bIns="0" anchor="ctr"/>
+          <a:lstStyle/>
+          <a:p>
+            <a:endParaRPr lang="fr-FR" sz="1800" b="0" strike="noStrike" spc="-1">
+              <a:solidFill>
+                <a:srgbClr val="000000"/>
+              </a:solidFill>
+              <a:uFill>
+                <a:solidFill>
+                  <a:srgbClr val="FFFFFF"/>
                 </a:solidFill>
               </a:uFill>
               <a:latin typeface="Calibri"/>
@@ -840,15 +972,16 @@
           </a:prstGeom>
         </p:spPr>
         <p:txBody>
-          <a:bodyPr lIns="0" rIns="0" tIns="0" bIns="0"/>
-          <a:p>
-            <a:endParaRPr b="0" lang="fr-FR" sz="2800" spc="-1" strike="noStrike">
-              <a:solidFill>
-                <a:srgbClr val="000000"/>
-              </a:solidFill>
-              <a:uFill>
-                <a:solidFill>
-                  <a:srgbClr val="ffffff"/>
+          <a:bodyPr lIns="0" tIns="0" rIns="0" bIns="0"/>
+          <a:lstStyle/>
+          <a:p>
+            <a:endParaRPr lang="fr-FR" sz="2800" b="0" strike="noStrike" spc="-1">
+              <a:solidFill>
+                <a:srgbClr val="000000"/>
+              </a:solidFill>
+              <a:uFill>
+                <a:solidFill>
+                  <a:srgbClr val="FFFFFF"/>
                 </a:solidFill>
               </a:uFill>
               <a:latin typeface="Calibri"/>
@@ -876,15 +1009,16 @@
           </a:prstGeom>
         </p:spPr>
         <p:txBody>
-          <a:bodyPr lIns="0" rIns="0" tIns="0" bIns="0"/>
-          <a:p>
-            <a:endParaRPr b="0" lang="fr-FR" sz="2800" spc="-1" strike="noStrike">
-              <a:solidFill>
-                <a:srgbClr val="000000"/>
-              </a:solidFill>
-              <a:uFill>
-                <a:solidFill>
-                  <a:srgbClr val="ffffff"/>
+          <a:bodyPr lIns="0" tIns="0" rIns="0" bIns="0"/>
+          <a:lstStyle/>
+          <a:p>
+            <a:endParaRPr lang="fr-FR" sz="2800" b="0" strike="noStrike" spc="-1">
+              <a:solidFill>
+                <a:srgbClr val="000000"/>
+              </a:solidFill>
+              <a:uFill>
+                <a:solidFill>
+                  <a:srgbClr val="FFFFFF"/>
                 </a:solidFill>
               </a:uFill>
               <a:latin typeface="Calibri"/>
@@ -894,11 +1028,14 @@
       </p:sp>
     </p:spTree>
   </p:cSld>
+  <p:clrMapOvr>
+    <a:masterClrMapping/>
+  </p:clrMapOvr>
 </p:sldLayout>
 </file>
 
 <file path=ppt/slideLayouts/slideLayout17.xml><?xml version="1.0" encoding="utf-8"?>
-<p:sldLayout xmlns:a="http://schemas.openxmlformats.org/drawingml/2006/main" xmlns:p="http://schemas.openxmlformats.org/presentationml/2006/main" xmlns:r="http://schemas.openxmlformats.org/officeDocument/2006/relationships" xmlns:p14="http://schemas.microsoft.com/office/powerpoint/2010/main" xmlns:p15="http://schemas.microsoft.com/office/powerpoint/2012/main" xmlns:mc="http://schemas.openxmlformats.org/markup-compatibility/2006" type="titleOnly" preserve="1">
+<p:sldLayout xmlns:a="http://schemas.openxmlformats.org/drawingml/2006/main" xmlns:r="http://schemas.openxmlformats.org/officeDocument/2006/relationships" xmlns:p="http://schemas.openxmlformats.org/presentationml/2006/main" type="titleOnly" preserve="1">
   <p:cSld name="Title Only">
     <p:spTree>
       <p:nvGrpSpPr>
@@ -934,15 +1071,16 @@
           </a:prstGeom>
         </p:spPr>
         <p:txBody>
-          <a:bodyPr lIns="0" rIns="0" tIns="0" bIns="0" anchor="ctr"/>
-          <a:p>
-            <a:endParaRPr b="0" lang="fr-FR" sz="1800" spc="-1" strike="noStrike">
-              <a:solidFill>
-                <a:srgbClr val="000000"/>
-              </a:solidFill>
-              <a:uFill>
-                <a:solidFill>
-                  <a:srgbClr val="ffffff"/>
+          <a:bodyPr lIns="0" tIns="0" rIns="0" bIns="0" anchor="ctr"/>
+          <a:lstStyle/>
+          <a:p>
+            <a:endParaRPr lang="fr-FR" sz="1800" b="0" strike="noStrike" spc="-1">
+              <a:solidFill>
+                <a:srgbClr val="000000"/>
+              </a:solidFill>
+              <a:uFill>
+                <a:solidFill>
+                  <a:srgbClr val="FFFFFF"/>
                 </a:solidFill>
               </a:uFill>
               <a:latin typeface="Calibri"/>
@@ -952,11 +1090,14 @@
       </p:sp>
     </p:spTree>
   </p:cSld>
+  <p:clrMapOvr>
+    <a:masterClrMapping/>
+  </p:clrMapOvr>
 </p:sldLayout>
 </file>
 
 <file path=ppt/slideLayouts/slideLayout18.xml><?xml version="1.0" encoding="utf-8"?>
-<p:sldLayout xmlns:a="http://schemas.openxmlformats.org/drawingml/2006/main" xmlns:p="http://schemas.openxmlformats.org/presentationml/2006/main" xmlns:r="http://schemas.openxmlformats.org/officeDocument/2006/relationships" xmlns:p14="http://schemas.microsoft.com/office/powerpoint/2010/main" xmlns:p15="http://schemas.microsoft.com/office/powerpoint/2012/main" xmlns:mc="http://schemas.openxmlformats.org/markup-compatibility/2006" type="objOnly" preserve="1">
+<p:sldLayout xmlns:a="http://schemas.openxmlformats.org/drawingml/2006/main" xmlns:r="http://schemas.openxmlformats.org/officeDocument/2006/relationships" xmlns:p="http://schemas.openxmlformats.org/presentationml/2006/main" type="objOnly" preserve="1">
   <p:cSld name="Centered Text">
     <p:spTree>
       <p:nvGrpSpPr>
@@ -992,16 +1133,17 @@
           </a:prstGeom>
         </p:spPr>
         <p:txBody>
-          <a:bodyPr lIns="0" rIns="0" tIns="0" bIns="0" anchor="ctr"/>
+          <a:bodyPr lIns="0" tIns="0" rIns="0" bIns="0" anchor="ctr"/>
+          <a:lstStyle/>
           <a:p>
             <a:pPr algn="ctr"/>
-            <a:endParaRPr b="0" lang="fr-FR" sz="3200" spc="-1" strike="noStrike">
-              <a:solidFill>
-                <a:srgbClr val="000000"/>
-              </a:solidFill>
-              <a:uFill>
-                <a:solidFill>
-                  <a:srgbClr val="ffffff"/>
+            <a:endParaRPr lang="fr-FR" sz="3200" b="0" strike="noStrike" spc="-1">
+              <a:solidFill>
+                <a:srgbClr val="000000"/>
+              </a:solidFill>
+              <a:uFill>
+                <a:solidFill>
+                  <a:srgbClr val="FFFFFF"/>
                 </a:solidFill>
               </a:uFill>
               <a:latin typeface="Arial"/>
@@ -1011,11 +1153,14 @@
       </p:sp>
     </p:spTree>
   </p:cSld>
+  <p:clrMapOvr>
+    <a:masterClrMapping/>
+  </p:clrMapOvr>
 </p:sldLayout>
 </file>
 
 <file path=ppt/slideLayouts/slideLayout19.xml><?xml version="1.0" encoding="utf-8"?>
-<p:sldLayout xmlns:a="http://schemas.openxmlformats.org/drawingml/2006/main" xmlns:p="http://schemas.openxmlformats.org/presentationml/2006/main" xmlns:r="http://schemas.openxmlformats.org/officeDocument/2006/relationships" xmlns:p14="http://schemas.microsoft.com/office/powerpoint/2010/main" xmlns:p15="http://schemas.microsoft.com/office/powerpoint/2012/main" xmlns:mc="http://schemas.openxmlformats.org/markup-compatibility/2006" type="twoObjAndObj" preserve="1">
+<p:sldLayout xmlns:a="http://schemas.openxmlformats.org/drawingml/2006/main" xmlns:r="http://schemas.openxmlformats.org/officeDocument/2006/relationships" xmlns:p="http://schemas.openxmlformats.org/presentationml/2006/main" type="twoObjAndObj" preserve="1">
   <p:cSld name="Title, 2 Content and Content">
     <p:spTree>
       <p:nvGrpSpPr>
@@ -1051,15 +1196,16 @@
           </a:prstGeom>
         </p:spPr>
         <p:txBody>
-          <a:bodyPr lIns="0" rIns="0" tIns="0" bIns="0" anchor="ctr"/>
-          <a:p>
-            <a:endParaRPr b="0" lang="fr-FR" sz="1800" spc="-1" strike="noStrike">
-              <a:solidFill>
-                <a:srgbClr val="000000"/>
-              </a:solidFill>
-              <a:uFill>
-                <a:solidFill>
-                  <a:srgbClr val="ffffff"/>
+          <a:bodyPr lIns="0" tIns="0" rIns="0" bIns="0" anchor="ctr"/>
+          <a:lstStyle/>
+          <a:p>
+            <a:endParaRPr lang="fr-FR" sz="1800" b="0" strike="noStrike" spc="-1">
+              <a:solidFill>
+                <a:srgbClr val="000000"/>
+              </a:solidFill>
+              <a:uFill>
+                <a:solidFill>
+                  <a:srgbClr val="FFFFFF"/>
                 </a:solidFill>
               </a:uFill>
               <a:latin typeface="Calibri"/>
@@ -1087,15 +1233,16 @@
           </a:prstGeom>
         </p:spPr>
         <p:txBody>
-          <a:bodyPr lIns="0" rIns="0" tIns="0" bIns="0"/>
-          <a:p>
-            <a:endParaRPr b="0" lang="fr-FR" sz="2800" spc="-1" strike="noStrike">
-              <a:solidFill>
-                <a:srgbClr val="000000"/>
-              </a:solidFill>
-              <a:uFill>
-                <a:solidFill>
-                  <a:srgbClr val="ffffff"/>
+          <a:bodyPr lIns="0" tIns="0" rIns="0" bIns="0"/>
+          <a:lstStyle/>
+          <a:p>
+            <a:endParaRPr lang="fr-FR" sz="2800" b="0" strike="noStrike" spc="-1">
+              <a:solidFill>
+                <a:srgbClr val="000000"/>
+              </a:solidFill>
+              <a:uFill>
+                <a:solidFill>
+                  <a:srgbClr val="FFFFFF"/>
                 </a:solidFill>
               </a:uFill>
               <a:latin typeface="Calibri"/>
@@ -1123,15 +1270,16 @@
           </a:prstGeom>
         </p:spPr>
         <p:txBody>
-          <a:bodyPr lIns="0" rIns="0" tIns="0" bIns="0"/>
-          <a:p>
-            <a:endParaRPr b="0" lang="fr-FR" sz="2800" spc="-1" strike="noStrike">
-              <a:solidFill>
-                <a:srgbClr val="000000"/>
-              </a:solidFill>
-              <a:uFill>
-                <a:solidFill>
-                  <a:srgbClr val="ffffff"/>
+          <a:bodyPr lIns="0" tIns="0" rIns="0" bIns="0"/>
+          <a:lstStyle/>
+          <a:p>
+            <a:endParaRPr lang="fr-FR" sz="2800" b="0" strike="noStrike" spc="-1">
+              <a:solidFill>
+                <a:srgbClr val="000000"/>
+              </a:solidFill>
+              <a:uFill>
+                <a:solidFill>
+                  <a:srgbClr val="FFFFFF"/>
                 </a:solidFill>
               </a:uFill>
               <a:latin typeface="Calibri"/>
@@ -1159,15 +1307,16 @@
           </a:prstGeom>
         </p:spPr>
         <p:txBody>
-          <a:bodyPr lIns="0" rIns="0" tIns="0" bIns="0"/>
-          <a:p>
-            <a:endParaRPr b="0" lang="fr-FR" sz="2800" spc="-1" strike="noStrike">
-              <a:solidFill>
-                <a:srgbClr val="000000"/>
-              </a:solidFill>
-              <a:uFill>
-                <a:solidFill>
-                  <a:srgbClr val="ffffff"/>
+          <a:bodyPr lIns="0" tIns="0" rIns="0" bIns="0"/>
+          <a:lstStyle/>
+          <a:p>
+            <a:endParaRPr lang="fr-FR" sz="2800" b="0" strike="noStrike" spc="-1">
+              <a:solidFill>
+                <a:srgbClr val="000000"/>
+              </a:solidFill>
+              <a:uFill>
+                <a:solidFill>
+                  <a:srgbClr val="FFFFFF"/>
                 </a:solidFill>
               </a:uFill>
               <a:latin typeface="Calibri"/>
@@ -1177,11 +1326,14 @@
       </p:sp>
     </p:spTree>
   </p:cSld>
+  <p:clrMapOvr>
+    <a:masterClrMapping/>
+  </p:clrMapOvr>
 </p:sldLayout>
 </file>
 
 <file path=ppt/slideLayouts/slideLayout2.xml><?xml version="1.0" encoding="utf-8"?>
-<p:sldLayout xmlns:a="http://schemas.openxmlformats.org/drawingml/2006/main" xmlns:p="http://schemas.openxmlformats.org/presentationml/2006/main" xmlns:r="http://schemas.openxmlformats.org/officeDocument/2006/relationships" xmlns:p14="http://schemas.microsoft.com/office/powerpoint/2010/main" xmlns:p15="http://schemas.microsoft.com/office/powerpoint/2012/main" xmlns:mc="http://schemas.openxmlformats.org/markup-compatibility/2006" type="tx" preserve="1">
+<p:sldLayout xmlns:a="http://schemas.openxmlformats.org/drawingml/2006/main" xmlns:r="http://schemas.openxmlformats.org/officeDocument/2006/relationships" xmlns:p="http://schemas.openxmlformats.org/presentationml/2006/main" type="tx" preserve="1">
   <p:cSld name="Title Slide">
     <p:spTree>
       <p:nvGrpSpPr>
@@ -1217,15 +1369,16 @@
           </a:prstGeom>
         </p:spPr>
         <p:txBody>
-          <a:bodyPr lIns="0" rIns="0" tIns="0" bIns="0" anchor="ctr"/>
-          <a:p>
-            <a:endParaRPr b="0" lang="fr-FR" sz="1800" spc="-1" strike="noStrike">
-              <a:solidFill>
-                <a:srgbClr val="000000"/>
-              </a:solidFill>
-              <a:uFill>
-                <a:solidFill>
-                  <a:srgbClr val="ffffff"/>
+          <a:bodyPr lIns="0" tIns="0" rIns="0" bIns="0" anchor="ctr"/>
+          <a:lstStyle/>
+          <a:p>
+            <a:endParaRPr lang="fr-FR" sz="1800" b="0" strike="noStrike" spc="-1">
+              <a:solidFill>
+                <a:srgbClr val="000000"/>
+              </a:solidFill>
+              <a:uFill>
+                <a:solidFill>
+                  <a:srgbClr val="FFFFFF"/>
                 </a:solidFill>
               </a:uFill>
               <a:latin typeface="Calibri"/>
@@ -1253,16 +1406,17 @@
           </a:prstGeom>
         </p:spPr>
         <p:txBody>
-          <a:bodyPr lIns="0" rIns="0" tIns="0" bIns="0" anchor="ctr"/>
+          <a:bodyPr lIns="0" tIns="0" rIns="0" bIns="0" anchor="ctr"/>
+          <a:lstStyle/>
           <a:p>
             <a:pPr algn="ctr"/>
-            <a:endParaRPr b="0" lang="fr-FR" sz="3200" spc="-1" strike="noStrike">
-              <a:solidFill>
-                <a:srgbClr val="000000"/>
-              </a:solidFill>
-              <a:uFill>
-                <a:solidFill>
-                  <a:srgbClr val="ffffff"/>
+            <a:endParaRPr lang="fr-FR" sz="3200" b="0" strike="noStrike" spc="-1">
+              <a:solidFill>
+                <a:srgbClr val="000000"/>
+              </a:solidFill>
+              <a:uFill>
+                <a:solidFill>
+                  <a:srgbClr val="FFFFFF"/>
                 </a:solidFill>
               </a:uFill>
               <a:latin typeface="Arial"/>
@@ -1272,11 +1426,14 @@
       </p:sp>
     </p:spTree>
   </p:cSld>
+  <p:clrMapOvr>
+    <a:masterClrMapping/>
+  </p:clrMapOvr>
 </p:sldLayout>
 </file>
 
 <file path=ppt/slideLayouts/slideLayout20.xml><?xml version="1.0" encoding="utf-8"?>
-<p:sldLayout xmlns:a="http://schemas.openxmlformats.org/drawingml/2006/main" xmlns:p="http://schemas.openxmlformats.org/presentationml/2006/main" xmlns:r="http://schemas.openxmlformats.org/officeDocument/2006/relationships" xmlns:p14="http://schemas.microsoft.com/office/powerpoint/2010/main" xmlns:p15="http://schemas.microsoft.com/office/powerpoint/2012/main" xmlns:mc="http://schemas.openxmlformats.org/markup-compatibility/2006" type="objAndTwoObj" preserve="1">
+<p:sldLayout xmlns:a="http://schemas.openxmlformats.org/drawingml/2006/main" xmlns:r="http://schemas.openxmlformats.org/officeDocument/2006/relationships" xmlns:p="http://schemas.openxmlformats.org/presentationml/2006/main" type="objAndTwoObj" preserve="1">
   <p:cSld name="Title Content and 2 Content">
     <p:spTree>
       <p:nvGrpSpPr>
@@ -1312,15 +1469,16 @@
           </a:prstGeom>
         </p:spPr>
         <p:txBody>
-          <a:bodyPr lIns="0" rIns="0" tIns="0" bIns="0" anchor="ctr"/>
-          <a:p>
-            <a:endParaRPr b="0" lang="fr-FR" sz="1800" spc="-1" strike="noStrike">
-              <a:solidFill>
-                <a:srgbClr val="000000"/>
-              </a:solidFill>
-              <a:uFill>
-                <a:solidFill>
-                  <a:srgbClr val="ffffff"/>
+          <a:bodyPr lIns="0" tIns="0" rIns="0" bIns="0" anchor="ctr"/>
+          <a:lstStyle/>
+          <a:p>
+            <a:endParaRPr lang="fr-FR" sz="1800" b="0" strike="noStrike" spc="-1">
+              <a:solidFill>
+                <a:srgbClr val="000000"/>
+              </a:solidFill>
+              <a:uFill>
+                <a:solidFill>
+                  <a:srgbClr val="FFFFFF"/>
                 </a:solidFill>
               </a:uFill>
               <a:latin typeface="Calibri"/>
@@ -1348,15 +1506,16 @@
           </a:prstGeom>
         </p:spPr>
         <p:txBody>
-          <a:bodyPr lIns="0" rIns="0" tIns="0" bIns="0"/>
-          <a:p>
-            <a:endParaRPr b="0" lang="fr-FR" sz="2800" spc="-1" strike="noStrike">
-              <a:solidFill>
-                <a:srgbClr val="000000"/>
-              </a:solidFill>
-              <a:uFill>
-                <a:solidFill>
-                  <a:srgbClr val="ffffff"/>
+          <a:bodyPr lIns="0" tIns="0" rIns="0" bIns="0"/>
+          <a:lstStyle/>
+          <a:p>
+            <a:endParaRPr lang="fr-FR" sz="2800" b="0" strike="noStrike" spc="-1">
+              <a:solidFill>
+                <a:srgbClr val="000000"/>
+              </a:solidFill>
+              <a:uFill>
+                <a:solidFill>
+                  <a:srgbClr val="FFFFFF"/>
                 </a:solidFill>
               </a:uFill>
               <a:latin typeface="Calibri"/>
@@ -1384,15 +1543,16 @@
           </a:prstGeom>
         </p:spPr>
         <p:txBody>
-          <a:bodyPr lIns="0" rIns="0" tIns="0" bIns="0"/>
-          <a:p>
-            <a:endParaRPr b="0" lang="fr-FR" sz="2800" spc="-1" strike="noStrike">
-              <a:solidFill>
-                <a:srgbClr val="000000"/>
-              </a:solidFill>
-              <a:uFill>
-                <a:solidFill>
-                  <a:srgbClr val="ffffff"/>
+          <a:bodyPr lIns="0" tIns="0" rIns="0" bIns="0"/>
+          <a:lstStyle/>
+          <a:p>
+            <a:endParaRPr lang="fr-FR" sz="2800" b="0" strike="noStrike" spc="-1">
+              <a:solidFill>
+                <a:srgbClr val="000000"/>
+              </a:solidFill>
+              <a:uFill>
+                <a:solidFill>
+                  <a:srgbClr val="FFFFFF"/>
                 </a:solidFill>
               </a:uFill>
               <a:latin typeface="Calibri"/>
@@ -1420,15 +1580,16 @@
           </a:prstGeom>
         </p:spPr>
         <p:txBody>
-          <a:bodyPr lIns="0" rIns="0" tIns="0" bIns="0"/>
-          <a:p>
-            <a:endParaRPr b="0" lang="fr-FR" sz="2800" spc="-1" strike="noStrike">
-              <a:solidFill>
-                <a:srgbClr val="000000"/>
-              </a:solidFill>
-              <a:uFill>
-                <a:solidFill>
-                  <a:srgbClr val="ffffff"/>
+          <a:bodyPr lIns="0" tIns="0" rIns="0" bIns="0"/>
+          <a:lstStyle/>
+          <a:p>
+            <a:endParaRPr lang="fr-FR" sz="2800" b="0" strike="noStrike" spc="-1">
+              <a:solidFill>
+                <a:srgbClr val="000000"/>
+              </a:solidFill>
+              <a:uFill>
+                <a:solidFill>
+                  <a:srgbClr val="FFFFFF"/>
                 </a:solidFill>
               </a:uFill>
               <a:latin typeface="Calibri"/>
@@ -1438,11 +1599,14 @@
       </p:sp>
     </p:spTree>
   </p:cSld>
+  <p:clrMapOvr>
+    <a:masterClrMapping/>
+  </p:clrMapOvr>
 </p:sldLayout>
 </file>
 
 <file path=ppt/slideLayouts/slideLayout21.xml><?xml version="1.0" encoding="utf-8"?>
-<p:sldLayout xmlns:a="http://schemas.openxmlformats.org/drawingml/2006/main" xmlns:p="http://schemas.openxmlformats.org/presentationml/2006/main" xmlns:r="http://schemas.openxmlformats.org/officeDocument/2006/relationships" xmlns:p14="http://schemas.microsoft.com/office/powerpoint/2010/main" xmlns:p15="http://schemas.microsoft.com/office/powerpoint/2012/main" xmlns:mc="http://schemas.openxmlformats.org/markup-compatibility/2006" type="twoObjOverTx" preserve="1">
+<p:sldLayout xmlns:a="http://schemas.openxmlformats.org/drawingml/2006/main" xmlns:r="http://schemas.openxmlformats.org/officeDocument/2006/relationships" xmlns:p="http://schemas.openxmlformats.org/presentationml/2006/main" type="twoObjOverTx" preserve="1">
   <p:cSld name="Title, 2 Content over Content">
     <p:spTree>
       <p:nvGrpSpPr>
@@ -1478,15 +1642,16 @@
           </a:prstGeom>
         </p:spPr>
         <p:txBody>
-          <a:bodyPr lIns="0" rIns="0" tIns="0" bIns="0" anchor="ctr"/>
-          <a:p>
-            <a:endParaRPr b="0" lang="fr-FR" sz="1800" spc="-1" strike="noStrike">
-              <a:solidFill>
-                <a:srgbClr val="000000"/>
-              </a:solidFill>
-              <a:uFill>
-                <a:solidFill>
-                  <a:srgbClr val="ffffff"/>
+          <a:bodyPr lIns="0" tIns="0" rIns="0" bIns="0" anchor="ctr"/>
+          <a:lstStyle/>
+          <a:p>
+            <a:endParaRPr lang="fr-FR" sz="1800" b="0" strike="noStrike" spc="-1">
+              <a:solidFill>
+                <a:srgbClr val="000000"/>
+              </a:solidFill>
+              <a:uFill>
+                <a:solidFill>
+                  <a:srgbClr val="FFFFFF"/>
                 </a:solidFill>
               </a:uFill>
               <a:latin typeface="Calibri"/>
@@ -1514,15 +1679,16 @@
           </a:prstGeom>
         </p:spPr>
         <p:txBody>
-          <a:bodyPr lIns="0" rIns="0" tIns="0" bIns="0"/>
-          <a:p>
-            <a:endParaRPr b="0" lang="fr-FR" sz="2800" spc="-1" strike="noStrike">
-              <a:solidFill>
-                <a:srgbClr val="000000"/>
-              </a:solidFill>
-              <a:uFill>
-                <a:solidFill>
-                  <a:srgbClr val="ffffff"/>
+          <a:bodyPr lIns="0" tIns="0" rIns="0" bIns="0"/>
+          <a:lstStyle/>
+          <a:p>
+            <a:endParaRPr lang="fr-FR" sz="2800" b="0" strike="noStrike" spc="-1">
+              <a:solidFill>
+                <a:srgbClr val="000000"/>
+              </a:solidFill>
+              <a:uFill>
+                <a:solidFill>
+                  <a:srgbClr val="FFFFFF"/>
                 </a:solidFill>
               </a:uFill>
               <a:latin typeface="Calibri"/>
@@ -1550,15 +1716,16 @@
           </a:prstGeom>
         </p:spPr>
         <p:txBody>
-          <a:bodyPr lIns="0" rIns="0" tIns="0" bIns="0"/>
-          <a:p>
-            <a:endParaRPr b="0" lang="fr-FR" sz="2800" spc="-1" strike="noStrike">
-              <a:solidFill>
-                <a:srgbClr val="000000"/>
-              </a:solidFill>
-              <a:uFill>
-                <a:solidFill>
-                  <a:srgbClr val="ffffff"/>
+          <a:bodyPr lIns="0" tIns="0" rIns="0" bIns="0"/>
+          <a:lstStyle/>
+          <a:p>
+            <a:endParaRPr lang="fr-FR" sz="2800" b="0" strike="noStrike" spc="-1">
+              <a:solidFill>
+                <a:srgbClr val="000000"/>
+              </a:solidFill>
+              <a:uFill>
+                <a:solidFill>
+                  <a:srgbClr val="FFFFFF"/>
                 </a:solidFill>
               </a:uFill>
               <a:latin typeface="Calibri"/>
@@ -1586,15 +1753,16 @@
           </a:prstGeom>
         </p:spPr>
         <p:txBody>
-          <a:bodyPr lIns="0" rIns="0" tIns="0" bIns="0"/>
-          <a:p>
-            <a:endParaRPr b="0" lang="fr-FR" sz="2800" spc="-1" strike="noStrike">
-              <a:solidFill>
-                <a:srgbClr val="000000"/>
-              </a:solidFill>
-              <a:uFill>
-                <a:solidFill>
-                  <a:srgbClr val="ffffff"/>
+          <a:bodyPr lIns="0" tIns="0" rIns="0" bIns="0"/>
+          <a:lstStyle/>
+          <a:p>
+            <a:endParaRPr lang="fr-FR" sz="2800" b="0" strike="noStrike" spc="-1">
+              <a:solidFill>
+                <a:srgbClr val="000000"/>
+              </a:solidFill>
+              <a:uFill>
+                <a:solidFill>
+                  <a:srgbClr val="FFFFFF"/>
                 </a:solidFill>
               </a:uFill>
               <a:latin typeface="Calibri"/>
@@ -1604,11 +1772,14 @@
       </p:sp>
     </p:spTree>
   </p:cSld>
+  <p:clrMapOvr>
+    <a:masterClrMapping/>
+  </p:clrMapOvr>
 </p:sldLayout>
 </file>
 
 <file path=ppt/slideLayouts/slideLayout22.xml><?xml version="1.0" encoding="utf-8"?>
-<p:sldLayout xmlns:a="http://schemas.openxmlformats.org/drawingml/2006/main" xmlns:p="http://schemas.openxmlformats.org/presentationml/2006/main" xmlns:r="http://schemas.openxmlformats.org/officeDocument/2006/relationships" xmlns:p14="http://schemas.microsoft.com/office/powerpoint/2010/main" xmlns:p15="http://schemas.microsoft.com/office/powerpoint/2012/main" xmlns:mc="http://schemas.openxmlformats.org/markup-compatibility/2006" type="objOverTx" preserve="1">
+<p:sldLayout xmlns:a="http://schemas.openxmlformats.org/drawingml/2006/main" xmlns:r="http://schemas.openxmlformats.org/officeDocument/2006/relationships" xmlns:p="http://schemas.openxmlformats.org/presentationml/2006/main" type="objOverTx" preserve="1">
   <p:cSld name="Title, Content over Content">
     <p:spTree>
       <p:nvGrpSpPr>
@@ -1644,15 +1815,16 @@
           </a:prstGeom>
         </p:spPr>
         <p:txBody>
-          <a:bodyPr lIns="0" rIns="0" tIns="0" bIns="0" anchor="ctr"/>
-          <a:p>
-            <a:endParaRPr b="0" lang="fr-FR" sz="1800" spc="-1" strike="noStrike">
-              <a:solidFill>
-                <a:srgbClr val="000000"/>
-              </a:solidFill>
-              <a:uFill>
-                <a:solidFill>
-                  <a:srgbClr val="ffffff"/>
+          <a:bodyPr lIns="0" tIns="0" rIns="0" bIns="0" anchor="ctr"/>
+          <a:lstStyle/>
+          <a:p>
+            <a:endParaRPr lang="fr-FR" sz="1800" b="0" strike="noStrike" spc="-1">
+              <a:solidFill>
+                <a:srgbClr val="000000"/>
+              </a:solidFill>
+              <a:uFill>
+                <a:solidFill>
+                  <a:srgbClr val="FFFFFF"/>
                 </a:solidFill>
               </a:uFill>
               <a:latin typeface="Calibri"/>
@@ -1680,15 +1852,16 @@
           </a:prstGeom>
         </p:spPr>
         <p:txBody>
-          <a:bodyPr lIns="0" rIns="0" tIns="0" bIns="0"/>
-          <a:p>
-            <a:endParaRPr b="0" lang="fr-FR" sz="2800" spc="-1" strike="noStrike">
-              <a:solidFill>
-                <a:srgbClr val="000000"/>
-              </a:solidFill>
-              <a:uFill>
-                <a:solidFill>
-                  <a:srgbClr val="ffffff"/>
+          <a:bodyPr lIns="0" tIns="0" rIns="0" bIns="0"/>
+          <a:lstStyle/>
+          <a:p>
+            <a:endParaRPr lang="fr-FR" sz="2800" b="0" strike="noStrike" spc="-1">
+              <a:solidFill>
+                <a:srgbClr val="000000"/>
+              </a:solidFill>
+              <a:uFill>
+                <a:solidFill>
+                  <a:srgbClr val="FFFFFF"/>
                 </a:solidFill>
               </a:uFill>
               <a:latin typeface="Calibri"/>
@@ -1716,15 +1889,16 @@
           </a:prstGeom>
         </p:spPr>
         <p:txBody>
-          <a:bodyPr lIns="0" rIns="0" tIns="0" bIns="0"/>
-          <a:p>
-            <a:endParaRPr b="0" lang="fr-FR" sz="2800" spc="-1" strike="noStrike">
-              <a:solidFill>
-                <a:srgbClr val="000000"/>
-              </a:solidFill>
-              <a:uFill>
-                <a:solidFill>
-                  <a:srgbClr val="ffffff"/>
+          <a:bodyPr lIns="0" tIns="0" rIns="0" bIns="0"/>
+          <a:lstStyle/>
+          <a:p>
+            <a:endParaRPr lang="fr-FR" sz="2800" b="0" strike="noStrike" spc="-1">
+              <a:solidFill>
+                <a:srgbClr val="000000"/>
+              </a:solidFill>
+              <a:uFill>
+                <a:solidFill>
+                  <a:srgbClr val="FFFFFF"/>
                 </a:solidFill>
               </a:uFill>
               <a:latin typeface="Calibri"/>
@@ -1734,11 +1908,14 @@
       </p:sp>
     </p:spTree>
   </p:cSld>
+  <p:clrMapOvr>
+    <a:masterClrMapping/>
+  </p:clrMapOvr>
 </p:sldLayout>
 </file>
 
 <file path=ppt/slideLayouts/slideLayout23.xml><?xml version="1.0" encoding="utf-8"?>
-<p:sldLayout xmlns:a="http://schemas.openxmlformats.org/drawingml/2006/main" xmlns:p="http://schemas.openxmlformats.org/presentationml/2006/main" xmlns:r="http://schemas.openxmlformats.org/officeDocument/2006/relationships" xmlns:p14="http://schemas.microsoft.com/office/powerpoint/2010/main" xmlns:p15="http://schemas.microsoft.com/office/powerpoint/2012/main" xmlns:mc="http://schemas.openxmlformats.org/markup-compatibility/2006" type="fourObj" preserve="1">
+<p:sldLayout xmlns:a="http://schemas.openxmlformats.org/drawingml/2006/main" xmlns:r="http://schemas.openxmlformats.org/officeDocument/2006/relationships" xmlns:p="http://schemas.openxmlformats.org/presentationml/2006/main" type="fourObj" preserve="1">
   <p:cSld name="Title, 4 Content">
     <p:spTree>
       <p:nvGrpSpPr>
@@ -1774,15 +1951,16 @@
           </a:prstGeom>
         </p:spPr>
         <p:txBody>
-          <a:bodyPr lIns="0" rIns="0" tIns="0" bIns="0" anchor="ctr"/>
-          <a:p>
-            <a:endParaRPr b="0" lang="fr-FR" sz="1800" spc="-1" strike="noStrike">
-              <a:solidFill>
-                <a:srgbClr val="000000"/>
-              </a:solidFill>
-              <a:uFill>
-                <a:solidFill>
-                  <a:srgbClr val="ffffff"/>
+          <a:bodyPr lIns="0" tIns="0" rIns="0" bIns="0" anchor="ctr"/>
+          <a:lstStyle/>
+          <a:p>
+            <a:endParaRPr lang="fr-FR" sz="1800" b="0" strike="noStrike" spc="-1">
+              <a:solidFill>
+                <a:srgbClr val="000000"/>
+              </a:solidFill>
+              <a:uFill>
+                <a:solidFill>
+                  <a:srgbClr val="FFFFFF"/>
                 </a:solidFill>
               </a:uFill>
               <a:latin typeface="Calibri"/>
@@ -1810,15 +1988,16 @@
           </a:prstGeom>
         </p:spPr>
         <p:txBody>
-          <a:bodyPr lIns="0" rIns="0" tIns="0" bIns="0"/>
-          <a:p>
-            <a:endParaRPr b="0" lang="fr-FR" sz="2800" spc="-1" strike="noStrike">
-              <a:solidFill>
-                <a:srgbClr val="000000"/>
-              </a:solidFill>
-              <a:uFill>
-                <a:solidFill>
-                  <a:srgbClr val="ffffff"/>
+          <a:bodyPr lIns="0" tIns="0" rIns="0" bIns="0"/>
+          <a:lstStyle/>
+          <a:p>
+            <a:endParaRPr lang="fr-FR" sz="2800" b="0" strike="noStrike" spc="-1">
+              <a:solidFill>
+                <a:srgbClr val="000000"/>
+              </a:solidFill>
+              <a:uFill>
+                <a:solidFill>
+                  <a:srgbClr val="FFFFFF"/>
                 </a:solidFill>
               </a:uFill>
               <a:latin typeface="Calibri"/>
@@ -1846,15 +2025,16 @@
           </a:prstGeom>
         </p:spPr>
         <p:txBody>
-          <a:bodyPr lIns="0" rIns="0" tIns="0" bIns="0"/>
-          <a:p>
-            <a:endParaRPr b="0" lang="fr-FR" sz="2800" spc="-1" strike="noStrike">
-              <a:solidFill>
-                <a:srgbClr val="000000"/>
-              </a:solidFill>
-              <a:uFill>
-                <a:solidFill>
-                  <a:srgbClr val="ffffff"/>
+          <a:bodyPr lIns="0" tIns="0" rIns="0" bIns="0"/>
+          <a:lstStyle/>
+          <a:p>
+            <a:endParaRPr lang="fr-FR" sz="2800" b="0" strike="noStrike" spc="-1">
+              <a:solidFill>
+                <a:srgbClr val="000000"/>
+              </a:solidFill>
+              <a:uFill>
+                <a:solidFill>
+                  <a:srgbClr val="FFFFFF"/>
                 </a:solidFill>
               </a:uFill>
               <a:latin typeface="Calibri"/>
@@ -1882,15 +2062,16 @@
           </a:prstGeom>
         </p:spPr>
         <p:txBody>
-          <a:bodyPr lIns="0" rIns="0" tIns="0" bIns="0"/>
-          <a:p>
-            <a:endParaRPr b="0" lang="fr-FR" sz="2800" spc="-1" strike="noStrike">
-              <a:solidFill>
-                <a:srgbClr val="000000"/>
-              </a:solidFill>
-              <a:uFill>
-                <a:solidFill>
-                  <a:srgbClr val="ffffff"/>
+          <a:bodyPr lIns="0" tIns="0" rIns="0" bIns="0"/>
+          <a:lstStyle/>
+          <a:p>
+            <a:endParaRPr lang="fr-FR" sz="2800" b="0" strike="noStrike" spc="-1">
+              <a:solidFill>
+                <a:srgbClr val="000000"/>
+              </a:solidFill>
+              <a:uFill>
+                <a:solidFill>
+                  <a:srgbClr val="FFFFFF"/>
                 </a:solidFill>
               </a:uFill>
               <a:latin typeface="Calibri"/>
@@ -1918,15 +2099,16 @@
           </a:prstGeom>
         </p:spPr>
         <p:txBody>
-          <a:bodyPr lIns="0" rIns="0" tIns="0" bIns="0"/>
-          <a:p>
-            <a:endParaRPr b="0" lang="fr-FR" sz="2800" spc="-1" strike="noStrike">
-              <a:solidFill>
-                <a:srgbClr val="000000"/>
-              </a:solidFill>
-              <a:uFill>
-                <a:solidFill>
-                  <a:srgbClr val="ffffff"/>
+          <a:bodyPr lIns="0" tIns="0" rIns="0" bIns="0"/>
+          <a:lstStyle/>
+          <a:p>
+            <a:endParaRPr lang="fr-FR" sz="2800" b="0" strike="noStrike" spc="-1">
+              <a:solidFill>
+                <a:srgbClr val="000000"/>
+              </a:solidFill>
+              <a:uFill>
+                <a:solidFill>
+                  <a:srgbClr val="FFFFFF"/>
                 </a:solidFill>
               </a:uFill>
               <a:latin typeface="Calibri"/>
@@ -1936,11 +2118,14 @@
       </p:sp>
     </p:spTree>
   </p:cSld>
+  <p:clrMapOvr>
+    <a:masterClrMapping/>
+  </p:clrMapOvr>
 </p:sldLayout>
 </file>
 
 <file path=ppt/slideLayouts/slideLayout24.xml><?xml version="1.0" encoding="utf-8"?>
-<p:sldLayout xmlns:a="http://schemas.openxmlformats.org/drawingml/2006/main" xmlns:p="http://schemas.openxmlformats.org/presentationml/2006/main" xmlns:r="http://schemas.openxmlformats.org/officeDocument/2006/relationships" xmlns:p14="http://schemas.microsoft.com/office/powerpoint/2010/main" xmlns:p15="http://schemas.microsoft.com/office/powerpoint/2012/main" xmlns:mc="http://schemas.openxmlformats.org/markup-compatibility/2006" type="blank" preserve="1">
+<p:sldLayout xmlns:a="http://schemas.openxmlformats.org/drawingml/2006/main" xmlns:r="http://schemas.openxmlformats.org/officeDocument/2006/relationships" xmlns:p="http://schemas.openxmlformats.org/presentationml/2006/main" type="blank" preserve="1">
   <p:cSld name="Title, 6 Content">
     <p:spTree>
       <p:nvGrpSpPr>
@@ -1976,15 +2161,16 @@
           </a:prstGeom>
         </p:spPr>
         <p:txBody>
-          <a:bodyPr lIns="0" rIns="0" tIns="0" bIns="0" anchor="ctr"/>
-          <a:p>
-            <a:endParaRPr b="0" lang="fr-FR" sz="1800" spc="-1" strike="noStrike">
-              <a:solidFill>
-                <a:srgbClr val="000000"/>
-              </a:solidFill>
-              <a:uFill>
-                <a:solidFill>
-                  <a:srgbClr val="ffffff"/>
+          <a:bodyPr lIns="0" tIns="0" rIns="0" bIns="0" anchor="ctr"/>
+          <a:lstStyle/>
+          <a:p>
+            <a:endParaRPr lang="fr-FR" sz="1800" b="0" strike="noStrike" spc="-1">
+              <a:solidFill>
+                <a:srgbClr val="000000"/>
+              </a:solidFill>
+              <a:uFill>
+                <a:solidFill>
+                  <a:srgbClr val="FFFFFF"/>
                 </a:solidFill>
               </a:uFill>
               <a:latin typeface="Calibri"/>
@@ -2012,15 +2198,16 @@
           </a:prstGeom>
         </p:spPr>
         <p:txBody>
-          <a:bodyPr lIns="0" rIns="0" tIns="0" bIns="0"/>
-          <a:p>
-            <a:endParaRPr b="0" lang="fr-FR" sz="2800" spc="-1" strike="noStrike">
-              <a:solidFill>
-                <a:srgbClr val="000000"/>
-              </a:solidFill>
-              <a:uFill>
-                <a:solidFill>
-                  <a:srgbClr val="ffffff"/>
+          <a:bodyPr lIns="0" tIns="0" rIns="0" bIns="0"/>
+          <a:lstStyle/>
+          <a:p>
+            <a:endParaRPr lang="fr-FR" sz="2800" b="0" strike="noStrike" spc="-1">
+              <a:solidFill>
+                <a:srgbClr val="000000"/>
+              </a:solidFill>
+              <a:uFill>
+                <a:solidFill>
+                  <a:srgbClr val="FFFFFF"/>
                 </a:solidFill>
               </a:uFill>
               <a:latin typeface="Calibri"/>
@@ -2048,15 +2235,16 @@
           </a:prstGeom>
         </p:spPr>
         <p:txBody>
-          <a:bodyPr lIns="0" rIns="0" tIns="0" bIns="0"/>
-          <a:p>
-            <a:endParaRPr b="0" lang="fr-FR" sz="2800" spc="-1" strike="noStrike">
-              <a:solidFill>
-                <a:srgbClr val="000000"/>
-              </a:solidFill>
-              <a:uFill>
-                <a:solidFill>
-                  <a:srgbClr val="ffffff"/>
+          <a:bodyPr lIns="0" tIns="0" rIns="0" bIns="0"/>
+          <a:lstStyle/>
+          <a:p>
+            <a:endParaRPr lang="fr-FR" sz="2800" b="0" strike="noStrike" spc="-1">
+              <a:solidFill>
+                <a:srgbClr val="000000"/>
+              </a:solidFill>
+              <a:uFill>
+                <a:solidFill>
+                  <a:srgbClr val="FFFFFF"/>
                 </a:solidFill>
               </a:uFill>
               <a:latin typeface="Calibri"/>
@@ -2066,7 +2254,7 @@
       </p:sp>
       <p:pic>
         <p:nvPicPr>
-          <p:cNvPr id="76" name="" descr=""/>
+          <p:cNvPr id="76" name="Image 75"/>
           <p:cNvPicPr/>
           <p:nvPr/>
         </p:nvPicPr>
@@ -2089,12 +2277,12 @@
       </p:pic>
       <p:pic>
         <p:nvPicPr>
-          <p:cNvPr id="77" name="" descr=""/>
+          <p:cNvPr id="77" name="Image 76"/>
           <p:cNvPicPr/>
           <p:nvPr/>
         </p:nvPicPr>
         <p:blipFill>
-          <a:blip r:embed="rId3"/>
+          <a:blip r:embed="rId2"/>
           <a:stretch/>
         </p:blipFill>
         <p:spPr>
@@ -2112,11 +2300,14 @@
       </p:pic>
     </p:spTree>
   </p:cSld>
+  <p:clrMapOvr>
+    <a:masterClrMapping/>
+  </p:clrMapOvr>
 </p:sldLayout>
 </file>
 
 <file path=ppt/slideLayouts/slideLayout3.xml><?xml version="1.0" encoding="utf-8"?>
-<p:sldLayout xmlns:a="http://schemas.openxmlformats.org/drawingml/2006/main" xmlns:p="http://schemas.openxmlformats.org/presentationml/2006/main" xmlns:r="http://schemas.openxmlformats.org/officeDocument/2006/relationships" xmlns:p14="http://schemas.microsoft.com/office/powerpoint/2010/main" xmlns:p15="http://schemas.microsoft.com/office/powerpoint/2012/main" xmlns:mc="http://schemas.openxmlformats.org/markup-compatibility/2006" type="obj" preserve="1">
+<p:sldLayout xmlns:a="http://schemas.openxmlformats.org/drawingml/2006/main" xmlns:r="http://schemas.openxmlformats.org/officeDocument/2006/relationships" xmlns:p="http://schemas.openxmlformats.org/presentationml/2006/main" type="obj" preserve="1">
   <p:cSld name="Title, Content">
     <p:spTree>
       <p:nvGrpSpPr>
@@ -2152,15 +2343,16 @@
           </a:prstGeom>
         </p:spPr>
         <p:txBody>
-          <a:bodyPr lIns="0" rIns="0" tIns="0" bIns="0" anchor="ctr"/>
-          <a:p>
-            <a:endParaRPr b="0" lang="fr-FR" sz="1800" spc="-1" strike="noStrike">
-              <a:solidFill>
-                <a:srgbClr val="000000"/>
-              </a:solidFill>
-              <a:uFill>
-                <a:solidFill>
-                  <a:srgbClr val="ffffff"/>
+          <a:bodyPr lIns="0" tIns="0" rIns="0" bIns="0" anchor="ctr"/>
+          <a:lstStyle/>
+          <a:p>
+            <a:endParaRPr lang="fr-FR" sz="1800" b="0" strike="noStrike" spc="-1">
+              <a:solidFill>
+                <a:srgbClr val="000000"/>
+              </a:solidFill>
+              <a:uFill>
+                <a:solidFill>
+                  <a:srgbClr val="FFFFFF"/>
                 </a:solidFill>
               </a:uFill>
               <a:latin typeface="Calibri"/>
@@ -2188,15 +2380,16 @@
           </a:prstGeom>
         </p:spPr>
         <p:txBody>
-          <a:bodyPr lIns="0" rIns="0" tIns="0" bIns="0"/>
-          <a:p>
-            <a:endParaRPr b="0" lang="fr-FR" sz="2800" spc="-1" strike="noStrike">
-              <a:solidFill>
-                <a:srgbClr val="000000"/>
-              </a:solidFill>
-              <a:uFill>
-                <a:solidFill>
-                  <a:srgbClr val="ffffff"/>
+          <a:bodyPr lIns="0" tIns="0" rIns="0" bIns="0"/>
+          <a:lstStyle/>
+          <a:p>
+            <a:endParaRPr lang="fr-FR" sz="2800" b="0" strike="noStrike" spc="-1">
+              <a:solidFill>
+                <a:srgbClr val="000000"/>
+              </a:solidFill>
+              <a:uFill>
+                <a:solidFill>
+                  <a:srgbClr val="FFFFFF"/>
                 </a:solidFill>
               </a:uFill>
               <a:latin typeface="Calibri"/>
@@ -2206,11 +2399,14 @@
       </p:sp>
     </p:spTree>
   </p:cSld>
+  <p:clrMapOvr>
+    <a:masterClrMapping/>
+  </p:clrMapOvr>
 </p:sldLayout>
 </file>
 
 <file path=ppt/slideLayouts/slideLayout4.xml><?xml version="1.0" encoding="utf-8"?>
-<p:sldLayout xmlns:a="http://schemas.openxmlformats.org/drawingml/2006/main" xmlns:p="http://schemas.openxmlformats.org/presentationml/2006/main" xmlns:r="http://schemas.openxmlformats.org/officeDocument/2006/relationships" xmlns:p14="http://schemas.microsoft.com/office/powerpoint/2010/main" xmlns:p15="http://schemas.microsoft.com/office/powerpoint/2012/main" xmlns:mc="http://schemas.openxmlformats.org/markup-compatibility/2006" type="twoObj" preserve="1">
+<p:sldLayout xmlns:a="http://schemas.openxmlformats.org/drawingml/2006/main" xmlns:r="http://schemas.openxmlformats.org/officeDocument/2006/relationships" xmlns:p="http://schemas.openxmlformats.org/presentationml/2006/main" type="twoObj" preserve="1">
   <p:cSld name="Title, 2 Content">
     <p:spTree>
       <p:nvGrpSpPr>
@@ -2246,15 +2442,16 @@
           </a:prstGeom>
         </p:spPr>
         <p:txBody>
-          <a:bodyPr lIns="0" rIns="0" tIns="0" bIns="0" anchor="ctr"/>
-          <a:p>
-            <a:endParaRPr b="0" lang="fr-FR" sz="1800" spc="-1" strike="noStrike">
-              <a:solidFill>
-                <a:srgbClr val="000000"/>
-              </a:solidFill>
-              <a:uFill>
-                <a:solidFill>
-                  <a:srgbClr val="ffffff"/>
+          <a:bodyPr lIns="0" tIns="0" rIns="0" bIns="0" anchor="ctr"/>
+          <a:lstStyle/>
+          <a:p>
+            <a:endParaRPr lang="fr-FR" sz="1800" b="0" strike="noStrike" spc="-1">
+              <a:solidFill>
+                <a:srgbClr val="000000"/>
+              </a:solidFill>
+              <a:uFill>
+                <a:solidFill>
+                  <a:srgbClr val="FFFFFF"/>
                 </a:solidFill>
               </a:uFill>
               <a:latin typeface="Calibri"/>
@@ -2282,15 +2479,16 @@
           </a:prstGeom>
         </p:spPr>
         <p:txBody>
-          <a:bodyPr lIns="0" rIns="0" tIns="0" bIns="0"/>
-          <a:p>
-            <a:endParaRPr b="0" lang="fr-FR" sz="2800" spc="-1" strike="noStrike">
-              <a:solidFill>
-                <a:srgbClr val="000000"/>
-              </a:solidFill>
-              <a:uFill>
-                <a:solidFill>
-                  <a:srgbClr val="ffffff"/>
+          <a:bodyPr lIns="0" tIns="0" rIns="0" bIns="0"/>
+          <a:lstStyle/>
+          <a:p>
+            <a:endParaRPr lang="fr-FR" sz="2800" b="0" strike="noStrike" spc="-1">
+              <a:solidFill>
+                <a:srgbClr val="000000"/>
+              </a:solidFill>
+              <a:uFill>
+                <a:solidFill>
+                  <a:srgbClr val="FFFFFF"/>
                 </a:solidFill>
               </a:uFill>
               <a:latin typeface="Calibri"/>
@@ -2318,15 +2516,16 @@
           </a:prstGeom>
         </p:spPr>
         <p:txBody>
-          <a:bodyPr lIns="0" rIns="0" tIns="0" bIns="0"/>
-          <a:p>
-            <a:endParaRPr b="0" lang="fr-FR" sz="2800" spc="-1" strike="noStrike">
-              <a:solidFill>
-                <a:srgbClr val="000000"/>
-              </a:solidFill>
-              <a:uFill>
-                <a:solidFill>
-                  <a:srgbClr val="ffffff"/>
+          <a:bodyPr lIns="0" tIns="0" rIns="0" bIns="0"/>
+          <a:lstStyle/>
+          <a:p>
+            <a:endParaRPr lang="fr-FR" sz="2800" b="0" strike="noStrike" spc="-1">
+              <a:solidFill>
+                <a:srgbClr val="000000"/>
+              </a:solidFill>
+              <a:uFill>
+                <a:solidFill>
+                  <a:srgbClr val="FFFFFF"/>
                 </a:solidFill>
               </a:uFill>
               <a:latin typeface="Calibri"/>
@@ -2336,11 +2535,14 @@
       </p:sp>
     </p:spTree>
   </p:cSld>
+  <p:clrMapOvr>
+    <a:masterClrMapping/>
+  </p:clrMapOvr>
 </p:sldLayout>
 </file>
 
 <file path=ppt/slideLayouts/slideLayout5.xml><?xml version="1.0" encoding="utf-8"?>
-<p:sldLayout xmlns:a="http://schemas.openxmlformats.org/drawingml/2006/main" xmlns:p="http://schemas.openxmlformats.org/presentationml/2006/main" xmlns:r="http://schemas.openxmlformats.org/officeDocument/2006/relationships" xmlns:p14="http://schemas.microsoft.com/office/powerpoint/2010/main" xmlns:p15="http://schemas.microsoft.com/office/powerpoint/2012/main" xmlns:mc="http://schemas.openxmlformats.org/markup-compatibility/2006" type="titleOnly" preserve="1">
+<p:sldLayout xmlns:a="http://schemas.openxmlformats.org/drawingml/2006/main" xmlns:r="http://schemas.openxmlformats.org/officeDocument/2006/relationships" xmlns:p="http://schemas.openxmlformats.org/presentationml/2006/main" type="titleOnly" preserve="1">
   <p:cSld name="Title Only">
     <p:spTree>
       <p:nvGrpSpPr>
@@ -2376,15 +2578,16 @@
           </a:prstGeom>
         </p:spPr>
         <p:txBody>
-          <a:bodyPr lIns="0" rIns="0" tIns="0" bIns="0" anchor="ctr"/>
-          <a:p>
-            <a:endParaRPr b="0" lang="fr-FR" sz="1800" spc="-1" strike="noStrike">
-              <a:solidFill>
-                <a:srgbClr val="000000"/>
-              </a:solidFill>
-              <a:uFill>
-                <a:solidFill>
-                  <a:srgbClr val="ffffff"/>
+          <a:bodyPr lIns="0" tIns="0" rIns="0" bIns="0" anchor="ctr"/>
+          <a:lstStyle/>
+          <a:p>
+            <a:endParaRPr lang="fr-FR" sz="1800" b="0" strike="noStrike" spc="-1">
+              <a:solidFill>
+                <a:srgbClr val="000000"/>
+              </a:solidFill>
+              <a:uFill>
+                <a:solidFill>
+                  <a:srgbClr val="FFFFFF"/>
                 </a:solidFill>
               </a:uFill>
               <a:latin typeface="Calibri"/>
@@ -2394,11 +2597,14 @@
       </p:sp>
     </p:spTree>
   </p:cSld>
+  <p:clrMapOvr>
+    <a:masterClrMapping/>
+  </p:clrMapOvr>
 </p:sldLayout>
 </file>
 
 <file path=ppt/slideLayouts/slideLayout6.xml><?xml version="1.0" encoding="utf-8"?>
-<p:sldLayout xmlns:a="http://schemas.openxmlformats.org/drawingml/2006/main" xmlns:p="http://schemas.openxmlformats.org/presentationml/2006/main" xmlns:r="http://schemas.openxmlformats.org/officeDocument/2006/relationships" xmlns:p14="http://schemas.microsoft.com/office/powerpoint/2010/main" xmlns:p15="http://schemas.microsoft.com/office/powerpoint/2012/main" xmlns:mc="http://schemas.openxmlformats.org/markup-compatibility/2006" type="objOnly" preserve="1">
+<p:sldLayout xmlns:a="http://schemas.openxmlformats.org/drawingml/2006/main" xmlns:r="http://schemas.openxmlformats.org/officeDocument/2006/relationships" xmlns:p="http://schemas.openxmlformats.org/presentationml/2006/main" type="objOnly" preserve="1">
   <p:cSld name="Centered Text">
     <p:spTree>
       <p:nvGrpSpPr>
@@ -2434,16 +2640,17 @@
           </a:prstGeom>
         </p:spPr>
         <p:txBody>
-          <a:bodyPr lIns="0" rIns="0" tIns="0" bIns="0" anchor="ctr"/>
+          <a:bodyPr lIns="0" tIns="0" rIns="0" bIns="0" anchor="ctr"/>
+          <a:lstStyle/>
           <a:p>
             <a:pPr algn="ctr"/>
-            <a:endParaRPr b="0" lang="fr-FR" sz="3200" spc="-1" strike="noStrike">
-              <a:solidFill>
-                <a:srgbClr val="000000"/>
-              </a:solidFill>
-              <a:uFill>
-                <a:solidFill>
-                  <a:srgbClr val="ffffff"/>
+            <a:endParaRPr lang="fr-FR" sz="3200" b="0" strike="noStrike" spc="-1">
+              <a:solidFill>
+                <a:srgbClr val="000000"/>
+              </a:solidFill>
+              <a:uFill>
+                <a:solidFill>
+                  <a:srgbClr val="FFFFFF"/>
                 </a:solidFill>
               </a:uFill>
               <a:latin typeface="Arial"/>
@@ -2453,11 +2660,14 @@
       </p:sp>
     </p:spTree>
   </p:cSld>
+  <p:clrMapOvr>
+    <a:masterClrMapping/>
+  </p:clrMapOvr>
 </p:sldLayout>
 </file>
 
 <file path=ppt/slideLayouts/slideLayout7.xml><?xml version="1.0" encoding="utf-8"?>
-<p:sldLayout xmlns:a="http://schemas.openxmlformats.org/drawingml/2006/main" xmlns:p="http://schemas.openxmlformats.org/presentationml/2006/main" xmlns:r="http://schemas.openxmlformats.org/officeDocument/2006/relationships" xmlns:p14="http://schemas.microsoft.com/office/powerpoint/2010/main" xmlns:p15="http://schemas.microsoft.com/office/powerpoint/2012/main" xmlns:mc="http://schemas.openxmlformats.org/markup-compatibility/2006" type="twoObjAndObj" preserve="1">
+<p:sldLayout xmlns:a="http://schemas.openxmlformats.org/drawingml/2006/main" xmlns:r="http://schemas.openxmlformats.org/officeDocument/2006/relationships" xmlns:p="http://schemas.openxmlformats.org/presentationml/2006/main" type="twoObjAndObj" preserve="1">
   <p:cSld name="Title, 2 Content and Content">
     <p:spTree>
       <p:nvGrpSpPr>
@@ -2493,15 +2703,16 @@
           </a:prstGeom>
         </p:spPr>
         <p:txBody>
-          <a:bodyPr lIns="0" rIns="0" tIns="0" bIns="0" anchor="ctr"/>
-          <a:p>
-            <a:endParaRPr b="0" lang="fr-FR" sz="1800" spc="-1" strike="noStrike">
-              <a:solidFill>
-                <a:srgbClr val="000000"/>
-              </a:solidFill>
-              <a:uFill>
-                <a:solidFill>
-                  <a:srgbClr val="ffffff"/>
+          <a:bodyPr lIns="0" tIns="0" rIns="0" bIns="0" anchor="ctr"/>
+          <a:lstStyle/>
+          <a:p>
+            <a:endParaRPr lang="fr-FR" sz="1800" b="0" strike="noStrike" spc="-1">
+              <a:solidFill>
+                <a:srgbClr val="000000"/>
+              </a:solidFill>
+              <a:uFill>
+                <a:solidFill>
+                  <a:srgbClr val="FFFFFF"/>
                 </a:solidFill>
               </a:uFill>
               <a:latin typeface="Calibri"/>
@@ -2529,15 +2740,16 @@
           </a:prstGeom>
         </p:spPr>
         <p:txBody>
-          <a:bodyPr lIns="0" rIns="0" tIns="0" bIns="0"/>
-          <a:p>
-            <a:endParaRPr b="0" lang="fr-FR" sz="2800" spc="-1" strike="noStrike">
-              <a:solidFill>
-                <a:srgbClr val="000000"/>
-              </a:solidFill>
-              <a:uFill>
-                <a:solidFill>
-                  <a:srgbClr val="ffffff"/>
+          <a:bodyPr lIns="0" tIns="0" rIns="0" bIns="0"/>
+          <a:lstStyle/>
+          <a:p>
+            <a:endParaRPr lang="fr-FR" sz="2800" b="0" strike="noStrike" spc="-1">
+              <a:solidFill>
+                <a:srgbClr val="000000"/>
+              </a:solidFill>
+              <a:uFill>
+                <a:solidFill>
+                  <a:srgbClr val="FFFFFF"/>
                 </a:solidFill>
               </a:uFill>
               <a:latin typeface="Calibri"/>
@@ -2565,15 +2777,16 @@
           </a:prstGeom>
         </p:spPr>
         <p:txBody>
-          <a:bodyPr lIns="0" rIns="0" tIns="0" bIns="0"/>
-          <a:p>
-            <a:endParaRPr b="0" lang="fr-FR" sz="2800" spc="-1" strike="noStrike">
-              <a:solidFill>
-                <a:srgbClr val="000000"/>
-              </a:solidFill>
-              <a:uFill>
-                <a:solidFill>
-                  <a:srgbClr val="ffffff"/>
+          <a:bodyPr lIns="0" tIns="0" rIns="0" bIns="0"/>
+          <a:lstStyle/>
+          <a:p>
+            <a:endParaRPr lang="fr-FR" sz="2800" b="0" strike="noStrike" spc="-1">
+              <a:solidFill>
+                <a:srgbClr val="000000"/>
+              </a:solidFill>
+              <a:uFill>
+                <a:solidFill>
+                  <a:srgbClr val="FFFFFF"/>
                 </a:solidFill>
               </a:uFill>
               <a:latin typeface="Calibri"/>
@@ -2601,15 +2814,16 @@
           </a:prstGeom>
         </p:spPr>
         <p:txBody>
-          <a:bodyPr lIns="0" rIns="0" tIns="0" bIns="0"/>
-          <a:p>
-            <a:endParaRPr b="0" lang="fr-FR" sz="2800" spc="-1" strike="noStrike">
-              <a:solidFill>
-                <a:srgbClr val="000000"/>
-              </a:solidFill>
-              <a:uFill>
-                <a:solidFill>
-                  <a:srgbClr val="ffffff"/>
+          <a:bodyPr lIns="0" tIns="0" rIns="0" bIns="0"/>
+          <a:lstStyle/>
+          <a:p>
+            <a:endParaRPr lang="fr-FR" sz="2800" b="0" strike="noStrike" spc="-1">
+              <a:solidFill>
+                <a:srgbClr val="000000"/>
+              </a:solidFill>
+              <a:uFill>
+                <a:solidFill>
+                  <a:srgbClr val="FFFFFF"/>
                 </a:solidFill>
               </a:uFill>
               <a:latin typeface="Calibri"/>
@@ -2619,11 +2833,14 @@
       </p:sp>
     </p:spTree>
   </p:cSld>
+  <p:clrMapOvr>
+    <a:masterClrMapping/>
+  </p:clrMapOvr>
 </p:sldLayout>
 </file>
 
 <file path=ppt/slideLayouts/slideLayout8.xml><?xml version="1.0" encoding="utf-8"?>
-<p:sldLayout xmlns:a="http://schemas.openxmlformats.org/drawingml/2006/main" xmlns:p="http://schemas.openxmlformats.org/presentationml/2006/main" xmlns:r="http://schemas.openxmlformats.org/officeDocument/2006/relationships" xmlns:p14="http://schemas.microsoft.com/office/powerpoint/2010/main" xmlns:p15="http://schemas.microsoft.com/office/powerpoint/2012/main" xmlns:mc="http://schemas.openxmlformats.org/markup-compatibility/2006" type="objAndTwoObj" preserve="1">
+<p:sldLayout xmlns:a="http://schemas.openxmlformats.org/drawingml/2006/main" xmlns:r="http://schemas.openxmlformats.org/officeDocument/2006/relationships" xmlns:p="http://schemas.openxmlformats.org/presentationml/2006/main" type="objAndTwoObj" preserve="1">
   <p:cSld name="Title Content and 2 Content">
     <p:spTree>
       <p:nvGrpSpPr>
@@ -2659,15 +2876,16 @@
           </a:prstGeom>
         </p:spPr>
         <p:txBody>
-          <a:bodyPr lIns="0" rIns="0" tIns="0" bIns="0" anchor="ctr"/>
-          <a:p>
-            <a:endParaRPr b="0" lang="fr-FR" sz="1800" spc="-1" strike="noStrike">
-              <a:solidFill>
-                <a:srgbClr val="000000"/>
-              </a:solidFill>
-              <a:uFill>
-                <a:solidFill>
-                  <a:srgbClr val="ffffff"/>
+          <a:bodyPr lIns="0" tIns="0" rIns="0" bIns="0" anchor="ctr"/>
+          <a:lstStyle/>
+          <a:p>
+            <a:endParaRPr lang="fr-FR" sz="1800" b="0" strike="noStrike" spc="-1">
+              <a:solidFill>
+                <a:srgbClr val="000000"/>
+              </a:solidFill>
+              <a:uFill>
+                <a:solidFill>
+                  <a:srgbClr val="FFFFFF"/>
                 </a:solidFill>
               </a:uFill>
               <a:latin typeface="Calibri"/>
@@ -2695,15 +2913,16 @@
           </a:prstGeom>
         </p:spPr>
         <p:txBody>
-          <a:bodyPr lIns="0" rIns="0" tIns="0" bIns="0"/>
-          <a:p>
-            <a:endParaRPr b="0" lang="fr-FR" sz="2800" spc="-1" strike="noStrike">
-              <a:solidFill>
-                <a:srgbClr val="000000"/>
-              </a:solidFill>
-              <a:uFill>
-                <a:solidFill>
-                  <a:srgbClr val="ffffff"/>
+          <a:bodyPr lIns="0" tIns="0" rIns="0" bIns="0"/>
+          <a:lstStyle/>
+          <a:p>
+            <a:endParaRPr lang="fr-FR" sz="2800" b="0" strike="noStrike" spc="-1">
+              <a:solidFill>
+                <a:srgbClr val="000000"/>
+              </a:solidFill>
+              <a:uFill>
+                <a:solidFill>
+                  <a:srgbClr val="FFFFFF"/>
                 </a:solidFill>
               </a:uFill>
               <a:latin typeface="Calibri"/>
@@ -2731,15 +2950,16 @@
           </a:prstGeom>
         </p:spPr>
         <p:txBody>
-          <a:bodyPr lIns="0" rIns="0" tIns="0" bIns="0"/>
-          <a:p>
-            <a:endParaRPr b="0" lang="fr-FR" sz="2800" spc="-1" strike="noStrike">
-              <a:solidFill>
-                <a:srgbClr val="000000"/>
-              </a:solidFill>
-              <a:uFill>
-                <a:solidFill>
-                  <a:srgbClr val="ffffff"/>
+          <a:bodyPr lIns="0" tIns="0" rIns="0" bIns="0"/>
+          <a:lstStyle/>
+          <a:p>
+            <a:endParaRPr lang="fr-FR" sz="2800" b="0" strike="noStrike" spc="-1">
+              <a:solidFill>
+                <a:srgbClr val="000000"/>
+              </a:solidFill>
+              <a:uFill>
+                <a:solidFill>
+                  <a:srgbClr val="FFFFFF"/>
                 </a:solidFill>
               </a:uFill>
               <a:latin typeface="Calibri"/>
@@ -2767,15 +2987,16 @@
           </a:prstGeom>
         </p:spPr>
         <p:txBody>
-          <a:bodyPr lIns="0" rIns="0" tIns="0" bIns="0"/>
-          <a:p>
-            <a:endParaRPr b="0" lang="fr-FR" sz="2800" spc="-1" strike="noStrike">
-              <a:solidFill>
-                <a:srgbClr val="000000"/>
-              </a:solidFill>
-              <a:uFill>
-                <a:solidFill>
-                  <a:srgbClr val="ffffff"/>
+          <a:bodyPr lIns="0" tIns="0" rIns="0" bIns="0"/>
+          <a:lstStyle/>
+          <a:p>
+            <a:endParaRPr lang="fr-FR" sz="2800" b="0" strike="noStrike" spc="-1">
+              <a:solidFill>
+                <a:srgbClr val="000000"/>
+              </a:solidFill>
+              <a:uFill>
+                <a:solidFill>
+                  <a:srgbClr val="FFFFFF"/>
                 </a:solidFill>
               </a:uFill>
               <a:latin typeface="Calibri"/>
@@ -2785,11 +3006,14 @@
       </p:sp>
     </p:spTree>
   </p:cSld>
+  <p:clrMapOvr>
+    <a:masterClrMapping/>
+  </p:clrMapOvr>
 </p:sldLayout>
 </file>
 
 <file path=ppt/slideLayouts/slideLayout9.xml><?xml version="1.0" encoding="utf-8"?>
-<p:sldLayout xmlns:a="http://schemas.openxmlformats.org/drawingml/2006/main" xmlns:p="http://schemas.openxmlformats.org/presentationml/2006/main" xmlns:r="http://schemas.openxmlformats.org/officeDocument/2006/relationships" xmlns:p14="http://schemas.microsoft.com/office/powerpoint/2010/main" xmlns:p15="http://schemas.microsoft.com/office/powerpoint/2012/main" xmlns:mc="http://schemas.openxmlformats.org/markup-compatibility/2006" type="twoObjOverTx" preserve="1">
+<p:sldLayout xmlns:a="http://schemas.openxmlformats.org/drawingml/2006/main" xmlns:r="http://schemas.openxmlformats.org/officeDocument/2006/relationships" xmlns:p="http://schemas.openxmlformats.org/presentationml/2006/main" type="twoObjOverTx" preserve="1">
   <p:cSld name="Title, 2 Content over Content">
     <p:spTree>
       <p:nvGrpSpPr>
@@ -2825,15 +3049,16 @@
           </a:prstGeom>
         </p:spPr>
         <p:txBody>
-          <a:bodyPr lIns="0" rIns="0" tIns="0" bIns="0" anchor="ctr"/>
-          <a:p>
-            <a:endParaRPr b="0" lang="fr-FR" sz="1800" spc="-1" strike="noStrike">
-              <a:solidFill>
-                <a:srgbClr val="000000"/>
-              </a:solidFill>
-              <a:uFill>
-                <a:solidFill>
-                  <a:srgbClr val="ffffff"/>
+          <a:bodyPr lIns="0" tIns="0" rIns="0" bIns="0" anchor="ctr"/>
+          <a:lstStyle/>
+          <a:p>
+            <a:endParaRPr lang="fr-FR" sz="1800" b="0" strike="noStrike" spc="-1">
+              <a:solidFill>
+                <a:srgbClr val="000000"/>
+              </a:solidFill>
+              <a:uFill>
+                <a:solidFill>
+                  <a:srgbClr val="FFFFFF"/>
                 </a:solidFill>
               </a:uFill>
               <a:latin typeface="Calibri"/>
@@ -2861,15 +3086,16 @@
           </a:prstGeom>
         </p:spPr>
         <p:txBody>
-          <a:bodyPr lIns="0" rIns="0" tIns="0" bIns="0"/>
-          <a:p>
-            <a:endParaRPr b="0" lang="fr-FR" sz="2800" spc="-1" strike="noStrike">
-              <a:solidFill>
-                <a:srgbClr val="000000"/>
-              </a:solidFill>
-              <a:uFill>
-                <a:solidFill>
-                  <a:srgbClr val="ffffff"/>
+          <a:bodyPr lIns="0" tIns="0" rIns="0" bIns="0"/>
+          <a:lstStyle/>
+          <a:p>
+            <a:endParaRPr lang="fr-FR" sz="2800" b="0" strike="noStrike" spc="-1">
+              <a:solidFill>
+                <a:srgbClr val="000000"/>
+              </a:solidFill>
+              <a:uFill>
+                <a:solidFill>
+                  <a:srgbClr val="FFFFFF"/>
                 </a:solidFill>
               </a:uFill>
               <a:latin typeface="Calibri"/>
@@ -2897,15 +3123,16 @@
           </a:prstGeom>
         </p:spPr>
         <p:txBody>
-          <a:bodyPr lIns="0" rIns="0" tIns="0" bIns="0"/>
-          <a:p>
-            <a:endParaRPr b="0" lang="fr-FR" sz="2800" spc="-1" strike="noStrike">
-              <a:solidFill>
-                <a:srgbClr val="000000"/>
-              </a:solidFill>
-              <a:uFill>
-                <a:solidFill>
-                  <a:srgbClr val="ffffff"/>
+          <a:bodyPr lIns="0" tIns="0" rIns="0" bIns="0"/>
+          <a:lstStyle/>
+          <a:p>
+            <a:endParaRPr lang="fr-FR" sz="2800" b="0" strike="noStrike" spc="-1">
+              <a:solidFill>
+                <a:srgbClr val="000000"/>
+              </a:solidFill>
+              <a:uFill>
+                <a:solidFill>
+                  <a:srgbClr val="FFFFFF"/>
                 </a:solidFill>
               </a:uFill>
               <a:latin typeface="Calibri"/>
@@ -2933,15 +3160,16 @@
           </a:prstGeom>
         </p:spPr>
         <p:txBody>
-          <a:bodyPr lIns="0" rIns="0" tIns="0" bIns="0"/>
-          <a:p>
-            <a:endParaRPr b="0" lang="fr-FR" sz="2800" spc="-1" strike="noStrike">
-              <a:solidFill>
-                <a:srgbClr val="000000"/>
-              </a:solidFill>
-              <a:uFill>
-                <a:solidFill>
-                  <a:srgbClr val="ffffff"/>
+          <a:bodyPr lIns="0" tIns="0" rIns="0" bIns="0"/>
+          <a:lstStyle/>
+          <a:p>
+            <a:endParaRPr lang="fr-FR" sz="2800" b="0" strike="noStrike" spc="-1">
+              <a:solidFill>
+                <a:srgbClr val="000000"/>
+              </a:solidFill>
+              <a:uFill>
+                <a:solidFill>
+                  <a:srgbClr val="FFFFFF"/>
                 </a:solidFill>
               </a:uFill>
               <a:latin typeface="Calibri"/>
@@ -2951,17 +3179,21 @@
       </p:sp>
     </p:spTree>
   </p:cSld>
+  <p:clrMapOvr>
+    <a:masterClrMapping/>
+  </p:clrMapOvr>
 </p:sldLayout>
 </file>
 
 <file path=ppt/slideMasters/slideMaster1.xml><?xml version="1.0" encoding="utf-8"?>
-<p:sldMaster xmlns:a="http://schemas.openxmlformats.org/drawingml/2006/main" xmlns:p="http://schemas.openxmlformats.org/presentationml/2006/main" xmlns:r="http://schemas.openxmlformats.org/officeDocument/2006/relationships" xmlns:p14="http://schemas.microsoft.com/office/powerpoint/2010/main" xmlns:p15="http://schemas.microsoft.com/office/powerpoint/2012/main" xmlns:mc="http://schemas.openxmlformats.org/markup-compatibility/2006">
+<p:sldMaster xmlns:a="http://schemas.openxmlformats.org/drawingml/2006/main" xmlns:r="http://schemas.openxmlformats.org/officeDocument/2006/relationships" xmlns:p="http://schemas.openxmlformats.org/presentationml/2006/main">
   <p:cSld>
     <p:bg>
       <p:bgPr>
         <a:solidFill>
-          <a:srgbClr val="ffffff"/>
+          <a:srgbClr val="FFFFFF"/>
         </a:solidFill>
+        <a:effectLst/>
       </p:bgPr>
     </p:bg>
     <p:spTree>
@@ -2980,7 +3212,7 @@
       </p:grpSpPr>
       <p:sp>
         <p:nvSpPr>
-          <p:cNvPr id="0" name="PlaceHolder 1"/>
+          <p:cNvPr id="5" name="PlaceHolder 1"/>
           <p:cNvSpPr>
             <a:spLocks noGrp="1"/>
           </p:cNvSpPr>
@@ -2999,6 +3231,7 @@
         </p:spPr>
         <p:txBody>
           <a:bodyPr anchor="b"/>
+          <a:lstStyle/>
           <a:p>
             <a:pPr algn="ctr">
               <a:lnSpc>
@@ -3006,36 +3239,36 @@
               </a:lnSpc>
             </a:pPr>
             <a:r>
-              <a:rPr b="0" lang="fr-FR" sz="6000" spc="-1" strike="noStrike">
+              <a:rPr lang="fr-FR" sz="6000" b="0" strike="noStrike" spc="-1">
                 <a:solidFill>
                   <a:srgbClr val="000000"/>
                 </a:solidFill>
                 <a:uFill>
                   <a:solidFill>
-                    <a:srgbClr val="ffffff"/>
+                    <a:srgbClr val="FFFFFF"/>
                   </a:solidFill>
                 </a:uFill>
                 <a:latin typeface="Calibri Light"/>
               </a:rPr>
               <a:t>Modifiez le style du titre</a:t>
             </a:r>
-            <a:endParaRPr b="0" lang="fr-FR" sz="1800" spc="-1" strike="noStrike">
-              <a:solidFill>
-                <a:srgbClr val="000000"/>
-              </a:solidFill>
-              <a:uFill>
-                <a:solidFill>
-                  <a:srgbClr val="ffffff"/>
-                </a:solidFill>
-              </a:uFill>
-              <a:latin typeface="Calibri"/>
-            </a:endParaRPr>
-          </a:p>
-        </p:txBody>
-      </p:sp>
-      <p:sp>
-        <p:nvSpPr>
-          <p:cNvPr id="1" name="PlaceHolder 2"/>
+            <a:endParaRPr lang="fr-FR" sz="1800" b="0" strike="noStrike" spc="-1">
+              <a:solidFill>
+                <a:srgbClr val="000000"/>
+              </a:solidFill>
+              <a:uFill>
+                <a:solidFill>
+                  <a:srgbClr val="FFFFFF"/>
+                </a:solidFill>
+              </a:uFill>
+              <a:latin typeface="Calibri"/>
+            </a:endParaRPr>
+          </a:p>
+        </p:txBody>
+      </p:sp>
+      <p:sp>
+        <p:nvSpPr>
+          <p:cNvPr id="6" name="PlaceHolder 2"/>
           <p:cNvSpPr>
             <a:spLocks noGrp="1"/>
           </p:cNvSpPr>
@@ -3054,6 +3287,7 @@
         </p:spPr>
         <p:txBody>
           <a:bodyPr anchor="ctr"/>
+          <a:lstStyle/>
           <a:p>
             <a:pPr>
               <a:lnSpc>
@@ -3061,26 +3295,26 @@
               </a:lnSpc>
             </a:pPr>
             <a:r>
-              <a:rPr b="0" lang="fr-FR" sz="1200" spc="-1" strike="noStrike">
-                <a:solidFill>
-                  <a:srgbClr val="8b8b8b"/>
+              <a:rPr lang="fr-FR" sz="1200" b="0" strike="noStrike" spc="-1">
+                <a:solidFill>
+                  <a:srgbClr val="8B8B8B"/>
                 </a:solidFill>
                 <a:uFill>
                   <a:solidFill>
-                    <a:srgbClr val="ffffff"/>
+                    <a:srgbClr val="FFFFFF"/>
                   </a:solidFill>
                 </a:uFill>
                 <a:latin typeface="Calibri"/>
               </a:rPr>
               <a:t>26/05/2018</a:t>
             </a:r>
-            <a:endParaRPr b="0" lang="fr-FR" sz="1400" spc="-1" strike="noStrike">
-              <a:solidFill>
-                <a:srgbClr val="000000"/>
-              </a:solidFill>
-              <a:uFill>
-                <a:solidFill>
-                  <a:srgbClr val="ffffff"/>
+            <a:endParaRPr lang="fr-FR" sz="1400" b="0" strike="noStrike" spc="-1">
+              <a:solidFill>
+                <a:srgbClr val="000000"/>
+              </a:solidFill>
+              <a:uFill>
+                <a:solidFill>
+                  <a:srgbClr val="FFFFFF"/>
                 </a:solidFill>
               </a:uFill>
               <a:latin typeface="Times New Roman"/>
@@ -3109,14 +3343,15 @@
         </p:spPr>
         <p:txBody>
           <a:bodyPr anchor="ctr"/>
-          <a:p>
-            <a:endParaRPr b="0" lang="fr-FR" sz="2400" spc="-1" strike="noStrike">
-              <a:solidFill>
-                <a:srgbClr val="000000"/>
-              </a:solidFill>
-              <a:uFill>
-                <a:solidFill>
-                  <a:srgbClr val="ffffff"/>
+          <a:lstStyle/>
+          <a:p>
+            <a:endParaRPr lang="fr-FR" sz="2400" b="0" strike="noStrike" spc="-1">
+              <a:solidFill>
+                <a:srgbClr val="000000"/>
+              </a:solidFill>
+              <a:uFill>
+                <a:solidFill>
+                  <a:srgbClr val="FFFFFF"/>
                 </a:solidFill>
               </a:uFill>
               <a:latin typeface="Times New Roman"/>
@@ -3145,6 +3380,7 @@
         </p:spPr>
         <p:txBody>
           <a:bodyPr anchor="ctr"/>
+          <a:lstStyle/>
           <a:p>
             <a:pPr algn="r">
               <a:lnSpc>
@@ -3152,26 +3388,26 @@
               </a:lnSpc>
             </a:pPr>
             <a:fld id="{51A57028-D643-4542-99B1-3D330D6ECD37}" type="slidenum">
-              <a:rPr b="0" lang="fr-FR" sz="1200" spc="-1" strike="noStrike">
-                <a:solidFill>
-                  <a:srgbClr val="8b8b8b"/>
+              <a:rPr lang="fr-FR" sz="1200" b="0" strike="noStrike" spc="-1">
+                <a:solidFill>
+                  <a:srgbClr val="8B8B8B"/>
                 </a:solidFill>
                 <a:uFill>
                   <a:solidFill>
-                    <a:srgbClr val="ffffff"/>
+                    <a:srgbClr val="FFFFFF"/>
                   </a:solidFill>
                 </a:uFill>
                 <a:latin typeface="Calibri"/>
               </a:rPr>
-              <a:t>&lt;numéro&gt;</a:t>
+              <a:t>‹N°›</a:t>
             </a:fld>
-            <a:endParaRPr b="0" lang="fr-FR" sz="1400" spc="-1" strike="noStrike">
-              <a:solidFill>
-                <a:srgbClr val="000000"/>
-              </a:solidFill>
-              <a:uFill>
-                <a:solidFill>
-                  <a:srgbClr val="ffffff"/>
+            <a:endParaRPr lang="fr-FR" sz="1400" b="0" strike="noStrike" spc="-1">
+              <a:solidFill>
+                <a:srgbClr val="000000"/>
+              </a:solidFill>
+              <a:uFill>
+                <a:solidFill>
+                  <a:srgbClr val="FFFFFF"/>
                 </a:solidFill>
               </a:uFill>
               <a:latin typeface="Times New Roman"/>
@@ -3199,7 +3435,8 @@
           </a:prstGeom>
         </p:spPr>
         <p:txBody>
-          <a:bodyPr lIns="0" rIns="0" tIns="0" bIns="0"/>
+          <a:bodyPr lIns="0" tIns="0" rIns="0" bIns="0"/>
+          <a:lstStyle/>
           <a:p>
             <a:pPr marL="432000" indent="-324000">
               <a:buClr>
@@ -3210,33 +3447,22 @@
               <a:buChar char=""/>
             </a:pPr>
             <a:r>
-              <a:rPr b="0" lang="fr-FR" sz="2800" spc="-1" strike="noStrike">
+              <a:rPr lang="fr-FR" sz="2800" b="0" strike="noStrike" spc="-1">
                 <a:solidFill>
                   <a:srgbClr val="000000"/>
                 </a:solidFill>
                 <a:uFill>
                   <a:solidFill>
-                    <a:srgbClr val="ffffff"/>
+                    <a:srgbClr val="FFFFFF"/>
                   </a:solidFill>
                 </a:uFill>
                 <a:latin typeface="Calibri"/>
               </a:rPr>
               <a:t>Cliquez pour éditer le format du plan de texte</a:t>
             </a:r>
-            <a:endParaRPr b="0" lang="fr-FR" sz="2800" spc="-1" strike="noStrike">
-              <a:solidFill>
-                <a:srgbClr val="000000"/>
-              </a:solidFill>
-              <a:uFill>
-                <a:solidFill>
-                  <a:srgbClr val="ffffff"/>
-                </a:solidFill>
-              </a:uFill>
-              <a:latin typeface="Calibri"/>
-            </a:endParaRPr>
-          </a:p>
-          <a:p>
-            <a:pPr lvl="1" marL="864000" indent="-324000">
+          </a:p>
+          <a:p>
+            <a:pPr marL="864000" lvl="1" indent="-324000">
               <a:buClr>
                 <a:srgbClr val="000000"/>
               </a:buClr>
@@ -3245,33 +3471,22 @@
               <a:buChar char=""/>
             </a:pPr>
             <a:r>
-              <a:rPr b="0" lang="fr-FR" sz="2000" spc="-1" strike="noStrike">
+              <a:rPr lang="fr-FR" sz="2000" b="0" strike="noStrike" spc="-1">
                 <a:solidFill>
                   <a:srgbClr val="000000"/>
                 </a:solidFill>
                 <a:uFill>
                   <a:solidFill>
-                    <a:srgbClr val="ffffff"/>
+                    <a:srgbClr val="FFFFFF"/>
                   </a:solidFill>
                 </a:uFill>
                 <a:latin typeface="Calibri"/>
               </a:rPr>
               <a:t>Second niveau de plan</a:t>
             </a:r>
-            <a:endParaRPr b="0" lang="fr-FR" sz="2000" spc="-1" strike="noStrike">
-              <a:solidFill>
-                <a:srgbClr val="000000"/>
-              </a:solidFill>
-              <a:uFill>
-                <a:solidFill>
-                  <a:srgbClr val="ffffff"/>
-                </a:solidFill>
-              </a:uFill>
-              <a:latin typeface="Calibri"/>
-            </a:endParaRPr>
-          </a:p>
-          <a:p>
-            <a:pPr lvl="2" marL="1296000" indent="-288000">
+          </a:p>
+          <a:p>
+            <a:pPr marL="1296000" lvl="2" indent="-288000">
               <a:buClr>
                 <a:srgbClr val="000000"/>
               </a:buClr>
@@ -3280,33 +3495,22 @@
               <a:buChar char=""/>
             </a:pPr>
             <a:r>
-              <a:rPr b="0" lang="fr-FR" sz="1800" spc="-1" strike="noStrike">
+              <a:rPr lang="fr-FR" sz="1800" b="0" strike="noStrike" spc="-1">
                 <a:solidFill>
                   <a:srgbClr val="000000"/>
                 </a:solidFill>
                 <a:uFill>
                   <a:solidFill>
-                    <a:srgbClr val="ffffff"/>
+                    <a:srgbClr val="FFFFFF"/>
                   </a:solidFill>
                 </a:uFill>
                 <a:latin typeface="Calibri"/>
               </a:rPr>
               <a:t>Troisième niveau de plan</a:t>
             </a:r>
-            <a:endParaRPr b="0" lang="fr-FR" sz="1800" spc="-1" strike="noStrike">
-              <a:solidFill>
-                <a:srgbClr val="000000"/>
-              </a:solidFill>
-              <a:uFill>
-                <a:solidFill>
-                  <a:srgbClr val="ffffff"/>
-                </a:solidFill>
-              </a:uFill>
-              <a:latin typeface="Calibri"/>
-            </a:endParaRPr>
-          </a:p>
-          <a:p>
-            <a:pPr lvl="3" marL="1728000" indent="-216000">
+          </a:p>
+          <a:p>
+            <a:pPr marL="1728000" lvl="3" indent="-216000">
               <a:buClr>
                 <a:srgbClr val="000000"/>
               </a:buClr>
@@ -3315,33 +3519,22 @@
               <a:buChar char=""/>
             </a:pPr>
             <a:r>
-              <a:rPr b="0" lang="fr-FR" sz="1800" spc="-1" strike="noStrike">
+              <a:rPr lang="fr-FR" sz="1800" b="0" strike="noStrike" spc="-1">
                 <a:solidFill>
                   <a:srgbClr val="000000"/>
                 </a:solidFill>
                 <a:uFill>
                   <a:solidFill>
-                    <a:srgbClr val="ffffff"/>
+                    <a:srgbClr val="FFFFFF"/>
                   </a:solidFill>
                 </a:uFill>
                 <a:latin typeface="Calibri"/>
               </a:rPr>
               <a:t>Quatrième niveau de plan</a:t>
             </a:r>
-            <a:endParaRPr b="0" lang="fr-FR" sz="1800" spc="-1" strike="noStrike">
-              <a:solidFill>
-                <a:srgbClr val="000000"/>
-              </a:solidFill>
-              <a:uFill>
-                <a:solidFill>
-                  <a:srgbClr val="ffffff"/>
-                </a:solidFill>
-              </a:uFill>
-              <a:latin typeface="Calibri"/>
-            </a:endParaRPr>
-          </a:p>
-          <a:p>
-            <a:pPr lvl="4" marL="2160000" indent="-216000">
+          </a:p>
+          <a:p>
+            <a:pPr marL="2160000" lvl="4" indent="-216000">
               <a:buClr>
                 <a:srgbClr val="000000"/>
               </a:buClr>
@@ -3350,33 +3543,22 @@
               <a:buChar char=""/>
             </a:pPr>
             <a:r>
-              <a:rPr b="0" lang="fr-FR" sz="2000" spc="-1" strike="noStrike">
+              <a:rPr lang="fr-FR" sz="2000" b="0" strike="noStrike" spc="-1">
                 <a:solidFill>
                   <a:srgbClr val="000000"/>
                 </a:solidFill>
                 <a:uFill>
                   <a:solidFill>
-                    <a:srgbClr val="ffffff"/>
+                    <a:srgbClr val="FFFFFF"/>
                   </a:solidFill>
                 </a:uFill>
                 <a:latin typeface="Calibri"/>
               </a:rPr>
               <a:t>Cinquième niveau de plan</a:t>
             </a:r>
-            <a:endParaRPr b="0" lang="fr-FR" sz="2000" spc="-1" strike="noStrike">
-              <a:solidFill>
-                <a:srgbClr val="000000"/>
-              </a:solidFill>
-              <a:uFill>
-                <a:solidFill>
-                  <a:srgbClr val="ffffff"/>
-                </a:solidFill>
-              </a:uFill>
-              <a:latin typeface="Calibri"/>
-            </a:endParaRPr>
-          </a:p>
-          <a:p>
-            <a:pPr lvl="5" marL="2592000" indent="-216000">
+          </a:p>
+          <a:p>
+            <a:pPr marL="2592000" lvl="5" indent="-216000">
               <a:buClr>
                 <a:srgbClr val="000000"/>
               </a:buClr>
@@ -3385,33 +3567,22 @@
               <a:buChar char=""/>
             </a:pPr>
             <a:r>
-              <a:rPr b="0" lang="fr-FR" sz="2000" spc="-1" strike="noStrike">
+              <a:rPr lang="fr-FR" sz="2000" b="0" strike="noStrike" spc="-1">
                 <a:solidFill>
                   <a:srgbClr val="000000"/>
                 </a:solidFill>
                 <a:uFill>
                   <a:solidFill>
-                    <a:srgbClr val="ffffff"/>
+                    <a:srgbClr val="FFFFFF"/>
                   </a:solidFill>
                 </a:uFill>
                 <a:latin typeface="Calibri"/>
               </a:rPr>
               <a:t>Sixième niveau de plan</a:t>
             </a:r>
-            <a:endParaRPr b="0" lang="fr-FR" sz="2000" spc="-1" strike="noStrike">
-              <a:solidFill>
-                <a:srgbClr val="000000"/>
-              </a:solidFill>
-              <a:uFill>
-                <a:solidFill>
-                  <a:srgbClr val="ffffff"/>
-                </a:solidFill>
-              </a:uFill>
-              <a:latin typeface="Calibri"/>
-            </a:endParaRPr>
-          </a:p>
-          <a:p>
-            <a:pPr lvl="6" marL="3024000" indent="-216000">
+          </a:p>
+          <a:p>
+            <a:pPr marL="3024000" lvl="6" indent="-216000">
               <a:buClr>
                 <a:srgbClr val="000000"/>
               </a:buClr>
@@ -3420,61 +3591,331 @@
               <a:buChar char=""/>
             </a:pPr>
             <a:r>
-              <a:rPr b="0" lang="fr-FR" sz="2000" spc="-1" strike="noStrike">
+              <a:rPr lang="fr-FR" sz="2000" b="0" strike="noStrike" spc="-1">
                 <a:solidFill>
                   <a:srgbClr val="000000"/>
                 </a:solidFill>
                 <a:uFill>
                   <a:solidFill>
-                    <a:srgbClr val="ffffff"/>
+                    <a:srgbClr val="FFFFFF"/>
                   </a:solidFill>
                 </a:uFill>
                 <a:latin typeface="Calibri"/>
               </a:rPr>
               <a:t>Septième niveau de plan</a:t>
             </a:r>
-            <a:endParaRPr b="0" lang="fr-FR" sz="2000" spc="-1" strike="noStrike">
-              <a:solidFill>
-                <a:srgbClr val="000000"/>
-              </a:solidFill>
-              <a:uFill>
-                <a:solidFill>
-                  <a:srgbClr val="ffffff"/>
-                </a:solidFill>
-              </a:uFill>
-              <a:latin typeface="Calibri"/>
-            </a:endParaRPr>
           </a:p>
         </p:txBody>
       </p:sp>
     </p:spTree>
   </p:cSld>
-  <p:clrMap bg1="lt1" bg2="lt2" tx1="dk1" tx2="dk2" accent1="accent1" accent2="accent2" accent3="accent3" accent4="accent4" accent5="accent5" accent6="accent6" hlink="hlink" folHlink="folHlink"/>
+  <p:clrMap bg1="lt1" tx1="dk1" bg2="lt2" tx2="dk2" accent1="accent1" accent2="accent2" accent3="accent3" accent4="accent4" accent5="accent5" accent6="accent6" hlink="hlink" folHlink="folHlink"/>
   <p:sldLayoutIdLst>
-    <p:sldLayoutId id="2147483649" r:id="rId2"/>
-    <p:sldLayoutId id="2147483650" r:id="rId3"/>
-    <p:sldLayoutId id="2147483651" r:id="rId4"/>
-    <p:sldLayoutId id="2147483652" r:id="rId5"/>
-    <p:sldLayoutId id="2147483653" r:id="rId6"/>
-    <p:sldLayoutId id="2147483654" r:id="rId7"/>
-    <p:sldLayoutId id="2147483655" r:id="rId8"/>
-    <p:sldLayoutId id="2147483656" r:id="rId9"/>
-    <p:sldLayoutId id="2147483657" r:id="rId10"/>
-    <p:sldLayoutId id="2147483658" r:id="rId11"/>
-    <p:sldLayoutId id="2147483659" r:id="rId12"/>
-    <p:sldLayoutId id="2147483660" r:id="rId13"/>
+    <p:sldLayoutId id="2147483649" r:id="rId1"/>
+    <p:sldLayoutId id="2147483650" r:id="rId2"/>
+    <p:sldLayoutId id="2147483651" r:id="rId3"/>
+    <p:sldLayoutId id="2147483652" r:id="rId4"/>
+    <p:sldLayoutId id="2147483653" r:id="rId5"/>
+    <p:sldLayoutId id="2147483654" r:id="rId6"/>
+    <p:sldLayoutId id="2147483655" r:id="rId7"/>
+    <p:sldLayoutId id="2147483656" r:id="rId8"/>
+    <p:sldLayoutId id="2147483657" r:id="rId9"/>
+    <p:sldLayoutId id="2147483658" r:id="rId10"/>
+    <p:sldLayoutId id="2147483659" r:id="rId11"/>
+    <p:sldLayoutId id="2147483660" r:id="rId12"/>
   </p:sldLayoutIdLst>
+  <p:txStyles>
+    <p:titleStyle>
+      <a:lvl1pPr algn="l" defTabSz="914400" rtl="0" eaLnBrk="1" latinLnBrk="0" hangingPunct="1">
+        <a:lnSpc>
+          <a:spcPct val="90000"/>
+        </a:lnSpc>
+        <a:spcBef>
+          <a:spcPct val="0"/>
+        </a:spcBef>
+        <a:buNone/>
+        <a:defRPr sz="4400" kern="1200">
+          <a:solidFill>
+            <a:schemeClr val="tx1"/>
+          </a:solidFill>
+          <a:latin typeface="+mj-lt"/>
+          <a:ea typeface="+mj-ea"/>
+          <a:cs typeface="+mj-cs"/>
+        </a:defRPr>
+      </a:lvl1pPr>
+    </p:titleStyle>
+    <p:bodyStyle>
+      <a:lvl1pPr marL="228600" indent="-228600" algn="l" defTabSz="914400" rtl="0" eaLnBrk="1" latinLnBrk="0" hangingPunct="1">
+        <a:lnSpc>
+          <a:spcPct val="90000"/>
+        </a:lnSpc>
+        <a:spcBef>
+          <a:spcPts val="1000"/>
+        </a:spcBef>
+        <a:buFont typeface="Arial" panose="020B0604020202020204" pitchFamily="34" charset="0"/>
+        <a:buChar char="•"/>
+        <a:defRPr sz="2800" kern="1200">
+          <a:solidFill>
+            <a:schemeClr val="tx1"/>
+          </a:solidFill>
+          <a:latin typeface="+mn-lt"/>
+          <a:ea typeface="+mn-ea"/>
+          <a:cs typeface="+mn-cs"/>
+        </a:defRPr>
+      </a:lvl1pPr>
+      <a:lvl2pPr marL="685800" indent="-228600" algn="l" defTabSz="914400" rtl="0" eaLnBrk="1" latinLnBrk="0" hangingPunct="1">
+        <a:lnSpc>
+          <a:spcPct val="90000"/>
+        </a:lnSpc>
+        <a:spcBef>
+          <a:spcPts val="500"/>
+        </a:spcBef>
+        <a:buFont typeface="Arial" panose="020B0604020202020204" pitchFamily="34" charset="0"/>
+        <a:buChar char="•"/>
+        <a:defRPr sz="2400" kern="1200">
+          <a:solidFill>
+            <a:schemeClr val="tx1"/>
+          </a:solidFill>
+          <a:latin typeface="+mn-lt"/>
+          <a:ea typeface="+mn-ea"/>
+          <a:cs typeface="+mn-cs"/>
+        </a:defRPr>
+      </a:lvl2pPr>
+      <a:lvl3pPr marL="1143000" indent="-228600" algn="l" defTabSz="914400" rtl="0" eaLnBrk="1" latinLnBrk="0" hangingPunct="1">
+        <a:lnSpc>
+          <a:spcPct val="90000"/>
+        </a:lnSpc>
+        <a:spcBef>
+          <a:spcPts val="500"/>
+        </a:spcBef>
+        <a:buFont typeface="Arial" panose="020B0604020202020204" pitchFamily="34" charset="0"/>
+        <a:buChar char="•"/>
+        <a:defRPr sz="2000" kern="1200">
+          <a:solidFill>
+            <a:schemeClr val="tx1"/>
+          </a:solidFill>
+          <a:latin typeface="+mn-lt"/>
+          <a:ea typeface="+mn-ea"/>
+          <a:cs typeface="+mn-cs"/>
+        </a:defRPr>
+      </a:lvl3pPr>
+      <a:lvl4pPr marL="1600200" indent="-228600" algn="l" defTabSz="914400" rtl="0" eaLnBrk="1" latinLnBrk="0" hangingPunct="1">
+        <a:lnSpc>
+          <a:spcPct val="90000"/>
+        </a:lnSpc>
+        <a:spcBef>
+          <a:spcPts val="500"/>
+        </a:spcBef>
+        <a:buFont typeface="Arial" panose="020B0604020202020204" pitchFamily="34" charset="0"/>
+        <a:buChar char="•"/>
+        <a:defRPr sz="1800" kern="1200">
+          <a:solidFill>
+            <a:schemeClr val="tx1"/>
+          </a:solidFill>
+          <a:latin typeface="+mn-lt"/>
+          <a:ea typeface="+mn-ea"/>
+          <a:cs typeface="+mn-cs"/>
+        </a:defRPr>
+      </a:lvl4pPr>
+      <a:lvl5pPr marL="2057400" indent="-228600" algn="l" defTabSz="914400" rtl="0" eaLnBrk="1" latinLnBrk="0" hangingPunct="1">
+        <a:lnSpc>
+          <a:spcPct val="90000"/>
+        </a:lnSpc>
+        <a:spcBef>
+          <a:spcPts val="500"/>
+        </a:spcBef>
+        <a:buFont typeface="Arial" panose="020B0604020202020204" pitchFamily="34" charset="0"/>
+        <a:buChar char="•"/>
+        <a:defRPr sz="1800" kern="1200">
+          <a:solidFill>
+            <a:schemeClr val="tx1"/>
+          </a:solidFill>
+          <a:latin typeface="+mn-lt"/>
+          <a:ea typeface="+mn-ea"/>
+          <a:cs typeface="+mn-cs"/>
+        </a:defRPr>
+      </a:lvl5pPr>
+      <a:lvl6pPr marL="2514600" indent="-228600" algn="l" defTabSz="914400" rtl="0" eaLnBrk="1" latinLnBrk="0" hangingPunct="1">
+        <a:lnSpc>
+          <a:spcPct val="90000"/>
+        </a:lnSpc>
+        <a:spcBef>
+          <a:spcPts val="500"/>
+        </a:spcBef>
+        <a:buFont typeface="Arial" panose="020B0604020202020204" pitchFamily="34" charset="0"/>
+        <a:buChar char="•"/>
+        <a:defRPr sz="1800" kern="1200">
+          <a:solidFill>
+            <a:schemeClr val="tx1"/>
+          </a:solidFill>
+          <a:latin typeface="+mn-lt"/>
+          <a:ea typeface="+mn-ea"/>
+          <a:cs typeface="+mn-cs"/>
+        </a:defRPr>
+      </a:lvl6pPr>
+      <a:lvl7pPr marL="2971800" indent="-228600" algn="l" defTabSz="914400" rtl="0" eaLnBrk="1" latinLnBrk="0" hangingPunct="1">
+        <a:lnSpc>
+          <a:spcPct val="90000"/>
+        </a:lnSpc>
+        <a:spcBef>
+          <a:spcPts val="500"/>
+        </a:spcBef>
+        <a:buFont typeface="Arial" panose="020B0604020202020204" pitchFamily="34" charset="0"/>
+        <a:buChar char="•"/>
+        <a:defRPr sz="1800" kern="1200">
+          <a:solidFill>
+            <a:schemeClr val="tx1"/>
+          </a:solidFill>
+          <a:latin typeface="+mn-lt"/>
+          <a:ea typeface="+mn-ea"/>
+          <a:cs typeface="+mn-cs"/>
+        </a:defRPr>
+      </a:lvl7pPr>
+      <a:lvl8pPr marL="3429000" indent="-228600" algn="l" defTabSz="914400" rtl="0" eaLnBrk="1" latinLnBrk="0" hangingPunct="1">
+        <a:lnSpc>
+          <a:spcPct val="90000"/>
+        </a:lnSpc>
+        <a:spcBef>
+          <a:spcPts val="500"/>
+        </a:spcBef>
+        <a:buFont typeface="Arial" panose="020B0604020202020204" pitchFamily="34" charset="0"/>
+        <a:buChar char="•"/>
+        <a:defRPr sz="1800" kern="1200">
+          <a:solidFill>
+            <a:schemeClr val="tx1"/>
+          </a:solidFill>
+          <a:latin typeface="+mn-lt"/>
+          <a:ea typeface="+mn-ea"/>
+          <a:cs typeface="+mn-cs"/>
+        </a:defRPr>
+      </a:lvl8pPr>
+      <a:lvl9pPr marL="3886200" indent="-228600" algn="l" defTabSz="914400" rtl="0" eaLnBrk="1" latinLnBrk="0" hangingPunct="1">
+        <a:lnSpc>
+          <a:spcPct val="90000"/>
+        </a:lnSpc>
+        <a:spcBef>
+          <a:spcPts val="500"/>
+        </a:spcBef>
+        <a:buFont typeface="Arial" panose="020B0604020202020204" pitchFamily="34" charset="0"/>
+        <a:buChar char="•"/>
+        <a:defRPr sz="1800" kern="1200">
+          <a:solidFill>
+            <a:schemeClr val="tx1"/>
+          </a:solidFill>
+          <a:latin typeface="+mn-lt"/>
+          <a:ea typeface="+mn-ea"/>
+          <a:cs typeface="+mn-cs"/>
+        </a:defRPr>
+      </a:lvl9pPr>
+    </p:bodyStyle>
+    <p:otherStyle>
+      <a:defPPr>
+        <a:defRPr lang="fr-FR"/>
+      </a:defPPr>
+      <a:lvl1pPr marL="0" algn="l" defTabSz="914400" rtl="0" eaLnBrk="1" latinLnBrk="0" hangingPunct="1">
+        <a:defRPr sz="1800" kern="1200">
+          <a:solidFill>
+            <a:schemeClr val="tx1"/>
+          </a:solidFill>
+          <a:latin typeface="+mn-lt"/>
+          <a:ea typeface="+mn-ea"/>
+          <a:cs typeface="+mn-cs"/>
+        </a:defRPr>
+      </a:lvl1pPr>
+      <a:lvl2pPr marL="457200" algn="l" defTabSz="914400" rtl="0" eaLnBrk="1" latinLnBrk="0" hangingPunct="1">
+        <a:defRPr sz="1800" kern="1200">
+          <a:solidFill>
+            <a:schemeClr val="tx1"/>
+          </a:solidFill>
+          <a:latin typeface="+mn-lt"/>
+          <a:ea typeface="+mn-ea"/>
+          <a:cs typeface="+mn-cs"/>
+        </a:defRPr>
+      </a:lvl2pPr>
+      <a:lvl3pPr marL="914400" algn="l" defTabSz="914400" rtl="0" eaLnBrk="1" latinLnBrk="0" hangingPunct="1">
+        <a:defRPr sz="1800" kern="1200">
+          <a:solidFill>
+            <a:schemeClr val="tx1"/>
+          </a:solidFill>
+          <a:latin typeface="+mn-lt"/>
+          <a:ea typeface="+mn-ea"/>
+          <a:cs typeface="+mn-cs"/>
+        </a:defRPr>
+      </a:lvl3pPr>
+      <a:lvl4pPr marL="1371600" algn="l" defTabSz="914400" rtl="0" eaLnBrk="1" latinLnBrk="0" hangingPunct="1">
+        <a:defRPr sz="1800" kern="1200">
+          <a:solidFill>
+            <a:schemeClr val="tx1"/>
+          </a:solidFill>
+          <a:latin typeface="+mn-lt"/>
+          <a:ea typeface="+mn-ea"/>
+          <a:cs typeface="+mn-cs"/>
+        </a:defRPr>
+      </a:lvl4pPr>
+      <a:lvl5pPr marL="1828800" algn="l" defTabSz="914400" rtl="0" eaLnBrk="1" latinLnBrk="0" hangingPunct="1">
+        <a:defRPr sz="1800" kern="1200">
+          <a:solidFill>
+            <a:schemeClr val="tx1"/>
+          </a:solidFill>
+          <a:latin typeface="+mn-lt"/>
+          <a:ea typeface="+mn-ea"/>
+          <a:cs typeface="+mn-cs"/>
+        </a:defRPr>
+      </a:lvl5pPr>
+      <a:lvl6pPr marL="2286000" algn="l" defTabSz="914400" rtl="0" eaLnBrk="1" latinLnBrk="0" hangingPunct="1">
+        <a:defRPr sz="1800" kern="1200">
+          <a:solidFill>
+            <a:schemeClr val="tx1"/>
+          </a:solidFill>
+          <a:latin typeface="+mn-lt"/>
+          <a:ea typeface="+mn-ea"/>
+          <a:cs typeface="+mn-cs"/>
+        </a:defRPr>
+      </a:lvl6pPr>
+      <a:lvl7pPr marL="2743200" algn="l" defTabSz="914400" rtl="0" eaLnBrk="1" latinLnBrk="0" hangingPunct="1">
+        <a:defRPr sz="1800" kern="1200">
+          <a:solidFill>
+            <a:schemeClr val="tx1"/>
+          </a:solidFill>
+          <a:latin typeface="+mn-lt"/>
+          <a:ea typeface="+mn-ea"/>
+          <a:cs typeface="+mn-cs"/>
+        </a:defRPr>
+      </a:lvl7pPr>
+      <a:lvl8pPr marL="3200400" algn="l" defTabSz="914400" rtl="0" eaLnBrk="1" latinLnBrk="0" hangingPunct="1">
+        <a:defRPr sz="1800" kern="1200">
+          <a:solidFill>
+            <a:schemeClr val="tx1"/>
+          </a:solidFill>
+          <a:latin typeface="+mn-lt"/>
+          <a:ea typeface="+mn-ea"/>
+          <a:cs typeface="+mn-cs"/>
+        </a:defRPr>
+      </a:lvl8pPr>
+      <a:lvl9pPr marL="3657600" algn="l" defTabSz="914400" rtl="0" eaLnBrk="1" latinLnBrk="0" hangingPunct="1">
+        <a:defRPr sz="1800" kern="1200">
+          <a:solidFill>
+            <a:schemeClr val="tx1"/>
+          </a:solidFill>
+          <a:latin typeface="+mn-lt"/>
+          <a:ea typeface="+mn-ea"/>
+          <a:cs typeface="+mn-cs"/>
+        </a:defRPr>
+      </a:lvl9pPr>
+    </p:otherStyle>
+  </p:txStyles>
 </p:sldMaster>
 </file>
 
 <file path=ppt/slideMasters/slideMaster2.xml><?xml version="1.0" encoding="utf-8"?>
-<p:sldMaster xmlns:a="http://schemas.openxmlformats.org/drawingml/2006/main" xmlns:p="http://schemas.openxmlformats.org/presentationml/2006/main" xmlns:r="http://schemas.openxmlformats.org/officeDocument/2006/relationships" xmlns:p14="http://schemas.microsoft.com/office/powerpoint/2010/main" xmlns:p15="http://schemas.microsoft.com/office/powerpoint/2012/main" xmlns:mc="http://schemas.openxmlformats.org/markup-compatibility/2006">
+<p:sldMaster xmlns:a="http://schemas.openxmlformats.org/drawingml/2006/main" xmlns:r="http://schemas.openxmlformats.org/officeDocument/2006/relationships" xmlns:p="http://schemas.openxmlformats.org/presentationml/2006/main">
   <p:cSld>
     <p:bg>
       <p:bgPr>
         <a:solidFill>
-          <a:srgbClr val="ffffff"/>
+          <a:srgbClr val="FFFFFF"/>
         </a:solidFill>
+        <a:effectLst/>
       </p:bgPr>
     </p:bg>
     <p:spTree>
@@ -3512,6 +3953,7 @@
         </p:spPr>
         <p:txBody>
           <a:bodyPr anchor="ctr"/>
+          <a:lstStyle/>
           <a:p>
             <a:pPr>
               <a:lnSpc>
@@ -3519,26 +3961,26 @@
               </a:lnSpc>
             </a:pPr>
             <a:r>
-              <a:rPr b="0" lang="fr-FR" sz="4400" spc="-1" strike="noStrike">
+              <a:rPr lang="fr-FR" sz="4400" b="0" strike="noStrike" spc="-1">
                 <a:solidFill>
                   <a:srgbClr val="000000"/>
                 </a:solidFill>
                 <a:uFill>
                   <a:solidFill>
-                    <a:srgbClr val="ffffff"/>
+                    <a:srgbClr val="FFFFFF"/>
                   </a:solidFill>
                 </a:uFill>
                 <a:latin typeface="Calibri Light"/>
               </a:rPr>
               <a:t>Modifiez le style du titre</a:t>
             </a:r>
-            <a:endParaRPr b="0" lang="fr-FR" sz="1800" spc="-1" strike="noStrike">
-              <a:solidFill>
-                <a:srgbClr val="000000"/>
-              </a:solidFill>
-              <a:uFill>
-                <a:solidFill>
-                  <a:srgbClr val="ffffff"/>
+            <a:endParaRPr lang="fr-FR" sz="1800" b="0" strike="noStrike" spc="-1">
+              <a:solidFill>
+                <a:srgbClr val="000000"/>
+              </a:solidFill>
+              <a:uFill>
+                <a:solidFill>
+                  <a:srgbClr val="FFFFFF"/>
                 </a:solidFill>
               </a:uFill>
               <a:latin typeface="Calibri"/>
@@ -3567,6 +4009,7 @@
         </p:spPr>
         <p:txBody>
           <a:bodyPr/>
+          <a:lstStyle/>
           <a:p>
             <a:pPr marL="432000" indent="-324000">
               <a:buClr>
@@ -3577,33 +4020,22 @@
               <a:buChar char=""/>
             </a:pPr>
             <a:r>
-              <a:rPr b="0" lang="fr-FR" sz="2800" spc="-1" strike="noStrike">
+              <a:rPr lang="fr-FR" sz="2800" b="0" strike="noStrike" spc="-1">
                 <a:solidFill>
                   <a:srgbClr val="000000"/>
                 </a:solidFill>
                 <a:uFill>
                   <a:solidFill>
-                    <a:srgbClr val="ffffff"/>
+                    <a:srgbClr val="FFFFFF"/>
                   </a:solidFill>
                 </a:uFill>
                 <a:latin typeface="Calibri"/>
               </a:rPr>
               <a:t>Cliquez pour éditer le format du plan de texte</a:t>
             </a:r>
-            <a:endParaRPr b="0" lang="fr-FR" sz="2800" spc="-1" strike="noStrike">
-              <a:solidFill>
-                <a:srgbClr val="000000"/>
-              </a:solidFill>
-              <a:uFill>
-                <a:solidFill>
-                  <a:srgbClr val="ffffff"/>
-                </a:solidFill>
-              </a:uFill>
-              <a:latin typeface="Calibri"/>
-            </a:endParaRPr>
-          </a:p>
-          <a:p>
-            <a:pPr lvl="1" marL="864000" indent="-324000">
+          </a:p>
+          <a:p>
+            <a:pPr marL="864000" lvl="1" indent="-324000">
               <a:buClr>
                 <a:srgbClr val="000000"/>
               </a:buClr>
@@ -3612,33 +4044,22 @@
               <a:buChar char=""/>
             </a:pPr>
             <a:r>
-              <a:rPr b="0" lang="fr-FR" sz="2800" spc="-1" strike="noStrike">
+              <a:rPr lang="fr-FR" sz="2800" b="0" strike="noStrike" spc="-1">
                 <a:solidFill>
                   <a:srgbClr val="000000"/>
                 </a:solidFill>
                 <a:uFill>
                   <a:solidFill>
-                    <a:srgbClr val="ffffff"/>
+                    <a:srgbClr val="FFFFFF"/>
                   </a:solidFill>
                 </a:uFill>
                 <a:latin typeface="Calibri"/>
               </a:rPr>
               <a:t>Second niveau de plan</a:t>
             </a:r>
-            <a:endParaRPr b="0" lang="fr-FR" sz="2800" spc="-1" strike="noStrike">
-              <a:solidFill>
-                <a:srgbClr val="000000"/>
-              </a:solidFill>
-              <a:uFill>
-                <a:solidFill>
-                  <a:srgbClr val="ffffff"/>
-                </a:solidFill>
-              </a:uFill>
-              <a:latin typeface="Calibri"/>
-            </a:endParaRPr>
-          </a:p>
-          <a:p>
-            <a:pPr lvl="2" marL="1296000" indent="-288000">
+          </a:p>
+          <a:p>
+            <a:pPr marL="1296000" lvl="2" indent="-288000">
               <a:buClr>
                 <a:srgbClr val="000000"/>
               </a:buClr>
@@ -3647,33 +4068,22 @@
               <a:buChar char=""/>
             </a:pPr>
             <a:r>
-              <a:rPr b="0" lang="fr-FR" sz="2800" spc="-1" strike="noStrike">
+              <a:rPr lang="fr-FR" sz="2800" b="0" strike="noStrike" spc="-1">
                 <a:solidFill>
                   <a:srgbClr val="000000"/>
                 </a:solidFill>
                 <a:uFill>
                   <a:solidFill>
-                    <a:srgbClr val="ffffff"/>
+                    <a:srgbClr val="FFFFFF"/>
                   </a:solidFill>
                 </a:uFill>
                 <a:latin typeface="Calibri"/>
               </a:rPr>
               <a:t>Troisième niveau de plan</a:t>
             </a:r>
-            <a:endParaRPr b="0" lang="fr-FR" sz="2800" spc="-1" strike="noStrike">
-              <a:solidFill>
-                <a:srgbClr val="000000"/>
-              </a:solidFill>
-              <a:uFill>
-                <a:solidFill>
-                  <a:srgbClr val="ffffff"/>
-                </a:solidFill>
-              </a:uFill>
-              <a:latin typeface="Calibri"/>
-            </a:endParaRPr>
-          </a:p>
-          <a:p>
-            <a:pPr lvl="3" marL="1728000" indent="-216000">
+          </a:p>
+          <a:p>
+            <a:pPr marL="1728000" lvl="3" indent="-216000">
               <a:buClr>
                 <a:srgbClr val="000000"/>
               </a:buClr>
@@ -3682,33 +4092,22 @@
               <a:buChar char=""/>
             </a:pPr>
             <a:r>
-              <a:rPr b="0" lang="fr-FR" sz="2800" spc="-1" strike="noStrike">
+              <a:rPr lang="fr-FR" sz="2800" b="0" strike="noStrike" spc="-1">
                 <a:solidFill>
                   <a:srgbClr val="000000"/>
                 </a:solidFill>
                 <a:uFill>
                   <a:solidFill>
-                    <a:srgbClr val="ffffff"/>
+                    <a:srgbClr val="FFFFFF"/>
                   </a:solidFill>
                 </a:uFill>
                 <a:latin typeface="Calibri"/>
               </a:rPr>
               <a:t>Quatrième niveau de plan</a:t>
             </a:r>
-            <a:endParaRPr b="0" lang="fr-FR" sz="2800" spc="-1" strike="noStrike">
-              <a:solidFill>
-                <a:srgbClr val="000000"/>
-              </a:solidFill>
-              <a:uFill>
-                <a:solidFill>
-                  <a:srgbClr val="ffffff"/>
-                </a:solidFill>
-              </a:uFill>
-              <a:latin typeface="Calibri"/>
-            </a:endParaRPr>
-          </a:p>
-          <a:p>
-            <a:pPr lvl="4" marL="2160000" indent="-216000">
+          </a:p>
+          <a:p>
+            <a:pPr marL="2160000" lvl="4" indent="-216000">
               <a:buClr>
                 <a:srgbClr val="000000"/>
               </a:buClr>
@@ -3717,33 +4116,22 @@
               <a:buChar char=""/>
             </a:pPr>
             <a:r>
-              <a:rPr b="0" lang="fr-FR" sz="2800" spc="-1" strike="noStrike">
+              <a:rPr lang="fr-FR" sz="2800" b="0" strike="noStrike" spc="-1">
                 <a:solidFill>
                   <a:srgbClr val="000000"/>
                 </a:solidFill>
                 <a:uFill>
                   <a:solidFill>
-                    <a:srgbClr val="ffffff"/>
+                    <a:srgbClr val="FFFFFF"/>
                   </a:solidFill>
                 </a:uFill>
                 <a:latin typeface="Calibri"/>
               </a:rPr>
               <a:t>Cinquième niveau de plan</a:t>
             </a:r>
-            <a:endParaRPr b="0" lang="fr-FR" sz="2800" spc="-1" strike="noStrike">
-              <a:solidFill>
-                <a:srgbClr val="000000"/>
-              </a:solidFill>
-              <a:uFill>
-                <a:solidFill>
-                  <a:srgbClr val="ffffff"/>
-                </a:solidFill>
-              </a:uFill>
-              <a:latin typeface="Calibri"/>
-            </a:endParaRPr>
-          </a:p>
-          <a:p>
-            <a:pPr lvl="5" marL="2592000" indent="-216000">
+          </a:p>
+          <a:p>
+            <a:pPr marL="2592000" lvl="5" indent="-216000">
               <a:buClr>
                 <a:srgbClr val="000000"/>
               </a:buClr>
@@ -3752,33 +4140,22 @@
               <a:buChar char=""/>
             </a:pPr>
             <a:r>
-              <a:rPr b="0" lang="fr-FR" sz="2800" spc="-1" strike="noStrike">
+              <a:rPr lang="fr-FR" sz="2800" b="0" strike="noStrike" spc="-1">
                 <a:solidFill>
                   <a:srgbClr val="000000"/>
                 </a:solidFill>
                 <a:uFill>
                   <a:solidFill>
-                    <a:srgbClr val="ffffff"/>
+                    <a:srgbClr val="FFFFFF"/>
                   </a:solidFill>
                 </a:uFill>
                 <a:latin typeface="Calibri"/>
               </a:rPr>
               <a:t>Sixième niveau de plan</a:t>
             </a:r>
-            <a:endParaRPr b="0" lang="fr-FR" sz="2800" spc="-1" strike="noStrike">
-              <a:solidFill>
-                <a:srgbClr val="000000"/>
-              </a:solidFill>
-              <a:uFill>
-                <a:solidFill>
-                  <a:srgbClr val="ffffff"/>
-                </a:solidFill>
-              </a:uFill>
-              <a:latin typeface="Calibri"/>
-            </a:endParaRPr>
-          </a:p>
-          <a:p>
-            <a:pPr lvl="6" marL="3024000" indent="-216000">
+          </a:p>
+          <a:p>
+            <a:pPr marL="3024000" lvl="6" indent="-216000">
               <a:buClr>
                 <a:srgbClr val="000000"/>
               </a:buClr>
@@ -3787,33 +4164,22 @@
               <a:buChar char=""/>
             </a:pPr>
             <a:r>
-              <a:rPr b="0" lang="fr-FR" sz="2800" spc="-1" strike="noStrike">
+              <a:rPr lang="fr-FR" sz="2800" b="0" strike="noStrike" spc="-1">
                 <a:solidFill>
                   <a:srgbClr val="000000"/>
                 </a:solidFill>
                 <a:uFill>
                   <a:solidFill>
-                    <a:srgbClr val="ffffff"/>
+                    <a:srgbClr val="FFFFFF"/>
                   </a:solidFill>
                 </a:uFill>
                 <a:latin typeface="Calibri"/>
               </a:rPr>
               <a:t>Septième niveau de planModifier les styles du texte du masque</a:t>
             </a:r>
-            <a:endParaRPr b="0" lang="fr-FR" sz="2800" spc="-1" strike="noStrike">
-              <a:solidFill>
-                <a:srgbClr val="000000"/>
-              </a:solidFill>
-              <a:uFill>
-                <a:solidFill>
-                  <a:srgbClr val="ffffff"/>
-                </a:solidFill>
-              </a:uFill>
-              <a:latin typeface="Calibri"/>
-            </a:endParaRPr>
-          </a:p>
-          <a:p>
-            <a:pPr lvl="6" marL="3024000" indent="-216000">
+          </a:p>
+          <a:p>
+            <a:pPr marL="3024000" lvl="6" indent="-216000">
               <a:buClr>
                 <a:srgbClr val="000000"/>
               </a:buClr>
@@ -3822,33 +4188,22 @@
               <a:buChar char=""/>
             </a:pPr>
             <a:r>
-              <a:rPr b="0" lang="fr-FR" sz="2800" spc="-1" strike="noStrike">
+              <a:rPr lang="fr-FR" sz="2800" b="0" strike="noStrike" spc="-1">
                 <a:solidFill>
                   <a:srgbClr val="000000"/>
                 </a:solidFill>
                 <a:uFill>
                   <a:solidFill>
-                    <a:srgbClr val="ffffff"/>
+                    <a:srgbClr val="FFFFFF"/>
                   </a:solidFill>
                 </a:uFill>
                 <a:latin typeface="Calibri"/>
               </a:rPr>
               <a:t>Deuxième niveau</a:t>
             </a:r>
-            <a:endParaRPr b="0" lang="fr-FR" sz="2800" spc="-1" strike="noStrike">
-              <a:solidFill>
-                <a:srgbClr val="000000"/>
-              </a:solidFill>
-              <a:uFill>
-                <a:solidFill>
-                  <a:srgbClr val="ffffff"/>
-                </a:solidFill>
-              </a:uFill>
-              <a:latin typeface="Calibri"/>
-            </a:endParaRPr>
-          </a:p>
-          <a:p>
-            <a:pPr lvl="6" marL="3024000" indent="-216000">
+          </a:p>
+          <a:p>
+            <a:pPr marL="3024000" lvl="6" indent="-216000">
               <a:buClr>
                 <a:srgbClr val="000000"/>
               </a:buClr>
@@ -3857,33 +4212,22 @@
               <a:buChar char=""/>
             </a:pPr>
             <a:r>
-              <a:rPr b="0" lang="fr-FR" sz="2800" spc="-1" strike="noStrike">
+              <a:rPr lang="fr-FR" sz="2800" b="0" strike="noStrike" spc="-1">
                 <a:solidFill>
                   <a:srgbClr val="000000"/>
                 </a:solidFill>
                 <a:uFill>
                   <a:solidFill>
-                    <a:srgbClr val="ffffff"/>
+                    <a:srgbClr val="FFFFFF"/>
                   </a:solidFill>
                 </a:uFill>
                 <a:latin typeface="Calibri"/>
               </a:rPr>
               <a:t>Troisième niveau</a:t>
             </a:r>
-            <a:endParaRPr b="0" lang="fr-FR" sz="2800" spc="-1" strike="noStrike">
-              <a:solidFill>
-                <a:srgbClr val="000000"/>
-              </a:solidFill>
-              <a:uFill>
-                <a:solidFill>
-                  <a:srgbClr val="ffffff"/>
-                </a:solidFill>
-              </a:uFill>
-              <a:latin typeface="Calibri"/>
-            </a:endParaRPr>
-          </a:p>
-          <a:p>
-            <a:pPr lvl="6" marL="3024000" indent="-216000">
+          </a:p>
+          <a:p>
+            <a:pPr marL="3024000" lvl="6" indent="-216000">
               <a:buClr>
                 <a:srgbClr val="000000"/>
               </a:buClr>
@@ -3892,30 +4236,19 @@
               <a:buChar char=""/>
             </a:pPr>
             <a:r>
-              <a:rPr b="0" lang="fr-FR" sz="2800" spc="-1" strike="noStrike">
+              <a:rPr lang="fr-FR" sz="2800" b="0" strike="noStrike" spc="-1">
                 <a:solidFill>
                   <a:srgbClr val="000000"/>
                 </a:solidFill>
                 <a:uFill>
                   <a:solidFill>
-                    <a:srgbClr val="ffffff"/>
+                    <a:srgbClr val="FFFFFF"/>
                   </a:solidFill>
                 </a:uFill>
                 <a:latin typeface="Calibri"/>
               </a:rPr>
               <a:t>Quatrième niveau</a:t>
             </a:r>
-            <a:endParaRPr b="0" lang="fr-FR" sz="2800" spc="-1" strike="noStrike">
-              <a:solidFill>
-                <a:srgbClr val="000000"/>
-              </a:solidFill>
-              <a:uFill>
-                <a:solidFill>
-                  <a:srgbClr val="ffffff"/>
-                </a:solidFill>
-              </a:uFill>
-              <a:latin typeface="Calibri"/>
-            </a:endParaRPr>
           </a:p>
           <a:p>
             <a:pPr marL="228600" indent="-228240">
@@ -3929,30 +4262,19 @@
               <a:buChar char="•"/>
             </a:pPr>
             <a:r>
-              <a:rPr b="0" lang="fr-FR" sz="2800" spc="-1" strike="noStrike">
+              <a:rPr lang="fr-FR" sz="2800" b="0" strike="noStrike" spc="-1">
                 <a:solidFill>
                   <a:srgbClr val="000000"/>
                 </a:solidFill>
                 <a:uFill>
                   <a:solidFill>
-                    <a:srgbClr val="ffffff"/>
+                    <a:srgbClr val="FFFFFF"/>
                   </a:solidFill>
                 </a:uFill>
                 <a:latin typeface="Calibri"/>
               </a:rPr>
               <a:t>Cinquième niveau</a:t>
             </a:r>
-            <a:endParaRPr b="0" lang="fr-FR" sz="2800" spc="-1" strike="noStrike">
-              <a:solidFill>
-                <a:srgbClr val="000000"/>
-              </a:solidFill>
-              <a:uFill>
-                <a:solidFill>
-                  <a:srgbClr val="ffffff"/>
-                </a:solidFill>
-              </a:uFill>
-              <a:latin typeface="Calibri"/>
-            </a:endParaRPr>
           </a:p>
         </p:txBody>
       </p:sp>
@@ -3977,6 +4299,7 @@
         </p:spPr>
         <p:txBody>
           <a:bodyPr anchor="ctr"/>
+          <a:lstStyle/>
           <a:p>
             <a:pPr>
               <a:lnSpc>
@@ -3984,26 +4307,26 @@
               </a:lnSpc>
             </a:pPr>
             <a:r>
-              <a:rPr b="0" lang="fr-FR" sz="1200" spc="-1" strike="noStrike">
-                <a:solidFill>
-                  <a:srgbClr val="8b8b8b"/>
+              <a:rPr lang="fr-FR" sz="1200" b="0" strike="noStrike" spc="-1">
+                <a:solidFill>
+                  <a:srgbClr val="8B8B8B"/>
                 </a:solidFill>
                 <a:uFill>
                   <a:solidFill>
-                    <a:srgbClr val="ffffff"/>
+                    <a:srgbClr val="FFFFFF"/>
                   </a:solidFill>
                 </a:uFill>
                 <a:latin typeface="Calibri"/>
               </a:rPr>
               <a:t>26/05/2018</a:t>
             </a:r>
-            <a:endParaRPr b="0" lang="fr-FR" sz="1400" spc="-1" strike="noStrike">
-              <a:solidFill>
-                <a:srgbClr val="000000"/>
-              </a:solidFill>
-              <a:uFill>
-                <a:solidFill>
-                  <a:srgbClr val="ffffff"/>
+            <a:endParaRPr lang="fr-FR" sz="1400" b="0" strike="noStrike" spc="-1">
+              <a:solidFill>
+                <a:srgbClr val="000000"/>
+              </a:solidFill>
+              <a:uFill>
+                <a:solidFill>
+                  <a:srgbClr val="FFFFFF"/>
                 </a:solidFill>
               </a:uFill>
               <a:latin typeface="Times New Roman"/>
@@ -4032,14 +4355,15 @@
         </p:spPr>
         <p:txBody>
           <a:bodyPr anchor="ctr"/>
-          <a:p>
-            <a:endParaRPr b="0" lang="fr-FR" sz="2400" spc="-1" strike="noStrike">
-              <a:solidFill>
-                <a:srgbClr val="000000"/>
-              </a:solidFill>
-              <a:uFill>
-                <a:solidFill>
-                  <a:srgbClr val="ffffff"/>
+          <a:lstStyle/>
+          <a:p>
+            <a:endParaRPr lang="fr-FR" sz="2400" b="0" strike="noStrike" spc="-1">
+              <a:solidFill>
+                <a:srgbClr val="000000"/>
+              </a:solidFill>
+              <a:uFill>
+                <a:solidFill>
+                  <a:srgbClr val="FFFFFF"/>
                 </a:solidFill>
               </a:uFill>
               <a:latin typeface="Times New Roman"/>
@@ -4068,6 +4392,7 @@
         </p:spPr>
         <p:txBody>
           <a:bodyPr anchor="ctr"/>
+          <a:lstStyle/>
           <a:p>
             <a:pPr algn="r">
               <a:lnSpc>
@@ -4075,26 +4400,26 @@
               </a:lnSpc>
             </a:pPr>
             <a:fld id="{16B2921D-A0ED-42A0-A5F8-B397D1B560E7}" type="slidenum">
-              <a:rPr b="0" lang="fr-FR" sz="1200" spc="-1" strike="noStrike">
-                <a:solidFill>
-                  <a:srgbClr val="8b8b8b"/>
+              <a:rPr lang="fr-FR" sz="1200" b="0" strike="noStrike" spc="-1">
+                <a:solidFill>
+                  <a:srgbClr val="8B8B8B"/>
                 </a:solidFill>
                 <a:uFill>
                   <a:solidFill>
-                    <a:srgbClr val="ffffff"/>
+                    <a:srgbClr val="FFFFFF"/>
                   </a:solidFill>
                 </a:uFill>
                 <a:latin typeface="Calibri"/>
               </a:rPr>
-              <a:t>&lt;numéro&gt;</a:t>
+              <a:t>‹N°›</a:t>
             </a:fld>
-            <a:endParaRPr b="0" lang="fr-FR" sz="1400" spc="-1" strike="noStrike">
-              <a:solidFill>
-                <a:srgbClr val="000000"/>
-              </a:solidFill>
-              <a:uFill>
-                <a:solidFill>
-                  <a:srgbClr val="ffffff"/>
+            <a:endParaRPr lang="fr-FR" sz="1400" b="0" strike="noStrike" spc="-1">
+              <a:solidFill>
+                <a:srgbClr val="000000"/>
+              </a:solidFill>
+              <a:uFill>
+                <a:solidFill>
+                  <a:srgbClr val="FFFFFF"/>
                 </a:solidFill>
               </a:uFill>
               <a:latin typeface="Times New Roman"/>
@@ -4104,26 +4429,306 @@
       </p:sp>
     </p:spTree>
   </p:cSld>
-  <p:clrMap bg1="lt1" bg2="lt2" tx1="dk1" tx2="dk2" accent1="accent1" accent2="accent2" accent3="accent3" accent4="accent4" accent5="accent5" accent6="accent6" hlink="hlink" folHlink="folHlink"/>
+  <p:clrMap bg1="lt1" tx1="dk1" bg2="lt2" tx2="dk2" accent1="accent1" accent2="accent2" accent3="accent3" accent4="accent4" accent5="accent5" accent6="accent6" hlink="hlink" folHlink="folHlink"/>
   <p:sldLayoutIdLst>
-    <p:sldLayoutId id="2147483662" r:id="rId2"/>
-    <p:sldLayoutId id="2147483663" r:id="rId3"/>
-    <p:sldLayoutId id="2147483664" r:id="rId4"/>
-    <p:sldLayoutId id="2147483665" r:id="rId5"/>
-    <p:sldLayoutId id="2147483666" r:id="rId6"/>
-    <p:sldLayoutId id="2147483667" r:id="rId7"/>
-    <p:sldLayoutId id="2147483668" r:id="rId8"/>
-    <p:sldLayoutId id="2147483669" r:id="rId9"/>
-    <p:sldLayoutId id="2147483670" r:id="rId10"/>
-    <p:sldLayoutId id="2147483671" r:id="rId11"/>
-    <p:sldLayoutId id="2147483672" r:id="rId12"/>
-    <p:sldLayoutId id="2147483673" r:id="rId13"/>
+    <p:sldLayoutId id="2147483662" r:id="rId1"/>
+    <p:sldLayoutId id="2147483663" r:id="rId2"/>
+    <p:sldLayoutId id="2147483664" r:id="rId3"/>
+    <p:sldLayoutId id="2147483665" r:id="rId4"/>
+    <p:sldLayoutId id="2147483666" r:id="rId5"/>
+    <p:sldLayoutId id="2147483667" r:id="rId6"/>
+    <p:sldLayoutId id="2147483668" r:id="rId7"/>
+    <p:sldLayoutId id="2147483669" r:id="rId8"/>
+    <p:sldLayoutId id="2147483670" r:id="rId9"/>
+    <p:sldLayoutId id="2147483671" r:id="rId10"/>
+    <p:sldLayoutId id="2147483672" r:id="rId11"/>
+    <p:sldLayoutId id="2147483673" r:id="rId12"/>
   </p:sldLayoutIdLst>
+  <p:txStyles>
+    <p:titleStyle>
+      <a:lvl1pPr algn="l" defTabSz="914400" rtl="0" eaLnBrk="1" latinLnBrk="0" hangingPunct="1">
+        <a:lnSpc>
+          <a:spcPct val="90000"/>
+        </a:lnSpc>
+        <a:spcBef>
+          <a:spcPct val="0"/>
+        </a:spcBef>
+        <a:buNone/>
+        <a:defRPr sz="4400" kern="1200">
+          <a:solidFill>
+            <a:schemeClr val="tx1"/>
+          </a:solidFill>
+          <a:latin typeface="+mj-lt"/>
+          <a:ea typeface="+mj-ea"/>
+          <a:cs typeface="+mj-cs"/>
+        </a:defRPr>
+      </a:lvl1pPr>
+    </p:titleStyle>
+    <p:bodyStyle>
+      <a:lvl1pPr marL="228600" indent="-228600" algn="l" defTabSz="914400" rtl="0" eaLnBrk="1" latinLnBrk="0" hangingPunct="1">
+        <a:lnSpc>
+          <a:spcPct val="90000"/>
+        </a:lnSpc>
+        <a:spcBef>
+          <a:spcPts val="1000"/>
+        </a:spcBef>
+        <a:buFont typeface="Arial" panose="020B0604020202020204" pitchFamily="34" charset="0"/>
+        <a:buChar char="•"/>
+        <a:defRPr sz="2800" kern="1200">
+          <a:solidFill>
+            <a:schemeClr val="tx1"/>
+          </a:solidFill>
+          <a:latin typeface="+mn-lt"/>
+          <a:ea typeface="+mn-ea"/>
+          <a:cs typeface="+mn-cs"/>
+        </a:defRPr>
+      </a:lvl1pPr>
+      <a:lvl2pPr marL="685800" indent="-228600" algn="l" defTabSz="914400" rtl="0" eaLnBrk="1" latinLnBrk="0" hangingPunct="1">
+        <a:lnSpc>
+          <a:spcPct val="90000"/>
+        </a:lnSpc>
+        <a:spcBef>
+          <a:spcPts val="500"/>
+        </a:spcBef>
+        <a:buFont typeface="Arial" panose="020B0604020202020204" pitchFamily="34" charset="0"/>
+        <a:buChar char="•"/>
+        <a:defRPr sz="2400" kern="1200">
+          <a:solidFill>
+            <a:schemeClr val="tx1"/>
+          </a:solidFill>
+          <a:latin typeface="+mn-lt"/>
+          <a:ea typeface="+mn-ea"/>
+          <a:cs typeface="+mn-cs"/>
+        </a:defRPr>
+      </a:lvl2pPr>
+      <a:lvl3pPr marL="1143000" indent="-228600" algn="l" defTabSz="914400" rtl="0" eaLnBrk="1" latinLnBrk="0" hangingPunct="1">
+        <a:lnSpc>
+          <a:spcPct val="90000"/>
+        </a:lnSpc>
+        <a:spcBef>
+          <a:spcPts val="500"/>
+        </a:spcBef>
+        <a:buFont typeface="Arial" panose="020B0604020202020204" pitchFamily="34" charset="0"/>
+        <a:buChar char="•"/>
+        <a:defRPr sz="2000" kern="1200">
+          <a:solidFill>
+            <a:schemeClr val="tx1"/>
+          </a:solidFill>
+          <a:latin typeface="+mn-lt"/>
+          <a:ea typeface="+mn-ea"/>
+          <a:cs typeface="+mn-cs"/>
+        </a:defRPr>
+      </a:lvl3pPr>
+      <a:lvl4pPr marL="1600200" indent="-228600" algn="l" defTabSz="914400" rtl="0" eaLnBrk="1" latinLnBrk="0" hangingPunct="1">
+        <a:lnSpc>
+          <a:spcPct val="90000"/>
+        </a:lnSpc>
+        <a:spcBef>
+          <a:spcPts val="500"/>
+        </a:spcBef>
+        <a:buFont typeface="Arial" panose="020B0604020202020204" pitchFamily="34" charset="0"/>
+        <a:buChar char="•"/>
+        <a:defRPr sz="1800" kern="1200">
+          <a:solidFill>
+            <a:schemeClr val="tx1"/>
+          </a:solidFill>
+          <a:latin typeface="+mn-lt"/>
+          <a:ea typeface="+mn-ea"/>
+          <a:cs typeface="+mn-cs"/>
+        </a:defRPr>
+      </a:lvl4pPr>
+      <a:lvl5pPr marL="2057400" indent="-228600" algn="l" defTabSz="914400" rtl="0" eaLnBrk="1" latinLnBrk="0" hangingPunct="1">
+        <a:lnSpc>
+          <a:spcPct val="90000"/>
+        </a:lnSpc>
+        <a:spcBef>
+          <a:spcPts val="500"/>
+        </a:spcBef>
+        <a:buFont typeface="Arial" panose="020B0604020202020204" pitchFamily="34" charset="0"/>
+        <a:buChar char="•"/>
+        <a:defRPr sz="1800" kern="1200">
+          <a:solidFill>
+            <a:schemeClr val="tx1"/>
+          </a:solidFill>
+          <a:latin typeface="+mn-lt"/>
+          <a:ea typeface="+mn-ea"/>
+          <a:cs typeface="+mn-cs"/>
+        </a:defRPr>
+      </a:lvl5pPr>
+      <a:lvl6pPr marL="2514600" indent="-228600" algn="l" defTabSz="914400" rtl="0" eaLnBrk="1" latinLnBrk="0" hangingPunct="1">
+        <a:lnSpc>
+          <a:spcPct val="90000"/>
+        </a:lnSpc>
+        <a:spcBef>
+          <a:spcPts val="500"/>
+        </a:spcBef>
+        <a:buFont typeface="Arial" panose="020B0604020202020204" pitchFamily="34" charset="0"/>
+        <a:buChar char="•"/>
+        <a:defRPr sz="1800" kern="1200">
+          <a:solidFill>
+            <a:schemeClr val="tx1"/>
+          </a:solidFill>
+          <a:latin typeface="+mn-lt"/>
+          <a:ea typeface="+mn-ea"/>
+          <a:cs typeface="+mn-cs"/>
+        </a:defRPr>
+      </a:lvl6pPr>
+      <a:lvl7pPr marL="2971800" indent="-228600" algn="l" defTabSz="914400" rtl="0" eaLnBrk="1" latinLnBrk="0" hangingPunct="1">
+        <a:lnSpc>
+          <a:spcPct val="90000"/>
+        </a:lnSpc>
+        <a:spcBef>
+          <a:spcPts val="500"/>
+        </a:spcBef>
+        <a:buFont typeface="Arial" panose="020B0604020202020204" pitchFamily="34" charset="0"/>
+        <a:buChar char="•"/>
+        <a:defRPr sz="1800" kern="1200">
+          <a:solidFill>
+            <a:schemeClr val="tx1"/>
+          </a:solidFill>
+          <a:latin typeface="+mn-lt"/>
+          <a:ea typeface="+mn-ea"/>
+          <a:cs typeface="+mn-cs"/>
+        </a:defRPr>
+      </a:lvl7pPr>
+      <a:lvl8pPr marL="3429000" indent="-228600" algn="l" defTabSz="914400" rtl="0" eaLnBrk="1" latinLnBrk="0" hangingPunct="1">
+        <a:lnSpc>
+          <a:spcPct val="90000"/>
+        </a:lnSpc>
+        <a:spcBef>
+          <a:spcPts val="500"/>
+        </a:spcBef>
+        <a:buFont typeface="Arial" panose="020B0604020202020204" pitchFamily="34" charset="0"/>
+        <a:buChar char="•"/>
+        <a:defRPr sz="1800" kern="1200">
+          <a:solidFill>
+            <a:schemeClr val="tx1"/>
+          </a:solidFill>
+          <a:latin typeface="+mn-lt"/>
+          <a:ea typeface="+mn-ea"/>
+          <a:cs typeface="+mn-cs"/>
+        </a:defRPr>
+      </a:lvl8pPr>
+      <a:lvl9pPr marL="3886200" indent="-228600" algn="l" defTabSz="914400" rtl="0" eaLnBrk="1" latinLnBrk="0" hangingPunct="1">
+        <a:lnSpc>
+          <a:spcPct val="90000"/>
+        </a:lnSpc>
+        <a:spcBef>
+          <a:spcPts val="500"/>
+        </a:spcBef>
+        <a:buFont typeface="Arial" panose="020B0604020202020204" pitchFamily="34" charset="0"/>
+        <a:buChar char="•"/>
+        <a:defRPr sz="1800" kern="1200">
+          <a:solidFill>
+            <a:schemeClr val="tx1"/>
+          </a:solidFill>
+          <a:latin typeface="+mn-lt"/>
+          <a:ea typeface="+mn-ea"/>
+          <a:cs typeface="+mn-cs"/>
+        </a:defRPr>
+      </a:lvl9pPr>
+    </p:bodyStyle>
+    <p:otherStyle>
+      <a:defPPr>
+        <a:defRPr lang="fr-FR"/>
+      </a:defPPr>
+      <a:lvl1pPr marL="0" algn="l" defTabSz="914400" rtl="0" eaLnBrk="1" latinLnBrk="0" hangingPunct="1">
+        <a:defRPr sz="1800" kern="1200">
+          <a:solidFill>
+            <a:schemeClr val="tx1"/>
+          </a:solidFill>
+          <a:latin typeface="+mn-lt"/>
+          <a:ea typeface="+mn-ea"/>
+          <a:cs typeface="+mn-cs"/>
+        </a:defRPr>
+      </a:lvl1pPr>
+      <a:lvl2pPr marL="457200" algn="l" defTabSz="914400" rtl="0" eaLnBrk="1" latinLnBrk="0" hangingPunct="1">
+        <a:defRPr sz="1800" kern="1200">
+          <a:solidFill>
+            <a:schemeClr val="tx1"/>
+          </a:solidFill>
+          <a:latin typeface="+mn-lt"/>
+          <a:ea typeface="+mn-ea"/>
+          <a:cs typeface="+mn-cs"/>
+        </a:defRPr>
+      </a:lvl2pPr>
+      <a:lvl3pPr marL="914400" algn="l" defTabSz="914400" rtl="0" eaLnBrk="1" latinLnBrk="0" hangingPunct="1">
+        <a:defRPr sz="1800" kern="1200">
+          <a:solidFill>
+            <a:schemeClr val="tx1"/>
+          </a:solidFill>
+          <a:latin typeface="+mn-lt"/>
+          <a:ea typeface="+mn-ea"/>
+          <a:cs typeface="+mn-cs"/>
+        </a:defRPr>
+      </a:lvl3pPr>
+      <a:lvl4pPr marL="1371600" algn="l" defTabSz="914400" rtl="0" eaLnBrk="1" latinLnBrk="0" hangingPunct="1">
+        <a:defRPr sz="1800" kern="1200">
+          <a:solidFill>
+            <a:schemeClr val="tx1"/>
+          </a:solidFill>
+          <a:latin typeface="+mn-lt"/>
+          <a:ea typeface="+mn-ea"/>
+          <a:cs typeface="+mn-cs"/>
+        </a:defRPr>
+      </a:lvl4pPr>
+      <a:lvl5pPr marL="1828800" algn="l" defTabSz="914400" rtl="0" eaLnBrk="1" latinLnBrk="0" hangingPunct="1">
+        <a:defRPr sz="1800" kern="1200">
+          <a:solidFill>
+            <a:schemeClr val="tx1"/>
+          </a:solidFill>
+          <a:latin typeface="+mn-lt"/>
+          <a:ea typeface="+mn-ea"/>
+          <a:cs typeface="+mn-cs"/>
+        </a:defRPr>
+      </a:lvl5pPr>
+      <a:lvl6pPr marL="2286000" algn="l" defTabSz="914400" rtl="0" eaLnBrk="1" latinLnBrk="0" hangingPunct="1">
+        <a:defRPr sz="1800" kern="1200">
+          <a:solidFill>
+            <a:schemeClr val="tx1"/>
+          </a:solidFill>
+          <a:latin typeface="+mn-lt"/>
+          <a:ea typeface="+mn-ea"/>
+          <a:cs typeface="+mn-cs"/>
+        </a:defRPr>
+      </a:lvl6pPr>
+      <a:lvl7pPr marL="2743200" algn="l" defTabSz="914400" rtl="0" eaLnBrk="1" latinLnBrk="0" hangingPunct="1">
+        <a:defRPr sz="1800" kern="1200">
+          <a:solidFill>
+            <a:schemeClr val="tx1"/>
+          </a:solidFill>
+          <a:latin typeface="+mn-lt"/>
+          <a:ea typeface="+mn-ea"/>
+          <a:cs typeface="+mn-cs"/>
+        </a:defRPr>
+      </a:lvl7pPr>
+      <a:lvl8pPr marL="3200400" algn="l" defTabSz="914400" rtl="0" eaLnBrk="1" latinLnBrk="0" hangingPunct="1">
+        <a:defRPr sz="1800" kern="1200">
+          <a:solidFill>
+            <a:schemeClr val="tx1"/>
+          </a:solidFill>
+          <a:latin typeface="+mn-lt"/>
+          <a:ea typeface="+mn-ea"/>
+          <a:cs typeface="+mn-cs"/>
+        </a:defRPr>
+      </a:lvl8pPr>
+      <a:lvl9pPr marL="3657600" algn="l" defTabSz="914400" rtl="0" eaLnBrk="1" latinLnBrk="0" hangingPunct="1">
+        <a:defRPr sz="1800" kern="1200">
+          <a:solidFill>
+            <a:schemeClr val="tx1"/>
+          </a:solidFill>
+          <a:latin typeface="+mn-lt"/>
+          <a:ea typeface="+mn-ea"/>
+          <a:cs typeface="+mn-cs"/>
+        </a:defRPr>
+      </a:lvl9pPr>
+    </p:otherStyle>
+  </p:txStyles>
 </p:sldMaster>
 </file>
 
 <file path=ppt/slides/slide1.xml><?xml version="1.0" encoding="utf-8"?>
-<p:sld xmlns:a="http://schemas.openxmlformats.org/drawingml/2006/main" xmlns:p="http://schemas.openxmlformats.org/presentationml/2006/main" xmlns:r="http://schemas.openxmlformats.org/officeDocument/2006/relationships" xmlns:p14="http://schemas.microsoft.com/office/powerpoint/2010/main" xmlns:p15="http://schemas.microsoft.com/office/powerpoint/2012/main" xmlns:mc="http://schemas.openxmlformats.org/markup-compatibility/2006">
+<p:sld xmlns:a="http://schemas.openxmlformats.org/drawingml/2006/main" xmlns:r="http://schemas.openxmlformats.org/officeDocument/2006/relationships" xmlns:p="http://schemas.openxmlformats.org/presentationml/2006/main">
   <p:cSld>
     <p:spTree>
       <p:nvGrpSpPr>
@@ -4160,6 +4765,7 @@
         </p:spPr>
         <p:txBody>
           <a:bodyPr anchor="b"/>
+          <a:lstStyle/>
           <a:p>
             <a:pPr algn="ctr">
               <a:lnSpc>
@@ -4167,55 +4773,27 @@
               </a:lnSpc>
             </a:pPr>
             <a:r>
-              <a:rPr b="1" lang="fr-FR" sz="6000" spc="-1" strike="noStrike">
+              <a:rPr lang="fr-FR" sz="6000" b="1" strike="noStrike" spc="-1">
                 <a:solidFill>
                   <a:srgbClr val="000000"/>
                 </a:solidFill>
                 <a:uFill>
                   <a:solidFill>
-                    <a:srgbClr val="ffffff"/>
+                    <a:srgbClr val="FFFFFF"/>
                   </a:solidFill>
                 </a:uFill>
                 <a:latin typeface="Calibri Light"/>
               </a:rPr>
-              <a:t>Miniproject MP01: </a:t>
+              <a:t>Miniproject MP01: 
+Key-Value Store in Linux </a:t>
             </a:r>
-            <a:r>
-              <a:rPr b="1" lang="fr-FR" sz="6000" spc="-1" strike="noStrike">
-                <a:solidFill>
-                  <a:srgbClr val="000000"/>
-                </a:solidFill>
-                <a:uFill>
-                  <a:solidFill>
-                    <a:srgbClr val="ffffff"/>
-                  </a:solidFill>
-                </a:uFill>
-                <a:latin typeface="Calibri Light"/>
-              </a:rPr>
-              <a:t>
-</a:t>
-            </a:r>
-            <a:r>
-              <a:rPr b="1" lang="fr-FR" sz="6000" spc="-1" strike="noStrike">
-                <a:solidFill>
-                  <a:srgbClr val="000000"/>
-                </a:solidFill>
-                <a:uFill>
-                  <a:solidFill>
-                    <a:srgbClr val="ffffff"/>
-                  </a:solidFill>
-                </a:uFill>
-                <a:latin typeface="Calibri Light"/>
-              </a:rPr>
-              <a:t>Key-Value Store in Linux </a:t>
-            </a:r>
-            <a:endParaRPr b="0" lang="fr-FR" sz="1800" spc="-1" strike="noStrike">
-              <a:solidFill>
-                <a:srgbClr val="000000"/>
-              </a:solidFill>
-              <a:uFill>
-                <a:solidFill>
-                  <a:srgbClr val="ffffff"/>
+            <a:endParaRPr lang="fr-FR" sz="1800" b="0" strike="noStrike" spc="-1">
+              <a:solidFill>
+                <a:srgbClr val="000000"/>
+              </a:solidFill>
+              <a:uFill>
+                <a:solidFill>
+                  <a:srgbClr val="FFFFFF"/>
                 </a:solidFill>
               </a:uFill>
               <a:latin typeface="Calibri"/>
@@ -4244,6 +4822,7 @@
         </p:spPr>
         <p:txBody>
           <a:bodyPr/>
+          <a:lstStyle/>
           <a:p>
             <a:pPr algn="ctr">
               <a:lnSpc>
@@ -4251,26 +4830,26 @@
               </a:lnSpc>
             </a:pPr>
             <a:r>
-              <a:rPr b="0" lang="fr-FR" sz="2400" spc="-1" strike="noStrike">
+              <a:rPr lang="fr-FR" sz="2400" b="0" strike="noStrike" spc="-1">
                 <a:solidFill>
                   <a:srgbClr val="000000"/>
                 </a:solidFill>
                 <a:uFill>
                   <a:solidFill>
-                    <a:srgbClr val="ffffff"/>
+                    <a:srgbClr val="FFFFFF"/>
                   </a:solidFill>
                 </a:uFill>
                 <a:latin typeface="Calibri"/>
               </a:rPr>
               <a:t>Groupe 3:</a:t>
             </a:r>
-            <a:endParaRPr b="0" lang="fr-FR" sz="3200" spc="-1" strike="noStrike">
-              <a:solidFill>
-                <a:srgbClr val="000000"/>
-              </a:solidFill>
-              <a:uFill>
-                <a:solidFill>
-                  <a:srgbClr val="ffffff"/>
+            <a:endParaRPr lang="fr-FR" sz="3200" b="0" strike="noStrike" spc="-1">
+              <a:solidFill>
+                <a:srgbClr val="000000"/>
+              </a:solidFill>
+              <a:uFill>
+                <a:solidFill>
+                  <a:srgbClr val="FFFFFF"/>
                 </a:solidFill>
               </a:uFill>
               <a:latin typeface="Arial"/>
@@ -4283,26 +4862,26 @@
               </a:lnSpc>
             </a:pPr>
             <a:r>
-              <a:rPr b="0" lang="fr-FR" sz="2400" spc="-1" strike="noStrike">
+              <a:rPr lang="fr-FR" sz="2400" b="0" strike="noStrike" spc="-1">
                 <a:solidFill>
                   <a:srgbClr val="000000"/>
                 </a:solidFill>
                 <a:uFill>
                   <a:solidFill>
-                    <a:srgbClr val="ffffff"/>
+                    <a:srgbClr val="FFFFFF"/>
                   </a:solidFill>
                 </a:uFill>
                 <a:latin typeface="Calibri"/>
               </a:rPr>
               <a:t>Jonas Epper, Andrea Rar, Ryan Siow</a:t>
             </a:r>
-            <a:endParaRPr b="0" lang="fr-FR" sz="3200" spc="-1" strike="noStrike">
-              <a:solidFill>
-                <a:srgbClr val="000000"/>
-              </a:solidFill>
-              <a:uFill>
-                <a:solidFill>
-                  <a:srgbClr val="ffffff"/>
+            <a:endParaRPr lang="fr-FR" sz="3200" b="0" strike="noStrike" spc="-1">
+              <a:solidFill>
+                <a:srgbClr val="000000"/>
+              </a:solidFill>
+              <a:uFill>
+                <a:solidFill>
+                  <a:srgbClr val="FFFFFF"/>
                 </a:solidFill>
               </a:uFill>
               <a:latin typeface="Arial"/>
@@ -4312,6 +4891,9 @@
       </p:sp>
     </p:spTree>
   </p:cSld>
+  <p:clrMapOvr>
+    <a:masterClrMapping/>
+  </p:clrMapOvr>
   <p:timing>
     <p:tnLst>
       <p:par>
@@ -4320,14 +4902,14 @@
             <p:seq>
               <p:cTn id="2" nodeType="mainSeq"/>
               <p:prevCondLst>
-                <p:cond delay="0" evt="onPrev">
+                <p:cond evt="onPrev" delay="0">
                   <p:tgtEl>
                     <p:sldTgt/>
                   </p:tgtEl>
                 </p:cond>
               </p:prevCondLst>
               <p:nextCondLst>
-                <p:cond delay="0" evt="onNext">
+                <p:cond evt="onNext" delay="0">
                   <p:tgtEl>
                     <p:sldTgt/>
                   </p:tgtEl>
@@ -4343,7 +4925,7 @@
 </file>
 
 <file path=ppt/slides/slide10.xml><?xml version="1.0" encoding="utf-8"?>
-<p:sld xmlns:a="http://schemas.openxmlformats.org/drawingml/2006/main" xmlns:p="http://schemas.openxmlformats.org/presentationml/2006/main" xmlns:r="http://schemas.openxmlformats.org/officeDocument/2006/relationships" xmlns:p14="http://schemas.microsoft.com/office/powerpoint/2010/main" xmlns:p15="http://schemas.microsoft.com/office/powerpoint/2012/main" xmlns:mc="http://schemas.openxmlformats.org/markup-compatibility/2006">
+<p:sld xmlns:a="http://schemas.openxmlformats.org/drawingml/2006/main" xmlns:r="http://schemas.openxmlformats.org/officeDocument/2006/relationships" xmlns:p="http://schemas.openxmlformats.org/presentationml/2006/main">
   <p:cSld>
     <p:spTree>
       <p:nvGrpSpPr>
@@ -4380,6 +4962,7 @@
         </p:spPr>
         <p:txBody>
           <a:bodyPr anchor="ctr"/>
+          <a:lstStyle/>
           <a:p>
             <a:pPr>
               <a:lnSpc>
@@ -4387,26 +4970,26 @@
               </a:lnSpc>
             </a:pPr>
             <a:r>
-              <a:rPr b="0" lang="fr-FR" sz="4400" spc="-1" strike="noStrike">
+              <a:rPr lang="fr-FR" sz="4400" b="0" strike="noStrike" spc="-1">
                 <a:solidFill>
                   <a:srgbClr val="000000"/>
                 </a:solidFill>
                 <a:uFill>
                   <a:solidFill>
-                    <a:srgbClr val="ffffff"/>
+                    <a:srgbClr val="FFFFFF"/>
                   </a:solidFill>
                 </a:uFill>
                 <a:latin typeface="Calibri Light"/>
               </a:rPr>
               <a:t>Accès sécurisé des readers/writers</a:t>
             </a:r>
-            <a:endParaRPr b="0" lang="fr-FR" sz="1800" spc="-1" strike="noStrike">
-              <a:solidFill>
-                <a:srgbClr val="000000"/>
-              </a:solidFill>
-              <a:uFill>
-                <a:solidFill>
-                  <a:srgbClr val="ffffff"/>
+            <a:endParaRPr lang="fr-FR" sz="1800" b="0" strike="noStrike" spc="-1">
+              <a:solidFill>
+                <a:srgbClr val="000000"/>
+              </a:solidFill>
+              <a:uFill>
+                <a:solidFill>
+                  <a:srgbClr val="FFFFFF"/>
                 </a:solidFill>
               </a:uFill>
               <a:latin typeface="Calibri"/>
@@ -4435,6 +5018,7 @@
         </p:spPr>
         <p:txBody>
           <a:bodyPr/>
+          <a:lstStyle/>
           <a:p>
             <a:pPr marL="228600" indent="-228240">
               <a:lnSpc>
@@ -4447,33 +5031,22 @@
               <a:buChar char="•"/>
             </a:pPr>
             <a:r>
-              <a:rPr b="0" lang="fr-FR" sz="2800" spc="-1" strike="noStrike">
+              <a:rPr lang="fr-FR" sz="2800" b="0" strike="noStrike" spc="-1">
                 <a:solidFill>
                   <a:srgbClr val="000000"/>
                 </a:solidFill>
                 <a:uFill>
                   <a:solidFill>
-                    <a:srgbClr val="ffffff"/>
+                    <a:srgbClr val="FFFFFF"/>
                   </a:solidFill>
                 </a:uFill>
                 <a:latin typeface="Calibri"/>
               </a:rPr>
               <a:t>Mutex : 4 mutex</a:t>
             </a:r>
-            <a:endParaRPr b="0" lang="fr-FR" sz="2800" spc="-1" strike="noStrike">
-              <a:solidFill>
-                <a:srgbClr val="000000"/>
-              </a:solidFill>
-              <a:uFill>
-                <a:solidFill>
-                  <a:srgbClr val="ffffff"/>
-                </a:solidFill>
-              </a:uFill>
-              <a:latin typeface="Calibri"/>
-            </a:endParaRPr>
-          </a:p>
-          <a:p>
-            <a:pPr lvl="1" marL="685800" indent="-228240">
+          </a:p>
+          <a:p>
+            <a:pPr marL="685800" lvl="1" indent="-228240">
               <a:lnSpc>
                 <a:spcPct val="100000"/>
               </a:lnSpc>
@@ -4484,33 +5057,33 @@
               <a:buChar char="•"/>
             </a:pPr>
             <a:r>
-              <a:rPr b="0" lang="fr-FR" sz="2400" spc="-1" strike="noStrike">
+              <a:rPr lang="fr-FR" sz="2400" b="0" strike="noStrike" spc="-1">
                 <a:solidFill>
                   <a:srgbClr val="000000"/>
                 </a:solidFill>
                 <a:uFill>
                   <a:solidFill>
-                    <a:srgbClr val="ffffff"/>
+                    <a:srgbClr val="FFFFFF"/>
                   </a:solidFill>
                 </a:uFill>
                 <a:latin typeface="Calibri"/>
               </a:rPr>
               <a:t>rmutex</a:t>
             </a:r>
-            <a:endParaRPr b="0" lang="fr-FR" sz="2000" spc="-1" strike="noStrike">
-              <a:solidFill>
-                <a:srgbClr val="000000"/>
-              </a:solidFill>
-              <a:uFill>
-                <a:solidFill>
-                  <a:srgbClr val="ffffff"/>
-                </a:solidFill>
-              </a:uFill>
-              <a:latin typeface="Calibri"/>
-            </a:endParaRPr>
-          </a:p>
-          <a:p>
-            <a:pPr lvl="1" marL="685800" indent="-228240">
+            <a:endParaRPr lang="fr-FR" sz="2000" b="0" strike="noStrike" spc="-1">
+              <a:solidFill>
+                <a:srgbClr val="000000"/>
+              </a:solidFill>
+              <a:uFill>
+                <a:solidFill>
+                  <a:srgbClr val="FFFFFF"/>
+                </a:solidFill>
+              </a:uFill>
+              <a:latin typeface="Calibri"/>
+            </a:endParaRPr>
+          </a:p>
+          <a:p>
+            <a:pPr marL="685800" lvl="1" indent="-228240">
               <a:lnSpc>
                 <a:spcPct val="100000"/>
               </a:lnSpc>
@@ -4521,33 +5094,33 @@
               <a:buChar char="•"/>
             </a:pPr>
             <a:r>
-              <a:rPr b="0" lang="fr-FR" sz="2400" spc="-1" strike="noStrike">
+              <a:rPr lang="fr-FR" sz="2400" b="0" strike="noStrike" spc="-1">
                 <a:solidFill>
                   <a:srgbClr val="000000"/>
                 </a:solidFill>
                 <a:uFill>
                   <a:solidFill>
-                    <a:srgbClr val="ffffff"/>
+                    <a:srgbClr val="FFFFFF"/>
                   </a:solidFill>
                 </a:uFill>
                 <a:latin typeface="Calibri"/>
               </a:rPr>
               <a:t>wmutex</a:t>
             </a:r>
-            <a:endParaRPr b="0" lang="fr-FR" sz="2000" spc="-1" strike="noStrike">
-              <a:solidFill>
-                <a:srgbClr val="000000"/>
-              </a:solidFill>
-              <a:uFill>
-                <a:solidFill>
-                  <a:srgbClr val="ffffff"/>
-                </a:solidFill>
-              </a:uFill>
-              <a:latin typeface="Calibri"/>
-            </a:endParaRPr>
-          </a:p>
-          <a:p>
-            <a:pPr lvl="1" marL="685800" indent="-228240">
+            <a:endParaRPr lang="fr-FR" sz="2000" b="0" strike="noStrike" spc="-1">
+              <a:solidFill>
+                <a:srgbClr val="000000"/>
+              </a:solidFill>
+              <a:uFill>
+                <a:solidFill>
+                  <a:srgbClr val="FFFFFF"/>
+                </a:solidFill>
+              </a:uFill>
+              <a:latin typeface="Calibri"/>
+            </a:endParaRPr>
+          </a:p>
+          <a:p>
+            <a:pPr marL="685800" lvl="1" indent="-228240">
               <a:lnSpc>
                 <a:spcPct val="100000"/>
               </a:lnSpc>
@@ -4558,33 +5131,33 @@
               <a:buChar char="•"/>
             </a:pPr>
             <a:r>
-              <a:rPr b="0" lang="fr-FR" sz="2400" spc="-1" strike="noStrike">
+              <a:rPr lang="fr-FR" sz="2400" b="0" strike="noStrike" spc="-1">
                 <a:solidFill>
                   <a:srgbClr val="000000"/>
                 </a:solidFill>
                 <a:uFill>
                   <a:solidFill>
-                    <a:srgbClr val="ffffff"/>
+                    <a:srgbClr val="FFFFFF"/>
                   </a:solidFill>
                 </a:uFill>
                 <a:latin typeface="Calibri"/>
               </a:rPr>
               <a:t>readTry</a:t>
             </a:r>
-            <a:endParaRPr b="0" lang="fr-FR" sz="2000" spc="-1" strike="noStrike">
-              <a:solidFill>
-                <a:srgbClr val="000000"/>
-              </a:solidFill>
-              <a:uFill>
-                <a:solidFill>
-                  <a:srgbClr val="ffffff"/>
-                </a:solidFill>
-              </a:uFill>
-              <a:latin typeface="Calibri"/>
-            </a:endParaRPr>
-          </a:p>
-          <a:p>
-            <a:pPr lvl="1" marL="685800" indent="-228240">
+            <a:endParaRPr lang="fr-FR" sz="2000" b="0" strike="noStrike" spc="-1">
+              <a:solidFill>
+                <a:srgbClr val="000000"/>
+              </a:solidFill>
+              <a:uFill>
+                <a:solidFill>
+                  <a:srgbClr val="FFFFFF"/>
+                </a:solidFill>
+              </a:uFill>
+              <a:latin typeface="Calibri"/>
+            </a:endParaRPr>
+          </a:p>
+          <a:p>
+            <a:pPr marL="685800" lvl="1" indent="-228240">
               <a:lnSpc>
                 <a:spcPct val="100000"/>
               </a:lnSpc>
@@ -4595,26 +5168,26 @@
               <a:buChar char="•"/>
             </a:pPr>
             <a:r>
-              <a:rPr b="0" lang="fr-FR" sz="2400" spc="-1" strike="noStrike">
+              <a:rPr lang="fr-FR" sz="2400" b="0" strike="noStrike" spc="-1">
                 <a:solidFill>
                   <a:srgbClr val="000000"/>
                 </a:solidFill>
                 <a:uFill>
                   <a:solidFill>
-                    <a:srgbClr val="ffffff"/>
+                    <a:srgbClr val="FFFFFF"/>
                   </a:solidFill>
                 </a:uFill>
                 <a:latin typeface="Calibri"/>
               </a:rPr>
               <a:t>resource</a:t>
             </a:r>
-            <a:endParaRPr b="0" lang="fr-FR" sz="2000" spc="-1" strike="noStrike">
-              <a:solidFill>
-                <a:srgbClr val="000000"/>
-              </a:solidFill>
-              <a:uFill>
-                <a:solidFill>
-                  <a:srgbClr val="ffffff"/>
+            <a:endParaRPr lang="fr-FR" sz="2000" b="0" strike="noStrike" spc="-1">
+              <a:solidFill>
+                <a:srgbClr val="000000"/>
+              </a:solidFill>
+              <a:uFill>
+                <a:solidFill>
+                  <a:srgbClr val="FFFFFF"/>
                 </a:solidFill>
               </a:uFill>
               <a:latin typeface="Calibri"/>
@@ -4632,30 +5205,19 @@
               <a:buChar char="•"/>
             </a:pPr>
             <a:r>
-              <a:rPr b="0" lang="fr-FR" sz="2800" spc="-1" strike="noStrike">
+              <a:rPr lang="fr-FR" sz="2800" b="0" strike="noStrike" spc="-1">
                 <a:solidFill>
                   <a:srgbClr val="000000"/>
                 </a:solidFill>
                 <a:uFill>
                   <a:solidFill>
-                    <a:srgbClr val="ffffff"/>
+                    <a:srgbClr val="FFFFFF"/>
                   </a:solidFill>
                 </a:uFill>
                 <a:latin typeface="Calibri"/>
               </a:rPr>
               <a:t>Priorité</a:t>
             </a:r>
-            <a:endParaRPr b="0" lang="fr-FR" sz="2800" spc="-1" strike="noStrike">
-              <a:solidFill>
-                <a:srgbClr val="000000"/>
-              </a:solidFill>
-              <a:uFill>
-                <a:solidFill>
-                  <a:srgbClr val="ffffff"/>
-                </a:solidFill>
-              </a:uFill>
-              <a:latin typeface="Calibri"/>
-            </a:endParaRPr>
           </a:p>
           <a:p>
             <a:pPr marL="228600" indent="-228240">
@@ -4669,51 +5231,43 @@
               <a:buChar char="•"/>
             </a:pPr>
             <a:r>
-              <a:rPr b="0" lang="fr-FR" sz="2800" spc="-1" strike="noStrike">
+              <a:rPr lang="fr-FR" sz="2800" b="0" strike="noStrike" spc="-1">
                 <a:solidFill>
                   <a:srgbClr val="000000"/>
                 </a:solidFill>
                 <a:uFill>
                   <a:solidFill>
-                    <a:srgbClr val="ffffff"/>
+                    <a:srgbClr val="FFFFFF"/>
                   </a:solidFill>
                 </a:uFill>
                 <a:latin typeface="Calibri"/>
               </a:rPr>
               <a:t>Nombre clients max</a:t>
             </a:r>
-            <a:endParaRPr b="0" lang="fr-FR" sz="2800" spc="-1" strike="noStrike">
-              <a:solidFill>
-                <a:srgbClr val="000000"/>
-              </a:solidFill>
-              <a:uFill>
-                <a:solidFill>
-                  <a:srgbClr val="ffffff"/>
-                </a:solidFill>
-              </a:uFill>
-              <a:latin typeface="Calibri"/>
-            </a:endParaRPr>
           </a:p>
         </p:txBody>
       </p:sp>
     </p:spTree>
   </p:cSld>
+  <p:clrMapOvr>
+    <a:masterClrMapping/>
+  </p:clrMapOvr>
   <p:timing>
     <p:tnLst>
       <p:par>
-        <p:cTn id="19" dur="indefinite" restart="never" nodeType="tmRoot">
+        <p:cTn id="1" dur="indefinite" restart="never" nodeType="tmRoot">
           <p:childTnLst>
             <p:seq>
-              <p:cTn id="20" nodeType="mainSeq"/>
+              <p:cTn id="2" nodeType="mainSeq"/>
               <p:prevCondLst>
-                <p:cond delay="0" evt="onPrev">
+                <p:cond evt="onPrev" delay="0">
                   <p:tgtEl>
                     <p:sldTgt/>
                   </p:tgtEl>
                 </p:cond>
               </p:prevCondLst>
               <p:nextCondLst>
-                <p:cond delay="0" evt="onNext">
+                <p:cond evt="onNext" delay="0">
                   <p:tgtEl>
                     <p:sldTgt/>
                   </p:tgtEl>
@@ -4729,7 +5283,7 @@
 </file>
 
 <file path=ppt/slides/slide11.xml><?xml version="1.0" encoding="utf-8"?>
-<p:sld xmlns:a="http://schemas.openxmlformats.org/drawingml/2006/main" xmlns:p="http://schemas.openxmlformats.org/presentationml/2006/main" xmlns:r="http://schemas.openxmlformats.org/officeDocument/2006/relationships" xmlns:p14="http://schemas.microsoft.com/office/powerpoint/2010/main" xmlns:p15="http://schemas.microsoft.com/office/powerpoint/2012/main" xmlns:mc="http://schemas.openxmlformats.org/markup-compatibility/2006">
+<p:sld xmlns:a="http://schemas.openxmlformats.org/drawingml/2006/main" xmlns:r="http://schemas.openxmlformats.org/officeDocument/2006/relationships" xmlns:p="http://schemas.openxmlformats.org/presentationml/2006/main">
   <p:cSld>
     <p:spTree>
       <p:nvGrpSpPr>
@@ -4766,6 +5320,7 @@
         </p:spPr>
         <p:txBody>
           <a:bodyPr anchor="ctr"/>
+          <a:lstStyle/>
           <a:p>
             <a:pPr>
               <a:lnSpc>
@@ -4773,26 +5328,26 @@
               </a:lnSpc>
             </a:pPr>
             <a:r>
-              <a:rPr b="0" lang="fr-FR" sz="4400" spc="-1" strike="noStrike">
+              <a:rPr lang="fr-FR" sz="4400" b="0" strike="noStrike" spc="-1">
                 <a:solidFill>
                   <a:srgbClr val="000000"/>
                 </a:solidFill>
                 <a:uFill>
                   <a:solidFill>
-                    <a:srgbClr val="ffffff"/>
+                    <a:srgbClr val="FFFFFF"/>
                   </a:solidFill>
                 </a:uFill>
                 <a:latin typeface="Calibri Light"/>
               </a:rPr>
               <a:t>Problèmes rencontrés</a:t>
             </a:r>
-            <a:endParaRPr b="0" lang="fr-FR" sz="1800" spc="-1" strike="noStrike">
-              <a:solidFill>
-                <a:srgbClr val="000000"/>
-              </a:solidFill>
-              <a:uFill>
-                <a:solidFill>
-                  <a:srgbClr val="ffffff"/>
+            <a:endParaRPr lang="fr-FR" sz="1800" b="0" strike="noStrike" spc="-1">
+              <a:solidFill>
+                <a:srgbClr val="000000"/>
+              </a:solidFill>
+              <a:uFill>
+                <a:solidFill>
+                  <a:srgbClr val="FFFFFF"/>
                 </a:solidFill>
               </a:uFill>
               <a:latin typeface="Calibri"/>
@@ -4821,19 +5376,20 @@
         </p:spPr>
         <p:txBody>
           <a:bodyPr/>
+          <a:lstStyle/>
           <a:p>
             <a:pPr>
               <a:lnSpc>
                 <a:spcPct val="90000"/>
               </a:lnSpc>
             </a:pPr>
-            <a:endParaRPr b="0" lang="fr-FR" sz="2800" spc="-1" strike="noStrike">
-              <a:solidFill>
-                <a:srgbClr val="000000"/>
-              </a:solidFill>
-              <a:uFill>
-                <a:solidFill>
-                  <a:srgbClr val="ffffff"/>
+            <a:endParaRPr lang="fr-FR" sz="2800" b="0" strike="noStrike" spc="-1" dirty="0">
+              <a:solidFill>
+                <a:srgbClr val="000000"/>
+              </a:solidFill>
+              <a:uFill>
+                <a:solidFill>
+                  <a:srgbClr val="FFFFFF"/>
                 </a:solidFill>
               </a:uFill>
               <a:latin typeface="Calibri"/>
@@ -4845,13 +5401,13 @@
                 <a:spcPct val="90000"/>
               </a:lnSpc>
             </a:pPr>
-            <a:endParaRPr b="0" lang="fr-FR" sz="2800" spc="-1" strike="noStrike">
-              <a:solidFill>
-                <a:srgbClr val="000000"/>
-              </a:solidFill>
-              <a:uFill>
-                <a:solidFill>
-                  <a:srgbClr val="ffffff"/>
+            <a:endParaRPr lang="fr-FR" sz="2800" b="0" strike="noStrike" spc="-1" dirty="0">
+              <a:solidFill>
+                <a:srgbClr val="000000"/>
+              </a:solidFill>
+              <a:uFill>
+                <a:solidFill>
+                  <a:srgbClr val="FFFFFF"/>
                 </a:solidFill>
               </a:uFill>
               <a:latin typeface="Calibri"/>
@@ -4863,13 +5419,13 @@
                 <a:spcPct val="90000"/>
               </a:lnSpc>
             </a:pPr>
-            <a:endParaRPr b="0" lang="fr-FR" sz="2800" spc="-1" strike="noStrike">
-              <a:solidFill>
-                <a:srgbClr val="000000"/>
-              </a:solidFill>
-              <a:uFill>
-                <a:solidFill>
-                  <a:srgbClr val="ffffff"/>
+            <a:endParaRPr lang="fr-FR" sz="2800" b="0" strike="noStrike" spc="-1" dirty="0">
+              <a:solidFill>
+                <a:srgbClr val="000000"/>
+              </a:solidFill>
+              <a:uFill>
+                <a:solidFill>
+                  <a:srgbClr val="FFFFFF"/>
                 </a:solidFill>
               </a:uFill>
               <a:latin typeface="Calibri"/>
@@ -4887,27 +5443,81 @@
               <a:buChar char="•"/>
             </a:pPr>
             <a:r>
-              <a:rPr b="0" lang="fr-FR" sz="2800" spc="-1" strike="noStrike">
+              <a:rPr lang="fr-FR" sz="2800" b="0" strike="noStrike" spc="-1" dirty="0">
                 <a:solidFill>
                   <a:srgbClr val="000000"/>
                 </a:solidFill>
                 <a:uFill>
                   <a:solidFill>
-                    <a:srgbClr val="ffffff"/>
+                    <a:srgbClr val="FFFFFF"/>
                   </a:solidFill>
                 </a:uFill>
                 <a:latin typeface="Calibri"/>
               </a:rPr>
-              <a:t>Mutex </a:t>
+              <a:t>Retours à </a:t>
             </a:r>
             <a:r>
-              <a:rPr b="0" lang="fr-FR" sz="2800" spc="-1" strike="noStrike">
+              <a:rPr lang="fr-FR" sz="2800" b="0" strike="noStrike" spc="-1">
                 <a:solidFill>
                   <a:srgbClr val="000000"/>
                 </a:solidFill>
                 <a:uFill>
                   <a:solidFill>
-                    <a:srgbClr val="ffffff"/>
+                    <a:srgbClr val="FFFFFF"/>
+                  </a:solidFill>
+                </a:uFill>
+                <a:latin typeface="Calibri"/>
+              </a:rPr>
+              <a:t>la ligne</a:t>
+            </a:r>
+          </a:p>
+          <a:p>
+            <a:pPr marL="228600" indent="-228240">
+              <a:lnSpc>
+                <a:spcPct val="90000"/>
+              </a:lnSpc>
+              <a:buClr>
+                <a:srgbClr val="000000"/>
+              </a:buClr>
+              <a:buFont typeface="Arial"/>
+              <a:buChar char="•"/>
+            </a:pPr>
+            <a:r>
+              <a:rPr lang="fr-FR" sz="2800" b="0" strike="noStrike" spc="-1" dirty="0" err="1">
+                <a:solidFill>
+                  <a:srgbClr val="000000"/>
+                </a:solidFill>
+                <a:uFill>
+                  <a:solidFill>
+                    <a:srgbClr val="FFFFFF"/>
+                  </a:solidFill>
+                </a:uFill>
+                <a:latin typeface="Calibri"/>
+              </a:rPr>
+              <a:t>Mutex</a:t>
+            </a:r>
+            <a:r>
+              <a:rPr lang="fr-FR" sz="2800" b="0" strike="noStrike" spc="-1" dirty="0">
+                <a:solidFill>
+                  <a:srgbClr val="000000"/>
+                </a:solidFill>
+                <a:uFill>
+                  <a:solidFill>
+                    <a:srgbClr val="FFFFFF"/>
+                  </a:solidFill>
+                </a:uFill>
+                <a:latin typeface="Calibri"/>
+              </a:rPr>
+              <a:t> </a:t>
+            </a:r>
+            <a:r>
+              <a:rPr lang="fr-FR" sz="2800" b="0" strike="noStrike" spc="-1" dirty="0">
+                <a:solidFill>
+                  <a:srgbClr val="000000"/>
+                </a:solidFill>
+                <a:uFill>
+                  <a:solidFill>
+                    <a:srgbClr val="FFFFFF"/>
                   </a:solidFill>
                 </a:uFill>
                 <a:latin typeface="Wingdings"/>
@@ -4915,30 +5525,19 @@
               <a:t></a:t>
             </a:r>
             <a:r>
-              <a:rPr b="0" lang="fr-FR" sz="2800" spc="-1" strike="noStrike">
+              <a:rPr lang="fr-FR" sz="2800" b="0" strike="noStrike" spc="-1" dirty="0">
                 <a:solidFill>
                   <a:srgbClr val="000000"/>
                 </a:solidFill>
                 <a:uFill>
                   <a:solidFill>
-                    <a:srgbClr val="ffffff"/>
+                    <a:srgbClr val="FFFFFF"/>
                   </a:solidFill>
                 </a:uFill>
                 <a:latin typeface="Calibri"/>
               </a:rPr>
               <a:t> tableau coupé en plusieurs parties</a:t>
             </a:r>
-            <a:endParaRPr b="0" lang="fr-FR" sz="2800" spc="-1" strike="noStrike">
-              <a:solidFill>
-                <a:srgbClr val="000000"/>
-              </a:solidFill>
-              <a:uFill>
-                <a:solidFill>
-                  <a:srgbClr val="ffffff"/>
-                </a:solidFill>
-              </a:uFill>
-              <a:latin typeface="Calibri"/>
-            </a:endParaRPr>
           </a:p>
           <a:p>
             <a:pPr marL="228600" indent="-228240">
@@ -4952,26 +5551,38 @@
               <a:buChar char="•"/>
             </a:pPr>
             <a:r>
-              <a:rPr b="0" lang="fr-FR" sz="2800" spc="-1" strike="noStrike">
+              <a:rPr lang="fr-FR" sz="2800" b="0" strike="noStrike" spc="-1" dirty="0">
                 <a:solidFill>
                   <a:srgbClr val="000000"/>
                 </a:solidFill>
                 <a:uFill>
                   <a:solidFill>
-                    <a:srgbClr val="ffffff"/>
+                    <a:srgbClr val="FFFFFF"/>
                   </a:solidFill>
                 </a:uFill>
                 <a:latin typeface="Calibri"/>
               </a:rPr>
               <a:t>Client plus lent que server</a:t>
             </a:r>
-            <a:endParaRPr b="0" lang="fr-FR" sz="2800" spc="-1" strike="noStrike">
-              <a:solidFill>
-                <a:srgbClr val="000000"/>
-              </a:solidFill>
-              <a:uFill>
-                <a:solidFill>
-                  <a:srgbClr val="ffffff"/>
+          </a:p>
+          <a:p>
+            <a:pPr marL="228600" indent="-228240">
+              <a:lnSpc>
+                <a:spcPct val="90000"/>
+              </a:lnSpc>
+              <a:buClr>
+                <a:srgbClr val="000000"/>
+              </a:buClr>
+              <a:buFont typeface="Arial"/>
+              <a:buChar char="•"/>
+            </a:pPr>
+            <a:endParaRPr lang="fr-FR" sz="2800" b="0" strike="noStrike" spc="-1" dirty="0">
+              <a:solidFill>
+                <a:srgbClr val="000000"/>
+              </a:solidFill>
+              <a:uFill>
+                <a:solidFill>
+                  <a:srgbClr val="FFFFFF"/>
                 </a:solidFill>
               </a:uFill>
               <a:latin typeface="Calibri"/>
@@ -4981,22 +5592,25 @@
       </p:sp>
     </p:spTree>
   </p:cSld>
+  <p:clrMapOvr>
+    <a:masterClrMapping/>
+  </p:clrMapOvr>
   <p:timing>
     <p:tnLst>
       <p:par>
-        <p:cTn id="21" dur="indefinite" restart="never" nodeType="tmRoot">
+        <p:cTn id="1" dur="indefinite" restart="never" nodeType="tmRoot">
           <p:childTnLst>
             <p:seq>
-              <p:cTn id="22" nodeType="mainSeq"/>
+              <p:cTn id="2" nodeType="mainSeq"/>
               <p:prevCondLst>
-                <p:cond delay="0" evt="onPrev">
+                <p:cond evt="onPrev" delay="0">
                   <p:tgtEl>
                     <p:sldTgt/>
                   </p:tgtEl>
                 </p:cond>
               </p:prevCondLst>
               <p:nextCondLst>
-                <p:cond delay="0" evt="onNext">
+                <p:cond evt="onNext" delay="0">
                   <p:tgtEl>
                     <p:sldTgt/>
                   </p:tgtEl>
@@ -5012,7 +5626,7 @@
 </file>
 
 <file path=ppt/slides/slide12.xml><?xml version="1.0" encoding="utf-8"?>
-<p:sld xmlns:a="http://schemas.openxmlformats.org/drawingml/2006/main" xmlns:p="http://schemas.openxmlformats.org/presentationml/2006/main" xmlns:r="http://schemas.openxmlformats.org/officeDocument/2006/relationships" xmlns:p14="http://schemas.microsoft.com/office/powerpoint/2010/main" xmlns:p15="http://schemas.microsoft.com/office/powerpoint/2012/main" xmlns:mc="http://schemas.openxmlformats.org/markup-compatibility/2006">
+<p:sld xmlns:a="http://schemas.openxmlformats.org/drawingml/2006/main" xmlns:r="http://schemas.openxmlformats.org/officeDocument/2006/relationships" xmlns:p="http://schemas.openxmlformats.org/presentationml/2006/main">
   <p:cSld>
     <p:spTree>
       <p:nvGrpSpPr>
@@ -5049,6 +5663,7 @@
         </p:spPr>
         <p:txBody>
           <a:bodyPr anchor="ctr"/>
+          <a:lstStyle/>
           <a:p>
             <a:pPr>
               <a:lnSpc>
@@ -5056,26 +5671,26 @@
               </a:lnSpc>
             </a:pPr>
             <a:r>
-              <a:rPr b="0" lang="fr-FR" sz="4400" spc="-1" strike="noStrike">
+              <a:rPr lang="fr-FR" sz="4400" b="0" strike="noStrike" spc="-1">
                 <a:solidFill>
                   <a:srgbClr val="000000"/>
                 </a:solidFill>
                 <a:uFill>
                   <a:solidFill>
-                    <a:srgbClr val="ffffff"/>
+                    <a:srgbClr val="FFFFFF"/>
                   </a:solidFill>
                 </a:uFill>
                 <a:latin typeface="Calibri Light"/>
               </a:rPr>
               <a:t>Démo</a:t>
             </a:r>
-            <a:endParaRPr b="0" lang="fr-FR" sz="1800" spc="-1" strike="noStrike">
-              <a:solidFill>
-                <a:srgbClr val="000000"/>
-              </a:solidFill>
-              <a:uFill>
-                <a:solidFill>
-                  <a:srgbClr val="ffffff"/>
+            <a:endParaRPr lang="fr-FR" sz="1800" b="0" strike="noStrike" spc="-1">
+              <a:solidFill>
+                <a:srgbClr val="000000"/>
+              </a:solidFill>
+              <a:uFill>
+                <a:solidFill>
+                  <a:srgbClr val="FFFFFF"/>
                 </a:solidFill>
               </a:uFill>
               <a:latin typeface="Calibri"/>
@@ -5104,6 +5719,7 @@
         </p:spPr>
         <p:txBody>
           <a:bodyPr/>
+          <a:lstStyle/>
           <a:p>
             <a:pPr marL="228600" indent="-228240">
               <a:lnSpc>
@@ -5116,30 +5732,19 @@
               <a:buChar char="•"/>
             </a:pPr>
             <a:r>
-              <a:rPr b="0" lang="fr-FR" sz="2800" spc="-1" strike="noStrike">
+              <a:rPr lang="fr-FR" sz="2800" b="0" strike="noStrike" spc="-1">
                 <a:solidFill>
                   <a:srgbClr val="000000"/>
                 </a:solidFill>
                 <a:uFill>
                   <a:solidFill>
-                    <a:srgbClr val="ffffff"/>
+                    <a:srgbClr val="FFFFFF"/>
                   </a:solidFill>
                 </a:uFill>
                 <a:latin typeface="Calibri"/>
               </a:rPr>
               <a:t>Reader(s) arriving while another reader is reading from the KV store</a:t>
             </a:r>
-            <a:endParaRPr b="0" lang="fr-FR" sz="2800" spc="-1" strike="noStrike">
-              <a:solidFill>
-                <a:srgbClr val="000000"/>
-              </a:solidFill>
-              <a:uFill>
-                <a:solidFill>
-                  <a:srgbClr val="ffffff"/>
-                </a:solidFill>
-              </a:uFill>
-              <a:latin typeface="Calibri"/>
-            </a:endParaRPr>
           </a:p>
           <a:p>
             <a:pPr marL="228600" indent="-228240">
@@ -5153,30 +5758,19 @@
               <a:buChar char="•"/>
             </a:pPr>
             <a:r>
-              <a:rPr b="0" lang="fr-FR" sz="2800" spc="-1" strike="noStrike">
+              <a:rPr lang="fr-FR" sz="2800" b="0" strike="noStrike" spc="-1">
                 <a:solidFill>
                   <a:srgbClr val="000000"/>
                 </a:solidFill>
                 <a:uFill>
                   <a:solidFill>
-                    <a:srgbClr val="ffffff"/>
+                    <a:srgbClr val="FFFFFF"/>
                   </a:solidFill>
                 </a:uFill>
                 <a:latin typeface="Calibri"/>
               </a:rPr>
               <a:t>Writer(s) arriving while another writer is writing in the KV store</a:t>
             </a:r>
-            <a:endParaRPr b="0" lang="fr-FR" sz="2800" spc="-1" strike="noStrike">
-              <a:solidFill>
-                <a:srgbClr val="000000"/>
-              </a:solidFill>
-              <a:uFill>
-                <a:solidFill>
-                  <a:srgbClr val="ffffff"/>
-                </a:solidFill>
-              </a:uFill>
-              <a:latin typeface="Calibri"/>
-            </a:endParaRPr>
           </a:p>
           <a:p>
             <a:pPr marL="228600" indent="-228240">
@@ -5190,30 +5784,19 @@
               <a:buChar char="•"/>
             </a:pPr>
             <a:r>
-              <a:rPr b="0" lang="fr-FR" sz="2800" spc="-1" strike="noStrike">
+              <a:rPr lang="fr-FR" sz="2800" b="0" strike="noStrike" spc="-1">
                 <a:solidFill>
                   <a:srgbClr val="000000"/>
                 </a:solidFill>
                 <a:uFill>
                   <a:solidFill>
-                    <a:srgbClr val="ffffff"/>
+                    <a:srgbClr val="FFFFFF"/>
                   </a:solidFill>
                 </a:uFill>
                 <a:latin typeface="Calibri"/>
               </a:rPr>
               <a:t>Writer(s) arriving while readers are reading from the KV store</a:t>
             </a:r>
-            <a:endParaRPr b="0" lang="fr-FR" sz="2800" spc="-1" strike="noStrike">
-              <a:solidFill>
-                <a:srgbClr val="000000"/>
-              </a:solidFill>
-              <a:uFill>
-                <a:solidFill>
-                  <a:srgbClr val="ffffff"/>
-                </a:solidFill>
-              </a:uFill>
-              <a:latin typeface="Calibri"/>
-            </a:endParaRPr>
           </a:p>
           <a:p>
             <a:pPr marL="228600" indent="-228240">
@@ -5227,51 +5810,43 @@
               <a:buChar char="•"/>
             </a:pPr>
             <a:r>
-              <a:rPr b="0" lang="fr-FR" sz="2800" spc="-1" strike="noStrike">
+              <a:rPr lang="fr-FR" sz="2800" b="0" strike="noStrike" spc="-1">
                 <a:solidFill>
                   <a:srgbClr val="000000"/>
                 </a:solidFill>
                 <a:uFill>
                   <a:solidFill>
-                    <a:srgbClr val="ffffff"/>
+                    <a:srgbClr val="FFFFFF"/>
                   </a:solidFill>
                 </a:uFill>
                 <a:latin typeface="Calibri"/>
               </a:rPr>
               <a:t>Reader(s) arriving while a writer is writing in the KV store</a:t>
             </a:r>
-            <a:endParaRPr b="0" lang="fr-FR" sz="2800" spc="-1" strike="noStrike">
-              <a:solidFill>
-                <a:srgbClr val="000000"/>
-              </a:solidFill>
-              <a:uFill>
-                <a:solidFill>
-                  <a:srgbClr val="ffffff"/>
-                </a:solidFill>
-              </a:uFill>
-              <a:latin typeface="Calibri"/>
-            </a:endParaRPr>
           </a:p>
         </p:txBody>
       </p:sp>
     </p:spTree>
   </p:cSld>
+  <p:clrMapOvr>
+    <a:masterClrMapping/>
+  </p:clrMapOvr>
   <p:timing>
     <p:tnLst>
       <p:par>
-        <p:cTn id="23" dur="indefinite" restart="never" nodeType="tmRoot">
+        <p:cTn id="1" dur="indefinite" restart="never" nodeType="tmRoot">
           <p:childTnLst>
             <p:seq>
-              <p:cTn id="24" nodeType="mainSeq"/>
+              <p:cTn id="2" nodeType="mainSeq"/>
               <p:prevCondLst>
-                <p:cond delay="0" evt="onPrev">
+                <p:cond evt="onPrev" delay="0">
                   <p:tgtEl>
                     <p:sldTgt/>
                   </p:tgtEl>
                 </p:cond>
               </p:prevCondLst>
               <p:nextCondLst>
-                <p:cond delay="0" evt="onNext">
+                <p:cond evt="onNext" delay="0">
                   <p:tgtEl>
                     <p:sldTgt/>
                   </p:tgtEl>
@@ -5287,7 +5862,7 @@
 </file>
 
 <file path=ppt/slides/slide13.xml><?xml version="1.0" encoding="utf-8"?>
-<p:sld xmlns:a="http://schemas.openxmlformats.org/drawingml/2006/main" xmlns:p="http://schemas.openxmlformats.org/presentationml/2006/main" xmlns:r="http://schemas.openxmlformats.org/officeDocument/2006/relationships" xmlns:p14="http://schemas.microsoft.com/office/powerpoint/2010/main" xmlns:p15="http://schemas.microsoft.com/office/powerpoint/2012/main" xmlns:mc="http://schemas.openxmlformats.org/markup-compatibility/2006">
+<p:sld xmlns:a="http://schemas.openxmlformats.org/drawingml/2006/main" xmlns:r="http://schemas.openxmlformats.org/officeDocument/2006/relationships" xmlns:p="http://schemas.openxmlformats.org/presentationml/2006/main">
   <p:cSld>
     <p:spTree>
       <p:nvGrpSpPr>
@@ -5324,6 +5899,7 @@
         </p:spPr>
         <p:txBody>
           <a:bodyPr anchor="ctr"/>
+          <a:lstStyle/>
           <a:p>
             <a:pPr>
               <a:lnSpc>
@@ -5331,26 +5907,26 @@
               </a:lnSpc>
             </a:pPr>
             <a:r>
-              <a:rPr b="0" lang="fr-FR" sz="4400" spc="-1" strike="noStrike">
+              <a:rPr lang="fr-FR" sz="4400" b="0" strike="noStrike" spc="-1">
                 <a:solidFill>
                   <a:srgbClr val="000000"/>
                 </a:solidFill>
                 <a:uFill>
                   <a:solidFill>
-                    <a:srgbClr val="ffffff"/>
+                    <a:srgbClr val="FFFFFF"/>
                   </a:solidFill>
                 </a:uFill>
                 <a:latin typeface="Calibri Light"/>
               </a:rPr>
               <a:t>Conclusion</a:t>
             </a:r>
-            <a:endParaRPr b="0" lang="fr-FR" sz="1800" spc="-1" strike="noStrike">
-              <a:solidFill>
-                <a:srgbClr val="000000"/>
-              </a:solidFill>
-              <a:uFill>
-                <a:solidFill>
-                  <a:srgbClr val="ffffff"/>
+            <a:endParaRPr lang="fr-FR" sz="1800" b="0" strike="noStrike" spc="-1">
+              <a:solidFill>
+                <a:srgbClr val="000000"/>
+              </a:solidFill>
+              <a:uFill>
+                <a:solidFill>
+                  <a:srgbClr val="FFFFFF"/>
                 </a:solidFill>
               </a:uFill>
               <a:latin typeface="Calibri"/>
@@ -5379,14 +5955,15 @@
         </p:spPr>
         <p:txBody>
           <a:bodyPr/>
-          <a:p>
-            <a:endParaRPr b="0" lang="fr-FR" sz="2800" spc="-1" strike="noStrike">
-              <a:solidFill>
-                <a:srgbClr val="000000"/>
-              </a:solidFill>
-              <a:uFill>
-                <a:solidFill>
-                  <a:srgbClr val="ffffff"/>
+          <a:lstStyle/>
+          <a:p>
+            <a:endParaRPr lang="fr-FR" sz="2800" b="0" strike="noStrike" spc="-1">
+              <a:solidFill>
+                <a:srgbClr val="000000"/>
+              </a:solidFill>
+              <a:uFill>
+                <a:solidFill>
+                  <a:srgbClr val="FFFFFF"/>
                 </a:solidFill>
               </a:uFill>
               <a:latin typeface="Calibri"/>
@@ -5396,22 +5973,25 @@
       </p:sp>
     </p:spTree>
   </p:cSld>
+  <p:clrMapOvr>
+    <a:masterClrMapping/>
+  </p:clrMapOvr>
   <p:timing>
     <p:tnLst>
       <p:par>
-        <p:cTn id="25" dur="indefinite" restart="never" nodeType="tmRoot">
+        <p:cTn id="1" dur="indefinite" restart="never" nodeType="tmRoot">
           <p:childTnLst>
             <p:seq>
-              <p:cTn id="26" nodeType="mainSeq"/>
+              <p:cTn id="2" nodeType="mainSeq"/>
               <p:prevCondLst>
-                <p:cond delay="0" evt="onPrev">
+                <p:cond evt="onPrev" delay="0">
                   <p:tgtEl>
                     <p:sldTgt/>
                   </p:tgtEl>
                 </p:cond>
               </p:prevCondLst>
               <p:nextCondLst>
-                <p:cond delay="0" evt="onNext">
+                <p:cond evt="onNext" delay="0">
                   <p:tgtEl>
                     <p:sldTgt/>
                   </p:tgtEl>
@@ -5427,7 +6007,7 @@
 </file>
 
 <file path=ppt/slides/slide14.xml><?xml version="1.0" encoding="utf-8"?>
-<p:sld xmlns:a="http://schemas.openxmlformats.org/drawingml/2006/main" xmlns:p="http://schemas.openxmlformats.org/presentationml/2006/main" xmlns:r="http://schemas.openxmlformats.org/officeDocument/2006/relationships" xmlns:p14="http://schemas.microsoft.com/office/powerpoint/2010/main" xmlns:p15="http://schemas.microsoft.com/office/powerpoint/2012/main" xmlns:mc="http://schemas.openxmlformats.org/markup-compatibility/2006">
+<p:sld xmlns:a="http://schemas.openxmlformats.org/drawingml/2006/main" xmlns:r="http://schemas.openxmlformats.org/officeDocument/2006/relationships" xmlns:p="http://schemas.openxmlformats.org/presentationml/2006/main">
   <p:cSld>
     <p:spTree>
       <p:nvGrpSpPr>
@@ -5464,6 +6044,7 @@
         </p:spPr>
         <p:txBody>
           <a:bodyPr anchor="ctr"/>
+          <a:lstStyle/>
           <a:p>
             <a:pPr>
               <a:lnSpc>
@@ -5471,26 +6052,26 @@
               </a:lnSpc>
             </a:pPr>
             <a:r>
-              <a:rPr b="0" lang="fr-FR" sz="4400" spc="-1" strike="noStrike">
+              <a:rPr lang="fr-FR" sz="4400" b="0" strike="noStrike" spc="-1">
                 <a:solidFill>
                   <a:srgbClr val="000000"/>
                 </a:solidFill>
                 <a:uFill>
                   <a:solidFill>
-                    <a:srgbClr val="ffffff"/>
+                    <a:srgbClr val="FFFFFF"/>
                   </a:solidFill>
                 </a:uFill>
                 <a:latin typeface="Calibri Light"/>
               </a:rPr>
               <a:t>Questions ?</a:t>
             </a:r>
-            <a:endParaRPr b="0" lang="fr-FR" sz="1800" spc="-1" strike="noStrike">
-              <a:solidFill>
-                <a:srgbClr val="000000"/>
-              </a:solidFill>
-              <a:uFill>
-                <a:solidFill>
-                  <a:srgbClr val="ffffff"/>
+            <a:endParaRPr lang="fr-FR" sz="1800" b="0" strike="noStrike" spc="-1">
+              <a:solidFill>
+                <a:srgbClr val="000000"/>
+              </a:solidFill>
+              <a:uFill>
+                <a:solidFill>
+                  <a:srgbClr val="FFFFFF"/>
                 </a:solidFill>
               </a:uFill>
               <a:latin typeface="Calibri"/>
@@ -5519,14 +6100,15 @@
         </p:spPr>
         <p:txBody>
           <a:bodyPr/>
-          <a:p>
-            <a:endParaRPr b="0" lang="fr-FR" sz="2800" spc="-1" strike="noStrike">
-              <a:solidFill>
-                <a:srgbClr val="000000"/>
-              </a:solidFill>
-              <a:uFill>
-                <a:solidFill>
-                  <a:srgbClr val="ffffff"/>
+          <a:lstStyle/>
+          <a:p>
+            <a:endParaRPr lang="fr-FR" sz="2800" b="0" strike="noStrike" spc="-1">
+              <a:solidFill>
+                <a:srgbClr val="000000"/>
+              </a:solidFill>
+              <a:uFill>
+                <a:solidFill>
+                  <a:srgbClr val="FFFFFF"/>
                 </a:solidFill>
               </a:uFill>
               <a:latin typeface="Calibri"/>
@@ -5536,11 +6118,14 @@
       </p:sp>
     </p:spTree>
   </p:cSld>
+  <p:clrMapOvr>
+    <a:masterClrMapping/>
+  </p:clrMapOvr>
 </p:sld>
 </file>
 
 <file path=ppt/slides/slide2.xml><?xml version="1.0" encoding="utf-8"?>
-<p:sld xmlns:a="http://schemas.openxmlformats.org/drawingml/2006/main" xmlns:p="http://schemas.openxmlformats.org/presentationml/2006/main" xmlns:r="http://schemas.openxmlformats.org/officeDocument/2006/relationships" xmlns:p14="http://schemas.microsoft.com/office/powerpoint/2010/main" xmlns:p15="http://schemas.microsoft.com/office/powerpoint/2012/main" xmlns:mc="http://schemas.openxmlformats.org/markup-compatibility/2006">
+<p:sld xmlns:a="http://schemas.openxmlformats.org/drawingml/2006/main" xmlns:r="http://schemas.openxmlformats.org/officeDocument/2006/relationships" xmlns:p="http://schemas.openxmlformats.org/presentationml/2006/main">
   <p:cSld>
     <p:spTree>
       <p:nvGrpSpPr>
@@ -5577,6 +6162,7 @@
         </p:spPr>
         <p:txBody>
           <a:bodyPr anchor="ctr"/>
+          <a:lstStyle/>
           <a:p>
             <a:pPr>
               <a:lnSpc>
@@ -5584,26 +6170,26 @@
               </a:lnSpc>
             </a:pPr>
             <a:r>
-              <a:rPr b="0" lang="fr-FR" sz="4400" spc="-1" strike="noStrike">
+              <a:rPr lang="fr-FR" sz="4400" b="0" strike="noStrike" spc="-1">
                 <a:solidFill>
                   <a:srgbClr val="000000"/>
                 </a:solidFill>
                 <a:uFill>
                   <a:solidFill>
-                    <a:srgbClr val="ffffff"/>
+                    <a:srgbClr val="FFFFFF"/>
                   </a:solidFill>
                 </a:uFill>
                 <a:latin typeface="Calibri Light"/>
               </a:rPr>
               <a:t>Table des matières</a:t>
             </a:r>
-            <a:endParaRPr b="0" lang="fr-FR" sz="1800" spc="-1" strike="noStrike">
-              <a:solidFill>
-                <a:srgbClr val="000000"/>
-              </a:solidFill>
-              <a:uFill>
-                <a:solidFill>
-                  <a:srgbClr val="ffffff"/>
+            <a:endParaRPr lang="fr-FR" sz="1800" b="0" strike="noStrike" spc="-1">
+              <a:solidFill>
+                <a:srgbClr val="000000"/>
+              </a:solidFill>
+              <a:uFill>
+                <a:solidFill>
+                  <a:srgbClr val="FFFFFF"/>
                 </a:solidFill>
               </a:uFill>
               <a:latin typeface="Calibri"/>
@@ -5632,6 +6218,7 @@
         </p:spPr>
         <p:txBody>
           <a:bodyPr/>
+          <a:lstStyle/>
           <a:p>
             <a:pPr marL="228600" indent="-228240">
               <a:lnSpc>
@@ -5644,30 +6231,19 @@
               <a:buChar char="•"/>
             </a:pPr>
             <a:r>
-              <a:rPr b="0" lang="fr-FR" sz="2800" spc="-1" strike="noStrike">
+              <a:rPr lang="fr-FR" sz="2800" b="0" strike="noStrike" spc="-1">
                 <a:solidFill>
                   <a:srgbClr val="000000"/>
                 </a:solidFill>
                 <a:uFill>
                   <a:solidFill>
-                    <a:srgbClr val="ffffff"/>
+                    <a:srgbClr val="FFFFFF"/>
                   </a:solidFill>
                 </a:uFill>
                 <a:latin typeface="Calibri"/>
               </a:rPr>
               <a:t>Introduction</a:t>
             </a:r>
-            <a:endParaRPr b="0" lang="fr-FR" sz="2800" spc="-1" strike="noStrike">
-              <a:solidFill>
-                <a:srgbClr val="000000"/>
-              </a:solidFill>
-              <a:uFill>
-                <a:solidFill>
-                  <a:srgbClr val="ffffff"/>
-                </a:solidFill>
-              </a:uFill>
-              <a:latin typeface="Calibri"/>
-            </a:endParaRPr>
           </a:p>
           <a:p>
             <a:pPr marL="228600" indent="-228240">
@@ -5681,30 +6257,19 @@
               <a:buChar char="•"/>
             </a:pPr>
             <a:r>
-              <a:rPr b="0" lang="fr-FR" sz="2800" spc="-1" strike="noStrike">
+              <a:rPr lang="fr-FR" sz="2800" b="0" strike="noStrike" spc="-1">
                 <a:solidFill>
                   <a:srgbClr val="000000"/>
                 </a:solidFill>
                 <a:uFill>
                   <a:solidFill>
-                    <a:srgbClr val="ffffff"/>
+                    <a:srgbClr val="FFFFFF"/>
                   </a:solidFill>
                 </a:uFill>
                 <a:latin typeface="Calibri"/>
               </a:rPr>
               <a:t>Description du problème</a:t>
             </a:r>
-            <a:endParaRPr b="0" lang="fr-FR" sz="2800" spc="-1" strike="noStrike">
-              <a:solidFill>
-                <a:srgbClr val="000000"/>
-              </a:solidFill>
-              <a:uFill>
-                <a:solidFill>
-                  <a:srgbClr val="ffffff"/>
-                </a:solidFill>
-              </a:uFill>
-              <a:latin typeface="Calibri"/>
-            </a:endParaRPr>
           </a:p>
           <a:p>
             <a:pPr marL="228600" indent="-228240">
@@ -5718,33 +6283,22 @@
               <a:buChar char="•"/>
             </a:pPr>
             <a:r>
-              <a:rPr b="0" lang="fr-FR" sz="2800" spc="-1" strike="noStrike">
+              <a:rPr lang="fr-FR" sz="2800" b="0" strike="noStrike" spc="-1">
                 <a:solidFill>
                   <a:srgbClr val="000000"/>
                 </a:solidFill>
                 <a:uFill>
                   <a:solidFill>
-                    <a:srgbClr val="ffffff"/>
+                    <a:srgbClr val="FFFFFF"/>
                   </a:solidFill>
                 </a:uFill>
                 <a:latin typeface="Calibri"/>
               </a:rPr>
               <a:t>Solution</a:t>
             </a:r>
-            <a:endParaRPr b="0" lang="fr-FR" sz="2800" spc="-1" strike="noStrike">
-              <a:solidFill>
-                <a:srgbClr val="000000"/>
-              </a:solidFill>
-              <a:uFill>
-                <a:solidFill>
-                  <a:srgbClr val="ffffff"/>
-                </a:solidFill>
-              </a:uFill>
-              <a:latin typeface="Calibri"/>
-            </a:endParaRPr>
-          </a:p>
-          <a:p>
-            <a:pPr lvl="1" marL="685800" indent="-228240">
+          </a:p>
+          <a:p>
+            <a:pPr marL="685800" lvl="1" indent="-228240">
               <a:lnSpc>
                 <a:spcPct val="100000"/>
               </a:lnSpc>
@@ -5755,33 +6309,33 @@
               <a:buChar char="•"/>
             </a:pPr>
             <a:r>
-              <a:rPr b="0" lang="fr-FR" sz="2400" spc="-1" strike="noStrike">
+              <a:rPr lang="fr-FR" sz="2400" b="0" strike="noStrike" spc="-1">
                 <a:solidFill>
                   <a:srgbClr val="000000"/>
                 </a:solidFill>
                 <a:uFill>
                   <a:solidFill>
-                    <a:srgbClr val="ffffff"/>
+                    <a:srgbClr val="FFFFFF"/>
                   </a:solidFill>
                 </a:uFill>
                 <a:latin typeface="Calibri"/>
               </a:rPr>
               <a:t>KV store : array dynamique de struct </a:t>
             </a:r>
-            <a:endParaRPr b="0" lang="fr-FR" sz="2000" spc="-1" strike="noStrike">
-              <a:solidFill>
-                <a:srgbClr val="000000"/>
-              </a:solidFill>
-              <a:uFill>
-                <a:solidFill>
-                  <a:srgbClr val="ffffff"/>
-                </a:solidFill>
-              </a:uFill>
-              <a:latin typeface="Calibri"/>
-            </a:endParaRPr>
-          </a:p>
-          <a:p>
-            <a:pPr lvl="1" marL="685800" indent="-228240">
+            <a:endParaRPr lang="fr-FR" sz="2000" b="0" strike="noStrike" spc="-1">
+              <a:solidFill>
+                <a:srgbClr val="000000"/>
+              </a:solidFill>
+              <a:uFill>
+                <a:solidFill>
+                  <a:srgbClr val="FFFFFF"/>
+                </a:solidFill>
+              </a:uFill>
+              <a:latin typeface="Calibri"/>
+            </a:endParaRPr>
+          </a:p>
+          <a:p>
+            <a:pPr marL="685800" lvl="1" indent="-228240">
               <a:lnSpc>
                 <a:spcPct val="100000"/>
               </a:lnSpc>
@@ -5792,33 +6346,33 @@
               <a:buChar char="•"/>
             </a:pPr>
             <a:r>
-              <a:rPr b="0" lang="fr-FR" sz="2400" spc="-1" strike="noStrike">
+              <a:rPr lang="fr-FR" sz="2400" b="0" strike="noStrike" spc="-1">
                 <a:solidFill>
                   <a:srgbClr val="000000"/>
                 </a:solidFill>
                 <a:uFill>
                   <a:solidFill>
-                    <a:srgbClr val="ffffff"/>
+                    <a:srgbClr val="FFFFFF"/>
                   </a:solidFill>
                 </a:uFill>
                 <a:latin typeface="Calibri"/>
               </a:rPr>
               <a:t>Communication server - clients </a:t>
             </a:r>
-            <a:endParaRPr b="0" lang="fr-FR" sz="2000" spc="-1" strike="noStrike">
-              <a:solidFill>
-                <a:srgbClr val="000000"/>
-              </a:solidFill>
-              <a:uFill>
-                <a:solidFill>
-                  <a:srgbClr val="ffffff"/>
-                </a:solidFill>
-              </a:uFill>
-              <a:latin typeface="Calibri"/>
-            </a:endParaRPr>
-          </a:p>
-          <a:p>
-            <a:pPr lvl="1" marL="685800" indent="-228240">
+            <a:endParaRPr lang="fr-FR" sz="2000" b="0" strike="noStrike" spc="-1">
+              <a:solidFill>
+                <a:srgbClr val="000000"/>
+              </a:solidFill>
+              <a:uFill>
+                <a:solidFill>
+                  <a:srgbClr val="FFFFFF"/>
+                </a:solidFill>
+              </a:uFill>
+              <a:latin typeface="Calibri"/>
+            </a:endParaRPr>
+          </a:p>
+          <a:p>
+            <a:pPr marL="685800" lvl="1" indent="-228240">
               <a:lnSpc>
                 <a:spcPct val="100000"/>
               </a:lnSpc>
@@ -5829,33 +6383,33 @@
               <a:buChar char="•"/>
             </a:pPr>
             <a:r>
-              <a:rPr b="0" lang="fr-FR" sz="2400" spc="-1" strike="noStrike">
+              <a:rPr lang="fr-FR" sz="2400" b="0" strike="noStrike" spc="-1">
                 <a:solidFill>
                   <a:srgbClr val="000000"/>
                 </a:solidFill>
                 <a:uFill>
                   <a:solidFill>
-                    <a:srgbClr val="ffffff"/>
+                    <a:srgbClr val="FFFFFF"/>
                   </a:solidFill>
                 </a:uFill>
                 <a:latin typeface="Calibri"/>
               </a:rPr>
               <a:t>Lire, écrire et modifier des valeurs</a:t>
             </a:r>
-            <a:endParaRPr b="0" lang="fr-FR" sz="2000" spc="-1" strike="noStrike">
-              <a:solidFill>
-                <a:srgbClr val="000000"/>
-              </a:solidFill>
-              <a:uFill>
-                <a:solidFill>
-                  <a:srgbClr val="ffffff"/>
-                </a:solidFill>
-              </a:uFill>
-              <a:latin typeface="Calibri"/>
-            </a:endParaRPr>
-          </a:p>
-          <a:p>
-            <a:pPr lvl="1" marL="685800" indent="-228240">
+            <a:endParaRPr lang="fr-FR" sz="2000" b="0" strike="noStrike" spc="-1">
+              <a:solidFill>
+                <a:srgbClr val="000000"/>
+              </a:solidFill>
+              <a:uFill>
+                <a:solidFill>
+                  <a:srgbClr val="FFFFFF"/>
+                </a:solidFill>
+              </a:uFill>
+              <a:latin typeface="Calibri"/>
+            </a:endParaRPr>
+          </a:p>
+          <a:p>
+            <a:pPr marL="685800" lvl="1" indent="-228240">
               <a:lnSpc>
                 <a:spcPct val="100000"/>
               </a:lnSpc>
@@ -5866,26 +6420,26 @@
               <a:buChar char="•"/>
             </a:pPr>
             <a:r>
-              <a:rPr b="0" lang="fr-FR" sz="2400" spc="-1" strike="noStrike">
+              <a:rPr lang="fr-FR" sz="2400" b="0" strike="noStrike" spc="-1">
                 <a:solidFill>
                   <a:srgbClr val="000000"/>
                 </a:solidFill>
                 <a:uFill>
                   <a:solidFill>
-                    <a:srgbClr val="ffffff"/>
+                    <a:srgbClr val="FFFFFF"/>
                   </a:solidFill>
                 </a:uFill>
                 <a:latin typeface="Calibri"/>
               </a:rPr>
               <a:t>Accès sécurisé des readers/writers</a:t>
             </a:r>
-            <a:endParaRPr b="0" lang="fr-FR" sz="2000" spc="-1" strike="noStrike">
-              <a:solidFill>
-                <a:srgbClr val="000000"/>
-              </a:solidFill>
-              <a:uFill>
-                <a:solidFill>
-                  <a:srgbClr val="ffffff"/>
+            <a:endParaRPr lang="fr-FR" sz="2000" b="0" strike="noStrike" spc="-1">
+              <a:solidFill>
+                <a:srgbClr val="000000"/>
+              </a:solidFill>
+              <a:uFill>
+                <a:solidFill>
+                  <a:srgbClr val="FFFFFF"/>
                 </a:solidFill>
               </a:uFill>
               <a:latin typeface="Calibri"/>
@@ -5903,30 +6457,19 @@
               <a:buChar char="•"/>
             </a:pPr>
             <a:r>
-              <a:rPr b="0" lang="fr-FR" sz="2800" spc="-1" strike="noStrike">
+              <a:rPr lang="fr-FR" sz="2800" b="0" strike="noStrike" spc="-1">
                 <a:solidFill>
                   <a:srgbClr val="000000"/>
                 </a:solidFill>
                 <a:uFill>
                   <a:solidFill>
-                    <a:srgbClr val="ffffff"/>
+                    <a:srgbClr val="FFFFFF"/>
                   </a:solidFill>
                 </a:uFill>
                 <a:latin typeface="Calibri"/>
               </a:rPr>
               <a:t>Problèmes rencontrés</a:t>
             </a:r>
-            <a:endParaRPr b="0" lang="fr-FR" sz="2800" spc="-1" strike="noStrike">
-              <a:solidFill>
-                <a:srgbClr val="000000"/>
-              </a:solidFill>
-              <a:uFill>
-                <a:solidFill>
-                  <a:srgbClr val="ffffff"/>
-                </a:solidFill>
-              </a:uFill>
-              <a:latin typeface="Calibri"/>
-            </a:endParaRPr>
           </a:p>
           <a:p>
             <a:pPr marL="228600" indent="-228240">
@@ -5940,30 +6483,19 @@
               <a:buChar char="•"/>
             </a:pPr>
             <a:r>
-              <a:rPr b="0" lang="fr-FR" sz="2800" spc="-1" strike="noStrike">
+              <a:rPr lang="fr-FR" sz="2800" b="0" strike="noStrike" spc="-1">
                 <a:solidFill>
                   <a:srgbClr val="000000"/>
                 </a:solidFill>
                 <a:uFill>
                   <a:solidFill>
-                    <a:srgbClr val="ffffff"/>
+                    <a:srgbClr val="FFFFFF"/>
                   </a:solidFill>
                 </a:uFill>
                 <a:latin typeface="Calibri"/>
               </a:rPr>
               <a:t>Manuel d’utilisateur </a:t>
             </a:r>
-            <a:endParaRPr b="0" lang="fr-FR" sz="2800" spc="-1" strike="noStrike">
-              <a:solidFill>
-                <a:srgbClr val="000000"/>
-              </a:solidFill>
-              <a:uFill>
-                <a:solidFill>
-                  <a:srgbClr val="ffffff"/>
-                </a:solidFill>
-              </a:uFill>
-              <a:latin typeface="Calibri"/>
-            </a:endParaRPr>
           </a:p>
           <a:p>
             <a:pPr marL="228600" indent="-228240">
@@ -5977,30 +6509,19 @@
               <a:buChar char="•"/>
             </a:pPr>
             <a:r>
-              <a:rPr b="0" lang="fr-FR" sz="2800" spc="-1" strike="noStrike">
+              <a:rPr lang="fr-FR" sz="2800" b="0" strike="noStrike" spc="-1">
                 <a:solidFill>
                   <a:srgbClr val="000000"/>
                 </a:solidFill>
                 <a:uFill>
                   <a:solidFill>
-                    <a:srgbClr val="ffffff"/>
+                    <a:srgbClr val="FFFFFF"/>
                   </a:solidFill>
                 </a:uFill>
                 <a:latin typeface="Calibri"/>
               </a:rPr>
               <a:t>Démo</a:t>
             </a:r>
-            <a:endParaRPr b="0" lang="fr-FR" sz="2800" spc="-1" strike="noStrike">
-              <a:solidFill>
-                <a:srgbClr val="000000"/>
-              </a:solidFill>
-              <a:uFill>
-                <a:solidFill>
-                  <a:srgbClr val="ffffff"/>
-                </a:solidFill>
-              </a:uFill>
-              <a:latin typeface="Calibri"/>
-            </a:endParaRPr>
           </a:p>
           <a:p>
             <a:pPr marL="228600" indent="-228240">
@@ -6014,51 +6535,43 @@
               <a:buChar char="•"/>
             </a:pPr>
             <a:r>
-              <a:rPr b="0" lang="fr-FR" sz="2800" spc="-1" strike="noStrike">
+              <a:rPr lang="fr-FR" sz="2800" b="0" strike="noStrike" spc="-1">
                 <a:solidFill>
                   <a:srgbClr val="000000"/>
                 </a:solidFill>
                 <a:uFill>
                   <a:solidFill>
-                    <a:srgbClr val="ffffff"/>
+                    <a:srgbClr val="FFFFFF"/>
                   </a:solidFill>
                 </a:uFill>
                 <a:latin typeface="Calibri"/>
               </a:rPr>
               <a:t>Conclusion</a:t>
             </a:r>
-            <a:endParaRPr b="0" lang="fr-FR" sz="2800" spc="-1" strike="noStrike">
-              <a:solidFill>
-                <a:srgbClr val="000000"/>
-              </a:solidFill>
-              <a:uFill>
-                <a:solidFill>
-                  <a:srgbClr val="ffffff"/>
-                </a:solidFill>
-              </a:uFill>
-              <a:latin typeface="Calibri"/>
-            </a:endParaRPr>
           </a:p>
         </p:txBody>
       </p:sp>
     </p:spTree>
   </p:cSld>
+  <p:clrMapOvr>
+    <a:masterClrMapping/>
+  </p:clrMapOvr>
   <p:timing>
     <p:tnLst>
       <p:par>
-        <p:cTn id="3" dur="indefinite" restart="never" nodeType="tmRoot">
+        <p:cTn id="1" dur="indefinite" restart="never" nodeType="tmRoot">
           <p:childTnLst>
             <p:seq>
-              <p:cTn id="4" nodeType="mainSeq"/>
+              <p:cTn id="2" nodeType="mainSeq"/>
               <p:prevCondLst>
-                <p:cond delay="0" evt="onPrev">
+                <p:cond evt="onPrev" delay="0">
                   <p:tgtEl>
                     <p:sldTgt/>
                   </p:tgtEl>
                 </p:cond>
               </p:prevCondLst>
               <p:nextCondLst>
-                <p:cond delay="0" evt="onNext">
+                <p:cond evt="onNext" delay="0">
                   <p:tgtEl>
                     <p:sldTgt/>
                   </p:tgtEl>
@@ -6074,7 +6587,7 @@
 </file>
 
 <file path=ppt/slides/slide3.xml><?xml version="1.0" encoding="utf-8"?>
-<p:sld xmlns:a="http://schemas.openxmlformats.org/drawingml/2006/main" xmlns:p="http://schemas.openxmlformats.org/presentationml/2006/main" xmlns:r="http://schemas.openxmlformats.org/officeDocument/2006/relationships" xmlns:p14="http://schemas.microsoft.com/office/powerpoint/2010/main" xmlns:p15="http://schemas.microsoft.com/office/powerpoint/2012/main" xmlns:mc="http://schemas.openxmlformats.org/markup-compatibility/2006">
+<p:sld xmlns:a="http://schemas.openxmlformats.org/drawingml/2006/main" xmlns:r="http://schemas.openxmlformats.org/officeDocument/2006/relationships" xmlns:p="http://schemas.openxmlformats.org/presentationml/2006/main">
   <p:cSld>
     <p:spTree>
       <p:nvGrpSpPr>
@@ -6111,6 +6624,7 @@
         </p:spPr>
         <p:txBody>
           <a:bodyPr anchor="ctr"/>
+          <a:lstStyle/>
           <a:p>
             <a:pPr>
               <a:lnSpc>
@@ -6118,26 +6632,26 @@
               </a:lnSpc>
             </a:pPr>
             <a:r>
-              <a:rPr b="0" lang="fr-FR" sz="4400" spc="-1" strike="noStrike">
+              <a:rPr lang="fr-FR" sz="4400" b="0" strike="noStrike" spc="-1">
                 <a:solidFill>
                   <a:srgbClr val="000000"/>
                 </a:solidFill>
                 <a:uFill>
                   <a:solidFill>
-                    <a:srgbClr val="ffffff"/>
+                    <a:srgbClr val="FFFFFF"/>
                   </a:solidFill>
                 </a:uFill>
                 <a:latin typeface="Calibri Light"/>
               </a:rPr>
               <a:t>Introduction</a:t>
             </a:r>
-            <a:endParaRPr b="0" lang="fr-FR" sz="1800" spc="-1" strike="noStrike">
-              <a:solidFill>
-                <a:srgbClr val="000000"/>
-              </a:solidFill>
-              <a:uFill>
-                <a:solidFill>
-                  <a:srgbClr val="ffffff"/>
+            <a:endParaRPr lang="fr-FR" sz="1800" b="0" strike="noStrike" spc="-1">
+              <a:solidFill>
+                <a:srgbClr val="000000"/>
+              </a:solidFill>
+              <a:uFill>
+                <a:solidFill>
+                  <a:srgbClr val="FFFFFF"/>
                 </a:solidFill>
               </a:uFill>
               <a:latin typeface="Calibri"/>
@@ -6166,6 +6680,7 @@
         </p:spPr>
         <p:txBody>
           <a:bodyPr/>
+          <a:lstStyle/>
           <a:p>
             <a:pPr marL="228600" indent="-228240">
               <a:lnSpc>
@@ -6178,30 +6693,19 @@
               <a:buChar char="•"/>
             </a:pPr>
             <a:r>
-              <a:rPr b="0" lang="fr-FR" sz="2800" spc="-1" strike="noStrike">
+              <a:rPr lang="fr-FR" sz="2800" b="0" strike="noStrike" spc="-1">
                 <a:solidFill>
                   <a:srgbClr val="000000"/>
                 </a:solidFill>
                 <a:uFill>
                   <a:solidFill>
-                    <a:srgbClr val="ffffff"/>
+                    <a:srgbClr val="FFFFFF"/>
                   </a:solidFill>
                 </a:uFill>
                 <a:latin typeface="Calibri"/>
               </a:rPr>
               <a:t>«Simple In-Memory Key-Value store with simultaneous access via TCP in Linux»</a:t>
             </a:r>
-            <a:endParaRPr b="0" lang="fr-FR" sz="2800" spc="-1" strike="noStrike">
-              <a:solidFill>
-                <a:srgbClr val="000000"/>
-              </a:solidFill>
-              <a:uFill>
-                <a:solidFill>
-                  <a:srgbClr val="ffffff"/>
-                </a:solidFill>
-              </a:uFill>
-              <a:latin typeface="Calibri"/>
-            </a:endParaRPr>
           </a:p>
           <a:p>
             <a:pPr marL="228600" indent="-228240">
@@ -6215,33 +6719,22 @@
               <a:buChar char="•"/>
             </a:pPr>
             <a:r>
-              <a:rPr b="0" lang="fr-FR" sz="2800" spc="-1" strike="noStrike">
+              <a:rPr lang="fr-FR" sz="2800" b="0" strike="noStrike" spc="-1">
                 <a:solidFill>
                   <a:srgbClr val="000000"/>
                 </a:solidFill>
                 <a:uFill>
                   <a:solidFill>
-                    <a:srgbClr val="ffffff"/>
+                    <a:srgbClr val="FFFFFF"/>
                   </a:solidFill>
                 </a:uFill>
                 <a:latin typeface="Calibri"/>
               </a:rPr>
               <a:t>Data model: associative array </a:t>
             </a:r>
-            <a:endParaRPr b="0" lang="fr-FR" sz="2800" spc="-1" strike="noStrike">
-              <a:solidFill>
-                <a:srgbClr val="000000"/>
-              </a:solidFill>
-              <a:uFill>
-                <a:solidFill>
-                  <a:srgbClr val="ffffff"/>
-                </a:solidFill>
-              </a:uFill>
-              <a:latin typeface="Calibri"/>
-            </a:endParaRPr>
-          </a:p>
-          <a:p>
-            <a:pPr lvl="1" marL="685800" indent="-228240">
+          </a:p>
+          <a:p>
+            <a:pPr marL="685800" lvl="1" indent="-228240">
               <a:lnSpc>
                 <a:spcPct val="100000"/>
               </a:lnSpc>
@@ -6252,26 +6745,26 @@
               <a:buChar char="•"/>
             </a:pPr>
             <a:r>
-              <a:rPr b="0" lang="fr-FR" sz="2400" spc="-1" strike="noStrike">
+              <a:rPr lang="fr-FR" sz="2400" b="0" strike="noStrike" spc="-1">
                 <a:solidFill>
                   <a:srgbClr val="000000"/>
                 </a:solidFill>
                 <a:uFill>
                   <a:solidFill>
-                    <a:srgbClr val="ffffff"/>
+                    <a:srgbClr val="FFFFFF"/>
                   </a:solidFill>
                 </a:uFill>
                 <a:latin typeface="Calibri"/>
               </a:rPr>
               <a:t>«Data is represented as a collection of key-value pairs, such that each possible key appears at most once in the collection»</a:t>
             </a:r>
-            <a:endParaRPr b="0" lang="fr-FR" sz="2000" spc="-1" strike="noStrike">
-              <a:solidFill>
-                <a:srgbClr val="000000"/>
-              </a:solidFill>
-              <a:uFill>
-                <a:solidFill>
-                  <a:srgbClr val="ffffff"/>
+            <a:endParaRPr lang="fr-FR" sz="2000" b="0" strike="noStrike" spc="-1">
+              <a:solidFill>
+                <a:srgbClr val="000000"/>
+              </a:solidFill>
+              <a:uFill>
+                <a:solidFill>
+                  <a:srgbClr val="FFFFFF"/>
                 </a:solidFill>
               </a:uFill>
               <a:latin typeface="Calibri"/>
@@ -6283,13 +6776,13 @@
                 <a:spcPct val="90000"/>
               </a:lnSpc>
             </a:pPr>
-            <a:endParaRPr b="0" lang="fr-FR" sz="2800" spc="-1" strike="noStrike">
-              <a:solidFill>
-                <a:srgbClr val="000000"/>
-              </a:solidFill>
-              <a:uFill>
-                <a:solidFill>
-                  <a:srgbClr val="ffffff"/>
+            <a:endParaRPr lang="fr-FR" sz="2800" b="0" strike="noStrike" spc="-1">
+              <a:solidFill>
+                <a:srgbClr val="000000"/>
+              </a:solidFill>
+              <a:uFill>
+                <a:solidFill>
+                  <a:srgbClr val="FFFFFF"/>
                 </a:solidFill>
               </a:uFill>
               <a:latin typeface="Calibri"/>
@@ -6299,22 +6792,25 @@
       </p:sp>
     </p:spTree>
   </p:cSld>
+  <p:clrMapOvr>
+    <a:masterClrMapping/>
+  </p:clrMapOvr>
   <p:timing>
     <p:tnLst>
       <p:par>
-        <p:cTn id="5" dur="indefinite" restart="never" nodeType="tmRoot">
+        <p:cTn id="1" dur="indefinite" restart="never" nodeType="tmRoot">
           <p:childTnLst>
             <p:seq>
-              <p:cTn id="6" nodeType="mainSeq"/>
+              <p:cTn id="2" nodeType="mainSeq"/>
               <p:prevCondLst>
-                <p:cond delay="0" evt="onPrev">
+                <p:cond evt="onPrev" delay="0">
                   <p:tgtEl>
                     <p:sldTgt/>
                   </p:tgtEl>
                 </p:cond>
               </p:prevCondLst>
               <p:nextCondLst>
-                <p:cond delay="0" evt="onNext">
+                <p:cond evt="onNext" delay="0">
                   <p:tgtEl>
                     <p:sldTgt/>
                   </p:tgtEl>
@@ -6330,7 +6826,7 @@
 </file>
 
 <file path=ppt/slides/slide4.xml><?xml version="1.0" encoding="utf-8"?>
-<p:sld xmlns:a="http://schemas.openxmlformats.org/drawingml/2006/main" xmlns:p="http://schemas.openxmlformats.org/presentationml/2006/main" xmlns:r="http://schemas.openxmlformats.org/officeDocument/2006/relationships" xmlns:p14="http://schemas.microsoft.com/office/powerpoint/2010/main" xmlns:p15="http://schemas.microsoft.com/office/powerpoint/2012/main" xmlns:mc="http://schemas.openxmlformats.org/markup-compatibility/2006">
+<p:sld xmlns:a="http://schemas.openxmlformats.org/drawingml/2006/main" xmlns:r="http://schemas.openxmlformats.org/officeDocument/2006/relationships" xmlns:p="http://schemas.openxmlformats.org/presentationml/2006/main">
   <p:cSld>
     <p:spTree>
       <p:nvGrpSpPr>
@@ -6367,6 +6863,7 @@
         </p:spPr>
         <p:txBody>
           <a:bodyPr anchor="ctr"/>
+          <a:lstStyle/>
           <a:p>
             <a:pPr>
               <a:lnSpc>
@@ -6374,26 +6871,26 @@
               </a:lnSpc>
             </a:pPr>
             <a:r>
-              <a:rPr b="0" lang="fr-FR" sz="4400" spc="-1" strike="noStrike">
+              <a:rPr lang="fr-FR" sz="4400" b="0" strike="noStrike" spc="-1">
                 <a:solidFill>
                   <a:srgbClr val="000000"/>
                 </a:solidFill>
                 <a:uFill>
                   <a:solidFill>
-                    <a:srgbClr val="ffffff"/>
+                    <a:srgbClr val="FFFFFF"/>
                   </a:solidFill>
                 </a:uFill>
                 <a:latin typeface="Calibri Light"/>
               </a:rPr>
               <a:t>Description du problème</a:t>
             </a:r>
-            <a:endParaRPr b="0" lang="fr-FR" sz="1800" spc="-1" strike="noStrike">
-              <a:solidFill>
-                <a:srgbClr val="000000"/>
-              </a:solidFill>
-              <a:uFill>
-                <a:solidFill>
-                  <a:srgbClr val="ffffff"/>
+            <a:endParaRPr lang="fr-FR" sz="1800" b="0" strike="noStrike" spc="-1">
+              <a:solidFill>
+                <a:srgbClr val="000000"/>
+              </a:solidFill>
+              <a:uFill>
+                <a:solidFill>
+                  <a:srgbClr val="FFFFFF"/>
                 </a:solidFill>
               </a:uFill>
               <a:latin typeface="Calibri"/>
@@ -6422,6 +6919,7 @@
         </p:spPr>
         <p:txBody>
           <a:bodyPr/>
+          <a:lstStyle/>
           <a:p>
             <a:pPr marL="228600" indent="-228240">
               <a:lnSpc>
@@ -6434,33 +6932,22 @@
               <a:buChar char="•"/>
             </a:pPr>
             <a:r>
-              <a:rPr b="0" lang="fr-FR" sz="2800" spc="-1" strike="noStrike">
+              <a:rPr lang="fr-FR" sz="2800" b="0" strike="noStrike" spc="-1">
                 <a:solidFill>
                   <a:srgbClr val="000000"/>
                 </a:solidFill>
                 <a:uFill>
                   <a:solidFill>
-                    <a:srgbClr val="ffffff"/>
+                    <a:srgbClr val="FFFFFF"/>
                   </a:solidFill>
                 </a:uFill>
                 <a:latin typeface="Calibri"/>
               </a:rPr>
               <a:t>Minimal Feature Set </a:t>
             </a:r>
-            <a:endParaRPr b="0" lang="fr-FR" sz="2800" spc="-1" strike="noStrike">
-              <a:solidFill>
-                <a:srgbClr val="000000"/>
-              </a:solidFill>
-              <a:uFill>
-                <a:solidFill>
-                  <a:srgbClr val="ffffff"/>
-                </a:solidFill>
-              </a:uFill>
-              <a:latin typeface="Calibri"/>
-            </a:endParaRPr>
-          </a:p>
-          <a:p>
-            <a:pPr lvl="1" marL="685800" indent="-228240">
+          </a:p>
+          <a:p>
+            <a:pPr marL="685800" lvl="1" indent="-228240">
               <a:lnSpc>
                 <a:spcPct val="100000"/>
               </a:lnSpc>
@@ -6471,33 +6958,33 @@
               <a:buChar char="•"/>
             </a:pPr>
             <a:r>
-              <a:rPr b="0" lang="fr-FR" sz="2400" spc="-1" strike="noStrike">
+              <a:rPr lang="fr-FR" sz="2400" b="0" strike="noStrike" spc="-1">
                 <a:solidFill>
                   <a:srgbClr val="000000"/>
                 </a:solidFill>
                 <a:uFill>
                   <a:solidFill>
-                    <a:srgbClr val="ffffff"/>
+                    <a:srgbClr val="FFFFFF"/>
                   </a:solidFill>
                 </a:uFill>
                 <a:latin typeface="Calibri"/>
               </a:rPr>
               <a:t>TCP sockets: lire et écrire</a:t>
             </a:r>
-            <a:endParaRPr b="0" lang="fr-FR" sz="2000" spc="-1" strike="noStrike">
-              <a:solidFill>
-                <a:srgbClr val="000000"/>
-              </a:solidFill>
-              <a:uFill>
-                <a:solidFill>
-                  <a:srgbClr val="ffffff"/>
-                </a:solidFill>
-              </a:uFill>
-              <a:latin typeface="Calibri"/>
-            </a:endParaRPr>
-          </a:p>
-          <a:p>
-            <a:pPr lvl="1" marL="685800" indent="-228240">
+            <a:endParaRPr lang="fr-FR" sz="2000" b="0" strike="noStrike" spc="-1">
+              <a:solidFill>
+                <a:srgbClr val="000000"/>
+              </a:solidFill>
+              <a:uFill>
+                <a:solidFill>
+                  <a:srgbClr val="FFFFFF"/>
+                </a:solidFill>
+              </a:uFill>
+              <a:latin typeface="Calibri"/>
+            </a:endParaRPr>
+          </a:p>
+          <a:p>
+            <a:pPr marL="685800" lvl="1" indent="-228240">
               <a:lnSpc>
                 <a:spcPct val="100000"/>
               </a:lnSpc>
@@ -6508,33 +6995,33 @@
               <a:buChar char="•"/>
             </a:pPr>
             <a:r>
-              <a:rPr b="0" lang="fr-FR" sz="2400" spc="-1" strike="noStrike">
+              <a:rPr lang="fr-FR" sz="2400" b="0" strike="noStrike" spc="-1">
                 <a:solidFill>
                   <a:srgbClr val="000000"/>
                 </a:solidFill>
                 <a:uFill>
                   <a:solidFill>
-                    <a:srgbClr val="ffffff"/>
+                    <a:srgbClr val="FFFFFF"/>
                   </a:solidFill>
                 </a:uFill>
                 <a:latin typeface="Calibri"/>
               </a:rPr>
               <a:t>Utilisation de plusieurs threads</a:t>
             </a:r>
-            <a:endParaRPr b="0" lang="fr-FR" sz="2000" spc="-1" strike="noStrike">
-              <a:solidFill>
-                <a:srgbClr val="000000"/>
-              </a:solidFill>
-              <a:uFill>
-                <a:solidFill>
-                  <a:srgbClr val="ffffff"/>
-                </a:solidFill>
-              </a:uFill>
-              <a:latin typeface="Calibri"/>
-            </a:endParaRPr>
-          </a:p>
-          <a:p>
-            <a:pPr lvl="1" marL="685800" indent="-228240">
+            <a:endParaRPr lang="fr-FR" sz="2000" b="0" strike="noStrike" spc="-1">
+              <a:solidFill>
+                <a:srgbClr val="000000"/>
+              </a:solidFill>
+              <a:uFill>
+                <a:solidFill>
+                  <a:srgbClr val="FFFFFF"/>
+                </a:solidFill>
+              </a:uFill>
+              <a:latin typeface="Calibri"/>
+            </a:endParaRPr>
+          </a:p>
+          <a:p>
+            <a:pPr marL="685800" lvl="1" indent="-228240">
               <a:lnSpc>
                 <a:spcPct val="100000"/>
               </a:lnSpc>
@@ -6545,33 +7032,33 @@
               <a:buChar char="•"/>
             </a:pPr>
             <a:r>
-              <a:rPr b="0" lang="fr-FR" sz="2400" spc="-1" strike="noStrike">
+              <a:rPr lang="fr-FR" sz="2400" b="0" strike="noStrike" spc="-1">
                 <a:solidFill>
                   <a:srgbClr val="000000"/>
                 </a:solidFill>
                 <a:uFill>
                   <a:solidFill>
-                    <a:srgbClr val="ffffff"/>
+                    <a:srgbClr val="FFFFFF"/>
                   </a:solidFill>
                 </a:uFill>
                 <a:latin typeface="Calibri"/>
               </a:rPr>
               <a:t>Accès simultané de plusieurs readers et writers</a:t>
             </a:r>
-            <a:endParaRPr b="0" lang="fr-FR" sz="2000" spc="-1" strike="noStrike">
-              <a:solidFill>
-                <a:srgbClr val="000000"/>
-              </a:solidFill>
-              <a:uFill>
-                <a:solidFill>
-                  <a:srgbClr val="ffffff"/>
-                </a:solidFill>
-              </a:uFill>
-              <a:latin typeface="Calibri"/>
-            </a:endParaRPr>
-          </a:p>
-          <a:p>
-            <a:pPr lvl="1" marL="685800" indent="-228240">
+            <a:endParaRPr lang="fr-FR" sz="2000" b="0" strike="noStrike" spc="-1">
+              <a:solidFill>
+                <a:srgbClr val="000000"/>
+              </a:solidFill>
+              <a:uFill>
+                <a:solidFill>
+                  <a:srgbClr val="FFFFFF"/>
+                </a:solidFill>
+              </a:uFill>
+              <a:latin typeface="Calibri"/>
+            </a:endParaRPr>
+          </a:p>
+          <a:p>
+            <a:pPr marL="685800" lvl="1" indent="-228240">
               <a:lnSpc>
                 <a:spcPct val="100000"/>
               </a:lnSpc>
@@ -6582,39 +7069,39 @@
               <a:buChar char="•"/>
             </a:pPr>
             <a:r>
-              <a:rPr b="0" lang="fr-FR" sz="2400" spc="-1" strike="noStrike">
+              <a:rPr lang="fr-FR" sz="2400" b="0" strike="noStrike" spc="-1">
                 <a:solidFill>
                   <a:srgbClr val="000000"/>
                 </a:solidFill>
                 <a:uFill>
                   <a:solidFill>
-                    <a:srgbClr val="ffffff"/>
+                    <a:srgbClr val="FFFFFF"/>
                   </a:solidFill>
                 </a:uFill>
                 <a:latin typeface="Calibri"/>
               </a:rPr>
               <a:t>Fichiers de test automatisé</a:t>
             </a:r>
-            <a:endParaRPr b="0" lang="fr-FR" sz="2000" spc="-1" strike="noStrike">
-              <a:solidFill>
-                <a:srgbClr val="000000"/>
-              </a:solidFill>
-              <a:uFill>
-                <a:solidFill>
-                  <a:srgbClr val="ffffff"/>
-                </a:solidFill>
-              </a:uFill>
-              <a:latin typeface="Calibri"/>
-            </a:endParaRPr>
-          </a:p>
-          <a:p>
-            <a:endParaRPr b="0" lang="fr-FR" sz="2800" spc="-1" strike="noStrike">
-              <a:solidFill>
-                <a:srgbClr val="000000"/>
-              </a:solidFill>
-              <a:uFill>
-                <a:solidFill>
-                  <a:srgbClr val="ffffff"/>
+            <a:endParaRPr lang="fr-FR" sz="2000" b="0" strike="noStrike" spc="-1">
+              <a:solidFill>
+                <a:srgbClr val="000000"/>
+              </a:solidFill>
+              <a:uFill>
+                <a:solidFill>
+                  <a:srgbClr val="FFFFFF"/>
+                </a:solidFill>
+              </a:uFill>
+              <a:latin typeface="Calibri"/>
+            </a:endParaRPr>
+          </a:p>
+          <a:p>
+            <a:endParaRPr lang="fr-FR" sz="2800" b="0" strike="noStrike" spc="-1">
+              <a:solidFill>
+                <a:srgbClr val="000000"/>
+              </a:solidFill>
+              <a:uFill>
+                <a:solidFill>
+                  <a:srgbClr val="FFFFFF"/>
                 </a:solidFill>
               </a:uFill>
               <a:latin typeface="Calibri"/>
@@ -6624,22 +7111,25 @@
       </p:sp>
     </p:spTree>
   </p:cSld>
+  <p:clrMapOvr>
+    <a:masterClrMapping/>
+  </p:clrMapOvr>
   <p:timing>
     <p:tnLst>
       <p:par>
-        <p:cTn id="7" dur="indefinite" restart="never" nodeType="tmRoot">
+        <p:cTn id="1" dur="indefinite" restart="never" nodeType="tmRoot">
           <p:childTnLst>
             <p:seq>
-              <p:cTn id="8" nodeType="mainSeq"/>
+              <p:cTn id="2" nodeType="mainSeq"/>
               <p:prevCondLst>
-                <p:cond delay="0" evt="onPrev">
+                <p:cond evt="onPrev" delay="0">
                   <p:tgtEl>
                     <p:sldTgt/>
                   </p:tgtEl>
                 </p:cond>
               </p:prevCondLst>
               <p:nextCondLst>
-                <p:cond delay="0" evt="onNext">
+                <p:cond evt="onNext" delay="0">
                   <p:tgtEl>
                     <p:sldTgt/>
                   </p:tgtEl>
@@ -6655,7 +7145,7 @@
 </file>
 
 <file path=ppt/slides/slide5.xml><?xml version="1.0" encoding="utf-8"?>
-<p:sld xmlns:a="http://schemas.openxmlformats.org/drawingml/2006/main" xmlns:p="http://schemas.openxmlformats.org/presentationml/2006/main" xmlns:r="http://schemas.openxmlformats.org/officeDocument/2006/relationships" xmlns:p14="http://schemas.microsoft.com/office/powerpoint/2010/main" xmlns:p15="http://schemas.microsoft.com/office/powerpoint/2012/main" xmlns:mc="http://schemas.openxmlformats.org/markup-compatibility/2006">
+<p:sld xmlns:a="http://schemas.openxmlformats.org/drawingml/2006/main" xmlns:r="http://schemas.openxmlformats.org/officeDocument/2006/relationships" xmlns:p="http://schemas.openxmlformats.org/presentationml/2006/main">
   <p:cSld>
     <p:spTree>
       <p:nvGrpSpPr>
@@ -6692,6 +7182,7 @@
         </p:spPr>
         <p:txBody>
           <a:bodyPr anchor="ctr"/>
+          <a:lstStyle/>
           <a:p>
             <a:pPr>
               <a:lnSpc>
@@ -6699,26 +7190,26 @@
               </a:lnSpc>
             </a:pPr>
             <a:r>
-              <a:rPr b="0" lang="fr-FR" sz="4400" spc="-1" strike="noStrike">
+              <a:rPr lang="fr-FR" sz="4400" b="0" strike="noStrike" spc="-1">
                 <a:solidFill>
                   <a:srgbClr val="000000"/>
                 </a:solidFill>
                 <a:uFill>
                   <a:solidFill>
-                    <a:srgbClr val="ffffff"/>
+                    <a:srgbClr val="FFFFFF"/>
                   </a:solidFill>
                 </a:uFill>
                 <a:latin typeface="Calibri Light"/>
               </a:rPr>
               <a:t>Solution</a:t>
             </a:r>
-            <a:endParaRPr b="0" lang="fr-FR" sz="1800" spc="-1" strike="noStrike">
-              <a:solidFill>
-                <a:srgbClr val="000000"/>
-              </a:solidFill>
-              <a:uFill>
-                <a:solidFill>
-                  <a:srgbClr val="ffffff"/>
+            <a:endParaRPr lang="fr-FR" sz="1800" b="0" strike="noStrike" spc="-1">
+              <a:solidFill>
+                <a:srgbClr val="000000"/>
+              </a:solidFill>
+              <a:uFill>
+                <a:solidFill>
+                  <a:srgbClr val="FFFFFF"/>
                 </a:solidFill>
               </a:uFill>
               <a:latin typeface="Calibri"/>
@@ -6747,6 +7238,7 @@
         </p:spPr>
         <p:txBody>
           <a:bodyPr/>
+          <a:lstStyle/>
           <a:p>
             <a:pPr marL="228600" indent="-228240">
               <a:lnSpc>
@@ -6759,30 +7251,19 @@
               <a:buChar char="•"/>
             </a:pPr>
             <a:r>
-              <a:rPr b="0" lang="fr-FR" sz="2800" spc="-1" strike="noStrike">
+              <a:rPr lang="fr-FR" sz="2800" b="0" strike="noStrike" spc="-1">
                 <a:solidFill>
                   <a:srgbClr val="000000"/>
                 </a:solidFill>
                 <a:uFill>
                   <a:solidFill>
-                    <a:srgbClr val="ffffff"/>
+                    <a:srgbClr val="FFFFFF"/>
                   </a:solidFill>
                 </a:uFill>
                 <a:latin typeface="Calibri"/>
               </a:rPr>
               <a:t>KV store : array dynamique de struct </a:t>
             </a:r>
-            <a:endParaRPr b="0" lang="fr-FR" sz="2800" spc="-1" strike="noStrike">
-              <a:solidFill>
-                <a:srgbClr val="000000"/>
-              </a:solidFill>
-              <a:uFill>
-                <a:solidFill>
-                  <a:srgbClr val="ffffff"/>
-                </a:solidFill>
-              </a:uFill>
-              <a:latin typeface="Calibri"/>
-            </a:endParaRPr>
           </a:p>
           <a:p>
             <a:pPr marL="228600" indent="-228240">
@@ -6796,30 +7277,19 @@
               <a:buChar char="•"/>
             </a:pPr>
             <a:r>
-              <a:rPr b="0" lang="fr-FR" sz="2800" spc="-1" strike="noStrike">
+              <a:rPr lang="fr-FR" sz="2800" b="0" strike="noStrike" spc="-1">
                 <a:solidFill>
                   <a:srgbClr val="000000"/>
                 </a:solidFill>
                 <a:uFill>
                   <a:solidFill>
-                    <a:srgbClr val="ffffff"/>
+                    <a:srgbClr val="FFFFFF"/>
                   </a:solidFill>
                 </a:uFill>
                 <a:latin typeface="Calibri"/>
               </a:rPr>
               <a:t>Communication server - clients </a:t>
             </a:r>
-            <a:endParaRPr b="0" lang="fr-FR" sz="2800" spc="-1" strike="noStrike">
-              <a:solidFill>
-                <a:srgbClr val="000000"/>
-              </a:solidFill>
-              <a:uFill>
-                <a:solidFill>
-                  <a:srgbClr val="ffffff"/>
-                </a:solidFill>
-              </a:uFill>
-              <a:latin typeface="Calibri"/>
-            </a:endParaRPr>
           </a:p>
           <a:p>
             <a:pPr marL="228600" indent="-228240">
@@ -6833,30 +7303,19 @@
               <a:buChar char="•"/>
             </a:pPr>
             <a:r>
-              <a:rPr b="0" lang="fr-FR" sz="2800" spc="-1" strike="noStrike">
+              <a:rPr lang="fr-FR" sz="2800" b="0" strike="noStrike" spc="-1">
                 <a:solidFill>
                   <a:srgbClr val="000000"/>
                 </a:solidFill>
                 <a:uFill>
                   <a:solidFill>
-                    <a:srgbClr val="ffffff"/>
+                    <a:srgbClr val="FFFFFF"/>
                   </a:solidFill>
                 </a:uFill>
                 <a:latin typeface="Calibri"/>
               </a:rPr>
               <a:t>Lire, écrire et modifier des valeurs</a:t>
             </a:r>
-            <a:endParaRPr b="0" lang="fr-FR" sz="2800" spc="-1" strike="noStrike">
-              <a:solidFill>
-                <a:srgbClr val="000000"/>
-              </a:solidFill>
-              <a:uFill>
-                <a:solidFill>
-                  <a:srgbClr val="ffffff"/>
-                </a:solidFill>
-              </a:uFill>
-              <a:latin typeface="Calibri"/>
-            </a:endParaRPr>
           </a:p>
           <a:p>
             <a:pPr marL="228600" indent="-228240">
@@ -6870,51 +7329,43 @@
               <a:buChar char="•"/>
             </a:pPr>
             <a:r>
-              <a:rPr b="0" lang="fr-FR" sz="2800" spc="-1" strike="noStrike">
+              <a:rPr lang="fr-FR" sz="2800" b="0" strike="noStrike" spc="-1">
                 <a:solidFill>
                   <a:srgbClr val="000000"/>
                 </a:solidFill>
                 <a:uFill>
                   <a:solidFill>
-                    <a:srgbClr val="ffffff"/>
+                    <a:srgbClr val="FFFFFF"/>
                   </a:solidFill>
                 </a:uFill>
                 <a:latin typeface="Calibri"/>
               </a:rPr>
               <a:t>Accès sécurisé des readers/writers</a:t>
             </a:r>
-            <a:endParaRPr b="0" lang="fr-FR" sz="2800" spc="-1" strike="noStrike">
-              <a:solidFill>
-                <a:srgbClr val="000000"/>
-              </a:solidFill>
-              <a:uFill>
-                <a:solidFill>
-                  <a:srgbClr val="ffffff"/>
-                </a:solidFill>
-              </a:uFill>
-              <a:latin typeface="Calibri"/>
-            </a:endParaRPr>
           </a:p>
         </p:txBody>
       </p:sp>
     </p:spTree>
   </p:cSld>
+  <p:clrMapOvr>
+    <a:masterClrMapping/>
+  </p:clrMapOvr>
   <p:timing>
     <p:tnLst>
       <p:par>
-        <p:cTn id="9" dur="indefinite" restart="never" nodeType="tmRoot">
+        <p:cTn id="1" dur="indefinite" restart="never" nodeType="tmRoot">
           <p:childTnLst>
             <p:seq>
-              <p:cTn id="10" nodeType="mainSeq"/>
+              <p:cTn id="2" nodeType="mainSeq"/>
               <p:prevCondLst>
-                <p:cond delay="0" evt="onPrev">
+                <p:cond evt="onPrev" delay="0">
                   <p:tgtEl>
                     <p:sldTgt/>
                   </p:tgtEl>
                 </p:cond>
               </p:prevCondLst>
               <p:nextCondLst>
-                <p:cond delay="0" evt="onNext">
+                <p:cond evt="onNext" delay="0">
                   <p:tgtEl>
                     <p:sldTgt/>
                   </p:tgtEl>
@@ -6930,7 +7381,7 @@
 </file>
 
 <file path=ppt/slides/slide6.xml><?xml version="1.0" encoding="utf-8"?>
-<p:sld xmlns:a="http://schemas.openxmlformats.org/drawingml/2006/main" xmlns:p="http://schemas.openxmlformats.org/presentationml/2006/main" xmlns:r="http://schemas.openxmlformats.org/officeDocument/2006/relationships" xmlns:p14="http://schemas.microsoft.com/office/powerpoint/2010/main" xmlns:p15="http://schemas.microsoft.com/office/powerpoint/2012/main" xmlns:mc="http://schemas.openxmlformats.org/markup-compatibility/2006">
+<p:sld xmlns:a="http://schemas.openxmlformats.org/drawingml/2006/main" xmlns:r="http://schemas.openxmlformats.org/officeDocument/2006/relationships" xmlns:p="http://schemas.openxmlformats.org/presentationml/2006/main">
   <p:cSld>
     <p:spTree>
       <p:nvGrpSpPr>
@@ -6967,6 +7418,7 @@
         </p:spPr>
         <p:txBody>
           <a:bodyPr anchor="ctr"/>
+          <a:lstStyle/>
           <a:p>
             <a:pPr>
               <a:lnSpc>
@@ -6974,26 +7426,26 @@
               </a:lnSpc>
             </a:pPr>
             <a:r>
-              <a:rPr b="0" lang="fr-FR" sz="4400" spc="-1" strike="noStrike">
+              <a:rPr lang="fr-FR" sz="4400" b="0" strike="noStrike" spc="-1">
                 <a:solidFill>
                   <a:srgbClr val="000000"/>
                 </a:solidFill>
                 <a:uFill>
                   <a:solidFill>
-                    <a:srgbClr val="ffffff"/>
+                    <a:srgbClr val="FFFFFF"/>
                   </a:solidFill>
                 </a:uFill>
                 <a:latin typeface="Calibri Light"/>
               </a:rPr>
               <a:t>KV store : array dynamique de struct</a:t>
             </a:r>
-            <a:endParaRPr b="0" lang="fr-FR" sz="1800" spc="-1" strike="noStrike">
-              <a:solidFill>
-                <a:srgbClr val="000000"/>
-              </a:solidFill>
-              <a:uFill>
-                <a:solidFill>
-                  <a:srgbClr val="ffffff"/>
+            <a:endParaRPr lang="fr-FR" sz="1800" b="0" strike="noStrike" spc="-1">
+              <a:solidFill>
+                <a:srgbClr val="000000"/>
+              </a:solidFill>
+              <a:uFill>
+                <a:solidFill>
+                  <a:srgbClr val="FFFFFF"/>
                 </a:solidFill>
               </a:uFill>
               <a:latin typeface="Calibri"/>
@@ -7003,30 +7455,7 @@
       </p:sp>
       <p:pic>
         <p:nvPicPr>
-          <p:cNvPr id="89" name="Content Placeholder 11" descr=""/>
-          <p:cNvPicPr/>
-          <p:nvPr/>
-        </p:nvPicPr>
-        <p:blipFill>
-          <a:blip r:embed="rId1"/>
-          <a:stretch/>
-        </p:blipFill>
-        <p:spPr>
-          <a:xfrm>
-            <a:off x="838080" y="2884680"/>
-            <a:ext cx="5505480" cy="1755720"/>
-          </a:xfrm>
-          <a:prstGeom prst="rect">
-            <a:avLst/>
-          </a:prstGeom>
-          <a:ln>
-            <a:noFill/>
-          </a:ln>
-        </p:spPr>
-      </p:pic>
-      <p:pic>
-        <p:nvPicPr>
-          <p:cNvPr id="90" name="Picture 13" descr=""/>
+          <p:cNvPr id="89" name="Content Placeholder 11"/>
           <p:cNvPicPr/>
           <p:nvPr/>
         </p:nvPicPr>
@@ -7036,8 +7465,8 @@
         </p:blipFill>
         <p:spPr>
           <a:xfrm>
-            <a:off x="7558920" y="1843200"/>
-            <a:ext cx="3794400" cy="4477680"/>
+            <a:off x="838080" y="2884680"/>
+            <a:ext cx="5505480" cy="1755720"/>
           </a:xfrm>
           <a:prstGeom prst="rect">
             <a:avLst/>
@@ -7047,24 +7476,50 @@
           </a:ln>
         </p:spPr>
       </p:pic>
+      <p:pic>
+        <p:nvPicPr>
+          <p:cNvPr id="90" name="Picture 13"/>
+          <p:cNvPicPr/>
+          <p:nvPr/>
+        </p:nvPicPr>
+        <p:blipFill>
+          <a:blip r:embed="rId3"/>
+          <a:stretch/>
+        </p:blipFill>
+        <p:spPr>
+          <a:xfrm>
+            <a:off x="7558920" y="1843200"/>
+            <a:ext cx="3794400" cy="4477680"/>
+          </a:xfrm>
+          <a:prstGeom prst="rect">
+            <a:avLst/>
+          </a:prstGeom>
+          <a:ln>
+            <a:noFill/>
+          </a:ln>
+        </p:spPr>
+      </p:pic>
     </p:spTree>
   </p:cSld>
+  <p:clrMapOvr>
+    <a:masterClrMapping/>
+  </p:clrMapOvr>
   <p:timing>
     <p:tnLst>
       <p:par>
-        <p:cTn id="11" dur="indefinite" restart="never" nodeType="tmRoot">
+        <p:cTn id="1" dur="indefinite" restart="never" nodeType="tmRoot">
           <p:childTnLst>
             <p:seq>
-              <p:cTn id="12" nodeType="mainSeq"/>
+              <p:cTn id="2" nodeType="mainSeq"/>
               <p:prevCondLst>
-                <p:cond delay="0" evt="onPrev">
+                <p:cond evt="onPrev" delay="0">
                   <p:tgtEl>
                     <p:sldTgt/>
                   </p:tgtEl>
                 </p:cond>
               </p:prevCondLst>
               <p:nextCondLst>
-                <p:cond delay="0" evt="onNext">
+                <p:cond evt="onNext" delay="0">
                   <p:tgtEl>
                     <p:sldTgt/>
                   </p:tgtEl>
@@ -7080,7 +7535,7 @@
 </file>
 
 <file path=ppt/slides/slide7.xml><?xml version="1.0" encoding="utf-8"?>
-<p:sld xmlns:a="http://schemas.openxmlformats.org/drawingml/2006/main" xmlns:p="http://schemas.openxmlformats.org/presentationml/2006/main" xmlns:r="http://schemas.openxmlformats.org/officeDocument/2006/relationships" xmlns:p14="http://schemas.microsoft.com/office/powerpoint/2010/main" xmlns:p15="http://schemas.microsoft.com/office/powerpoint/2012/main" xmlns:mc="http://schemas.openxmlformats.org/markup-compatibility/2006">
+<p:sld xmlns:a="http://schemas.openxmlformats.org/drawingml/2006/main" xmlns:r="http://schemas.openxmlformats.org/officeDocument/2006/relationships" xmlns:p="http://schemas.openxmlformats.org/presentationml/2006/main">
   <p:cSld>
     <p:spTree>
       <p:nvGrpSpPr>
@@ -7117,14 +7572,15 @@
         </p:spPr>
         <p:txBody>
           <a:bodyPr anchor="ctr"/>
-          <a:p>
-            <a:endParaRPr b="0" lang="fr-FR" sz="1800" spc="-1" strike="noStrike">
-              <a:solidFill>
-                <a:srgbClr val="000000"/>
-              </a:solidFill>
-              <a:uFill>
-                <a:solidFill>
-                  <a:srgbClr val="ffffff"/>
+          <a:lstStyle/>
+          <a:p>
+            <a:endParaRPr lang="fr-FR" sz="1800" b="0" strike="noStrike" spc="-1">
+              <a:solidFill>
+                <a:srgbClr val="000000"/>
+              </a:solidFill>
+              <a:uFill>
+                <a:solidFill>
+                  <a:srgbClr val="FFFFFF"/>
                 </a:solidFill>
               </a:uFill>
               <a:latin typeface="Calibri"/>
@@ -7134,30 +7590,7 @@
       </p:sp>
       <p:pic>
         <p:nvPicPr>
-          <p:cNvPr id="92" name="Content Placeholder 3" descr=""/>
-          <p:cNvPicPr/>
-          <p:nvPr/>
-        </p:nvPicPr>
-        <p:blipFill>
-          <a:blip r:embed="rId1"/>
-          <a:stretch/>
-        </p:blipFill>
-        <p:spPr>
-          <a:xfrm>
-            <a:off x="7666200" y="1990800"/>
-            <a:ext cx="3687120" cy="4350960"/>
-          </a:xfrm>
-          <a:prstGeom prst="rect">
-            <a:avLst/>
-          </a:prstGeom>
-          <a:ln>
-            <a:noFill/>
-          </a:ln>
-        </p:spPr>
-      </p:pic>
-      <p:pic>
-        <p:nvPicPr>
-          <p:cNvPr id="93" name="Picture 5" descr=""/>
+          <p:cNvPr id="92" name="Content Placeholder 3"/>
           <p:cNvPicPr/>
           <p:nvPr/>
         </p:nvPicPr>
@@ -7167,8 +7600,8 @@
         </p:blipFill>
         <p:spPr>
           <a:xfrm>
-            <a:off x="597960" y="1990800"/>
-            <a:ext cx="6761160" cy="1996560"/>
+            <a:off x="7666200" y="1990800"/>
+            <a:ext cx="3687120" cy="4350960"/>
           </a:xfrm>
           <a:prstGeom prst="rect">
             <a:avLst/>
@@ -7178,24 +7611,50 @@
           </a:ln>
         </p:spPr>
       </p:pic>
+      <p:pic>
+        <p:nvPicPr>
+          <p:cNvPr id="93" name="Picture 5"/>
+          <p:cNvPicPr/>
+          <p:nvPr/>
+        </p:nvPicPr>
+        <p:blipFill>
+          <a:blip r:embed="rId3"/>
+          <a:stretch/>
+        </p:blipFill>
+        <p:spPr>
+          <a:xfrm>
+            <a:off x="597960" y="1990800"/>
+            <a:ext cx="6761160" cy="1996560"/>
+          </a:xfrm>
+          <a:prstGeom prst="rect">
+            <a:avLst/>
+          </a:prstGeom>
+          <a:ln>
+            <a:noFill/>
+          </a:ln>
+        </p:spPr>
+      </p:pic>
     </p:spTree>
   </p:cSld>
+  <p:clrMapOvr>
+    <a:masterClrMapping/>
+  </p:clrMapOvr>
   <p:timing>
     <p:tnLst>
       <p:par>
-        <p:cTn id="13" dur="indefinite" restart="never" nodeType="tmRoot">
+        <p:cTn id="1" dur="indefinite" restart="never" nodeType="tmRoot">
           <p:childTnLst>
             <p:seq>
-              <p:cTn id="14" nodeType="mainSeq"/>
+              <p:cTn id="2" nodeType="mainSeq"/>
               <p:prevCondLst>
-                <p:cond delay="0" evt="onPrev">
+                <p:cond evt="onPrev" delay="0">
                   <p:tgtEl>
                     <p:sldTgt/>
                   </p:tgtEl>
                 </p:cond>
               </p:prevCondLst>
               <p:nextCondLst>
-                <p:cond delay="0" evt="onNext">
+                <p:cond evt="onNext" delay="0">
                   <p:tgtEl>
                     <p:sldTgt/>
                   </p:tgtEl>
@@ -7211,7 +7670,7 @@
 </file>
 
 <file path=ppt/slides/slide8.xml><?xml version="1.0" encoding="utf-8"?>
-<p:sld xmlns:a="http://schemas.openxmlformats.org/drawingml/2006/main" xmlns:p="http://schemas.openxmlformats.org/presentationml/2006/main" xmlns:r="http://schemas.openxmlformats.org/officeDocument/2006/relationships" xmlns:p14="http://schemas.microsoft.com/office/powerpoint/2010/main" xmlns:p15="http://schemas.microsoft.com/office/powerpoint/2012/main" xmlns:mc="http://schemas.openxmlformats.org/markup-compatibility/2006">
+<p:sld xmlns:a="http://schemas.openxmlformats.org/drawingml/2006/main" xmlns:r="http://schemas.openxmlformats.org/officeDocument/2006/relationships" xmlns:p="http://schemas.openxmlformats.org/presentationml/2006/main">
   <p:cSld>
     <p:spTree>
       <p:nvGrpSpPr>
@@ -7248,6 +7707,7 @@
         </p:spPr>
         <p:txBody>
           <a:bodyPr anchor="ctr"/>
+          <a:lstStyle/>
           <a:p>
             <a:pPr>
               <a:lnSpc>
@@ -7255,26 +7715,26 @@
               </a:lnSpc>
             </a:pPr>
             <a:r>
-              <a:rPr b="0" lang="fr-FR" sz="4400" spc="-1" strike="noStrike">
+              <a:rPr lang="fr-FR" sz="4400" b="0" strike="noStrike" spc="-1">
                 <a:solidFill>
                   <a:srgbClr val="000000"/>
                 </a:solidFill>
                 <a:uFill>
                   <a:solidFill>
-                    <a:srgbClr val="ffffff"/>
+                    <a:srgbClr val="FFFFFF"/>
                   </a:solidFill>
                 </a:uFill>
                 <a:latin typeface="Calibri Light"/>
               </a:rPr>
               <a:t>Communication server - clients </a:t>
             </a:r>
-            <a:endParaRPr b="0" lang="fr-FR" sz="1800" spc="-1" strike="noStrike">
-              <a:solidFill>
-                <a:srgbClr val="000000"/>
-              </a:solidFill>
-              <a:uFill>
-                <a:solidFill>
-                  <a:srgbClr val="ffffff"/>
+            <a:endParaRPr lang="fr-FR" sz="1800" b="0" strike="noStrike" spc="-1">
+              <a:solidFill>
+                <a:srgbClr val="000000"/>
+              </a:solidFill>
+              <a:uFill>
+                <a:solidFill>
+                  <a:srgbClr val="FFFFFF"/>
                 </a:solidFill>
               </a:uFill>
               <a:latin typeface="Calibri"/>
@@ -7303,19 +7763,20 @@
         </p:spPr>
         <p:txBody>
           <a:bodyPr/>
+          <a:lstStyle/>
           <a:p>
             <a:pPr>
               <a:lnSpc>
                 <a:spcPct val="90000"/>
               </a:lnSpc>
             </a:pPr>
-            <a:endParaRPr b="0" lang="fr-FR" sz="2800" spc="-1" strike="noStrike">
-              <a:solidFill>
-                <a:srgbClr val="000000"/>
-              </a:solidFill>
-              <a:uFill>
-                <a:solidFill>
-                  <a:srgbClr val="ffffff"/>
+            <a:endParaRPr lang="fr-FR" sz="2800" b="0" strike="noStrike" spc="-1">
+              <a:solidFill>
+                <a:srgbClr val="000000"/>
+              </a:solidFill>
+              <a:uFill>
+                <a:solidFill>
+                  <a:srgbClr val="FFFFFF"/>
                 </a:solidFill>
               </a:uFill>
               <a:latin typeface="Calibri"/>
@@ -7333,30 +7794,19 @@
               <a:buChar char="•"/>
             </a:pPr>
             <a:r>
-              <a:rPr b="0" lang="fr-FR" sz="2800" spc="-1" strike="noStrike">
+              <a:rPr lang="fr-FR" sz="2800" b="0" strike="noStrike" spc="-1">
                 <a:solidFill>
                   <a:srgbClr val="000000"/>
                 </a:solidFill>
                 <a:uFill>
                   <a:solidFill>
-                    <a:srgbClr val="ffffff"/>
+                    <a:srgbClr val="FFFFFF"/>
                   </a:solidFill>
                 </a:uFill>
                 <a:latin typeface="Calibri"/>
               </a:rPr>
               <a:t>Simple, ordonné, syncro</a:t>
             </a:r>
-            <a:endParaRPr b="0" lang="fr-FR" sz="2800" spc="-1" strike="noStrike">
-              <a:solidFill>
-                <a:srgbClr val="000000"/>
-              </a:solidFill>
-              <a:uFill>
-                <a:solidFill>
-                  <a:srgbClr val="ffffff"/>
-                </a:solidFill>
-              </a:uFill>
-              <a:latin typeface="Calibri"/>
-            </a:endParaRPr>
           </a:p>
           <a:p>
             <a:pPr marL="228600" indent="-228240">
@@ -7370,30 +7820,19 @@
               <a:buChar char="•"/>
             </a:pPr>
             <a:r>
-              <a:rPr b="0" lang="fr-FR" sz="2800" spc="-1" strike="noStrike">
+              <a:rPr lang="fr-FR" sz="2800" b="0" strike="noStrike" spc="-1">
                 <a:solidFill>
                   <a:srgbClr val="000000"/>
                 </a:solidFill>
                 <a:uFill>
                   <a:solidFill>
-                    <a:srgbClr val="ffffff"/>
+                    <a:srgbClr val="FFFFFF"/>
                   </a:solidFill>
                 </a:uFill>
                 <a:latin typeface="Calibri"/>
               </a:rPr>
               <a:t> </a:t>
             </a:r>
-            <a:endParaRPr b="0" lang="fr-FR" sz="2800" spc="-1" strike="noStrike">
-              <a:solidFill>
-                <a:srgbClr val="000000"/>
-              </a:solidFill>
-              <a:uFill>
-                <a:solidFill>
-                  <a:srgbClr val="ffffff"/>
-                </a:solidFill>
-              </a:uFill>
-              <a:latin typeface="Calibri"/>
-            </a:endParaRPr>
           </a:p>
           <a:p>
             <a:pPr marL="228600" indent="-228240">
@@ -7407,59 +7846,25 @@
               <a:buChar char="•"/>
             </a:pPr>
             <a:r>
-              <a:rPr b="0" lang="fr-FR" sz="2800" spc="-1" strike="noStrike">
+              <a:rPr lang="fr-FR" sz="2800" b="0" strike="noStrike" spc="-1">
                 <a:solidFill>
                   <a:srgbClr val="000000"/>
                 </a:solidFill>
                 <a:uFill>
                   <a:solidFill>
-                    <a:srgbClr val="ffffff"/>
+                    <a:srgbClr val="FFFFFF"/>
                   </a:solidFill>
                 </a:uFill>
                 <a:latin typeface="Calibri"/>
               </a:rPr>
               <a:t>Messages renvoyés aux clients</a:t>
             </a:r>
-            <a:endParaRPr b="0" lang="fr-FR" sz="2800" spc="-1" strike="noStrike">
-              <a:solidFill>
-                <a:srgbClr val="000000"/>
-              </a:solidFill>
-              <a:uFill>
-                <a:solidFill>
-                  <a:srgbClr val="ffffff"/>
-                </a:solidFill>
-              </a:uFill>
-              <a:latin typeface="Calibri"/>
-            </a:endParaRPr>
           </a:p>
         </p:txBody>
       </p:sp>
       <p:pic>
         <p:nvPicPr>
-          <p:cNvPr id="96" name="" descr=""/>
-          <p:cNvPicPr/>
-          <p:nvPr/>
-        </p:nvPicPr>
-        <p:blipFill>
-          <a:blip r:embed="rId1"/>
-          <a:stretch/>
-        </p:blipFill>
-        <p:spPr>
-          <a:xfrm>
-            <a:off x="7128000" y="1728000"/>
-            <a:ext cx="2990520" cy="2752200"/>
-          </a:xfrm>
-          <a:prstGeom prst="rect">
-            <a:avLst/>
-          </a:prstGeom>
-          <a:ln>
-            <a:noFill/>
-          </a:ln>
-        </p:spPr>
-      </p:pic>
-      <p:pic>
-        <p:nvPicPr>
-          <p:cNvPr id="97" name="" descr=""/>
+          <p:cNvPr id="96" name="Image 95"/>
           <p:cNvPicPr/>
           <p:nvPr/>
         </p:nvPicPr>
@@ -7469,8 +7874,8 @@
         </p:blipFill>
         <p:spPr>
           <a:xfrm>
-            <a:off x="7054560" y="1440000"/>
-            <a:ext cx="4537440" cy="4176000"/>
+            <a:off x="7128000" y="1728000"/>
+            <a:ext cx="2990520" cy="2752200"/>
           </a:xfrm>
           <a:prstGeom prst="rect">
             <a:avLst/>
@@ -7480,24 +7885,50 @@
           </a:ln>
         </p:spPr>
       </p:pic>
+      <p:pic>
+        <p:nvPicPr>
+          <p:cNvPr id="97" name="Image 96"/>
+          <p:cNvPicPr/>
+          <p:nvPr/>
+        </p:nvPicPr>
+        <p:blipFill>
+          <a:blip r:embed="rId2"/>
+          <a:stretch/>
+        </p:blipFill>
+        <p:spPr>
+          <a:xfrm>
+            <a:off x="7054560" y="1440000"/>
+            <a:ext cx="4537440" cy="4176000"/>
+          </a:xfrm>
+          <a:prstGeom prst="rect">
+            <a:avLst/>
+          </a:prstGeom>
+          <a:ln>
+            <a:noFill/>
+          </a:ln>
+        </p:spPr>
+      </p:pic>
     </p:spTree>
   </p:cSld>
+  <p:clrMapOvr>
+    <a:masterClrMapping/>
+  </p:clrMapOvr>
   <p:timing>
     <p:tnLst>
       <p:par>
-        <p:cTn id="15" dur="indefinite" restart="never" nodeType="tmRoot">
+        <p:cTn id="1" dur="indefinite" restart="never" nodeType="tmRoot">
           <p:childTnLst>
             <p:seq>
-              <p:cTn id="16" nodeType="mainSeq"/>
+              <p:cTn id="2" nodeType="mainSeq"/>
               <p:prevCondLst>
-                <p:cond delay="0" evt="onPrev">
+                <p:cond evt="onPrev" delay="0">
                   <p:tgtEl>
                     <p:sldTgt/>
                   </p:tgtEl>
                 </p:cond>
               </p:prevCondLst>
               <p:nextCondLst>
-                <p:cond delay="0" evt="onNext">
+                <p:cond evt="onNext" delay="0">
                   <p:tgtEl>
                     <p:sldTgt/>
                   </p:tgtEl>
@@ -7513,7 +7944,7 @@
 </file>
 
 <file path=ppt/slides/slide9.xml><?xml version="1.0" encoding="utf-8"?>
-<p:sld xmlns:a="http://schemas.openxmlformats.org/drawingml/2006/main" xmlns:p="http://schemas.openxmlformats.org/presentationml/2006/main" xmlns:r="http://schemas.openxmlformats.org/officeDocument/2006/relationships" xmlns:p14="http://schemas.microsoft.com/office/powerpoint/2010/main" xmlns:p15="http://schemas.microsoft.com/office/powerpoint/2012/main" xmlns:mc="http://schemas.openxmlformats.org/markup-compatibility/2006">
+<p:sld xmlns:a="http://schemas.openxmlformats.org/drawingml/2006/main" xmlns:r="http://schemas.openxmlformats.org/officeDocument/2006/relationships" xmlns:p="http://schemas.openxmlformats.org/presentationml/2006/main">
   <p:cSld>
     <p:spTree>
       <p:nvGrpSpPr>
@@ -7550,6 +7981,7 @@
         </p:spPr>
         <p:txBody>
           <a:bodyPr anchor="ctr"/>
+          <a:lstStyle/>
           <a:p>
             <a:pPr>
               <a:lnSpc>
@@ -7557,26 +7989,26 @@
               </a:lnSpc>
             </a:pPr>
             <a:r>
-              <a:rPr b="0" lang="fr-FR" sz="4400" spc="-1" strike="noStrike">
+              <a:rPr lang="fr-FR" sz="4400" b="0" strike="noStrike" spc="-1">
                 <a:solidFill>
                   <a:srgbClr val="000000"/>
                 </a:solidFill>
                 <a:uFill>
                   <a:solidFill>
-                    <a:srgbClr val="ffffff"/>
+                    <a:srgbClr val="FFFFFF"/>
                   </a:solidFill>
                 </a:uFill>
                 <a:latin typeface="Calibri Light"/>
               </a:rPr>
               <a:t>Lire, écrire et modifier des valeurs</a:t>
             </a:r>
-            <a:endParaRPr b="0" lang="fr-FR" sz="1800" spc="-1" strike="noStrike">
-              <a:solidFill>
-                <a:srgbClr val="000000"/>
-              </a:solidFill>
-              <a:uFill>
-                <a:solidFill>
-                  <a:srgbClr val="ffffff"/>
+            <a:endParaRPr lang="fr-FR" sz="1800" b="0" strike="noStrike" spc="-1">
+              <a:solidFill>
+                <a:srgbClr val="000000"/>
+              </a:solidFill>
+              <a:uFill>
+                <a:solidFill>
+                  <a:srgbClr val="FFFFFF"/>
                 </a:solidFill>
               </a:uFill>
               <a:latin typeface="Calibri"/>
@@ -7605,14 +8037,15 @@
         </p:spPr>
         <p:txBody>
           <a:bodyPr/>
-          <a:p>
-            <a:endParaRPr b="0" lang="fr-FR" sz="2800" spc="-1" strike="noStrike">
-              <a:solidFill>
-                <a:srgbClr val="000000"/>
-              </a:solidFill>
-              <a:uFill>
-                <a:solidFill>
-                  <a:srgbClr val="ffffff"/>
+          <a:lstStyle/>
+          <a:p>
+            <a:endParaRPr lang="fr-FR" sz="2800" b="0" strike="noStrike" spc="-1">
+              <a:solidFill>
+                <a:srgbClr val="000000"/>
+              </a:solidFill>
+              <a:uFill>
+                <a:solidFill>
+                  <a:srgbClr val="FFFFFF"/>
                 </a:solidFill>
               </a:uFill>
               <a:latin typeface="Calibri"/>
@@ -7622,22 +8055,25 @@
       </p:sp>
     </p:spTree>
   </p:cSld>
+  <p:clrMapOvr>
+    <a:masterClrMapping/>
+  </p:clrMapOvr>
   <p:timing>
     <p:tnLst>
       <p:par>
-        <p:cTn id="17" dur="indefinite" restart="never" nodeType="tmRoot">
+        <p:cTn id="1" dur="indefinite" restart="never" nodeType="tmRoot">
           <p:childTnLst>
             <p:seq>
-              <p:cTn id="18" nodeType="mainSeq"/>
+              <p:cTn id="2" nodeType="mainSeq"/>
               <p:prevCondLst>
-                <p:cond delay="0" evt="onPrev">
+                <p:cond evt="onPrev" delay="0">
                   <p:tgtEl>
                     <p:sldTgt/>
                   </p:tgtEl>
                 </p:cond>
               </p:prevCondLst>
               <p:nextCondLst>
-                <p:cond delay="0" evt="onNext">
+                <p:cond evt="onNext" delay="0">
                   <p:tgtEl>
                     <p:sldTgt/>
                   </p:tgtEl>
@@ -7872,6 +8308,8 @@
       </a:bgFillStyleLst>
     </a:fmtScheme>
   </a:themeElements>
+  <a:objectDefaults/>
+  <a:extraClrSchemeLst/>
 </a:theme>
 </file>
 
@@ -8095,5 +8533,7 @@
       </a:bgFillStyleLst>
     </a:fmtScheme>
   </a:themeElements>
+  <a:objectDefaults/>
+  <a:extraClrSchemeLst/>
 </a:theme>
 </file>
--- a/presentation/KVS_presentation.pptx
+++ b/presentation/KVS_presentation.pptx
@@ -118,6 +118,11 @@
       </a:defRPr>
     </a:lvl9pPr>
   </p:defaultTextStyle>
+  <p:extLst>
+    <p:ext uri="{EFAFB233-063F-42B5-8137-9DF3F51BA10A}">
+      <p15:sldGuideLst xmlns:p15="http://schemas.microsoft.com/office/powerpoint/2012/main"/>
+    </p:ext>
+  </p:extLst>
 </p:presentation>
 </file>
 
@@ -5006,7 +5011,7 @@
         <p:spPr>
           <a:xfrm>
             <a:off x="838080" y="1825560"/>
-            <a:ext cx="10515240" cy="4350960"/>
+            <a:ext cx="10515240" cy="4788182"/>
           </a:xfrm>
           <a:prstGeom prst="rect">
             <a:avLst/>
@@ -5031,18 +5036,60 @@
               <a:buChar char="•"/>
             </a:pPr>
             <a:r>
-              <a:rPr lang="fr-FR" sz="2800" b="0" strike="noStrike" spc="-1">
-                <a:solidFill>
-                  <a:srgbClr val="000000"/>
-                </a:solidFill>
-                <a:uFill>
-                  <a:solidFill>
-                    <a:srgbClr val="FFFFFF"/>
-                  </a:solidFill>
-                </a:uFill>
-                <a:latin typeface="Calibri"/>
-              </a:rPr>
-              <a:t>Mutex : 4 mutex</a:t>
+              <a:rPr lang="fr-FR" sz="2800" b="0" strike="noStrike" spc="-1" dirty="0">
+                <a:solidFill>
+                  <a:srgbClr val="000000"/>
+                </a:solidFill>
+                <a:uFill>
+                  <a:solidFill>
+                    <a:srgbClr val="FFFFFF"/>
+                  </a:solidFill>
+                </a:uFill>
+                <a:latin typeface="Calibri"/>
+              </a:rPr>
+              <a:t>4 </a:t>
+            </a:r>
+            <a:r>
+              <a:rPr lang="fr-FR" sz="2800" spc="-1" dirty="0" err="1">
+                <a:solidFill>
+                  <a:srgbClr val="000000"/>
+                </a:solidFill>
+                <a:uFill>
+                  <a:solidFill>
+                    <a:srgbClr val="FFFFFF"/>
+                  </a:solidFill>
+                </a:uFill>
+                <a:latin typeface="Calibri"/>
+              </a:rPr>
+              <a:t>m</a:t>
+            </a:r>
+            <a:r>
+              <a:rPr lang="fr-FR" sz="2800" b="0" strike="noStrike" spc="-1" dirty="0" err="1">
+                <a:solidFill>
+                  <a:srgbClr val="000000"/>
+                </a:solidFill>
+                <a:uFill>
+                  <a:solidFill>
+                    <a:srgbClr val="FFFFFF"/>
+                  </a:solidFill>
+                </a:uFill>
+                <a:latin typeface="Calibri"/>
+              </a:rPr>
+              <a:t>utex</a:t>
+            </a:r>
+            <a:r>
+              <a:rPr lang="fr-FR" sz="2800" b="0" strike="noStrike" spc="-1" dirty="0">
+                <a:solidFill>
+                  <a:srgbClr val="000000"/>
+                </a:solidFill>
+                <a:uFill>
+                  <a:solidFill>
+                    <a:srgbClr val="FFFFFF"/>
+                  </a:solidFill>
+                </a:uFill>
+                <a:latin typeface="Calibri"/>
+              </a:rPr>
+              <a:t> :</a:t>
             </a:r>
           </a:p>
           <a:p>
@@ -5057,7 +5104,7 @@
               <a:buChar char="•"/>
             </a:pPr>
             <a:r>
-              <a:rPr lang="fr-FR" sz="2400" b="0" strike="noStrike" spc="-1">
+              <a:rPr lang="fr-FR" sz="2400" b="0" strike="noStrike" spc="-1" dirty="0" err="1">
                 <a:solidFill>
                   <a:srgbClr val="000000"/>
                 </a:solidFill>
@@ -5070,7 +5117,7 @@
               </a:rPr>
               <a:t>rmutex</a:t>
             </a:r>
-            <a:endParaRPr lang="fr-FR" sz="2000" b="0" strike="noStrike" spc="-1">
+            <a:endParaRPr lang="fr-FR" sz="2000" b="0" strike="noStrike" spc="-1" dirty="0">
               <a:solidFill>
                 <a:srgbClr val="000000"/>
               </a:solidFill>
@@ -5094,7 +5141,7 @@
               <a:buChar char="•"/>
             </a:pPr>
             <a:r>
-              <a:rPr lang="fr-FR" sz="2400" b="0" strike="noStrike" spc="-1">
+              <a:rPr lang="fr-FR" sz="2400" b="0" strike="noStrike" spc="-1" dirty="0" err="1">
                 <a:solidFill>
                   <a:srgbClr val="000000"/>
                 </a:solidFill>
@@ -5107,7 +5154,7 @@
               </a:rPr>
               <a:t>wmutex</a:t>
             </a:r>
-            <a:endParaRPr lang="fr-FR" sz="2000" b="0" strike="noStrike" spc="-1">
+            <a:endParaRPr lang="fr-FR" sz="2000" b="0" strike="noStrike" spc="-1" dirty="0">
               <a:solidFill>
                 <a:srgbClr val="000000"/>
               </a:solidFill>
@@ -5131,7 +5178,7 @@
               <a:buChar char="•"/>
             </a:pPr>
             <a:r>
-              <a:rPr lang="fr-FR" sz="2400" b="0" strike="noStrike" spc="-1">
+              <a:rPr lang="fr-FR" sz="2400" b="0" strike="noStrike" spc="-1" dirty="0" err="1">
                 <a:solidFill>
                   <a:srgbClr val="000000"/>
                 </a:solidFill>
@@ -5144,7 +5191,7 @@
               </a:rPr>
               <a:t>readTry</a:t>
             </a:r>
-            <a:endParaRPr lang="fr-FR" sz="2000" b="0" strike="noStrike" spc="-1">
+            <a:endParaRPr lang="fr-FR" sz="2000" b="0" strike="noStrike" spc="-1" dirty="0">
               <a:solidFill>
                 <a:srgbClr val="000000"/>
               </a:solidFill>
@@ -5168,7 +5215,7 @@
               <a:buChar char="•"/>
             </a:pPr>
             <a:r>
-              <a:rPr lang="fr-FR" sz="2400" b="0" strike="noStrike" spc="-1">
+              <a:rPr lang="fr-FR" sz="2400" b="0" strike="noStrike" spc="-1" dirty="0" err="1">
                 <a:solidFill>
                   <a:srgbClr val="000000"/>
                 </a:solidFill>
@@ -5181,7 +5228,7 @@
               </a:rPr>
               <a:t>resource</a:t>
             </a:r>
-            <a:endParaRPr lang="fr-FR" sz="2000" b="0" strike="noStrike" spc="-1">
+            <a:endParaRPr lang="fr-FR" sz="2000" b="0" strike="noStrike" spc="-1" dirty="0">
               <a:solidFill>
                 <a:srgbClr val="000000"/>
               </a:solidFill>
@@ -5205,19 +5252,108 @@
               <a:buChar char="•"/>
             </a:pPr>
             <a:r>
-              <a:rPr lang="fr-FR" sz="2800" b="0" strike="noStrike" spc="-1">
-                <a:solidFill>
-                  <a:srgbClr val="000000"/>
-                </a:solidFill>
-                <a:uFill>
-                  <a:solidFill>
-                    <a:srgbClr val="FFFFFF"/>
-                  </a:solidFill>
-                </a:uFill>
-                <a:latin typeface="Calibri"/>
-              </a:rPr>
-              <a:t>Priorité</a:t>
-            </a:r>
+              <a:rPr lang="fr-FR" sz="2800" b="0" strike="noStrike" spc="-1" dirty="0">
+                <a:solidFill>
+                  <a:srgbClr val="000000"/>
+                </a:solidFill>
+                <a:uFill>
+                  <a:solidFill>
+                    <a:srgbClr val="FFFFFF"/>
+                  </a:solidFill>
+                </a:uFill>
+                <a:latin typeface="Calibri"/>
+              </a:rPr>
+              <a:t>3 zones :</a:t>
+            </a:r>
+          </a:p>
+          <a:p>
+            <a:pPr marL="685800" lvl="1" indent="-228240">
+              <a:lnSpc>
+                <a:spcPct val="90000"/>
+              </a:lnSpc>
+              <a:buClr>
+                <a:srgbClr val="000000"/>
+              </a:buClr>
+              <a:buFont typeface="Arial"/>
+              <a:buChar char="•"/>
+            </a:pPr>
+            <a:r>
+              <a:rPr lang="fr-FR" sz="2800" spc="-1" dirty="0">
+                <a:solidFill>
+                  <a:srgbClr val="000000"/>
+                </a:solidFill>
+                <a:uFill>
+                  <a:solidFill>
+                    <a:srgbClr val="FFFFFF"/>
+                  </a:solidFill>
+                </a:uFill>
+                <a:latin typeface="Calibri"/>
+              </a:rPr>
+              <a:t>Entry Section</a:t>
+            </a:r>
+          </a:p>
+          <a:p>
+            <a:pPr marL="685800" lvl="1" indent="-228240">
+              <a:lnSpc>
+                <a:spcPct val="90000"/>
+              </a:lnSpc>
+              <a:buClr>
+                <a:srgbClr val="000000"/>
+              </a:buClr>
+              <a:buFont typeface="Arial"/>
+              <a:buChar char="•"/>
+            </a:pPr>
+            <a:r>
+              <a:rPr lang="fr-FR" sz="2800" spc="-1" dirty="0">
+                <a:solidFill>
+                  <a:srgbClr val="000000"/>
+                </a:solidFill>
+                <a:uFill>
+                  <a:solidFill>
+                    <a:srgbClr val="FFFFFF"/>
+                  </a:solidFill>
+                </a:uFill>
+                <a:latin typeface="Calibri"/>
+              </a:rPr>
+              <a:t>Critical Section</a:t>
+            </a:r>
+          </a:p>
+          <a:p>
+            <a:pPr marL="685800" lvl="1" indent="-228240">
+              <a:lnSpc>
+                <a:spcPct val="90000"/>
+              </a:lnSpc>
+              <a:buClr>
+                <a:srgbClr val="000000"/>
+              </a:buClr>
+              <a:buFont typeface="Arial"/>
+              <a:buChar char="•"/>
+            </a:pPr>
+            <a:r>
+              <a:rPr lang="fr-FR" sz="2800" spc="-1" dirty="0">
+                <a:solidFill>
+                  <a:srgbClr val="000000"/>
+                </a:solidFill>
+                <a:uFill>
+                  <a:solidFill>
+                    <a:srgbClr val="FFFFFF"/>
+                  </a:solidFill>
+                </a:uFill>
+                <a:latin typeface="Calibri"/>
+              </a:rPr>
+              <a:t>Exit Section</a:t>
+            </a:r>
+            <a:endParaRPr lang="fr-FR" sz="2800" b="0" strike="noStrike" spc="-1" dirty="0">
+              <a:solidFill>
+                <a:srgbClr val="000000"/>
+              </a:solidFill>
+              <a:uFill>
+                <a:solidFill>
+                  <a:srgbClr val="FFFFFF"/>
+                </a:solidFill>
+              </a:uFill>
+              <a:latin typeface="Calibri"/>
+            </a:endParaRPr>
           </a:p>
           <a:p>
             <a:pPr marL="228600" indent="-228240">
@@ -5231,18 +5367,69 @@
               <a:buChar char="•"/>
             </a:pPr>
             <a:r>
-              <a:rPr lang="fr-FR" sz="2800" b="0" strike="noStrike" spc="-1">
-                <a:solidFill>
-                  <a:srgbClr val="000000"/>
-                </a:solidFill>
-                <a:uFill>
-                  <a:solidFill>
-                    <a:srgbClr val="FFFFFF"/>
-                  </a:solidFill>
-                </a:uFill>
-                <a:latin typeface="Calibri"/>
-              </a:rPr>
-              <a:t>Nombre clients max</a:t>
+              <a:rPr lang="fr-FR" sz="2800" b="0" strike="noStrike" spc="-1" dirty="0">
+                <a:solidFill>
+                  <a:srgbClr val="000000"/>
+                </a:solidFill>
+                <a:uFill>
+                  <a:solidFill>
+                    <a:srgbClr val="FFFFFF"/>
+                  </a:solidFill>
+                </a:uFill>
+                <a:latin typeface="Calibri"/>
+              </a:rPr>
+              <a:t>Priorité au </a:t>
+            </a:r>
+            <a:r>
+              <a:rPr lang="fr-FR" sz="2800" b="0" strike="noStrike" spc="-1" dirty="0" err="1">
+                <a:solidFill>
+                  <a:srgbClr val="000000"/>
+                </a:solidFill>
+                <a:uFill>
+                  <a:solidFill>
+                    <a:srgbClr val="FFFFFF"/>
+                  </a:solidFill>
+                </a:uFill>
+                <a:latin typeface="Calibri"/>
+              </a:rPr>
+              <a:t>writer</a:t>
+            </a:r>
+            <a:endParaRPr lang="fr-FR" sz="2800" b="0" strike="noStrike" spc="-1" dirty="0">
+              <a:solidFill>
+                <a:srgbClr val="000000"/>
+              </a:solidFill>
+              <a:uFill>
+                <a:solidFill>
+                  <a:srgbClr val="FFFFFF"/>
+                </a:solidFill>
+              </a:uFill>
+              <a:latin typeface="Calibri"/>
+            </a:endParaRPr>
+          </a:p>
+          <a:p>
+            <a:pPr marL="228600" indent="-228240">
+              <a:lnSpc>
+                <a:spcPct val="90000"/>
+              </a:lnSpc>
+              <a:buClr>
+                <a:srgbClr val="000000"/>
+              </a:buClr>
+              <a:buFont typeface="Arial"/>
+              <a:buChar char="•"/>
+            </a:pPr>
+            <a:r>
+              <a:rPr lang="fr-FR" sz="2800" b="0" strike="noStrike" spc="-1" dirty="0">
+                <a:solidFill>
+                  <a:srgbClr val="000000"/>
+                </a:solidFill>
+                <a:uFill>
+                  <a:solidFill>
+                    <a:srgbClr val="FFFFFF"/>
+                  </a:solidFill>
+                </a:uFill>
+                <a:latin typeface="Calibri"/>
+              </a:rPr>
+              <a:t>Nombre de clients max indéfini</a:t>
             </a:r>
           </a:p>
         </p:txBody>
@@ -5454,21 +5641,7 @@
                 </a:uFill>
                 <a:latin typeface="Calibri"/>
               </a:rPr>
-              <a:t>Retours à </a:t>
-            </a:r>
-            <a:r>
-              <a:rPr lang="fr-FR" sz="2800" b="0" strike="noStrike" spc="-1">
-                <a:solidFill>
-                  <a:srgbClr val="000000"/>
-                </a:solidFill>
-                <a:uFill>
-                  <a:solidFill>
-                    <a:srgbClr val="FFFFFF"/>
-                  </a:solidFill>
-                </a:uFill>
-                <a:latin typeface="Calibri"/>
-              </a:rPr>
-              <a:t>la ligne</a:t>
+              <a:t>Retours à la ligne lors de réception de messages</a:t>
             </a:r>
           </a:p>
           <a:p>
@@ -5562,7 +5735,7 @@
                 </a:uFill>
                 <a:latin typeface="Calibri"/>
               </a:rPr>
-              <a:t>Client plus lent que server</a:t>
+              <a:t>Client plus lent que le serveur</a:t>
             </a:r>
           </a:p>
           <a:p>
@@ -5732,18 +5905,214 @@
               <a:buChar char="•"/>
             </a:pPr>
             <a:r>
-              <a:rPr lang="fr-FR" sz="2800" b="0" strike="noStrike" spc="-1">
-                <a:solidFill>
-                  <a:srgbClr val="000000"/>
-                </a:solidFill>
-                <a:uFill>
-                  <a:solidFill>
-                    <a:srgbClr val="FFFFFF"/>
-                  </a:solidFill>
-                </a:uFill>
-                <a:latin typeface="Calibri"/>
-              </a:rPr>
-              <a:t>Reader(s) arriving while another reader is reading from the KV store</a:t>
+              <a:rPr lang="fr-FR" sz="2800" b="0" strike="noStrike" spc="-1" dirty="0">
+                <a:solidFill>
+                  <a:srgbClr val="000000"/>
+                </a:solidFill>
+                <a:uFill>
+                  <a:solidFill>
+                    <a:srgbClr val="FFFFFF"/>
+                  </a:solidFill>
+                </a:uFill>
+                <a:latin typeface="Calibri"/>
+              </a:rPr>
+              <a:t>Reader(s) </a:t>
+            </a:r>
+            <a:r>
+              <a:rPr lang="fr-FR" sz="2800" b="0" strike="noStrike" spc="-1" dirty="0" err="1">
+                <a:solidFill>
+                  <a:srgbClr val="000000"/>
+                </a:solidFill>
+                <a:uFill>
+                  <a:solidFill>
+                    <a:srgbClr val="FFFFFF"/>
+                  </a:solidFill>
+                </a:uFill>
+                <a:latin typeface="Calibri"/>
+              </a:rPr>
+              <a:t>arriving</a:t>
+            </a:r>
+            <a:r>
+              <a:rPr lang="fr-FR" sz="2800" b="0" strike="noStrike" spc="-1" dirty="0">
+                <a:solidFill>
+                  <a:srgbClr val="000000"/>
+                </a:solidFill>
+                <a:uFill>
+                  <a:solidFill>
+                    <a:srgbClr val="FFFFFF"/>
+                  </a:solidFill>
+                </a:uFill>
+                <a:latin typeface="Calibri"/>
+              </a:rPr>
+              <a:t> </a:t>
+            </a:r>
+            <a:r>
+              <a:rPr lang="fr-FR" sz="2800" b="0" strike="noStrike" spc="-1" dirty="0" err="1">
+                <a:solidFill>
+                  <a:srgbClr val="000000"/>
+                </a:solidFill>
+                <a:uFill>
+                  <a:solidFill>
+                    <a:srgbClr val="FFFFFF"/>
+                  </a:solidFill>
+                </a:uFill>
+                <a:latin typeface="Calibri"/>
+              </a:rPr>
+              <a:t>while</a:t>
+            </a:r>
+            <a:r>
+              <a:rPr lang="fr-FR" sz="2800" b="0" strike="noStrike" spc="-1" dirty="0">
+                <a:solidFill>
+                  <a:srgbClr val="000000"/>
+                </a:solidFill>
+                <a:uFill>
+                  <a:solidFill>
+                    <a:srgbClr val="FFFFFF"/>
+                  </a:solidFill>
+                </a:uFill>
+                <a:latin typeface="Calibri"/>
+              </a:rPr>
+              <a:t> </a:t>
+            </a:r>
+            <a:r>
+              <a:rPr lang="fr-FR" sz="2800" b="0" strike="noStrike" spc="-1" dirty="0" err="1">
+                <a:solidFill>
+                  <a:srgbClr val="000000"/>
+                </a:solidFill>
+                <a:uFill>
+                  <a:solidFill>
+                    <a:srgbClr val="FFFFFF"/>
+                  </a:solidFill>
+                </a:uFill>
+                <a:latin typeface="Calibri"/>
+              </a:rPr>
+              <a:t>another</a:t>
+            </a:r>
+            <a:r>
+              <a:rPr lang="fr-FR" sz="2800" b="0" strike="noStrike" spc="-1" dirty="0">
+                <a:solidFill>
+                  <a:srgbClr val="000000"/>
+                </a:solidFill>
+                <a:uFill>
+                  <a:solidFill>
+                    <a:srgbClr val="FFFFFF"/>
+                  </a:solidFill>
+                </a:uFill>
+                <a:latin typeface="Calibri"/>
+              </a:rPr>
+              <a:t> </a:t>
+            </a:r>
+            <a:r>
+              <a:rPr lang="fr-FR" sz="2800" b="0" strike="noStrike" spc="-1" dirty="0" err="1">
+                <a:solidFill>
+                  <a:srgbClr val="000000"/>
+                </a:solidFill>
+                <a:uFill>
+                  <a:solidFill>
+                    <a:srgbClr val="FFFFFF"/>
+                  </a:solidFill>
+                </a:uFill>
+                <a:latin typeface="Calibri"/>
+              </a:rPr>
+              <a:t>reader</a:t>
+            </a:r>
+            <a:r>
+              <a:rPr lang="fr-FR" sz="2800" b="0" strike="noStrike" spc="-1" dirty="0">
+                <a:solidFill>
+                  <a:srgbClr val="000000"/>
+                </a:solidFill>
+                <a:uFill>
+                  <a:solidFill>
+                    <a:srgbClr val="FFFFFF"/>
+                  </a:solidFill>
+                </a:uFill>
+                <a:latin typeface="Calibri"/>
+              </a:rPr>
+              <a:t> </a:t>
+            </a:r>
+            <a:r>
+              <a:rPr lang="fr-FR" sz="2800" b="0" strike="noStrike" spc="-1" dirty="0" err="1">
+                <a:solidFill>
+                  <a:srgbClr val="000000"/>
+                </a:solidFill>
+                <a:uFill>
+                  <a:solidFill>
+                    <a:srgbClr val="FFFFFF"/>
+                  </a:solidFill>
+                </a:uFill>
+                <a:latin typeface="Calibri"/>
+              </a:rPr>
+              <a:t>is</a:t>
+            </a:r>
+            <a:r>
+              <a:rPr lang="fr-FR" sz="2800" b="0" strike="noStrike" spc="-1" dirty="0">
+                <a:solidFill>
+                  <a:srgbClr val="000000"/>
+                </a:solidFill>
+                <a:uFill>
+                  <a:solidFill>
+                    <a:srgbClr val="FFFFFF"/>
+                  </a:solidFill>
+                </a:uFill>
+                <a:latin typeface="Calibri"/>
+              </a:rPr>
+              <a:t> </a:t>
+            </a:r>
+            <a:r>
+              <a:rPr lang="fr-FR" sz="2800" b="0" strike="noStrike" spc="-1" dirty="0" err="1">
+                <a:solidFill>
+                  <a:srgbClr val="000000"/>
+                </a:solidFill>
+                <a:uFill>
+                  <a:solidFill>
+                    <a:srgbClr val="FFFFFF"/>
+                  </a:solidFill>
+                </a:uFill>
+                <a:latin typeface="Calibri"/>
+              </a:rPr>
+              <a:t>reading</a:t>
+            </a:r>
+            <a:r>
+              <a:rPr lang="fr-FR" sz="2800" b="0" strike="noStrike" spc="-1" dirty="0">
+                <a:solidFill>
+                  <a:srgbClr val="000000"/>
+                </a:solidFill>
+                <a:uFill>
+                  <a:solidFill>
+                    <a:srgbClr val="FFFFFF"/>
+                  </a:solidFill>
+                </a:uFill>
+                <a:latin typeface="Calibri"/>
+              </a:rPr>
+              <a:t> </a:t>
+            </a:r>
+            <a:r>
+              <a:rPr lang="fr-FR" sz="2800" b="0" strike="noStrike" spc="-1" dirty="0" err="1">
+                <a:solidFill>
+                  <a:srgbClr val="000000"/>
+                </a:solidFill>
+                <a:uFill>
+                  <a:solidFill>
+                    <a:srgbClr val="FFFFFF"/>
+                  </a:solidFill>
+                </a:uFill>
+                <a:latin typeface="Calibri"/>
+              </a:rPr>
+              <a:t>from</a:t>
+            </a:r>
+            <a:r>
+              <a:rPr lang="fr-FR" sz="2800" b="0" strike="noStrike" spc="-1" dirty="0">
+                <a:solidFill>
+                  <a:srgbClr val="000000"/>
+                </a:solidFill>
+                <a:uFill>
+                  <a:solidFill>
+                    <a:srgbClr val="FFFFFF"/>
+                  </a:solidFill>
+                </a:uFill>
+                <a:latin typeface="Calibri"/>
+              </a:rPr>
+              <a:t> the KV store</a:t>
             </a:r>
           </a:p>
           <a:p>
@@ -5758,18 +6127,200 @@
               <a:buChar char="•"/>
             </a:pPr>
             <a:r>
-              <a:rPr lang="fr-FR" sz="2800" b="0" strike="noStrike" spc="-1">
-                <a:solidFill>
-                  <a:srgbClr val="000000"/>
-                </a:solidFill>
-                <a:uFill>
-                  <a:solidFill>
-                    <a:srgbClr val="FFFFFF"/>
-                  </a:solidFill>
-                </a:uFill>
-                <a:latin typeface="Calibri"/>
-              </a:rPr>
-              <a:t>Writer(s) arriving while another writer is writing in the KV store</a:t>
+              <a:rPr lang="fr-FR" sz="2800" b="0" strike="noStrike" spc="-1" dirty="0" err="1">
+                <a:solidFill>
+                  <a:srgbClr val="000000"/>
+                </a:solidFill>
+                <a:uFill>
+                  <a:solidFill>
+                    <a:srgbClr val="FFFFFF"/>
+                  </a:solidFill>
+                </a:uFill>
+                <a:latin typeface="Calibri"/>
+              </a:rPr>
+              <a:t>Writer</a:t>
+            </a:r>
+            <a:r>
+              <a:rPr lang="fr-FR" sz="2800" b="0" strike="noStrike" spc="-1" dirty="0">
+                <a:solidFill>
+                  <a:srgbClr val="000000"/>
+                </a:solidFill>
+                <a:uFill>
+                  <a:solidFill>
+                    <a:srgbClr val="FFFFFF"/>
+                  </a:solidFill>
+                </a:uFill>
+                <a:latin typeface="Calibri"/>
+              </a:rPr>
+              <a:t>(s) </a:t>
+            </a:r>
+            <a:r>
+              <a:rPr lang="fr-FR" sz="2800" b="0" strike="noStrike" spc="-1" dirty="0" err="1">
+                <a:solidFill>
+                  <a:srgbClr val="000000"/>
+                </a:solidFill>
+                <a:uFill>
+                  <a:solidFill>
+                    <a:srgbClr val="FFFFFF"/>
+                  </a:solidFill>
+                </a:uFill>
+                <a:latin typeface="Calibri"/>
+              </a:rPr>
+              <a:t>arriving</a:t>
+            </a:r>
+            <a:r>
+              <a:rPr lang="fr-FR" sz="2800" b="0" strike="noStrike" spc="-1" dirty="0">
+                <a:solidFill>
+                  <a:srgbClr val="000000"/>
+                </a:solidFill>
+                <a:uFill>
+                  <a:solidFill>
+                    <a:srgbClr val="FFFFFF"/>
+                  </a:solidFill>
+                </a:uFill>
+                <a:latin typeface="Calibri"/>
+              </a:rPr>
+              <a:t> </a:t>
+            </a:r>
+            <a:r>
+              <a:rPr lang="fr-FR" sz="2800" b="0" strike="noStrike" spc="-1" dirty="0" err="1">
+                <a:solidFill>
+                  <a:srgbClr val="000000"/>
+                </a:solidFill>
+                <a:uFill>
+                  <a:solidFill>
+                    <a:srgbClr val="FFFFFF"/>
+                  </a:solidFill>
+                </a:uFill>
+                <a:latin typeface="Calibri"/>
+              </a:rPr>
+              <a:t>while</a:t>
+            </a:r>
+            <a:r>
+              <a:rPr lang="fr-FR" sz="2800" b="0" strike="noStrike" spc="-1" dirty="0">
+                <a:solidFill>
+                  <a:srgbClr val="000000"/>
+                </a:solidFill>
+                <a:uFill>
+                  <a:solidFill>
+                    <a:srgbClr val="FFFFFF"/>
+                  </a:solidFill>
+                </a:uFill>
+                <a:latin typeface="Calibri"/>
+              </a:rPr>
+              <a:t> </a:t>
+            </a:r>
+            <a:r>
+              <a:rPr lang="fr-FR" sz="2800" b="0" strike="noStrike" spc="-1" dirty="0" err="1">
+                <a:solidFill>
+                  <a:srgbClr val="000000"/>
+                </a:solidFill>
+                <a:uFill>
+                  <a:solidFill>
+                    <a:srgbClr val="FFFFFF"/>
+                  </a:solidFill>
+                </a:uFill>
+                <a:latin typeface="Calibri"/>
+              </a:rPr>
+              <a:t>another</a:t>
+            </a:r>
+            <a:r>
+              <a:rPr lang="fr-FR" sz="2800" b="0" strike="noStrike" spc="-1" dirty="0">
+                <a:solidFill>
+                  <a:srgbClr val="000000"/>
+                </a:solidFill>
+                <a:uFill>
+                  <a:solidFill>
+                    <a:srgbClr val="FFFFFF"/>
+                  </a:solidFill>
+                </a:uFill>
+                <a:latin typeface="Calibri"/>
+              </a:rPr>
+              <a:t> </a:t>
+            </a:r>
+            <a:r>
+              <a:rPr lang="fr-FR" sz="2800" b="0" strike="noStrike" spc="-1" dirty="0" err="1">
+                <a:solidFill>
+                  <a:srgbClr val="000000"/>
+                </a:solidFill>
+                <a:uFill>
+                  <a:solidFill>
+                    <a:srgbClr val="FFFFFF"/>
+                  </a:solidFill>
+                </a:uFill>
+                <a:latin typeface="Calibri"/>
+              </a:rPr>
+              <a:t>writer</a:t>
+            </a:r>
+            <a:r>
+              <a:rPr lang="fr-FR" sz="2800" b="0" strike="noStrike" spc="-1" dirty="0">
+                <a:solidFill>
+                  <a:srgbClr val="000000"/>
+                </a:solidFill>
+                <a:uFill>
+                  <a:solidFill>
+                    <a:srgbClr val="FFFFFF"/>
+                  </a:solidFill>
+                </a:uFill>
+                <a:latin typeface="Calibri"/>
+              </a:rPr>
+              <a:t> </a:t>
+            </a:r>
+            <a:r>
+              <a:rPr lang="fr-FR" sz="2800" b="0" strike="noStrike" spc="-1" dirty="0" err="1">
+                <a:solidFill>
+                  <a:srgbClr val="000000"/>
+                </a:solidFill>
+                <a:uFill>
+                  <a:solidFill>
+                    <a:srgbClr val="FFFFFF"/>
+                  </a:solidFill>
+                </a:uFill>
+                <a:latin typeface="Calibri"/>
+              </a:rPr>
+              <a:t>is</a:t>
+            </a:r>
+            <a:r>
+              <a:rPr lang="fr-FR" sz="2800" b="0" strike="noStrike" spc="-1" dirty="0">
+                <a:solidFill>
+                  <a:srgbClr val="000000"/>
+                </a:solidFill>
+                <a:uFill>
+                  <a:solidFill>
+                    <a:srgbClr val="FFFFFF"/>
+                  </a:solidFill>
+                </a:uFill>
+                <a:latin typeface="Calibri"/>
+              </a:rPr>
+              <a:t> </a:t>
+            </a:r>
+            <a:r>
+              <a:rPr lang="fr-FR" sz="2800" b="0" strike="noStrike" spc="-1" dirty="0" err="1">
+                <a:solidFill>
+                  <a:srgbClr val="000000"/>
+                </a:solidFill>
+                <a:uFill>
+                  <a:solidFill>
+                    <a:srgbClr val="FFFFFF"/>
+                  </a:solidFill>
+                </a:uFill>
+                <a:latin typeface="Calibri"/>
+              </a:rPr>
+              <a:t>writing</a:t>
+            </a:r>
+            <a:r>
+              <a:rPr lang="fr-FR" sz="2800" b="0" strike="noStrike" spc="-1" dirty="0">
+                <a:solidFill>
+                  <a:srgbClr val="000000"/>
+                </a:solidFill>
+                <a:uFill>
+                  <a:solidFill>
+                    <a:srgbClr val="FFFFFF"/>
+                  </a:solidFill>
+                </a:uFill>
+                <a:latin typeface="Calibri"/>
+              </a:rPr>
+              <a:t> in the KV store</a:t>
             </a:r>
           </a:p>
           <a:p>
@@ -5784,18 +6335,172 @@
               <a:buChar char="•"/>
             </a:pPr>
             <a:r>
-              <a:rPr lang="fr-FR" sz="2800" b="0" strike="noStrike" spc="-1">
-                <a:solidFill>
-                  <a:srgbClr val="000000"/>
-                </a:solidFill>
-                <a:uFill>
-                  <a:solidFill>
-                    <a:srgbClr val="FFFFFF"/>
-                  </a:solidFill>
-                </a:uFill>
-                <a:latin typeface="Calibri"/>
-              </a:rPr>
-              <a:t>Writer(s) arriving while readers are reading from the KV store</a:t>
+              <a:rPr lang="fr-FR" sz="2800" b="0" strike="noStrike" spc="-1" dirty="0" err="1">
+                <a:solidFill>
+                  <a:srgbClr val="000000"/>
+                </a:solidFill>
+                <a:uFill>
+                  <a:solidFill>
+                    <a:srgbClr val="FFFFFF"/>
+                  </a:solidFill>
+                </a:uFill>
+                <a:latin typeface="Calibri"/>
+              </a:rPr>
+              <a:t>Writer</a:t>
+            </a:r>
+            <a:r>
+              <a:rPr lang="fr-FR" sz="2800" b="0" strike="noStrike" spc="-1" dirty="0">
+                <a:solidFill>
+                  <a:srgbClr val="000000"/>
+                </a:solidFill>
+                <a:uFill>
+                  <a:solidFill>
+                    <a:srgbClr val="FFFFFF"/>
+                  </a:solidFill>
+                </a:uFill>
+                <a:latin typeface="Calibri"/>
+              </a:rPr>
+              <a:t>(s) </a:t>
+            </a:r>
+            <a:r>
+              <a:rPr lang="fr-FR" sz="2800" b="0" strike="noStrike" spc="-1" dirty="0" err="1">
+                <a:solidFill>
+                  <a:srgbClr val="000000"/>
+                </a:solidFill>
+                <a:uFill>
+                  <a:solidFill>
+                    <a:srgbClr val="FFFFFF"/>
+                  </a:solidFill>
+                </a:uFill>
+                <a:latin typeface="Calibri"/>
+              </a:rPr>
+              <a:t>arriving</a:t>
+            </a:r>
+            <a:r>
+              <a:rPr lang="fr-FR" sz="2800" b="0" strike="noStrike" spc="-1" dirty="0">
+                <a:solidFill>
+                  <a:srgbClr val="000000"/>
+                </a:solidFill>
+                <a:uFill>
+                  <a:solidFill>
+                    <a:srgbClr val="FFFFFF"/>
+                  </a:solidFill>
+                </a:uFill>
+                <a:latin typeface="Calibri"/>
+              </a:rPr>
+              <a:t> </a:t>
+            </a:r>
+            <a:r>
+              <a:rPr lang="fr-FR" sz="2800" b="0" strike="noStrike" spc="-1" dirty="0" err="1">
+                <a:solidFill>
+                  <a:srgbClr val="000000"/>
+                </a:solidFill>
+                <a:uFill>
+                  <a:solidFill>
+                    <a:srgbClr val="FFFFFF"/>
+                  </a:solidFill>
+                </a:uFill>
+                <a:latin typeface="Calibri"/>
+              </a:rPr>
+              <a:t>while</a:t>
+            </a:r>
+            <a:r>
+              <a:rPr lang="fr-FR" sz="2800" b="0" strike="noStrike" spc="-1" dirty="0">
+                <a:solidFill>
+                  <a:srgbClr val="000000"/>
+                </a:solidFill>
+                <a:uFill>
+                  <a:solidFill>
+                    <a:srgbClr val="FFFFFF"/>
+                  </a:solidFill>
+                </a:uFill>
+                <a:latin typeface="Calibri"/>
+              </a:rPr>
+              <a:t> </a:t>
+            </a:r>
+            <a:r>
+              <a:rPr lang="fr-FR" sz="2800" b="0" strike="noStrike" spc="-1" dirty="0" err="1">
+                <a:solidFill>
+                  <a:srgbClr val="000000"/>
+                </a:solidFill>
+                <a:uFill>
+                  <a:solidFill>
+                    <a:srgbClr val="FFFFFF"/>
+                  </a:solidFill>
+                </a:uFill>
+                <a:latin typeface="Calibri"/>
+              </a:rPr>
+              <a:t>readers</a:t>
+            </a:r>
+            <a:r>
+              <a:rPr lang="fr-FR" sz="2800" b="0" strike="noStrike" spc="-1" dirty="0">
+                <a:solidFill>
+                  <a:srgbClr val="000000"/>
+                </a:solidFill>
+                <a:uFill>
+                  <a:solidFill>
+                    <a:srgbClr val="FFFFFF"/>
+                  </a:solidFill>
+                </a:uFill>
+                <a:latin typeface="Calibri"/>
+              </a:rPr>
+              <a:t> are </a:t>
+            </a:r>
+            <a:r>
+              <a:rPr lang="fr-FR" sz="2800" b="0" strike="noStrike" spc="-1" dirty="0" err="1">
+                <a:solidFill>
+                  <a:srgbClr val="000000"/>
+                </a:solidFill>
+                <a:uFill>
+                  <a:solidFill>
+                    <a:srgbClr val="FFFFFF"/>
+                  </a:solidFill>
+                </a:uFill>
+                <a:latin typeface="Calibri"/>
+              </a:rPr>
+              <a:t>reading</a:t>
+            </a:r>
+            <a:r>
+              <a:rPr lang="fr-FR" sz="2800" b="0" strike="noStrike" spc="-1" dirty="0">
+                <a:solidFill>
+                  <a:srgbClr val="000000"/>
+                </a:solidFill>
+                <a:uFill>
+                  <a:solidFill>
+                    <a:srgbClr val="FFFFFF"/>
+                  </a:solidFill>
+                </a:uFill>
+                <a:latin typeface="Calibri"/>
+              </a:rPr>
+              <a:t> </a:t>
+            </a:r>
+            <a:r>
+              <a:rPr lang="fr-FR" sz="2800" b="0" strike="noStrike" spc="-1" dirty="0" err="1">
+                <a:solidFill>
+                  <a:srgbClr val="000000"/>
+                </a:solidFill>
+                <a:uFill>
+                  <a:solidFill>
+                    <a:srgbClr val="FFFFFF"/>
+                  </a:solidFill>
+                </a:uFill>
+                <a:latin typeface="Calibri"/>
+              </a:rPr>
+              <a:t>from</a:t>
+            </a:r>
+            <a:r>
+              <a:rPr lang="fr-FR" sz="2800" b="0" strike="noStrike" spc="-1" dirty="0">
+                <a:solidFill>
+                  <a:srgbClr val="000000"/>
+                </a:solidFill>
+                <a:uFill>
+                  <a:solidFill>
+                    <a:srgbClr val="FFFFFF"/>
+                  </a:solidFill>
+                </a:uFill>
+                <a:latin typeface="Calibri"/>
+              </a:rPr>
+              <a:t> the KV store</a:t>
             </a:r>
           </a:p>
           <a:p>
@@ -5810,18 +6515,158 @@
               <a:buChar char="•"/>
             </a:pPr>
             <a:r>
-              <a:rPr lang="fr-FR" sz="2800" b="0" strike="noStrike" spc="-1">
-                <a:solidFill>
-                  <a:srgbClr val="000000"/>
-                </a:solidFill>
-                <a:uFill>
-                  <a:solidFill>
-                    <a:srgbClr val="FFFFFF"/>
-                  </a:solidFill>
-                </a:uFill>
-                <a:latin typeface="Calibri"/>
-              </a:rPr>
-              <a:t>Reader(s) arriving while a writer is writing in the KV store</a:t>
+              <a:rPr lang="fr-FR" sz="2800" b="0" strike="noStrike" spc="-1" dirty="0">
+                <a:solidFill>
+                  <a:srgbClr val="000000"/>
+                </a:solidFill>
+                <a:uFill>
+                  <a:solidFill>
+                    <a:srgbClr val="FFFFFF"/>
+                  </a:solidFill>
+                </a:uFill>
+                <a:latin typeface="Calibri"/>
+              </a:rPr>
+              <a:t>Reader(s) </a:t>
+            </a:r>
+            <a:r>
+              <a:rPr lang="fr-FR" sz="2800" b="0" strike="noStrike" spc="-1" dirty="0" err="1">
+                <a:solidFill>
+                  <a:srgbClr val="000000"/>
+                </a:solidFill>
+                <a:uFill>
+                  <a:solidFill>
+                    <a:srgbClr val="FFFFFF"/>
+                  </a:solidFill>
+                </a:uFill>
+                <a:latin typeface="Calibri"/>
+              </a:rPr>
+              <a:t>arriving</a:t>
+            </a:r>
+            <a:r>
+              <a:rPr lang="fr-FR" sz="2800" b="0" strike="noStrike" spc="-1" dirty="0">
+                <a:solidFill>
+                  <a:srgbClr val="000000"/>
+                </a:solidFill>
+                <a:uFill>
+                  <a:solidFill>
+                    <a:srgbClr val="FFFFFF"/>
+                  </a:solidFill>
+                </a:uFill>
+                <a:latin typeface="Calibri"/>
+              </a:rPr>
+              <a:t> </a:t>
+            </a:r>
+            <a:r>
+              <a:rPr lang="fr-FR" sz="2800" b="0" strike="noStrike" spc="-1" dirty="0" err="1">
+                <a:solidFill>
+                  <a:srgbClr val="000000"/>
+                </a:solidFill>
+                <a:uFill>
+                  <a:solidFill>
+                    <a:srgbClr val="FFFFFF"/>
+                  </a:solidFill>
+                </a:uFill>
+                <a:latin typeface="Calibri"/>
+              </a:rPr>
+              <a:t>while</a:t>
+            </a:r>
+            <a:r>
+              <a:rPr lang="fr-FR" sz="2800" b="0" strike="noStrike" spc="-1" dirty="0">
+                <a:solidFill>
+                  <a:srgbClr val="000000"/>
+                </a:solidFill>
+                <a:uFill>
+                  <a:solidFill>
+                    <a:srgbClr val="FFFFFF"/>
+                  </a:solidFill>
+                </a:uFill>
+                <a:latin typeface="Calibri"/>
+              </a:rPr>
+              <a:t> a </a:t>
+            </a:r>
+            <a:r>
+              <a:rPr lang="fr-FR" sz="2800" b="0" strike="noStrike" spc="-1" dirty="0" err="1">
+                <a:solidFill>
+                  <a:srgbClr val="000000"/>
+                </a:solidFill>
+                <a:uFill>
+                  <a:solidFill>
+                    <a:srgbClr val="FFFFFF"/>
+                  </a:solidFill>
+                </a:uFill>
+                <a:latin typeface="Calibri"/>
+              </a:rPr>
+              <a:t>writer</a:t>
+            </a:r>
+            <a:r>
+              <a:rPr lang="fr-FR" sz="2800" b="0" strike="noStrike" spc="-1" dirty="0">
+                <a:solidFill>
+                  <a:srgbClr val="000000"/>
+                </a:solidFill>
+                <a:uFill>
+                  <a:solidFill>
+                    <a:srgbClr val="FFFFFF"/>
+                  </a:solidFill>
+                </a:uFill>
+                <a:latin typeface="Calibri"/>
+              </a:rPr>
+              <a:t> </a:t>
+            </a:r>
+            <a:r>
+              <a:rPr lang="fr-FR" sz="2800" b="0" strike="noStrike" spc="-1" dirty="0" err="1">
+                <a:solidFill>
+                  <a:srgbClr val="000000"/>
+                </a:solidFill>
+                <a:uFill>
+                  <a:solidFill>
+                    <a:srgbClr val="FFFFFF"/>
+                  </a:solidFill>
+                </a:uFill>
+                <a:latin typeface="Calibri"/>
+              </a:rPr>
+              <a:t>is</a:t>
+            </a:r>
+            <a:r>
+              <a:rPr lang="fr-FR" sz="2800" b="0" strike="noStrike" spc="-1" dirty="0">
+                <a:solidFill>
+                  <a:srgbClr val="000000"/>
+                </a:solidFill>
+                <a:uFill>
+                  <a:solidFill>
+                    <a:srgbClr val="FFFFFF"/>
+                  </a:solidFill>
+                </a:uFill>
+                <a:latin typeface="Calibri"/>
+              </a:rPr>
+              <a:t> </a:t>
+            </a:r>
+            <a:r>
+              <a:rPr lang="fr-FR" sz="2800" b="0" strike="noStrike" spc="-1" dirty="0" err="1">
+                <a:solidFill>
+                  <a:srgbClr val="000000"/>
+                </a:solidFill>
+                <a:uFill>
+                  <a:solidFill>
+                    <a:srgbClr val="FFFFFF"/>
+                  </a:solidFill>
+                </a:uFill>
+                <a:latin typeface="Calibri"/>
+              </a:rPr>
+              <a:t>writing</a:t>
+            </a:r>
+            <a:r>
+              <a:rPr lang="fr-FR" sz="2800" b="0" strike="noStrike" spc="-1" dirty="0">
+                <a:solidFill>
+                  <a:srgbClr val="000000"/>
+                </a:solidFill>
+                <a:uFill>
+                  <a:solidFill>
+                    <a:srgbClr val="FFFFFF"/>
+                  </a:solidFill>
+                </a:uFill>
+                <a:latin typeface="Calibri"/>
+              </a:rPr>
+              <a:t> in the KV store</a:t>
             </a:r>
           </a:p>
         </p:txBody>
@@ -6932,18 +7777,46 @@
               <a:buChar char="•"/>
             </a:pPr>
             <a:r>
-              <a:rPr lang="fr-FR" sz="2800" b="0" strike="noStrike" spc="-1">
-                <a:solidFill>
-                  <a:srgbClr val="000000"/>
-                </a:solidFill>
-                <a:uFill>
-                  <a:solidFill>
-                    <a:srgbClr val="FFFFFF"/>
-                  </a:solidFill>
-                </a:uFill>
-                <a:latin typeface="Calibri"/>
-              </a:rPr>
-              <a:t>Minimal Feature Set </a:t>
+              <a:rPr lang="fr-FR" sz="2800" b="0" strike="noStrike" spc="-1" dirty="0">
+                <a:solidFill>
+                  <a:srgbClr val="000000"/>
+                </a:solidFill>
+                <a:uFill>
+                  <a:solidFill>
+                    <a:srgbClr val="FFFFFF"/>
+                  </a:solidFill>
+                </a:uFill>
+                <a:latin typeface="Calibri"/>
+              </a:rPr>
+              <a:t>Minimal </a:t>
+            </a:r>
+            <a:r>
+              <a:rPr lang="fr-FR" sz="2800" b="0" strike="noStrike" spc="-1" dirty="0" err="1">
+                <a:solidFill>
+                  <a:srgbClr val="000000"/>
+                </a:solidFill>
+                <a:uFill>
+                  <a:solidFill>
+                    <a:srgbClr val="FFFFFF"/>
+                  </a:solidFill>
+                </a:uFill>
+                <a:latin typeface="Calibri"/>
+              </a:rPr>
+              <a:t>Feature</a:t>
+            </a:r>
+            <a:r>
+              <a:rPr lang="fr-FR" sz="2800" b="0" strike="noStrike" spc="-1" dirty="0">
+                <a:solidFill>
+                  <a:srgbClr val="000000"/>
+                </a:solidFill>
+                <a:uFill>
+                  <a:solidFill>
+                    <a:srgbClr val="FFFFFF"/>
+                  </a:solidFill>
+                </a:uFill>
+                <a:latin typeface="Calibri"/>
+              </a:rPr>
+              <a:t> Set </a:t>
             </a:r>
           </a:p>
           <a:p>
@@ -6958,7 +7831,7 @@
               <a:buChar char="•"/>
             </a:pPr>
             <a:r>
-              <a:rPr lang="fr-FR" sz="2400" b="0" strike="noStrike" spc="-1">
+              <a:rPr lang="fr-FR" sz="2400" b="0" strike="noStrike" spc="-1" dirty="0">
                 <a:solidFill>
                   <a:srgbClr val="000000"/>
                 </a:solidFill>
@@ -6971,7 +7844,7 @@
               </a:rPr>
               <a:t>TCP sockets: lire et écrire</a:t>
             </a:r>
-            <a:endParaRPr lang="fr-FR" sz="2000" b="0" strike="noStrike" spc="-1">
+            <a:endParaRPr lang="fr-FR" sz="2000" b="0" strike="noStrike" spc="-1" dirty="0">
               <a:solidFill>
                 <a:srgbClr val="000000"/>
               </a:solidFill>
@@ -6995,7 +7868,7 @@
               <a:buChar char="•"/>
             </a:pPr>
             <a:r>
-              <a:rPr lang="fr-FR" sz="2400" b="0" strike="noStrike" spc="-1">
+              <a:rPr lang="fr-FR" sz="2400" b="0" strike="noStrike" spc="-1" dirty="0">
                 <a:solidFill>
                   <a:srgbClr val="000000"/>
                 </a:solidFill>
@@ -7008,7 +7881,7 @@
               </a:rPr>
               <a:t>Utilisation de plusieurs threads</a:t>
             </a:r>
-            <a:endParaRPr lang="fr-FR" sz="2000" b="0" strike="noStrike" spc="-1">
+            <a:endParaRPr lang="fr-FR" sz="2000" b="0" strike="noStrike" spc="-1" dirty="0">
               <a:solidFill>
                 <a:srgbClr val="000000"/>
               </a:solidFill>
@@ -7032,20 +7905,62 @@
               <a:buChar char="•"/>
             </a:pPr>
             <a:r>
-              <a:rPr lang="fr-FR" sz="2400" b="0" strike="noStrike" spc="-1">
-                <a:solidFill>
-                  <a:srgbClr val="000000"/>
-                </a:solidFill>
-                <a:uFill>
-                  <a:solidFill>
-                    <a:srgbClr val="FFFFFF"/>
-                  </a:solidFill>
-                </a:uFill>
-                <a:latin typeface="Calibri"/>
-              </a:rPr>
-              <a:t>Accès simultané de plusieurs readers et writers</a:t>
-            </a:r>
-            <a:endParaRPr lang="fr-FR" sz="2000" b="0" strike="noStrike" spc="-1">
+              <a:rPr lang="fr-FR" sz="2400" b="0" strike="noStrike" spc="-1" dirty="0">
+                <a:solidFill>
+                  <a:srgbClr val="000000"/>
+                </a:solidFill>
+                <a:uFill>
+                  <a:solidFill>
+                    <a:srgbClr val="FFFFFF"/>
+                  </a:solidFill>
+                </a:uFill>
+                <a:latin typeface="Calibri"/>
+              </a:rPr>
+              <a:t>Accès simultané de plusieurs </a:t>
+            </a:r>
+            <a:r>
+              <a:rPr lang="fr-FR" sz="2400" b="0" strike="noStrike" spc="-1" dirty="0" err="1">
+                <a:solidFill>
+                  <a:srgbClr val="000000"/>
+                </a:solidFill>
+                <a:uFill>
+                  <a:solidFill>
+                    <a:srgbClr val="FFFFFF"/>
+                  </a:solidFill>
+                </a:uFill>
+                <a:latin typeface="Calibri"/>
+              </a:rPr>
+              <a:t>readers</a:t>
+            </a:r>
+            <a:r>
+              <a:rPr lang="fr-FR" sz="2400" b="0" strike="noStrike" spc="-1" dirty="0">
+                <a:solidFill>
+                  <a:srgbClr val="000000"/>
+                </a:solidFill>
+                <a:uFill>
+                  <a:solidFill>
+                    <a:srgbClr val="FFFFFF"/>
+                  </a:solidFill>
+                </a:uFill>
+                <a:latin typeface="Calibri"/>
+              </a:rPr>
+              <a:t> et </a:t>
+            </a:r>
+            <a:r>
+              <a:rPr lang="fr-FR" sz="2400" b="0" strike="noStrike" spc="-1" dirty="0" err="1">
+                <a:solidFill>
+                  <a:srgbClr val="000000"/>
+                </a:solidFill>
+                <a:uFill>
+                  <a:solidFill>
+                    <a:srgbClr val="FFFFFF"/>
+                  </a:solidFill>
+                </a:uFill>
+                <a:latin typeface="Calibri"/>
+              </a:rPr>
+              <a:t>writers</a:t>
+            </a:r>
+            <a:endParaRPr lang="fr-FR" sz="2000" b="0" strike="noStrike" spc="-1" dirty="0">
               <a:solidFill>
                 <a:srgbClr val="000000"/>
               </a:solidFill>
@@ -7069,7 +7984,7 @@
               <a:buChar char="•"/>
             </a:pPr>
             <a:r>
-              <a:rPr lang="fr-FR" sz="2400" b="0" strike="noStrike" spc="-1">
+              <a:rPr lang="fr-FR" sz="2400" b="0" strike="noStrike" spc="-1" dirty="0">
                 <a:solidFill>
                   <a:srgbClr val="000000"/>
                 </a:solidFill>
@@ -7082,20 +7997,20 @@
               </a:rPr>
               <a:t>Fichiers de test automatisé</a:t>
             </a:r>
-            <a:endParaRPr lang="fr-FR" sz="2000" b="0" strike="noStrike" spc="-1">
-              <a:solidFill>
-                <a:srgbClr val="000000"/>
-              </a:solidFill>
-              <a:uFill>
-                <a:solidFill>
-                  <a:srgbClr val="FFFFFF"/>
-                </a:solidFill>
-              </a:uFill>
-              <a:latin typeface="Calibri"/>
-            </a:endParaRPr>
-          </a:p>
-          <a:p>
-            <a:endParaRPr lang="fr-FR" sz="2800" b="0" strike="noStrike" spc="-1">
+            <a:endParaRPr lang="fr-FR" sz="2000" b="0" strike="noStrike" spc="-1" dirty="0">
+              <a:solidFill>
+                <a:srgbClr val="000000"/>
+              </a:solidFill>
+              <a:uFill>
+                <a:solidFill>
+                  <a:srgbClr val="FFFFFF"/>
+                </a:solidFill>
+              </a:uFill>
+              <a:latin typeface="Calibri"/>
+            </a:endParaRPr>
+          </a:p>
+          <a:p>
+            <a:endParaRPr lang="fr-FR" sz="2800" b="0" strike="noStrike" spc="-1" dirty="0">
               <a:solidFill>
                 <a:srgbClr val="000000"/>
               </a:solidFill>
@@ -7770,7 +8685,7 @@
                 <a:spcPct val="90000"/>
               </a:lnSpc>
             </a:pPr>
-            <a:endParaRPr lang="fr-FR" sz="2800" b="0" strike="noStrike" spc="-1">
+            <a:endParaRPr lang="fr-FR" sz="2800" b="0" strike="noStrike" spc="-1" dirty="0">
               <a:solidFill>
                 <a:srgbClr val="000000"/>
               </a:solidFill>
@@ -7794,19 +8709,44 @@
               <a:buChar char="•"/>
             </a:pPr>
             <a:r>
-              <a:rPr lang="fr-FR" sz="2800" b="0" strike="noStrike" spc="-1">
-                <a:solidFill>
-                  <a:srgbClr val="000000"/>
-                </a:solidFill>
-                <a:uFill>
-                  <a:solidFill>
-                    <a:srgbClr val="FFFFFF"/>
-                  </a:solidFill>
-                </a:uFill>
-                <a:latin typeface="Calibri"/>
-              </a:rPr>
-              <a:t>Simple, ordonné, syncro</a:t>
-            </a:r>
+              <a:rPr lang="fr-FR" sz="2800" b="0" strike="noStrike" spc="-1" dirty="0">
+                <a:solidFill>
+                  <a:srgbClr val="000000"/>
+                </a:solidFill>
+                <a:uFill>
+                  <a:solidFill>
+                    <a:srgbClr val="FFFFFF"/>
+                  </a:solidFill>
+                </a:uFill>
+                <a:latin typeface="Calibri"/>
+              </a:rPr>
+              <a:t>Simple, ordonné, </a:t>
+            </a:r>
+            <a:r>
+              <a:rPr lang="fr-FR" sz="2800" b="0" strike="noStrike" spc="-1" dirty="0" err="1">
+                <a:solidFill>
+                  <a:srgbClr val="000000"/>
+                </a:solidFill>
+                <a:uFill>
+                  <a:solidFill>
+                    <a:srgbClr val="FFFFFF"/>
+                  </a:solidFill>
+                </a:uFill>
+                <a:latin typeface="Calibri"/>
+              </a:rPr>
+              <a:t>syncro</a:t>
+            </a:r>
+            <a:endParaRPr lang="fr-FR" sz="2800" b="0" strike="noStrike" spc="-1" dirty="0">
+              <a:solidFill>
+                <a:srgbClr val="000000"/>
+              </a:solidFill>
+              <a:uFill>
+                <a:solidFill>
+                  <a:srgbClr val="FFFFFF"/>
+                </a:solidFill>
+              </a:uFill>
+              <a:latin typeface="Calibri"/>
+            </a:endParaRPr>
           </a:p>
           <a:p>
             <a:pPr marL="228600" indent="-228240">
@@ -7819,20 +8759,17 @@
               <a:buFont typeface="Arial"/>
               <a:buChar char="•"/>
             </a:pPr>
-            <a:r>
-              <a:rPr lang="fr-FR" sz="2800" b="0" strike="noStrike" spc="-1">
-                <a:solidFill>
-                  <a:srgbClr val="000000"/>
-                </a:solidFill>
-                <a:uFill>
-                  <a:solidFill>
-                    <a:srgbClr val="FFFFFF"/>
-                  </a:solidFill>
-                </a:uFill>
-                <a:latin typeface="Calibri"/>
-              </a:rPr>
-              <a:t> </a:t>
-            </a:r>
+            <a:endParaRPr lang="fr-FR" sz="2800" b="0" strike="noStrike" spc="-1" dirty="0">
+              <a:solidFill>
+                <a:srgbClr val="000000"/>
+              </a:solidFill>
+              <a:uFill>
+                <a:solidFill>
+                  <a:srgbClr val="FFFFFF"/>
+                </a:solidFill>
+              </a:uFill>
+              <a:latin typeface="Calibri"/>
+            </a:endParaRPr>
           </a:p>
           <a:p>
             <a:pPr marL="228600" indent="-228240">
@@ -7846,7 +8783,7 @@
               <a:buChar char="•"/>
             </a:pPr>
             <a:r>
-              <a:rPr lang="fr-FR" sz="2800" b="0" strike="noStrike" spc="-1">
+              <a:rPr lang="fr-FR" sz="2800" b="0" strike="noStrike" spc="-1" dirty="0">
                 <a:solidFill>
                   <a:srgbClr val="000000"/>
                 </a:solidFill>
@@ -7989,7 +8926,7 @@
               </a:lnSpc>
             </a:pPr>
             <a:r>
-              <a:rPr lang="fr-FR" sz="4400" b="0" strike="noStrike" spc="-1">
+              <a:rPr lang="fr-FR" sz="4400" b="0" strike="noStrike" spc="-1" dirty="0">
                 <a:solidFill>
                   <a:srgbClr val="000000"/>
                 </a:solidFill>
@@ -8002,7 +8939,7 @@
               </a:rPr>
               <a:t>Lire, écrire et modifier des valeurs</a:t>
             </a:r>
-            <a:endParaRPr lang="fr-FR" sz="1800" b="0" strike="noStrike" spc="-1">
+            <a:endParaRPr lang="fr-FR" sz="1800" b="0" strike="noStrike" spc="-1" dirty="0">
               <a:solidFill>
                 <a:srgbClr val="000000"/>
               </a:solidFill>
@@ -8039,7 +8976,311 @@
           <a:bodyPr/>
           <a:lstStyle/>
           <a:p>
-            <a:endParaRPr lang="fr-FR" sz="2800" b="0" strike="noStrike" spc="-1">
+            <a:pPr marL="228600" indent="-228240">
+              <a:lnSpc>
+                <a:spcPct val="90000"/>
+              </a:lnSpc>
+              <a:buClr>
+                <a:srgbClr val="000000"/>
+              </a:buClr>
+              <a:buFont typeface="Arial"/>
+              <a:buChar char="•"/>
+            </a:pPr>
+            <a:r>
+              <a:rPr lang="fr-FR" sz="2800" spc="-1" dirty="0" err="1">
+                <a:solidFill>
+                  <a:srgbClr val="000000"/>
+                </a:solidFill>
+                <a:uFill>
+                  <a:solidFill>
+                    <a:srgbClr val="FFFFFF"/>
+                  </a:solidFill>
+                </a:uFill>
+                <a:latin typeface="Calibri"/>
+              </a:rPr>
+              <a:t>Regex</a:t>
+            </a:r>
+            <a:endParaRPr lang="fr-FR" sz="2800" spc="-1" dirty="0">
+              <a:solidFill>
+                <a:srgbClr val="000000"/>
+              </a:solidFill>
+              <a:uFill>
+                <a:solidFill>
+                  <a:srgbClr val="FFFFFF"/>
+                </a:solidFill>
+              </a:uFill>
+              <a:latin typeface="Calibri"/>
+            </a:endParaRPr>
+          </a:p>
+          <a:p>
+            <a:pPr marL="228600" indent="-228240">
+              <a:lnSpc>
+                <a:spcPct val="90000"/>
+              </a:lnSpc>
+              <a:buClr>
+                <a:srgbClr val="000000"/>
+              </a:buClr>
+              <a:buFont typeface="Arial"/>
+              <a:buChar char="•"/>
+            </a:pPr>
+            <a:r>
+              <a:rPr lang="fr-FR" sz="2800" spc="-1" dirty="0">
+                <a:solidFill>
+                  <a:srgbClr val="000000"/>
+                </a:solidFill>
+                <a:uFill>
+                  <a:solidFill>
+                    <a:srgbClr val="FFFFFF"/>
+                  </a:solidFill>
+                </a:uFill>
+                <a:latin typeface="Calibri"/>
+              </a:rPr>
+              <a:t>Manipulation du Key-Value Store :</a:t>
+            </a:r>
+          </a:p>
+          <a:p>
+            <a:pPr marL="685800" lvl="1" indent="-228240">
+              <a:lnSpc>
+                <a:spcPct val="90000"/>
+              </a:lnSpc>
+              <a:buClr>
+                <a:srgbClr val="000000"/>
+              </a:buClr>
+              <a:buFont typeface="Arial"/>
+              <a:buChar char="•"/>
+            </a:pPr>
+            <a:r>
+              <a:rPr lang="fr-FR" sz="2800" spc="-1" dirty="0" err="1">
+                <a:solidFill>
+                  <a:srgbClr val="000000"/>
+                </a:solidFill>
+                <a:uFill>
+                  <a:solidFill>
+                    <a:srgbClr val="FFFFFF"/>
+                  </a:solidFill>
+                </a:uFill>
+                <a:latin typeface="Calibri"/>
+              </a:rPr>
+              <a:t>addpair</a:t>
+            </a:r>
+            <a:endParaRPr lang="fr-FR" sz="2800" spc="-1" dirty="0">
+              <a:solidFill>
+                <a:srgbClr val="000000"/>
+              </a:solidFill>
+              <a:uFill>
+                <a:solidFill>
+                  <a:srgbClr val="FFFFFF"/>
+                </a:solidFill>
+              </a:uFill>
+              <a:latin typeface="Calibri"/>
+            </a:endParaRPr>
+          </a:p>
+          <a:p>
+            <a:pPr marL="685800" lvl="1" indent="-228240">
+              <a:lnSpc>
+                <a:spcPct val="90000"/>
+              </a:lnSpc>
+              <a:buClr>
+                <a:srgbClr val="000000"/>
+              </a:buClr>
+              <a:buFont typeface="Arial"/>
+              <a:buChar char="•"/>
+            </a:pPr>
+            <a:r>
+              <a:rPr lang="fr-FR" sz="2800" spc="-1" dirty="0" err="1">
+                <a:solidFill>
+                  <a:srgbClr val="000000"/>
+                </a:solidFill>
+                <a:uFill>
+                  <a:solidFill>
+                    <a:srgbClr val="FFFFFF"/>
+                  </a:solidFill>
+                </a:uFill>
+                <a:latin typeface="Calibri"/>
+              </a:rPr>
+              <a:t>deletepair</a:t>
+            </a:r>
+            <a:endParaRPr lang="fr-FR" sz="2800" spc="-1" dirty="0">
+              <a:solidFill>
+                <a:srgbClr val="000000"/>
+              </a:solidFill>
+              <a:uFill>
+                <a:solidFill>
+                  <a:srgbClr val="FFFFFF"/>
+                </a:solidFill>
+              </a:uFill>
+              <a:latin typeface="Calibri"/>
+            </a:endParaRPr>
+          </a:p>
+          <a:p>
+            <a:pPr marL="685800" lvl="1" indent="-228240">
+              <a:lnSpc>
+                <a:spcPct val="90000"/>
+              </a:lnSpc>
+              <a:buClr>
+                <a:srgbClr val="000000"/>
+              </a:buClr>
+              <a:buFont typeface="Arial"/>
+              <a:buChar char="•"/>
+            </a:pPr>
+            <a:r>
+              <a:rPr lang="fr-FR" sz="2800" spc="-1" dirty="0" err="1">
+                <a:solidFill>
+                  <a:srgbClr val="000000"/>
+                </a:solidFill>
+                <a:uFill>
+                  <a:solidFill>
+                    <a:srgbClr val="FFFFFF"/>
+                  </a:solidFill>
+                </a:uFill>
+                <a:latin typeface="Calibri"/>
+              </a:rPr>
+              <a:t>modifyPair</a:t>
+            </a:r>
+            <a:endParaRPr lang="fr-FR" sz="2800" spc="-1" dirty="0">
+              <a:solidFill>
+                <a:srgbClr val="000000"/>
+              </a:solidFill>
+              <a:uFill>
+                <a:solidFill>
+                  <a:srgbClr val="FFFFFF"/>
+                </a:solidFill>
+              </a:uFill>
+              <a:latin typeface="Calibri"/>
+            </a:endParaRPr>
+          </a:p>
+          <a:p>
+            <a:pPr marL="685800" lvl="1" indent="-228240">
+              <a:lnSpc>
+                <a:spcPct val="90000"/>
+              </a:lnSpc>
+              <a:buClr>
+                <a:srgbClr val="000000"/>
+              </a:buClr>
+              <a:buFont typeface="Arial"/>
+              <a:buChar char="•"/>
+            </a:pPr>
+            <a:r>
+              <a:rPr lang="fr-FR" sz="2800" spc="-1" dirty="0" err="1">
+                <a:solidFill>
+                  <a:srgbClr val="000000"/>
+                </a:solidFill>
+                <a:uFill>
+                  <a:solidFill>
+                    <a:srgbClr val="FFFFFF"/>
+                  </a:solidFill>
+                </a:uFill>
+                <a:latin typeface="Calibri"/>
+              </a:rPr>
+              <a:t>readpair</a:t>
+            </a:r>
+            <a:endParaRPr lang="fr-FR" sz="2800" spc="-1" dirty="0">
+              <a:solidFill>
+                <a:srgbClr val="000000"/>
+              </a:solidFill>
+              <a:uFill>
+                <a:solidFill>
+                  <a:srgbClr val="FFFFFF"/>
+                </a:solidFill>
+              </a:uFill>
+              <a:latin typeface="Calibri"/>
+            </a:endParaRPr>
+          </a:p>
+          <a:p>
+            <a:pPr marL="685800" lvl="1" indent="-228240">
+              <a:lnSpc>
+                <a:spcPct val="90000"/>
+              </a:lnSpc>
+              <a:buClr>
+                <a:srgbClr val="000000"/>
+              </a:buClr>
+              <a:buFont typeface="Arial"/>
+              <a:buChar char="•"/>
+            </a:pPr>
+            <a:r>
+              <a:rPr lang="fr-FR" sz="2800" spc="-1" dirty="0" err="1">
+                <a:solidFill>
+                  <a:srgbClr val="000000"/>
+                </a:solidFill>
+                <a:uFill>
+                  <a:solidFill>
+                    <a:srgbClr val="FFFFFF"/>
+                  </a:solidFill>
+                </a:uFill>
+                <a:latin typeface="Calibri"/>
+              </a:rPr>
+              <a:t>printKV</a:t>
+            </a:r>
+            <a:endParaRPr lang="fr-FR" sz="2800" spc="-1" dirty="0">
+              <a:solidFill>
+                <a:srgbClr val="000000"/>
+              </a:solidFill>
+              <a:uFill>
+                <a:solidFill>
+                  <a:srgbClr val="FFFFFF"/>
+                </a:solidFill>
+              </a:uFill>
+              <a:latin typeface="Calibri"/>
+            </a:endParaRPr>
+          </a:p>
+          <a:p>
+            <a:pPr marL="685800" lvl="1" indent="-228240">
+              <a:lnSpc>
+                <a:spcPct val="90000"/>
+              </a:lnSpc>
+              <a:buClr>
+                <a:srgbClr val="000000"/>
+              </a:buClr>
+              <a:buFont typeface="Arial"/>
+              <a:buChar char="•"/>
+            </a:pPr>
+            <a:endParaRPr lang="fr-FR" sz="2800" spc="-1" dirty="0">
+              <a:solidFill>
+                <a:srgbClr val="000000"/>
+              </a:solidFill>
+              <a:uFill>
+                <a:solidFill>
+                  <a:srgbClr val="FFFFFF"/>
+                </a:solidFill>
+              </a:uFill>
+              <a:latin typeface="Calibri"/>
+            </a:endParaRPr>
+          </a:p>
+          <a:p>
+            <a:pPr marL="685800" lvl="1" indent="-228240">
+              <a:lnSpc>
+                <a:spcPct val="90000"/>
+              </a:lnSpc>
+              <a:buClr>
+                <a:srgbClr val="000000"/>
+              </a:buClr>
+              <a:buFont typeface="Arial"/>
+              <a:buChar char="•"/>
+            </a:pPr>
+            <a:endParaRPr lang="fr-FR" sz="2800" spc="-1" dirty="0">
+              <a:solidFill>
+                <a:srgbClr val="000000"/>
+              </a:solidFill>
+              <a:uFill>
+                <a:solidFill>
+                  <a:srgbClr val="FFFFFF"/>
+                </a:solidFill>
+              </a:uFill>
+              <a:latin typeface="Calibri"/>
+            </a:endParaRPr>
+          </a:p>
+          <a:p>
+            <a:pPr marL="228600" indent="-228240">
+              <a:lnSpc>
+                <a:spcPct val="90000"/>
+              </a:lnSpc>
+              <a:buClr>
+                <a:srgbClr val="000000"/>
+              </a:buClr>
+              <a:buFont typeface="Arial"/>
+              <a:buChar char="•"/>
+            </a:pPr>
+            <a:endParaRPr lang="fr-FR" sz="2800" spc="-1" dirty="0">
               <a:solidFill>
                 <a:srgbClr val="000000"/>
               </a:solidFill>

--- a/presentation/KVS_presentation.pptx
+++ b/presentation/KVS_presentation.pptx
@@ -5737,6 +5737,71 @@
               </a:rPr>
               <a:t>Client plus lent que le serveur</a:t>
             </a:r>
+          </a:p>
+          <a:p>
+            <a:pPr marL="228600" indent="-228240">
+              <a:lnSpc>
+                <a:spcPct val="90000"/>
+              </a:lnSpc>
+              <a:buClr>
+                <a:srgbClr val="000000"/>
+              </a:buClr>
+              <a:buFont typeface="Arial"/>
+              <a:buChar char="•"/>
+            </a:pPr>
+            <a:r>
+              <a:rPr lang="fr-FR" sz="2800" spc="-1" dirty="0">
+                <a:solidFill>
+                  <a:srgbClr val="000000"/>
+                </a:solidFill>
+                <a:uFill>
+                  <a:solidFill>
+                    <a:srgbClr val="FFFFFF"/>
+                  </a:solidFill>
+                </a:uFill>
+                <a:latin typeface="Calibri"/>
+              </a:rPr>
+              <a:t>Segmentation </a:t>
+            </a:r>
+            <a:r>
+              <a:rPr lang="fr-FR" sz="2800" spc="-1" dirty="0" err="1">
+                <a:solidFill>
+                  <a:srgbClr val="000000"/>
+                </a:solidFill>
+                <a:uFill>
+                  <a:solidFill>
+                    <a:srgbClr val="FFFFFF"/>
+                  </a:solidFill>
+                </a:uFill>
+                <a:latin typeface="Calibri"/>
+              </a:rPr>
+              <a:t>fault</a:t>
+            </a:r>
+            <a:r>
+              <a:rPr lang="fr-FR" sz="2800" spc="-1">
+                <a:solidFill>
+                  <a:srgbClr val="000000"/>
+                </a:solidFill>
+                <a:uFill>
+                  <a:solidFill>
+                    <a:srgbClr val="FFFFFF"/>
+                  </a:solidFill>
+                </a:uFill>
+                <a:latin typeface="Calibri"/>
+              </a:rPr>
+              <a:t>: 11</a:t>
+            </a:r>
+            <a:endParaRPr lang="fr-FR" sz="2800" b="0" strike="noStrike" spc="-1" dirty="0">
+              <a:solidFill>
+                <a:srgbClr val="000000"/>
+              </a:solidFill>
+              <a:uFill>
+                <a:solidFill>
+                  <a:srgbClr val="FFFFFF"/>
+                </a:solidFill>
+              </a:uFill>
+              <a:latin typeface="Calibri"/>
+            </a:endParaRPr>
           </a:p>
           <a:p>
             <a:pPr marL="228600" indent="-228240">

--- a/presentation/KVS_presentation.pptx
+++ b/presentation/KVS_presentation.pptx
@@ -3404,7 +3404,7 @@
                 </a:uFill>
                 <a:latin typeface="Calibri"/>
               </a:rPr>
-              <a:t>‹N°›</a:t>
+              <a:t>‹#›</a:t>
             </a:fld>
             <a:endParaRPr lang="fr-FR" sz="1400" b="0" strike="noStrike" spc="-1">
               <a:solidFill>
@@ -4416,7 +4416,7 @@
                 </a:uFill>
                 <a:latin typeface="Calibri"/>
               </a:rPr>
-              <a:t>‹N°›</a:t>
+              <a:t>‹#›</a:t>
             </a:fld>
             <a:endParaRPr lang="fr-FR" sz="1400" b="0" strike="noStrike" spc="-1">
               <a:solidFill>
@@ -6852,7 +6852,7 @@
         </p:nvSpPr>
         <p:spPr>
           <a:xfrm>
-            <a:off x="838080" y="1825560"/>
+            <a:off x="838080" y="1938294"/>
             <a:ext cx="10515240" cy="4350960"/>
           </a:xfrm>
           <a:prstGeom prst="rect">
@@ -6867,16 +6867,464 @@
           <a:bodyPr/>
           <a:lstStyle/>
           <a:p>
-            <a:endParaRPr lang="fr-FR" sz="2800" b="0" strike="noStrike" spc="-1">
-              <a:solidFill>
-                <a:srgbClr val="000000"/>
-              </a:solidFill>
-              <a:uFill>
-                <a:solidFill>
-                  <a:srgbClr val="FFFFFF"/>
-                </a:solidFill>
-              </a:uFill>
-              <a:latin typeface="Calibri"/>
+            <a:endParaRPr lang="en-US" sz="2800" dirty="0">
+              <a:latin typeface="Calibri" panose="020F0502020204030204" pitchFamily="34" charset="0"/>
+              <a:cs typeface="Calibri" panose="020F0502020204030204" pitchFamily="34" charset="0"/>
+            </a:endParaRPr>
+          </a:p>
+          <a:p>
+            <a:r>
+              <a:rPr lang="en-US" sz="2800" dirty="0">
+                <a:latin typeface="Calibri" panose="020F0502020204030204" pitchFamily="34" charset="0"/>
+                <a:cs typeface="Calibri" panose="020F0502020204030204" pitchFamily="34" charset="0"/>
+              </a:rPr>
+              <a:t>La solution </a:t>
+            </a:r>
+            <a:r>
+              <a:rPr lang="en-US" sz="2800" dirty="0" err="1">
+                <a:latin typeface="Calibri" panose="020F0502020204030204" pitchFamily="34" charset="0"/>
+                <a:cs typeface="Calibri" panose="020F0502020204030204" pitchFamily="34" charset="0"/>
+              </a:rPr>
+              <a:t>présentée</a:t>
+            </a:r>
+            <a:r>
+              <a:rPr lang="en-US" sz="2800" dirty="0">
+                <a:latin typeface="Calibri" panose="020F0502020204030204" pitchFamily="34" charset="0"/>
+                <a:cs typeface="Calibri" panose="020F0502020204030204" pitchFamily="34" charset="0"/>
+              </a:rPr>
+              <a:t> </a:t>
+            </a:r>
+            <a:r>
+              <a:rPr lang="en-US" sz="2800" dirty="0" err="1">
+                <a:latin typeface="Calibri" panose="020F0502020204030204" pitchFamily="34" charset="0"/>
+                <a:cs typeface="Calibri" panose="020F0502020204030204" pitchFamily="34" charset="0"/>
+              </a:rPr>
+              <a:t>ainsi</a:t>
+            </a:r>
+            <a:r>
+              <a:rPr lang="en-US" sz="2800" dirty="0">
+                <a:latin typeface="Calibri" panose="020F0502020204030204" pitchFamily="34" charset="0"/>
+                <a:cs typeface="Calibri" panose="020F0502020204030204" pitchFamily="34" charset="0"/>
+              </a:rPr>
+              <a:t> que le code </a:t>
+            </a:r>
+            <a:r>
+              <a:rPr lang="en-US" sz="2800" dirty="0" err="1">
+                <a:latin typeface="Calibri" panose="020F0502020204030204" pitchFamily="34" charset="0"/>
+                <a:cs typeface="Calibri" panose="020F0502020204030204" pitchFamily="34" charset="0"/>
+              </a:rPr>
+              <a:t>répondent</a:t>
+            </a:r>
+            <a:r>
+              <a:rPr lang="en-US" sz="2800" dirty="0">
+                <a:latin typeface="Calibri" panose="020F0502020204030204" pitchFamily="34" charset="0"/>
+                <a:cs typeface="Calibri" panose="020F0502020204030204" pitchFamily="34" charset="0"/>
+              </a:rPr>
+              <a:t> </a:t>
+            </a:r>
+            <a:r>
+              <a:rPr lang="en-US" sz="2800" dirty="0" err="1">
+                <a:latin typeface="Calibri" panose="020F0502020204030204" pitchFamily="34" charset="0"/>
+                <a:cs typeface="Calibri" panose="020F0502020204030204" pitchFamily="34" charset="0"/>
+              </a:rPr>
+              <a:t>à</a:t>
+            </a:r>
+            <a:r>
+              <a:rPr lang="en-US" sz="2800" dirty="0">
+                <a:latin typeface="Calibri" panose="020F0502020204030204" pitchFamily="34" charset="0"/>
+                <a:cs typeface="Calibri" panose="020F0502020204030204" pitchFamily="34" charset="0"/>
+              </a:rPr>
+              <a:t> la </a:t>
+            </a:r>
+            <a:r>
+              <a:rPr lang="en-US" sz="2800" dirty="0" err="1">
+                <a:latin typeface="Calibri" panose="020F0502020204030204" pitchFamily="34" charset="0"/>
+                <a:cs typeface="Calibri" panose="020F0502020204030204" pitchFamily="34" charset="0"/>
+              </a:rPr>
+              <a:t>consigne</a:t>
+            </a:r>
+            <a:r>
+              <a:rPr lang="en-US" sz="2800" dirty="0">
+                <a:latin typeface="Calibri" panose="020F0502020204030204" pitchFamily="34" charset="0"/>
+                <a:cs typeface="Calibri" panose="020F0502020204030204" pitchFamily="34" charset="0"/>
+              </a:rPr>
+              <a:t>, </a:t>
+            </a:r>
+            <a:r>
+              <a:rPr lang="en-US" sz="2800" dirty="0" err="1">
+                <a:latin typeface="Calibri" panose="020F0502020204030204" pitchFamily="34" charset="0"/>
+                <a:cs typeface="Calibri" panose="020F0502020204030204" pitchFamily="34" charset="0"/>
+              </a:rPr>
+              <a:t>c'est</a:t>
+            </a:r>
+            <a:r>
+              <a:rPr lang="en-US" sz="2800" dirty="0">
+                <a:latin typeface="Calibri" panose="020F0502020204030204" pitchFamily="34" charset="0"/>
+                <a:cs typeface="Calibri" panose="020F0502020204030204" pitchFamily="34" charset="0"/>
+              </a:rPr>
+              <a:t>-</a:t>
+            </a:r>
+            <a:r>
+              <a:rPr lang="en-US" sz="2800" dirty="0" err="1">
+                <a:latin typeface="Calibri" panose="020F0502020204030204" pitchFamily="34" charset="0"/>
+                <a:cs typeface="Calibri" panose="020F0502020204030204" pitchFamily="34" charset="0"/>
+              </a:rPr>
+              <a:t>à</a:t>
+            </a:r>
+            <a:r>
+              <a:rPr lang="en-US" sz="2800" dirty="0">
+                <a:latin typeface="Calibri" panose="020F0502020204030204" pitchFamily="34" charset="0"/>
+                <a:cs typeface="Calibri" panose="020F0502020204030204" pitchFamily="34" charset="0"/>
+              </a:rPr>
+              <a:t>-dire aux 5 </a:t>
+            </a:r>
+            <a:r>
+              <a:rPr lang="en-US" sz="2800" dirty="0" err="1">
+                <a:latin typeface="Calibri" panose="020F0502020204030204" pitchFamily="34" charset="0"/>
+                <a:cs typeface="Calibri" panose="020F0502020204030204" pitchFamily="34" charset="0"/>
+              </a:rPr>
+              <a:t>fonctionnalités</a:t>
+            </a:r>
+            <a:r>
+              <a:rPr lang="en-US" sz="2800" dirty="0">
+                <a:latin typeface="Calibri" panose="020F0502020204030204" pitchFamily="34" charset="0"/>
+                <a:cs typeface="Calibri" panose="020F0502020204030204" pitchFamily="34" charset="0"/>
+              </a:rPr>
+              <a:t> </a:t>
+            </a:r>
+            <a:r>
+              <a:rPr lang="en-US" sz="2800" dirty="0" err="1">
+                <a:latin typeface="Calibri" panose="020F0502020204030204" pitchFamily="34" charset="0"/>
+                <a:cs typeface="Calibri" panose="020F0502020204030204" pitchFamily="34" charset="0"/>
+              </a:rPr>
+              <a:t>minimales</a:t>
+            </a:r>
+            <a:r>
+              <a:rPr lang="en-US" sz="2800" dirty="0">
+                <a:latin typeface="Calibri" panose="020F0502020204030204" pitchFamily="34" charset="0"/>
+                <a:cs typeface="Calibri" panose="020F0502020204030204" pitchFamily="34" charset="0"/>
+              </a:rPr>
+              <a:t>. </a:t>
+            </a:r>
+            <a:r>
+              <a:rPr lang="en-US" sz="2800" dirty="0" err="1">
+                <a:latin typeface="Calibri" panose="020F0502020204030204" pitchFamily="34" charset="0"/>
+                <a:cs typeface="Calibri" panose="020F0502020204030204" pitchFamily="34" charset="0"/>
+              </a:rPr>
+              <a:t>En</a:t>
+            </a:r>
+            <a:r>
+              <a:rPr lang="en-US" sz="2800" dirty="0">
+                <a:latin typeface="Calibri" panose="020F0502020204030204" pitchFamily="34" charset="0"/>
+                <a:cs typeface="Calibri" panose="020F0502020204030204" pitchFamily="34" charset="0"/>
+              </a:rPr>
+              <a:t> </a:t>
+            </a:r>
+            <a:r>
+              <a:rPr lang="en-US" sz="2800" dirty="0" err="1">
+                <a:latin typeface="Calibri" panose="020F0502020204030204" pitchFamily="34" charset="0"/>
+                <a:cs typeface="Calibri" panose="020F0502020204030204" pitchFamily="34" charset="0"/>
+              </a:rPr>
+              <a:t>outre</a:t>
+            </a:r>
+            <a:r>
+              <a:rPr lang="en-US" sz="2800" dirty="0">
+                <a:latin typeface="Calibri" panose="020F0502020204030204" pitchFamily="34" charset="0"/>
+                <a:cs typeface="Calibri" panose="020F0502020204030204" pitchFamily="34" charset="0"/>
+              </a:rPr>
+              <a:t>, les </a:t>
+            </a:r>
+            <a:r>
+              <a:rPr lang="en-US" sz="2800" dirty="0" err="1">
+                <a:latin typeface="Calibri" panose="020F0502020204030204" pitchFamily="34" charset="0"/>
+                <a:cs typeface="Calibri" panose="020F0502020204030204" pitchFamily="34" charset="0"/>
+              </a:rPr>
+              <a:t>décisions</a:t>
+            </a:r>
+            <a:r>
+              <a:rPr lang="en-US" sz="2800" dirty="0">
+                <a:latin typeface="Calibri" panose="020F0502020204030204" pitchFamily="34" charset="0"/>
+                <a:cs typeface="Calibri" panose="020F0502020204030204" pitchFamily="34" charset="0"/>
+              </a:rPr>
+              <a:t> </a:t>
+            </a:r>
+            <a:r>
+              <a:rPr lang="en-US" sz="2800" dirty="0" err="1">
+                <a:latin typeface="Calibri" panose="020F0502020204030204" pitchFamily="34" charset="0"/>
+                <a:cs typeface="Calibri" panose="020F0502020204030204" pitchFamily="34" charset="0"/>
+              </a:rPr>
+              <a:t>d'implémentation</a:t>
+            </a:r>
+            <a:r>
+              <a:rPr lang="en-US" sz="2800" dirty="0">
+                <a:latin typeface="Calibri" panose="020F0502020204030204" pitchFamily="34" charset="0"/>
+                <a:cs typeface="Calibri" panose="020F0502020204030204" pitchFamily="34" charset="0"/>
+              </a:rPr>
+              <a:t> </a:t>
+            </a:r>
+            <a:r>
+              <a:rPr lang="en-US" sz="2800" dirty="0" err="1">
+                <a:latin typeface="Calibri" panose="020F0502020204030204" pitchFamily="34" charset="0"/>
+                <a:cs typeface="Calibri" panose="020F0502020204030204" pitchFamily="34" charset="0"/>
+              </a:rPr>
+              <a:t>concernant</a:t>
+            </a:r>
+            <a:r>
+              <a:rPr lang="en-US" sz="2800" dirty="0">
+                <a:latin typeface="Calibri" panose="020F0502020204030204" pitchFamily="34" charset="0"/>
+                <a:cs typeface="Calibri" panose="020F0502020204030204" pitchFamily="34" charset="0"/>
+              </a:rPr>
+              <a:t> la </a:t>
+            </a:r>
+            <a:r>
+              <a:rPr lang="en-US" sz="2800" dirty="0" err="1">
+                <a:latin typeface="Calibri" panose="020F0502020204030204" pitchFamily="34" charset="0"/>
+                <a:cs typeface="Calibri" panose="020F0502020204030204" pitchFamily="34" charset="0"/>
+              </a:rPr>
+              <a:t>priorité</a:t>
+            </a:r>
+            <a:r>
+              <a:rPr lang="en-US" sz="2800" dirty="0">
+                <a:latin typeface="Calibri" panose="020F0502020204030204" pitchFamily="34" charset="0"/>
+                <a:cs typeface="Calibri" panose="020F0502020204030204" pitchFamily="34" charset="0"/>
+              </a:rPr>
+              <a:t> des "</a:t>
+            </a:r>
+            <a:r>
+              <a:rPr lang="en-US" sz="2800" u="sng" dirty="0">
+                <a:latin typeface="Calibri" panose="020F0502020204030204" pitchFamily="34" charset="0"/>
+                <a:cs typeface="Calibri" panose="020F0502020204030204" pitchFamily="34" charset="0"/>
+              </a:rPr>
+              <a:t>readers</a:t>
+            </a:r>
+            <a:r>
+              <a:rPr lang="en-US" sz="2800" dirty="0">
+                <a:latin typeface="Calibri" panose="020F0502020204030204" pitchFamily="34" charset="0"/>
+                <a:cs typeface="Calibri" panose="020F0502020204030204" pitchFamily="34" charset="0"/>
+              </a:rPr>
+              <a:t>"/"</a:t>
+            </a:r>
+            <a:r>
+              <a:rPr lang="en-US" sz="2800" u="sng" dirty="0" err="1">
+                <a:latin typeface="Calibri" panose="020F0502020204030204" pitchFamily="34" charset="0"/>
+                <a:cs typeface="Calibri" panose="020F0502020204030204" pitchFamily="34" charset="0"/>
+              </a:rPr>
+              <a:t>writters</a:t>
+            </a:r>
+            <a:r>
+              <a:rPr lang="en-US" sz="2800" dirty="0">
+                <a:latin typeface="Calibri" panose="020F0502020204030204" pitchFamily="34" charset="0"/>
+                <a:cs typeface="Calibri" panose="020F0502020204030204" pitchFamily="34" charset="0"/>
+              </a:rPr>
+              <a:t>", de la structure de </a:t>
+            </a:r>
+            <a:r>
+              <a:rPr lang="en-US" sz="2800" dirty="0" err="1">
+                <a:latin typeface="Calibri" panose="020F0502020204030204" pitchFamily="34" charset="0"/>
+                <a:cs typeface="Calibri" panose="020F0502020204030204" pitchFamily="34" charset="0"/>
+              </a:rPr>
+              <a:t>donnée</a:t>
+            </a:r>
+            <a:r>
+              <a:rPr lang="en-US" sz="2800" dirty="0">
+                <a:latin typeface="Calibri" panose="020F0502020204030204" pitchFamily="34" charset="0"/>
+                <a:cs typeface="Calibri" panose="020F0502020204030204" pitchFamily="34" charset="0"/>
+              </a:rPr>
+              <a:t> </a:t>
+            </a:r>
+            <a:r>
+              <a:rPr lang="en-US" sz="2800" dirty="0" err="1">
+                <a:latin typeface="Calibri" panose="020F0502020204030204" pitchFamily="34" charset="0"/>
+                <a:cs typeface="Calibri" panose="020F0502020204030204" pitchFamily="34" charset="0"/>
+              </a:rPr>
+              <a:t>ainsi</a:t>
+            </a:r>
+            <a:r>
+              <a:rPr lang="en-US" sz="2800" dirty="0">
+                <a:latin typeface="Calibri" panose="020F0502020204030204" pitchFamily="34" charset="0"/>
+                <a:cs typeface="Calibri" panose="020F0502020204030204" pitchFamily="34" charset="0"/>
+              </a:rPr>
+              <a:t> que des </a:t>
+            </a:r>
+            <a:r>
+              <a:rPr lang="en-US" sz="2800" dirty="0" err="1">
+                <a:latin typeface="Calibri" panose="020F0502020204030204" pitchFamily="34" charset="0"/>
+                <a:cs typeface="Calibri" panose="020F0502020204030204" pitchFamily="34" charset="0"/>
+              </a:rPr>
+              <a:t>accès</a:t>
+            </a:r>
+            <a:r>
+              <a:rPr lang="en-US" sz="2800" dirty="0">
+                <a:latin typeface="Calibri" panose="020F0502020204030204" pitchFamily="34" charset="0"/>
+                <a:cs typeface="Calibri" panose="020F0502020204030204" pitchFamily="34" charset="0"/>
+              </a:rPr>
+              <a:t> </a:t>
+            </a:r>
+            <a:r>
+              <a:rPr lang="en-US" sz="2800" dirty="0" err="1">
+                <a:latin typeface="Calibri" panose="020F0502020204030204" pitchFamily="34" charset="0"/>
+                <a:cs typeface="Calibri" panose="020F0502020204030204" pitchFamily="34" charset="0"/>
+              </a:rPr>
+              <a:t>simultanés</a:t>
+            </a:r>
+            <a:r>
+              <a:rPr lang="en-US" sz="2800" dirty="0">
+                <a:latin typeface="Calibri" panose="020F0502020204030204" pitchFamily="34" charset="0"/>
+                <a:cs typeface="Calibri" panose="020F0502020204030204" pitchFamily="34" charset="0"/>
+              </a:rPr>
+              <a:t> </a:t>
+            </a:r>
+            <a:r>
+              <a:rPr lang="en-US" sz="2800" dirty="0" err="1">
+                <a:latin typeface="Calibri" panose="020F0502020204030204" pitchFamily="34" charset="0"/>
+                <a:cs typeface="Calibri" panose="020F0502020204030204" pitchFamily="34" charset="0"/>
+              </a:rPr>
+              <a:t>semblent</a:t>
+            </a:r>
+            <a:r>
+              <a:rPr lang="en-US" sz="2800" dirty="0">
+                <a:latin typeface="Calibri" panose="020F0502020204030204" pitchFamily="34" charset="0"/>
+                <a:cs typeface="Calibri" panose="020F0502020204030204" pitchFamily="34" charset="0"/>
+              </a:rPr>
+              <a:t> </a:t>
+            </a:r>
+            <a:r>
+              <a:rPr lang="en-US" sz="2800" dirty="0" err="1">
+                <a:latin typeface="Calibri" panose="020F0502020204030204" pitchFamily="34" charset="0"/>
+                <a:cs typeface="Calibri" panose="020F0502020204030204" pitchFamily="34" charset="0"/>
+              </a:rPr>
+              <a:t>efficaces</a:t>
+            </a:r>
+            <a:r>
+              <a:rPr lang="en-US" sz="2800" dirty="0">
+                <a:latin typeface="Calibri" panose="020F0502020204030204" pitchFamily="34" charset="0"/>
+                <a:cs typeface="Calibri" panose="020F0502020204030204" pitchFamily="34" charset="0"/>
+              </a:rPr>
+              <a:t> et </a:t>
+            </a:r>
+            <a:r>
+              <a:rPr lang="en-US" sz="2800" dirty="0" err="1">
+                <a:latin typeface="Calibri" panose="020F0502020204030204" pitchFamily="34" charset="0"/>
+                <a:cs typeface="Calibri" panose="020F0502020204030204" pitchFamily="34" charset="0"/>
+              </a:rPr>
+              <a:t>optimisés</a:t>
+            </a:r>
+            <a:r>
+              <a:rPr lang="en-US" sz="2800" dirty="0">
+                <a:latin typeface="Calibri" panose="020F0502020204030204" pitchFamily="34" charset="0"/>
+                <a:cs typeface="Calibri" panose="020F0502020204030204" pitchFamily="34" charset="0"/>
+              </a:rPr>
+              <a:t> </a:t>
+            </a:r>
+            <a:r>
+              <a:rPr lang="en-US" sz="2800" dirty="0" err="1">
+                <a:latin typeface="Calibri" panose="020F0502020204030204" pitchFamily="34" charset="0"/>
+                <a:cs typeface="Calibri" panose="020F0502020204030204" pitchFamily="34" charset="0"/>
+              </a:rPr>
+              <a:t>dans</a:t>
+            </a:r>
+            <a:r>
+              <a:rPr lang="en-US" sz="2800" dirty="0">
+                <a:latin typeface="Calibri" panose="020F0502020204030204" pitchFamily="34" charset="0"/>
+                <a:cs typeface="Calibri" panose="020F0502020204030204" pitchFamily="34" charset="0"/>
+              </a:rPr>
+              <a:t> </a:t>
+            </a:r>
+            <a:r>
+              <a:rPr lang="en-US" sz="2800" dirty="0" err="1">
+                <a:latin typeface="Calibri" panose="020F0502020204030204" pitchFamily="34" charset="0"/>
+                <a:cs typeface="Calibri" panose="020F0502020204030204" pitchFamily="34" charset="0"/>
+              </a:rPr>
+              <a:t>leur</a:t>
+            </a:r>
+            <a:r>
+              <a:rPr lang="en-US" sz="2800" dirty="0">
+                <a:latin typeface="Calibri" panose="020F0502020204030204" pitchFamily="34" charset="0"/>
+                <a:cs typeface="Calibri" panose="020F0502020204030204" pitchFamily="34" charset="0"/>
+              </a:rPr>
+              <a:t> </a:t>
+            </a:r>
+            <a:r>
+              <a:rPr lang="en-US" sz="2800" dirty="0" err="1">
+                <a:latin typeface="Calibri" panose="020F0502020204030204" pitchFamily="34" charset="0"/>
+                <a:cs typeface="Calibri" panose="020F0502020204030204" pitchFamily="34" charset="0"/>
+              </a:rPr>
+              <a:t>forme</a:t>
+            </a:r>
+            <a:r>
+              <a:rPr lang="en-US" sz="2800" dirty="0">
+                <a:latin typeface="Calibri" panose="020F0502020204030204" pitchFamily="34" charset="0"/>
+                <a:cs typeface="Calibri" panose="020F0502020204030204" pitchFamily="34" charset="0"/>
+              </a:rPr>
+              <a:t>, </a:t>
+            </a:r>
+            <a:r>
+              <a:rPr lang="en-US" sz="2800" dirty="0" err="1">
+                <a:latin typeface="Calibri" panose="020F0502020204030204" pitchFamily="34" charset="0"/>
+                <a:cs typeface="Calibri" panose="020F0502020204030204" pitchFamily="34" charset="0"/>
+              </a:rPr>
+              <a:t>bien</a:t>
+            </a:r>
+            <a:r>
+              <a:rPr lang="en-US" sz="2800" dirty="0">
+                <a:latin typeface="Calibri" panose="020F0502020204030204" pitchFamily="34" charset="0"/>
+                <a:cs typeface="Calibri" panose="020F0502020204030204" pitchFamily="34" charset="0"/>
+              </a:rPr>
+              <a:t> que </a:t>
+            </a:r>
+            <a:r>
+              <a:rPr lang="en-US" sz="2800" dirty="0" err="1">
+                <a:latin typeface="Calibri" panose="020F0502020204030204" pitchFamily="34" charset="0"/>
+                <a:cs typeface="Calibri" panose="020F0502020204030204" pitchFamily="34" charset="0"/>
+              </a:rPr>
+              <a:t>ces</a:t>
+            </a:r>
+            <a:r>
+              <a:rPr lang="en-US" sz="2800" dirty="0">
+                <a:latin typeface="Calibri" panose="020F0502020204030204" pitchFamily="34" charset="0"/>
+                <a:cs typeface="Calibri" panose="020F0502020204030204" pitchFamily="34" charset="0"/>
+              </a:rPr>
+              <a:t> solutions ne </a:t>
+            </a:r>
+            <a:r>
+              <a:rPr lang="en-US" sz="2800" dirty="0" err="1">
+                <a:latin typeface="Calibri" panose="020F0502020204030204" pitchFamily="34" charset="0"/>
+                <a:cs typeface="Calibri" panose="020F0502020204030204" pitchFamily="34" charset="0"/>
+              </a:rPr>
+              <a:t>soient</a:t>
+            </a:r>
+            <a:r>
+              <a:rPr lang="en-US" sz="2800" dirty="0">
+                <a:latin typeface="Calibri" panose="020F0502020204030204" pitchFamily="34" charset="0"/>
+                <a:cs typeface="Calibri" panose="020F0502020204030204" pitchFamily="34" charset="0"/>
+              </a:rPr>
+              <a:t> des plus </a:t>
+            </a:r>
+            <a:r>
+              <a:rPr lang="en-US" sz="2800" dirty="0" err="1">
+                <a:latin typeface="Calibri" panose="020F0502020204030204" pitchFamily="34" charset="0"/>
+                <a:cs typeface="Calibri" panose="020F0502020204030204" pitchFamily="34" charset="0"/>
+              </a:rPr>
+              <a:t>idéales</a:t>
+            </a:r>
+            <a:r>
+              <a:rPr lang="en-US" sz="2800" dirty="0">
+                <a:latin typeface="Calibri" panose="020F0502020204030204" pitchFamily="34" charset="0"/>
+                <a:cs typeface="Calibri" panose="020F0502020204030204" pitchFamily="34" charset="0"/>
+              </a:rPr>
+              <a:t>. </a:t>
+            </a:r>
+            <a:endParaRPr lang="fr-FR" sz="2800" b="0" strike="noStrike" spc="-1" dirty="0">
+              <a:solidFill>
+                <a:srgbClr val="000000"/>
+              </a:solidFill>
+              <a:uFill>
+                <a:solidFill>
+                  <a:srgbClr val="FFFFFF"/>
+                </a:solidFill>
+              </a:uFill>
+              <a:latin typeface="Calibri" panose="020F0502020204030204" pitchFamily="34" charset="0"/>
+              <a:cs typeface="Calibri" panose="020F0502020204030204" pitchFamily="34" charset="0"/>
             </a:endParaRPr>
           </a:p>
         </p:txBody>

--- a/presentation/KVS_presentation.pptx
+++ b/presentation/KVS_presentation.pptx
@@ -1,33 +1,128 @@
 
 <file path=ppt/presentation.xml><?xml version="1.0" encoding="utf-8"?>
-<p:presentation xmlns:a="http://schemas.openxmlformats.org/drawingml/2006/main" xmlns:p="http://schemas.openxmlformats.org/presentationml/2006/main" xmlns:r="http://schemas.openxmlformats.org/officeDocument/2006/relationships" xmlns:p14="http://schemas.microsoft.com/office/powerpoint/2010/main" xmlns:p15="http://schemas.microsoft.com/office/powerpoint/2012/main" xmlns:mc="http://schemas.openxmlformats.org/markup-compatibility/2006">
+<p:presentation xmlns:a="http://schemas.openxmlformats.org/drawingml/2006/main" xmlns:r="http://schemas.openxmlformats.org/officeDocument/2006/relationships" xmlns:p="http://schemas.openxmlformats.org/presentationml/2006/main">
   <p:sldMasterIdLst>
-    <p:sldMasterId id="2147483648" r:id="rId2"/>
-    <p:sldMasterId id="2147483661" r:id="rId3"/>
+    <p:sldMasterId id="2147483648" r:id="rId1"/>
+    <p:sldMasterId id="2147483661" r:id="rId2"/>
   </p:sldMasterIdLst>
   <p:sldIdLst>
-    <p:sldId id="256" r:id="rId4"/>
-    <p:sldId id="257" r:id="rId5"/>
-    <p:sldId id="258" r:id="rId6"/>
-    <p:sldId id="259" r:id="rId7"/>
-    <p:sldId id="260" r:id="rId8"/>
-    <p:sldId id="261" r:id="rId9"/>
-    <p:sldId id="262" r:id="rId10"/>
-    <p:sldId id="263" r:id="rId11"/>
-    <p:sldId id="264" r:id="rId12"/>
-    <p:sldId id="265" r:id="rId13"/>
-    <p:sldId id="266" r:id="rId14"/>
-    <p:sldId id="267" r:id="rId15"/>
-    <p:sldId id="268" r:id="rId16"/>
-    <p:sldId id="269" r:id="rId17"/>
+    <p:sldId id="256" r:id="rId3"/>
+    <p:sldId id="257" r:id="rId4"/>
+    <p:sldId id="258" r:id="rId5"/>
+    <p:sldId id="259" r:id="rId6"/>
+    <p:sldId id="260" r:id="rId7"/>
+    <p:sldId id="261" r:id="rId8"/>
+    <p:sldId id="262" r:id="rId9"/>
+    <p:sldId id="263" r:id="rId10"/>
+    <p:sldId id="264" r:id="rId11"/>
+    <p:sldId id="265" r:id="rId12"/>
+    <p:sldId id="266" r:id="rId13"/>
+    <p:sldId id="267" r:id="rId14"/>
+    <p:sldId id="268" r:id="rId15"/>
+    <p:sldId id="269" r:id="rId16"/>
   </p:sldIdLst>
   <p:sldSz cx="12192000" cy="6858000"/>
-  <p:notesSz cx="7559675" cy="10691812"/>
+  <p:notesSz cx="7559675" cy="10691813"/>
+  <p:defaultTextStyle>
+    <a:defPPr>
+      <a:defRPr lang="fr-FR"/>
+    </a:defPPr>
+    <a:lvl1pPr marL="0" algn="l" defTabSz="914400" rtl="0" eaLnBrk="1" latinLnBrk="0" hangingPunct="1">
+      <a:defRPr sz="1800" kern="1200">
+        <a:solidFill>
+          <a:schemeClr val="tx1"/>
+        </a:solidFill>
+        <a:latin typeface="+mn-lt"/>
+        <a:ea typeface="+mn-ea"/>
+        <a:cs typeface="+mn-cs"/>
+      </a:defRPr>
+    </a:lvl1pPr>
+    <a:lvl2pPr marL="457200" algn="l" defTabSz="914400" rtl="0" eaLnBrk="1" latinLnBrk="0" hangingPunct="1">
+      <a:defRPr sz="1800" kern="1200">
+        <a:solidFill>
+          <a:schemeClr val="tx1"/>
+        </a:solidFill>
+        <a:latin typeface="+mn-lt"/>
+        <a:ea typeface="+mn-ea"/>
+        <a:cs typeface="+mn-cs"/>
+      </a:defRPr>
+    </a:lvl2pPr>
+    <a:lvl3pPr marL="914400" algn="l" defTabSz="914400" rtl="0" eaLnBrk="1" latinLnBrk="0" hangingPunct="1">
+      <a:defRPr sz="1800" kern="1200">
+        <a:solidFill>
+          <a:schemeClr val="tx1"/>
+        </a:solidFill>
+        <a:latin typeface="+mn-lt"/>
+        <a:ea typeface="+mn-ea"/>
+        <a:cs typeface="+mn-cs"/>
+      </a:defRPr>
+    </a:lvl3pPr>
+    <a:lvl4pPr marL="1371600" algn="l" defTabSz="914400" rtl="0" eaLnBrk="1" latinLnBrk="0" hangingPunct="1">
+      <a:defRPr sz="1800" kern="1200">
+        <a:solidFill>
+          <a:schemeClr val="tx1"/>
+        </a:solidFill>
+        <a:latin typeface="+mn-lt"/>
+        <a:ea typeface="+mn-ea"/>
+        <a:cs typeface="+mn-cs"/>
+      </a:defRPr>
+    </a:lvl4pPr>
+    <a:lvl5pPr marL="1828800" algn="l" defTabSz="914400" rtl="0" eaLnBrk="1" latinLnBrk="0" hangingPunct="1">
+      <a:defRPr sz="1800" kern="1200">
+        <a:solidFill>
+          <a:schemeClr val="tx1"/>
+        </a:solidFill>
+        <a:latin typeface="+mn-lt"/>
+        <a:ea typeface="+mn-ea"/>
+        <a:cs typeface="+mn-cs"/>
+      </a:defRPr>
+    </a:lvl5pPr>
+    <a:lvl6pPr marL="2286000" algn="l" defTabSz="914400" rtl="0" eaLnBrk="1" latinLnBrk="0" hangingPunct="1">
+      <a:defRPr sz="1800" kern="1200">
+        <a:solidFill>
+          <a:schemeClr val="tx1"/>
+        </a:solidFill>
+        <a:latin typeface="+mn-lt"/>
+        <a:ea typeface="+mn-ea"/>
+        <a:cs typeface="+mn-cs"/>
+      </a:defRPr>
+    </a:lvl6pPr>
+    <a:lvl7pPr marL="2743200" algn="l" defTabSz="914400" rtl="0" eaLnBrk="1" latinLnBrk="0" hangingPunct="1">
+      <a:defRPr sz="1800" kern="1200">
+        <a:solidFill>
+          <a:schemeClr val="tx1"/>
+        </a:solidFill>
+        <a:latin typeface="+mn-lt"/>
+        <a:ea typeface="+mn-ea"/>
+        <a:cs typeface="+mn-cs"/>
+      </a:defRPr>
+    </a:lvl7pPr>
+    <a:lvl8pPr marL="3200400" algn="l" defTabSz="914400" rtl="0" eaLnBrk="1" latinLnBrk="0" hangingPunct="1">
+      <a:defRPr sz="1800" kern="1200">
+        <a:solidFill>
+          <a:schemeClr val="tx1"/>
+        </a:solidFill>
+        <a:latin typeface="+mn-lt"/>
+        <a:ea typeface="+mn-ea"/>
+        <a:cs typeface="+mn-cs"/>
+      </a:defRPr>
+    </a:lvl8pPr>
+    <a:lvl9pPr marL="3657600" algn="l" defTabSz="914400" rtl="0" eaLnBrk="1" latinLnBrk="0" hangingPunct="1">
+      <a:defRPr sz="1800" kern="1200">
+        <a:solidFill>
+          <a:schemeClr val="tx1"/>
+        </a:solidFill>
+        <a:latin typeface="+mn-lt"/>
+        <a:ea typeface="+mn-ea"/>
+        <a:cs typeface="+mn-cs"/>
+      </a:defRPr>
+    </a:lvl9pPr>
+  </p:defaultTextStyle>
 </p:presentation>
 </file>
 
 <file path=ppt/slideLayouts/slideLayout1.xml><?xml version="1.0" encoding="utf-8"?>
-<p:sldLayout xmlns:a="http://schemas.openxmlformats.org/drawingml/2006/main" xmlns:p="http://schemas.openxmlformats.org/presentationml/2006/main" xmlns:r="http://schemas.openxmlformats.org/officeDocument/2006/relationships" xmlns:p14="http://schemas.microsoft.com/office/powerpoint/2010/main" xmlns:p15="http://schemas.microsoft.com/office/powerpoint/2012/main" xmlns:mc="http://schemas.openxmlformats.org/markup-compatibility/2006" type="blank" preserve="1">
+<p:sldLayout xmlns:a="http://schemas.openxmlformats.org/drawingml/2006/main" xmlns:r="http://schemas.openxmlformats.org/officeDocument/2006/relationships" xmlns:p="http://schemas.openxmlformats.org/presentationml/2006/main" type="blank" preserve="1">
   <p:cSld name="Blank Slide">
     <p:spTree>
       <p:nvGrpSpPr>
@@ -45,11 +140,14 @@
       </p:grpSpPr>
     </p:spTree>
   </p:cSld>
+  <p:clrMapOvr>
+    <a:masterClrMapping/>
+  </p:clrMapOvr>
 </p:sldLayout>
 </file>
 
 <file path=ppt/slideLayouts/slideLayout10.xml><?xml version="1.0" encoding="utf-8"?>
-<p:sldLayout xmlns:a="http://schemas.openxmlformats.org/drawingml/2006/main" xmlns:p="http://schemas.openxmlformats.org/presentationml/2006/main" xmlns:r="http://schemas.openxmlformats.org/officeDocument/2006/relationships" xmlns:p14="http://schemas.microsoft.com/office/powerpoint/2010/main" xmlns:p15="http://schemas.microsoft.com/office/powerpoint/2012/main" xmlns:mc="http://schemas.openxmlformats.org/markup-compatibility/2006" type="objOverTx" preserve="1">
+<p:sldLayout xmlns:a="http://schemas.openxmlformats.org/drawingml/2006/main" xmlns:r="http://schemas.openxmlformats.org/officeDocument/2006/relationships" xmlns:p="http://schemas.openxmlformats.org/presentationml/2006/main" type="objOverTx" preserve="1">
   <p:cSld name="Title, Content over Content">
     <p:spTree>
       <p:nvGrpSpPr>
@@ -85,15 +183,16 @@
           </a:prstGeom>
         </p:spPr>
         <p:txBody>
-          <a:bodyPr lIns="0" rIns="0" tIns="0" bIns="0" anchor="ctr"/>
-          <a:p>
-            <a:endParaRPr b="0" lang="fr-FR" sz="1800" spc="-1" strike="noStrike">
-              <a:solidFill>
-                <a:srgbClr val="000000"/>
-              </a:solidFill>
-              <a:uFill>
-                <a:solidFill>
-                  <a:srgbClr val="ffffff"/>
+          <a:bodyPr lIns="0" tIns="0" rIns="0" bIns="0" anchor="ctr"/>
+          <a:lstStyle/>
+          <a:p>
+            <a:endParaRPr lang="fr-FR" sz="1800" b="0" strike="noStrike" spc="-1">
+              <a:solidFill>
+                <a:srgbClr val="000000"/>
+              </a:solidFill>
+              <a:uFill>
+                <a:solidFill>
+                  <a:srgbClr val="FFFFFF"/>
                 </a:solidFill>
               </a:uFill>
               <a:latin typeface="Arial"/>
@@ -121,15 +220,16 @@
           </a:prstGeom>
         </p:spPr>
         <p:txBody>
-          <a:bodyPr lIns="0" rIns="0" tIns="0" bIns="0"/>
-          <a:p>
-            <a:endParaRPr b="0" lang="fr-FR" sz="2800" spc="-1" strike="noStrike">
-              <a:solidFill>
-                <a:srgbClr val="000000"/>
-              </a:solidFill>
-              <a:uFill>
-                <a:solidFill>
-                  <a:srgbClr val="ffffff"/>
+          <a:bodyPr lIns="0" tIns="0" rIns="0" bIns="0"/>
+          <a:lstStyle/>
+          <a:p>
+            <a:endParaRPr lang="fr-FR" sz="2800" b="0" strike="noStrike" spc="-1">
+              <a:solidFill>
+                <a:srgbClr val="000000"/>
+              </a:solidFill>
+              <a:uFill>
+                <a:solidFill>
+                  <a:srgbClr val="FFFFFF"/>
                 </a:solidFill>
               </a:uFill>
               <a:latin typeface="Arial"/>
@@ -157,15 +257,16 @@
           </a:prstGeom>
         </p:spPr>
         <p:txBody>
-          <a:bodyPr lIns="0" rIns="0" tIns="0" bIns="0"/>
-          <a:p>
-            <a:endParaRPr b="0" lang="fr-FR" sz="2800" spc="-1" strike="noStrike">
-              <a:solidFill>
-                <a:srgbClr val="000000"/>
-              </a:solidFill>
-              <a:uFill>
-                <a:solidFill>
-                  <a:srgbClr val="ffffff"/>
+          <a:bodyPr lIns="0" tIns="0" rIns="0" bIns="0"/>
+          <a:lstStyle/>
+          <a:p>
+            <a:endParaRPr lang="fr-FR" sz="2800" b="0" strike="noStrike" spc="-1">
+              <a:solidFill>
+                <a:srgbClr val="000000"/>
+              </a:solidFill>
+              <a:uFill>
+                <a:solidFill>
+                  <a:srgbClr val="FFFFFF"/>
                 </a:solidFill>
               </a:uFill>
               <a:latin typeface="Arial"/>
@@ -175,11 +276,14 @@
       </p:sp>
     </p:spTree>
   </p:cSld>
+  <p:clrMapOvr>
+    <a:masterClrMapping/>
+  </p:clrMapOvr>
 </p:sldLayout>
 </file>
 
 <file path=ppt/slideLayouts/slideLayout11.xml><?xml version="1.0" encoding="utf-8"?>
-<p:sldLayout xmlns:a="http://schemas.openxmlformats.org/drawingml/2006/main" xmlns:p="http://schemas.openxmlformats.org/presentationml/2006/main" xmlns:r="http://schemas.openxmlformats.org/officeDocument/2006/relationships" xmlns:p14="http://schemas.microsoft.com/office/powerpoint/2010/main" xmlns:p15="http://schemas.microsoft.com/office/powerpoint/2012/main" xmlns:mc="http://schemas.openxmlformats.org/markup-compatibility/2006" type="fourObj" preserve="1">
+<p:sldLayout xmlns:a="http://schemas.openxmlformats.org/drawingml/2006/main" xmlns:r="http://schemas.openxmlformats.org/officeDocument/2006/relationships" xmlns:p="http://schemas.openxmlformats.org/presentationml/2006/main" type="fourObj" preserve="1">
   <p:cSld name="Title, 4 Content">
     <p:spTree>
       <p:nvGrpSpPr>
@@ -215,15 +319,16 @@
           </a:prstGeom>
         </p:spPr>
         <p:txBody>
-          <a:bodyPr lIns="0" rIns="0" tIns="0" bIns="0" anchor="ctr"/>
-          <a:p>
-            <a:endParaRPr b="0" lang="fr-FR" sz="1800" spc="-1" strike="noStrike">
-              <a:solidFill>
-                <a:srgbClr val="000000"/>
-              </a:solidFill>
-              <a:uFill>
-                <a:solidFill>
-                  <a:srgbClr val="ffffff"/>
+          <a:bodyPr lIns="0" tIns="0" rIns="0" bIns="0" anchor="ctr"/>
+          <a:lstStyle/>
+          <a:p>
+            <a:endParaRPr lang="fr-FR" sz="1800" b="0" strike="noStrike" spc="-1">
+              <a:solidFill>
+                <a:srgbClr val="000000"/>
+              </a:solidFill>
+              <a:uFill>
+                <a:solidFill>
+                  <a:srgbClr val="FFFFFF"/>
                 </a:solidFill>
               </a:uFill>
               <a:latin typeface="Arial"/>
@@ -251,15 +356,16 @@
           </a:prstGeom>
         </p:spPr>
         <p:txBody>
-          <a:bodyPr lIns="0" rIns="0" tIns="0" bIns="0"/>
-          <a:p>
-            <a:endParaRPr b="0" lang="fr-FR" sz="2800" spc="-1" strike="noStrike">
-              <a:solidFill>
-                <a:srgbClr val="000000"/>
-              </a:solidFill>
-              <a:uFill>
-                <a:solidFill>
-                  <a:srgbClr val="ffffff"/>
+          <a:bodyPr lIns="0" tIns="0" rIns="0" bIns="0"/>
+          <a:lstStyle/>
+          <a:p>
+            <a:endParaRPr lang="fr-FR" sz="2800" b="0" strike="noStrike" spc="-1">
+              <a:solidFill>
+                <a:srgbClr val="000000"/>
+              </a:solidFill>
+              <a:uFill>
+                <a:solidFill>
+                  <a:srgbClr val="FFFFFF"/>
                 </a:solidFill>
               </a:uFill>
               <a:latin typeface="Arial"/>
@@ -287,15 +393,16 @@
           </a:prstGeom>
         </p:spPr>
         <p:txBody>
-          <a:bodyPr lIns="0" rIns="0" tIns="0" bIns="0"/>
-          <a:p>
-            <a:endParaRPr b="0" lang="fr-FR" sz="2800" spc="-1" strike="noStrike">
-              <a:solidFill>
-                <a:srgbClr val="000000"/>
-              </a:solidFill>
-              <a:uFill>
-                <a:solidFill>
-                  <a:srgbClr val="ffffff"/>
+          <a:bodyPr lIns="0" tIns="0" rIns="0" bIns="0"/>
+          <a:lstStyle/>
+          <a:p>
+            <a:endParaRPr lang="fr-FR" sz="2800" b="0" strike="noStrike" spc="-1">
+              <a:solidFill>
+                <a:srgbClr val="000000"/>
+              </a:solidFill>
+              <a:uFill>
+                <a:solidFill>
+                  <a:srgbClr val="FFFFFF"/>
                 </a:solidFill>
               </a:uFill>
               <a:latin typeface="Arial"/>
@@ -323,15 +430,16 @@
           </a:prstGeom>
         </p:spPr>
         <p:txBody>
-          <a:bodyPr lIns="0" rIns="0" tIns="0" bIns="0"/>
-          <a:p>
-            <a:endParaRPr b="0" lang="fr-FR" sz="2800" spc="-1" strike="noStrike">
-              <a:solidFill>
-                <a:srgbClr val="000000"/>
-              </a:solidFill>
-              <a:uFill>
-                <a:solidFill>
-                  <a:srgbClr val="ffffff"/>
+          <a:bodyPr lIns="0" tIns="0" rIns="0" bIns="0"/>
+          <a:lstStyle/>
+          <a:p>
+            <a:endParaRPr lang="fr-FR" sz="2800" b="0" strike="noStrike" spc="-1">
+              <a:solidFill>
+                <a:srgbClr val="000000"/>
+              </a:solidFill>
+              <a:uFill>
+                <a:solidFill>
+                  <a:srgbClr val="FFFFFF"/>
                 </a:solidFill>
               </a:uFill>
               <a:latin typeface="Arial"/>
@@ -359,15 +467,16 @@
           </a:prstGeom>
         </p:spPr>
         <p:txBody>
-          <a:bodyPr lIns="0" rIns="0" tIns="0" bIns="0"/>
-          <a:p>
-            <a:endParaRPr b="0" lang="fr-FR" sz="2800" spc="-1" strike="noStrike">
-              <a:solidFill>
-                <a:srgbClr val="000000"/>
-              </a:solidFill>
-              <a:uFill>
-                <a:solidFill>
-                  <a:srgbClr val="ffffff"/>
+          <a:bodyPr lIns="0" tIns="0" rIns="0" bIns="0"/>
+          <a:lstStyle/>
+          <a:p>
+            <a:endParaRPr lang="fr-FR" sz="2800" b="0" strike="noStrike" spc="-1">
+              <a:solidFill>
+                <a:srgbClr val="000000"/>
+              </a:solidFill>
+              <a:uFill>
+                <a:solidFill>
+                  <a:srgbClr val="FFFFFF"/>
                 </a:solidFill>
               </a:uFill>
               <a:latin typeface="Arial"/>
@@ -377,11 +486,14 @@
       </p:sp>
     </p:spTree>
   </p:cSld>
+  <p:clrMapOvr>
+    <a:masterClrMapping/>
+  </p:clrMapOvr>
 </p:sldLayout>
 </file>
 
 <file path=ppt/slideLayouts/slideLayout12.xml><?xml version="1.0" encoding="utf-8"?>
-<p:sldLayout xmlns:a="http://schemas.openxmlformats.org/drawingml/2006/main" xmlns:p="http://schemas.openxmlformats.org/presentationml/2006/main" xmlns:r="http://schemas.openxmlformats.org/officeDocument/2006/relationships" xmlns:p14="http://schemas.microsoft.com/office/powerpoint/2010/main" xmlns:p15="http://schemas.microsoft.com/office/powerpoint/2012/main" xmlns:mc="http://schemas.openxmlformats.org/markup-compatibility/2006" type="blank" preserve="1">
+<p:sldLayout xmlns:a="http://schemas.openxmlformats.org/drawingml/2006/main" xmlns:r="http://schemas.openxmlformats.org/officeDocument/2006/relationships" xmlns:p="http://schemas.openxmlformats.org/presentationml/2006/main" type="blank" preserve="1">
   <p:cSld name="Title, 6 Content">
     <p:spTree>
       <p:nvGrpSpPr>
@@ -417,15 +529,16 @@
           </a:prstGeom>
         </p:spPr>
         <p:txBody>
-          <a:bodyPr lIns="0" rIns="0" tIns="0" bIns="0" anchor="ctr"/>
-          <a:p>
-            <a:endParaRPr b="0" lang="fr-FR" sz="1800" spc="-1" strike="noStrike">
-              <a:solidFill>
-                <a:srgbClr val="000000"/>
-              </a:solidFill>
-              <a:uFill>
-                <a:solidFill>
-                  <a:srgbClr val="ffffff"/>
+          <a:bodyPr lIns="0" tIns="0" rIns="0" bIns="0" anchor="ctr"/>
+          <a:lstStyle/>
+          <a:p>
+            <a:endParaRPr lang="fr-FR" sz="1800" b="0" strike="noStrike" spc="-1">
+              <a:solidFill>
+                <a:srgbClr val="000000"/>
+              </a:solidFill>
+              <a:uFill>
+                <a:solidFill>
+                  <a:srgbClr val="FFFFFF"/>
                 </a:solidFill>
               </a:uFill>
               <a:latin typeface="Arial"/>
@@ -453,15 +566,16 @@
           </a:prstGeom>
         </p:spPr>
         <p:txBody>
-          <a:bodyPr lIns="0" rIns="0" tIns="0" bIns="0"/>
-          <a:p>
-            <a:endParaRPr b="0" lang="fr-FR" sz="2800" spc="-1" strike="noStrike">
-              <a:solidFill>
-                <a:srgbClr val="000000"/>
-              </a:solidFill>
-              <a:uFill>
-                <a:solidFill>
-                  <a:srgbClr val="ffffff"/>
+          <a:bodyPr lIns="0" tIns="0" rIns="0" bIns="0"/>
+          <a:lstStyle/>
+          <a:p>
+            <a:endParaRPr lang="fr-FR" sz="2800" b="0" strike="noStrike" spc="-1">
+              <a:solidFill>
+                <a:srgbClr val="000000"/>
+              </a:solidFill>
+              <a:uFill>
+                <a:solidFill>
+                  <a:srgbClr val="FFFFFF"/>
                 </a:solidFill>
               </a:uFill>
               <a:latin typeface="Arial"/>
@@ -489,15 +603,16 @@
           </a:prstGeom>
         </p:spPr>
         <p:txBody>
-          <a:bodyPr lIns="0" rIns="0" tIns="0" bIns="0"/>
-          <a:p>
-            <a:endParaRPr b="0" lang="fr-FR" sz="2800" spc="-1" strike="noStrike">
-              <a:solidFill>
-                <a:srgbClr val="000000"/>
-              </a:solidFill>
-              <a:uFill>
-                <a:solidFill>
-                  <a:srgbClr val="ffffff"/>
+          <a:bodyPr lIns="0" tIns="0" rIns="0" bIns="0"/>
+          <a:lstStyle/>
+          <a:p>
+            <a:endParaRPr lang="fr-FR" sz="2800" b="0" strike="noStrike" spc="-1">
+              <a:solidFill>
+                <a:srgbClr val="000000"/>
+              </a:solidFill>
+              <a:uFill>
+                <a:solidFill>
+                  <a:srgbClr val="FFFFFF"/>
                 </a:solidFill>
               </a:uFill>
               <a:latin typeface="Arial"/>
@@ -507,7 +622,7 @@
       </p:sp>
       <p:pic>
         <p:nvPicPr>
-          <p:cNvPr id="34" name="" descr=""/>
+          <p:cNvPr id="34" name="Image 33"/>
           <p:cNvPicPr/>
           <p:nvPr/>
         </p:nvPicPr>
@@ -530,12 +645,12 @@
       </p:pic>
       <p:pic>
         <p:nvPicPr>
-          <p:cNvPr id="35" name="" descr=""/>
+          <p:cNvPr id="35" name="Image 34"/>
           <p:cNvPicPr/>
           <p:nvPr/>
         </p:nvPicPr>
         <p:blipFill>
-          <a:blip r:embed="rId3"/>
+          <a:blip r:embed="rId2"/>
           <a:stretch/>
         </p:blipFill>
         <p:spPr>
@@ -553,11 +668,14 @@
       </p:pic>
     </p:spTree>
   </p:cSld>
+  <p:clrMapOvr>
+    <a:masterClrMapping/>
+  </p:clrMapOvr>
 </p:sldLayout>
 </file>
 
 <file path=ppt/slideLayouts/slideLayout13.xml><?xml version="1.0" encoding="utf-8"?>
-<p:sldLayout xmlns:a="http://schemas.openxmlformats.org/drawingml/2006/main" xmlns:p="http://schemas.openxmlformats.org/presentationml/2006/main" xmlns:r="http://schemas.openxmlformats.org/officeDocument/2006/relationships" xmlns:p14="http://schemas.microsoft.com/office/powerpoint/2010/main" xmlns:p15="http://schemas.microsoft.com/office/powerpoint/2012/main" xmlns:mc="http://schemas.openxmlformats.org/markup-compatibility/2006" type="blank" preserve="1">
+<p:sldLayout xmlns:a="http://schemas.openxmlformats.org/drawingml/2006/main" xmlns:r="http://schemas.openxmlformats.org/officeDocument/2006/relationships" xmlns:p="http://schemas.openxmlformats.org/presentationml/2006/main" type="blank" preserve="1">
   <p:cSld name="Blank Slide">
     <p:spTree>
       <p:nvGrpSpPr>
@@ -575,11 +693,14 @@
       </p:grpSpPr>
     </p:spTree>
   </p:cSld>
+  <p:clrMapOvr>
+    <a:masterClrMapping/>
+  </p:clrMapOvr>
 </p:sldLayout>
 </file>
 
 <file path=ppt/slideLayouts/slideLayout14.xml><?xml version="1.0" encoding="utf-8"?>
-<p:sldLayout xmlns:a="http://schemas.openxmlformats.org/drawingml/2006/main" xmlns:p="http://schemas.openxmlformats.org/presentationml/2006/main" xmlns:r="http://schemas.openxmlformats.org/officeDocument/2006/relationships" xmlns:p14="http://schemas.microsoft.com/office/powerpoint/2010/main" xmlns:p15="http://schemas.microsoft.com/office/powerpoint/2012/main" xmlns:mc="http://schemas.openxmlformats.org/markup-compatibility/2006" type="tx" preserve="1">
+<p:sldLayout xmlns:a="http://schemas.openxmlformats.org/drawingml/2006/main" xmlns:r="http://schemas.openxmlformats.org/officeDocument/2006/relationships" xmlns:p="http://schemas.openxmlformats.org/presentationml/2006/main" type="tx" preserve="1">
   <p:cSld name="Title Slide">
     <p:spTree>
       <p:nvGrpSpPr>
@@ -615,15 +736,16 @@
           </a:prstGeom>
         </p:spPr>
         <p:txBody>
-          <a:bodyPr lIns="0" rIns="0" tIns="0" bIns="0" anchor="ctr"/>
-          <a:p>
-            <a:endParaRPr b="0" lang="fr-FR" sz="1800" spc="-1" strike="noStrike">
-              <a:solidFill>
-                <a:srgbClr val="000000"/>
-              </a:solidFill>
-              <a:uFill>
-                <a:solidFill>
-                  <a:srgbClr val="ffffff"/>
+          <a:bodyPr lIns="0" tIns="0" rIns="0" bIns="0" anchor="ctr"/>
+          <a:lstStyle/>
+          <a:p>
+            <a:endParaRPr lang="fr-FR" sz="1800" b="0" strike="noStrike" spc="-1">
+              <a:solidFill>
+                <a:srgbClr val="000000"/>
+              </a:solidFill>
+              <a:uFill>
+                <a:solidFill>
+                  <a:srgbClr val="FFFFFF"/>
                 </a:solidFill>
               </a:uFill>
               <a:latin typeface="Arial"/>
@@ -651,16 +773,17 @@
           </a:prstGeom>
         </p:spPr>
         <p:txBody>
-          <a:bodyPr lIns="0" rIns="0" tIns="0" bIns="0" anchor="ctr"/>
+          <a:bodyPr lIns="0" tIns="0" rIns="0" bIns="0" anchor="ctr"/>
+          <a:lstStyle/>
           <a:p>
             <a:pPr algn="ctr"/>
-            <a:endParaRPr b="0" lang="fr-FR" sz="3200" spc="-1" strike="noStrike">
-              <a:solidFill>
-                <a:srgbClr val="000000"/>
-              </a:solidFill>
-              <a:uFill>
-                <a:solidFill>
-                  <a:srgbClr val="ffffff"/>
+            <a:endParaRPr lang="fr-FR" sz="3200" b="0" strike="noStrike" spc="-1">
+              <a:solidFill>
+                <a:srgbClr val="000000"/>
+              </a:solidFill>
+              <a:uFill>
+                <a:solidFill>
+                  <a:srgbClr val="FFFFFF"/>
                 </a:solidFill>
               </a:uFill>
               <a:latin typeface="Arial"/>
@@ -670,11 +793,14 @@
       </p:sp>
     </p:spTree>
   </p:cSld>
+  <p:clrMapOvr>
+    <a:masterClrMapping/>
+  </p:clrMapOvr>
 </p:sldLayout>
 </file>
 
 <file path=ppt/slideLayouts/slideLayout15.xml><?xml version="1.0" encoding="utf-8"?>
-<p:sldLayout xmlns:a="http://schemas.openxmlformats.org/drawingml/2006/main" xmlns:p="http://schemas.openxmlformats.org/presentationml/2006/main" xmlns:r="http://schemas.openxmlformats.org/officeDocument/2006/relationships" xmlns:p14="http://schemas.microsoft.com/office/powerpoint/2010/main" xmlns:p15="http://schemas.microsoft.com/office/powerpoint/2012/main" xmlns:mc="http://schemas.openxmlformats.org/markup-compatibility/2006" type="obj" preserve="1">
+<p:sldLayout xmlns:a="http://schemas.openxmlformats.org/drawingml/2006/main" xmlns:r="http://schemas.openxmlformats.org/officeDocument/2006/relationships" xmlns:p="http://schemas.openxmlformats.org/presentationml/2006/main" type="obj" preserve="1">
   <p:cSld name="Title, Content">
     <p:spTree>
       <p:nvGrpSpPr>
@@ -710,15 +836,16 @@
           </a:prstGeom>
         </p:spPr>
         <p:txBody>
-          <a:bodyPr lIns="0" rIns="0" tIns="0" bIns="0" anchor="ctr"/>
-          <a:p>
-            <a:endParaRPr b="0" lang="fr-FR" sz="1800" spc="-1" strike="noStrike">
-              <a:solidFill>
-                <a:srgbClr val="000000"/>
-              </a:solidFill>
-              <a:uFill>
-                <a:solidFill>
-                  <a:srgbClr val="ffffff"/>
+          <a:bodyPr lIns="0" tIns="0" rIns="0" bIns="0" anchor="ctr"/>
+          <a:lstStyle/>
+          <a:p>
+            <a:endParaRPr lang="fr-FR" sz="1800" b="0" strike="noStrike" spc="-1">
+              <a:solidFill>
+                <a:srgbClr val="000000"/>
+              </a:solidFill>
+              <a:uFill>
+                <a:solidFill>
+                  <a:srgbClr val="FFFFFF"/>
                 </a:solidFill>
               </a:uFill>
               <a:latin typeface="Arial"/>
@@ -746,15 +873,16 @@
           </a:prstGeom>
         </p:spPr>
         <p:txBody>
-          <a:bodyPr lIns="0" rIns="0" tIns="0" bIns="0"/>
-          <a:p>
-            <a:endParaRPr b="0" lang="fr-FR" sz="2800" spc="-1" strike="noStrike">
-              <a:solidFill>
-                <a:srgbClr val="000000"/>
-              </a:solidFill>
-              <a:uFill>
-                <a:solidFill>
-                  <a:srgbClr val="ffffff"/>
+          <a:bodyPr lIns="0" tIns="0" rIns="0" bIns="0"/>
+          <a:lstStyle/>
+          <a:p>
+            <a:endParaRPr lang="fr-FR" sz="2800" b="0" strike="noStrike" spc="-1">
+              <a:solidFill>
+                <a:srgbClr val="000000"/>
+              </a:solidFill>
+              <a:uFill>
+                <a:solidFill>
+                  <a:srgbClr val="FFFFFF"/>
                 </a:solidFill>
               </a:uFill>
               <a:latin typeface="Arial"/>
@@ -764,11 +892,14 @@
       </p:sp>
     </p:spTree>
   </p:cSld>
+  <p:clrMapOvr>
+    <a:masterClrMapping/>
+  </p:clrMapOvr>
 </p:sldLayout>
 </file>
 
 <file path=ppt/slideLayouts/slideLayout16.xml><?xml version="1.0" encoding="utf-8"?>
-<p:sldLayout xmlns:a="http://schemas.openxmlformats.org/drawingml/2006/main" xmlns:p="http://schemas.openxmlformats.org/presentationml/2006/main" xmlns:r="http://schemas.openxmlformats.org/officeDocument/2006/relationships" xmlns:p14="http://schemas.microsoft.com/office/powerpoint/2010/main" xmlns:p15="http://schemas.microsoft.com/office/powerpoint/2012/main" xmlns:mc="http://schemas.openxmlformats.org/markup-compatibility/2006" type="twoObj" preserve="1">
+<p:sldLayout xmlns:a="http://schemas.openxmlformats.org/drawingml/2006/main" xmlns:r="http://schemas.openxmlformats.org/officeDocument/2006/relationships" xmlns:p="http://schemas.openxmlformats.org/presentationml/2006/main" type="twoObj" preserve="1">
   <p:cSld name="Title, 2 Content">
     <p:spTree>
       <p:nvGrpSpPr>
@@ -804,15 +935,16 @@
           </a:prstGeom>
         </p:spPr>
         <p:txBody>
-          <a:bodyPr lIns="0" rIns="0" tIns="0" bIns="0" anchor="ctr"/>
-          <a:p>
-            <a:endParaRPr b="0" lang="fr-FR" sz="1800" spc="-1" strike="noStrike">
-              <a:solidFill>
-                <a:srgbClr val="000000"/>
-              </a:solidFill>
-              <a:uFill>
-                <a:solidFill>
-                  <a:srgbClr val="ffffff"/>
+          <a:bodyPr lIns="0" tIns="0" rIns="0" bIns="0" anchor="ctr"/>
+          <a:lstStyle/>
+          <a:p>
+            <a:endParaRPr lang="fr-FR" sz="1800" b="0" strike="noStrike" spc="-1">
+              <a:solidFill>
+                <a:srgbClr val="000000"/>
+              </a:solidFill>
+              <a:uFill>
+                <a:solidFill>
+                  <a:srgbClr val="FFFFFF"/>
                 </a:solidFill>
               </a:uFill>
               <a:latin typeface="Arial"/>
@@ -840,15 +972,16 @@
           </a:prstGeom>
         </p:spPr>
         <p:txBody>
-          <a:bodyPr lIns="0" rIns="0" tIns="0" bIns="0"/>
-          <a:p>
-            <a:endParaRPr b="0" lang="fr-FR" sz="2800" spc="-1" strike="noStrike">
-              <a:solidFill>
-                <a:srgbClr val="000000"/>
-              </a:solidFill>
-              <a:uFill>
-                <a:solidFill>
-                  <a:srgbClr val="ffffff"/>
+          <a:bodyPr lIns="0" tIns="0" rIns="0" bIns="0"/>
+          <a:lstStyle/>
+          <a:p>
+            <a:endParaRPr lang="fr-FR" sz="2800" b="0" strike="noStrike" spc="-1">
+              <a:solidFill>
+                <a:srgbClr val="000000"/>
+              </a:solidFill>
+              <a:uFill>
+                <a:solidFill>
+                  <a:srgbClr val="FFFFFF"/>
                 </a:solidFill>
               </a:uFill>
               <a:latin typeface="Arial"/>
@@ -876,15 +1009,16 @@
           </a:prstGeom>
         </p:spPr>
         <p:txBody>
-          <a:bodyPr lIns="0" rIns="0" tIns="0" bIns="0"/>
-          <a:p>
-            <a:endParaRPr b="0" lang="fr-FR" sz="2800" spc="-1" strike="noStrike">
-              <a:solidFill>
-                <a:srgbClr val="000000"/>
-              </a:solidFill>
-              <a:uFill>
-                <a:solidFill>
-                  <a:srgbClr val="ffffff"/>
+          <a:bodyPr lIns="0" tIns="0" rIns="0" bIns="0"/>
+          <a:lstStyle/>
+          <a:p>
+            <a:endParaRPr lang="fr-FR" sz="2800" b="0" strike="noStrike" spc="-1">
+              <a:solidFill>
+                <a:srgbClr val="000000"/>
+              </a:solidFill>
+              <a:uFill>
+                <a:solidFill>
+                  <a:srgbClr val="FFFFFF"/>
                 </a:solidFill>
               </a:uFill>
               <a:latin typeface="Arial"/>
@@ -894,11 +1028,14 @@
       </p:sp>
     </p:spTree>
   </p:cSld>
+  <p:clrMapOvr>
+    <a:masterClrMapping/>
+  </p:clrMapOvr>
 </p:sldLayout>
 </file>
 
 <file path=ppt/slideLayouts/slideLayout17.xml><?xml version="1.0" encoding="utf-8"?>
-<p:sldLayout xmlns:a="http://schemas.openxmlformats.org/drawingml/2006/main" xmlns:p="http://schemas.openxmlformats.org/presentationml/2006/main" xmlns:r="http://schemas.openxmlformats.org/officeDocument/2006/relationships" xmlns:p14="http://schemas.microsoft.com/office/powerpoint/2010/main" xmlns:p15="http://schemas.microsoft.com/office/powerpoint/2012/main" xmlns:mc="http://schemas.openxmlformats.org/markup-compatibility/2006" type="titleOnly" preserve="1">
+<p:sldLayout xmlns:a="http://schemas.openxmlformats.org/drawingml/2006/main" xmlns:r="http://schemas.openxmlformats.org/officeDocument/2006/relationships" xmlns:p="http://schemas.openxmlformats.org/presentationml/2006/main" type="titleOnly" preserve="1">
   <p:cSld name="Title Only">
     <p:spTree>
       <p:nvGrpSpPr>
@@ -934,15 +1071,16 @@
           </a:prstGeom>
         </p:spPr>
         <p:txBody>
-          <a:bodyPr lIns="0" rIns="0" tIns="0" bIns="0" anchor="ctr"/>
-          <a:p>
-            <a:endParaRPr b="0" lang="fr-FR" sz="1800" spc="-1" strike="noStrike">
-              <a:solidFill>
-                <a:srgbClr val="000000"/>
-              </a:solidFill>
-              <a:uFill>
-                <a:solidFill>
-                  <a:srgbClr val="ffffff"/>
+          <a:bodyPr lIns="0" tIns="0" rIns="0" bIns="0" anchor="ctr"/>
+          <a:lstStyle/>
+          <a:p>
+            <a:endParaRPr lang="fr-FR" sz="1800" b="0" strike="noStrike" spc="-1">
+              <a:solidFill>
+                <a:srgbClr val="000000"/>
+              </a:solidFill>
+              <a:uFill>
+                <a:solidFill>
+                  <a:srgbClr val="FFFFFF"/>
                 </a:solidFill>
               </a:uFill>
               <a:latin typeface="Arial"/>
@@ -952,11 +1090,14 @@
       </p:sp>
     </p:spTree>
   </p:cSld>
+  <p:clrMapOvr>
+    <a:masterClrMapping/>
+  </p:clrMapOvr>
 </p:sldLayout>
 </file>
 
 <file path=ppt/slideLayouts/slideLayout18.xml><?xml version="1.0" encoding="utf-8"?>
-<p:sldLayout xmlns:a="http://schemas.openxmlformats.org/drawingml/2006/main" xmlns:p="http://schemas.openxmlformats.org/presentationml/2006/main" xmlns:r="http://schemas.openxmlformats.org/officeDocument/2006/relationships" xmlns:p14="http://schemas.microsoft.com/office/powerpoint/2010/main" xmlns:p15="http://schemas.microsoft.com/office/powerpoint/2012/main" xmlns:mc="http://schemas.openxmlformats.org/markup-compatibility/2006" type="objOnly" preserve="1">
+<p:sldLayout xmlns:a="http://schemas.openxmlformats.org/drawingml/2006/main" xmlns:r="http://schemas.openxmlformats.org/officeDocument/2006/relationships" xmlns:p="http://schemas.openxmlformats.org/presentationml/2006/main" type="objOnly" preserve="1">
   <p:cSld name="Centered Text">
     <p:spTree>
       <p:nvGrpSpPr>
@@ -992,16 +1133,17 @@
           </a:prstGeom>
         </p:spPr>
         <p:txBody>
-          <a:bodyPr lIns="0" rIns="0" tIns="0" bIns="0" anchor="ctr"/>
+          <a:bodyPr lIns="0" tIns="0" rIns="0" bIns="0" anchor="ctr"/>
+          <a:lstStyle/>
           <a:p>
             <a:pPr algn="ctr"/>
-            <a:endParaRPr b="0" lang="fr-FR" sz="3200" spc="-1" strike="noStrike">
-              <a:solidFill>
-                <a:srgbClr val="000000"/>
-              </a:solidFill>
-              <a:uFill>
-                <a:solidFill>
-                  <a:srgbClr val="ffffff"/>
+            <a:endParaRPr lang="fr-FR" sz="3200" b="0" strike="noStrike" spc="-1">
+              <a:solidFill>
+                <a:srgbClr val="000000"/>
+              </a:solidFill>
+              <a:uFill>
+                <a:solidFill>
+                  <a:srgbClr val="FFFFFF"/>
                 </a:solidFill>
               </a:uFill>
               <a:latin typeface="Arial"/>
@@ -1011,11 +1153,14 @@
       </p:sp>
     </p:spTree>
   </p:cSld>
+  <p:clrMapOvr>
+    <a:masterClrMapping/>
+  </p:clrMapOvr>
 </p:sldLayout>
 </file>
 
 <file path=ppt/slideLayouts/slideLayout19.xml><?xml version="1.0" encoding="utf-8"?>
-<p:sldLayout xmlns:a="http://schemas.openxmlformats.org/drawingml/2006/main" xmlns:p="http://schemas.openxmlformats.org/presentationml/2006/main" xmlns:r="http://schemas.openxmlformats.org/officeDocument/2006/relationships" xmlns:p14="http://schemas.microsoft.com/office/powerpoint/2010/main" xmlns:p15="http://schemas.microsoft.com/office/powerpoint/2012/main" xmlns:mc="http://schemas.openxmlformats.org/markup-compatibility/2006" type="twoObjAndObj" preserve="1">
+<p:sldLayout xmlns:a="http://schemas.openxmlformats.org/drawingml/2006/main" xmlns:r="http://schemas.openxmlformats.org/officeDocument/2006/relationships" xmlns:p="http://schemas.openxmlformats.org/presentationml/2006/main" type="twoObjAndObj" preserve="1">
   <p:cSld name="Title, 2 Content and Content">
     <p:spTree>
       <p:nvGrpSpPr>
@@ -1051,15 +1196,16 @@
           </a:prstGeom>
         </p:spPr>
         <p:txBody>
-          <a:bodyPr lIns="0" rIns="0" tIns="0" bIns="0" anchor="ctr"/>
-          <a:p>
-            <a:endParaRPr b="0" lang="fr-FR" sz="1800" spc="-1" strike="noStrike">
-              <a:solidFill>
-                <a:srgbClr val="000000"/>
-              </a:solidFill>
-              <a:uFill>
-                <a:solidFill>
-                  <a:srgbClr val="ffffff"/>
+          <a:bodyPr lIns="0" tIns="0" rIns="0" bIns="0" anchor="ctr"/>
+          <a:lstStyle/>
+          <a:p>
+            <a:endParaRPr lang="fr-FR" sz="1800" b="0" strike="noStrike" spc="-1">
+              <a:solidFill>
+                <a:srgbClr val="000000"/>
+              </a:solidFill>
+              <a:uFill>
+                <a:solidFill>
+                  <a:srgbClr val="FFFFFF"/>
                 </a:solidFill>
               </a:uFill>
               <a:latin typeface="Arial"/>
@@ -1087,15 +1233,16 @@
           </a:prstGeom>
         </p:spPr>
         <p:txBody>
-          <a:bodyPr lIns="0" rIns="0" tIns="0" bIns="0"/>
-          <a:p>
-            <a:endParaRPr b="0" lang="fr-FR" sz="2800" spc="-1" strike="noStrike">
-              <a:solidFill>
-                <a:srgbClr val="000000"/>
-              </a:solidFill>
-              <a:uFill>
-                <a:solidFill>
-                  <a:srgbClr val="ffffff"/>
+          <a:bodyPr lIns="0" tIns="0" rIns="0" bIns="0"/>
+          <a:lstStyle/>
+          <a:p>
+            <a:endParaRPr lang="fr-FR" sz="2800" b="0" strike="noStrike" spc="-1">
+              <a:solidFill>
+                <a:srgbClr val="000000"/>
+              </a:solidFill>
+              <a:uFill>
+                <a:solidFill>
+                  <a:srgbClr val="FFFFFF"/>
                 </a:solidFill>
               </a:uFill>
               <a:latin typeface="Arial"/>
@@ -1123,15 +1270,16 @@
           </a:prstGeom>
         </p:spPr>
         <p:txBody>
-          <a:bodyPr lIns="0" rIns="0" tIns="0" bIns="0"/>
-          <a:p>
-            <a:endParaRPr b="0" lang="fr-FR" sz="2800" spc="-1" strike="noStrike">
-              <a:solidFill>
-                <a:srgbClr val="000000"/>
-              </a:solidFill>
-              <a:uFill>
-                <a:solidFill>
-                  <a:srgbClr val="ffffff"/>
+          <a:bodyPr lIns="0" tIns="0" rIns="0" bIns="0"/>
+          <a:lstStyle/>
+          <a:p>
+            <a:endParaRPr lang="fr-FR" sz="2800" b="0" strike="noStrike" spc="-1">
+              <a:solidFill>
+                <a:srgbClr val="000000"/>
+              </a:solidFill>
+              <a:uFill>
+                <a:solidFill>
+                  <a:srgbClr val="FFFFFF"/>
                 </a:solidFill>
               </a:uFill>
               <a:latin typeface="Arial"/>
@@ -1159,15 +1307,16 @@
           </a:prstGeom>
         </p:spPr>
         <p:txBody>
-          <a:bodyPr lIns="0" rIns="0" tIns="0" bIns="0"/>
-          <a:p>
-            <a:endParaRPr b="0" lang="fr-FR" sz="2800" spc="-1" strike="noStrike">
-              <a:solidFill>
-                <a:srgbClr val="000000"/>
-              </a:solidFill>
-              <a:uFill>
-                <a:solidFill>
-                  <a:srgbClr val="ffffff"/>
+          <a:bodyPr lIns="0" tIns="0" rIns="0" bIns="0"/>
+          <a:lstStyle/>
+          <a:p>
+            <a:endParaRPr lang="fr-FR" sz="2800" b="0" strike="noStrike" spc="-1">
+              <a:solidFill>
+                <a:srgbClr val="000000"/>
+              </a:solidFill>
+              <a:uFill>
+                <a:solidFill>
+                  <a:srgbClr val="FFFFFF"/>
                 </a:solidFill>
               </a:uFill>
               <a:latin typeface="Arial"/>
@@ -1177,11 +1326,14 @@
       </p:sp>
     </p:spTree>
   </p:cSld>
+  <p:clrMapOvr>
+    <a:masterClrMapping/>
+  </p:clrMapOvr>
 </p:sldLayout>
 </file>
 
 <file path=ppt/slideLayouts/slideLayout2.xml><?xml version="1.0" encoding="utf-8"?>
-<p:sldLayout xmlns:a="http://schemas.openxmlformats.org/drawingml/2006/main" xmlns:p="http://schemas.openxmlformats.org/presentationml/2006/main" xmlns:r="http://schemas.openxmlformats.org/officeDocument/2006/relationships" xmlns:p14="http://schemas.microsoft.com/office/powerpoint/2010/main" xmlns:p15="http://schemas.microsoft.com/office/powerpoint/2012/main" xmlns:mc="http://schemas.openxmlformats.org/markup-compatibility/2006" type="tx" preserve="1">
+<p:sldLayout xmlns:a="http://schemas.openxmlformats.org/drawingml/2006/main" xmlns:r="http://schemas.openxmlformats.org/officeDocument/2006/relationships" xmlns:p="http://schemas.openxmlformats.org/presentationml/2006/main" type="tx" preserve="1">
   <p:cSld name="Title Slide">
     <p:spTree>
       <p:nvGrpSpPr>
@@ -1217,15 +1369,16 @@
           </a:prstGeom>
         </p:spPr>
         <p:txBody>
-          <a:bodyPr lIns="0" rIns="0" tIns="0" bIns="0" anchor="ctr"/>
-          <a:p>
-            <a:endParaRPr b="0" lang="fr-FR" sz="1800" spc="-1" strike="noStrike">
-              <a:solidFill>
-                <a:srgbClr val="000000"/>
-              </a:solidFill>
-              <a:uFill>
-                <a:solidFill>
-                  <a:srgbClr val="ffffff"/>
+          <a:bodyPr lIns="0" tIns="0" rIns="0" bIns="0" anchor="ctr"/>
+          <a:lstStyle/>
+          <a:p>
+            <a:endParaRPr lang="fr-FR" sz="1800" b="0" strike="noStrike" spc="-1">
+              <a:solidFill>
+                <a:srgbClr val="000000"/>
+              </a:solidFill>
+              <a:uFill>
+                <a:solidFill>
+                  <a:srgbClr val="FFFFFF"/>
                 </a:solidFill>
               </a:uFill>
               <a:latin typeface="Arial"/>
@@ -1253,16 +1406,17 @@
           </a:prstGeom>
         </p:spPr>
         <p:txBody>
-          <a:bodyPr lIns="0" rIns="0" tIns="0" bIns="0" anchor="ctr"/>
+          <a:bodyPr lIns="0" tIns="0" rIns="0" bIns="0" anchor="ctr"/>
+          <a:lstStyle/>
           <a:p>
             <a:pPr algn="ctr"/>
-            <a:endParaRPr b="0" lang="fr-FR" sz="3200" spc="-1" strike="noStrike">
-              <a:solidFill>
-                <a:srgbClr val="000000"/>
-              </a:solidFill>
-              <a:uFill>
-                <a:solidFill>
-                  <a:srgbClr val="ffffff"/>
+            <a:endParaRPr lang="fr-FR" sz="3200" b="0" strike="noStrike" spc="-1">
+              <a:solidFill>
+                <a:srgbClr val="000000"/>
+              </a:solidFill>
+              <a:uFill>
+                <a:solidFill>
+                  <a:srgbClr val="FFFFFF"/>
                 </a:solidFill>
               </a:uFill>
               <a:latin typeface="Arial"/>
@@ -1272,11 +1426,14 @@
       </p:sp>
     </p:spTree>
   </p:cSld>
+  <p:clrMapOvr>
+    <a:masterClrMapping/>
+  </p:clrMapOvr>
 </p:sldLayout>
 </file>
 
 <file path=ppt/slideLayouts/slideLayout20.xml><?xml version="1.0" encoding="utf-8"?>
-<p:sldLayout xmlns:a="http://schemas.openxmlformats.org/drawingml/2006/main" xmlns:p="http://schemas.openxmlformats.org/presentationml/2006/main" xmlns:r="http://schemas.openxmlformats.org/officeDocument/2006/relationships" xmlns:p14="http://schemas.microsoft.com/office/powerpoint/2010/main" xmlns:p15="http://schemas.microsoft.com/office/powerpoint/2012/main" xmlns:mc="http://schemas.openxmlformats.org/markup-compatibility/2006" type="objAndTwoObj" preserve="1">
+<p:sldLayout xmlns:a="http://schemas.openxmlformats.org/drawingml/2006/main" xmlns:r="http://schemas.openxmlformats.org/officeDocument/2006/relationships" xmlns:p="http://schemas.openxmlformats.org/presentationml/2006/main" type="objAndTwoObj" preserve="1">
   <p:cSld name="Title Content and 2 Content">
     <p:spTree>
       <p:nvGrpSpPr>
@@ -1312,15 +1469,16 @@
           </a:prstGeom>
         </p:spPr>
         <p:txBody>
-          <a:bodyPr lIns="0" rIns="0" tIns="0" bIns="0" anchor="ctr"/>
-          <a:p>
-            <a:endParaRPr b="0" lang="fr-FR" sz="1800" spc="-1" strike="noStrike">
-              <a:solidFill>
-                <a:srgbClr val="000000"/>
-              </a:solidFill>
-              <a:uFill>
-                <a:solidFill>
-                  <a:srgbClr val="ffffff"/>
+          <a:bodyPr lIns="0" tIns="0" rIns="0" bIns="0" anchor="ctr"/>
+          <a:lstStyle/>
+          <a:p>
+            <a:endParaRPr lang="fr-FR" sz="1800" b="0" strike="noStrike" spc="-1">
+              <a:solidFill>
+                <a:srgbClr val="000000"/>
+              </a:solidFill>
+              <a:uFill>
+                <a:solidFill>
+                  <a:srgbClr val="FFFFFF"/>
                 </a:solidFill>
               </a:uFill>
               <a:latin typeface="Arial"/>
@@ -1348,15 +1506,16 @@
           </a:prstGeom>
         </p:spPr>
         <p:txBody>
-          <a:bodyPr lIns="0" rIns="0" tIns="0" bIns="0"/>
-          <a:p>
-            <a:endParaRPr b="0" lang="fr-FR" sz="2800" spc="-1" strike="noStrike">
-              <a:solidFill>
-                <a:srgbClr val="000000"/>
-              </a:solidFill>
-              <a:uFill>
-                <a:solidFill>
-                  <a:srgbClr val="ffffff"/>
+          <a:bodyPr lIns="0" tIns="0" rIns="0" bIns="0"/>
+          <a:lstStyle/>
+          <a:p>
+            <a:endParaRPr lang="fr-FR" sz="2800" b="0" strike="noStrike" spc="-1">
+              <a:solidFill>
+                <a:srgbClr val="000000"/>
+              </a:solidFill>
+              <a:uFill>
+                <a:solidFill>
+                  <a:srgbClr val="FFFFFF"/>
                 </a:solidFill>
               </a:uFill>
               <a:latin typeface="Arial"/>
@@ -1384,15 +1543,16 @@
           </a:prstGeom>
         </p:spPr>
         <p:txBody>
-          <a:bodyPr lIns="0" rIns="0" tIns="0" bIns="0"/>
-          <a:p>
-            <a:endParaRPr b="0" lang="fr-FR" sz="2800" spc="-1" strike="noStrike">
-              <a:solidFill>
-                <a:srgbClr val="000000"/>
-              </a:solidFill>
-              <a:uFill>
-                <a:solidFill>
-                  <a:srgbClr val="ffffff"/>
+          <a:bodyPr lIns="0" tIns="0" rIns="0" bIns="0"/>
+          <a:lstStyle/>
+          <a:p>
+            <a:endParaRPr lang="fr-FR" sz="2800" b="0" strike="noStrike" spc="-1">
+              <a:solidFill>
+                <a:srgbClr val="000000"/>
+              </a:solidFill>
+              <a:uFill>
+                <a:solidFill>
+                  <a:srgbClr val="FFFFFF"/>
                 </a:solidFill>
               </a:uFill>
               <a:latin typeface="Arial"/>
@@ -1420,15 +1580,16 @@
           </a:prstGeom>
         </p:spPr>
         <p:txBody>
-          <a:bodyPr lIns="0" rIns="0" tIns="0" bIns="0"/>
-          <a:p>
-            <a:endParaRPr b="0" lang="fr-FR" sz="2800" spc="-1" strike="noStrike">
-              <a:solidFill>
-                <a:srgbClr val="000000"/>
-              </a:solidFill>
-              <a:uFill>
-                <a:solidFill>
-                  <a:srgbClr val="ffffff"/>
+          <a:bodyPr lIns="0" tIns="0" rIns="0" bIns="0"/>
+          <a:lstStyle/>
+          <a:p>
+            <a:endParaRPr lang="fr-FR" sz="2800" b="0" strike="noStrike" spc="-1">
+              <a:solidFill>
+                <a:srgbClr val="000000"/>
+              </a:solidFill>
+              <a:uFill>
+                <a:solidFill>
+                  <a:srgbClr val="FFFFFF"/>
                 </a:solidFill>
               </a:uFill>
               <a:latin typeface="Arial"/>
@@ -1438,11 +1599,14 @@
       </p:sp>
     </p:spTree>
   </p:cSld>
+  <p:clrMapOvr>
+    <a:masterClrMapping/>
+  </p:clrMapOvr>
 </p:sldLayout>
 </file>
 
 <file path=ppt/slideLayouts/slideLayout21.xml><?xml version="1.0" encoding="utf-8"?>
-<p:sldLayout xmlns:a="http://schemas.openxmlformats.org/drawingml/2006/main" xmlns:p="http://schemas.openxmlformats.org/presentationml/2006/main" xmlns:r="http://schemas.openxmlformats.org/officeDocument/2006/relationships" xmlns:p14="http://schemas.microsoft.com/office/powerpoint/2010/main" xmlns:p15="http://schemas.microsoft.com/office/powerpoint/2012/main" xmlns:mc="http://schemas.openxmlformats.org/markup-compatibility/2006" type="twoObjOverTx" preserve="1">
+<p:sldLayout xmlns:a="http://schemas.openxmlformats.org/drawingml/2006/main" xmlns:r="http://schemas.openxmlformats.org/officeDocument/2006/relationships" xmlns:p="http://schemas.openxmlformats.org/presentationml/2006/main" type="twoObjOverTx" preserve="1">
   <p:cSld name="Title, 2 Content over Content">
     <p:spTree>
       <p:nvGrpSpPr>
@@ -1478,15 +1642,16 @@
           </a:prstGeom>
         </p:spPr>
         <p:txBody>
-          <a:bodyPr lIns="0" rIns="0" tIns="0" bIns="0" anchor="ctr"/>
-          <a:p>
-            <a:endParaRPr b="0" lang="fr-FR" sz="1800" spc="-1" strike="noStrike">
-              <a:solidFill>
-                <a:srgbClr val="000000"/>
-              </a:solidFill>
-              <a:uFill>
-                <a:solidFill>
-                  <a:srgbClr val="ffffff"/>
+          <a:bodyPr lIns="0" tIns="0" rIns="0" bIns="0" anchor="ctr"/>
+          <a:lstStyle/>
+          <a:p>
+            <a:endParaRPr lang="fr-FR" sz="1800" b="0" strike="noStrike" spc="-1">
+              <a:solidFill>
+                <a:srgbClr val="000000"/>
+              </a:solidFill>
+              <a:uFill>
+                <a:solidFill>
+                  <a:srgbClr val="FFFFFF"/>
                 </a:solidFill>
               </a:uFill>
               <a:latin typeface="Arial"/>
@@ -1514,15 +1679,16 @@
           </a:prstGeom>
         </p:spPr>
         <p:txBody>
-          <a:bodyPr lIns="0" rIns="0" tIns="0" bIns="0"/>
-          <a:p>
-            <a:endParaRPr b="0" lang="fr-FR" sz="2800" spc="-1" strike="noStrike">
-              <a:solidFill>
-                <a:srgbClr val="000000"/>
-              </a:solidFill>
-              <a:uFill>
-                <a:solidFill>
-                  <a:srgbClr val="ffffff"/>
+          <a:bodyPr lIns="0" tIns="0" rIns="0" bIns="0"/>
+          <a:lstStyle/>
+          <a:p>
+            <a:endParaRPr lang="fr-FR" sz="2800" b="0" strike="noStrike" spc="-1">
+              <a:solidFill>
+                <a:srgbClr val="000000"/>
+              </a:solidFill>
+              <a:uFill>
+                <a:solidFill>
+                  <a:srgbClr val="FFFFFF"/>
                 </a:solidFill>
               </a:uFill>
               <a:latin typeface="Arial"/>
@@ -1550,15 +1716,16 @@
           </a:prstGeom>
         </p:spPr>
         <p:txBody>
-          <a:bodyPr lIns="0" rIns="0" tIns="0" bIns="0"/>
-          <a:p>
-            <a:endParaRPr b="0" lang="fr-FR" sz="2800" spc="-1" strike="noStrike">
-              <a:solidFill>
-                <a:srgbClr val="000000"/>
-              </a:solidFill>
-              <a:uFill>
-                <a:solidFill>
-                  <a:srgbClr val="ffffff"/>
+          <a:bodyPr lIns="0" tIns="0" rIns="0" bIns="0"/>
+          <a:lstStyle/>
+          <a:p>
+            <a:endParaRPr lang="fr-FR" sz="2800" b="0" strike="noStrike" spc="-1">
+              <a:solidFill>
+                <a:srgbClr val="000000"/>
+              </a:solidFill>
+              <a:uFill>
+                <a:solidFill>
+                  <a:srgbClr val="FFFFFF"/>
                 </a:solidFill>
               </a:uFill>
               <a:latin typeface="Arial"/>
@@ -1586,15 +1753,16 @@
           </a:prstGeom>
         </p:spPr>
         <p:txBody>
-          <a:bodyPr lIns="0" rIns="0" tIns="0" bIns="0"/>
-          <a:p>
-            <a:endParaRPr b="0" lang="fr-FR" sz="2800" spc="-1" strike="noStrike">
-              <a:solidFill>
-                <a:srgbClr val="000000"/>
-              </a:solidFill>
-              <a:uFill>
-                <a:solidFill>
-                  <a:srgbClr val="ffffff"/>
+          <a:bodyPr lIns="0" tIns="0" rIns="0" bIns="0"/>
+          <a:lstStyle/>
+          <a:p>
+            <a:endParaRPr lang="fr-FR" sz="2800" b="0" strike="noStrike" spc="-1">
+              <a:solidFill>
+                <a:srgbClr val="000000"/>
+              </a:solidFill>
+              <a:uFill>
+                <a:solidFill>
+                  <a:srgbClr val="FFFFFF"/>
                 </a:solidFill>
               </a:uFill>
               <a:latin typeface="Arial"/>
@@ -1604,11 +1772,14 @@
       </p:sp>
     </p:spTree>
   </p:cSld>
+  <p:clrMapOvr>
+    <a:masterClrMapping/>
+  </p:clrMapOvr>
 </p:sldLayout>
 </file>
 
 <file path=ppt/slideLayouts/slideLayout22.xml><?xml version="1.0" encoding="utf-8"?>
-<p:sldLayout xmlns:a="http://schemas.openxmlformats.org/drawingml/2006/main" xmlns:p="http://schemas.openxmlformats.org/presentationml/2006/main" xmlns:r="http://schemas.openxmlformats.org/officeDocument/2006/relationships" xmlns:p14="http://schemas.microsoft.com/office/powerpoint/2010/main" xmlns:p15="http://schemas.microsoft.com/office/powerpoint/2012/main" xmlns:mc="http://schemas.openxmlformats.org/markup-compatibility/2006" type="objOverTx" preserve="1">
+<p:sldLayout xmlns:a="http://schemas.openxmlformats.org/drawingml/2006/main" xmlns:r="http://schemas.openxmlformats.org/officeDocument/2006/relationships" xmlns:p="http://schemas.openxmlformats.org/presentationml/2006/main" type="objOverTx" preserve="1">
   <p:cSld name="Title, Content over Content">
     <p:spTree>
       <p:nvGrpSpPr>
@@ -1644,15 +1815,16 @@
           </a:prstGeom>
         </p:spPr>
         <p:txBody>
-          <a:bodyPr lIns="0" rIns="0" tIns="0" bIns="0" anchor="ctr"/>
-          <a:p>
-            <a:endParaRPr b="0" lang="fr-FR" sz="1800" spc="-1" strike="noStrike">
-              <a:solidFill>
-                <a:srgbClr val="000000"/>
-              </a:solidFill>
-              <a:uFill>
-                <a:solidFill>
-                  <a:srgbClr val="ffffff"/>
+          <a:bodyPr lIns="0" tIns="0" rIns="0" bIns="0" anchor="ctr"/>
+          <a:lstStyle/>
+          <a:p>
+            <a:endParaRPr lang="fr-FR" sz="1800" b="0" strike="noStrike" spc="-1">
+              <a:solidFill>
+                <a:srgbClr val="000000"/>
+              </a:solidFill>
+              <a:uFill>
+                <a:solidFill>
+                  <a:srgbClr val="FFFFFF"/>
                 </a:solidFill>
               </a:uFill>
               <a:latin typeface="Arial"/>
@@ -1680,15 +1852,16 @@
           </a:prstGeom>
         </p:spPr>
         <p:txBody>
-          <a:bodyPr lIns="0" rIns="0" tIns="0" bIns="0"/>
-          <a:p>
-            <a:endParaRPr b="0" lang="fr-FR" sz="2800" spc="-1" strike="noStrike">
-              <a:solidFill>
-                <a:srgbClr val="000000"/>
-              </a:solidFill>
-              <a:uFill>
-                <a:solidFill>
-                  <a:srgbClr val="ffffff"/>
+          <a:bodyPr lIns="0" tIns="0" rIns="0" bIns="0"/>
+          <a:lstStyle/>
+          <a:p>
+            <a:endParaRPr lang="fr-FR" sz="2800" b="0" strike="noStrike" spc="-1">
+              <a:solidFill>
+                <a:srgbClr val="000000"/>
+              </a:solidFill>
+              <a:uFill>
+                <a:solidFill>
+                  <a:srgbClr val="FFFFFF"/>
                 </a:solidFill>
               </a:uFill>
               <a:latin typeface="Arial"/>
@@ -1716,15 +1889,16 @@
           </a:prstGeom>
         </p:spPr>
         <p:txBody>
-          <a:bodyPr lIns="0" rIns="0" tIns="0" bIns="0"/>
-          <a:p>
-            <a:endParaRPr b="0" lang="fr-FR" sz="2800" spc="-1" strike="noStrike">
-              <a:solidFill>
-                <a:srgbClr val="000000"/>
-              </a:solidFill>
-              <a:uFill>
-                <a:solidFill>
-                  <a:srgbClr val="ffffff"/>
+          <a:bodyPr lIns="0" tIns="0" rIns="0" bIns="0"/>
+          <a:lstStyle/>
+          <a:p>
+            <a:endParaRPr lang="fr-FR" sz="2800" b="0" strike="noStrike" spc="-1">
+              <a:solidFill>
+                <a:srgbClr val="000000"/>
+              </a:solidFill>
+              <a:uFill>
+                <a:solidFill>
+                  <a:srgbClr val="FFFFFF"/>
                 </a:solidFill>
               </a:uFill>
               <a:latin typeface="Arial"/>
@@ -1734,11 +1908,14 @@
       </p:sp>
     </p:spTree>
   </p:cSld>
+  <p:clrMapOvr>
+    <a:masterClrMapping/>
+  </p:clrMapOvr>
 </p:sldLayout>
 </file>
 
 <file path=ppt/slideLayouts/slideLayout23.xml><?xml version="1.0" encoding="utf-8"?>
-<p:sldLayout xmlns:a="http://schemas.openxmlformats.org/drawingml/2006/main" xmlns:p="http://schemas.openxmlformats.org/presentationml/2006/main" xmlns:r="http://schemas.openxmlformats.org/officeDocument/2006/relationships" xmlns:p14="http://schemas.microsoft.com/office/powerpoint/2010/main" xmlns:p15="http://schemas.microsoft.com/office/powerpoint/2012/main" xmlns:mc="http://schemas.openxmlformats.org/markup-compatibility/2006" type="fourObj" preserve="1">
+<p:sldLayout xmlns:a="http://schemas.openxmlformats.org/drawingml/2006/main" xmlns:r="http://schemas.openxmlformats.org/officeDocument/2006/relationships" xmlns:p="http://schemas.openxmlformats.org/presentationml/2006/main" type="fourObj" preserve="1">
   <p:cSld name="Title, 4 Content">
     <p:spTree>
       <p:nvGrpSpPr>
@@ -1774,15 +1951,16 @@
           </a:prstGeom>
         </p:spPr>
         <p:txBody>
-          <a:bodyPr lIns="0" rIns="0" tIns="0" bIns="0" anchor="ctr"/>
-          <a:p>
-            <a:endParaRPr b="0" lang="fr-FR" sz="1800" spc="-1" strike="noStrike">
-              <a:solidFill>
-                <a:srgbClr val="000000"/>
-              </a:solidFill>
-              <a:uFill>
-                <a:solidFill>
-                  <a:srgbClr val="ffffff"/>
+          <a:bodyPr lIns="0" tIns="0" rIns="0" bIns="0" anchor="ctr"/>
+          <a:lstStyle/>
+          <a:p>
+            <a:endParaRPr lang="fr-FR" sz="1800" b="0" strike="noStrike" spc="-1">
+              <a:solidFill>
+                <a:srgbClr val="000000"/>
+              </a:solidFill>
+              <a:uFill>
+                <a:solidFill>
+                  <a:srgbClr val="FFFFFF"/>
                 </a:solidFill>
               </a:uFill>
               <a:latin typeface="Arial"/>
@@ -1810,15 +1988,16 @@
           </a:prstGeom>
         </p:spPr>
         <p:txBody>
-          <a:bodyPr lIns="0" rIns="0" tIns="0" bIns="0"/>
-          <a:p>
-            <a:endParaRPr b="0" lang="fr-FR" sz="2800" spc="-1" strike="noStrike">
-              <a:solidFill>
-                <a:srgbClr val="000000"/>
-              </a:solidFill>
-              <a:uFill>
-                <a:solidFill>
-                  <a:srgbClr val="ffffff"/>
+          <a:bodyPr lIns="0" tIns="0" rIns="0" bIns="0"/>
+          <a:lstStyle/>
+          <a:p>
+            <a:endParaRPr lang="fr-FR" sz="2800" b="0" strike="noStrike" spc="-1">
+              <a:solidFill>
+                <a:srgbClr val="000000"/>
+              </a:solidFill>
+              <a:uFill>
+                <a:solidFill>
+                  <a:srgbClr val="FFFFFF"/>
                 </a:solidFill>
               </a:uFill>
               <a:latin typeface="Arial"/>
@@ -1846,15 +2025,16 @@
           </a:prstGeom>
         </p:spPr>
         <p:txBody>
-          <a:bodyPr lIns="0" rIns="0" tIns="0" bIns="0"/>
-          <a:p>
-            <a:endParaRPr b="0" lang="fr-FR" sz="2800" spc="-1" strike="noStrike">
-              <a:solidFill>
-                <a:srgbClr val="000000"/>
-              </a:solidFill>
-              <a:uFill>
-                <a:solidFill>
-                  <a:srgbClr val="ffffff"/>
+          <a:bodyPr lIns="0" tIns="0" rIns="0" bIns="0"/>
+          <a:lstStyle/>
+          <a:p>
+            <a:endParaRPr lang="fr-FR" sz="2800" b="0" strike="noStrike" spc="-1">
+              <a:solidFill>
+                <a:srgbClr val="000000"/>
+              </a:solidFill>
+              <a:uFill>
+                <a:solidFill>
+                  <a:srgbClr val="FFFFFF"/>
                 </a:solidFill>
               </a:uFill>
               <a:latin typeface="Arial"/>
@@ -1882,15 +2062,16 @@
           </a:prstGeom>
         </p:spPr>
         <p:txBody>
-          <a:bodyPr lIns="0" rIns="0" tIns="0" bIns="0"/>
-          <a:p>
-            <a:endParaRPr b="0" lang="fr-FR" sz="2800" spc="-1" strike="noStrike">
-              <a:solidFill>
-                <a:srgbClr val="000000"/>
-              </a:solidFill>
-              <a:uFill>
-                <a:solidFill>
-                  <a:srgbClr val="ffffff"/>
+          <a:bodyPr lIns="0" tIns="0" rIns="0" bIns="0"/>
+          <a:lstStyle/>
+          <a:p>
+            <a:endParaRPr lang="fr-FR" sz="2800" b="0" strike="noStrike" spc="-1">
+              <a:solidFill>
+                <a:srgbClr val="000000"/>
+              </a:solidFill>
+              <a:uFill>
+                <a:solidFill>
+                  <a:srgbClr val="FFFFFF"/>
                 </a:solidFill>
               </a:uFill>
               <a:latin typeface="Arial"/>
@@ -1918,15 +2099,16 @@
           </a:prstGeom>
         </p:spPr>
         <p:txBody>
-          <a:bodyPr lIns="0" rIns="0" tIns="0" bIns="0"/>
-          <a:p>
-            <a:endParaRPr b="0" lang="fr-FR" sz="2800" spc="-1" strike="noStrike">
-              <a:solidFill>
-                <a:srgbClr val="000000"/>
-              </a:solidFill>
-              <a:uFill>
-                <a:solidFill>
-                  <a:srgbClr val="ffffff"/>
+          <a:bodyPr lIns="0" tIns="0" rIns="0" bIns="0"/>
+          <a:lstStyle/>
+          <a:p>
+            <a:endParaRPr lang="fr-FR" sz="2800" b="0" strike="noStrike" spc="-1">
+              <a:solidFill>
+                <a:srgbClr val="000000"/>
+              </a:solidFill>
+              <a:uFill>
+                <a:solidFill>
+                  <a:srgbClr val="FFFFFF"/>
                 </a:solidFill>
               </a:uFill>
               <a:latin typeface="Arial"/>
@@ -1936,11 +2118,14 @@
       </p:sp>
     </p:spTree>
   </p:cSld>
+  <p:clrMapOvr>
+    <a:masterClrMapping/>
+  </p:clrMapOvr>
 </p:sldLayout>
 </file>
 
 <file path=ppt/slideLayouts/slideLayout24.xml><?xml version="1.0" encoding="utf-8"?>
-<p:sldLayout xmlns:a="http://schemas.openxmlformats.org/drawingml/2006/main" xmlns:p="http://schemas.openxmlformats.org/presentationml/2006/main" xmlns:r="http://schemas.openxmlformats.org/officeDocument/2006/relationships" xmlns:p14="http://schemas.microsoft.com/office/powerpoint/2010/main" xmlns:p15="http://schemas.microsoft.com/office/powerpoint/2012/main" xmlns:mc="http://schemas.openxmlformats.org/markup-compatibility/2006" type="blank" preserve="1">
+<p:sldLayout xmlns:a="http://schemas.openxmlformats.org/drawingml/2006/main" xmlns:r="http://schemas.openxmlformats.org/officeDocument/2006/relationships" xmlns:p="http://schemas.openxmlformats.org/presentationml/2006/main" type="blank" preserve="1">
   <p:cSld name="Title, 6 Content">
     <p:spTree>
       <p:nvGrpSpPr>
@@ -1976,15 +2161,16 @@
           </a:prstGeom>
         </p:spPr>
         <p:txBody>
-          <a:bodyPr lIns="0" rIns="0" tIns="0" bIns="0" anchor="ctr"/>
-          <a:p>
-            <a:endParaRPr b="0" lang="fr-FR" sz="1800" spc="-1" strike="noStrike">
-              <a:solidFill>
-                <a:srgbClr val="000000"/>
-              </a:solidFill>
-              <a:uFill>
-                <a:solidFill>
-                  <a:srgbClr val="ffffff"/>
+          <a:bodyPr lIns="0" tIns="0" rIns="0" bIns="0" anchor="ctr"/>
+          <a:lstStyle/>
+          <a:p>
+            <a:endParaRPr lang="fr-FR" sz="1800" b="0" strike="noStrike" spc="-1">
+              <a:solidFill>
+                <a:srgbClr val="000000"/>
+              </a:solidFill>
+              <a:uFill>
+                <a:solidFill>
+                  <a:srgbClr val="FFFFFF"/>
                 </a:solidFill>
               </a:uFill>
               <a:latin typeface="Arial"/>
@@ -2012,15 +2198,16 @@
           </a:prstGeom>
         </p:spPr>
         <p:txBody>
-          <a:bodyPr lIns="0" rIns="0" tIns="0" bIns="0"/>
-          <a:p>
-            <a:endParaRPr b="0" lang="fr-FR" sz="2800" spc="-1" strike="noStrike">
-              <a:solidFill>
-                <a:srgbClr val="000000"/>
-              </a:solidFill>
-              <a:uFill>
-                <a:solidFill>
-                  <a:srgbClr val="ffffff"/>
+          <a:bodyPr lIns="0" tIns="0" rIns="0" bIns="0"/>
+          <a:lstStyle/>
+          <a:p>
+            <a:endParaRPr lang="fr-FR" sz="2800" b="0" strike="noStrike" spc="-1">
+              <a:solidFill>
+                <a:srgbClr val="000000"/>
+              </a:solidFill>
+              <a:uFill>
+                <a:solidFill>
+                  <a:srgbClr val="FFFFFF"/>
                 </a:solidFill>
               </a:uFill>
               <a:latin typeface="Arial"/>
@@ -2048,15 +2235,16 @@
           </a:prstGeom>
         </p:spPr>
         <p:txBody>
-          <a:bodyPr lIns="0" rIns="0" tIns="0" bIns="0"/>
-          <a:p>
-            <a:endParaRPr b="0" lang="fr-FR" sz="2800" spc="-1" strike="noStrike">
-              <a:solidFill>
-                <a:srgbClr val="000000"/>
-              </a:solidFill>
-              <a:uFill>
-                <a:solidFill>
-                  <a:srgbClr val="ffffff"/>
+          <a:bodyPr lIns="0" tIns="0" rIns="0" bIns="0"/>
+          <a:lstStyle/>
+          <a:p>
+            <a:endParaRPr lang="fr-FR" sz="2800" b="0" strike="noStrike" spc="-1">
+              <a:solidFill>
+                <a:srgbClr val="000000"/>
+              </a:solidFill>
+              <a:uFill>
+                <a:solidFill>
+                  <a:srgbClr val="FFFFFF"/>
                 </a:solidFill>
               </a:uFill>
               <a:latin typeface="Arial"/>
@@ -2066,7 +2254,7 @@
       </p:sp>
       <p:pic>
         <p:nvPicPr>
-          <p:cNvPr id="70" name="" descr=""/>
+          <p:cNvPr id="70" name="Image 69"/>
           <p:cNvPicPr/>
           <p:nvPr/>
         </p:nvPicPr>
@@ -2089,12 +2277,12 @@
       </p:pic>
       <p:pic>
         <p:nvPicPr>
-          <p:cNvPr id="71" name="" descr=""/>
+          <p:cNvPr id="71" name="Image 70"/>
           <p:cNvPicPr/>
           <p:nvPr/>
         </p:nvPicPr>
         <p:blipFill>
-          <a:blip r:embed="rId3"/>
+          <a:blip r:embed="rId2"/>
           <a:stretch/>
         </p:blipFill>
         <p:spPr>
@@ -2112,11 +2300,14 @@
       </p:pic>
     </p:spTree>
   </p:cSld>
+  <p:clrMapOvr>
+    <a:masterClrMapping/>
+  </p:clrMapOvr>
 </p:sldLayout>
 </file>
 
 <file path=ppt/slideLayouts/slideLayout3.xml><?xml version="1.0" encoding="utf-8"?>
-<p:sldLayout xmlns:a="http://schemas.openxmlformats.org/drawingml/2006/main" xmlns:p="http://schemas.openxmlformats.org/presentationml/2006/main" xmlns:r="http://schemas.openxmlformats.org/officeDocument/2006/relationships" xmlns:p14="http://schemas.microsoft.com/office/powerpoint/2010/main" xmlns:p15="http://schemas.microsoft.com/office/powerpoint/2012/main" xmlns:mc="http://schemas.openxmlformats.org/markup-compatibility/2006" type="obj" preserve="1">
+<p:sldLayout xmlns:a="http://schemas.openxmlformats.org/drawingml/2006/main" xmlns:r="http://schemas.openxmlformats.org/officeDocument/2006/relationships" xmlns:p="http://schemas.openxmlformats.org/presentationml/2006/main" type="obj" preserve="1">
   <p:cSld name="Title, Content">
     <p:spTree>
       <p:nvGrpSpPr>
@@ -2152,15 +2343,16 @@
           </a:prstGeom>
         </p:spPr>
         <p:txBody>
-          <a:bodyPr lIns="0" rIns="0" tIns="0" bIns="0" anchor="ctr"/>
-          <a:p>
-            <a:endParaRPr b="0" lang="fr-FR" sz="1800" spc="-1" strike="noStrike">
-              <a:solidFill>
-                <a:srgbClr val="000000"/>
-              </a:solidFill>
-              <a:uFill>
-                <a:solidFill>
-                  <a:srgbClr val="ffffff"/>
+          <a:bodyPr lIns="0" tIns="0" rIns="0" bIns="0" anchor="ctr"/>
+          <a:lstStyle/>
+          <a:p>
+            <a:endParaRPr lang="fr-FR" sz="1800" b="0" strike="noStrike" spc="-1">
+              <a:solidFill>
+                <a:srgbClr val="000000"/>
+              </a:solidFill>
+              <a:uFill>
+                <a:solidFill>
+                  <a:srgbClr val="FFFFFF"/>
                 </a:solidFill>
               </a:uFill>
               <a:latin typeface="Arial"/>
@@ -2188,15 +2380,16 @@
           </a:prstGeom>
         </p:spPr>
         <p:txBody>
-          <a:bodyPr lIns="0" rIns="0" tIns="0" bIns="0"/>
-          <a:p>
-            <a:endParaRPr b="0" lang="fr-FR" sz="2800" spc="-1" strike="noStrike">
-              <a:solidFill>
-                <a:srgbClr val="000000"/>
-              </a:solidFill>
-              <a:uFill>
-                <a:solidFill>
-                  <a:srgbClr val="ffffff"/>
+          <a:bodyPr lIns="0" tIns="0" rIns="0" bIns="0"/>
+          <a:lstStyle/>
+          <a:p>
+            <a:endParaRPr lang="fr-FR" sz="2800" b="0" strike="noStrike" spc="-1">
+              <a:solidFill>
+                <a:srgbClr val="000000"/>
+              </a:solidFill>
+              <a:uFill>
+                <a:solidFill>
+                  <a:srgbClr val="FFFFFF"/>
                 </a:solidFill>
               </a:uFill>
               <a:latin typeface="Arial"/>
@@ -2206,11 +2399,14 @@
       </p:sp>
     </p:spTree>
   </p:cSld>
+  <p:clrMapOvr>
+    <a:masterClrMapping/>
+  </p:clrMapOvr>
 </p:sldLayout>
 </file>
 
 <file path=ppt/slideLayouts/slideLayout4.xml><?xml version="1.0" encoding="utf-8"?>
-<p:sldLayout xmlns:a="http://schemas.openxmlformats.org/drawingml/2006/main" xmlns:p="http://schemas.openxmlformats.org/presentationml/2006/main" xmlns:r="http://schemas.openxmlformats.org/officeDocument/2006/relationships" xmlns:p14="http://schemas.microsoft.com/office/powerpoint/2010/main" xmlns:p15="http://schemas.microsoft.com/office/powerpoint/2012/main" xmlns:mc="http://schemas.openxmlformats.org/markup-compatibility/2006" type="twoObj" preserve="1">
+<p:sldLayout xmlns:a="http://schemas.openxmlformats.org/drawingml/2006/main" xmlns:r="http://schemas.openxmlformats.org/officeDocument/2006/relationships" xmlns:p="http://schemas.openxmlformats.org/presentationml/2006/main" type="twoObj" preserve="1">
   <p:cSld name="Title, 2 Content">
     <p:spTree>
       <p:nvGrpSpPr>
@@ -2246,15 +2442,16 @@
           </a:prstGeom>
         </p:spPr>
         <p:txBody>
-          <a:bodyPr lIns="0" rIns="0" tIns="0" bIns="0" anchor="ctr"/>
-          <a:p>
-            <a:endParaRPr b="0" lang="fr-FR" sz="1800" spc="-1" strike="noStrike">
-              <a:solidFill>
-                <a:srgbClr val="000000"/>
-              </a:solidFill>
-              <a:uFill>
-                <a:solidFill>
-                  <a:srgbClr val="ffffff"/>
+          <a:bodyPr lIns="0" tIns="0" rIns="0" bIns="0" anchor="ctr"/>
+          <a:lstStyle/>
+          <a:p>
+            <a:endParaRPr lang="fr-FR" sz="1800" b="0" strike="noStrike" spc="-1">
+              <a:solidFill>
+                <a:srgbClr val="000000"/>
+              </a:solidFill>
+              <a:uFill>
+                <a:solidFill>
+                  <a:srgbClr val="FFFFFF"/>
                 </a:solidFill>
               </a:uFill>
               <a:latin typeface="Arial"/>
@@ -2282,15 +2479,16 @@
           </a:prstGeom>
         </p:spPr>
         <p:txBody>
-          <a:bodyPr lIns="0" rIns="0" tIns="0" bIns="0"/>
-          <a:p>
-            <a:endParaRPr b="0" lang="fr-FR" sz="2800" spc="-1" strike="noStrike">
-              <a:solidFill>
-                <a:srgbClr val="000000"/>
-              </a:solidFill>
-              <a:uFill>
-                <a:solidFill>
-                  <a:srgbClr val="ffffff"/>
+          <a:bodyPr lIns="0" tIns="0" rIns="0" bIns="0"/>
+          <a:lstStyle/>
+          <a:p>
+            <a:endParaRPr lang="fr-FR" sz="2800" b="0" strike="noStrike" spc="-1">
+              <a:solidFill>
+                <a:srgbClr val="000000"/>
+              </a:solidFill>
+              <a:uFill>
+                <a:solidFill>
+                  <a:srgbClr val="FFFFFF"/>
                 </a:solidFill>
               </a:uFill>
               <a:latin typeface="Arial"/>
@@ -2318,15 +2516,16 @@
           </a:prstGeom>
         </p:spPr>
         <p:txBody>
-          <a:bodyPr lIns="0" rIns="0" tIns="0" bIns="0"/>
-          <a:p>
-            <a:endParaRPr b="0" lang="fr-FR" sz="2800" spc="-1" strike="noStrike">
-              <a:solidFill>
-                <a:srgbClr val="000000"/>
-              </a:solidFill>
-              <a:uFill>
-                <a:solidFill>
-                  <a:srgbClr val="ffffff"/>
+          <a:bodyPr lIns="0" tIns="0" rIns="0" bIns="0"/>
+          <a:lstStyle/>
+          <a:p>
+            <a:endParaRPr lang="fr-FR" sz="2800" b="0" strike="noStrike" spc="-1">
+              <a:solidFill>
+                <a:srgbClr val="000000"/>
+              </a:solidFill>
+              <a:uFill>
+                <a:solidFill>
+                  <a:srgbClr val="FFFFFF"/>
                 </a:solidFill>
               </a:uFill>
               <a:latin typeface="Arial"/>
@@ -2336,11 +2535,14 @@
       </p:sp>
     </p:spTree>
   </p:cSld>
+  <p:clrMapOvr>
+    <a:masterClrMapping/>
+  </p:clrMapOvr>
 </p:sldLayout>
 </file>
 
 <file path=ppt/slideLayouts/slideLayout5.xml><?xml version="1.0" encoding="utf-8"?>
-<p:sldLayout xmlns:a="http://schemas.openxmlformats.org/drawingml/2006/main" xmlns:p="http://schemas.openxmlformats.org/presentationml/2006/main" xmlns:r="http://schemas.openxmlformats.org/officeDocument/2006/relationships" xmlns:p14="http://schemas.microsoft.com/office/powerpoint/2010/main" xmlns:p15="http://schemas.microsoft.com/office/powerpoint/2012/main" xmlns:mc="http://schemas.openxmlformats.org/markup-compatibility/2006" type="titleOnly" preserve="1">
+<p:sldLayout xmlns:a="http://schemas.openxmlformats.org/drawingml/2006/main" xmlns:r="http://schemas.openxmlformats.org/officeDocument/2006/relationships" xmlns:p="http://schemas.openxmlformats.org/presentationml/2006/main" type="titleOnly" preserve="1">
   <p:cSld name="Title Only">
     <p:spTree>
       <p:nvGrpSpPr>
@@ -2376,15 +2578,16 @@
           </a:prstGeom>
         </p:spPr>
         <p:txBody>
-          <a:bodyPr lIns="0" rIns="0" tIns="0" bIns="0" anchor="ctr"/>
-          <a:p>
-            <a:endParaRPr b="0" lang="fr-FR" sz="1800" spc="-1" strike="noStrike">
-              <a:solidFill>
-                <a:srgbClr val="000000"/>
-              </a:solidFill>
-              <a:uFill>
-                <a:solidFill>
-                  <a:srgbClr val="ffffff"/>
+          <a:bodyPr lIns="0" tIns="0" rIns="0" bIns="0" anchor="ctr"/>
+          <a:lstStyle/>
+          <a:p>
+            <a:endParaRPr lang="fr-FR" sz="1800" b="0" strike="noStrike" spc="-1">
+              <a:solidFill>
+                <a:srgbClr val="000000"/>
+              </a:solidFill>
+              <a:uFill>
+                <a:solidFill>
+                  <a:srgbClr val="FFFFFF"/>
                 </a:solidFill>
               </a:uFill>
               <a:latin typeface="Arial"/>
@@ -2394,11 +2597,14 @@
       </p:sp>
     </p:spTree>
   </p:cSld>
+  <p:clrMapOvr>
+    <a:masterClrMapping/>
+  </p:clrMapOvr>
 </p:sldLayout>
 </file>
 
 <file path=ppt/slideLayouts/slideLayout6.xml><?xml version="1.0" encoding="utf-8"?>
-<p:sldLayout xmlns:a="http://schemas.openxmlformats.org/drawingml/2006/main" xmlns:p="http://schemas.openxmlformats.org/presentationml/2006/main" xmlns:r="http://schemas.openxmlformats.org/officeDocument/2006/relationships" xmlns:p14="http://schemas.microsoft.com/office/powerpoint/2010/main" xmlns:p15="http://schemas.microsoft.com/office/powerpoint/2012/main" xmlns:mc="http://schemas.openxmlformats.org/markup-compatibility/2006" type="objOnly" preserve="1">
+<p:sldLayout xmlns:a="http://schemas.openxmlformats.org/drawingml/2006/main" xmlns:r="http://schemas.openxmlformats.org/officeDocument/2006/relationships" xmlns:p="http://schemas.openxmlformats.org/presentationml/2006/main" type="objOnly" preserve="1">
   <p:cSld name="Centered Text">
     <p:spTree>
       <p:nvGrpSpPr>
@@ -2434,16 +2640,17 @@
           </a:prstGeom>
         </p:spPr>
         <p:txBody>
-          <a:bodyPr lIns="0" rIns="0" tIns="0" bIns="0" anchor="ctr"/>
+          <a:bodyPr lIns="0" tIns="0" rIns="0" bIns="0" anchor="ctr"/>
+          <a:lstStyle/>
           <a:p>
             <a:pPr algn="ctr"/>
-            <a:endParaRPr b="0" lang="fr-FR" sz="3200" spc="-1" strike="noStrike">
-              <a:solidFill>
-                <a:srgbClr val="000000"/>
-              </a:solidFill>
-              <a:uFill>
-                <a:solidFill>
-                  <a:srgbClr val="ffffff"/>
+            <a:endParaRPr lang="fr-FR" sz="3200" b="0" strike="noStrike" spc="-1">
+              <a:solidFill>
+                <a:srgbClr val="000000"/>
+              </a:solidFill>
+              <a:uFill>
+                <a:solidFill>
+                  <a:srgbClr val="FFFFFF"/>
                 </a:solidFill>
               </a:uFill>
               <a:latin typeface="Arial"/>
@@ -2453,11 +2660,14 @@
       </p:sp>
     </p:spTree>
   </p:cSld>
+  <p:clrMapOvr>
+    <a:masterClrMapping/>
+  </p:clrMapOvr>
 </p:sldLayout>
 </file>
 
 <file path=ppt/slideLayouts/slideLayout7.xml><?xml version="1.0" encoding="utf-8"?>
-<p:sldLayout xmlns:a="http://schemas.openxmlformats.org/drawingml/2006/main" xmlns:p="http://schemas.openxmlformats.org/presentationml/2006/main" xmlns:r="http://schemas.openxmlformats.org/officeDocument/2006/relationships" xmlns:p14="http://schemas.microsoft.com/office/powerpoint/2010/main" xmlns:p15="http://schemas.microsoft.com/office/powerpoint/2012/main" xmlns:mc="http://schemas.openxmlformats.org/markup-compatibility/2006" type="twoObjAndObj" preserve="1">
+<p:sldLayout xmlns:a="http://schemas.openxmlformats.org/drawingml/2006/main" xmlns:r="http://schemas.openxmlformats.org/officeDocument/2006/relationships" xmlns:p="http://schemas.openxmlformats.org/presentationml/2006/main" type="twoObjAndObj" preserve="1">
   <p:cSld name="Title, 2 Content and Content">
     <p:spTree>
       <p:nvGrpSpPr>
@@ -2493,15 +2703,16 @@
           </a:prstGeom>
         </p:spPr>
         <p:txBody>
-          <a:bodyPr lIns="0" rIns="0" tIns="0" bIns="0" anchor="ctr"/>
-          <a:p>
-            <a:endParaRPr b="0" lang="fr-FR" sz="1800" spc="-1" strike="noStrike">
-              <a:solidFill>
-                <a:srgbClr val="000000"/>
-              </a:solidFill>
-              <a:uFill>
-                <a:solidFill>
-                  <a:srgbClr val="ffffff"/>
+          <a:bodyPr lIns="0" tIns="0" rIns="0" bIns="0" anchor="ctr"/>
+          <a:lstStyle/>
+          <a:p>
+            <a:endParaRPr lang="fr-FR" sz="1800" b="0" strike="noStrike" spc="-1">
+              <a:solidFill>
+                <a:srgbClr val="000000"/>
+              </a:solidFill>
+              <a:uFill>
+                <a:solidFill>
+                  <a:srgbClr val="FFFFFF"/>
                 </a:solidFill>
               </a:uFill>
               <a:latin typeface="Arial"/>
@@ -2529,15 +2740,16 @@
           </a:prstGeom>
         </p:spPr>
         <p:txBody>
-          <a:bodyPr lIns="0" rIns="0" tIns="0" bIns="0"/>
-          <a:p>
-            <a:endParaRPr b="0" lang="fr-FR" sz="2800" spc="-1" strike="noStrike">
-              <a:solidFill>
-                <a:srgbClr val="000000"/>
-              </a:solidFill>
-              <a:uFill>
-                <a:solidFill>
-                  <a:srgbClr val="ffffff"/>
+          <a:bodyPr lIns="0" tIns="0" rIns="0" bIns="0"/>
+          <a:lstStyle/>
+          <a:p>
+            <a:endParaRPr lang="fr-FR" sz="2800" b="0" strike="noStrike" spc="-1">
+              <a:solidFill>
+                <a:srgbClr val="000000"/>
+              </a:solidFill>
+              <a:uFill>
+                <a:solidFill>
+                  <a:srgbClr val="FFFFFF"/>
                 </a:solidFill>
               </a:uFill>
               <a:latin typeface="Arial"/>
@@ -2565,15 +2777,16 @@
           </a:prstGeom>
         </p:spPr>
         <p:txBody>
-          <a:bodyPr lIns="0" rIns="0" tIns="0" bIns="0"/>
-          <a:p>
-            <a:endParaRPr b="0" lang="fr-FR" sz="2800" spc="-1" strike="noStrike">
-              <a:solidFill>
-                <a:srgbClr val="000000"/>
-              </a:solidFill>
-              <a:uFill>
-                <a:solidFill>
-                  <a:srgbClr val="ffffff"/>
+          <a:bodyPr lIns="0" tIns="0" rIns="0" bIns="0"/>
+          <a:lstStyle/>
+          <a:p>
+            <a:endParaRPr lang="fr-FR" sz="2800" b="0" strike="noStrike" spc="-1">
+              <a:solidFill>
+                <a:srgbClr val="000000"/>
+              </a:solidFill>
+              <a:uFill>
+                <a:solidFill>
+                  <a:srgbClr val="FFFFFF"/>
                 </a:solidFill>
               </a:uFill>
               <a:latin typeface="Arial"/>
@@ -2601,15 +2814,16 @@
           </a:prstGeom>
         </p:spPr>
         <p:txBody>
-          <a:bodyPr lIns="0" rIns="0" tIns="0" bIns="0"/>
-          <a:p>
-            <a:endParaRPr b="0" lang="fr-FR" sz="2800" spc="-1" strike="noStrike">
-              <a:solidFill>
-                <a:srgbClr val="000000"/>
-              </a:solidFill>
-              <a:uFill>
-                <a:solidFill>
-                  <a:srgbClr val="ffffff"/>
+          <a:bodyPr lIns="0" tIns="0" rIns="0" bIns="0"/>
+          <a:lstStyle/>
+          <a:p>
+            <a:endParaRPr lang="fr-FR" sz="2800" b="0" strike="noStrike" spc="-1">
+              <a:solidFill>
+                <a:srgbClr val="000000"/>
+              </a:solidFill>
+              <a:uFill>
+                <a:solidFill>
+                  <a:srgbClr val="FFFFFF"/>
                 </a:solidFill>
               </a:uFill>
               <a:latin typeface="Arial"/>
@@ -2619,11 +2833,14 @@
       </p:sp>
     </p:spTree>
   </p:cSld>
+  <p:clrMapOvr>
+    <a:masterClrMapping/>
+  </p:clrMapOvr>
 </p:sldLayout>
 </file>
 
 <file path=ppt/slideLayouts/slideLayout8.xml><?xml version="1.0" encoding="utf-8"?>
-<p:sldLayout xmlns:a="http://schemas.openxmlformats.org/drawingml/2006/main" xmlns:p="http://schemas.openxmlformats.org/presentationml/2006/main" xmlns:r="http://schemas.openxmlformats.org/officeDocument/2006/relationships" xmlns:p14="http://schemas.microsoft.com/office/powerpoint/2010/main" xmlns:p15="http://schemas.microsoft.com/office/powerpoint/2012/main" xmlns:mc="http://schemas.openxmlformats.org/markup-compatibility/2006" type="objAndTwoObj" preserve="1">
+<p:sldLayout xmlns:a="http://schemas.openxmlformats.org/drawingml/2006/main" xmlns:r="http://schemas.openxmlformats.org/officeDocument/2006/relationships" xmlns:p="http://schemas.openxmlformats.org/presentationml/2006/main" type="objAndTwoObj" preserve="1">
   <p:cSld name="Title Content and 2 Content">
     <p:spTree>
       <p:nvGrpSpPr>
@@ -2659,15 +2876,16 @@
           </a:prstGeom>
         </p:spPr>
         <p:txBody>
-          <a:bodyPr lIns="0" rIns="0" tIns="0" bIns="0" anchor="ctr"/>
-          <a:p>
-            <a:endParaRPr b="0" lang="fr-FR" sz="1800" spc="-1" strike="noStrike">
-              <a:solidFill>
-                <a:srgbClr val="000000"/>
-              </a:solidFill>
-              <a:uFill>
-                <a:solidFill>
-                  <a:srgbClr val="ffffff"/>
+          <a:bodyPr lIns="0" tIns="0" rIns="0" bIns="0" anchor="ctr"/>
+          <a:lstStyle/>
+          <a:p>
+            <a:endParaRPr lang="fr-FR" sz="1800" b="0" strike="noStrike" spc="-1">
+              <a:solidFill>
+                <a:srgbClr val="000000"/>
+              </a:solidFill>
+              <a:uFill>
+                <a:solidFill>
+                  <a:srgbClr val="FFFFFF"/>
                 </a:solidFill>
               </a:uFill>
               <a:latin typeface="Arial"/>
@@ -2695,15 +2913,16 @@
           </a:prstGeom>
         </p:spPr>
         <p:txBody>
-          <a:bodyPr lIns="0" rIns="0" tIns="0" bIns="0"/>
-          <a:p>
-            <a:endParaRPr b="0" lang="fr-FR" sz="2800" spc="-1" strike="noStrike">
-              <a:solidFill>
-                <a:srgbClr val="000000"/>
-              </a:solidFill>
-              <a:uFill>
-                <a:solidFill>
-                  <a:srgbClr val="ffffff"/>
+          <a:bodyPr lIns="0" tIns="0" rIns="0" bIns="0"/>
+          <a:lstStyle/>
+          <a:p>
+            <a:endParaRPr lang="fr-FR" sz="2800" b="0" strike="noStrike" spc="-1">
+              <a:solidFill>
+                <a:srgbClr val="000000"/>
+              </a:solidFill>
+              <a:uFill>
+                <a:solidFill>
+                  <a:srgbClr val="FFFFFF"/>
                 </a:solidFill>
               </a:uFill>
               <a:latin typeface="Arial"/>
@@ -2731,15 +2950,16 @@
           </a:prstGeom>
         </p:spPr>
         <p:txBody>
-          <a:bodyPr lIns="0" rIns="0" tIns="0" bIns="0"/>
-          <a:p>
-            <a:endParaRPr b="0" lang="fr-FR" sz="2800" spc="-1" strike="noStrike">
-              <a:solidFill>
-                <a:srgbClr val="000000"/>
-              </a:solidFill>
-              <a:uFill>
-                <a:solidFill>
-                  <a:srgbClr val="ffffff"/>
+          <a:bodyPr lIns="0" tIns="0" rIns="0" bIns="0"/>
+          <a:lstStyle/>
+          <a:p>
+            <a:endParaRPr lang="fr-FR" sz="2800" b="0" strike="noStrike" spc="-1">
+              <a:solidFill>
+                <a:srgbClr val="000000"/>
+              </a:solidFill>
+              <a:uFill>
+                <a:solidFill>
+                  <a:srgbClr val="FFFFFF"/>
                 </a:solidFill>
               </a:uFill>
               <a:latin typeface="Arial"/>
@@ -2767,15 +2987,16 @@
           </a:prstGeom>
         </p:spPr>
         <p:txBody>
-          <a:bodyPr lIns="0" rIns="0" tIns="0" bIns="0"/>
-          <a:p>
-            <a:endParaRPr b="0" lang="fr-FR" sz="2800" spc="-1" strike="noStrike">
-              <a:solidFill>
-                <a:srgbClr val="000000"/>
-              </a:solidFill>
-              <a:uFill>
-                <a:solidFill>
-                  <a:srgbClr val="ffffff"/>
+          <a:bodyPr lIns="0" tIns="0" rIns="0" bIns="0"/>
+          <a:lstStyle/>
+          <a:p>
+            <a:endParaRPr lang="fr-FR" sz="2800" b="0" strike="noStrike" spc="-1">
+              <a:solidFill>
+                <a:srgbClr val="000000"/>
+              </a:solidFill>
+              <a:uFill>
+                <a:solidFill>
+                  <a:srgbClr val="FFFFFF"/>
                 </a:solidFill>
               </a:uFill>
               <a:latin typeface="Arial"/>
@@ -2785,11 +3006,14 @@
       </p:sp>
     </p:spTree>
   </p:cSld>
+  <p:clrMapOvr>
+    <a:masterClrMapping/>
+  </p:clrMapOvr>
 </p:sldLayout>
 </file>
 
 <file path=ppt/slideLayouts/slideLayout9.xml><?xml version="1.0" encoding="utf-8"?>
-<p:sldLayout xmlns:a="http://schemas.openxmlformats.org/drawingml/2006/main" xmlns:p="http://schemas.openxmlformats.org/presentationml/2006/main" xmlns:r="http://schemas.openxmlformats.org/officeDocument/2006/relationships" xmlns:p14="http://schemas.microsoft.com/office/powerpoint/2010/main" xmlns:p15="http://schemas.microsoft.com/office/powerpoint/2012/main" xmlns:mc="http://schemas.openxmlformats.org/markup-compatibility/2006" type="twoObjOverTx" preserve="1">
+<p:sldLayout xmlns:a="http://schemas.openxmlformats.org/drawingml/2006/main" xmlns:r="http://schemas.openxmlformats.org/officeDocument/2006/relationships" xmlns:p="http://schemas.openxmlformats.org/presentationml/2006/main" type="twoObjOverTx" preserve="1">
   <p:cSld name="Title, 2 Content over Content">
     <p:spTree>
       <p:nvGrpSpPr>
@@ -2825,15 +3049,16 @@
           </a:prstGeom>
         </p:spPr>
         <p:txBody>
-          <a:bodyPr lIns="0" rIns="0" tIns="0" bIns="0" anchor="ctr"/>
-          <a:p>
-            <a:endParaRPr b="0" lang="fr-FR" sz="1800" spc="-1" strike="noStrike">
-              <a:solidFill>
-                <a:srgbClr val="000000"/>
-              </a:solidFill>
-              <a:uFill>
-                <a:solidFill>
-                  <a:srgbClr val="ffffff"/>
+          <a:bodyPr lIns="0" tIns="0" rIns="0" bIns="0" anchor="ctr"/>
+          <a:lstStyle/>
+          <a:p>
+            <a:endParaRPr lang="fr-FR" sz="1800" b="0" strike="noStrike" spc="-1">
+              <a:solidFill>
+                <a:srgbClr val="000000"/>
+              </a:solidFill>
+              <a:uFill>
+                <a:solidFill>
+                  <a:srgbClr val="FFFFFF"/>
                 </a:solidFill>
               </a:uFill>
               <a:latin typeface="Arial"/>
@@ -2861,15 +3086,16 @@
           </a:prstGeom>
         </p:spPr>
         <p:txBody>
-          <a:bodyPr lIns="0" rIns="0" tIns="0" bIns="0"/>
-          <a:p>
-            <a:endParaRPr b="0" lang="fr-FR" sz="2800" spc="-1" strike="noStrike">
-              <a:solidFill>
-                <a:srgbClr val="000000"/>
-              </a:solidFill>
-              <a:uFill>
-                <a:solidFill>
-                  <a:srgbClr val="ffffff"/>
+          <a:bodyPr lIns="0" tIns="0" rIns="0" bIns="0"/>
+          <a:lstStyle/>
+          <a:p>
+            <a:endParaRPr lang="fr-FR" sz="2800" b="0" strike="noStrike" spc="-1">
+              <a:solidFill>
+                <a:srgbClr val="000000"/>
+              </a:solidFill>
+              <a:uFill>
+                <a:solidFill>
+                  <a:srgbClr val="FFFFFF"/>
                 </a:solidFill>
               </a:uFill>
               <a:latin typeface="Arial"/>
@@ -2897,15 +3123,16 @@
           </a:prstGeom>
         </p:spPr>
         <p:txBody>
-          <a:bodyPr lIns="0" rIns="0" tIns="0" bIns="0"/>
-          <a:p>
-            <a:endParaRPr b="0" lang="fr-FR" sz="2800" spc="-1" strike="noStrike">
-              <a:solidFill>
-                <a:srgbClr val="000000"/>
-              </a:solidFill>
-              <a:uFill>
-                <a:solidFill>
-                  <a:srgbClr val="ffffff"/>
+          <a:bodyPr lIns="0" tIns="0" rIns="0" bIns="0"/>
+          <a:lstStyle/>
+          <a:p>
+            <a:endParaRPr lang="fr-FR" sz="2800" b="0" strike="noStrike" spc="-1">
+              <a:solidFill>
+                <a:srgbClr val="000000"/>
+              </a:solidFill>
+              <a:uFill>
+                <a:solidFill>
+                  <a:srgbClr val="FFFFFF"/>
                 </a:solidFill>
               </a:uFill>
               <a:latin typeface="Arial"/>
@@ -2933,15 +3160,16 @@
           </a:prstGeom>
         </p:spPr>
         <p:txBody>
-          <a:bodyPr lIns="0" rIns="0" tIns="0" bIns="0"/>
-          <a:p>
-            <a:endParaRPr b="0" lang="fr-FR" sz="2800" spc="-1" strike="noStrike">
-              <a:solidFill>
-                <a:srgbClr val="000000"/>
-              </a:solidFill>
-              <a:uFill>
-                <a:solidFill>
-                  <a:srgbClr val="ffffff"/>
+          <a:bodyPr lIns="0" tIns="0" rIns="0" bIns="0"/>
+          <a:lstStyle/>
+          <a:p>
+            <a:endParaRPr lang="fr-FR" sz="2800" b="0" strike="noStrike" spc="-1">
+              <a:solidFill>
+                <a:srgbClr val="000000"/>
+              </a:solidFill>
+              <a:uFill>
+                <a:solidFill>
+                  <a:srgbClr val="FFFFFF"/>
                 </a:solidFill>
               </a:uFill>
               <a:latin typeface="Arial"/>
@@ -2951,17 +3179,21 @@
       </p:sp>
     </p:spTree>
   </p:cSld>
+  <p:clrMapOvr>
+    <a:masterClrMapping/>
+  </p:clrMapOvr>
 </p:sldLayout>
 </file>
 
 <file path=ppt/slideMasters/slideMaster1.xml><?xml version="1.0" encoding="utf-8"?>
-<p:sldMaster xmlns:a="http://schemas.openxmlformats.org/drawingml/2006/main" xmlns:p="http://schemas.openxmlformats.org/presentationml/2006/main" xmlns:r="http://schemas.openxmlformats.org/officeDocument/2006/relationships" xmlns:p14="http://schemas.microsoft.com/office/powerpoint/2010/main" xmlns:p15="http://schemas.microsoft.com/office/powerpoint/2012/main" xmlns:mc="http://schemas.openxmlformats.org/markup-compatibility/2006">
+<p:sldMaster xmlns:a="http://schemas.openxmlformats.org/drawingml/2006/main" xmlns:r="http://schemas.openxmlformats.org/officeDocument/2006/relationships" xmlns:p="http://schemas.openxmlformats.org/presentationml/2006/main">
   <p:cSld>
     <p:bg>
       <p:bgPr>
         <a:solidFill>
-          <a:srgbClr val="ffffff"/>
+          <a:srgbClr val="FFFFFF"/>
         </a:solidFill>
+        <a:effectLst/>
       </p:bgPr>
     </p:bg>
     <p:spTree>
@@ -2980,7 +3212,7 @@
       </p:grpSpPr>
       <p:sp>
         <p:nvSpPr>
-          <p:cNvPr id="0" name="PlaceHolder 1"/>
+          <p:cNvPr id="2" name="PlaceHolder 1"/>
           <p:cNvSpPr>
             <a:spLocks noGrp="1"/>
           </p:cNvSpPr>
@@ -2998,15 +3230,16 @@
           </a:prstGeom>
         </p:spPr>
         <p:txBody>
-          <a:bodyPr lIns="0" rIns="0" tIns="0" bIns="0" anchor="ctr"/>
-          <a:p>
-            <a:endParaRPr b="0" lang="fr-FR" sz="1800" spc="-1" strike="noStrike">
-              <a:solidFill>
-                <a:srgbClr val="000000"/>
-              </a:solidFill>
-              <a:uFill>
-                <a:solidFill>
-                  <a:srgbClr val="ffffff"/>
+          <a:bodyPr lIns="0" tIns="0" rIns="0" bIns="0" anchor="ctr"/>
+          <a:lstStyle/>
+          <a:p>
+            <a:endParaRPr lang="fr-FR" sz="1800" b="0" strike="noStrike" spc="-1">
+              <a:solidFill>
+                <a:srgbClr val="000000"/>
+              </a:solidFill>
+              <a:uFill>
+                <a:solidFill>
+                  <a:srgbClr val="FFFFFF"/>
                 </a:solidFill>
               </a:uFill>
               <a:latin typeface="Arial"/>
@@ -3016,7 +3249,7 @@
       </p:sp>
       <p:sp>
         <p:nvSpPr>
-          <p:cNvPr id="1" name="PlaceHolder 2"/>
+          <p:cNvPr id="3" name="PlaceHolder 2"/>
           <p:cNvSpPr>
             <a:spLocks noGrp="1"/>
           </p:cNvSpPr>
@@ -3034,7 +3267,8 @@
           </a:prstGeom>
         </p:spPr>
         <p:txBody>
-          <a:bodyPr lIns="0" rIns="0" tIns="0" bIns="0"/>
+          <a:bodyPr lIns="0" tIns="0" rIns="0" bIns="0"/>
+          <a:lstStyle/>
           <a:p>
             <a:pPr marL="432000" indent="-324000">
               <a:buClr>
@@ -3045,33 +3279,22 @@
               <a:buChar char=""/>
             </a:pPr>
             <a:r>
-              <a:rPr b="0" lang="fr-FR" sz="2800" spc="-1" strike="noStrike">
-                <a:solidFill>
-                  <a:srgbClr val="000000"/>
-                </a:solidFill>
-                <a:uFill>
-                  <a:solidFill>
-                    <a:srgbClr val="ffffff"/>
+              <a:rPr lang="fr-FR" sz="2800" b="0" strike="noStrike" spc="-1">
+                <a:solidFill>
+                  <a:srgbClr val="000000"/>
+                </a:solidFill>
+                <a:uFill>
+                  <a:solidFill>
+                    <a:srgbClr val="FFFFFF"/>
                   </a:solidFill>
                 </a:uFill>
                 <a:latin typeface="Arial"/>
               </a:rPr>
               <a:t>Cliquez pour éditer le format du plan de texte</a:t>
             </a:r>
-            <a:endParaRPr b="0" lang="fr-FR" sz="2800" spc="-1" strike="noStrike">
-              <a:solidFill>
-                <a:srgbClr val="000000"/>
-              </a:solidFill>
-              <a:uFill>
-                <a:solidFill>
-                  <a:srgbClr val="ffffff"/>
-                </a:solidFill>
-              </a:uFill>
-              <a:latin typeface="Arial"/>
-            </a:endParaRPr>
-          </a:p>
-          <a:p>
-            <a:pPr lvl="1" marL="864000" indent="-324000">
+          </a:p>
+          <a:p>
+            <a:pPr marL="864000" lvl="1" indent="-324000">
               <a:buClr>
                 <a:srgbClr val="000000"/>
               </a:buClr>
@@ -3080,33 +3303,22 @@
               <a:buChar char=""/>
             </a:pPr>
             <a:r>
-              <a:rPr b="0" lang="fr-FR" sz="2000" spc="-1" strike="noStrike">
-                <a:solidFill>
-                  <a:srgbClr val="000000"/>
-                </a:solidFill>
-                <a:uFill>
-                  <a:solidFill>
-                    <a:srgbClr val="ffffff"/>
+              <a:rPr lang="fr-FR" sz="2000" b="0" strike="noStrike" spc="-1">
+                <a:solidFill>
+                  <a:srgbClr val="000000"/>
+                </a:solidFill>
+                <a:uFill>
+                  <a:solidFill>
+                    <a:srgbClr val="FFFFFF"/>
                   </a:solidFill>
                 </a:uFill>
                 <a:latin typeface="Arial"/>
               </a:rPr>
               <a:t>Second niveau de plan</a:t>
             </a:r>
-            <a:endParaRPr b="0" lang="fr-FR" sz="2000" spc="-1" strike="noStrike">
-              <a:solidFill>
-                <a:srgbClr val="000000"/>
-              </a:solidFill>
-              <a:uFill>
-                <a:solidFill>
-                  <a:srgbClr val="ffffff"/>
-                </a:solidFill>
-              </a:uFill>
-              <a:latin typeface="Arial"/>
-            </a:endParaRPr>
-          </a:p>
-          <a:p>
-            <a:pPr lvl="2" marL="1296000" indent="-288000">
+          </a:p>
+          <a:p>
+            <a:pPr marL="1296000" lvl="2" indent="-288000">
               <a:buClr>
                 <a:srgbClr val="000000"/>
               </a:buClr>
@@ -3115,33 +3327,22 @@
               <a:buChar char=""/>
             </a:pPr>
             <a:r>
-              <a:rPr b="0" lang="fr-FR" sz="1800" spc="-1" strike="noStrike">
-                <a:solidFill>
-                  <a:srgbClr val="000000"/>
-                </a:solidFill>
-                <a:uFill>
-                  <a:solidFill>
-                    <a:srgbClr val="ffffff"/>
+              <a:rPr lang="fr-FR" sz="1800" b="0" strike="noStrike" spc="-1">
+                <a:solidFill>
+                  <a:srgbClr val="000000"/>
+                </a:solidFill>
+                <a:uFill>
+                  <a:solidFill>
+                    <a:srgbClr val="FFFFFF"/>
                   </a:solidFill>
                 </a:uFill>
                 <a:latin typeface="Arial"/>
               </a:rPr>
               <a:t>Troisième niveau de plan</a:t>
             </a:r>
-            <a:endParaRPr b="0" lang="fr-FR" sz="1800" spc="-1" strike="noStrike">
-              <a:solidFill>
-                <a:srgbClr val="000000"/>
-              </a:solidFill>
-              <a:uFill>
-                <a:solidFill>
-                  <a:srgbClr val="ffffff"/>
-                </a:solidFill>
-              </a:uFill>
-              <a:latin typeface="Arial"/>
-            </a:endParaRPr>
-          </a:p>
-          <a:p>
-            <a:pPr lvl="3" marL="1728000" indent="-216000">
+          </a:p>
+          <a:p>
+            <a:pPr marL="1728000" lvl="3" indent="-216000">
               <a:buClr>
                 <a:srgbClr val="000000"/>
               </a:buClr>
@@ -3150,33 +3351,22 @@
               <a:buChar char=""/>
             </a:pPr>
             <a:r>
-              <a:rPr b="0" lang="fr-FR" sz="1800" spc="-1" strike="noStrike">
-                <a:solidFill>
-                  <a:srgbClr val="000000"/>
-                </a:solidFill>
-                <a:uFill>
-                  <a:solidFill>
-                    <a:srgbClr val="ffffff"/>
+              <a:rPr lang="fr-FR" sz="1800" b="0" strike="noStrike" spc="-1">
+                <a:solidFill>
+                  <a:srgbClr val="000000"/>
+                </a:solidFill>
+                <a:uFill>
+                  <a:solidFill>
+                    <a:srgbClr val="FFFFFF"/>
                   </a:solidFill>
                 </a:uFill>
                 <a:latin typeface="Arial"/>
               </a:rPr>
               <a:t>Quatrième niveau de plan</a:t>
             </a:r>
-            <a:endParaRPr b="0" lang="fr-FR" sz="1800" spc="-1" strike="noStrike">
-              <a:solidFill>
-                <a:srgbClr val="000000"/>
-              </a:solidFill>
-              <a:uFill>
-                <a:solidFill>
-                  <a:srgbClr val="ffffff"/>
-                </a:solidFill>
-              </a:uFill>
-              <a:latin typeface="Arial"/>
-            </a:endParaRPr>
-          </a:p>
-          <a:p>
-            <a:pPr lvl="4" marL="2160000" indent="-216000">
+          </a:p>
+          <a:p>
+            <a:pPr marL="2160000" lvl="4" indent="-216000">
               <a:buClr>
                 <a:srgbClr val="000000"/>
               </a:buClr>
@@ -3185,33 +3375,22 @@
               <a:buChar char=""/>
             </a:pPr>
             <a:r>
-              <a:rPr b="0" lang="fr-FR" sz="2000" spc="-1" strike="noStrike">
-                <a:solidFill>
-                  <a:srgbClr val="000000"/>
-                </a:solidFill>
-                <a:uFill>
-                  <a:solidFill>
-                    <a:srgbClr val="ffffff"/>
+              <a:rPr lang="fr-FR" sz="2000" b="0" strike="noStrike" spc="-1">
+                <a:solidFill>
+                  <a:srgbClr val="000000"/>
+                </a:solidFill>
+                <a:uFill>
+                  <a:solidFill>
+                    <a:srgbClr val="FFFFFF"/>
                   </a:solidFill>
                 </a:uFill>
                 <a:latin typeface="Arial"/>
               </a:rPr>
               <a:t>Cinquième niveau de plan</a:t>
             </a:r>
-            <a:endParaRPr b="0" lang="fr-FR" sz="2000" spc="-1" strike="noStrike">
-              <a:solidFill>
-                <a:srgbClr val="000000"/>
-              </a:solidFill>
-              <a:uFill>
-                <a:solidFill>
-                  <a:srgbClr val="ffffff"/>
-                </a:solidFill>
-              </a:uFill>
-              <a:latin typeface="Arial"/>
-            </a:endParaRPr>
-          </a:p>
-          <a:p>
-            <a:pPr lvl="5" marL="2592000" indent="-216000">
+          </a:p>
+          <a:p>
+            <a:pPr marL="2592000" lvl="5" indent="-216000">
               <a:buClr>
                 <a:srgbClr val="000000"/>
               </a:buClr>
@@ -3220,33 +3399,22 @@
               <a:buChar char=""/>
             </a:pPr>
             <a:r>
-              <a:rPr b="0" lang="fr-FR" sz="2000" spc="-1" strike="noStrike">
-                <a:solidFill>
-                  <a:srgbClr val="000000"/>
-                </a:solidFill>
-                <a:uFill>
-                  <a:solidFill>
-                    <a:srgbClr val="ffffff"/>
+              <a:rPr lang="fr-FR" sz="2000" b="0" strike="noStrike" spc="-1">
+                <a:solidFill>
+                  <a:srgbClr val="000000"/>
+                </a:solidFill>
+                <a:uFill>
+                  <a:solidFill>
+                    <a:srgbClr val="FFFFFF"/>
                   </a:solidFill>
                 </a:uFill>
                 <a:latin typeface="Arial"/>
               </a:rPr>
               <a:t>Sixième niveau de plan</a:t>
             </a:r>
-            <a:endParaRPr b="0" lang="fr-FR" sz="2000" spc="-1" strike="noStrike">
-              <a:solidFill>
-                <a:srgbClr val="000000"/>
-              </a:solidFill>
-              <a:uFill>
-                <a:solidFill>
-                  <a:srgbClr val="ffffff"/>
-                </a:solidFill>
-              </a:uFill>
-              <a:latin typeface="Arial"/>
-            </a:endParaRPr>
-          </a:p>
-          <a:p>
-            <a:pPr lvl="6" marL="3024000" indent="-216000">
+          </a:p>
+          <a:p>
+            <a:pPr marL="3024000" lvl="6" indent="-216000">
               <a:buClr>
                 <a:srgbClr val="000000"/>
               </a:buClr>
@@ -3255,61 +3423,331 @@
               <a:buChar char=""/>
             </a:pPr>
             <a:r>
-              <a:rPr b="0" lang="fr-FR" sz="2000" spc="-1" strike="noStrike">
-                <a:solidFill>
-                  <a:srgbClr val="000000"/>
-                </a:solidFill>
-                <a:uFill>
-                  <a:solidFill>
-                    <a:srgbClr val="ffffff"/>
+              <a:rPr lang="fr-FR" sz="2000" b="0" strike="noStrike" spc="-1">
+                <a:solidFill>
+                  <a:srgbClr val="000000"/>
+                </a:solidFill>
+                <a:uFill>
+                  <a:solidFill>
+                    <a:srgbClr val="FFFFFF"/>
                   </a:solidFill>
                 </a:uFill>
                 <a:latin typeface="Arial"/>
               </a:rPr>
               <a:t>Septième niveau de plan</a:t>
             </a:r>
-            <a:endParaRPr b="0" lang="fr-FR" sz="2000" spc="-1" strike="noStrike">
-              <a:solidFill>
-                <a:srgbClr val="000000"/>
-              </a:solidFill>
-              <a:uFill>
-                <a:solidFill>
-                  <a:srgbClr val="ffffff"/>
-                </a:solidFill>
-              </a:uFill>
-              <a:latin typeface="Arial"/>
-            </a:endParaRPr>
           </a:p>
         </p:txBody>
       </p:sp>
     </p:spTree>
   </p:cSld>
-  <p:clrMap bg1="lt1" bg2="lt2" tx1="dk1" tx2="dk2" accent1="accent1" accent2="accent2" accent3="accent3" accent4="accent4" accent5="accent5" accent6="accent6" hlink="hlink" folHlink="folHlink"/>
+  <p:clrMap bg1="lt1" tx1="dk1" bg2="lt2" tx2="dk2" accent1="accent1" accent2="accent2" accent3="accent3" accent4="accent4" accent5="accent5" accent6="accent6" hlink="hlink" folHlink="folHlink"/>
   <p:sldLayoutIdLst>
-    <p:sldLayoutId id="2147483649" r:id="rId2"/>
-    <p:sldLayoutId id="2147483650" r:id="rId3"/>
-    <p:sldLayoutId id="2147483651" r:id="rId4"/>
-    <p:sldLayoutId id="2147483652" r:id="rId5"/>
-    <p:sldLayoutId id="2147483653" r:id="rId6"/>
-    <p:sldLayoutId id="2147483654" r:id="rId7"/>
-    <p:sldLayoutId id="2147483655" r:id="rId8"/>
-    <p:sldLayoutId id="2147483656" r:id="rId9"/>
-    <p:sldLayoutId id="2147483657" r:id="rId10"/>
-    <p:sldLayoutId id="2147483658" r:id="rId11"/>
-    <p:sldLayoutId id="2147483659" r:id="rId12"/>
-    <p:sldLayoutId id="2147483660" r:id="rId13"/>
+    <p:sldLayoutId id="2147483649" r:id="rId1"/>
+    <p:sldLayoutId id="2147483650" r:id="rId2"/>
+    <p:sldLayoutId id="2147483651" r:id="rId3"/>
+    <p:sldLayoutId id="2147483652" r:id="rId4"/>
+    <p:sldLayoutId id="2147483653" r:id="rId5"/>
+    <p:sldLayoutId id="2147483654" r:id="rId6"/>
+    <p:sldLayoutId id="2147483655" r:id="rId7"/>
+    <p:sldLayoutId id="2147483656" r:id="rId8"/>
+    <p:sldLayoutId id="2147483657" r:id="rId9"/>
+    <p:sldLayoutId id="2147483658" r:id="rId10"/>
+    <p:sldLayoutId id="2147483659" r:id="rId11"/>
+    <p:sldLayoutId id="2147483660" r:id="rId12"/>
   </p:sldLayoutIdLst>
+  <p:txStyles>
+    <p:titleStyle>
+      <a:lvl1pPr algn="l" defTabSz="914400" rtl="0" eaLnBrk="1" latinLnBrk="0" hangingPunct="1">
+        <a:lnSpc>
+          <a:spcPct val="90000"/>
+        </a:lnSpc>
+        <a:spcBef>
+          <a:spcPct val="0"/>
+        </a:spcBef>
+        <a:buNone/>
+        <a:defRPr sz="4400" kern="1200">
+          <a:solidFill>
+            <a:schemeClr val="tx1"/>
+          </a:solidFill>
+          <a:latin typeface="+mj-lt"/>
+          <a:ea typeface="+mj-ea"/>
+          <a:cs typeface="+mj-cs"/>
+        </a:defRPr>
+      </a:lvl1pPr>
+    </p:titleStyle>
+    <p:bodyStyle>
+      <a:lvl1pPr marL="228600" indent="-228600" algn="l" defTabSz="914400" rtl="0" eaLnBrk="1" latinLnBrk="0" hangingPunct="1">
+        <a:lnSpc>
+          <a:spcPct val="90000"/>
+        </a:lnSpc>
+        <a:spcBef>
+          <a:spcPts val="1000"/>
+        </a:spcBef>
+        <a:buFont typeface="Arial" panose="020B0604020202020204" pitchFamily="34" charset="0"/>
+        <a:buChar char="•"/>
+        <a:defRPr sz="2800" kern="1200">
+          <a:solidFill>
+            <a:schemeClr val="tx1"/>
+          </a:solidFill>
+          <a:latin typeface="+mn-lt"/>
+          <a:ea typeface="+mn-ea"/>
+          <a:cs typeface="+mn-cs"/>
+        </a:defRPr>
+      </a:lvl1pPr>
+      <a:lvl2pPr marL="685800" indent="-228600" algn="l" defTabSz="914400" rtl="0" eaLnBrk="1" latinLnBrk="0" hangingPunct="1">
+        <a:lnSpc>
+          <a:spcPct val="90000"/>
+        </a:lnSpc>
+        <a:spcBef>
+          <a:spcPts val="500"/>
+        </a:spcBef>
+        <a:buFont typeface="Arial" panose="020B0604020202020204" pitchFamily="34" charset="0"/>
+        <a:buChar char="•"/>
+        <a:defRPr sz="2400" kern="1200">
+          <a:solidFill>
+            <a:schemeClr val="tx1"/>
+          </a:solidFill>
+          <a:latin typeface="+mn-lt"/>
+          <a:ea typeface="+mn-ea"/>
+          <a:cs typeface="+mn-cs"/>
+        </a:defRPr>
+      </a:lvl2pPr>
+      <a:lvl3pPr marL="1143000" indent="-228600" algn="l" defTabSz="914400" rtl="0" eaLnBrk="1" latinLnBrk="0" hangingPunct="1">
+        <a:lnSpc>
+          <a:spcPct val="90000"/>
+        </a:lnSpc>
+        <a:spcBef>
+          <a:spcPts val="500"/>
+        </a:spcBef>
+        <a:buFont typeface="Arial" panose="020B0604020202020204" pitchFamily="34" charset="0"/>
+        <a:buChar char="•"/>
+        <a:defRPr sz="2000" kern="1200">
+          <a:solidFill>
+            <a:schemeClr val="tx1"/>
+          </a:solidFill>
+          <a:latin typeface="+mn-lt"/>
+          <a:ea typeface="+mn-ea"/>
+          <a:cs typeface="+mn-cs"/>
+        </a:defRPr>
+      </a:lvl3pPr>
+      <a:lvl4pPr marL="1600200" indent="-228600" algn="l" defTabSz="914400" rtl="0" eaLnBrk="1" latinLnBrk="0" hangingPunct="1">
+        <a:lnSpc>
+          <a:spcPct val="90000"/>
+        </a:lnSpc>
+        <a:spcBef>
+          <a:spcPts val="500"/>
+        </a:spcBef>
+        <a:buFont typeface="Arial" panose="020B0604020202020204" pitchFamily="34" charset="0"/>
+        <a:buChar char="•"/>
+        <a:defRPr sz="1800" kern="1200">
+          <a:solidFill>
+            <a:schemeClr val="tx1"/>
+          </a:solidFill>
+          <a:latin typeface="+mn-lt"/>
+          <a:ea typeface="+mn-ea"/>
+          <a:cs typeface="+mn-cs"/>
+        </a:defRPr>
+      </a:lvl4pPr>
+      <a:lvl5pPr marL="2057400" indent="-228600" algn="l" defTabSz="914400" rtl="0" eaLnBrk="1" latinLnBrk="0" hangingPunct="1">
+        <a:lnSpc>
+          <a:spcPct val="90000"/>
+        </a:lnSpc>
+        <a:spcBef>
+          <a:spcPts val="500"/>
+        </a:spcBef>
+        <a:buFont typeface="Arial" panose="020B0604020202020204" pitchFamily="34" charset="0"/>
+        <a:buChar char="•"/>
+        <a:defRPr sz="1800" kern="1200">
+          <a:solidFill>
+            <a:schemeClr val="tx1"/>
+          </a:solidFill>
+          <a:latin typeface="+mn-lt"/>
+          <a:ea typeface="+mn-ea"/>
+          <a:cs typeface="+mn-cs"/>
+        </a:defRPr>
+      </a:lvl5pPr>
+      <a:lvl6pPr marL="2514600" indent="-228600" algn="l" defTabSz="914400" rtl="0" eaLnBrk="1" latinLnBrk="0" hangingPunct="1">
+        <a:lnSpc>
+          <a:spcPct val="90000"/>
+        </a:lnSpc>
+        <a:spcBef>
+          <a:spcPts val="500"/>
+        </a:spcBef>
+        <a:buFont typeface="Arial" panose="020B0604020202020204" pitchFamily="34" charset="0"/>
+        <a:buChar char="•"/>
+        <a:defRPr sz="1800" kern="1200">
+          <a:solidFill>
+            <a:schemeClr val="tx1"/>
+          </a:solidFill>
+          <a:latin typeface="+mn-lt"/>
+          <a:ea typeface="+mn-ea"/>
+          <a:cs typeface="+mn-cs"/>
+        </a:defRPr>
+      </a:lvl6pPr>
+      <a:lvl7pPr marL="2971800" indent="-228600" algn="l" defTabSz="914400" rtl="0" eaLnBrk="1" latinLnBrk="0" hangingPunct="1">
+        <a:lnSpc>
+          <a:spcPct val="90000"/>
+        </a:lnSpc>
+        <a:spcBef>
+          <a:spcPts val="500"/>
+        </a:spcBef>
+        <a:buFont typeface="Arial" panose="020B0604020202020204" pitchFamily="34" charset="0"/>
+        <a:buChar char="•"/>
+        <a:defRPr sz="1800" kern="1200">
+          <a:solidFill>
+            <a:schemeClr val="tx1"/>
+          </a:solidFill>
+          <a:latin typeface="+mn-lt"/>
+          <a:ea typeface="+mn-ea"/>
+          <a:cs typeface="+mn-cs"/>
+        </a:defRPr>
+      </a:lvl7pPr>
+      <a:lvl8pPr marL="3429000" indent="-228600" algn="l" defTabSz="914400" rtl="0" eaLnBrk="1" latinLnBrk="0" hangingPunct="1">
+        <a:lnSpc>
+          <a:spcPct val="90000"/>
+        </a:lnSpc>
+        <a:spcBef>
+          <a:spcPts val="500"/>
+        </a:spcBef>
+        <a:buFont typeface="Arial" panose="020B0604020202020204" pitchFamily="34" charset="0"/>
+        <a:buChar char="•"/>
+        <a:defRPr sz="1800" kern="1200">
+          <a:solidFill>
+            <a:schemeClr val="tx1"/>
+          </a:solidFill>
+          <a:latin typeface="+mn-lt"/>
+          <a:ea typeface="+mn-ea"/>
+          <a:cs typeface="+mn-cs"/>
+        </a:defRPr>
+      </a:lvl8pPr>
+      <a:lvl9pPr marL="3886200" indent="-228600" algn="l" defTabSz="914400" rtl="0" eaLnBrk="1" latinLnBrk="0" hangingPunct="1">
+        <a:lnSpc>
+          <a:spcPct val="90000"/>
+        </a:lnSpc>
+        <a:spcBef>
+          <a:spcPts val="500"/>
+        </a:spcBef>
+        <a:buFont typeface="Arial" panose="020B0604020202020204" pitchFamily="34" charset="0"/>
+        <a:buChar char="•"/>
+        <a:defRPr sz="1800" kern="1200">
+          <a:solidFill>
+            <a:schemeClr val="tx1"/>
+          </a:solidFill>
+          <a:latin typeface="+mn-lt"/>
+          <a:ea typeface="+mn-ea"/>
+          <a:cs typeface="+mn-cs"/>
+        </a:defRPr>
+      </a:lvl9pPr>
+    </p:bodyStyle>
+    <p:otherStyle>
+      <a:defPPr>
+        <a:defRPr lang="fr-FR"/>
+      </a:defPPr>
+      <a:lvl1pPr marL="0" algn="l" defTabSz="914400" rtl="0" eaLnBrk="1" latinLnBrk="0" hangingPunct="1">
+        <a:defRPr sz="1800" kern="1200">
+          <a:solidFill>
+            <a:schemeClr val="tx1"/>
+          </a:solidFill>
+          <a:latin typeface="+mn-lt"/>
+          <a:ea typeface="+mn-ea"/>
+          <a:cs typeface="+mn-cs"/>
+        </a:defRPr>
+      </a:lvl1pPr>
+      <a:lvl2pPr marL="457200" algn="l" defTabSz="914400" rtl="0" eaLnBrk="1" latinLnBrk="0" hangingPunct="1">
+        <a:defRPr sz="1800" kern="1200">
+          <a:solidFill>
+            <a:schemeClr val="tx1"/>
+          </a:solidFill>
+          <a:latin typeface="+mn-lt"/>
+          <a:ea typeface="+mn-ea"/>
+          <a:cs typeface="+mn-cs"/>
+        </a:defRPr>
+      </a:lvl2pPr>
+      <a:lvl3pPr marL="914400" algn="l" defTabSz="914400" rtl="0" eaLnBrk="1" latinLnBrk="0" hangingPunct="1">
+        <a:defRPr sz="1800" kern="1200">
+          <a:solidFill>
+            <a:schemeClr val="tx1"/>
+          </a:solidFill>
+          <a:latin typeface="+mn-lt"/>
+          <a:ea typeface="+mn-ea"/>
+          <a:cs typeface="+mn-cs"/>
+        </a:defRPr>
+      </a:lvl3pPr>
+      <a:lvl4pPr marL="1371600" algn="l" defTabSz="914400" rtl="0" eaLnBrk="1" latinLnBrk="0" hangingPunct="1">
+        <a:defRPr sz="1800" kern="1200">
+          <a:solidFill>
+            <a:schemeClr val="tx1"/>
+          </a:solidFill>
+          <a:latin typeface="+mn-lt"/>
+          <a:ea typeface="+mn-ea"/>
+          <a:cs typeface="+mn-cs"/>
+        </a:defRPr>
+      </a:lvl4pPr>
+      <a:lvl5pPr marL="1828800" algn="l" defTabSz="914400" rtl="0" eaLnBrk="1" latinLnBrk="0" hangingPunct="1">
+        <a:defRPr sz="1800" kern="1200">
+          <a:solidFill>
+            <a:schemeClr val="tx1"/>
+          </a:solidFill>
+          <a:latin typeface="+mn-lt"/>
+          <a:ea typeface="+mn-ea"/>
+          <a:cs typeface="+mn-cs"/>
+        </a:defRPr>
+      </a:lvl5pPr>
+      <a:lvl6pPr marL="2286000" algn="l" defTabSz="914400" rtl="0" eaLnBrk="1" latinLnBrk="0" hangingPunct="1">
+        <a:defRPr sz="1800" kern="1200">
+          <a:solidFill>
+            <a:schemeClr val="tx1"/>
+          </a:solidFill>
+          <a:latin typeface="+mn-lt"/>
+          <a:ea typeface="+mn-ea"/>
+          <a:cs typeface="+mn-cs"/>
+        </a:defRPr>
+      </a:lvl6pPr>
+      <a:lvl7pPr marL="2743200" algn="l" defTabSz="914400" rtl="0" eaLnBrk="1" latinLnBrk="0" hangingPunct="1">
+        <a:defRPr sz="1800" kern="1200">
+          <a:solidFill>
+            <a:schemeClr val="tx1"/>
+          </a:solidFill>
+          <a:latin typeface="+mn-lt"/>
+          <a:ea typeface="+mn-ea"/>
+          <a:cs typeface="+mn-cs"/>
+        </a:defRPr>
+      </a:lvl7pPr>
+      <a:lvl8pPr marL="3200400" algn="l" defTabSz="914400" rtl="0" eaLnBrk="1" latinLnBrk="0" hangingPunct="1">
+        <a:defRPr sz="1800" kern="1200">
+          <a:solidFill>
+            <a:schemeClr val="tx1"/>
+          </a:solidFill>
+          <a:latin typeface="+mn-lt"/>
+          <a:ea typeface="+mn-ea"/>
+          <a:cs typeface="+mn-cs"/>
+        </a:defRPr>
+      </a:lvl8pPr>
+      <a:lvl9pPr marL="3657600" algn="l" defTabSz="914400" rtl="0" eaLnBrk="1" latinLnBrk="0" hangingPunct="1">
+        <a:defRPr sz="1800" kern="1200">
+          <a:solidFill>
+            <a:schemeClr val="tx1"/>
+          </a:solidFill>
+          <a:latin typeface="+mn-lt"/>
+          <a:ea typeface="+mn-ea"/>
+          <a:cs typeface="+mn-cs"/>
+        </a:defRPr>
+      </a:lvl9pPr>
+    </p:otherStyle>
+  </p:txStyles>
 </p:sldMaster>
 </file>
 
 <file path=ppt/slideMasters/slideMaster2.xml><?xml version="1.0" encoding="utf-8"?>
-<p:sldMaster xmlns:a="http://schemas.openxmlformats.org/drawingml/2006/main" xmlns:p="http://schemas.openxmlformats.org/presentationml/2006/main" xmlns:r="http://schemas.openxmlformats.org/officeDocument/2006/relationships" xmlns:p14="http://schemas.microsoft.com/office/powerpoint/2010/main" xmlns:p15="http://schemas.microsoft.com/office/powerpoint/2012/main" xmlns:mc="http://schemas.openxmlformats.org/markup-compatibility/2006">
+<p:sldMaster xmlns:a="http://schemas.openxmlformats.org/drawingml/2006/main" xmlns:r="http://schemas.openxmlformats.org/officeDocument/2006/relationships" xmlns:p="http://schemas.openxmlformats.org/presentationml/2006/main">
   <p:cSld>
     <p:bg>
       <p:bgPr>
         <a:solidFill>
-          <a:srgbClr val="ffffff"/>
+          <a:srgbClr val="FFFFFF"/>
         </a:solidFill>
+        <a:effectLst/>
       </p:bgPr>
     </p:bg>
     <p:spTree>
@@ -3346,33 +3784,23 @@
           </a:prstGeom>
         </p:spPr>
         <p:txBody>
-          <a:bodyPr lIns="0" rIns="0" tIns="0" bIns="0" anchor="ctr"/>
-          <a:p>
-            <a:r>
-              <a:rPr b="0" lang="fr-FR" sz="1800" spc="-1" strike="noStrike">
-                <a:solidFill>
-                  <a:srgbClr val="000000"/>
-                </a:solidFill>
-                <a:uFill>
-                  <a:solidFill>
-                    <a:srgbClr val="ffffff"/>
+          <a:bodyPr lIns="0" tIns="0" rIns="0" bIns="0" anchor="ctr"/>
+          <a:lstStyle/>
+          <a:p>
+            <a:r>
+              <a:rPr lang="fr-FR" sz="1800" b="0" strike="noStrike" spc="-1">
+                <a:solidFill>
+                  <a:srgbClr val="000000"/>
+                </a:solidFill>
+                <a:uFill>
+                  <a:solidFill>
+                    <a:srgbClr val="FFFFFF"/>
                   </a:solidFill>
                 </a:uFill>
                 <a:latin typeface="Arial"/>
               </a:rPr>
               <a:t>Cliquez pour éditer le format du texte-titre</a:t>
             </a:r>
-            <a:endParaRPr b="0" lang="fr-FR" sz="1800" spc="-1" strike="noStrike">
-              <a:solidFill>
-                <a:srgbClr val="000000"/>
-              </a:solidFill>
-              <a:uFill>
-                <a:solidFill>
-                  <a:srgbClr val="ffffff"/>
-                </a:solidFill>
-              </a:uFill>
-              <a:latin typeface="Arial"/>
-            </a:endParaRPr>
           </a:p>
         </p:txBody>
       </p:sp>
@@ -3396,7 +3824,8 @@
           </a:prstGeom>
         </p:spPr>
         <p:txBody>
-          <a:bodyPr lIns="0" rIns="0" tIns="0" bIns="0"/>
+          <a:bodyPr lIns="0" tIns="0" rIns="0" bIns="0"/>
+          <a:lstStyle/>
           <a:p>
             <a:pPr marL="432000" indent="-324000">
               <a:buClr>
@@ -3407,33 +3836,22 @@
               <a:buChar char=""/>
             </a:pPr>
             <a:r>
-              <a:rPr b="0" lang="fr-FR" sz="2800" spc="-1" strike="noStrike">
-                <a:solidFill>
-                  <a:srgbClr val="000000"/>
-                </a:solidFill>
-                <a:uFill>
-                  <a:solidFill>
-                    <a:srgbClr val="ffffff"/>
+              <a:rPr lang="fr-FR" sz="2800" b="0" strike="noStrike" spc="-1">
+                <a:solidFill>
+                  <a:srgbClr val="000000"/>
+                </a:solidFill>
+                <a:uFill>
+                  <a:solidFill>
+                    <a:srgbClr val="FFFFFF"/>
                   </a:solidFill>
                 </a:uFill>
                 <a:latin typeface="Arial"/>
               </a:rPr>
               <a:t>Cliquez pour éditer le format du plan de texte</a:t>
             </a:r>
-            <a:endParaRPr b="0" lang="fr-FR" sz="2800" spc="-1" strike="noStrike">
-              <a:solidFill>
-                <a:srgbClr val="000000"/>
-              </a:solidFill>
-              <a:uFill>
-                <a:solidFill>
-                  <a:srgbClr val="ffffff"/>
-                </a:solidFill>
-              </a:uFill>
-              <a:latin typeface="Arial"/>
-            </a:endParaRPr>
-          </a:p>
-          <a:p>
-            <a:pPr lvl="1" marL="864000" indent="-324000">
+          </a:p>
+          <a:p>
+            <a:pPr marL="864000" lvl="1" indent="-324000">
               <a:buClr>
                 <a:srgbClr val="000000"/>
               </a:buClr>
@@ -3442,33 +3860,22 @@
               <a:buChar char=""/>
             </a:pPr>
             <a:r>
-              <a:rPr b="0" lang="fr-FR" sz="2000" spc="-1" strike="noStrike">
-                <a:solidFill>
-                  <a:srgbClr val="000000"/>
-                </a:solidFill>
-                <a:uFill>
-                  <a:solidFill>
-                    <a:srgbClr val="ffffff"/>
+              <a:rPr lang="fr-FR" sz="2000" b="0" strike="noStrike" spc="-1">
+                <a:solidFill>
+                  <a:srgbClr val="000000"/>
+                </a:solidFill>
+                <a:uFill>
+                  <a:solidFill>
+                    <a:srgbClr val="FFFFFF"/>
                   </a:solidFill>
                 </a:uFill>
                 <a:latin typeface="Arial"/>
               </a:rPr>
               <a:t>Second niveau de plan</a:t>
             </a:r>
-            <a:endParaRPr b="0" lang="fr-FR" sz="2000" spc="-1" strike="noStrike">
-              <a:solidFill>
-                <a:srgbClr val="000000"/>
-              </a:solidFill>
-              <a:uFill>
-                <a:solidFill>
-                  <a:srgbClr val="ffffff"/>
-                </a:solidFill>
-              </a:uFill>
-              <a:latin typeface="Arial"/>
-            </a:endParaRPr>
-          </a:p>
-          <a:p>
-            <a:pPr lvl="2" marL="1296000" indent="-288000">
+          </a:p>
+          <a:p>
+            <a:pPr marL="1296000" lvl="2" indent="-288000">
               <a:buClr>
                 <a:srgbClr val="000000"/>
               </a:buClr>
@@ -3477,33 +3884,22 @@
               <a:buChar char=""/>
             </a:pPr>
             <a:r>
-              <a:rPr b="0" lang="fr-FR" sz="1800" spc="-1" strike="noStrike">
-                <a:solidFill>
-                  <a:srgbClr val="000000"/>
-                </a:solidFill>
-                <a:uFill>
-                  <a:solidFill>
-                    <a:srgbClr val="ffffff"/>
+              <a:rPr lang="fr-FR" sz="1800" b="0" strike="noStrike" spc="-1">
+                <a:solidFill>
+                  <a:srgbClr val="000000"/>
+                </a:solidFill>
+                <a:uFill>
+                  <a:solidFill>
+                    <a:srgbClr val="FFFFFF"/>
                   </a:solidFill>
                 </a:uFill>
                 <a:latin typeface="Arial"/>
               </a:rPr>
               <a:t>Troisième niveau de plan</a:t>
             </a:r>
-            <a:endParaRPr b="0" lang="fr-FR" sz="1800" spc="-1" strike="noStrike">
-              <a:solidFill>
-                <a:srgbClr val="000000"/>
-              </a:solidFill>
-              <a:uFill>
-                <a:solidFill>
-                  <a:srgbClr val="ffffff"/>
-                </a:solidFill>
-              </a:uFill>
-              <a:latin typeface="Arial"/>
-            </a:endParaRPr>
-          </a:p>
-          <a:p>
-            <a:pPr lvl="3" marL="1728000" indent="-216000">
+          </a:p>
+          <a:p>
+            <a:pPr marL="1728000" lvl="3" indent="-216000">
               <a:buClr>
                 <a:srgbClr val="000000"/>
               </a:buClr>
@@ -3512,33 +3908,22 @@
               <a:buChar char=""/>
             </a:pPr>
             <a:r>
-              <a:rPr b="0" lang="fr-FR" sz="1800" spc="-1" strike="noStrike">
-                <a:solidFill>
-                  <a:srgbClr val="000000"/>
-                </a:solidFill>
-                <a:uFill>
-                  <a:solidFill>
-                    <a:srgbClr val="ffffff"/>
+              <a:rPr lang="fr-FR" sz="1800" b="0" strike="noStrike" spc="-1">
+                <a:solidFill>
+                  <a:srgbClr val="000000"/>
+                </a:solidFill>
+                <a:uFill>
+                  <a:solidFill>
+                    <a:srgbClr val="FFFFFF"/>
                   </a:solidFill>
                 </a:uFill>
                 <a:latin typeface="Arial"/>
               </a:rPr>
               <a:t>Quatrième niveau de plan</a:t>
             </a:r>
-            <a:endParaRPr b="0" lang="fr-FR" sz="1800" spc="-1" strike="noStrike">
-              <a:solidFill>
-                <a:srgbClr val="000000"/>
-              </a:solidFill>
-              <a:uFill>
-                <a:solidFill>
-                  <a:srgbClr val="ffffff"/>
-                </a:solidFill>
-              </a:uFill>
-              <a:latin typeface="Arial"/>
-            </a:endParaRPr>
-          </a:p>
-          <a:p>
-            <a:pPr lvl="4" marL="2160000" indent="-216000">
+          </a:p>
+          <a:p>
+            <a:pPr marL="2160000" lvl="4" indent="-216000">
               <a:buClr>
                 <a:srgbClr val="000000"/>
               </a:buClr>
@@ -3547,33 +3932,22 @@
               <a:buChar char=""/>
             </a:pPr>
             <a:r>
-              <a:rPr b="0" lang="fr-FR" sz="2000" spc="-1" strike="noStrike">
-                <a:solidFill>
-                  <a:srgbClr val="000000"/>
-                </a:solidFill>
-                <a:uFill>
-                  <a:solidFill>
-                    <a:srgbClr val="ffffff"/>
+              <a:rPr lang="fr-FR" sz="2000" b="0" strike="noStrike" spc="-1">
+                <a:solidFill>
+                  <a:srgbClr val="000000"/>
+                </a:solidFill>
+                <a:uFill>
+                  <a:solidFill>
+                    <a:srgbClr val="FFFFFF"/>
                   </a:solidFill>
                 </a:uFill>
                 <a:latin typeface="Arial"/>
               </a:rPr>
               <a:t>Cinquième niveau de plan</a:t>
             </a:r>
-            <a:endParaRPr b="0" lang="fr-FR" sz="2000" spc="-1" strike="noStrike">
-              <a:solidFill>
-                <a:srgbClr val="000000"/>
-              </a:solidFill>
-              <a:uFill>
-                <a:solidFill>
-                  <a:srgbClr val="ffffff"/>
-                </a:solidFill>
-              </a:uFill>
-              <a:latin typeface="Arial"/>
-            </a:endParaRPr>
-          </a:p>
-          <a:p>
-            <a:pPr lvl="5" marL="2592000" indent="-216000">
+          </a:p>
+          <a:p>
+            <a:pPr marL="2592000" lvl="5" indent="-216000">
               <a:buClr>
                 <a:srgbClr val="000000"/>
               </a:buClr>
@@ -3582,33 +3956,22 @@
               <a:buChar char=""/>
             </a:pPr>
             <a:r>
-              <a:rPr b="0" lang="fr-FR" sz="2000" spc="-1" strike="noStrike">
-                <a:solidFill>
-                  <a:srgbClr val="000000"/>
-                </a:solidFill>
-                <a:uFill>
-                  <a:solidFill>
-                    <a:srgbClr val="ffffff"/>
+              <a:rPr lang="fr-FR" sz="2000" b="0" strike="noStrike" spc="-1">
+                <a:solidFill>
+                  <a:srgbClr val="000000"/>
+                </a:solidFill>
+                <a:uFill>
+                  <a:solidFill>
+                    <a:srgbClr val="FFFFFF"/>
                   </a:solidFill>
                 </a:uFill>
                 <a:latin typeface="Arial"/>
               </a:rPr>
               <a:t>Sixième niveau de plan</a:t>
             </a:r>
-            <a:endParaRPr b="0" lang="fr-FR" sz="2000" spc="-1" strike="noStrike">
-              <a:solidFill>
-                <a:srgbClr val="000000"/>
-              </a:solidFill>
-              <a:uFill>
-                <a:solidFill>
-                  <a:srgbClr val="ffffff"/>
-                </a:solidFill>
-              </a:uFill>
-              <a:latin typeface="Arial"/>
-            </a:endParaRPr>
-          </a:p>
-          <a:p>
-            <a:pPr lvl="6" marL="3024000" indent="-216000">
+          </a:p>
+          <a:p>
+            <a:pPr marL="3024000" lvl="6" indent="-216000">
               <a:buClr>
                 <a:srgbClr val="000000"/>
               </a:buClr>
@@ -3617,55 +3980,324 @@
               <a:buChar char=""/>
             </a:pPr>
             <a:r>
-              <a:rPr b="0" lang="fr-FR" sz="2000" spc="-1" strike="noStrike">
-                <a:solidFill>
-                  <a:srgbClr val="000000"/>
-                </a:solidFill>
-                <a:uFill>
-                  <a:solidFill>
-                    <a:srgbClr val="ffffff"/>
+              <a:rPr lang="fr-FR" sz="2000" b="0" strike="noStrike" spc="-1">
+                <a:solidFill>
+                  <a:srgbClr val="000000"/>
+                </a:solidFill>
+                <a:uFill>
+                  <a:solidFill>
+                    <a:srgbClr val="FFFFFF"/>
                   </a:solidFill>
                 </a:uFill>
                 <a:latin typeface="Arial"/>
               </a:rPr>
               <a:t>Septième niveau de plan</a:t>
             </a:r>
-            <a:endParaRPr b="0" lang="fr-FR" sz="2000" spc="-1" strike="noStrike">
-              <a:solidFill>
-                <a:srgbClr val="000000"/>
-              </a:solidFill>
-              <a:uFill>
-                <a:solidFill>
-                  <a:srgbClr val="ffffff"/>
-                </a:solidFill>
-              </a:uFill>
-              <a:latin typeface="Arial"/>
-            </a:endParaRPr>
           </a:p>
         </p:txBody>
       </p:sp>
     </p:spTree>
   </p:cSld>
-  <p:clrMap bg1="lt1" bg2="lt2" tx1="dk1" tx2="dk2" accent1="accent1" accent2="accent2" accent3="accent3" accent4="accent4" accent5="accent5" accent6="accent6" hlink="hlink" folHlink="folHlink"/>
+  <p:clrMap bg1="lt1" tx1="dk1" bg2="lt2" tx2="dk2" accent1="accent1" accent2="accent2" accent3="accent3" accent4="accent4" accent5="accent5" accent6="accent6" hlink="hlink" folHlink="folHlink"/>
   <p:sldLayoutIdLst>
-    <p:sldLayoutId id="2147483662" r:id="rId2"/>
-    <p:sldLayoutId id="2147483663" r:id="rId3"/>
-    <p:sldLayoutId id="2147483664" r:id="rId4"/>
-    <p:sldLayoutId id="2147483665" r:id="rId5"/>
-    <p:sldLayoutId id="2147483666" r:id="rId6"/>
-    <p:sldLayoutId id="2147483667" r:id="rId7"/>
-    <p:sldLayoutId id="2147483668" r:id="rId8"/>
-    <p:sldLayoutId id="2147483669" r:id="rId9"/>
-    <p:sldLayoutId id="2147483670" r:id="rId10"/>
-    <p:sldLayoutId id="2147483671" r:id="rId11"/>
-    <p:sldLayoutId id="2147483672" r:id="rId12"/>
-    <p:sldLayoutId id="2147483673" r:id="rId13"/>
+    <p:sldLayoutId id="2147483662" r:id="rId1"/>
+    <p:sldLayoutId id="2147483663" r:id="rId2"/>
+    <p:sldLayoutId id="2147483664" r:id="rId3"/>
+    <p:sldLayoutId id="2147483665" r:id="rId4"/>
+    <p:sldLayoutId id="2147483666" r:id="rId5"/>
+    <p:sldLayoutId id="2147483667" r:id="rId6"/>
+    <p:sldLayoutId id="2147483668" r:id="rId7"/>
+    <p:sldLayoutId id="2147483669" r:id="rId8"/>
+    <p:sldLayoutId id="2147483670" r:id="rId9"/>
+    <p:sldLayoutId id="2147483671" r:id="rId10"/>
+    <p:sldLayoutId id="2147483672" r:id="rId11"/>
+    <p:sldLayoutId id="2147483673" r:id="rId12"/>
   </p:sldLayoutIdLst>
+  <p:txStyles>
+    <p:titleStyle>
+      <a:lvl1pPr algn="l" defTabSz="914400" rtl="0" eaLnBrk="1" latinLnBrk="0" hangingPunct="1">
+        <a:lnSpc>
+          <a:spcPct val="90000"/>
+        </a:lnSpc>
+        <a:spcBef>
+          <a:spcPct val="0"/>
+        </a:spcBef>
+        <a:buNone/>
+        <a:defRPr sz="4400" kern="1200">
+          <a:solidFill>
+            <a:schemeClr val="tx1"/>
+          </a:solidFill>
+          <a:latin typeface="+mj-lt"/>
+          <a:ea typeface="+mj-ea"/>
+          <a:cs typeface="+mj-cs"/>
+        </a:defRPr>
+      </a:lvl1pPr>
+    </p:titleStyle>
+    <p:bodyStyle>
+      <a:lvl1pPr marL="228600" indent="-228600" algn="l" defTabSz="914400" rtl="0" eaLnBrk="1" latinLnBrk="0" hangingPunct="1">
+        <a:lnSpc>
+          <a:spcPct val="90000"/>
+        </a:lnSpc>
+        <a:spcBef>
+          <a:spcPts val="1000"/>
+        </a:spcBef>
+        <a:buFont typeface="Arial" panose="020B0604020202020204" pitchFamily="34" charset="0"/>
+        <a:buChar char="•"/>
+        <a:defRPr sz="2800" kern="1200">
+          <a:solidFill>
+            <a:schemeClr val="tx1"/>
+          </a:solidFill>
+          <a:latin typeface="+mn-lt"/>
+          <a:ea typeface="+mn-ea"/>
+          <a:cs typeface="+mn-cs"/>
+        </a:defRPr>
+      </a:lvl1pPr>
+      <a:lvl2pPr marL="685800" indent="-228600" algn="l" defTabSz="914400" rtl="0" eaLnBrk="1" latinLnBrk="0" hangingPunct="1">
+        <a:lnSpc>
+          <a:spcPct val="90000"/>
+        </a:lnSpc>
+        <a:spcBef>
+          <a:spcPts val="500"/>
+        </a:spcBef>
+        <a:buFont typeface="Arial" panose="020B0604020202020204" pitchFamily="34" charset="0"/>
+        <a:buChar char="•"/>
+        <a:defRPr sz="2400" kern="1200">
+          <a:solidFill>
+            <a:schemeClr val="tx1"/>
+          </a:solidFill>
+          <a:latin typeface="+mn-lt"/>
+          <a:ea typeface="+mn-ea"/>
+          <a:cs typeface="+mn-cs"/>
+        </a:defRPr>
+      </a:lvl2pPr>
+      <a:lvl3pPr marL="1143000" indent="-228600" algn="l" defTabSz="914400" rtl="0" eaLnBrk="1" latinLnBrk="0" hangingPunct="1">
+        <a:lnSpc>
+          <a:spcPct val="90000"/>
+        </a:lnSpc>
+        <a:spcBef>
+          <a:spcPts val="500"/>
+        </a:spcBef>
+        <a:buFont typeface="Arial" panose="020B0604020202020204" pitchFamily="34" charset="0"/>
+        <a:buChar char="•"/>
+        <a:defRPr sz="2000" kern="1200">
+          <a:solidFill>
+            <a:schemeClr val="tx1"/>
+          </a:solidFill>
+          <a:latin typeface="+mn-lt"/>
+          <a:ea typeface="+mn-ea"/>
+          <a:cs typeface="+mn-cs"/>
+        </a:defRPr>
+      </a:lvl3pPr>
+      <a:lvl4pPr marL="1600200" indent="-228600" algn="l" defTabSz="914400" rtl="0" eaLnBrk="1" latinLnBrk="0" hangingPunct="1">
+        <a:lnSpc>
+          <a:spcPct val="90000"/>
+        </a:lnSpc>
+        <a:spcBef>
+          <a:spcPts val="500"/>
+        </a:spcBef>
+        <a:buFont typeface="Arial" panose="020B0604020202020204" pitchFamily="34" charset="0"/>
+        <a:buChar char="•"/>
+        <a:defRPr sz="1800" kern="1200">
+          <a:solidFill>
+            <a:schemeClr val="tx1"/>
+          </a:solidFill>
+          <a:latin typeface="+mn-lt"/>
+          <a:ea typeface="+mn-ea"/>
+          <a:cs typeface="+mn-cs"/>
+        </a:defRPr>
+      </a:lvl4pPr>
+      <a:lvl5pPr marL="2057400" indent="-228600" algn="l" defTabSz="914400" rtl="0" eaLnBrk="1" latinLnBrk="0" hangingPunct="1">
+        <a:lnSpc>
+          <a:spcPct val="90000"/>
+        </a:lnSpc>
+        <a:spcBef>
+          <a:spcPts val="500"/>
+        </a:spcBef>
+        <a:buFont typeface="Arial" panose="020B0604020202020204" pitchFamily="34" charset="0"/>
+        <a:buChar char="•"/>
+        <a:defRPr sz="1800" kern="1200">
+          <a:solidFill>
+            <a:schemeClr val="tx1"/>
+          </a:solidFill>
+          <a:latin typeface="+mn-lt"/>
+          <a:ea typeface="+mn-ea"/>
+          <a:cs typeface="+mn-cs"/>
+        </a:defRPr>
+      </a:lvl5pPr>
+      <a:lvl6pPr marL="2514600" indent="-228600" algn="l" defTabSz="914400" rtl="0" eaLnBrk="1" latinLnBrk="0" hangingPunct="1">
+        <a:lnSpc>
+          <a:spcPct val="90000"/>
+        </a:lnSpc>
+        <a:spcBef>
+          <a:spcPts val="500"/>
+        </a:spcBef>
+        <a:buFont typeface="Arial" panose="020B0604020202020204" pitchFamily="34" charset="0"/>
+        <a:buChar char="•"/>
+        <a:defRPr sz="1800" kern="1200">
+          <a:solidFill>
+            <a:schemeClr val="tx1"/>
+          </a:solidFill>
+          <a:latin typeface="+mn-lt"/>
+          <a:ea typeface="+mn-ea"/>
+          <a:cs typeface="+mn-cs"/>
+        </a:defRPr>
+      </a:lvl6pPr>
+      <a:lvl7pPr marL="2971800" indent="-228600" algn="l" defTabSz="914400" rtl="0" eaLnBrk="1" latinLnBrk="0" hangingPunct="1">
+        <a:lnSpc>
+          <a:spcPct val="90000"/>
+        </a:lnSpc>
+        <a:spcBef>
+          <a:spcPts val="500"/>
+        </a:spcBef>
+        <a:buFont typeface="Arial" panose="020B0604020202020204" pitchFamily="34" charset="0"/>
+        <a:buChar char="•"/>
+        <a:defRPr sz="1800" kern="1200">
+          <a:solidFill>
+            <a:schemeClr val="tx1"/>
+          </a:solidFill>
+          <a:latin typeface="+mn-lt"/>
+          <a:ea typeface="+mn-ea"/>
+          <a:cs typeface="+mn-cs"/>
+        </a:defRPr>
+      </a:lvl7pPr>
+      <a:lvl8pPr marL="3429000" indent="-228600" algn="l" defTabSz="914400" rtl="0" eaLnBrk="1" latinLnBrk="0" hangingPunct="1">
+        <a:lnSpc>
+          <a:spcPct val="90000"/>
+        </a:lnSpc>
+        <a:spcBef>
+          <a:spcPts val="500"/>
+        </a:spcBef>
+        <a:buFont typeface="Arial" panose="020B0604020202020204" pitchFamily="34" charset="0"/>
+        <a:buChar char="•"/>
+        <a:defRPr sz="1800" kern="1200">
+          <a:solidFill>
+            <a:schemeClr val="tx1"/>
+          </a:solidFill>
+          <a:latin typeface="+mn-lt"/>
+          <a:ea typeface="+mn-ea"/>
+          <a:cs typeface="+mn-cs"/>
+        </a:defRPr>
+      </a:lvl8pPr>
+      <a:lvl9pPr marL="3886200" indent="-228600" algn="l" defTabSz="914400" rtl="0" eaLnBrk="1" latinLnBrk="0" hangingPunct="1">
+        <a:lnSpc>
+          <a:spcPct val="90000"/>
+        </a:lnSpc>
+        <a:spcBef>
+          <a:spcPts val="500"/>
+        </a:spcBef>
+        <a:buFont typeface="Arial" panose="020B0604020202020204" pitchFamily="34" charset="0"/>
+        <a:buChar char="•"/>
+        <a:defRPr sz="1800" kern="1200">
+          <a:solidFill>
+            <a:schemeClr val="tx1"/>
+          </a:solidFill>
+          <a:latin typeface="+mn-lt"/>
+          <a:ea typeface="+mn-ea"/>
+          <a:cs typeface="+mn-cs"/>
+        </a:defRPr>
+      </a:lvl9pPr>
+    </p:bodyStyle>
+    <p:otherStyle>
+      <a:defPPr>
+        <a:defRPr lang="fr-FR"/>
+      </a:defPPr>
+      <a:lvl1pPr marL="0" algn="l" defTabSz="914400" rtl="0" eaLnBrk="1" latinLnBrk="0" hangingPunct="1">
+        <a:defRPr sz="1800" kern="1200">
+          <a:solidFill>
+            <a:schemeClr val="tx1"/>
+          </a:solidFill>
+          <a:latin typeface="+mn-lt"/>
+          <a:ea typeface="+mn-ea"/>
+          <a:cs typeface="+mn-cs"/>
+        </a:defRPr>
+      </a:lvl1pPr>
+      <a:lvl2pPr marL="457200" algn="l" defTabSz="914400" rtl="0" eaLnBrk="1" latinLnBrk="0" hangingPunct="1">
+        <a:defRPr sz="1800" kern="1200">
+          <a:solidFill>
+            <a:schemeClr val="tx1"/>
+          </a:solidFill>
+          <a:latin typeface="+mn-lt"/>
+          <a:ea typeface="+mn-ea"/>
+          <a:cs typeface="+mn-cs"/>
+        </a:defRPr>
+      </a:lvl2pPr>
+      <a:lvl3pPr marL="914400" algn="l" defTabSz="914400" rtl="0" eaLnBrk="1" latinLnBrk="0" hangingPunct="1">
+        <a:defRPr sz="1800" kern="1200">
+          <a:solidFill>
+            <a:schemeClr val="tx1"/>
+          </a:solidFill>
+          <a:latin typeface="+mn-lt"/>
+          <a:ea typeface="+mn-ea"/>
+          <a:cs typeface="+mn-cs"/>
+        </a:defRPr>
+      </a:lvl3pPr>
+      <a:lvl4pPr marL="1371600" algn="l" defTabSz="914400" rtl="0" eaLnBrk="1" latinLnBrk="0" hangingPunct="1">
+        <a:defRPr sz="1800" kern="1200">
+          <a:solidFill>
+            <a:schemeClr val="tx1"/>
+          </a:solidFill>
+          <a:latin typeface="+mn-lt"/>
+          <a:ea typeface="+mn-ea"/>
+          <a:cs typeface="+mn-cs"/>
+        </a:defRPr>
+      </a:lvl4pPr>
+      <a:lvl5pPr marL="1828800" algn="l" defTabSz="914400" rtl="0" eaLnBrk="1" latinLnBrk="0" hangingPunct="1">
+        <a:defRPr sz="1800" kern="1200">
+          <a:solidFill>
+            <a:schemeClr val="tx1"/>
+          </a:solidFill>
+          <a:latin typeface="+mn-lt"/>
+          <a:ea typeface="+mn-ea"/>
+          <a:cs typeface="+mn-cs"/>
+        </a:defRPr>
+      </a:lvl5pPr>
+      <a:lvl6pPr marL="2286000" algn="l" defTabSz="914400" rtl="0" eaLnBrk="1" latinLnBrk="0" hangingPunct="1">
+        <a:defRPr sz="1800" kern="1200">
+          <a:solidFill>
+            <a:schemeClr val="tx1"/>
+          </a:solidFill>
+          <a:latin typeface="+mn-lt"/>
+          <a:ea typeface="+mn-ea"/>
+          <a:cs typeface="+mn-cs"/>
+        </a:defRPr>
+      </a:lvl6pPr>
+      <a:lvl7pPr marL="2743200" algn="l" defTabSz="914400" rtl="0" eaLnBrk="1" latinLnBrk="0" hangingPunct="1">
+        <a:defRPr sz="1800" kern="1200">
+          <a:solidFill>
+            <a:schemeClr val="tx1"/>
+          </a:solidFill>
+          <a:latin typeface="+mn-lt"/>
+          <a:ea typeface="+mn-ea"/>
+          <a:cs typeface="+mn-cs"/>
+        </a:defRPr>
+      </a:lvl7pPr>
+      <a:lvl8pPr marL="3200400" algn="l" defTabSz="914400" rtl="0" eaLnBrk="1" latinLnBrk="0" hangingPunct="1">
+        <a:defRPr sz="1800" kern="1200">
+          <a:solidFill>
+            <a:schemeClr val="tx1"/>
+          </a:solidFill>
+          <a:latin typeface="+mn-lt"/>
+          <a:ea typeface="+mn-ea"/>
+          <a:cs typeface="+mn-cs"/>
+        </a:defRPr>
+      </a:lvl8pPr>
+      <a:lvl9pPr marL="3657600" algn="l" defTabSz="914400" rtl="0" eaLnBrk="1" latinLnBrk="0" hangingPunct="1">
+        <a:defRPr sz="1800" kern="1200">
+          <a:solidFill>
+            <a:schemeClr val="tx1"/>
+          </a:solidFill>
+          <a:latin typeface="+mn-lt"/>
+          <a:ea typeface="+mn-ea"/>
+          <a:cs typeface="+mn-cs"/>
+        </a:defRPr>
+      </a:lvl9pPr>
+    </p:otherStyle>
+  </p:txStyles>
 </p:sldMaster>
 </file>
 
 <file path=ppt/slides/slide1.xml><?xml version="1.0" encoding="utf-8"?>
-<p:sld xmlns:a="http://schemas.openxmlformats.org/drawingml/2006/main" xmlns:p="http://schemas.openxmlformats.org/presentationml/2006/main" xmlns:r="http://schemas.openxmlformats.org/officeDocument/2006/relationships" xmlns:p14="http://schemas.microsoft.com/office/powerpoint/2010/main" xmlns:p15="http://schemas.microsoft.com/office/powerpoint/2012/main" xmlns:mc="http://schemas.openxmlformats.org/markup-compatibility/2006">
+<p:sld xmlns:a="http://schemas.openxmlformats.org/drawingml/2006/main" xmlns:r="http://schemas.openxmlformats.org/officeDocument/2006/relationships" xmlns:p="http://schemas.openxmlformats.org/presentationml/2006/main">
   <p:cSld>
     <p:spTree>
       <p:nvGrpSpPr>
@@ -3701,22 +4333,29 @@
           </a:ln>
         </p:spPr>
         <p:style>
-          <a:lnRef idx="0"/>
-          <a:fillRef idx="0"/>
-          <a:effectRef idx="0"/>
+          <a:lnRef idx="0">
+            <a:scrgbClr r="0" g="0" b="0"/>
+          </a:lnRef>
+          <a:fillRef idx="0">
+            <a:scrgbClr r="0" g="0" b="0"/>
+          </a:fillRef>
+          <a:effectRef idx="0">
+            <a:scrgbClr r="0" g="0" b="0"/>
+          </a:effectRef>
           <a:fontRef idx="minor"/>
         </p:style>
         <p:txBody>
-          <a:bodyPr lIns="90000" rIns="90000" tIns="45000" bIns="45000" anchor="b"/>
-          <a:p>
-            <a:r>
-              <a:rPr b="1" lang="fr-FR" sz="6000" spc="-1" strike="noStrike">
-                <a:solidFill>
-                  <a:srgbClr val="000000"/>
-                </a:solidFill>
-                <a:uFill>
-                  <a:solidFill>
-                    <a:srgbClr val="ffffff"/>
+          <a:bodyPr lIns="90000" tIns="45000" rIns="90000" bIns="45000" anchor="b"/>
+          <a:lstStyle/>
+          <a:p>
+            <a:r>
+              <a:rPr lang="fr-FR" sz="6000" b="1" strike="noStrike" spc="-1">
+                <a:solidFill>
+                  <a:srgbClr val="000000"/>
+                </a:solidFill>
+                <a:uFill>
+                  <a:solidFill>
+                    <a:srgbClr val="FFFFFF"/>
                   </a:solidFill>
                 </a:uFill>
                 <a:latin typeface="Calibri Light"/>
@@ -3724,13 +4363,13 @@
               </a:rPr>
               <a:t>Miniproject MP01: </a:t>
             </a:r>
-            <a:endParaRPr b="0" lang="fr-FR" sz="1800" spc="-1" strike="noStrike">
-              <a:solidFill>
-                <a:srgbClr val="000000"/>
-              </a:solidFill>
-              <a:uFill>
-                <a:solidFill>
-                  <a:srgbClr val="ffffff"/>
+            <a:endParaRPr lang="fr-FR" sz="1800" b="0" strike="noStrike" spc="-1">
+              <a:solidFill>
+                <a:srgbClr val="000000"/>
+              </a:solidFill>
+              <a:uFill>
+                <a:solidFill>
+                  <a:srgbClr val="FFFFFF"/>
                 </a:solidFill>
               </a:uFill>
               <a:latin typeface="Arial"/>
@@ -3743,13 +4382,13 @@
               </a:lnSpc>
             </a:pPr>
             <a:r>
-              <a:rPr b="1" lang="fr-FR" sz="6000" spc="-1" strike="noStrike">
-                <a:solidFill>
-                  <a:srgbClr val="000000"/>
-                </a:solidFill>
-                <a:uFill>
-                  <a:solidFill>
-                    <a:srgbClr val="ffffff"/>
+              <a:rPr lang="fr-FR" sz="6000" b="1" strike="noStrike" spc="-1">
+                <a:solidFill>
+                  <a:srgbClr val="000000"/>
+                </a:solidFill>
+                <a:uFill>
+                  <a:solidFill>
+                    <a:srgbClr val="FFFFFF"/>
                   </a:solidFill>
                 </a:uFill>
                 <a:latin typeface="Calibri Light"/>
@@ -3757,13 +4396,13 @@
               </a:rPr>
               <a:t>Key-Value Store in Linux </a:t>
             </a:r>
-            <a:endParaRPr b="0" lang="fr-FR" sz="1800" spc="-1" strike="noStrike">
-              <a:solidFill>
-                <a:srgbClr val="000000"/>
-              </a:solidFill>
-              <a:uFill>
-                <a:solidFill>
-                  <a:srgbClr val="ffffff"/>
+            <a:endParaRPr lang="fr-FR" sz="1800" b="0" strike="noStrike" spc="-1">
+              <a:solidFill>
+                <a:srgbClr val="000000"/>
+              </a:solidFill>
+              <a:uFill>
+                <a:solidFill>
+                  <a:srgbClr val="FFFFFF"/>
                 </a:solidFill>
               </a:uFill>
               <a:latin typeface="Arial"/>
@@ -3791,13 +4430,20 @@
           </a:ln>
         </p:spPr>
         <p:style>
-          <a:lnRef idx="0"/>
-          <a:fillRef idx="0"/>
-          <a:effectRef idx="0"/>
+          <a:lnRef idx="0">
+            <a:scrgbClr r="0" g="0" b="0"/>
+          </a:lnRef>
+          <a:fillRef idx="0">
+            <a:scrgbClr r="0" g="0" b="0"/>
+          </a:fillRef>
+          <a:effectRef idx="0">
+            <a:scrgbClr r="0" g="0" b="0"/>
+          </a:effectRef>
           <a:fontRef idx="minor"/>
         </p:style>
         <p:txBody>
-          <a:bodyPr lIns="90000" rIns="90000" tIns="45000" bIns="45000"/>
+          <a:bodyPr lIns="90000" tIns="45000" rIns="90000" bIns="45000"/>
+          <a:lstStyle/>
           <a:p>
             <a:pPr algn="ctr">
               <a:lnSpc>
@@ -3805,13 +4451,13 @@
               </a:lnSpc>
             </a:pPr>
             <a:r>
-              <a:rPr b="0" lang="fr-FR" sz="2400" spc="-1" strike="noStrike">
-                <a:solidFill>
-                  <a:srgbClr val="000000"/>
-                </a:solidFill>
-                <a:uFill>
-                  <a:solidFill>
-                    <a:srgbClr val="ffffff"/>
+              <a:rPr lang="fr-FR" sz="2400" b="0" strike="noStrike" spc="-1">
+                <a:solidFill>
+                  <a:srgbClr val="000000"/>
+                </a:solidFill>
+                <a:uFill>
+                  <a:solidFill>
+                    <a:srgbClr val="FFFFFF"/>
                   </a:solidFill>
                 </a:uFill>
                 <a:latin typeface="Calibri"/>
@@ -3819,13 +4465,13 @@
               </a:rPr>
               <a:t>Groupe 3:</a:t>
             </a:r>
-            <a:endParaRPr b="0" lang="fr-FR" sz="1800" spc="-1" strike="noStrike">
-              <a:solidFill>
-                <a:srgbClr val="000000"/>
-              </a:solidFill>
-              <a:uFill>
-                <a:solidFill>
-                  <a:srgbClr val="ffffff"/>
+            <a:endParaRPr lang="fr-FR" sz="1800" b="0" strike="noStrike" spc="-1">
+              <a:solidFill>
+                <a:srgbClr val="000000"/>
+              </a:solidFill>
+              <a:uFill>
+                <a:solidFill>
+                  <a:srgbClr val="FFFFFF"/>
                 </a:solidFill>
               </a:uFill>
               <a:latin typeface="Arial"/>
@@ -3838,13 +4484,13 @@
               </a:lnSpc>
             </a:pPr>
             <a:r>
-              <a:rPr b="0" lang="fr-FR" sz="2400" spc="-1" strike="noStrike">
-                <a:solidFill>
-                  <a:srgbClr val="000000"/>
-                </a:solidFill>
-                <a:uFill>
-                  <a:solidFill>
-                    <a:srgbClr val="ffffff"/>
+              <a:rPr lang="fr-FR" sz="2400" b="0" strike="noStrike" spc="-1">
+                <a:solidFill>
+                  <a:srgbClr val="000000"/>
+                </a:solidFill>
+                <a:uFill>
+                  <a:solidFill>
+                    <a:srgbClr val="FFFFFF"/>
                   </a:solidFill>
                 </a:uFill>
                 <a:latin typeface="Calibri"/>
@@ -3852,13 +4498,13 @@
               </a:rPr>
               <a:t>Jonas Epper, Andrea Rar, Ryan Siow</a:t>
             </a:r>
-            <a:endParaRPr b="0" lang="fr-FR" sz="1800" spc="-1" strike="noStrike">
-              <a:solidFill>
-                <a:srgbClr val="000000"/>
-              </a:solidFill>
-              <a:uFill>
-                <a:solidFill>
-                  <a:srgbClr val="ffffff"/>
+            <a:endParaRPr lang="fr-FR" sz="1800" b="0" strike="noStrike" spc="-1">
+              <a:solidFill>
+                <a:srgbClr val="000000"/>
+              </a:solidFill>
+              <a:uFill>
+                <a:solidFill>
+                  <a:srgbClr val="FFFFFF"/>
                 </a:solidFill>
               </a:uFill>
               <a:latin typeface="Arial"/>
@@ -3868,6 +4514,9 @@
       </p:sp>
     </p:spTree>
   </p:cSld>
+  <p:clrMapOvr>
+    <a:masterClrMapping/>
+  </p:clrMapOvr>
   <p:timing>
     <p:tnLst>
       <p:par>
@@ -3876,14 +4525,14 @@
             <p:seq>
               <p:cTn id="2" nodeType="mainSeq"/>
               <p:prevCondLst>
-                <p:cond delay="0" evt="onPrev">
+                <p:cond evt="onPrev" delay="0">
                   <p:tgtEl>
                     <p:sldTgt/>
                   </p:tgtEl>
                 </p:cond>
               </p:prevCondLst>
               <p:nextCondLst>
-                <p:cond delay="0" evt="onNext">
+                <p:cond evt="onNext" delay="0">
                   <p:tgtEl>
                     <p:sldTgt/>
                   </p:tgtEl>
@@ -3899,7 +4548,7 @@
 </file>
 
 <file path=ppt/slides/slide10.xml><?xml version="1.0" encoding="utf-8"?>
-<p:sld xmlns:a="http://schemas.openxmlformats.org/drawingml/2006/main" xmlns:p="http://schemas.openxmlformats.org/presentationml/2006/main" xmlns:r="http://schemas.openxmlformats.org/officeDocument/2006/relationships" xmlns:p14="http://schemas.microsoft.com/office/powerpoint/2010/main" xmlns:p15="http://schemas.microsoft.com/office/powerpoint/2012/main" xmlns:mc="http://schemas.openxmlformats.org/markup-compatibility/2006">
+<p:sld xmlns:a="http://schemas.openxmlformats.org/drawingml/2006/main" xmlns:r="http://schemas.openxmlformats.org/officeDocument/2006/relationships" xmlns:p="http://schemas.openxmlformats.org/presentationml/2006/main">
   <p:cSld>
     <p:spTree>
       <p:nvGrpSpPr>
@@ -3935,13 +4584,20 @@
           </a:ln>
         </p:spPr>
         <p:style>
-          <a:lnRef idx="0"/>
-          <a:fillRef idx="0"/>
-          <a:effectRef idx="0"/>
+          <a:lnRef idx="0">
+            <a:scrgbClr r="0" g="0" b="0"/>
+          </a:lnRef>
+          <a:fillRef idx="0">
+            <a:scrgbClr r="0" g="0" b="0"/>
+          </a:fillRef>
+          <a:effectRef idx="0">
+            <a:scrgbClr r="0" g="0" b="0"/>
+          </a:effectRef>
           <a:fontRef idx="minor"/>
         </p:style>
         <p:txBody>
-          <a:bodyPr lIns="90000" rIns="90000" tIns="45000" bIns="45000" anchor="ctr"/>
+          <a:bodyPr lIns="90000" tIns="45000" rIns="90000" bIns="45000" anchor="ctr"/>
+          <a:lstStyle/>
           <a:p>
             <a:pPr>
               <a:lnSpc>
@@ -3949,13 +4605,13 @@
               </a:lnSpc>
             </a:pPr>
             <a:r>
-              <a:rPr b="0" lang="fr-FR" sz="4400" spc="-1" strike="noStrike">
-                <a:solidFill>
-                  <a:srgbClr val="000000"/>
-                </a:solidFill>
-                <a:uFill>
-                  <a:solidFill>
-                    <a:srgbClr val="ffffff"/>
+              <a:rPr lang="fr-FR" sz="4400" b="0" strike="noStrike" spc="-1">
+                <a:solidFill>
+                  <a:srgbClr val="000000"/>
+                </a:solidFill>
+                <a:uFill>
+                  <a:solidFill>
+                    <a:srgbClr val="FFFFFF"/>
                   </a:solidFill>
                 </a:uFill>
                 <a:latin typeface="Calibri Light"/>
@@ -3963,13 +4619,13 @@
               </a:rPr>
               <a:t>Accès sécurisé des readers/writers</a:t>
             </a:r>
-            <a:endParaRPr b="0" lang="fr-FR" sz="1800" spc="-1" strike="noStrike">
-              <a:solidFill>
-                <a:srgbClr val="000000"/>
-              </a:solidFill>
-              <a:uFill>
-                <a:solidFill>
-                  <a:srgbClr val="ffffff"/>
+            <a:endParaRPr lang="fr-FR" sz="1800" b="0" strike="noStrike" spc="-1">
+              <a:solidFill>
+                <a:srgbClr val="000000"/>
+              </a:solidFill>
+              <a:uFill>
+                <a:solidFill>
+                  <a:srgbClr val="FFFFFF"/>
                 </a:solidFill>
               </a:uFill>
               <a:latin typeface="Arial"/>
@@ -3997,13 +4653,20 @@
           </a:ln>
         </p:spPr>
         <p:style>
-          <a:lnRef idx="0"/>
-          <a:fillRef idx="0"/>
-          <a:effectRef idx="0"/>
+          <a:lnRef idx="0">
+            <a:scrgbClr r="0" g="0" b="0"/>
+          </a:lnRef>
+          <a:fillRef idx="0">
+            <a:scrgbClr r="0" g="0" b="0"/>
+          </a:fillRef>
+          <a:effectRef idx="0">
+            <a:scrgbClr r="0" g="0" b="0"/>
+          </a:effectRef>
           <a:fontRef idx="minor"/>
         </p:style>
         <p:txBody>
-          <a:bodyPr lIns="90000" rIns="90000" tIns="45000" bIns="45000"/>
+          <a:bodyPr lIns="90000" tIns="45000" rIns="90000" bIns="45000"/>
+          <a:lstStyle/>
           <a:p>
             <a:pPr marL="228600" indent="-227880">
               <a:lnSpc>
@@ -4016,13 +4679,13 @@
               <a:buChar char="•"/>
             </a:pPr>
             <a:r>
-              <a:rPr b="0" lang="fr-FR" sz="2800" spc="-1" strike="noStrike">
-                <a:solidFill>
-                  <a:srgbClr val="000000"/>
-                </a:solidFill>
-                <a:uFill>
-                  <a:solidFill>
-                    <a:srgbClr val="ffffff"/>
+              <a:rPr lang="fr-FR" sz="2800" b="0" strike="noStrike" spc="-1">
+                <a:solidFill>
+                  <a:srgbClr val="000000"/>
+                </a:solidFill>
+                <a:uFill>
+                  <a:solidFill>
+                    <a:srgbClr val="FFFFFF"/>
                   </a:solidFill>
                 </a:uFill>
                 <a:latin typeface="Calibri"/>
@@ -4030,20 +4693,20 @@
               </a:rPr>
               <a:t>4 mutex :</a:t>
             </a:r>
-            <a:endParaRPr b="0" lang="fr-FR" sz="1800" spc="-1" strike="noStrike">
-              <a:solidFill>
-                <a:srgbClr val="000000"/>
-              </a:solidFill>
-              <a:uFill>
-                <a:solidFill>
-                  <a:srgbClr val="ffffff"/>
-                </a:solidFill>
-              </a:uFill>
-              <a:latin typeface="Arial"/>
-            </a:endParaRPr>
-          </a:p>
-          <a:p>
-            <a:pPr lvl="1" marL="685800" indent="-227880">
+            <a:endParaRPr lang="fr-FR" sz="1800" b="0" strike="noStrike" spc="-1">
+              <a:solidFill>
+                <a:srgbClr val="000000"/>
+              </a:solidFill>
+              <a:uFill>
+                <a:solidFill>
+                  <a:srgbClr val="FFFFFF"/>
+                </a:solidFill>
+              </a:uFill>
+              <a:latin typeface="Arial"/>
+            </a:endParaRPr>
+          </a:p>
+          <a:p>
+            <a:pPr marL="685800" lvl="1" indent="-227880">
               <a:lnSpc>
                 <a:spcPct val="100000"/>
               </a:lnSpc>
@@ -4054,13 +4717,13 @@
               <a:buChar char="•"/>
             </a:pPr>
             <a:r>
-              <a:rPr b="0" lang="fr-FR" sz="2400" spc="-1" strike="noStrike">
-                <a:solidFill>
-                  <a:srgbClr val="000000"/>
-                </a:solidFill>
-                <a:uFill>
-                  <a:solidFill>
-                    <a:srgbClr val="ffffff"/>
+              <a:rPr lang="fr-FR" sz="2400" b="0" strike="noStrike" spc="-1">
+                <a:solidFill>
+                  <a:srgbClr val="000000"/>
+                </a:solidFill>
+                <a:uFill>
+                  <a:solidFill>
+                    <a:srgbClr val="FFFFFF"/>
                   </a:solidFill>
                 </a:uFill>
                 <a:latin typeface="Calibri"/>
@@ -4068,20 +4731,20 @@
               </a:rPr>
               <a:t>rmutex</a:t>
             </a:r>
-            <a:endParaRPr b="0" lang="fr-FR" sz="1800" spc="-1" strike="noStrike">
-              <a:solidFill>
-                <a:srgbClr val="000000"/>
-              </a:solidFill>
-              <a:uFill>
-                <a:solidFill>
-                  <a:srgbClr val="ffffff"/>
-                </a:solidFill>
-              </a:uFill>
-              <a:latin typeface="Arial"/>
-            </a:endParaRPr>
-          </a:p>
-          <a:p>
-            <a:pPr lvl="1" marL="685800" indent="-227880">
+            <a:endParaRPr lang="fr-FR" sz="1800" b="0" strike="noStrike" spc="-1">
+              <a:solidFill>
+                <a:srgbClr val="000000"/>
+              </a:solidFill>
+              <a:uFill>
+                <a:solidFill>
+                  <a:srgbClr val="FFFFFF"/>
+                </a:solidFill>
+              </a:uFill>
+              <a:latin typeface="Arial"/>
+            </a:endParaRPr>
+          </a:p>
+          <a:p>
+            <a:pPr marL="685800" lvl="1" indent="-227880">
               <a:lnSpc>
                 <a:spcPct val="100000"/>
               </a:lnSpc>
@@ -4092,13 +4755,13 @@
               <a:buChar char="•"/>
             </a:pPr>
             <a:r>
-              <a:rPr b="0" lang="fr-FR" sz="2400" spc="-1" strike="noStrike">
-                <a:solidFill>
-                  <a:srgbClr val="000000"/>
-                </a:solidFill>
-                <a:uFill>
-                  <a:solidFill>
-                    <a:srgbClr val="ffffff"/>
+              <a:rPr lang="fr-FR" sz="2400" b="0" strike="noStrike" spc="-1">
+                <a:solidFill>
+                  <a:srgbClr val="000000"/>
+                </a:solidFill>
+                <a:uFill>
+                  <a:solidFill>
+                    <a:srgbClr val="FFFFFF"/>
                   </a:solidFill>
                 </a:uFill>
                 <a:latin typeface="Calibri"/>
@@ -4106,20 +4769,20 @@
               </a:rPr>
               <a:t>wmutex</a:t>
             </a:r>
-            <a:endParaRPr b="0" lang="fr-FR" sz="1800" spc="-1" strike="noStrike">
-              <a:solidFill>
-                <a:srgbClr val="000000"/>
-              </a:solidFill>
-              <a:uFill>
-                <a:solidFill>
-                  <a:srgbClr val="ffffff"/>
-                </a:solidFill>
-              </a:uFill>
-              <a:latin typeface="Arial"/>
-            </a:endParaRPr>
-          </a:p>
-          <a:p>
-            <a:pPr lvl="1" marL="685800" indent="-227880">
+            <a:endParaRPr lang="fr-FR" sz="1800" b="0" strike="noStrike" spc="-1">
+              <a:solidFill>
+                <a:srgbClr val="000000"/>
+              </a:solidFill>
+              <a:uFill>
+                <a:solidFill>
+                  <a:srgbClr val="FFFFFF"/>
+                </a:solidFill>
+              </a:uFill>
+              <a:latin typeface="Arial"/>
+            </a:endParaRPr>
+          </a:p>
+          <a:p>
+            <a:pPr marL="685800" lvl="1" indent="-227880">
               <a:lnSpc>
                 <a:spcPct val="100000"/>
               </a:lnSpc>
@@ -4130,13 +4793,13 @@
               <a:buChar char="•"/>
             </a:pPr>
             <a:r>
-              <a:rPr b="0" lang="fr-FR" sz="2400" spc="-1" strike="noStrike">
-                <a:solidFill>
-                  <a:srgbClr val="000000"/>
-                </a:solidFill>
-                <a:uFill>
-                  <a:solidFill>
-                    <a:srgbClr val="ffffff"/>
+              <a:rPr lang="fr-FR" sz="2400" b="0" strike="noStrike" spc="-1">
+                <a:solidFill>
+                  <a:srgbClr val="000000"/>
+                </a:solidFill>
+                <a:uFill>
+                  <a:solidFill>
+                    <a:srgbClr val="FFFFFF"/>
                   </a:solidFill>
                 </a:uFill>
                 <a:latin typeface="Calibri"/>
@@ -4144,20 +4807,20 @@
               </a:rPr>
               <a:t>readTry</a:t>
             </a:r>
-            <a:endParaRPr b="0" lang="fr-FR" sz="1800" spc="-1" strike="noStrike">
-              <a:solidFill>
-                <a:srgbClr val="000000"/>
-              </a:solidFill>
-              <a:uFill>
-                <a:solidFill>
-                  <a:srgbClr val="ffffff"/>
-                </a:solidFill>
-              </a:uFill>
-              <a:latin typeface="Arial"/>
-            </a:endParaRPr>
-          </a:p>
-          <a:p>
-            <a:pPr lvl="1" marL="685800" indent="-227880">
+            <a:endParaRPr lang="fr-FR" sz="1800" b="0" strike="noStrike" spc="-1">
+              <a:solidFill>
+                <a:srgbClr val="000000"/>
+              </a:solidFill>
+              <a:uFill>
+                <a:solidFill>
+                  <a:srgbClr val="FFFFFF"/>
+                </a:solidFill>
+              </a:uFill>
+              <a:latin typeface="Arial"/>
+            </a:endParaRPr>
+          </a:p>
+          <a:p>
+            <a:pPr marL="685800" lvl="1" indent="-227880">
               <a:lnSpc>
                 <a:spcPct val="100000"/>
               </a:lnSpc>
@@ -4168,13 +4831,13 @@
               <a:buChar char="•"/>
             </a:pPr>
             <a:r>
-              <a:rPr b="0" lang="fr-FR" sz="2400" spc="-1" strike="noStrike">
-                <a:solidFill>
-                  <a:srgbClr val="000000"/>
-                </a:solidFill>
-                <a:uFill>
-                  <a:solidFill>
-                    <a:srgbClr val="ffffff"/>
+              <a:rPr lang="fr-FR" sz="2400" b="0" strike="noStrike" spc="-1">
+                <a:solidFill>
+                  <a:srgbClr val="000000"/>
+                </a:solidFill>
+                <a:uFill>
+                  <a:solidFill>
+                    <a:srgbClr val="FFFFFF"/>
                   </a:solidFill>
                 </a:uFill>
                 <a:latin typeface="Calibri"/>
@@ -4182,13 +4845,13 @@
               </a:rPr>
               <a:t>resource</a:t>
             </a:r>
-            <a:endParaRPr b="0" lang="fr-FR" sz="1800" spc="-1" strike="noStrike">
-              <a:solidFill>
-                <a:srgbClr val="000000"/>
-              </a:solidFill>
-              <a:uFill>
-                <a:solidFill>
-                  <a:srgbClr val="ffffff"/>
+            <a:endParaRPr lang="fr-FR" sz="1800" b="0" strike="noStrike" spc="-1">
+              <a:solidFill>
+                <a:srgbClr val="000000"/>
+              </a:solidFill>
+              <a:uFill>
+                <a:solidFill>
+                  <a:srgbClr val="FFFFFF"/>
                 </a:solidFill>
               </a:uFill>
               <a:latin typeface="Arial"/>
@@ -4206,13 +4869,13 @@
               <a:buChar char="•"/>
             </a:pPr>
             <a:r>
-              <a:rPr b="0" lang="fr-FR" sz="2800" spc="-1" strike="noStrike">
-                <a:solidFill>
-                  <a:srgbClr val="000000"/>
-                </a:solidFill>
-                <a:uFill>
-                  <a:solidFill>
-                    <a:srgbClr val="ffffff"/>
+              <a:rPr lang="fr-FR" sz="2800" b="0" strike="noStrike" spc="-1">
+                <a:solidFill>
+                  <a:srgbClr val="000000"/>
+                </a:solidFill>
+                <a:uFill>
+                  <a:solidFill>
+                    <a:srgbClr val="FFFFFF"/>
                   </a:solidFill>
                 </a:uFill>
                 <a:latin typeface="Calibri"/>
@@ -4220,20 +4883,20 @@
               </a:rPr>
               <a:t>3 zones :</a:t>
             </a:r>
-            <a:endParaRPr b="0" lang="fr-FR" sz="1800" spc="-1" strike="noStrike">
-              <a:solidFill>
-                <a:srgbClr val="000000"/>
-              </a:solidFill>
-              <a:uFill>
-                <a:solidFill>
-                  <a:srgbClr val="ffffff"/>
-                </a:solidFill>
-              </a:uFill>
-              <a:latin typeface="Arial"/>
-            </a:endParaRPr>
-          </a:p>
-          <a:p>
-            <a:pPr lvl="1" marL="685800" indent="-227880">
+            <a:endParaRPr lang="fr-FR" sz="1800" b="0" strike="noStrike" spc="-1">
+              <a:solidFill>
+                <a:srgbClr val="000000"/>
+              </a:solidFill>
+              <a:uFill>
+                <a:solidFill>
+                  <a:srgbClr val="FFFFFF"/>
+                </a:solidFill>
+              </a:uFill>
+              <a:latin typeface="Arial"/>
+            </a:endParaRPr>
+          </a:p>
+          <a:p>
+            <a:pPr marL="685800" lvl="1" indent="-227880">
               <a:lnSpc>
                 <a:spcPct val="90000"/>
               </a:lnSpc>
@@ -4244,13 +4907,13 @@
               <a:buChar char="•"/>
             </a:pPr>
             <a:r>
-              <a:rPr b="0" lang="fr-FR" sz="2800" spc="-1" strike="noStrike">
-                <a:solidFill>
-                  <a:srgbClr val="000000"/>
-                </a:solidFill>
-                <a:uFill>
-                  <a:solidFill>
-                    <a:srgbClr val="ffffff"/>
+              <a:rPr lang="fr-FR" sz="2800" b="0" strike="noStrike" spc="-1">
+                <a:solidFill>
+                  <a:srgbClr val="000000"/>
+                </a:solidFill>
+                <a:uFill>
+                  <a:solidFill>
+                    <a:srgbClr val="FFFFFF"/>
                   </a:solidFill>
                 </a:uFill>
                 <a:latin typeface="Calibri"/>
@@ -4258,20 +4921,20 @@
               </a:rPr>
               <a:t>Entry Section</a:t>
             </a:r>
-            <a:endParaRPr b="0" lang="fr-FR" sz="1800" spc="-1" strike="noStrike">
-              <a:solidFill>
-                <a:srgbClr val="000000"/>
-              </a:solidFill>
-              <a:uFill>
-                <a:solidFill>
-                  <a:srgbClr val="ffffff"/>
-                </a:solidFill>
-              </a:uFill>
-              <a:latin typeface="Arial"/>
-            </a:endParaRPr>
-          </a:p>
-          <a:p>
-            <a:pPr lvl="1" marL="685800" indent="-227880">
+            <a:endParaRPr lang="fr-FR" sz="1800" b="0" strike="noStrike" spc="-1">
+              <a:solidFill>
+                <a:srgbClr val="000000"/>
+              </a:solidFill>
+              <a:uFill>
+                <a:solidFill>
+                  <a:srgbClr val="FFFFFF"/>
+                </a:solidFill>
+              </a:uFill>
+              <a:latin typeface="Arial"/>
+            </a:endParaRPr>
+          </a:p>
+          <a:p>
+            <a:pPr marL="685800" lvl="1" indent="-227880">
               <a:lnSpc>
                 <a:spcPct val="90000"/>
               </a:lnSpc>
@@ -4282,13 +4945,13 @@
               <a:buChar char="•"/>
             </a:pPr>
             <a:r>
-              <a:rPr b="0" lang="fr-FR" sz="2800" spc="-1" strike="noStrike">
-                <a:solidFill>
-                  <a:srgbClr val="000000"/>
-                </a:solidFill>
-                <a:uFill>
-                  <a:solidFill>
-                    <a:srgbClr val="ffffff"/>
+              <a:rPr lang="fr-FR" sz="2800" b="0" strike="noStrike" spc="-1">
+                <a:solidFill>
+                  <a:srgbClr val="000000"/>
+                </a:solidFill>
+                <a:uFill>
+                  <a:solidFill>
+                    <a:srgbClr val="FFFFFF"/>
                   </a:solidFill>
                 </a:uFill>
                 <a:latin typeface="Calibri"/>
@@ -4296,20 +4959,20 @@
               </a:rPr>
               <a:t>Critical Section</a:t>
             </a:r>
-            <a:endParaRPr b="0" lang="fr-FR" sz="1800" spc="-1" strike="noStrike">
-              <a:solidFill>
-                <a:srgbClr val="000000"/>
-              </a:solidFill>
-              <a:uFill>
-                <a:solidFill>
-                  <a:srgbClr val="ffffff"/>
-                </a:solidFill>
-              </a:uFill>
-              <a:latin typeface="Arial"/>
-            </a:endParaRPr>
-          </a:p>
-          <a:p>
-            <a:pPr lvl="1" marL="685800" indent="-227880">
+            <a:endParaRPr lang="fr-FR" sz="1800" b="0" strike="noStrike" spc="-1">
+              <a:solidFill>
+                <a:srgbClr val="000000"/>
+              </a:solidFill>
+              <a:uFill>
+                <a:solidFill>
+                  <a:srgbClr val="FFFFFF"/>
+                </a:solidFill>
+              </a:uFill>
+              <a:latin typeface="Arial"/>
+            </a:endParaRPr>
+          </a:p>
+          <a:p>
+            <a:pPr marL="685800" lvl="1" indent="-227880">
               <a:lnSpc>
                 <a:spcPct val="90000"/>
               </a:lnSpc>
@@ -4320,13 +4983,13 @@
               <a:buChar char="•"/>
             </a:pPr>
             <a:r>
-              <a:rPr b="0" lang="fr-FR" sz="2800" spc="-1" strike="noStrike">
-                <a:solidFill>
-                  <a:srgbClr val="000000"/>
-                </a:solidFill>
-                <a:uFill>
-                  <a:solidFill>
-                    <a:srgbClr val="ffffff"/>
+              <a:rPr lang="fr-FR" sz="2800" b="0" strike="noStrike" spc="-1">
+                <a:solidFill>
+                  <a:srgbClr val="000000"/>
+                </a:solidFill>
+                <a:uFill>
+                  <a:solidFill>
+                    <a:srgbClr val="FFFFFF"/>
                   </a:solidFill>
                 </a:uFill>
                 <a:latin typeface="Calibri"/>
@@ -4334,13 +4997,13 @@
               </a:rPr>
               <a:t>Exit Section</a:t>
             </a:r>
-            <a:endParaRPr b="0" lang="fr-FR" sz="1800" spc="-1" strike="noStrike">
-              <a:solidFill>
-                <a:srgbClr val="000000"/>
-              </a:solidFill>
-              <a:uFill>
-                <a:solidFill>
-                  <a:srgbClr val="ffffff"/>
+            <a:endParaRPr lang="fr-FR" sz="1800" b="0" strike="noStrike" spc="-1">
+              <a:solidFill>
+                <a:srgbClr val="000000"/>
+              </a:solidFill>
+              <a:uFill>
+                <a:solidFill>
+                  <a:srgbClr val="FFFFFF"/>
                 </a:solidFill>
               </a:uFill>
               <a:latin typeface="Arial"/>
@@ -4358,13 +5021,13 @@
               <a:buChar char="•"/>
             </a:pPr>
             <a:r>
-              <a:rPr b="0" lang="fr-FR" sz="2800" spc="-1" strike="noStrike">
-                <a:solidFill>
-                  <a:srgbClr val="000000"/>
-                </a:solidFill>
-                <a:uFill>
-                  <a:solidFill>
-                    <a:srgbClr val="ffffff"/>
+              <a:rPr lang="fr-FR" sz="2800" b="0" strike="noStrike" spc="-1">
+                <a:solidFill>
+                  <a:srgbClr val="000000"/>
+                </a:solidFill>
+                <a:uFill>
+                  <a:solidFill>
+                    <a:srgbClr val="FFFFFF"/>
                   </a:solidFill>
                 </a:uFill>
                 <a:latin typeface="Calibri"/>
@@ -4372,13 +5035,13 @@
               </a:rPr>
               <a:t>Priorité au writer</a:t>
             </a:r>
-            <a:endParaRPr b="0" lang="fr-FR" sz="1800" spc="-1" strike="noStrike">
-              <a:solidFill>
-                <a:srgbClr val="000000"/>
-              </a:solidFill>
-              <a:uFill>
-                <a:solidFill>
-                  <a:srgbClr val="ffffff"/>
+            <a:endParaRPr lang="fr-FR" sz="1800" b="0" strike="noStrike" spc="-1">
+              <a:solidFill>
+                <a:srgbClr val="000000"/>
+              </a:solidFill>
+              <a:uFill>
+                <a:solidFill>
+                  <a:srgbClr val="FFFFFF"/>
                 </a:solidFill>
               </a:uFill>
               <a:latin typeface="Arial"/>
@@ -4396,13 +5059,13 @@
               <a:buChar char="•"/>
             </a:pPr>
             <a:r>
-              <a:rPr b="0" lang="fr-FR" sz="2800" spc="-1" strike="noStrike">
-                <a:solidFill>
-                  <a:srgbClr val="000000"/>
-                </a:solidFill>
-                <a:uFill>
-                  <a:solidFill>
-                    <a:srgbClr val="ffffff"/>
+              <a:rPr lang="fr-FR" sz="2800" b="0" strike="noStrike" spc="-1">
+                <a:solidFill>
+                  <a:srgbClr val="000000"/>
+                </a:solidFill>
+                <a:uFill>
+                  <a:solidFill>
+                    <a:srgbClr val="FFFFFF"/>
                   </a:solidFill>
                 </a:uFill>
                 <a:latin typeface="Calibri"/>
@@ -4410,13 +5073,13 @@
               </a:rPr>
               <a:t>Nombre de clients max indéfini</a:t>
             </a:r>
-            <a:endParaRPr b="0" lang="fr-FR" sz="1800" spc="-1" strike="noStrike">
-              <a:solidFill>
-                <a:srgbClr val="000000"/>
-              </a:solidFill>
-              <a:uFill>
-                <a:solidFill>
-                  <a:srgbClr val="ffffff"/>
+            <a:endParaRPr lang="fr-FR" sz="1800" b="0" strike="noStrike" spc="-1">
+              <a:solidFill>
+                <a:srgbClr val="000000"/>
+              </a:solidFill>
+              <a:uFill>
+                <a:solidFill>
+                  <a:srgbClr val="FFFFFF"/>
                 </a:solidFill>
               </a:uFill>
               <a:latin typeface="Arial"/>
@@ -4426,22 +5089,25 @@
       </p:sp>
     </p:spTree>
   </p:cSld>
+  <p:clrMapOvr>
+    <a:masterClrMapping/>
+  </p:clrMapOvr>
   <p:timing>
     <p:tnLst>
       <p:par>
-        <p:cTn id="19" dur="indefinite" restart="never" nodeType="tmRoot">
+        <p:cTn id="1" dur="indefinite" restart="never" nodeType="tmRoot">
           <p:childTnLst>
             <p:seq>
-              <p:cTn id="20" nodeType="mainSeq"/>
+              <p:cTn id="2" nodeType="mainSeq"/>
               <p:prevCondLst>
-                <p:cond delay="0" evt="onPrev">
+                <p:cond evt="onPrev" delay="0">
                   <p:tgtEl>
                     <p:sldTgt/>
                   </p:tgtEl>
                 </p:cond>
               </p:prevCondLst>
               <p:nextCondLst>
-                <p:cond delay="0" evt="onNext">
+                <p:cond evt="onNext" delay="0">
                   <p:tgtEl>
                     <p:sldTgt/>
                   </p:tgtEl>
@@ -4457,7 +5123,7 @@
 </file>
 
 <file path=ppt/slides/slide11.xml><?xml version="1.0" encoding="utf-8"?>
-<p:sld xmlns:a="http://schemas.openxmlformats.org/drawingml/2006/main" xmlns:p="http://schemas.openxmlformats.org/presentationml/2006/main" xmlns:r="http://schemas.openxmlformats.org/officeDocument/2006/relationships" xmlns:p14="http://schemas.microsoft.com/office/powerpoint/2010/main" xmlns:p15="http://schemas.microsoft.com/office/powerpoint/2012/main" xmlns:mc="http://schemas.openxmlformats.org/markup-compatibility/2006">
+<p:sld xmlns:a="http://schemas.openxmlformats.org/drawingml/2006/main" xmlns:r="http://schemas.openxmlformats.org/officeDocument/2006/relationships" xmlns:p="http://schemas.openxmlformats.org/presentationml/2006/main">
   <p:cSld>
     <p:spTree>
       <p:nvGrpSpPr>
@@ -4493,13 +5159,20 @@
           </a:ln>
         </p:spPr>
         <p:style>
-          <a:lnRef idx="0"/>
-          <a:fillRef idx="0"/>
-          <a:effectRef idx="0"/>
+          <a:lnRef idx="0">
+            <a:scrgbClr r="0" g="0" b="0"/>
+          </a:lnRef>
+          <a:fillRef idx="0">
+            <a:scrgbClr r="0" g="0" b="0"/>
+          </a:fillRef>
+          <a:effectRef idx="0">
+            <a:scrgbClr r="0" g="0" b="0"/>
+          </a:effectRef>
           <a:fontRef idx="minor"/>
         </p:style>
         <p:txBody>
-          <a:bodyPr lIns="90000" rIns="90000" tIns="45000" bIns="45000" anchor="ctr"/>
+          <a:bodyPr lIns="90000" tIns="45000" rIns="90000" bIns="45000" anchor="ctr"/>
+          <a:lstStyle/>
           <a:p>
             <a:pPr>
               <a:lnSpc>
@@ -4507,13 +5180,13 @@
               </a:lnSpc>
             </a:pPr>
             <a:r>
-              <a:rPr b="0" lang="fr-FR" sz="4400" spc="-1" strike="noStrike">
-                <a:solidFill>
-                  <a:srgbClr val="000000"/>
-                </a:solidFill>
-                <a:uFill>
-                  <a:solidFill>
-                    <a:srgbClr val="ffffff"/>
+              <a:rPr lang="fr-FR" sz="4400" b="0" strike="noStrike" spc="-1">
+                <a:solidFill>
+                  <a:srgbClr val="000000"/>
+                </a:solidFill>
+                <a:uFill>
+                  <a:solidFill>
+                    <a:srgbClr val="FFFFFF"/>
                   </a:solidFill>
                 </a:uFill>
                 <a:latin typeface="Calibri Light"/>
@@ -4521,13 +5194,13 @@
               </a:rPr>
               <a:t>Problèmes rencontrés</a:t>
             </a:r>
-            <a:endParaRPr b="0" lang="fr-FR" sz="1800" spc="-1" strike="noStrike">
-              <a:solidFill>
-                <a:srgbClr val="000000"/>
-              </a:solidFill>
-              <a:uFill>
-                <a:solidFill>
-                  <a:srgbClr val="ffffff"/>
+            <a:endParaRPr lang="fr-FR" sz="1800" b="0" strike="noStrike" spc="-1">
+              <a:solidFill>
+                <a:srgbClr val="000000"/>
+              </a:solidFill>
+              <a:uFill>
+                <a:solidFill>
+                  <a:srgbClr val="FFFFFF"/>
                 </a:solidFill>
               </a:uFill>
               <a:latin typeface="Arial"/>
@@ -4555,26 +5228,33 @@
           </a:ln>
         </p:spPr>
         <p:style>
-          <a:lnRef idx="0"/>
-          <a:fillRef idx="0"/>
-          <a:effectRef idx="0"/>
+          <a:lnRef idx="0">
+            <a:scrgbClr r="0" g="0" b="0"/>
+          </a:lnRef>
+          <a:fillRef idx="0">
+            <a:scrgbClr r="0" g="0" b="0"/>
+          </a:fillRef>
+          <a:effectRef idx="0">
+            <a:scrgbClr r="0" g="0" b="0"/>
+          </a:effectRef>
           <a:fontRef idx="minor"/>
         </p:style>
         <p:txBody>
-          <a:bodyPr lIns="90000" rIns="90000" tIns="45000" bIns="45000"/>
+          <a:bodyPr lIns="90000" tIns="45000" rIns="90000" bIns="45000"/>
+          <a:lstStyle/>
           <a:p>
             <a:pPr>
               <a:lnSpc>
                 <a:spcPct val="90000"/>
               </a:lnSpc>
             </a:pPr>
-            <a:endParaRPr b="0" lang="fr-FR" sz="1800" spc="-1" strike="noStrike">
-              <a:solidFill>
-                <a:srgbClr val="000000"/>
-              </a:solidFill>
-              <a:uFill>
-                <a:solidFill>
-                  <a:srgbClr val="ffffff"/>
+            <a:endParaRPr lang="fr-FR" sz="1800" b="0" strike="noStrike" spc="-1">
+              <a:solidFill>
+                <a:srgbClr val="000000"/>
+              </a:solidFill>
+              <a:uFill>
+                <a:solidFill>
+                  <a:srgbClr val="FFFFFF"/>
                 </a:solidFill>
               </a:uFill>
               <a:latin typeface="Arial"/>
@@ -4586,13 +5266,13 @@
                 <a:spcPct val="90000"/>
               </a:lnSpc>
             </a:pPr>
-            <a:endParaRPr b="0" lang="fr-FR" sz="1800" spc="-1" strike="noStrike">
-              <a:solidFill>
-                <a:srgbClr val="000000"/>
-              </a:solidFill>
-              <a:uFill>
-                <a:solidFill>
-                  <a:srgbClr val="ffffff"/>
+            <a:endParaRPr lang="fr-FR" sz="1800" b="0" strike="noStrike" spc="-1">
+              <a:solidFill>
+                <a:srgbClr val="000000"/>
+              </a:solidFill>
+              <a:uFill>
+                <a:solidFill>
+                  <a:srgbClr val="FFFFFF"/>
                 </a:solidFill>
               </a:uFill>
               <a:latin typeface="Arial"/>
@@ -4604,13 +5284,13 @@
                 <a:spcPct val="90000"/>
               </a:lnSpc>
             </a:pPr>
-            <a:endParaRPr b="0" lang="fr-FR" sz="1800" spc="-1" strike="noStrike">
-              <a:solidFill>
-                <a:srgbClr val="000000"/>
-              </a:solidFill>
-              <a:uFill>
-                <a:solidFill>
-                  <a:srgbClr val="ffffff"/>
+            <a:endParaRPr lang="fr-FR" sz="1800" b="0" strike="noStrike" spc="-1">
+              <a:solidFill>
+                <a:srgbClr val="000000"/>
+              </a:solidFill>
+              <a:uFill>
+                <a:solidFill>
+                  <a:srgbClr val="FFFFFF"/>
                 </a:solidFill>
               </a:uFill>
               <a:latin typeface="Arial"/>
@@ -4628,13 +5308,13 @@
               <a:buChar char="•"/>
             </a:pPr>
             <a:r>
-              <a:rPr b="0" lang="fr-FR" sz="2800" spc="-1" strike="noStrike">
-                <a:solidFill>
-                  <a:srgbClr val="000000"/>
-                </a:solidFill>
-                <a:uFill>
-                  <a:solidFill>
-                    <a:srgbClr val="ffffff"/>
+              <a:rPr lang="fr-FR" sz="2800" b="0" strike="noStrike" spc="-1">
+                <a:solidFill>
+                  <a:srgbClr val="000000"/>
+                </a:solidFill>
+                <a:uFill>
+                  <a:solidFill>
+                    <a:srgbClr val="FFFFFF"/>
                   </a:solidFill>
                 </a:uFill>
                 <a:latin typeface="Calibri"/>
@@ -4642,13 +5322,13 @@
               </a:rPr>
               <a:t>Retours à la ligne lors de réception de messages</a:t>
             </a:r>
-            <a:endParaRPr b="0" lang="fr-FR" sz="1800" spc="-1" strike="noStrike">
-              <a:solidFill>
-                <a:srgbClr val="000000"/>
-              </a:solidFill>
-              <a:uFill>
-                <a:solidFill>
-                  <a:srgbClr val="ffffff"/>
+            <a:endParaRPr lang="fr-FR" sz="1800" b="0" strike="noStrike" spc="-1">
+              <a:solidFill>
+                <a:srgbClr val="000000"/>
+              </a:solidFill>
+              <a:uFill>
+                <a:solidFill>
+                  <a:srgbClr val="FFFFFF"/>
                 </a:solidFill>
               </a:uFill>
               <a:latin typeface="Arial"/>
@@ -4666,13 +5346,13 @@
               <a:buChar char="•"/>
             </a:pPr>
             <a:r>
-              <a:rPr b="0" lang="fr-FR" sz="2800" spc="-1" strike="noStrike">
-                <a:solidFill>
-                  <a:srgbClr val="000000"/>
-                </a:solidFill>
-                <a:uFill>
-                  <a:solidFill>
-                    <a:srgbClr val="ffffff"/>
+              <a:rPr lang="fr-FR" sz="2800" b="0" strike="noStrike" spc="-1">
+                <a:solidFill>
+                  <a:srgbClr val="000000"/>
+                </a:solidFill>
+                <a:uFill>
+                  <a:solidFill>
+                    <a:srgbClr val="FFFFFF"/>
                   </a:solidFill>
                 </a:uFill>
                 <a:latin typeface="Calibri"/>
@@ -4681,13 +5361,13 @@
               <a:t>Mutex </a:t>
             </a:r>
             <a:r>
-              <a:rPr b="0" lang="fr-FR" sz="2800" spc="-1" strike="noStrike">
-                <a:solidFill>
-                  <a:srgbClr val="000000"/>
-                </a:solidFill>
-                <a:uFill>
-                  <a:solidFill>
-                    <a:srgbClr val="ffffff"/>
+              <a:rPr lang="fr-FR" sz="2800" b="0" strike="noStrike" spc="-1">
+                <a:solidFill>
+                  <a:srgbClr val="000000"/>
+                </a:solidFill>
+                <a:uFill>
+                  <a:solidFill>
+                    <a:srgbClr val="FFFFFF"/>
                   </a:solidFill>
                 </a:uFill>
                 <a:latin typeface="Wingdings"/>
@@ -4696,13 +5376,13 @@
               <a:t></a:t>
             </a:r>
             <a:r>
-              <a:rPr b="0" lang="fr-FR" sz="2800" spc="-1" strike="noStrike">
-                <a:solidFill>
-                  <a:srgbClr val="000000"/>
-                </a:solidFill>
-                <a:uFill>
-                  <a:solidFill>
-                    <a:srgbClr val="ffffff"/>
+              <a:rPr lang="fr-FR" sz="2800" b="0" strike="noStrike" spc="-1">
+                <a:solidFill>
+                  <a:srgbClr val="000000"/>
+                </a:solidFill>
+                <a:uFill>
+                  <a:solidFill>
+                    <a:srgbClr val="FFFFFF"/>
                   </a:solidFill>
                 </a:uFill>
                 <a:latin typeface="Calibri"/>
@@ -4710,13 +5390,13 @@
               </a:rPr>
               <a:t> tableau coupé en plusieurs parties</a:t>
             </a:r>
-            <a:endParaRPr b="0" lang="fr-FR" sz="1800" spc="-1" strike="noStrike">
-              <a:solidFill>
-                <a:srgbClr val="000000"/>
-              </a:solidFill>
-              <a:uFill>
-                <a:solidFill>
-                  <a:srgbClr val="ffffff"/>
+            <a:endParaRPr lang="fr-FR" sz="1800" b="0" strike="noStrike" spc="-1">
+              <a:solidFill>
+                <a:srgbClr val="000000"/>
+              </a:solidFill>
+              <a:uFill>
+                <a:solidFill>
+                  <a:srgbClr val="FFFFFF"/>
                 </a:solidFill>
               </a:uFill>
               <a:latin typeface="Arial"/>
@@ -4734,13 +5414,13 @@
               <a:buChar char="•"/>
             </a:pPr>
             <a:r>
-              <a:rPr b="0" lang="fr-FR" sz="2800" spc="-1" strike="noStrike">
-                <a:solidFill>
-                  <a:srgbClr val="000000"/>
-                </a:solidFill>
-                <a:uFill>
-                  <a:solidFill>
-                    <a:srgbClr val="ffffff"/>
+              <a:rPr lang="fr-FR" sz="2800" b="0" strike="noStrike" spc="-1">
+                <a:solidFill>
+                  <a:srgbClr val="000000"/>
+                </a:solidFill>
+                <a:uFill>
+                  <a:solidFill>
+                    <a:srgbClr val="FFFFFF"/>
                   </a:solidFill>
                 </a:uFill>
                 <a:latin typeface="Calibri"/>
@@ -4748,13 +5428,13 @@
               </a:rPr>
               <a:t>Client plus lent que le serveur</a:t>
             </a:r>
-            <a:endParaRPr b="0" lang="fr-FR" sz="1800" spc="-1" strike="noStrike">
-              <a:solidFill>
-                <a:srgbClr val="000000"/>
-              </a:solidFill>
-              <a:uFill>
-                <a:solidFill>
-                  <a:srgbClr val="ffffff"/>
+            <a:endParaRPr lang="fr-FR" sz="1800" b="0" strike="noStrike" spc="-1">
+              <a:solidFill>
+                <a:srgbClr val="000000"/>
+              </a:solidFill>
+              <a:uFill>
+                <a:solidFill>
+                  <a:srgbClr val="FFFFFF"/>
                 </a:solidFill>
               </a:uFill>
               <a:latin typeface="Arial"/>
@@ -4772,13 +5452,13 @@
               <a:buChar char="•"/>
             </a:pPr>
             <a:r>
-              <a:rPr b="0" lang="fr-FR" sz="2800" spc="-1" strike="noStrike">
-                <a:solidFill>
-                  <a:srgbClr val="000000"/>
-                </a:solidFill>
-                <a:uFill>
-                  <a:solidFill>
-                    <a:srgbClr val="ffffff"/>
+              <a:rPr lang="fr-FR" sz="2800" b="0" strike="noStrike" spc="-1">
+                <a:solidFill>
+                  <a:srgbClr val="000000"/>
+                </a:solidFill>
+                <a:uFill>
+                  <a:solidFill>
+                    <a:srgbClr val="FFFFFF"/>
                   </a:solidFill>
                 </a:uFill>
                 <a:latin typeface="Calibri"/>
@@ -4786,13 +5466,13 @@
               </a:rPr>
               <a:t>Segmentation fault: 11</a:t>
             </a:r>
-            <a:endParaRPr b="0" lang="fr-FR" sz="1800" spc="-1" strike="noStrike">
-              <a:solidFill>
-                <a:srgbClr val="000000"/>
-              </a:solidFill>
-              <a:uFill>
-                <a:solidFill>
-                  <a:srgbClr val="ffffff"/>
+            <a:endParaRPr lang="fr-FR" sz="1800" b="0" strike="noStrike" spc="-1">
+              <a:solidFill>
+                <a:srgbClr val="000000"/>
+              </a:solidFill>
+              <a:uFill>
+                <a:solidFill>
+                  <a:srgbClr val="FFFFFF"/>
                 </a:solidFill>
               </a:uFill>
               <a:latin typeface="Arial"/>
@@ -4810,13 +5490,13 @@
               <a:buChar char="•"/>
             </a:pPr>
             <a:r>
-              <a:rPr b="0" lang="fr-FR" sz="2800" spc="-1" strike="noStrike">
-                <a:solidFill>
-                  <a:srgbClr val="000000"/>
-                </a:solidFill>
-                <a:uFill>
-                  <a:solidFill>
-                    <a:srgbClr val="ffffff"/>
+              <a:rPr lang="fr-FR" sz="2800" b="0" strike="noStrike" spc="-1">
+                <a:solidFill>
+                  <a:srgbClr val="000000"/>
+                </a:solidFill>
+                <a:uFill>
+                  <a:solidFill>
+                    <a:srgbClr val="FFFFFF"/>
                   </a:solidFill>
                 </a:uFill>
                 <a:latin typeface="Calibri"/>
@@ -4824,13 +5504,13 @@
               </a:rPr>
               <a:t>Ainsi qu’une centaine d’autres… </a:t>
             </a:r>
-            <a:endParaRPr b="0" lang="fr-FR" sz="1800" spc="-1" strike="noStrike">
-              <a:solidFill>
-                <a:srgbClr val="000000"/>
-              </a:solidFill>
-              <a:uFill>
-                <a:solidFill>
-                  <a:srgbClr val="ffffff"/>
+            <a:endParaRPr lang="fr-FR" sz="1800" b="0" strike="noStrike" spc="-1">
+              <a:solidFill>
+                <a:srgbClr val="000000"/>
+              </a:solidFill>
+              <a:uFill>
+                <a:solidFill>
+                  <a:srgbClr val="FFFFFF"/>
                 </a:solidFill>
               </a:uFill>
               <a:latin typeface="Arial"/>
@@ -4842,13 +5522,13 @@
                 <a:spcPct val="90000"/>
               </a:lnSpc>
             </a:pPr>
-            <a:endParaRPr b="0" lang="fr-FR" sz="1800" spc="-1" strike="noStrike">
-              <a:solidFill>
-                <a:srgbClr val="000000"/>
-              </a:solidFill>
-              <a:uFill>
-                <a:solidFill>
-                  <a:srgbClr val="ffffff"/>
+            <a:endParaRPr lang="fr-FR" sz="1800" b="0" strike="noStrike" spc="-1">
+              <a:solidFill>
+                <a:srgbClr val="000000"/>
+              </a:solidFill>
+              <a:uFill>
+                <a:solidFill>
+                  <a:srgbClr val="FFFFFF"/>
                 </a:solidFill>
               </a:uFill>
               <a:latin typeface="Arial"/>
@@ -4858,22 +5538,25 @@
       </p:sp>
     </p:spTree>
   </p:cSld>
+  <p:clrMapOvr>
+    <a:masterClrMapping/>
+  </p:clrMapOvr>
   <p:timing>
     <p:tnLst>
       <p:par>
-        <p:cTn id="21" dur="indefinite" restart="never" nodeType="tmRoot">
+        <p:cTn id="1" dur="indefinite" restart="never" nodeType="tmRoot">
           <p:childTnLst>
             <p:seq>
-              <p:cTn id="22" nodeType="mainSeq"/>
+              <p:cTn id="2" nodeType="mainSeq"/>
               <p:prevCondLst>
-                <p:cond delay="0" evt="onPrev">
+                <p:cond evt="onPrev" delay="0">
                   <p:tgtEl>
                     <p:sldTgt/>
                   </p:tgtEl>
                 </p:cond>
               </p:prevCondLst>
               <p:nextCondLst>
-                <p:cond delay="0" evt="onNext">
+                <p:cond evt="onNext" delay="0">
                   <p:tgtEl>
                     <p:sldTgt/>
                   </p:tgtEl>
@@ -4889,7 +5572,7 @@
 </file>
 
 <file path=ppt/slides/slide12.xml><?xml version="1.0" encoding="utf-8"?>
-<p:sld xmlns:a="http://schemas.openxmlformats.org/drawingml/2006/main" xmlns:p="http://schemas.openxmlformats.org/presentationml/2006/main" xmlns:r="http://schemas.openxmlformats.org/officeDocument/2006/relationships" xmlns:p14="http://schemas.microsoft.com/office/powerpoint/2010/main" xmlns:p15="http://schemas.microsoft.com/office/powerpoint/2012/main" xmlns:mc="http://schemas.openxmlformats.org/markup-compatibility/2006">
+<p:sld xmlns:a="http://schemas.openxmlformats.org/drawingml/2006/main" xmlns:r="http://schemas.openxmlformats.org/officeDocument/2006/relationships" xmlns:p="http://schemas.openxmlformats.org/presentationml/2006/main">
   <p:cSld>
     <p:spTree>
       <p:nvGrpSpPr>
@@ -4925,13 +5608,20 @@
           </a:ln>
         </p:spPr>
         <p:style>
-          <a:lnRef idx="0"/>
-          <a:fillRef idx="0"/>
-          <a:effectRef idx="0"/>
+          <a:lnRef idx="0">
+            <a:scrgbClr r="0" g="0" b="0"/>
+          </a:lnRef>
+          <a:fillRef idx="0">
+            <a:scrgbClr r="0" g="0" b="0"/>
+          </a:fillRef>
+          <a:effectRef idx="0">
+            <a:scrgbClr r="0" g="0" b="0"/>
+          </a:effectRef>
           <a:fontRef idx="minor"/>
         </p:style>
         <p:txBody>
-          <a:bodyPr lIns="90000" rIns="90000" tIns="45000" bIns="45000" anchor="ctr"/>
+          <a:bodyPr lIns="90000" tIns="45000" rIns="90000" bIns="45000" anchor="ctr"/>
+          <a:lstStyle/>
           <a:p>
             <a:pPr>
               <a:lnSpc>
@@ -4939,13 +5629,13 @@
               </a:lnSpc>
             </a:pPr>
             <a:r>
-              <a:rPr b="0" lang="fr-FR" sz="4400" spc="-1" strike="noStrike">
-                <a:solidFill>
-                  <a:srgbClr val="000000"/>
-                </a:solidFill>
-                <a:uFill>
-                  <a:solidFill>
-                    <a:srgbClr val="ffffff"/>
+              <a:rPr lang="fr-FR" sz="4400" b="0" strike="noStrike" spc="-1">
+                <a:solidFill>
+                  <a:srgbClr val="000000"/>
+                </a:solidFill>
+                <a:uFill>
+                  <a:solidFill>
+                    <a:srgbClr val="FFFFFF"/>
                   </a:solidFill>
                 </a:uFill>
                 <a:latin typeface="Calibri Light"/>
@@ -4953,13 +5643,13 @@
               </a:rPr>
               <a:t>Démo</a:t>
             </a:r>
-            <a:endParaRPr b="0" lang="fr-FR" sz="1800" spc="-1" strike="noStrike">
-              <a:solidFill>
-                <a:srgbClr val="000000"/>
-              </a:solidFill>
-              <a:uFill>
-                <a:solidFill>
-                  <a:srgbClr val="ffffff"/>
+            <a:endParaRPr lang="fr-FR" sz="1800" b="0" strike="noStrike" spc="-1">
+              <a:solidFill>
+                <a:srgbClr val="000000"/>
+              </a:solidFill>
+              <a:uFill>
+                <a:solidFill>
+                  <a:srgbClr val="FFFFFF"/>
                 </a:solidFill>
               </a:uFill>
               <a:latin typeface="Arial"/>
@@ -4975,8 +5665,8 @@
         </p:nvSpPr>
         <p:spPr>
           <a:xfrm>
-            <a:off x="838080" y="1825560"/>
-            <a:ext cx="10514880" cy="4350600"/>
+            <a:off x="838080" y="2329840"/>
+            <a:ext cx="10514880" cy="3846319"/>
           </a:xfrm>
           <a:prstGeom prst="rect">
             <a:avLst/>
@@ -4987,13 +5677,20 @@
           </a:ln>
         </p:spPr>
         <p:style>
-          <a:lnRef idx="0"/>
-          <a:fillRef idx="0"/>
-          <a:effectRef idx="0"/>
+          <a:lnRef idx="0">
+            <a:scrgbClr r="0" g="0" b="0"/>
+          </a:lnRef>
+          <a:fillRef idx="0">
+            <a:scrgbClr r="0" g="0" b="0"/>
+          </a:fillRef>
+          <a:effectRef idx="0">
+            <a:scrgbClr r="0" g="0" b="0"/>
+          </a:effectRef>
           <a:fontRef idx="minor"/>
         </p:style>
         <p:txBody>
-          <a:bodyPr lIns="90000" rIns="90000" tIns="45000" bIns="45000"/>
+          <a:bodyPr lIns="90000" tIns="45000" rIns="90000" bIns="45000"/>
+          <a:lstStyle/>
           <a:p>
             <a:pPr marL="228600" indent="-227880">
               <a:lnSpc>
@@ -5006,27 +5703,237 @@
               <a:buChar char="•"/>
             </a:pPr>
             <a:r>
-              <a:rPr b="0" lang="fr-FR" sz="2800" spc="-1" strike="noStrike">
-                <a:solidFill>
-                  <a:srgbClr val="000000"/>
-                </a:solidFill>
-                <a:uFill>
-                  <a:solidFill>
-                    <a:srgbClr val="ffffff"/>
-                  </a:solidFill>
-                </a:uFill>
-                <a:latin typeface="Calibri"/>
-                <a:ea typeface="DejaVu Sans"/>
-              </a:rPr>
-              <a:t>Reader(s) arriving while another reader is reading from the KV store</a:t>
-            </a:r>
-            <a:endParaRPr b="0" lang="fr-FR" sz="1800" spc="-1" strike="noStrike">
-              <a:solidFill>
-                <a:srgbClr val="000000"/>
-              </a:solidFill>
-              <a:uFill>
-                <a:solidFill>
-                  <a:srgbClr val="ffffff"/>
+              <a:rPr lang="fr-FR" sz="2800" b="0" strike="noStrike" spc="-1" dirty="0">
+                <a:solidFill>
+                  <a:srgbClr val="000000"/>
+                </a:solidFill>
+                <a:uFill>
+                  <a:solidFill>
+                    <a:srgbClr val="FFFFFF"/>
+                  </a:solidFill>
+                </a:uFill>
+                <a:latin typeface="Calibri"/>
+                <a:ea typeface="DejaVu Sans"/>
+              </a:rPr>
+              <a:t>Reader(s) </a:t>
+            </a:r>
+            <a:r>
+              <a:rPr lang="fr-FR" sz="2800" b="0" strike="noStrike" spc="-1" dirty="0" err="1">
+                <a:solidFill>
+                  <a:srgbClr val="000000"/>
+                </a:solidFill>
+                <a:uFill>
+                  <a:solidFill>
+                    <a:srgbClr val="FFFFFF"/>
+                  </a:solidFill>
+                </a:uFill>
+                <a:latin typeface="Calibri"/>
+                <a:ea typeface="DejaVu Sans"/>
+              </a:rPr>
+              <a:t>arriving</a:t>
+            </a:r>
+            <a:r>
+              <a:rPr lang="fr-FR" sz="2800" b="0" strike="noStrike" spc="-1" dirty="0">
+                <a:solidFill>
+                  <a:srgbClr val="000000"/>
+                </a:solidFill>
+                <a:uFill>
+                  <a:solidFill>
+                    <a:srgbClr val="FFFFFF"/>
+                  </a:solidFill>
+                </a:uFill>
+                <a:latin typeface="Calibri"/>
+                <a:ea typeface="DejaVu Sans"/>
+              </a:rPr>
+              <a:t> </a:t>
+            </a:r>
+            <a:r>
+              <a:rPr lang="fr-FR" sz="2800" b="0" strike="noStrike" spc="-1" dirty="0" err="1">
+                <a:solidFill>
+                  <a:srgbClr val="000000"/>
+                </a:solidFill>
+                <a:uFill>
+                  <a:solidFill>
+                    <a:srgbClr val="FFFFFF"/>
+                  </a:solidFill>
+                </a:uFill>
+                <a:latin typeface="Calibri"/>
+                <a:ea typeface="DejaVu Sans"/>
+              </a:rPr>
+              <a:t>while</a:t>
+            </a:r>
+            <a:r>
+              <a:rPr lang="fr-FR" sz="2800" b="0" strike="noStrike" spc="-1" dirty="0">
+                <a:solidFill>
+                  <a:srgbClr val="000000"/>
+                </a:solidFill>
+                <a:uFill>
+                  <a:solidFill>
+                    <a:srgbClr val="FFFFFF"/>
+                  </a:solidFill>
+                </a:uFill>
+                <a:latin typeface="Calibri"/>
+                <a:ea typeface="DejaVu Sans"/>
+              </a:rPr>
+              <a:t> </a:t>
+            </a:r>
+            <a:r>
+              <a:rPr lang="fr-FR" sz="2800" b="0" strike="noStrike" spc="-1" dirty="0" err="1">
+                <a:solidFill>
+                  <a:srgbClr val="000000"/>
+                </a:solidFill>
+                <a:uFill>
+                  <a:solidFill>
+                    <a:srgbClr val="FFFFFF"/>
+                  </a:solidFill>
+                </a:uFill>
+                <a:latin typeface="Calibri"/>
+                <a:ea typeface="DejaVu Sans"/>
+              </a:rPr>
+              <a:t>another</a:t>
+            </a:r>
+            <a:r>
+              <a:rPr lang="fr-FR" sz="2800" b="0" strike="noStrike" spc="-1" dirty="0">
+                <a:solidFill>
+                  <a:srgbClr val="000000"/>
+                </a:solidFill>
+                <a:uFill>
+                  <a:solidFill>
+                    <a:srgbClr val="FFFFFF"/>
+                  </a:solidFill>
+                </a:uFill>
+                <a:latin typeface="Calibri"/>
+                <a:ea typeface="DejaVu Sans"/>
+              </a:rPr>
+              <a:t> </a:t>
+            </a:r>
+            <a:r>
+              <a:rPr lang="fr-FR" sz="2800" b="0" strike="noStrike" spc="-1" dirty="0" err="1">
+                <a:solidFill>
+                  <a:srgbClr val="000000"/>
+                </a:solidFill>
+                <a:uFill>
+                  <a:solidFill>
+                    <a:srgbClr val="FFFFFF"/>
+                  </a:solidFill>
+                </a:uFill>
+                <a:latin typeface="Calibri"/>
+                <a:ea typeface="DejaVu Sans"/>
+              </a:rPr>
+              <a:t>reader</a:t>
+            </a:r>
+            <a:r>
+              <a:rPr lang="fr-FR" sz="2800" b="0" strike="noStrike" spc="-1" dirty="0">
+                <a:solidFill>
+                  <a:srgbClr val="000000"/>
+                </a:solidFill>
+                <a:uFill>
+                  <a:solidFill>
+                    <a:srgbClr val="FFFFFF"/>
+                  </a:solidFill>
+                </a:uFill>
+                <a:latin typeface="Calibri"/>
+                <a:ea typeface="DejaVu Sans"/>
+              </a:rPr>
+              <a:t> </a:t>
+            </a:r>
+            <a:r>
+              <a:rPr lang="fr-FR" sz="2800" b="0" strike="noStrike" spc="-1" dirty="0" err="1">
+                <a:solidFill>
+                  <a:srgbClr val="000000"/>
+                </a:solidFill>
+                <a:uFill>
+                  <a:solidFill>
+                    <a:srgbClr val="FFFFFF"/>
+                  </a:solidFill>
+                </a:uFill>
+                <a:latin typeface="Calibri"/>
+                <a:ea typeface="DejaVu Sans"/>
+              </a:rPr>
+              <a:t>is</a:t>
+            </a:r>
+            <a:r>
+              <a:rPr lang="fr-FR" sz="2800" b="0" strike="noStrike" spc="-1" dirty="0">
+                <a:solidFill>
+                  <a:srgbClr val="000000"/>
+                </a:solidFill>
+                <a:uFill>
+                  <a:solidFill>
+                    <a:srgbClr val="FFFFFF"/>
+                  </a:solidFill>
+                </a:uFill>
+                <a:latin typeface="Calibri"/>
+                <a:ea typeface="DejaVu Sans"/>
+              </a:rPr>
+              <a:t> </a:t>
+            </a:r>
+            <a:r>
+              <a:rPr lang="fr-FR" sz="2800" b="0" strike="noStrike" spc="-1" dirty="0" err="1">
+                <a:solidFill>
+                  <a:srgbClr val="000000"/>
+                </a:solidFill>
+                <a:uFill>
+                  <a:solidFill>
+                    <a:srgbClr val="FFFFFF"/>
+                  </a:solidFill>
+                </a:uFill>
+                <a:latin typeface="Calibri"/>
+                <a:ea typeface="DejaVu Sans"/>
+              </a:rPr>
+              <a:t>reading</a:t>
+            </a:r>
+            <a:r>
+              <a:rPr lang="fr-FR" sz="2800" b="0" strike="noStrike" spc="-1" dirty="0">
+                <a:solidFill>
+                  <a:srgbClr val="000000"/>
+                </a:solidFill>
+                <a:uFill>
+                  <a:solidFill>
+                    <a:srgbClr val="FFFFFF"/>
+                  </a:solidFill>
+                </a:uFill>
+                <a:latin typeface="Calibri"/>
+                <a:ea typeface="DejaVu Sans"/>
+              </a:rPr>
+              <a:t> </a:t>
+            </a:r>
+            <a:r>
+              <a:rPr lang="fr-FR" sz="2800" b="0" strike="noStrike" spc="-1" dirty="0" err="1">
+                <a:solidFill>
+                  <a:srgbClr val="000000"/>
+                </a:solidFill>
+                <a:uFill>
+                  <a:solidFill>
+                    <a:srgbClr val="FFFFFF"/>
+                  </a:solidFill>
+                </a:uFill>
+                <a:latin typeface="Calibri"/>
+                <a:ea typeface="DejaVu Sans"/>
+              </a:rPr>
+              <a:t>from</a:t>
+            </a:r>
+            <a:r>
+              <a:rPr lang="fr-FR" sz="2800" b="0" strike="noStrike" spc="-1" dirty="0">
+                <a:solidFill>
+                  <a:srgbClr val="000000"/>
+                </a:solidFill>
+                <a:uFill>
+                  <a:solidFill>
+                    <a:srgbClr val="FFFFFF"/>
+                  </a:solidFill>
+                </a:uFill>
+                <a:latin typeface="Calibri"/>
+                <a:ea typeface="DejaVu Sans"/>
+              </a:rPr>
+              <a:t> the KV store</a:t>
+            </a:r>
+            <a:endParaRPr lang="fr-FR" sz="1800" b="0" strike="noStrike" spc="-1" dirty="0">
+              <a:solidFill>
+                <a:srgbClr val="000000"/>
+              </a:solidFill>
+              <a:uFill>
+                <a:solidFill>
+                  <a:srgbClr val="FFFFFF"/>
                 </a:solidFill>
               </a:uFill>
               <a:latin typeface="Arial"/>
@@ -5044,27 +5951,222 @@
               <a:buChar char="•"/>
             </a:pPr>
             <a:r>
-              <a:rPr b="0" lang="fr-FR" sz="2800" spc="-1" strike="noStrike">
-                <a:solidFill>
-                  <a:srgbClr val="000000"/>
-                </a:solidFill>
-                <a:uFill>
-                  <a:solidFill>
-                    <a:srgbClr val="ffffff"/>
-                  </a:solidFill>
-                </a:uFill>
-                <a:latin typeface="Calibri"/>
-                <a:ea typeface="DejaVu Sans"/>
-              </a:rPr>
-              <a:t>Writer(s) arriving while another writer is writing in the KV store</a:t>
-            </a:r>
-            <a:endParaRPr b="0" lang="fr-FR" sz="1800" spc="-1" strike="noStrike">
-              <a:solidFill>
-                <a:srgbClr val="000000"/>
-              </a:solidFill>
-              <a:uFill>
-                <a:solidFill>
-                  <a:srgbClr val="ffffff"/>
+              <a:rPr lang="fr-FR" sz="2800" b="0" strike="noStrike" spc="-1" dirty="0" err="1">
+                <a:solidFill>
+                  <a:srgbClr val="000000"/>
+                </a:solidFill>
+                <a:uFill>
+                  <a:solidFill>
+                    <a:srgbClr val="FFFFFF"/>
+                  </a:solidFill>
+                </a:uFill>
+                <a:latin typeface="Calibri"/>
+                <a:ea typeface="DejaVu Sans"/>
+              </a:rPr>
+              <a:t>Writer</a:t>
+            </a:r>
+            <a:r>
+              <a:rPr lang="fr-FR" sz="2800" b="0" strike="noStrike" spc="-1" dirty="0">
+                <a:solidFill>
+                  <a:srgbClr val="000000"/>
+                </a:solidFill>
+                <a:uFill>
+                  <a:solidFill>
+                    <a:srgbClr val="FFFFFF"/>
+                  </a:solidFill>
+                </a:uFill>
+                <a:latin typeface="Calibri"/>
+                <a:ea typeface="DejaVu Sans"/>
+              </a:rPr>
+              <a:t>(s) </a:t>
+            </a:r>
+            <a:r>
+              <a:rPr lang="fr-FR" sz="2800" b="0" strike="noStrike" spc="-1" dirty="0" err="1">
+                <a:solidFill>
+                  <a:srgbClr val="000000"/>
+                </a:solidFill>
+                <a:uFill>
+                  <a:solidFill>
+                    <a:srgbClr val="FFFFFF"/>
+                  </a:solidFill>
+                </a:uFill>
+                <a:latin typeface="Calibri"/>
+                <a:ea typeface="DejaVu Sans"/>
+              </a:rPr>
+              <a:t>arriving</a:t>
+            </a:r>
+            <a:r>
+              <a:rPr lang="fr-FR" sz="2800" b="0" strike="noStrike" spc="-1" dirty="0">
+                <a:solidFill>
+                  <a:srgbClr val="000000"/>
+                </a:solidFill>
+                <a:uFill>
+                  <a:solidFill>
+                    <a:srgbClr val="FFFFFF"/>
+                  </a:solidFill>
+                </a:uFill>
+                <a:latin typeface="Calibri"/>
+                <a:ea typeface="DejaVu Sans"/>
+              </a:rPr>
+              <a:t> </a:t>
+            </a:r>
+            <a:r>
+              <a:rPr lang="fr-FR" sz="2800" b="0" strike="noStrike" spc="-1" dirty="0" err="1">
+                <a:solidFill>
+                  <a:srgbClr val="000000"/>
+                </a:solidFill>
+                <a:uFill>
+                  <a:solidFill>
+                    <a:srgbClr val="FFFFFF"/>
+                  </a:solidFill>
+                </a:uFill>
+                <a:latin typeface="Calibri"/>
+                <a:ea typeface="DejaVu Sans"/>
+              </a:rPr>
+              <a:t>while</a:t>
+            </a:r>
+            <a:r>
+              <a:rPr lang="fr-FR" sz="2800" b="0" strike="noStrike" spc="-1" dirty="0">
+                <a:solidFill>
+                  <a:srgbClr val="000000"/>
+                </a:solidFill>
+                <a:uFill>
+                  <a:solidFill>
+                    <a:srgbClr val="FFFFFF"/>
+                  </a:solidFill>
+                </a:uFill>
+                <a:latin typeface="Calibri"/>
+                <a:ea typeface="DejaVu Sans"/>
+              </a:rPr>
+              <a:t> </a:t>
+            </a:r>
+            <a:r>
+              <a:rPr lang="fr-FR" sz="2800" b="0" strike="noStrike" spc="-1" dirty="0" err="1">
+                <a:solidFill>
+                  <a:srgbClr val="000000"/>
+                </a:solidFill>
+                <a:uFill>
+                  <a:solidFill>
+                    <a:srgbClr val="FFFFFF"/>
+                  </a:solidFill>
+                </a:uFill>
+                <a:latin typeface="Calibri"/>
+                <a:ea typeface="DejaVu Sans"/>
+              </a:rPr>
+              <a:t>another</a:t>
+            </a:r>
+            <a:r>
+              <a:rPr lang="fr-FR" sz="2800" b="0" strike="noStrike" spc="-1" dirty="0">
+                <a:solidFill>
+                  <a:srgbClr val="000000"/>
+                </a:solidFill>
+                <a:uFill>
+                  <a:solidFill>
+                    <a:srgbClr val="FFFFFF"/>
+                  </a:solidFill>
+                </a:uFill>
+                <a:latin typeface="Calibri"/>
+                <a:ea typeface="DejaVu Sans"/>
+              </a:rPr>
+              <a:t> </a:t>
+            </a:r>
+            <a:r>
+              <a:rPr lang="fr-FR" sz="2800" b="0" strike="noStrike" spc="-1" dirty="0" err="1">
+                <a:solidFill>
+                  <a:srgbClr val="000000"/>
+                </a:solidFill>
+                <a:uFill>
+                  <a:solidFill>
+                    <a:srgbClr val="FFFFFF"/>
+                  </a:solidFill>
+                </a:uFill>
+                <a:latin typeface="Calibri"/>
+                <a:ea typeface="DejaVu Sans"/>
+              </a:rPr>
+              <a:t>writer</a:t>
+            </a:r>
+            <a:r>
+              <a:rPr lang="fr-FR" sz="2800" b="0" strike="noStrike" spc="-1" dirty="0">
+                <a:solidFill>
+                  <a:srgbClr val="000000"/>
+                </a:solidFill>
+                <a:uFill>
+                  <a:solidFill>
+                    <a:srgbClr val="FFFFFF"/>
+                  </a:solidFill>
+                </a:uFill>
+                <a:latin typeface="Calibri"/>
+                <a:ea typeface="DejaVu Sans"/>
+              </a:rPr>
+              <a:t> </a:t>
+            </a:r>
+            <a:r>
+              <a:rPr lang="fr-FR" sz="2800" b="0" strike="noStrike" spc="-1" dirty="0" err="1">
+                <a:solidFill>
+                  <a:srgbClr val="000000"/>
+                </a:solidFill>
+                <a:uFill>
+                  <a:solidFill>
+                    <a:srgbClr val="FFFFFF"/>
+                  </a:solidFill>
+                </a:uFill>
+                <a:latin typeface="Calibri"/>
+                <a:ea typeface="DejaVu Sans"/>
+              </a:rPr>
+              <a:t>is</a:t>
+            </a:r>
+            <a:r>
+              <a:rPr lang="fr-FR" sz="2800" b="0" strike="noStrike" spc="-1" dirty="0">
+                <a:solidFill>
+                  <a:srgbClr val="000000"/>
+                </a:solidFill>
+                <a:uFill>
+                  <a:solidFill>
+                    <a:srgbClr val="FFFFFF"/>
+                  </a:solidFill>
+                </a:uFill>
+                <a:latin typeface="Calibri"/>
+                <a:ea typeface="DejaVu Sans"/>
+              </a:rPr>
+              <a:t> </a:t>
+            </a:r>
+            <a:r>
+              <a:rPr lang="fr-FR" sz="2800" b="0" strike="noStrike" spc="-1" dirty="0" err="1">
+                <a:solidFill>
+                  <a:srgbClr val="000000"/>
+                </a:solidFill>
+                <a:uFill>
+                  <a:solidFill>
+                    <a:srgbClr val="FFFFFF"/>
+                  </a:solidFill>
+                </a:uFill>
+                <a:latin typeface="Calibri"/>
+                <a:ea typeface="DejaVu Sans"/>
+              </a:rPr>
+              <a:t>writing</a:t>
+            </a:r>
+            <a:r>
+              <a:rPr lang="fr-FR" sz="2800" b="0" strike="noStrike" spc="-1" dirty="0">
+                <a:solidFill>
+                  <a:srgbClr val="000000"/>
+                </a:solidFill>
+                <a:uFill>
+                  <a:solidFill>
+                    <a:srgbClr val="FFFFFF"/>
+                  </a:solidFill>
+                </a:uFill>
+                <a:latin typeface="Calibri"/>
+                <a:ea typeface="DejaVu Sans"/>
+              </a:rPr>
+              <a:t> in the KV store</a:t>
+            </a:r>
+            <a:endParaRPr lang="fr-FR" sz="1800" b="0" strike="noStrike" spc="-1" dirty="0">
+              <a:solidFill>
+                <a:srgbClr val="000000"/>
+              </a:solidFill>
+              <a:uFill>
+                <a:solidFill>
+                  <a:srgbClr val="FFFFFF"/>
                 </a:solidFill>
               </a:uFill>
               <a:latin typeface="Arial"/>
@@ -5082,27 +6184,192 @@
               <a:buChar char="•"/>
             </a:pPr>
             <a:r>
-              <a:rPr b="0" lang="fr-FR" sz="2800" spc="-1" strike="noStrike">
-                <a:solidFill>
-                  <a:srgbClr val="000000"/>
-                </a:solidFill>
-                <a:uFill>
-                  <a:solidFill>
-                    <a:srgbClr val="ffffff"/>
-                  </a:solidFill>
-                </a:uFill>
-                <a:latin typeface="Calibri"/>
-                <a:ea typeface="DejaVu Sans"/>
-              </a:rPr>
-              <a:t>Writer(s) arriving while readers are reading from the KV store</a:t>
-            </a:r>
-            <a:endParaRPr b="0" lang="fr-FR" sz="1800" spc="-1" strike="noStrike">
-              <a:solidFill>
-                <a:srgbClr val="000000"/>
-              </a:solidFill>
-              <a:uFill>
-                <a:solidFill>
-                  <a:srgbClr val="ffffff"/>
+              <a:rPr lang="fr-FR" sz="2800" b="0" strike="noStrike" spc="-1" dirty="0" err="1">
+                <a:solidFill>
+                  <a:srgbClr val="000000"/>
+                </a:solidFill>
+                <a:uFill>
+                  <a:solidFill>
+                    <a:srgbClr val="FFFFFF"/>
+                  </a:solidFill>
+                </a:uFill>
+                <a:latin typeface="Calibri"/>
+                <a:ea typeface="DejaVu Sans"/>
+              </a:rPr>
+              <a:t>Writer</a:t>
+            </a:r>
+            <a:r>
+              <a:rPr lang="fr-FR" sz="2800" b="0" strike="noStrike" spc="-1" dirty="0">
+                <a:solidFill>
+                  <a:srgbClr val="000000"/>
+                </a:solidFill>
+                <a:uFill>
+                  <a:solidFill>
+                    <a:srgbClr val="FFFFFF"/>
+                  </a:solidFill>
+                </a:uFill>
+                <a:latin typeface="Calibri"/>
+                <a:ea typeface="DejaVu Sans"/>
+              </a:rPr>
+              <a:t>(s) </a:t>
+            </a:r>
+            <a:r>
+              <a:rPr lang="fr-FR" sz="2800" b="0" strike="noStrike" spc="-1" dirty="0" err="1">
+                <a:solidFill>
+                  <a:srgbClr val="000000"/>
+                </a:solidFill>
+                <a:uFill>
+                  <a:solidFill>
+                    <a:srgbClr val="FFFFFF"/>
+                  </a:solidFill>
+                </a:uFill>
+                <a:latin typeface="Calibri"/>
+                <a:ea typeface="DejaVu Sans"/>
+              </a:rPr>
+              <a:t>arriving</a:t>
+            </a:r>
+            <a:r>
+              <a:rPr lang="fr-FR" sz="2800" b="0" strike="noStrike" spc="-1" dirty="0">
+                <a:solidFill>
+                  <a:srgbClr val="000000"/>
+                </a:solidFill>
+                <a:uFill>
+                  <a:solidFill>
+                    <a:srgbClr val="FFFFFF"/>
+                  </a:solidFill>
+                </a:uFill>
+                <a:latin typeface="Calibri"/>
+                <a:ea typeface="DejaVu Sans"/>
+              </a:rPr>
+              <a:t> </a:t>
+            </a:r>
+            <a:r>
+              <a:rPr lang="fr-FR" sz="2800" b="0" strike="noStrike" spc="-1" dirty="0" err="1">
+                <a:solidFill>
+                  <a:srgbClr val="000000"/>
+                </a:solidFill>
+                <a:uFill>
+                  <a:solidFill>
+                    <a:srgbClr val="FFFFFF"/>
+                  </a:solidFill>
+                </a:uFill>
+                <a:latin typeface="Calibri"/>
+                <a:ea typeface="DejaVu Sans"/>
+              </a:rPr>
+              <a:t>while</a:t>
+            </a:r>
+            <a:r>
+              <a:rPr lang="fr-FR" sz="2800" b="0" strike="noStrike" spc="-1" dirty="0">
+                <a:solidFill>
+                  <a:srgbClr val="000000"/>
+                </a:solidFill>
+                <a:uFill>
+                  <a:solidFill>
+                    <a:srgbClr val="FFFFFF"/>
+                  </a:solidFill>
+                </a:uFill>
+                <a:latin typeface="Calibri"/>
+                <a:ea typeface="DejaVu Sans"/>
+              </a:rPr>
+              <a:t> </a:t>
+            </a:r>
+            <a:r>
+              <a:rPr lang="fr-FR" sz="2800" b="0" strike="noStrike" spc="-1" dirty="0" err="1">
+                <a:solidFill>
+                  <a:srgbClr val="000000"/>
+                </a:solidFill>
+                <a:uFill>
+                  <a:solidFill>
+                    <a:srgbClr val="FFFFFF"/>
+                  </a:solidFill>
+                </a:uFill>
+                <a:latin typeface="Calibri"/>
+                <a:ea typeface="DejaVu Sans"/>
+              </a:rPr>
+              <a:t>readers</a:t>
+            </a:r>
+            <a:r>
+              <a:rPr lang="fr-FR" sz="2800" b="0" strike="noStrike" spc="-1" dirty="0">
+                <a:solidFill>
+                  <a:srgbClr val="000000"/>
+                </a:solidFill>
+                <a:uFill>
+                  <a:solidFill>
+                    <a:srgbClr val="FFFFFF"/>
+                  </a:solidFill>
+                </a:uFill>
+                <a:latin typeface="Calibri"/>
+                <a:ea typeface="DejaVu Sans"/>
+              </a:rPr>
+              <a:t> are </a:t>
+            </a:r>
+            <a:r>
+              <a:rPr lang="fr-FR" sz="2800" b="0" strike="noStrike" spc="-1" dirty="0" err="1">
+                <a:solidFill>
+                  <a:srgbClr val="000000"/>
+                </a:solidFill>
+                <a:uFill>
+                  <a:solidFill>
+                    <a:srgbClr val="FFFFFF"/>
+                  </a:solidFill>
+                </a:uFill>
+                <a:latin typeface="Calibri"/>
+                <a:ea typeface="DejaVu Sans"/>
+              </a:rPr>
+              <a:t>reading</a:t>
+            </a:r>
+            <a:r>
+              <a:rPr lang="fr-FR" sz="2800" b="0" strike="noStrike" spc="-1" dirty="0">
+                <a:solidFill>
+                  <a:srgbClr val="000000"/>
+                </a:solidFill>
+                <a:uFill>
+                  <a:solidFill>
+                    <a:srgbClr val="FFFFFF"/>
+                  </a:solidFill>
+                </a:uFill>
+                <a:latin typeface="Calibri"/>
+                <a:ea typeface="DejaVu Sans"/>
+              </a:rPr>
+              <a:t> </a:t>
+            </a:r>
+            <a:r>
+              <a:rPr lang="fr-FR" sz="2800" b="0" strike="noStrike" spc="-1" dirty="0" err="1">
+                <a:solidFill>
+                  <a:srgbClr val="000000"/>
+                </a:solidFill>
+                <a:uFill>
+                  <a:solidFill>
+                    <a:srgbClr val="FFFFFF"/>
+                  </a:solidFill>
+                </a:uFill>
+                <a:latin typeface="Calibri"/>
+                <a:ea typeface="DejaVu Sans"/>
+              </a:rPr>
+              <a:t>from</a:t>
+            </a:r>
+            <a:r>
+              <a:rPr lang="fr-FR" sz="2800" b="0" strike="noStrike" spc="-1" dirty="0">
+                <a:solidFill>
+                  <a:srgbClr val="000000"/>
+                </a:solidFill>
+                <a:uFill>
+                  <a:solidFill>
+                    <a:srgbClr val="FFFFFF"/>
+                  </a:solidFill>
+                </a:uFill>
+                <a:latin typeface="Calibri"/>
+                <a:ea typeface="DejaVu Sans"/>
+              </a:rPr>
+              <a:t> the KV store</a:t>
+            </a:r>
+            <a:endParaRPr lang="fr-FR" sz="1800" b="0" strike="noStrike" spc="-1" dirty="0">
+              <a:solidFill>
+                <a:srgbClr val="000000"/>
+              </a:solidFill>
+              <a:uFill>
+                <a:solidFill>
+                  <a:srgbClr val="FFFFFF"/>
                 </a:solidFill>
               </a:uFill>
               <a:latin typeface="Arial"/>
@@ -5120,27 +6387,177 @@
               <a:buChar char="•"/>
             </a:pPr>
             <a:r>
-              <a:rPr b="0" lang="fr-FR" sz="2800" spc="-1" strike="noStrike">
-                <a:solidFill>
-                  <a:srgbClr val="000000"/>
-                </a:solidFill>
-                <a:uFill>
-                  <a:solidFill>
-                    <a:srgbClr val="ffffff"/>
-                  </a:solidFill>
-                </a:uFill>
-                <a:latin typeface="Calibri"/>
-                <a:ea typeface="DejaVu Sans"/>
-              </a:rPr>
-              <a:t>Reader(s) arriving while a writer is writing in the KV store</a:t>
-            </a:r>
-            <a:endParaRPr b="0" lang="fr-FR" sz="1800" spc="-1" strike="noStrike">
-              <a:solidFill>
-                <a:srgbClr val="000000"/>
-              </a:solidFill>
-              <a:uFill>
-                <a:solidFill>
-                  <a:srgbClr val="ffffff"/>
+              <a:rPr lang="fr-FR" sz="2800" b="0" strike="noStrike" spc="-1" dirty="0">
+                <a:solidFill>
+                  <a:srgbClr val="000000"/>
+                </a:solidFill>
+                <a:uFill>
+                  <a:solidFill>
+                    <a:srgbClr val="FFFFFF"/>
+                  </a:solidFill>
+                </a:uFill>
+                <a:latin typeface="Calibri"/>
+                <a:ea typeface="DejaVu Sans"/>
+              </a:rPr>
+              <a:t>Reader(s) </a:t>
+            </a:r>
+            <a:r>
+              <a:rPr lang="fr-FR" sz="2800" b="0" strike="noStrike" spc="-1" dirty="0" err="1">
+                <a:solidFill>
+                  <a:srgbClr val="000000"/>
+                </a:solidFill>
+                <a:uFill>
+                  <a:solidFill>
+                    <a:srgbClr val="FFFFFF"/>
+                  </a:solidFill>
+                </a:uFill>
+                <a:latin typeface="Calibri"/>
+                <a:ea typeface="DejaVu Sans"/>
+              </a:rPr>
+              <a:t>arriving</a:t>
+            </a:r>
+            <a:r>
+              <a:rPr lang="fr-FR" sz="2800" b="0" strike="noStrike" spc="-1" dirty="0">
+                <a:solidFill>
+                  <a:srgbClr val="000000"/>
+                </a:solidFill>
+                <a:uFill>
+                  <a:solidFill>
+                    <a:srgbClr val="FFFFFF"/>
+                  </a:solidFill>
+                </a:uFill>
+                <a:latin typeface="Calibri"/>
+                <a:ea typeface="DejaVu Sans"/>
+              </a:rPr>
+              <a:t> </a:t>
+            </a:r>
+            <a:r>
+              <a:rPr lang="fr-FR" sz="2800" b="0" strike="noStrike" spc="-1" dirty="0" err="1">
+                <a:solidFill>
+                  <a:srgbClr val="000000"/>
+                </a:solidFill>
+                <a:uFill>
+                  <a:solidFill>
+                    <a:srgbClr val="FFFFFF"/>
+                  </a:solidFill>
+                </a:uFill>
+                <a:latin typeface="Calibri"/>
+                <a:ea typeface="DejaVu Sans"/>
+              </a:rPr>
+              <a:t>while</a:t>
+            </a:r>
+            <a:r>
+              <a:rPr lang="fr-FR" sz="2800" b="0" strike="noStrike" spc="-1" dirty="0">
+                <a:solidFill>
+                  <a:srgbClr val="000000"/>
+                </a:solidFill>
+                <a:uFill>
+                  <a:solidFill>
+                    <a:srgbClr val="FFFFFF"/>
+                  </a:solidFill>
+                </a:uFill>
+                <a:latin typeface="Calibri"/>
+                <a:ea typeface="DejaVu Sans"/>
+              </a:rPr>
+              <a:t> a </a:t>
+            </a:r>
+            <a:r>
+              <a:rPr lang="fr-FR" sz="2800" b="0" strike="noStrike" spc="-1" dirty="0" err="1">
+                <a:solidFill>
+                  <a:srgbClr val="000000"/>
+                </a:solidFill>
+                <a:uFill>
+                  <a:solidFill>
+                    <a:srgbClr val="FFFFFF"/>
+                  </a:solidFill>
+                </a:uFill>
+                <a:latin typeface="Calibri"/>
+                <a:ea typeface="DejaVu Sans"/>
+              </a:rPr>
+              <a:t>writer</a:t>
+            </a:r>
+            <a:r>
+              <a:rPr lang="fr-FR" sz="2800" b="0" strike="noStrike" spc="-1" dirty="0">
+                <a:solidFill>
+                  <a:srgbClr val="000000"/>
+                </a:solidFill>
+                <a:uFill>
+                  <a:solidFill>
+                    <a:srgbClr val="FFFFFF"/>
+                  </a:solidFill>
+                </a:uFill>
+                <a:latin typeface="Calibri"/>
+                <a:ea typeface="DejaVu Sans"/>
+              </a:rPr>
+              <a:t> </a:t>
+            </a:r>
+            <a:r>
+              <a:rPr lang="fr-FR" sz="2800" b="0" strike="noStrike" spc="-1" dirty="0" err="1">
+                <a:solidFill>
+                  <a:srgbClr val="000000"/>
+                </a:solidFill>
+                <a:uFill>
+                  <a:solidFill>
+                    <a:srgbClr val="FFFFFF"/>
+                  </a:solidFill>
+                </a:uFill>
+                <a:latin typeface="Calibri"/>
+                <a:ea typeface="DejaVu Sans"/>
+              </a:rPr>
+              <a:t>is</a:t>
+            </a:r>
+            <a:r>
+              <a:rPr lang="fr-FR" sz="2800" b="0" strike="noStrike" spc="-1" dirty="0">
+                <a:solidFill>
+                  <a:srgbClr val="000000"/>
+                </a:solidFill>
+                <a:uFill>
+                  <a:solidFill>
+                    <a:srgbClr val="FFFFFF"/>
+                  </a:solidFill>
+                </a:uFill>
+                <a:latin typeface="Calibri"/>
+                <a:ea typeface="DejaVu Sans"/>
+              </a:rPr>
+              <a:t> </a:t>
+            </a:r>
+            <a:r>
+              <a:rPr lang="fr-FR" sz="2800" b="0" strike="noStrike" spc="-1" dirty="0" err="1">
+                <a:solidFill>
+                  <a:srgbClr val="000000"/>
+                </a:solidFill>
+                <a:uFill>
+                  <a:solidFill>
+                    <a:srgbClr val="FFFFFF"/>
+                  </a:solidFill>
+                </a:uFill>
+                <a:latin typeface="Calibri"/>
+                <a:ea typeface="DejaVu Sans"/>
+              </a:rPr>
+              <a:t>writing</a:t>
+            </a:r>
+            <a:r>
+              <a:rPr lang="fr-FR" sz="2800" b="0" strike="noStrike" spc="-1" dirty="0">
+                <a:solidFill>
+                  <a:srgbClr val="000000"/>
+                </a:solidFill>
+                <a:uFill>
+                  <a:solidFill>
+                    <a:srgbClr val="FFFFFF"/>
+                  </a:solidFill>
+                </a:uFill>
+                <a:latin typeface="Calibri"/>
+                <a:ea typeface="DejaVu Sans"/>
+              </a:rPr>
+              <a:t> in the KV store</a:t>
+            </a:r>
+            <a:endParaRPr lang="fr-FR" sz="1800" b="0" strike="noStrike" spc="-1" dirty="0">
+              <a:solidFill>
+                <a:srgbClr val="000000"/>
+              </a:solidFill>
+              <a:uFill>
+                <a:solidFill>
+                  <a:srgbClr val="FFFFFF"/>
                 </a:solidFill>
               </a:uFill>
               <a:latin typeface="Arial"/>
@@ -5150,22 +6567,25 @@
       </p:sp>
     </p:spTree>
   </p:cSld>
+  <p:clrMapOvr>
+    <a:masterClrMapping/>
+  </p:clrMapOvr>
   <p:timing>
     <p:tnLst>
       <p:par>
-        <p:cTn id="23" dur="indefinite" restart="never" nodeType="tmRoot">
+        <p:cTn id="1" dur="indefinite" restart="never" nodeType="tmRoot">
           <p:childTnLst>
             <p:seq>
-              <p:cTn id="24" nodeType="mainSeq"/>
+              <p:cTn id="2" nodeType="mainSeq"/>
               <p:prevCondLst>
-                <p:cond delay="0" evt="onPrev">
+                <p:cond evt="onPrev" delay="0">
                   <p:tgtEl>
                     <p:sldTgt/>
                   </p:tgtEl>
                 </p:cond>
               </p:prevCondLst>
               <p:nextCondLst>
-                <p:cond delay="0" evt="onNext">
+                <p:cond evt="onNext" delay="0">
                   <p:tgtEl>
                     <p:sldTgt/>
                   </p:tgtEl>
@@ -5181,7 +6601,7 @@
 </file>
 
 <file path=ppt/slides/slide13.xml><?xml version="1.0" encoding="utf-8"?>
-<p:sld xmlns:a="http://schemas.openxmlformats.org/drawingml/2006/main" xmlns:p="http://schemas.openxmlformats.org/presentationml/2006/main" xmlns:r="http://schemas.openxmlformats.org/officeDocument/2006/relationships" xmlns:p14="http://schemas.microsoft.com/office/powerpoint/2010/main" xmlns:p15="http://schemas.microsoft.com/office/powerpoint/2012/main" xmlns:mc="http://schemas.openxmlformats.org/markup-compatibility/2006">
+<p:sld xmlns:a="http://schemas.openxmlformats.org/drawingml/2006/main" xmlns:r="http://schemas.openxmlformats.org/officeDocument/2006/relationships" xmlns:p="http://schemas.openxmlformats.org/presentationml/2006/main">
   <p:cSld>
     <p:spTree>
       <p:nvGrpSpPr>
@@ -5217,13 +6637,20 @@
           </a:ln>
         </p:spPr>
         <p:style>
-          <a:lnRef idx="0"/>
-          <a:fillRef idx="0"/>
-          <a:effectRef idx="0"/>
+          <a:lnRef idx="0">
+            <a:scrgbClr r="0" g="0" b="0"/>
+          </a:lnRef>
+          <a:fillRef idx="0">
+            <a:scrgbClr r="0" g="0" b="0"/>
+          </a:fillRef>
+          <a:effectRef idx="0">
+            <a:scrgbClr r="0" g="0" b="0"/>
+          </a:effectRef>
           <a:fontRef idx="minor"/>
         </p:style>
         <p:txBody>
-          <a:bodyPr lIns="90000" rIns="90000" tIns="45000" bIns="45000" anchor="ctr"/>
+          <a:bodyPr lIns="90000" tIns="45000" rIns="90000" bIns="45000" anchor="ctr"/>
+          <a:lstStyle/>
           <a:p>
             <a:pPr>
               <a:lnSpc>
@@ -5231,13 +6658,13 @@
               </a:lnSpc>
             </a:pPr>
             <a:r>
-              <a:rPr b="0" lang="fr-FR" sz="4400" spc="-1" strike="noStrike">
-                <a:solidFill>
-                  <a:srgbClr val="000000"/>
-                </a:solidFill>
-                <a:uFill>
-                  <a:solidFill>
-                    <a:srgbClr val="ffffff"/>
+              <a:rPr lang="fr-FR" sz="4400" b="0" strike="noStrike" spc="-1">
+                <a:solidFill>
+                  <a:srgbClr val="000000"/>
+                </a:solidFill>
+                <a:uFill>
+                  <a:solidFill>
+                    <a:srgbClr val="FFFFFF"/>
                   </a:solidFill>
                 </a:uFill>
                 <a:latin typeface="Calibri Light"/>
@@ -5245,13 +6672,13 @@
               </a:rPr>
               <a:t>Conclusion</a:t>
             </a:r>
-            <a:endParaRPr b="0" lang="fr-FR" sz="1800" spc="-1" strike="noStrike">
-              <a:solidFill>
-                <a:srgbClr val="000000"/>
-              </a:solidFill>
-              <a:uFill>
-                <a:solidFill>
-                  <a:srgbClr val="ffffff"/>
+            <a:endParaRPr lang="fr-FR" sz="1800" b="0" strike="noStrike" spc="-1">
+              <a:solidFill>
+                <a:srgbClr val="000000"/>
+              </a:solidFill>
+              <a:uFill>
+                <a:solidFill>
+                  <a:srgbClr val="FFFFFF"/>
                 </a:solidFill>
               </a:uFill>
               <a:latin typeface="Arial"/>
@@ -5279,26 +6706,33 @@
           </a:ln>
         </p:spPr>
         <p:style>
-          <a:lnRef idx="0"/>
-          <a:fillRef idx="0"/>
-          <a:effectRef idx="0"/>
+          <a:lnRef idx="0">
+            <a:scrgbClr r="0" g="0" b="0"/>
+          </a:lnRef>
+          <a:fillRef idx="0">
+            <a:scrgbClr r="0" g="0" b="0"/>
+          </a:fillRef>
+          <a:effectRef idx="0">
+            <a:scrgbClr r="0" g="0" b="0"/>
+          </a:effectRef>
           <a:fontRef idx="minor"/>
         </p:style>
         <p:txBody>
-          <a:bodyPr lIns="90000" rIns="90000" tIns="45000" bIns="45000"/>
+          <a:bodyPr lIns="90000" tIns="45000" rIns="90000" bIns="45000"/>
+          <a:lstStyle/>
           <a:p>
             <a:pPr>
               <a:lnSpc>
                 <a:spcPct val="100000"/>
               </a:lnSpc>
             </a:pPr>
-            <a:endParaRPr b="0" lang="fr-FR" sz="1800" spc="-1" strike="noStrike">
-              <a:solidFill>
-                <a:srgbClr val="000000"/>
-              </a:solidFill>
-              <a:uFill>
-                <a:solidFill>
-                  <a:srgbClr val="ffffff"/>
+            <a:endParaRPr lang="fr-FR" sz="1800" b="0" strike="noStrike" spc="-1">
+              <a:solidFill>
+                <a:srgbClr val="000000"/>
+              </a:solidFill>
+              <a:uFill>
+                <a:solidFill>
+                  <a:srgbClr val="FFFFFF"/>
                 </a:solidFill>
               </a:uFill>
               <a:latin typeface="Arial"/>
@@ -5311,13 +6745,13 @@
               </a:lnSpc>
             </a:pPr>
             <a:r>
-              <a:rPr b="0" lang="fr-FR" sz="2800" spc="-1" strike="noStrike">
-                <a:solidFill>
-                  <a:srgbClr val="000000"/>
-                </a:solidFill>
-                <a:uFill>
-                  <a:solidFill>
-                    <a:srgbClr val="ffffff"/>
+              <a:rPr lang="fr-FR" sz="2800" b="0" strike="noStrike" spc="-1">
+                <a:solidFill>
+                  <a:srgbClr val="000000"/>
+                </a:solidFill>
+                <a:uFill>
+                  <a:solidFill>
+                    <a:srgbClr val="FFFFFF"/>
                   </a:solidFill>
                 </a:uFill>
                 <a:latin typeface="Calibri"/>
@@ -5326,13 +6760,13 @@
               <a:t>La solution présentée ainsi que le code répondent à la consigne, c'est-à-dire aux 5 fonctionnalités minimales. En outre, les décisions d'implémentation concernant la priorité des "</a:t>
             </a:r>
             <a:r>
-              <a:rPr b="0" lang="fr-FR" sz="2800" spc="-1" strike="noStrike" u="sng">
-                <a:solidFill>
-                  <a:srgbClr val="000000"/>
-                </a:solidFill>
-                <a:uFill>
-                  <a:solidFill>
-                    <a:srgbClr val="ffffff"/>
+              <a:rPr lang="fr-FR" sz="2800" b="0" u="sng" strike="noStrike" spc="-1">
+                <a:solidFill>
+                  <a:srgbClr val="000000"/>
+                </a:solidFill>
+                <a:uFill>
+                  <a:solidFill>
+                    <a:srgbClr val="FFFFFF"/>
                   </a:solidFill>
                 </a:uFill>
                 <a:latin typeface="Calibri"/>
@@ -5341,13 +6775,13 @@
               <a:t>readers</a:t>
             </a:r>
             <a:r>
-              <a:rPr b="0" lang="fr-FR" sz="2800" spc="-1" strike="noStrike">
-                <a:solidFill>
-                  <a:srgbClr val="000000"/>
-                </a:solidFill>
-                <a:uFill>
-                  <a:solidFill>
-                    <a:srgbClr val="ffffff"/>
+              <a:rPr lang="fr-FR" sz="2800" b="0" strike="noStrike" spc="-1">
+                <a:solidFill>
+                  <a:srgbClr val="000000"/>
+                </a:solidFill>
+                <a:uFill>
+                  <a:solidFill>
+                    <a:srgbClr val="FFFFFF"/>
                   </a:solidFill>
                 </a:uFill>
                 <a:latin typeface="Calibri"/>
@@ -5356,13 +6790,13 @@
               <a:t>"/"</a:t>
             </a:r>
             <a:r>
-              <a:rPr b="0" lang="fr-FR" sz="2800" spc="-1" strike="noStrike" u="sng">
-                <a:solidFill>
-                  <a:srgbClr val="000000"/>
-                </a:solidFill>
-                <a:uFill>
-                  <a:solidFill>
-                    <a:srgbClr val="ffffff"/>
+              <a:rPr lang="fr-FR" sz="2800" b="0" u="sng" strike="noStrike" spc="-1">
+                <a:solidFill>
+                  <a:srgbClr val="000000"/>
+                </a:solidFill>
+                <a:uFill>
+                  <a:solidFill>
+                    <a:srgbClr val="FFFFFF"/>
                   </a:solidFill>
                 </a:uFill>
                 <a:latin typeface="Calibri"/>
@@ -5371,13 +6805,13 @@
               <a:t>writters</a:t>
             </a:r>
             <a:r>
-              <a:rPr b="0" lang="fr-FR" sz="2800" spc="-1" strike="noStrike">
-                <a:solidFill>
-                  <a:srgbClr val="000000"/>
-                </a:solidFill>
-                <a:uFill>
-                  <a:solidFill>
-                    <a:srgbClr val="ffffff"/>
+              <a:rPr lang="fr-FR" sz="2800" b="0" strike="noStrike" spc="-1">
+                <a:solidFill>
+                  <a:srgbClr val="000000"/>
+                </a:solidFill>
+                <a:uFill>
+                  <a:solidFill>
+                    <a:srgbClr val="FFFFFF"/>
                   </a:solidFill>
                 </a:uFill>
                 <a:latin typeface="Calibri"/>
@@ -5385,13 +6819,13 @@
               </a:rPr>
               <a:t>", de la structure de donnée ainsi que des accès simultanés semblent efficaces et optimisés dans leur forme, bien que ces solutions ne soient des plus idéales. </a:t>
             </a:r>
-            <a:endParaRPr b="0" lang="fr-FR" sz="1800" spc="-1" strike="noStrike">
-              <a:solidFill>
-                <a:srgbClr val="000000"/>
-              </a:solidFill>
-              <a:uFill>
-                <a:solidFill>
-                  <a:srgbClr val="ffffff"/>
+            <a:endParaRPr lang="fr-FR" sz="1800" b="0" strike="noStrike" spc="-1">
+              <a:solidFill>
+                <a:srgbClr val="000000"/>
+              </a:solidFill>
+              <a:uFill>
+                <a:solidFill>
+                  <a:srgbClr val="FFFFFF"/>
                 </a:solidFill>
               </a:uFill>
               <a:latin typeface="Arial"/>
@@ -5401,22 +6835,25 @@
       </p:sp>
     </p:spTree>
   </p:cSld>
+  <p:clrMapOvr>
+    <a:masterClrMapping/>
+  </p:clrMapOvr>
   <p:timing>
     <p:tnLst>
       <p:par>
-        <p:cTn id="25" dur="indefinite" restart="never" nodeType="tmRoot">
+        <p:cTn id="1" dur="indefinite" restart="never" nodeType="tmRoot">
           <p:childTnLst>
             <p:seq>
-              <p:cTn id="26" nodeType="mainSeq"/>
+              <p:cTn id="2" nodeType="mainSeq"/>
               <p:prevCondLst>
-                <p:cond delay="0" evt="onPrev">
+                <p:cond evt="onPrev" delay="0">
                   <p:tgtEl>
                     <p:sldTgt/>
                   </p:tgtEl>
                 </p:cond>
               </p:prevCondLst>
               <p:nextCondLst>
-                <p:cond delay="0" evt="onNext">
+                <p:cond evt="onNext" delay="0">
                   <p:tgtEl>
                     <p:sldTgt/>
                   </p:tgtEl>
@@ -5432,7 +6869,7 @@
 </file>
 
 <file path=ppt/slides/slide14.xml><?xml version="1.0" encoding="utf-8"?>
-<p:sld xmlns:a="http://schemas.openxmlformats.org/drawingml/2006/main" xmlns:p="http://schemas.openxmlformats.org/presentationml/2006/main" xmlns:r="http://schemas.openxmlformats.org/officeDocument/2006/relationships" xmlns:p14="http://schemas.microsoft.com/office/powerpoint/2010/main" xmlns:p15="http://schemas.microsoft.com/office/powerpoint/2012/main" xmlns:mc="http://schemas.openxmlformats.org/markup-compatibility/2006">
+<p:sld xmlns:a="http://schemas.openxmlformats.org/drawingml/2006/main" xmlns:r="http://schemas.openxmlformats.org/officeDocument/2006/relationships" xmlns:p="http://schemas.openxmlformats.org/presentationml/2006/main">
   <p:cSld>
     <p:spTree>
       <p:nvGrpSpPr>
@@ -5468,13 +6905,20 @@
           </a:ln>
         </p:spPr>
         <p:style>
-          <a:lnRef idx="0"/>
-          <a:fillRef idx="0"/>
-          <a:effectRef idx="0"/>
+          <a:lnRef idx="0">
+            <a:scrgbClr r="0" g="0" b="0"/>
+          </a:lnRef>
+          <a:fillRef idx="0">
+            <a:scrgbClr r="0" g="0" b="0"/>
+          </a:fillRef>
+          <a:effectRef idx="0">
+            <a:scrgbClr r="0" g="0" b="0"/>
+          </a:effectRef>
           <a:fontRef idx="minor"/>
         </p:style>
         <p:txBody>
-          <a:bodyPr lIns="90000" rIns="90000" tIns="45000" bIns="45000" anchor="ctr"/>
+          <a:bodyPr lIns="90000" tIns="45000" rIns="90000" bIns="45000" anchor="ctr"/>
+          <a:lstStyle/>
           <a:p>
             <a:pPr>
               <a:lnSpc>
@@ -5482,13 +6926,13 @@
               </a:lnSpc>
             </a:pPr>
             <a:r>
-              <a:rPr b="0" lang="fr-FR" sz="4400" spc="-1" strike="noStrike">
-                <a:solidFill>
-                  <a:srgbClr val="000000"/>
-                </a:solidFill>
-                <a:uFill>
-                  <a:solidFill>
-                    <a:srgbClr val="ffffff"/>
+              <a:rPr lang="fr-FR" sz="4400" b="0" strike="noStrike" spc="-1">
+                <a:solidFill>
+                  <a:srgbClr val="000000"/>
+                </a:solidFill>
+                <a:uFill>
+                  <a:solidFill>
+                    <a:srgbClr val="FFFFFF"/>
                   </a:solidFill>
                 </a:uFill>
                 <a:latin typeface="Calibri Light"/>
@@ -5496,13 +6940,13 @@
               </a:rPr>
               <a:t>Questions ?</a:t>
             </a:r>
-            <a:endParaRPr b="0" lang="fr-FR" sz="1800" spc="-1" strike="noStrike">
-              <a:solidFill>
-                <a:srgbClr val="000000"/>
-              </a:solidFill>
-              <a:uFill>
-                <a:solidFill>
-                  <a:srgbClr val="ffffff"/>
+            <a:endParaRPr lang="fr-FR" sz="1800" b="0" strike="noStrike" spc="-1">
+              <a:solidFill>
+                <a:srgbClr val="000000"/>
+              </a:solidFill>
+              <a:uFill>
+                <a:solidFill>
+                  <a:srgbClr val="FFFFFF"/>
                 </a:solidFill>
               </a:uFill>
               <a:latin typeface="Arial"/>
@@ -5530,20 +6974,26 @@
           </a:ln>
         </p:spPr>
         <p:style>
-          <a:lnRef idx="0"/>
-          <a:fillRef idx="0"/>
-          <a:effectRef idx="0"/>
+          <a:lnRef idx="0">
+            <a:scrgbClr r="0" g="0" b="0"/>
+          </a:lnRef>
+          <a:fillRef idx="0">
+            <a:scrgbClr r="0" g="0" b="0"/>
+          </a:fillRef>
+          <a:effectRef idx="0">
+            <a:scrgbClr r="0" g="0" b="0"/>
+          </a:effectRef>
           <a:fontRef idx="minor"/>
         </p:style>
       </p:sp>
       <p:pic>
         <p:nvPicPr>
-          <p:cNvPr id="104" name="" descr=""/>
+          <p:cNvPr id="104" name="Image 103"/>
           <p:cNvPicPr/>
           <p:nvPr/>
         </p:nvPicPr>
         <p:blipFill>
-          <a:blip r:embed="rId1"/>
+          <a:blip r:embed="rId2"/>
           <a:stretch/>
         </p:blipFill>
         <p:spPr>
@@ -5561,7 +7011,7 @@
       </p:pic>
       <p:pic>
         <p:nvPicPr>
-          <p:cNvPr id="105" name="" descr=""/>
+          <p:cNvPr id="105" name="Image 104"/>
           <p:cNvPicPr/>
           <p:nvPr/>
         </p:nvPicPr>
@@ -5584,12 +7034,12 @@
       </p:pic>
       <p:pic>
         <p:nvPicPr>
-          <p:cNvPr id="106" name="" descr=""/>
+          <p:cNvPr id="106" name="Image 105"/>
           <p:cNvPicPr/>
           <p:nvPr/>
         </p:nvPicPr>
         <p:blipFill>
-          <a:blip r:embed="rId3"/>
+          <a:blip r:embed="rId2"/>
           <a:stretch/>
         </p:blipFill>
         <p:spPr>
@@ -5607,22 +7057,25 @@
       </p:pic>
     </p:spTree>
   </p:cSld>
+  <p:clrMapOvr>
+    <a:masterClrMapping/>
+  </p:clrMapOvr>
   <p:timing>
     <p:tnLst>
       <p:par>
-        <p:cTn id="27" dur="indefinite" restart="never" nodeType="tmRoot">
+        <p:cTn id="1" dur="indefinite" restart="never" nodeType="tmRoot">
           <p:childTnLst>
             <p:seq>
-              <p:cTn id="28" nodeType="mainSeq"/>
+              <p:cTn id="2" nodeType="mainSeq"/>
               <p:prevCondLst>
-                <p:cond delay="0" evt="onPrev">
+                <p:cond evt="onPrev" delay="0">
                   <p:tgtEl>
                     <p:sldTgt/>
                   </p:tgtEl>
                 </p:cond>
               </p:prevCondLst>
               <p:nextCondLst>
-                <p:cond delay="0" evt="onNext">
+                <p:cond evt="onNext" delay="0">
                   <p:tgtEl>
                     <p:sldTgt/>
                   </p:tgtEl>
@@ -5638,7 +7091,7 @@
 </file>
 
 <file path=ppt/slides/slide2.xml><?xml version="1.0" encoding="utf-8"?>
-<p:sld xmlns:a="http://schemas.openxmlformats.org/drawingml/2006/main" xmlns:p="http://schemas.openxmlformats.org/presentationml/2006/main" xmlns:r="http://schemas.openxmlformats.org/officeDocument/2006/relationships" xmlns:p14="http://schemas.microsoft.com/office/powerpoint/2010/main" xmlns:p15="http://schemas.microsoft.com/office/powerpoint/2012/main" xmlns:mc="http://schemas.openxmlformats.org/markup-compatibility/2006">
+<p:sld xmlns:a="http://schemas.openxmlformats.org/drawingml/2006/main" xmlns:r="http://schemas.openxmlformats.org/officeDocument/2006/relationships" xmlns:p="http://schemas.openxmlformats.org/presentationml/2006/main">
   <p:cSld>
     <p:spTree>
       <p:nvGrpSpPr>
@@ -5674,13 +7127,20 @@
           </a:ln>
         </p:spPr>
         <p:style>
-          <a:lnRef idx="0"/>
-          <a:fillRef idx="0"/>
-          <a:effectRef idx="0"/>
+          <a:lnRef idx="0">
+            <a:scrgbClr r="0" g="0" b="0"/>
+          </a:lnRef>
+          <a:fillRef idx="0">
+            <a:scrgbClr r="0" g="0" b="0"/>
+          </a:fillRef>
+          <a:effectRef idx="0">
+            <a:scrgbClr r="0" g="0" b="0"/>
+          </a:effectRef>
           <a:fontRef idx="minor"/>
         </p:style>
         <p:txBody>
-          <a:bodyPr lIns="90000" rIns="90000" tIns="45000" bIns="45000" anchor="ctr"/>
+          <a:bodyPr lIns="90000" tIns="45000" rIns="90000" bIns="45000" anchor="ctr"/>
+          <a:lstStyle/>
           <a:p>
             <a:pPr>
               <a:lnSpc>
@@ -5688,13 +7148,13 @@
               </a:lnSpc>
             </a:pPr>
             <a:r>
-              <a:rPr b="0" lang="fr-FR" sz="4400" spc="-1" strike="noStrike">
-                <a:solidFill>
-                  <a:srgbClr val="000000"/>
-                </a:solidFill>
-                <a:uFill>
-                  <a:solidFill>
-                    <a:srgbClr val="ffffff"/>
+              <a:rPr lang="fr-FR" sz="4400" b="0" strike="noStrike" spc="-1">
+                <a:solidFill>
+                  <a:srgbClr val="000000"/>
+                </a:solidFill>
+                <a:uFill>
+                  <a:solidFill>
+                    <a:srgbClr val="FFFFFF"/>
                   </a:solidFill>
                 </a:uFill>
                 <a:latin typeface="Calibri Light"/>
@@ -5702,13 +7162,13 @@
               </a:rPr>
               <a:t>Table des matières</a:t>
             </a:r>
-            <a:endParaRPr b="0" lang="fr-FR" sz="1800" spc="-1" strike="noStrike">
-              <a:solidFill>
-                <a:srgbClr val="000000"/>
-              </a:solidFill>
-              <a:uFill>
-                <a:solidFill>
-                  <a:srgbClr val="ffffff"/>
+            <a:endParaRPr lang="fr-FR" sz="1800" b="0" strike="noStrike" spc="-1">
+              <a:solidFill>
+                <a:srgbClr val="000000"/>
+              </a:solidFill>
+              <a:uFill>
+                <a:solidFill>
+                  <a:srgbClr val="FFFFFF"/>
                 </a:solidFill>
               </a:uFill>
               <a:latin typeface="Arial"/>
@@ -5736,13 +7196,20 @@
           </a:ln>
         </p:spPr>
         <p:style>
-          <a:lnRef idx="0"/>
-          <a:fillRef idx="0"/>
-          <a:effectRef idx="0"/>
+          <a:lnRef idx="0">
+            <a:scrgbClr r="0" g="0" b="0"/>
+          </a:lnRef>
+          <a:fillRef idx="0">
+            <a:scrgbClr r="0" g="0" b="0"/>
+          </a:fillRef>
+          <a:effectRef idx="0">
+            <a:scrgbClr r="0" g="0" b="0"/>
+          </a:effectRef>
           <a:fontRef idx="minor"/>
         </p:style>
         <p:txBody>
-          <a:bodyPr lIns="90000" rIns="90000" tIns="45000" bIns="45000"/>
+          <a:bodyPr lIns="90000" tIns="45000" rIns="90000" bIns="45000"/>
+          <a:lstStyle/>
           <a:p>
             <a:pPr marL="228600" indent="-227880">
               <a:lnSpc>
@@ -5755,13 +7222,13 @@
               <a:buChar char="•"/>
             </a:pPr>
             <a:r>
-              <a:rPr b="0" lang="fr-FR" sz="2800" spc="-1" strike="noStrike">
-                <a:solidFill>
-                  <a:srgbClr val="000000"/>
-                </a:solidFill>
-                <a:uFill>
-                  <a:solidFill>
-                    <a:srgbClr val="ffffff"/>
+              <a:rPr lang="fr-FR" sz="2800" b="0" strike="noStrike" spc="-1">
+                <a:solidFill>
+                  <a:srgbClr val="000000"/>
+                </a:solidFill>
+                <a:uFill>
+                  <a:solidFill>
+                    <a:srgbClr val="FFFFFF"/>
                   </a:solidFill>
                 </a:uFill>
                 <a:latin typeface="Calibri"/>
@@ -5769,13 +7236,13 @@
               </a:rPr>
               <a:t>Introduction</a:t>
             </a:r>
-            <a:endParaRPr b="0" lang="fr-FR" sz="1800" spc="-1" strike="noStrike">
-              <a:solidFill>
-                <a:srgbClr val="000000"/>
-              </a:solidFill>
-              <a:uFill>
-                <a:solidFill>
-                  <a:srgbClr val="ffffff"/>
+            <a:endParaRPr lang="fr-FR" sz="1800" b="0" strike="noStrike" spc="-1">
+              <a:solidFill>
+                <a:srgbClr val="000000"/>
+              </a:solidFill>
+              <a:uFill>
+                <a:solidFill>
+                  <a:srgbClr val="FFFFFF"/>
                 </a:solidFill>
               </a:uFill>
               <a:latin typeface="Arial"/>
@@ -5793,13 +7260,13 @@
               <a:buChar char="•"/>
             </a:pPr>
             <a:r>
-              <a:rPr b="0" lang="fr-FR" sz="2800" spc="-1" strike="noStrike">
-                <a:solidFill>
-                  <a:srgbClr val="000000"/>
-                </a:solidFill>
-                <a:uFill>
-                  <a:solidFill>
-                    <a:srgbClr val="ffffff"/>
+              <a:rPr lang="fr-FR" sz="2800" b="0" strike="noStrike" spc="-1">
+                <a:solidFill>
+                  <a:srgbClr val="000000"/>
+                </a:solidFill>
+                <a:uFill>
+                  <a:solidFill>
+                    <a:srgbClr val="FFFFFF"/>
                   </a:solidFill>
                 </a:uFill>
                 <a:latin typeface="Calibri"/>
@@ -5807,13 +7274,13 @@
               </a:rPr>
               <a:t>Description du problème</a:t>
             </a:r>
-            <a:endParaRPr b="0" lang="fr-FR" sz="1800" spc="-1" strike="noStrike">
-              <a:solidFill>
-                <a:srgbClr val="000000"/>
-              </a:solidFill>
-              <a:uFill>
-                <a:solidFill>
-                  <a:srgbClr val="ffffff"/>
+            <a:endParaRPr lang="fr-FR" sz="1800" b="0" strike="noStrike" spc="-1">
+              <a:solidFill>
+                <a:srgbClr val="000000"/>
+              </a:solidFill>
+              <a:uFill>
+                <a:solidFill>
+                  <a:srgbClr val="FFFFFF"/>
                 </a:solidFill>
               </a:uFill>
               <a:latin typeface="Arial"/>
@@ -5831,13 +7298,13 @@
               <a:buChar char="•"/>
             </a:pPr>
             <a:r>
-              <a:rPr b="0" lang="fr-FR" sz="2800" spc="-1" strike="noStrike">
-                <a:solidFill>
-                  <a:srgbClr val="000000"/>
-                </a:solidFill>
-                <a:uFill>
-                  <a:solidFill>
-                    <a:srgbClr val="ffffff"/>
+              <a:rPr lang="fr-FR" sz="2800" b="0" strike="noStrike" spc="-1">
+                <a:solidFill>
+                  <a:srgbClr val="000000"/>
+                </a:solidFill>
+                <a:uFill>
+                  <a:solidFill>
+                    <a:srgbClr val="FFFFFF"/>
                   </a:solidFill>
                 </a:uFill>
                 <a:latin typeface="Calibri"/>
@@ -5845,20 +7312,20 @@
               </a:rPr>
               <a:t>Solution</a:t>
             </a:r>
-            <a:endParaRPr b="0" lang="fr-FR" sz="1800" spc="-1" strike="noStrike">
-              <a:solidFill>
-                <a:srgbClr val="000000"/>
-              </a:solidFill>
-              <a:uFill>
-                <a:solidFill>
-                  <a:srgbClr val="ffffff"/>
-                </a:solidFill>
-              </a:uFill>
-              <a:latin typeface="Arial"/>
-            </a:endParaRPr>
-          </a:p>
-          <a:p>
-            <a:pPr lvl="1" marL="685800" indent="-227880">
+            <a:endParaRPr lang="fr-FR" sz="1800" b="0" strike="noStrike" spc="-1">
+              <a:solidFill>
+                <a:srgbClr val="000000"/>
+              </a:solidFill>
+              <a:uFill>
+                <a:solidFill>
+                  <a:srgbClr val="FFFFFF"/>
+                </a:solidFill>
+              </a:uFill>
+              <a:latin typeface="Arial"/>
+            </a:endParaRPr>
+          </a:p>
+          <a:p>
+            <a:pPr marL="685800" lvl="1" indent="-227880">
               <a:lnSpc>
                 <a:spcPct val="100000"/>
               </a:lnSpc>
@@ -5869,13 +7336,13 @@
               <a:buChar char="•"/>
             </a:pPr>
             <a:r>
-              <a:rPr b="0" lang="fr-FR" sz="2400" spc="-1" strike="noStrike">
-                <a:solidFill>
-                  <a:srgbClr val="000000"/>
-                </a:solidFill>
-                <a:uFill>
-                  <a:solidFill>
-                    <a:srgbClr val="ffffff"/>
+              <a:rPr lang="fr-FR" sz="2400" b="0" strike="noStrike" spc="-1">
+                <a:solidFill>
+                  <a:srgbClr val="000000"/>
+                </a:solidFill>
+                <a:uFill>
+                  <a:solidFill>
+                    <a:srgbClr val="FFFFFF"/>
                   </a:solidFill>
                 </a:uFill>
                 <a:latin typeface="Calibri"/>
@@ -5883,20 +7350,20 @@
               </a:rPr>
               <a:t>KV store : array dynamique de struct </a:t>
             </a:r>
-            <a:endParaRPr b="0" lang="fr-FR" sz="1800" spc="-1" strike="noStrike">
-              <a:solidFill>
-                <a:srgbClr val="000000"/>
-              </a:solidFill>
-              <a:uFill>
-                <a:solidFill>
-                  <a:srgbClr val="ffffff"/>
-                </a:solidFill>
-              </a:uFill>
-              <a:latin typeface="Arial"/>
-            </a:endParaRPr>
-          </a:p>
-          <a:p>
-            <a:pPr lvl="1" marL="685800" indent="-227880">
+            <a:endParaRPr lang="fr-FR" sz="1800" b="0" strike="noStrike" spc="-1">
+              <a:solidFill>
+                <a:srgbClr val="000000"/>
+              </a:solidFill>
+              <a:uFill>
+                <a:solidFill>
+                  <a:srgbClr val="FFFFFF"/>
+                </a:solidFill>
+              </a:uFill>
+              <a:latin typeface="Arial"/>
+            </a:endParaRPr>
+          </a:p>
+          <a:p>
+            <a:pPr marL="685800" lvl="1" indent="-227880">
               <a:lnSpc>
                 <a:spcPct val="100000"/>
               </a:lnSpc>
@@ -5907,13 +7374,13 @@
               <a:buChar char="•"/>
             </a:pPr>
             <a:r>
-              <a:rPr b="0" lang="fr-FR" sz="2400" spc="-1" strike="noStrike">
-                <a:solidFill>
-                  <a:srgbClr val="000000"/>
-                </a:solidFill>
-                <a:uFill>
-                  <a:solidFill>
-                    <a:srgbClr val="ffffff"/>
+              <a:rPr lang="fr-FR" sz="2400" b="0" strike="noStrike" spc="-1">
+                <a:solidFill>
+                  <a:srgbClr val="000000"/>
+                </a:solidFill>
+                <a:uFill>
+                  <a:solidFill>
+                    <a:srgbClr val="FFFFFF"/>
                   </a:solidFill>
                 </a:uFill>
                 <a:latin typeface="Calibri"/>
@@ -5921,20 +7388,20 @@
               </a:rPr>
               <a:t>Communication server - clients </a:t>
             </a:r>
-            <a:endParaRPr b="0" lang="fr-FR" sz="1800" spc="-1" strike="noStrike">
-              <a:solidFill>
-                <a:srgbClr val="000000"/>
-              </a:solidFill>
-              <a:uFill>
-                <a:solidFill>
-                  <a:srgbClr val="ffffff"/>
-                </a:solidFill>
-              </a:uFill>
-              <a:latin typeface="Arial"/>
-            </a:endParaRPr>
-          </a:p>
-          <a:p>
-            <a:pPr lvl="1" marL="685800" indent="-227880">
+            <a:endParaRPr lang="fr-FR" sz="1800" b="0" strike="noStrike" spc="-1">
+              <a:solidFill>
+                <a:srgbClr val="000000"/>
+              </a:solidFill>
+              <a:uFill>
+                <a:solidFill>
+                  <a:srgbClr val="FFFFFF"/>
+                </a:solidFill>
+              </a:uFill>
+              <a:latin typeface="Arial"/>
+            </a:endParaRPr>
+          </a:p>
+          <a:p>
+            <a:pPr marL="685800" lvl="1" indent="-227880">
               <a:lnSpc>
                 <a:spcPct val="100000"/>
               </a:lnSpc>
@@ -5945,13 +7412,13 @@
               <a:buChar char="•"/>
             </a:pPr>
             <a:r>
-              <a:rPr b="0" lang="fr-FR" sz="2400" spc="-1" strike="noStrike">
-                <a:solidFill>
-                  <a:srgbClr val="000000"/>
-                </a:solidFill>
-                <a:uFill>
-                  <a:solidFill>
-                    <a:srgbClr val="ffffff"/>
+              <a:rPr lang="fr-FR" sz="2400" b="0" strike="noStrike" spc="-1">
+                <a:solidFill>
+                  <a:srgbClr val="000000"/>
+                </a:solidFill>
+                <a:uFill>
+                  <a:solidFill>
+                    <a:srgbClr val="FFFFFF"/>
                   </a:solidFill>
                 </a:uFill>
                 <a:latin typeface="Calibri"/>
@@ -5959,20 +7426,20 @@
               </a:rPr>
               <a:t>Lire, écrire et modifier des valeurs</a:t>
             </a:r>
-            <a:endParaRPr b="0" lang="fr-FR" sz="1800" spc="-1" strike="noStrike">
-              <a:solidFill>
-                <a:srgbClr val="000000"/>
-              </a:solidFill>
-              <a:uFill>
-                <a:solidFill>
-                  <a:srgbClr val="ffffff"/>
-                </a:solidFill>
-              </a:uFill>
-              <a:latin typeface="Arial"/>
-            </a:endParaRPr>
-          </a:p>
-          <a:p>
-            <a:pPr lvl="1" marL="685800" indent="-227880">
+            <a:endParaRPr lang="fr-FR" sz="1800" b="0" strike="noStrike" spc="-1">
+              <a:solidFill>
+                <a:srgbClr val="000000"/>
+              </a:solidFill>
+              <a:uFill>
+                <a:solidFill>
+                  <a:srgbClr val="FFFFFF"/>
+                </a:solidFill>
+              </a:uFill>
+              <a:latin typeface="Arial"/>
+            </a:endParaRPr>
+          </a:p>
+          <a:p>
+            <a:pPr marL="685800" lvl="1" indent="-227880">
               <a:lnSpc>
                 <a:spcPct val="100000"/>
               </a:lnSpc>
@@ -5983,13 +7450,13 @@
               <a:buChar char="•"/>
             </a:pPr>
             <a:r>
-              <a:rPr b="0" lang="fr-FR" sz="2400" spc="-1" strike="noStrike">
-                <a:solidFill>
-                  <a:srgbClr val="000000"/>
-                </a:solidFill>
-                <a:uFill>
-                  <a:solidFill>
-                    <a:srgbClr val="ffffff"/>
+              <a:rPr lang="fr-FR" sz="2400" b="0" strike="noStrike" spc="-1">
+                <a:solidFill>
+                  <a:srgbClr val="000000"/>
+                </a:solidFill>
+                <a:uFill>
+                  <a:solidFill>
+                    <a:srgbClr val="FFFFFF"/>
                   </a:solidFill>
                 </a:uFill>
                 <a:latin typeface="Calibri"/>
@@ -5997,13 +7464,13 @@
               </a:rPr>
               <a:t>Accès sécurisé des readers/writers</a:t>
             </a:r>
-            <a:endParaRPr b="0" lang="fr-FR" sz="1800" spc="-1" strike="noStrike">
-              <a:solidFill>
-                <a:srgbClr val="000000"/>
-              </a:solidFill>
-              <a:uFill>
-                <a:solidFill>
-                  <a:srgbClr val="ffffff"/>
+            <a:endParaRPr lang="fr-FR" sz="1800" b="0" strike="noStrike" spc="-1">
+              <a:solidFill>
+                <a:srgbClr val="000000"/>
+              </a:solidFill>
+              <a:uFill>
+                <a:solidFill>
+                  <a:srgbClr val="FFFFFF"/>
                 </a:solidFill>
               </a:uFill>
               <a:latin typeface="Arial"/>
@@ -6021,13 +7488,13 @@
               <a:buChar char="•"/>
             </a:pPr>
             <a:r>
-              <a:rPr b="0" lang="fr-FR" sz="2800" spc="-1" strike="noStrike">
-                <a:solidFill>
-                  <a:srgbClr val="000000"/>
-                </a:solidFill>
-                <a:uFill>
-                  <a:solidFill>
-                    <a:srgbClr val="ffffff"/>
+              <a:rPr lang="fr-FR" sz="2800" b="0" strike="noStrike" spc="-1">
+                <a:solidFill>
+                  <a:srgbClr val="000000"/>
+                </a:solidFill>
+                <a:uFill>
+                  <a:solidFill>
+                    <a:srgbClr val="FFFFFF"/>
                   </a:solidFill>
                 </a:uFill>
                 <a:latin typeface="Calibri"/>
@@ -6035,13 +7502,13 @@
               </a:rPr>
               <a:t>Problèmes rencontrés</a:t>
             </a:r>
-            <a:endParaRPr b="0" lang="fr-FR" sz="1800" spc="-1" strike="noStrike">
-              <a:solidFill>
-                <a:srgbClr val="000000"/>
-              </a:solidFill>
-              <a:uFill>
-                <a:solidFill>
-                  <a:srgbClr val="ffffff"/>
+            <a:endParaRPr lang="fr-FR" sz="1800" b="0" strike="noStrike" spc="-1">
+              <a:solidFill>
+                <a:srgbClr val="000000"/>
+              </a:solidFill>
+              <a:uFill>
+                <a:solidFill>
+                  <a:srgbClr val="FFFFFF"/>
                 </a:solidFill>
               </a:uFill>
               <a:latin typeface="Arial"/>
@@ -6059,13 +7526,13 @@
               <a:buChar char="•"/>
             </a:pPr>
             <a:r>
-              <a:rPr b="0" lang="fr-FR" sz="2800" spc="-1" strike="noStrike">
-                <a:solidFill>
-                  <a:srgbClr val="000000"/>
-                </a:solidFill>
-                <a:uFill>
-                  <a:solidFill>
-                    <a:srgbClr val="ffffff"/>
+              <a:rPr lang="fr-FR" sz="2800" b="0" strike="noStrike" spc="-1">
+                <a:solidFill>
+                  <a:srgbClr val="000000"/>
+                </a:solidFill>
+                <a:uFill>
+                  <a:solidFill>
+                    <a:srgbClr val="FFFFFF"/>
                   </a:solidFill>
                 </a:uFill>
                 <a:latin typeface="Calibri"/>
@@ -6073,13 +7540,13 @@
               </a:rPr>
               <a:t>Manuel d’utilisateur </a:t>
             </a:r>
-            <a:endParaRPr b="0" lang="fr-FR" sz="1800" spc="-1" strike="noStrike">
-              <a:solidFill>
-                <a:srgbClr val="000000"/>
-              </a:solidFill>
-              <a:uFill>
-                <a:solidFill>
-                  <a:srgbClr val="ffffff"/>
+            <a:endParaRPr lang="fr-FR" sz="1800" b="0" strike="noStrike" spc="-1">
+              <a:solidFill>
+                <a:srgbClr val="000000"/>
+              </a:solidFill>
+              <a:uFill>
+                <a:solidFill>
+                  <a:srgbClr val="FFFFFF"/>
                 </a:solidFill>
               </a:uFill>
               <a:latin typeface="Arial"/>
@@ -6097,13 +7564,13 @@
               <a:buChar char="•"/>
             </a:pPr>
             <a:r>
-              <a:rPr b="0" lang="fr-FR" sz="2800" spc="-1" strike="noStrike">
-                <a:solidFill>
-                  <a:srgbClr val="000000"/>
-                </a:solidFill>
-                <a:uFill>
-                  <a:solidFill>
-                    <a:srgbClr val="ffffff"/>
+              <a:rPr lang="fr-FR" sz="2800" b="0" strike="noStrike" spc="-1">
+                <a:solidFill>
+                  <a:srgbClr val="000000"/>
+                </a:solidFill>
+                <a:uFill>
+                  <a:solidFill>
+                    <a:srgbClr val="FFFFFF"/>
                   </a:solidFill>
                 </a:uFill>
                 <a:latin typeface="Calibri"/>
@@ -6111,13 +7578,13 @@
               </a:rPr>
               <a:t>Démo</a:t>
             </a:r>
-            <a:endParaRPr b="0" lang="fr-FR" sz="1800" spc="-1" strike="noStrike">
-              <a:solidFill>
-                <a:srgbClr val="000000"/>
-              </a:solidFill>
-              <a:uFill>
-                <a:solidFill>
-                  <a:srgbClr val="ffffff"/>
+            <a:endParaRPr lang="fr-FR" sz="1800" b="0" strike="noStrike" spc="-1">
+              <a:solidFill>
+                <a:srgbClr val="000000"/>
+              </a:solidFill>
+              <a:uFill>
+                <a:solidFill>
+                  <a:srgbClr val="FFFFFF"/>
                 </a:solidFill>
               </a:uFill>
               <a:latin typeface="Arial"/>
@@ -6135,13 +7602,13 @@
               <a:buChar char="•"/>
             </a:pPr>
             <a:r>
-              <a:rPr b="0" lang="fr-FR" sz="2800" spc="-1" strike="noStrike">
-                <a:solidFill>
-                  <a:srgbClr val="000000"/>
-                </a:solidFill>
-                <a:uFill>
-                  <a:solidFill>
-                    <a:srgbClr val="ffffff"/>
+              <a:rPr lang="fr-FR" sz="2800" b="0" strike="noStrike" spc="-1">
+                <a:solidFill>
+                  <a:srgbClr val="000000"/>
+                </a:solidFill>
+                <a:uFill>
+                  <a:solidFill>
+                    <a:srgbClr val="FFFFFF"/>
                   </a:solidFill>
                 </a:uFill>
                 <a:latin typeface="Calibri"/>
@@ -6149,13 +7616,13 @@
               </a:rPr>
               <a:t>Conclusion</a:t>
             </a:r>
-            <a:endParaRPr b="0" lang="fr-FR" sz="1800" spc="-1" strike="noStrike">
-              <a:solidFill>
-                <a:srgbClr val="000000"/>
-              </a:solidFill>
-              <a:uFill>
-                <a:solidFill>
-                  <a:srgbClr val="ffffff"/>
+            <a:endParaRPr lang="fr-FR" sz="1800" b="0" strike="noStrike" spc="-1">
+              <a:solidFill>
+                <a:srgbClr val="000000"/>
+              </a:solidFill>
+              <a:uFill>
+                <a:solidFill>
+                  <a:srgbClr val="FFFFFF"/>
                 </a:solidFill>
               </a:uFill>
               <a:latin typeface="Arial"/>
@@ -6165,22 +7632,25 @@
       </p:sp>
     </p:spTree>
   </p:cSld>
+  <p:clrMapOvr>
+    <a:masterClrMapping/>
+  </p:clrMapOvr>
   <p:timing>
     <p:tnLst>
       <p:par>
-        <p:cTn id="3" dur="indefinite" restart="never" nodeType="tmRoot">
+        <p:cTn id="1" dur="indefinite" restart="never" nodeType="tmRoot">
           <p:childTnLst>
             <p:seq>
-              <p:cTn id="4" nodeType="mainSeq"/>
+              <p:cTn id="2" nodeType="mainSeq"/>
               <p:prevCondLst>
-                <p:cond delay="0" evt="onPrev">
+                <p:cond evt="onPrev" delay="0">
                   <p:tgtEl>
                     <p:sldTgt/>
                   </p:tgtEl>
                 </p:cond>
               </p:prevCondLst>
               <p:nextCondLst>
-                <p:cond delay="0" evt="onNext">
+                <p:cond evt="onNext" delay="0">
                   <p:tgtEl>
                     <p:sldTgt/>
                   </p:tgtEl>
@@ -6196,7 +7666,7 @@
 </file>
 
 <file path=ppt/slides/slide3.xml><?xml version="1.0" encoding="utf-8"?>
-<p:sld xmlns:a="http://schemas.openxmlformats.org/drawingml/2006/main" xmlns:p="http://schemas.openxmlformats.org/presentationml/2006/main" xmlns:r="http://schemas.openxmlformats.org/officeDocument/2006/relationships" xmlns:p14="http://schemas.microsoft.com/office/powerpoint/2010/main" xmlns:p15="http://schemas.microsoft.com/office/powerpoint/2012/main" xmlns:mc="http://schemas.openxmlformats.org/markup-compatibility/2006">
+<p:sld xmlns:a="http://schemas.openxmlformats.org/drawingml/2006/main" xmlns:r="http://schemas.openxmlformats.org/officeDocument/2006/relationships" xmlns:p="http://schemas.openxmlformats.org/presentationml/2006/main">
   <p:cSld>
     <p:spTree>
       <p:nvGrpSpPr>
@@ -6232,13 +7702,20 @@
           </a:ln>
         </p:spPr>
         <p:style>
-          <a:lnRef idx="0"/>
-          <a:fillRef idx="0"/>
-          <a:effectRef idx="0"/>
+          <a:lnRef idx="0">
+            <a:scrgbClr r="0" g="0" b="0"/>
+          </a:lnRef>
+          <a:fillRef idx="0">
+            <a:scrgbClr r="0" g="0" b="0"/>
+          </a:fillRef>
+          <a:effectRef idx="0">
+            <a:scrgbClr r="0" g="0" b="0"/>
+          </a:effectRef>
           <a:fontRef idx="minor"/>
         </p:style>
         <p:txBody>
-          <a:bodyPr lIns="90000" rIns="90000" tIns="45000" bIns="45000" anchor="ctr"/>
+          <a:bodyPr lIns="90000" tIns="45000" rIns="90000" bIns="45000" anchor="ctr"/>
+          <a:lstStyle/>
           <a:p>
             <a:pPr>
               <a:lnSpc>
@@ -6246,13 +7723,13 @@
               </a:lnSpc>
             </a:pPr>
             <a:r>
-              <a:rPr b="0" lang="fr-FR" sz="4400" spc="-1" strike="noStrike">
-                <a:solidFill>
-                  <a:srgbClr val="000000"/>
-                </a:solidFill>
-                <a:uFill>
-                  <a:solidFill>
-                    <a:srgbClr val="ffffff"/>
+              <a:rPr lang="fr-FR" sz="4400" b="0" strike="noStrike" spc="-1">
+                <a:solidFill>
+                  <a:srgbClr val="000000"/>
+                </a:solidFill>
+                <a:uFill>
+                  <a:solidFill>
+                    <a:srgbClr val="FFFFFF"/>
                   </a:solidFill>
                 </a:uFill>
                 <a:latin typeface="Calibri Light"/>
@@ -6260,13 +7737,13 @@
               </a:rPr>
               <a:t>Introduction</a:t>
             </a:r>
-            <a:endParaRPr b="0" lang="fr-FR" sz="1800" spc="-1" strike="noStrike">
-              <a:solidFill>
-                <a:srgbClr val="000000"/>
-              </a:solidFill>
-              <a:uFill>
-                <a:solidFill>
-                  <a:srgbClr val="ffffff"/>
+            <a:endParaRPr lang="fr-FR" sz="1800" b="0" strike="noStrike" spc="-1">
+              <a:solidFill>
+                <a:srgbClr val="000000"/>
+              </a:solidFill>
+              <a:uFill>
+                <a:solidFill>
+                  <a:srgbClr val="FFFFFF"/>
                 </a:solidFill>
               </a:uFill>
               <a:latin typeface="Arial"/>
@@ -6282,8 +7759,8 @@
         </p:nvSpPr>
         <p:spPr>
           <a:xfrm>
-            <a:off x="838080" y="1825560"/>
-            <a:ext cx="10514880" cy="4350600"/>
+            <a:off x="838080" y="2279736"/>
+            <a:ext cx="10514880" cy="3896423"/>
           </a:xfrm>
           <a:prstGeom prst="rect">
             <a:avLst/>
@@ -6294,13 +7771,20 @@
           </a:ln>
         </p:spPr>
         <p:style>
-          <a:lnRef idx="0"/>
-          <a:fillRef idx="0"/>
-          <a:effectRef idx="0"/>
+          <a:lnRef idx="0">
+            <a:scrgbClr r="0" g="0" b="0"/>
+          </a:lnRef>
+          <a:fillRef idx="0">
+            <a:scrgbClr r="0" g="0" b="0"/>
+          </a:fillRef>
+          <a:effectRef idx="0">
+            <a:scrgbClr r="0" g="0" b="0"/>
+          </a:effectRef>
           <a:fontRef idx="minor"/>
         </p:style>
         <p:txBody>
-          <a:bodyPr lIns="90000" rIns="90000" tIns="45000" bIns="45000"/>
+          <a:bodyPr lIns="90000" tIns="45000" rIns="90000" bIns="45000"/>
+          <a:lstStyle/>
           <a:p>
             <a:pPr marL="228600" indent="-227880">
               <a:lnSpc>
@@ -6313,27 +7797,117 @@
               <a:buChar char="•"/>
             </a:pPr>
             <a:r>
-              <a:rPr b="0" lang="fr-FR" sz="2800" spc="-1" strike="noStrike">
-                <a:solidFill>
-                  <a:srgbClr val="000000"/>
-                </a:solidFill>
-                <a:uFill>
-                  <a:solidFill>
-                    <a:srgbClr val="ffffff"/>
-                  </a:solidFill>
-                </a:uFill>
-                <a:latin typeface="Calibri"/>
-                <a:ea typeface="DejaVu Sans"/>
-              </a:rPr>
-              <a:t>«Simple In-Memory Key-Value store with simultaneous access via TCP in Linux»</a:t>
-            </a:r>
-            <a:endParaRPr b="0" lang="fr-FR" sz="1800" spc="-1" strike="noStrike">
-              <a:solidFill>
-                <a:srgbClr val="000000"/>
-              </a:solidFill>
-              <a:uFill>
-                <a:solidFill>
-                  <a:srgbClr val="ffffff"/>
+              <a:rPr lang="fr-FR" sz="2800" b="0" strike="noStrike" spc="-1" dirty="0">
+                <a:solidFill>
+                  <a:srgbClr val="000000"/>
+                </a:solidFill>
+                <a:uFill>
+                  <a:solidFill>
+                    <a:srgbClr val="FFFFFF"/>
+                  </a:solidFill>
+                </a:uFill>
+                <a:latin typeface="Calibri"/>
+                <a:ea typeface="DejaVu Sans"/>
+              </a:rPr>
+              <a:t>«Simple In-Memory Key-Value store </a:t>
+            </a:r>
+            <a:r>
+              <a:rPr lang="fr-FR" sz="2800" b="0" strike="noStrike" spc="-1" dirty="0" err="1">
+                <a:solidFill>
+                  <a:srgbClr val="000000"/>
+                </a:solidFill>
+                <a:uFill>
+                  <a:solidFill>
+                    <a:srgbClr val="FFFFFF"/>
+                  </a:solidFill>
+                </a:uFill>
+                <a:latin typeface="Calibri"/>
+                <a:ea typeface="DejaVu Sans"/>
+              </a:rPr>
+              <a:t>with</a:t>
+            </a:r>
+            <a:r>
+              <a:rPr lang="fr-FR" sz="2800" b="0" strike="noStrike" spc="-1" dirty="0">
+                <a:solidFill>
+                  <a:srgbClr val="000000"/>
+                </a:solidFill>
+                <a:uFill>
+                  <a:solidFill>
+                    <a:srgbClr val="FFFFFF"/>
+                  </a:solidFill>
+                </a:uFill>
+                <a:latin typeface="Calibri"/>
+                <a:ea typeface="DejaVu Sans"/>
+              </a:rPr>
+              <a:t> </a:t>
+            </a:r>
+            <a:r>
+              <a:rPr lang="fr-FR" sz="2800" b="0" strike="noStrike" spc="-1" dirty="0" err="1">
+                <a:solidFill>
+                  <a:srgbClr val="000000"/>
+                </a:solidFill>
+                <a:uFill>
+                  <a:solidFill>
+                    <a:srgbClr val="FFFFFF"/>
+                  </a:solidFill>
+                </a:uFill>
+                <a:latin typeface="Calibri"/>
+                <a:ea typeface="DejaVu Sans"/>
+              </a:rPr>
+              <a:t>simultaneous</a:t>
+            </a:r>
+            <a:r>
+              <a:rPr lang="fr-FR" sz="2800" b="0" strike="noStrike" spc="-1" dirty="0">
+                <a:solidFill>
+                  <a:srgbClr val="000000"/>
+                </a:solidFill>
+                <a:uFill>
+                  <a:solidFill>
+                    <a:srgbClr val="FFFFFF"/>
+                  </a:solidFill>
+                </a:uFill>
+                <a:latin typeface="Calibri"/>
+                <a:ea typeface="DejaVu Sans"/>
+              </a:rPr>
+              <a:t> </a:t>
+            </a:r>
+            <a:r>
+              <a:rPr lang="fr-FR" sz="2800" b="0" strike="noStrike" spc="-1" dirty="0" err="1">
+                <a:solidFill>
+                  <a:srgbClr val="000000"/>
+                </a:solidFill>
+                <a:uFill>
+                  <a:solidFill>
+                    <a:srgbClr val="FFFFFF"/>
+                  </a:solidFill>
+                </a:uFill>
+                <a:latin typeface="Calibri"/>
+                <a:ea typeface="DejaVu Sans"/>
+              </a:rPr>
+              <a:t>access</a:t>
+            </a:r>
+            <a:r>
+              <a:rPr lang="fr-FR" sz="2800" b="0" strike="noStrike" spc="-1" dirty="0">
+                <a:solidFill>
+                  <a:srgbClr val="000000"/>
+                </a:solidFill>
+                <a:uFill>
+                  <a:solidFill>
+                    <a:srgbClr val="FFFFFF"/>
+                  </a:solidFill>
+                </a:uFill>
+                <a:latin typeface="Calibri"/>
+                <a:ea typeface="DejaVu Sans"/>
+              </a:rPr>
+              <a:t> via TCP in Linux»</a:t>
+            </a:r>
+            <a:endParaRPr lang="fr-FR" sz="1800" b="0" strike="noStrike" spc="-1" dirty="0">
+              <a:solidFill>
+                <a:srgbClr val="000000"/>
+              </a:solidFill>
+              <a:uFill>
+                <a:solidFill>
+                  <a:srgbClr val="FFFFFF"/>
                 </a:solidFill>
               </a:uFill>
               <a:latin typeface="Arial"/>
@@ -6351,34 +7925,64 @@
               <a:buChar char="•"/>
             </a:pPr>
             <a:r>
-              <a:rPr b="0" lang="fr-FR" sz="2800" spc="-1" strike="noStrike">
-                <a:solidFill>
-                  <a:srgbClr val="000000"/>
-                </a:solidFill>
-                <a:uFill>
-                  <a:solidFill>
-                    <a:srgbClr val="ffffff"/>
-                  </a:solidFill>
-                </a:uFill>
-                <a:latin typeface="Calibri"/>
-                <a:ea typeface="DejaVu Sans"/>
-              </a:rPr>
-              <a:t>Data model: associative array </a:t>
-            </a:r>
-            <a:endParaRPr b="0" lang="fr-FR" sz="1800" spc="-1" strike="noStrike">
-              <a:solidFill>
-                <a:srgbClr val="000000"/>
-              </a:solidFill>
-              <a:uFill>
-                <a:solidFill>
-                  <a:srgbClr val="ffffff"/>
-                </a:solidFill>
-              </a:uFill>
-              <a:latin typeface="Arial"/>
-            </a:endParaRPr>
-          </a:p>
-          <a:p>
-            <a:pPr lvl="1" marL="685800" indent="-227880">
+              <a:rPr lang="fr-FR" sz="2800" b="0" strike="noStrike" spc="-1" dirty="0">
+                <a:solidFill>
+                  <a:srgbClr val="000000"/>
+                </a:solidFill>
+                <a:uFill>
+                  <a:solidFill>
+                    <a:srgbClr val="FFFFFF"/>
+                  </a:solidFill>
+                </a:uFill>
+                <a:latin typeface="Calibri"/>
+                <a:ea typeface="DejaVu Sans"/>
+              </a:rPr>
+              <a:t>Data model: associative </a:t>
+            </a:r>
+            <a:r>
+              <a:rPr lang="fr-FR" sz="2800" b="0" strike="noStrike" spc="-1" dirty="0" err="1">
+                <a:solidFill>
+                  <a:srgbClr val="000000"/>
+                </a:solidFill>
+                <a:uFill>
+                  <a:solidFill>
+                    <a:srgbClr val="FFFFFF"/>
+                  </a:solidFill>
+                </a:uFill>
+                <a:latin typeface="Calibri"/>
+                <a:ea typeface="DejaVu Sans"/>
+              </a:rPr>
+              <a:t>array</a:t>
+            </a:r>
+            <a:r>
+              <a:rPr lang="fr-FR" sz="2800" b="0" strike="noStrike" spc="-1" dirty="0">
+                <a:solidFill>
+                  <a:srgbClr val="000000"/>
+                </a:solidFill>
+                <a:uFill>
+                  <a:solidFill>
+                    <a:srgbClr val="FFFFFF"/>
+                  </a:solidFill>
+                </a:uFill>
+                <a:latin typeface="Calibri"/>
+                <a:ea typeface="DejaVu Sans"/>
+              </a:rPr>
+              <a:t> </a:t>
+            </a:r>
+            <a:endParaRPr lang="fr-FR" sz="1800" b="0" strike="noStrike" spc="-1" dirty="0">
+              <a:solidFill>
+                <a:srgbClr val="000000"/>
+              </a:solidFill>
+              <a:uFill>
+                <a:solidFill>
+                  <a:srgbClr val="FFFFFF"/>
+                </a:solidFill>
+              </a:uFill>
+              <a:latin typeface="Arial"/>
+            </a:endParaRPr>
+          </a:p>
+          <a:p>
+            <a:pPr marL="685800" lvl="1" indent="-227880">
               <a:lnSpc>
                 <a:spcPct val="100000"/>
               </a:lnSpc>
@@ -6389,27 +7993,237 @@
               <a:buChar char="•"/>
             </a:pPr>
             <a:r>
-              <a:rPr b="0" lang="fr-FR" sz="2400" spc="-1" strike="noStrike">
-                <a:solidFill>
-                  <a:srgbClr val="000000"/>
-                </a:solidFill>
-                <a:uFill>
-                  <a:solidFill>
-                    <a:srgbClr val="ffffff"/>
-                  </a:solidFill>
-                </a:uFill>
-                <a:latin typeface="Calibri"/>
-                <a:ea typeface="DejaVu Sans"/>
-              </a:rPr>
-              <a:t>«Data is represented as a collection of key-value pairs, such that each possible key appears at most once in the collection»</a:t>
-            </a:r>
-            <a:endParaRPr b="0" lang="fr-FR" sz="1800" spc="-1" strike="noStrike">
-              <a:solidFill>
-                <a:srgbClr val="000000"/>
-              </a:solidFill>
-              <a:uFill>
-                <a:solidFill>
-                  <a:srgbClr val="ffffff"/>
+              <a:rPr lang="fr-FR" sz="2400" b="0" strike="noStrike" spc="-1" dirty="0">
+                <a:solidFill>
+                  <a:srgbClr val="000000"/>
+                </a:solidFill>
+                <a:uFill>
+                  <a:solidFill>
+                    <a:srgbClr val="FFFFFF"/>
+                  </a:solidFill>
+                </a:uFill>
+                <a:latin typeface="Calibri"/>
+                <a:ea typeface="DejaVu Sans"/>
+              </a:rPr>
+              <a:t>«Data </a:t>
+            </a:r>
+            <a:r>
+              <a:rPr lang="fr-FR" sz="2400" b="0" strike="noStrike" spc="-1" dirty="0" err="1">
+                <a:solidFill>
+                  <a:srgbClr val="000000"/>
+                </a:solidFill>
+                <a:uFill>
+                  <a:solidFill>
+                    <a:srgbClr val="FFFFFF"/>
+                  </a:solidFill>
+                </a:uFill>
+                <a:latin typeface="Calibri"/>
+                <a:ea typeface="DejaVu Sans"/>
+              </a:rPr>
+              <a:t>is</a:t>
+            </a:r>
+            <a:r>
+              <a:rPr lang="fr-FR" sz="2400" b="0" strike="noStrike" spc="-1" dirty="0">
+                <a:solidFill>
+                  <a:srgbClr val="000000"/>
+                </a:solidFill>
+                <a:uFill>
+                  <a:solidFill>
+                    <a:srgbClr val="FFFFFF"/>
+                  </a:solidFill>
+                </a:uFill>
+                <a:latin typeface="Calibri"/>
+                <a:ea typeface="DejaVu Sans"/>
+              </a:rPr>
+              <a:t> </a:t>
+            </a:r>
+            <a:r>
+              <a:rPr lang="fr-FR" sz="2400" b="0" strike="noStrike" spc="-1" dirty="0" err="1">
+                <a:solidFill>
+                  <a:srgbClr val="000000"/>
+                </a:solidFill>
+                <a:uFill>
+                  <a:solidFill>
+                    <a:srgbClr val="FFFFFF"/>
+                  </a:solidFill>
+                </a:uFill>
+                <a:latin typeface="Calibri"/>
+                <a:ea typeface="DejaVu Sans"/>
+              </a:rPr>
+              <a:t>represented</a:t>
+            </a:r>
+            <a:r>
+              <a:rPr lang="fr-FR" sz="2400" b="0" strike="noStrike" spc="-1" dirty="0">
+                <a:solidFill>
+                  <a:srgbClr val="000000"/>
+                </a:solidFill>
+                <a:uFill>
+                  <a:solidFill>
+                    <a:srgbClr val="FFFFFF"/>
+                  </a:solidFill>
+                </a:uFill>
+                <a:latin typeface="Calibri"/>
+                <a:ea typeface="DejaVu Sans"/>
+              </a:rPr>
+              <a:t> as a collection of key-value pairs, </a:t>
+            </a:r>
+            <a:r>
+              <a:rPr lang="fr-FR" sz="2400" b="0" strike="noStrike" spc="-1" dirty="0" err="1">
+                <a:solidFill>
+                  <a:srgbClr val="000000"/>
+                </a:solidFill>
+                <a:uFill>
+                  <a:solidFill>
+                    <a:srgbClr val="FFFFFF"/>
+                  </a:solidFill>
+                </a:uFill>
+                <a:latin typeface="Calibri"/>
+                <a:ea typeface="DejaVu Sans"/>
+              </a:rPr>
+              <a:t>such</a:t>
+            </a:r>
+            <a:r>
+              <a:rPr lang="fr-FR" sz="2400" b="0" strike="noStrike" spc="-1" dirty="0">
+                <a:solidFill>
+                  <a:srgbClr val="000000"/>
+                </a:solidFill>
+                <a:uFill>
+                  <a:solidFill>
+                    <a:srgbClr val="FFFFFF"/>
+                  </a:solidFill>
+                </a:uFill>
+                <a:latin typeface="Calibri"/>
+                <a:ea typeface="DejaVu Sans"/>
+              </a:rPr>
+              <a:t> </a:t>
+            </a:r>
+            <a:r>
+              <a:rPr lang="fr-FR" sz="2400" b="0" strike="noStrike" spc="-1" dirty="0" err="1">
+                <a:solidFill>
+                  <a:srgbClr val="000000"/>
+                </a:solidFill>
+                <a:uFill>
+                  <a:solidFill>
+                    <a:srgbClr val="FFFFFF"/>
+                  </a:solidFill>
+                </a:uFill>
+                <a:latin typeface="Calibri"/>
+                <a:ea typeface="DejaVu Sans"/>
+              </a:rPr>
+              <a:t>that</a:t>
+            </a:r>
+            <a:r>
+              <a:rPr lang="fr-FR" sz="2400" b="0" strike="noStrike" spc="-1" dirty="0">
+                <a:solidFill>
+                  <a:srgbClr val="000000"/>
+                </a:solidFill>
+                <a:uFill>
+                  <a:solidFill>
+                    <a:srgbClr val="FFFFFF"/>
+                  </a:solidFill>
+                </a:uFill>
+                <a:latin typeface="Calibri"/>
+                <a:ea typeface="DejaVu Sans"/>
+              </a:rPr>
+              <a:t> </a:t>
+            </a:r>
+            <a:r>
+              <a:rPr lang="fr-FR" sz="2400" b="0" strike="noStrike" spc="-1" dirty="0" err="1">
+                <a:solidFill>
+                  <a:srgbClr val="000000"/>
+                </a:solidFill>
+                <a:uFill>
+                  <a:solidFill>
+                    <a:srgbClr val="FFFFFF"/>
+                  </a:solidFill>
+                </a:uFill>
+                <a:latin typeface="Calibri"/>
+                <a:ea typeface="DejaVu Sans"/>
+              </a:rPr>
+              <a:t>each</a:t>
+            </a:r>
+            <a:r>
+              <a:rPr lang="fr-FR" sz="2400" b="0" strike="noStrike" spc="-1" dirty="0">
+                <a:solidFill>
+                  <a:srgbClr val="000000"/>
+                </a:solidFill>
+                <a:uFill>
+                  <a:solidFill>
+                    <a:srgbClr val="FFFFFF"/>
+                  </a:solidFill>
+                </a:uFill>
+                <a:latin typeface="Calibri"/>
+                <a:ea typeface="DejaVu Sans"/>
+              </a:rPr>
+              <a:t> possible key </a:t>
+            </a:r>
+            <a:r>
+              <a:rPr lang="fr-FR" sz="2400" b="0" strike="noStrike" spc="-1" dirty="0" err="1">
+                <a:solidFill>
+                  <a:srgbClr val="000000"/>
+                </a:solidFill>
+                <a:uFill>
+                  <a:solidFill>
+                    <a:srgbClr val="FFFFFF"/>
+                  </a:solidFill>
+                </a:uFill>
+                <a:latin typeface="Calibri"/>
+                <a:ea typeface="DejaVu Sans"/>
+              </a:rPr>
+              <a:t>appears</a:t>
+            </a:r>
+            <a:r>
+              <a:rPr lang="fr-FR" sz="2400" b="0" strike="noStrike" spc="-1" dirty="0">
+                <a:solidFill>
+                  <a:srgbClr val="000000"/>
+                </a:solidFill>
+                <a:uFill>
+                  <a:solidFill>
+                    <a:srgbClr val="FFFFFF"/>
+                  </a:solidFill>
+                </a:uFill>
+                <a:latin typeface="Calibri"/>
+                <a:ea typeface="DejaVu Sans"/>
+              </a:rPr>
+              <a:t> at </a:t>
+            </a:r>
+            <a:r>
+              <a:rPr lang="fr-FR" sz="2400" b="0" strike="noStrike" spc="-1" dirty="0" err="1">
+                <a:solidFill>
+                  <a:srgbClr val="000000"/>
+                </a:solidFill>
+                <a:uFill>
+                  <a:solidFill>
+                    <a:srgbClr val="FFFFFF"/>
+                  </a:solidFill>
+                </a:uFill>
+                <a:latin typeface="Calibri"/>
+                <a:ea typeface="DejaVu Sans"/>
+              </a:rPr>
+              <a:t>most</a:t>
+            </a:r>
+            <a:r>
+              <a:rPr lang="fr-FR" sz="2400" b="0" strike="noStrike" spc="-1" dirty="0">
+                <a:solidFill>
+                  <a:srgbClr val="000000"/>
+                </a:solidFill>
+                <a:uFill>
+                  <a:solidFill>
+                    <a:srgbClr val="FFFFFF"/>
+                  </a:solidFill>
+                </a:uFill>
+                <a:latin typeface="Calibri"/>
+                <a:ea typeface="DejaVu Sans"/>
+              </a:rPr>
+              <a:t> once in the collection»</a:t>
+            </a:r>
+            <a:endParaRPr lang="fr-FR" sz="1800" b="0" strike="noStrike" spc="-1" dirty="0">
+              <a:solidFill>
+                <a:srgbClr val="000000"/>
+              </a:solidFill>
+              <a:uFill>
+                <a:solidFill>
+                  <a:srgbClr val="FFFFFF"/>
                 </a:solidFill>
               </a:uFill>
               <a:latin typeface="Arial"/>
@@ -6421,13 +8235,13 @@
                 <a:spcPct val="90000"/>
               </a:lnSpc>
             </a:pPr>
-            <a:endParaRPr b="0" lang="fr-FR" sz="1800" spc="-1" strike="noStrike">
-              <a:solidFill>
-                <a:srgbClr val="000000"/>
-              </a:solidFill>
-              <a:uFill>
-                <a:solidFill>
-                  <a:srgbClr val="ffffff"/>
+            <a:endParaRPr lang="fr-FR" sz="1800" b="0" strike="noStrike" spc="-1" dirty="0">
+              <a:solidFill>
+                <a:srgbClr val="000000"/>
+              </a:solidFill>
+              <a:uFill>
+                <a:solidFill>
+                  <a:srgbClr val="FFFFFF"/>
                 </a:solidFill>
               </a:uFill>
               <a:latin typeface="Arial"/>
@@ -6437,22 +8251,25 @@
       </p:sp>
     </p:spTree>
   </p:cSld>
+  <p:clrMapOvr>
+    <a:masterClrMapping/>
+  </p:clrMapOvr>
   <p:timing>
     <p:tnLst>
       <p:par>
-        <p:cTn id="5" dur="indefinite" restart="never" nodeType="tmRoot">
+        <p:cTn id="1" dur="indefinite" restart="never" nodeType="tmRoot">
           <p:childTnLst>
             <p:seq>
-              <p:cTn id="6" nodeType="mainSeq"/>
+              <p:cTn id="2" nodeType="mainSeq"/>
               <p:prevCondLst>
-                <p:cond delay="0" evt="onPrev">
+                <p:cond evt="onPrev" delay="0">
                   <p:tgtEl>
                     <p:sldTgt/>
                   </p:tgtEl>
                 </p:cond>
               </p:prevCondLst>
               <p:nextCondLst>
-                <p:cond delay="0" evt="onNext">
+                <p:cond evt="onNext" delay="0">
                   <p:tgtEl>
                     <p:sldTgt/>
                   </p:tgtEl>
@@ -6468,7 +8285,7 @@
 </file>
 
 <file path=ppt/slides/slide4.xml><?xml version="1.0" encoding="utf-8"?>
-<p:sld xmlns:a="http://schemas.openxmlformats.org/drawingml/2006/main" xmlns:p="http://schemas.openxmlformats.org/presentationml/2006/main" xmlns:r="http://schemas.openxmlformats.org/officeDocument/2006/relationships" xmlns:p14="http://schemas.microsoft.com/office/powerpoint/2010/main" xmlns:p15="http://schemas.microsoft.com/office/powerpoint/2012/main" xmlns:mc="http://schemas.openxmlformats.org/markup-compatibility/2006">
+<p:sld xmlns:a="http://schemas.openxmlformats.org/drawingml/2006/main" xmlns:r="http://schemas.openxmlformats.org/officeDocument/2006/relationships" xmlns:p="http://schemas.openxmlformats.org/presentationml/2006/main">
   <p:cSld>
     <p:spTree>
       <p:nvGrpSpPr>
@@ -6504,13 +8321,20 @@
           </a:ln>
         </p:spPr>
         <p:style>
-          <a:lnRef idx="0"/>
-          <a:fillRef idx="0"/>
-          <a:effectRef idx="0"/>
+          <a:lnRef idx="0">
+            <a:scrgbClr r="0" g="0" b="0"/>
+          </a:lnRef>
+          <a:fillRef idx="0">
+            <a:scrgbClr r="0" g="0" b="0"/>
+          </a:fillRef>
+          <a:effectRef idx="0">
+            <a:scrgbClr r="0" g="0" b="0"/>
+          </a:effectRef>
           <a:fontRef idx="minor"/>
         </p:style>
         <p:txBody>
-          <a:bodyPr lIns="90000" rIns="90000" tIns="45000" bIns="45000" anchor="ctr"/>
+          <a:bodyPr lIns="90000" tIns="45000" rIns="90000" bIns="45000" anchor="ctr"/>
+          <a:lstStyle/>
           <a:p>
             <a:pPr>
               <a:lnSpc>
@@ -6518,13 +8342,13 @@
               </a:lnSpc>
             </a:pPr>
             <a:r>
-              <a:rPr b="0" lang="fr-FR" sz="4400" spc="-1" strike="noStrike">
-                <a:solidFill>
-                  <a:srgbClr val="000000"/>
-                </a:solidFill>
-                <a:uFill>
-                  <a:solidFill>
-                    <a:srgbClr val="ffffff"/>
+              <a:rPr lang="fr-FR" sz="4400" b="0" strike="noStrike" spc="-1">
+                <a:solidFill>
+                  <a:srgbClr val="000000"/>
+                </a:solidFill>
+                <a:uFill>
+                  <a:solidFill>
+                    <a:srgbClr val="FFFFFF"/>
                   </a:solidFill>
                 </a:uFill>
                 <a:latin typeface="Calibri Light"/>
@@ -6532,13 +8356,13 @@
               </a:rPr>
               <a:t>Description du problème</a:t>
             </a:r>
-            <a:endParaRPr b="0" lang="fr-FR" sz="1800" spc="-1" strike="noStrike">
-              <a:solidFill>
-                <a:srgbClr val="000000"/>
-              </a:solidFill>
-              <a:uFill>
-                <a:solidFill>
-                  <a:srgbClr val="ffffff"/>
+            <a:endParaRPr lang="fr-FR" sz="1800" b="0" strike="noStrike" spc="-1">
+              <a:solidFill>
+                <a:srgbClr val="000000"/>
+              </a:solidFill>
+              <a:uFill>
+                <a:solidFill>
+                  <a:srgbClr val="FFFFFF"/>
                 </a:solidFill>
               </a:uFill>
               <a:latin typeface="Arial"/>
@@ -6554,8 +8378,8 @@
         </p:nvSpPr>
         <p:spPr>
           <a:xfrm>
-            <a:off x="838080" y="1825560"/>
-            <a:ext cx="10514880" cy="4350600"/>
+            <a:off x="838080" y="2442574"/>
+            <a:ext cx="10514880" cy="3733585"/>
           </a:xfrm>
           <a:prstGeom prst="rect">
             <a:avLst/>
@@ -6566,13 +8390,20 @@
           </a:ln>
         </p:spPr>
         <p:style>
-          <a:lnRef idx="0"/>
-          <a:fillRef idx="0"/>
-          <a:effectRef idx="0"/>
+          <a:lnRef idx="0">
+            <a:scrgbClr r="0" g="0" b="0"/>
+          </a:lnRef>
+          <a:fillRef idx="0">
+            <a:scrgbClr r="0" g="0" b="0"/>
+          </a:fillRef>
+          <a:effectRef idx="0">
+            <a:scrgbClr r="0" g="0" b="0"/>
+          </a:effectRef>
           <a:fontRef idx="minor"/>
         </p:style>
         <p:txBody>
-          <a:bodyPr lIns="90000" rIns="90000" tIns="45000" bIns="45000"/>
+          <a:bodyPr lIns="90000" tIns="45000" rIns="90000" bIns="45000"/>
+          <a:lstStyle/>
           <a:p>
             <a:pPr marL="228600" indent="-227880">
               <a:lnSpc>
@@ -6585,34 +8416,64 @@
               <a:buChar char="•"/>
             </a:pPr>
             <a:r>
-              <a:rPr b="0" lang="fr-FR" sz="2800" spc="-1" strike="noStrike">
-                <a:solidFill>
-                  <a:srgbClr val="000000"/>
-                </a:solidFill>
-                <a:uFill>
-                  <a:solidFill>
-                    <a:srgbClr val="ffffff"/>
-                  </a:solidFill>
-                </a:uFill>
-                <a:latin typeface="Calibri"/>
-                <a:ea typeface="DejaVu Sans"/>
-              </a:rPr>
-              <a:t>Minimal Feature Set </a:t>
-            </a:r>
-            <a:endParaRPr b="0" lang="fr-FR" sz="1800" spc="-1" strike="noStrike">
-              <a:solidFill>
-                <a:srgbClr val="000000"/>
-              </a:solidFill>
-              <a:uFill>
-                <a:solidFill>
-                  <a:srgbClr val="ffffff"/>
-                </a:solidFill>
-              </a:uFill>
-              <a:latin typeface="Arial"/>
-            </a:endParaRPr>
-          </a:p>
-          <a:p>
-            <a:pPr lvl="1" marL="685800" indent="-227880">
+              <a:rPr lang="fr-FR" sz="2800" b="0" strike="noStrike" spc="-1" dirty="0">
+                <a:solidFill>
+                  <a:srgbClr val="000000"/>
+                </a:solidFill>
+                <a:uFill>
+                  <a:solidFill>
+                    <a:srgbClr val="FFFFFF"/>
+                  </a:solidFill>
+                </a:uFill>
+                <a:latin typeface="Calibri"/>
+                <a:ea typeface="DejaVu Sans"/>
+              </a:rPr>
+              <a:t>Minimal </a:t>
+            </a:r>
+            <a:r>
+              <a:rPr lang="fr-FR" sz="2800" b="0" strike="noStrike" spc="-1" dirty="0" err="1">
+                <a:solidFill>
+                  <a:srgbClr val="000000"/>
+                </a:solidFill>
+                <a:uFill>
+                  <a:solidFill>
+                    <a:srgbClr val="FFFFFF"/>
+                  </a:solidFill>
+                </a:uFill>
+                <a:latin typeface="Calibri"/>
+                <a:ea typeface="DejaVu Sans"/>
+              </a:rPr>
+              <a:t>Feature</a:t>
+            </a:r>
+            <a:r>
+              <a:rPr lang="fr-FR" sz="2800" b="0" strike="noStrike" spc="-1" dirty="0">
+                <a:solidFill>
+                  <a:srgbClr val="000000"/>
+                </a:solidFill>
+                <a:uFill>
+                  <a:solidFill>
+                    <a:srgbClr val="FFFFFF"/>
+                  </a:solidFill>
+                </a:uFill>
+                <a:latin typeface="Calibri"/>
+                <a:ea typeface="DejaVu Sans"/>
+              </a:rPr>
+              <a:t> Set </a:t>
+            </a:r>
+            <a:endParaRPr lang="fr-FR" sz="1800" b="0" strike="noStrike" spc="-1" dirty="0">
+              <a:solidFill>
+                <a:srgbClr val="000000"/>
+              </a:solidFill>
+              <a:uFill>
+                <a:solidFill>
+                  <a:srgbClr val="FFFFFF"/>
+                </a:solidFill>
+              </a:uFill>
+              <a:latin typeface="Arial"/>
+            </a:endParaRPr>
+          </a:p>
+          <a:p>
+            <a:pPr marL="685800" lvl="1" indent="-227880">
               <a:lnSpc>
                 <a:spcPct val="100000"/>
               </a:lnSpc>
@@ -6623,13 +8484,13 @@
               <a:buChar char="•"/>
             </a:pPr>
             <a:r>
-              <a:rPr b="0" lang="fr-FR" sz="2400" spc="-1" strike="noStrike">
-                <a:solidFill>
-                  <a:srgbClr val="000000"/>
-                </a:solidFill>
-                <a:uFill>
-                  <a:solidFill>
-                    <a:srgbClr val="ffffff"/>
+              <a:rPr lang="fr-FR" sz="2400" b="0" strike="noStrike" spc="-1" dirty="0">
+                <a:solidFill>
+                  <a:srgbClr val="000000"/>
+                </a:solidFill>
+                <a:uFill>
+                  <a:solidFill>
+                    <a:srgbClr val="FFFFFF"/>
                   </a:solidFill>
                 </a:uFill>
                 <a:latin typeface="Calibri"/>
@@ -6637,20 +8498,20 @@
               </a:rPr>
               <a:t>TCP sockets: lire et écrire</a:t>
             </a:r>
-            <a:endParaRPr b="0" lang="fr-FR" sz="1800" spc="-1" strike="noStrike">
-              <a:solidFill>
-                <a:srgbClr val="000000"/>
-              </a:solidFill>
-              <a:uFill>
-                <a:solidFill>
-                  <a:srgbClr val="ffffff"/>
-                </a:solidFill>
-              </a:uFill>
-              <a:latin typeface="Arial"/>
-            </a:endParaRPr>
-          </a:p>
-          <a:p>
-            <a:pPr lvl="1" marL="685800" indent="-227880">
+            <a:endParaRPr lang="fr-FR" sz="1800" b="0" strike="noStrike" spc="-1" dirty="0">
+              <a:solidFill>
+                <a:srgbClr val="000000"/>
+              </a:solidFill>
+              <a:uFill>
+                <a:solidFill>
+                  <a:srgbClr val="FFFFFF"/>
+                </a:solidFill>
+              </a:uFill>
+              <a:latin typeface="Arial"/>
+            </a:endParaRPr>
+          </a:p>
+          <a:p>
+            <a:pPr marL="685800" lvl="1" indent="-227880">
               <a:lnSpc>
                 <a:spcPct val="100000"/>
               </a:lnSpc>
@@ -6661,13 +8522,13 @@
               <a:buChar char="•"/>
             </a:pPr>
             <a:r>
-              <a:rPr b="0" lang="fr-FR" sz="2400" spc="-1" strike="noStrike">
-                <a:solidFill>
-                  <a:srgbClr val="000000"/>
-                </a:solidFill>
-                <a:uFill>
-                  <a:solidFill>
-                    <a:srgbClr val="ffffff"/>
+              <a:rPr lang="fr-FR" sz="2400" b="0" strike="noStrike" spc="-1" dirty="0">
+                <a:solidFill>
+                  <a:srgbClr val="000000"/>
+                </a:solidFill>
+                <a:uFill>
+                  <a:solidFill>
+                    <a:srgbClr val="FFFFFF"/>
                   </a:solidFill>
                 </a:uFill>
                 <a:latin typeface="Calibri"/>
@@ -6675,20 +8536,20 @@
               </a:rPr>
               <a:t>Utilisation de plusieurs threads</a:t>
             </a:r>
-            <a:endParaRPr b="0" lang="fr-FR" sz="1800" spc="-1" strike="noStrike">
-              <a:solidFill>
-                <a:srgbClr val="000000"/>
-              </a:solidFill>
-              <a:uFill>
-                <a:solidFill>
-                  <a:srgbClr val="ffffff"/>
-                </a:solidFill>
-              </a:uFill>
-              <a:latin typeface="Arial"/>
-            </a:endParaRPr>
-          </a:p>
-          <a:p>
-            <a:pPr lvl="1" marL="685800" indent="-227880">
+            <a:endParaRPr lang="fr-FR" sz="1800" b="0" strike="noStrike" spc="-1" dirty="0">
+              <a:solidFill>
+                <a:srgbClr val="000000"/>
+              </a:solidFill>
+              <a:uFill>
+                <a:solidFill>
+                  <a:srgbClr val="FFFFFF"/>
+                </a:solidFill>
+              </a:uFill>
+              <a:latin typeface="Arial"/>
+            </a:endParaRPr>
+          </a:p>
+          <a:p>
+            <a:pPr marL="685800" lvl="1" indent="-227880">
               <a:lnSpc>
                 <a:spcPct val="100000"/>
               </a:lnSpc>
@@ -6699,34 +8560,79 @@
               <a:buChar char="•"/>
             </a:pPr>
             <a:r>
-              <a:rPr b="0" lang="fr-FR" sz="2400" spc="-1" strike="noStrike">
-                <a:solidFill>
-                  <a:srgbClr val="000000"/>
-                </a:solidFill>
-                <a:uFill>
-                  <a:solidFill>
-                    <a:srgbClr val="ffffff"/>
-                  </a:solidFill>
-                </a:uFill>
-                <a:latin typeface="Calibri"/>
-                <a:ea typeface="DejaVu Sans"/>
-              </a:rPr>
-              <a:t>Accès simultané de plusieurs readers et writers</a:t>
-            </a:r>
-            <a:endParaRPr b="0" lang="fr-FR" sz="1800" spc="-1" strike="noStrike">
-              <a:solidFill>
-                <a:srgbClr val="000000"/>
-              </a:solidFill>
-              <a:uFill>
-                <a:solidFill>
-                  <a:srgbClr val="ffffff"/>
-                </a:solidFill>
-              </a:uFill>
-              <a:latin typeface="Arial"/>
-            </a:endParaRPr>
-          </a:p>
-          <a:p>
-            <a:pPr lvl="1" marL="685800" indent="-227880">
+              <a:rPr lang="fr-FR" sz="2400" b="0" strike="noStrike" spc="-1" dirty="0">
+                <a:solidFill>
+                  <a:srgbClr val="000000"/>
+                </a:solidFill>
+                <a:uFill>
+                  <a:solidFill>
+                    <a:srgbClr val="FFFFFF"/>
+                  </a:solidFill>
+                </a:uFill>
+                <a:latin typeface="Calibri"/>
+                <a:ea typeface="DejaVu Sans"/>
+              </a:rPr>
+              <a:t>Accès simultané de plusieurs </a:t>
+            </a:r>
+            <a:r>
+              <a:rPr lang="fr-FR" sz="2400" b="0" strike="noStrike" spc="-1" dirty="0" err="1">
+                <a:solidFill>
+                  <a:srgbClr val="000000"/>
+                </a:solidFill>
+                <a:uFill>
+                  <a:solidFill>
+                    <a:srgbClr val="FFFFFF"/>
+                  </a:solidFill>
+                </a:uFill>
+                <a:latin typeface="Calibri"/>
+                <a:ea typeface="DejaVu Sans"/>
+              </a:rPr>
+              <a:t>readers</a:t>
+            </a:r>
+            <a:r>
+              <a:rPr lang="fr-FR" sz="2400" b="0" strike="noStrike" spc="-1" dirty="0">
+                <a:solidFill>
+                  <a:srgbClr val="000000"/>
+                </a:solidFill>
+                <a:uFill>
+                  <a:solidFill>
+                    <a:srgbClr val="FFFFFF"/>
+                  </a:solidFill>
+                </a:uFill>
+                <a:latin typeface="Calibri"/>
+                <a:ea typeface="DejaVu Sans"/>
+              </a:rPr>
+              <a:t> et </a:t>
+            </a:r>
+            <a:r>
+              <a:rPr lang="fr-FR" sz="2400" b="0" strike="noStrike" spc="-1" dirty="0" err="1">
+                <a:solidFill>
+                  <a:srgbClr val="000000"/>
+                </a:solidFill>
+                <a:uFill>
+                  <a:solidFill>
+                    <a:srgbClr val="FFFFFF"/>
+                  </a:solidFill>
+                </a:uFill>
+                <a:latin typeface="Calibri"/>
+                <a:ea typeface="DejaVu Sans"/>
+              </a:rPr>
+              <a:t>writers</a:t>
+            </a:r>
+            <a:endParaRPr lang="fr-FR" sz="1800" b="0" strike="noStrike" spc="-1" dirty="0">
+              <a:solidFill>
+                <a:srgbClr val="000000"/>
+              </a:solidFill>
+              <a:uFill>
+                <a:solidFill>
+                  <a:srgbClr val="FFFFFF"/>
+                </a:solidFill>
+              </a:uFill>
+              <a:latin typeface="Arial"/>
+            </a:endParaRPr>
+          </a:p>
+          <a:p>
+            <a:pPr marL="685800" lvl="1" indent="-227880">
               <a:lnSpc>
                 <a:spcPct val="100000"/>
               </a:lnSpc>
@@ -6737,13 +8643,13 @@
               <a:buChar char="•"/>
             </a:pPr>
             <a:r>
-              <a:rPr b="0" lang="fr-FR" sz="2400" spc="-1" strike="noStrike">
-                <a:solidFill>
-                  <a:srgbClr val="000000"/>
-                </a:solidFill>
-                <a:uFill>
-                  <a:solidFill>
-                    <a:srgbClr val="ffffff"/>
+              <a:rPr lang="fr-FR" sz="2400" b="0" strike="noStrike" spc="-1" dirty="0">
+                <a:solidFill>
+                  <a:srgbClr val="000000"/>
+                </a:solidFill>
+                <a:uFill>
+                  <a:solidFill>
+                    <a:srgbClr val="FFFFFF"/>
                   </a:solidFill>
                 </a:uFill>
                 <a:latin typeface="Calibri"/>
@@ -6751,13 +8657,13 @@
               </a:rPr>
               <a:t>Fichiers de test automatisé</a:t>
             </a:r>
-            <a:endParaRPr b="0" lang="fr-FR" sz="1800" spc="-1" strike="noStrike">
-              <a:solidFill>
-                <a:srgbClr val="000000"/>
-              </a:solidFill>
-              <a:uFill>
-                <a:solidFill>
-                  <a:srgbClr val="ffffff"/>
+            <a:endParaRPr lang="fr-FR" sz="1800" b="0" strike="noStrike" spc="-1" dirty="0">
+              <a:solidFill>
+                <a:srgbClr val="000000"/>
+              </a:solidFill>
+              <a:uFill>
+                <a:solidFill>
+                  <a:srgbClr val="FFFFFF"/>
                 </a:solidFill>
               </a:uFill>
               <a:latin typeface="Arial"/>
@@ -6769,13 +8675,13 @@
                 <a:spcPct val="100000"/>
               </a:lnSpc>
             </a:pPr>
-            <a:endParaRPr b="0" lang="fr-FR" sz="1800" spc="-1" strike="noStrike">
-              <a:solidFill>
-                <a:srgbClr val="000000"/>
-              </a:solidFill>
-              <a:uFill>
-                <a:solidFill>
-                  <a:srgbClr val="ffffff"/>
+            <a:endParaRPr lang="fr-FR" sz="1800" b="0" strike="noStrike" spc="-1" dirty="0">
+              <a:solidFill>
+                <a:srgbClr val="000000"/>
+              </a:solidFill>
+              <a:uFill>
+                <a:solidFill>
+                  <a:srgbClr val="FFFFFF"/>
                 </a:solidFill>
               </a:uFill>
               <a:latin typeface="Arial"/>
@@ -6785,22 +8691,25 @@
       </p:sp>
     </p:spTree>
   </p:cSld>
+  <p:clrMapOvr>
+    <a:masterClrMapping/>
+  </p:clrMapOvr>
   <p:timing>
     <p:tnLst>
       <p:par>
-        <p:cTn id="7" dur="indefinite" restart="never" nodeType="tmRoot">
+        <p:cTn id="1" dur="indefinite" restart="never" nodeType="tmRoot">
           <p:childTnLst>
             <p:seq>
-              <p:cTn id="8" nodeType="mainSeq"/>
+              <p:cTn id="2" nodeType="mainSeq"/>
               <p:prevCondLst>
-                <p:cond delay="0" evt="onPrev">
+                <p:cond evt="onPrev" delay="0">
                   <p:tgtEl>
                     <p:sldTgt/>
                   </p:tgtEl>
                 </p:cond>
               </p:prevCondLst>
               <p:nextCondLst>
-                <p:cond delay="0" evt="onNext">
+                <p:cond evt="onNext" delay="0">
                   <p:tgtEl>
                     <p:sldTgt/>
                   </p:tgtEl>
@@ -6816,7 +8725,7 @@
 </file>
 
 <file path=ppt/slides/slide5.xml><?xml version="1.0" encoding="utf-8"?>
-<p:sld xmlns:a="http://schemas.openxmlformats.org/drawingml/2006/main" xmlns:p="http://schemas.openxmlformats.org/presentationml/2006/main" xmlns:r="http://schemas.openxmlformats.org/officeDocument/2006/relationships" xmlns:p14="http://schemas.microsoft.com/office/powerpoint/2010/main" xmlns:p15="http://schemas.microsoft.com/office/powerpoint/2012/main" xmlns:mc="http://schemas.openxmlformats.org/markup-compatibility/2006">
+<p:sld xmlns:a="http://schemas.openxmlformats.org/drawingml/2006/main" xmlns:r="http://schemas.openxmlformats.org/officeDocument/2006/relationships" xmlns:p="http://schemas.openxmlformats.org/presentationml/2006/main">
   <p:cSld>
     <p:spTree>
       <p:nvGrpSpPr>
@@ -6852,13 +8761,20 @@
           </a:ln>
         </p:spPr>
         <p:style>
-          <a:lnRef idx="0"/>
-          <a:fillRef idx="0"/>
-          <a:effectRef idx="0"/>
+          <a:lnRef idx="0">
+            <a:scrgbClr r="0" g="0" b="0"/>
+          </a:lnRef>
+          <a:fillRef idx="0">
+            <a:scrgbClr r="0" g="0" b="0"/>
+          </a:fillRef>
+          <a:effectRef idx="0">
+            <a:scrgbClr r="0" g="0" b="0"/>
+          </a:effectRef>
           <a:fontRef idx="minor"/>
         </p:style>
         <p:txBody>
-          <a:bodyPr lIns="90000" rIns="90000" tIns="45000" bIns="45000" anchor="ctr"/>
+          <a:bodyPr lIns="90000" tIns="45000" rIns="90000" bIns="45000" anchor="ctr"/>
+          <a:lstStyle/>
           <a:p>
             <a:pPr>
               <a:lnSpc>
@@ -6866,13 +8782,13 @@
               </a:lnSpc>
             </a:pPr>
             <a:r>
-              <a:rPr b="0" lang="fr-FR" sz="4400" spc="-1" strike="noStrike">
-                <a:solidFill>
-                  <a:srgbClr val="000000"/>
-                </a:solidFill>
-                <a:uFill>
-                  <a:solidFill>
-                    <a:srgbClr val="ffffff"/>
+              <a:rPr lang="fr-FR" sz="4400" b="0" strike="noStrike" spc="-1">
+                <a:solidFill>
+                  <a:srgbClr val="000000"/>
+                </a:solidFill>
+                <a:uFill>
+                  <a:solidFill>
+                    <a:srgbClr val="FFFFFF"/>
                   </a:solidFill>
                 </a:uFill>
                 <a:latin typeface="Calibri Light"/>
@@ -6880,13 +8796,13 @@
               </a:rPr>
               <a:t>Solution</a:t>
             </a:r>
-            <a:endParaRPr b="0" lang="fr-FR" sz="1800" spc="-1" strike="noStrike">
-              <a:solidFill>
-                <a:srgbClr val="000000"/>
-              </a:solidFill>
-              <a:uFill>
-                <a:solidFill>
-                  <a:srgbClr val="ffffff"/>
+            <a:endParaRPr lang="fr-FR" sz="1800" b="0" strike="noStrike" spc="-1">
+              <a:solidFill>
+                <a:srgbClr val="000000"/>
+              </a:solidFill>
+              <a:uFill>
+                <a:solidFill>
+                  <a:srgbClr val="FFFFFF"/>
                 </a:solidFill>
               </a:uFill>
               <a:latin typeface="Arial"/>
@@ -6902,8 +8818,8 @@
         </p:nvSpPr>
         <p:spPr>
           <a:xfrm>
-            <a:off x="838080" y="1825560"/>
-            <a:ext cx="10514880" cy="4350600"/>
+            <a:off x="838080" y="2304788"/>
+            <a:ext cx="10514880" cy="3871371"/>
           </a:xfrm>
           <a:prstGeom prst="rect">
             <a:avLst/>
@@ -6914,13 +8830,20 @@
           </a:ln>
         </p:spPr>
         <p:style>
-          <a:lnRef idx="0"/>
-          <a:fillRef idx="0"/>
-          <a:effectRef idx="0"/>
+          <a:lnRef idx="0">
+            <a:scrgbClr r="0" g="0" b="0"/>
+          </a:lnRef>
+          <a:fillRef idx="0">
+            <a:scrgbClr r="0" g="0" b="0"/>
+          </a:fillRef>
+          <a:effectRef idx="0">
+            <a:scrgbClr r="0" g="0" b="0"/>
+          </a:effectRef>
           <a:fontRef idx="minor"/>
         </p:style>
         <p:txBody>
-          <a:bodyPr lIns="90000" rIns="90000" tIns="45000" bIns="45000"/>
+          <a:bodyPr lIns="90000" tIns="45000" rIns="90000" bIns="45000"/>
+          <a:lstStyle/>
           <a:p>
             <a:pPr marL="228600" indent="-227880">
               <a:lnSpc>
@@ -6933,27 +8856,87 @@
               <a:buChar char="•"/>
             </a:pPr>
             <a:r>
-              <a:rPr b="0" lang="fr-FR" sz="2800" spc="-1" strike="noStrike">
-                <a:solidFill>
-                  <a:srgbClr val="000000"/>
-                </a:solidFill>
-                <a:uFill>
-                  <a:solidFill>
-                    <a:srgbClr val="ffffff"/>
-                  </a:solidFill>
-                </a:uFill>
-                <a:latin typeface="Calibri"/>
-                <a:ea typeface="DejaVu Sans"/>
-              </a:rPr>
-              <a:t>KV store : array dynamique de struct </a:t>
-            </a:r>
-            <a:endParaRPr b="0" lang="fr-FR" sz="1800" spc="-1" strike="noStrike">
-              <a:solidFill>
-                <a:srgbClr val="000000"/>
-              </a:solidFill>
-              <a:uFill>
-                <a:solidFill>
-                  <a:srgbClr val="ffffff"/>
+              <a:rPr lang="fr-FR" sz="2800" b="0" strike="noStrike" spc="-1" dirty="0">
+                <a:solidFill>
+                  <a:srgbClr val="000000"/>
+                </a:solidFill>
+                <a:uFill>
+                  <a:solidFill>
+                    <a:srgbClr val="FFFFFF"/>
+                  </a:solidFill>
+                </a:uFill>
+                <a:latin typeface="Calibri"/>
+                <a:ea typeface="DejaVu Sans"/>
+              </a:rPr>
+              <a:t>KV store : </a:t>
+            </a:r>
+            <a:r>
+              <a:rPr lang="fr-FR" sz="2800" b="0" strike="noStrike" spc="-1" dirty="0" err="1">
+                <a:solidFill>
+                  <a:srgbClr val="000000"/>
+                </a:solidFill>
+                <a:uFill>
+                  <a:solidFill>
+                    <a:srgbClr val="FFFFFF"/>
+                  </a:solidFill>
+                </a:uFill>
+                <a:latin typeface="Calibri"/>
+                <a:ea typeface="DejaVu Sans"/>
+              </a:rPr>
+              <a:t>array</a:t>
+            </a:r>
+            <a:r>
+              <a:rPr lang="fr-FR" sz="2800" b="0" strike="noStrike" spc="-1" dirty="0">
+                <a:solidFill>
+                  <a:srgbClr val="000000"/>
+                </a:solidFill>
+                <a:uFill>
+                  <a:solidFill>
+                    <a:srgbClr val="FFFFFF"/>
+                  </a:solidFill>
+                </a:uFill>
+                <a:latin typeface="Calibri"/>
+                <a:ea typeface="DejaVu Sans"/>
+              </a:rPr>
+              <a:t> dynamique de </a:t>
+            </a:r>
+            <a:r>
+              <a:rPr lang="fr-FR" sz="2800" b="0" strike="noStrike" spc="-1" dirty="0" err="1">
+                <a:solidFill>
+                  <a:srgbClr val="000000"/>
+                </a:solidFill>
+                <a:uFill>
+                  <a:solidFill>
+                    <a:srgbClr val="FFFFFF"/>
+                  </a:solidFill>
+                </a:uFill>
+                <a:latin typeface="Calibri"/>
+                <a:ea typeface="DejaVu Sans"/>
+              </a:rPr>
+              <a:t>struct</a:t>
+            </a:r>
+            <a:r>
+              <a:rPr lang="fr-FR" sz="2800" b="0" strike="noStrike" spc="-1" dirty="0">
+                <a:solidFill>
+                  <a:srgbClr val="000000"/>
+                </a:solidFill>
+                <a:uFill>
+                  <a:solidFill>
+                    <a:srgbClr val="FFFFFF"/>
+                  </a:solidFill>
+                </a:uFill>
+                <a:latin typeface="Calibri"/>
+                <a:ea typeface="DejaVu Sans"/>
+              </a:rPr>
+              <a:t> </a:t>
+            </a:r>
+            <a:endParaRPr lang="fr-FR" sz="1800" b="0" strike="noStrike" spc="-1" dirty="0">
+              <a:solidFill>
+                <a:srgbClr val="000000"/>
+              </a:solidFill>
+              <a:uFill>
+                <a:solidFill>
+                  <a:srgbClr val="FFFFFF"/>
                 </a:solidFill>
               </a:uFill>
               <a:latin typeface="Arial"/>
@@ -6971,13 +8954,13 @@
               <a:buChar char="•"/>
             </a:pPr>
             <a:r>
-              <a:rPr b="0" lang="fr-FR" sz="2800" spc="-1" strike="noStrike">
-                <a:solidFill>
-                  <a:srgbClr val="000000"/>
-                </a:solidFill>
-                <a:uFill>
-                  <a:solidFill>
-                    <a:srgbClr val="ffffff"/>
+              <a:rPr lang="fr-FR" sz="2800" b="0" strike="noStrike" spc="-1" dirty="0">
+                <a:solidFill>
+                  <a:srgbClr val="000000"/>
+                </a:solidFill>
+                <a:uFill>
+                  <a:solidFill>
+                    <a:srgbClr val="FFFFFF"/>
                   </a:solidFill>
                 </a:uFill>
                 <a:latin typeface="Calibri"/>
@@ -6985,13 +8968,13 @@
               </a:rPr>
               <a:t>Communication server - clients </a:t>
             </a:r>
-            <a:endParaRPr b="0" lang="fr-FR" sz="1800" spc="-1" strike="noStrike">
-              <a:solidFill>
-                <a:srgbClr val="000000"/>
-              </a:solidFill>
-              <a:uFill>
-                <a:solidFill>
-                  <a:srgbClr val="ffffff"/>
+            <a:endParaRPr lang="fr-FR" sz="1800" b="0" strike="noStrike" spc="-1" dirty="0">
+              <a:solidFill>
+                <a:srgbClr val="000000"/>
+              </a:solidFill>
+              <a:uFill>
+                <a:solidFill>
+                  <a:srgbClr val="FFFFFF"/>
                 </a:solidFill>
               </a:uFill>
               <a:latin typeface="Arial"/>
@@ -7009,13 +8992,13 @@
               <a:buChar char="•"/>
             </a:pPr>
             <a:r>
-              <a:rPr b="0" lang="fr-FR" sz="2800" spc="-1" strike="noStrike">
-                <a:solidFill>
-                  <a:srgbClr val="000000"/>
-                </a:solidFill>
-                <a:uFill>
-                  <a:solidFill>
-                    <a:srgbClr val="ffffff"/>
+              <a:rPr lang="fr-FR" sz="2800" b="0" strike="noStrike" spc="-1" dirty="0">
+                <a:solidFill>
+                  <a:srgbClr val="000000"/>
+                </a:solidFill>
+                <a:uFill>
+                  <a:solidFill>
+                    <a:srgbClr val="FFFFFF"/>
                   </a:solidFill>
                 </a:uFill>
                 <a:latin typeface="Calibri"/>
@@ -7023,13 +9006,13 @@
               </a:rPr>
               <a:t>Lire, écrire et modifier des valeurs</a:t>
             </a:r>
-            <a:endParaRPr b="0" lang="fr-FR" sz="1800" spc="-1" strike="noStrike">
-              <a:solidFill>
-                <a:srgbClr val="000000"/>
-              </a:solidFill>
-              <a:uFill>
-                <a:solidFill>
-                  <a:srgbClr val="ffffff"/>
+            <a:endParaRPr lang="fr-FR" sz="1800" b="0" strike="noStrike" spc="-1" dirty="0">
+              <a:solidFill>
+                <a:srgbClr val="000000"/>
+              </a:solidFill>
+              <a:uFill>
+                <a:solidFill>
+                  <a:srgbClr val="FFFFFF"/>
                 </a:solidFill>
               </a:uFill>
               <a:latin typeface="Arial"/>
@@ -7047,27 +9030,72 @@
               <a:buChar char="•"/>
             </a:pPr>
             <a:r>
-              <a:rPr b="0" lang="fr-FR" sz="2800" spc="-1" strike="noStrike">
-                <a:solidFill>
-                  <a:srgbClr val="000000"/>
-                </a:solidFill>
-                <a:uFill>
-                  <a:solidFill>
-                    <a:srgbClr val="ffffff"/>
-                  </a:solidFill>
-                </a:uFill>
-                <a:latin typeface="Calibri"/>
-                <a:ea typeface="DejaVu Sans"/>
-              </a:rPr>
-              <a:t>Accès sécurisé des readers/writers</a:t>
-            </a:r>
-            <a:endParaRPr b="0" lang="fr-FR" sz="1800" spc="-1" strike="noStrike">
-              <a:solidFill>
-                <a:srgbClr val="000000"/>
-              </a:solidFill>
-              <a:uFill>
-                <a:solidFill>
-                  <a:srgbClr val="ffffff"/>
+              <a:rPr lang="fr-FR" sz="2800" b="0" strike="noStrike" spc="-1" dirty="0">
+                <a:solidFill>
+                  <a:srgbClr val="000000"/>
+                </a:solidFill>
+                <a:uFill>
+                  <a:solidFill>
+                    <a:srgbClr val="FFFFFF"/>
+                  </a:solidFill>
+                </a:uFill>
+                <a:latin typeface="Calibri"/>
+                <a:ea typeface="DejaVu Sans"/>
+              </a:rPr>
+              <a:t>Accès sécurisé des </a:t>
+            </a:r>
+            <a:r>
+              <a:rPr lang="fr-FR" sz="2800" b="0" strike="noStrike" spc="-1" dirty="0" err="1">
+                <a:solidFill>
+                  <a:srgbClr val="000000"/>
+                </a:solidFill>
+                <a:uFill>
+                  <a:solidFill>
+                    <a:srgbClr val="FFFFFF"/>
+                  </a:solidFill>
+                </a:uFill>
+                <a:latin typeface="Calibri"/>
+                <a:ea typeface="DejaVu Sans"/>
+              </a:rPr>
+              <a:t>readers</a:t>
+            </a:r>
+            <a:r>
+              <a:rPr lang="fr-FR" sz="2800" b="0" strike="noStrike" spc="-1" dirty="0">
+                <a:solidFill>
+                  <a:srgbClr val="000000"/>
+                </a:solidFill>
+                <a:uFill>
+                  <a:solidFill>
+                    <a:srgbClr val="FFFFFF"/>
+                  </a:solidFill>
+                </a:uFill>
+                <a:latin typeface="Calibri"/>
+                <a:ea typeface="DejaVu Sans"/>
+              </a:rPr>
+              <a:t>/</a:t>
+            </a:r>
+            <a:r>
+              <a:rPr lang="fr-FR" sz="2800" b="0" strike="noStrike" spc="-1" dirty="0" err="1">
+                <a:solidFill>
+                  <a:srgbClr val="000000"/>
+                </a:solidFill>
+                <a:uFill>
+                  <a:solidFill>
+                    <a:srgbClr val="FFFFFF"/>
+                  </a:solidFill>
+                </a:uFill>
+                <a:latin typeface="Calibri"/>
+                <a:ea typeface="DejaVu Sans"/>
+              </a:rPr>
+              <a:t>writers</a:t>
+            </a:r>
+            <a:endParaRPr lang="fr-FR" sz="1800" b="0" strike="noStrike" spc="-1" dirty="0">
+              <a:solidFill>
+                <a:srgbClr val="000000"/>
+              </a:solidFill>
+              <a:uFill>
+                <a:solidFill>
+                  <a:srgbClr val="FFFFFF"/>
                 </a:solidFill>
               </a:uFill>
               <a:latin typeface="Arial"/>
@@ -7077,22 +9105,25 @@
       </p:sp>
     </p:spTree>
   </p:cSld>
+  <p:clrMapOvr>
+    <a:masterClrMapping/>
+  </p:clrMapOvr>
   <p:timing>
     <p:tnLst>
       <p:par>
-        <p:cTn id="9" dur="indefinite" restart="never" nodeType="tmRoot">
+        <p:cTn id="1" dur="indefinite" restart="never" nodeType="tmRoot">
           <p:childTnLst>
             <p:seq>
-              <p:cTn id="10" nodeType="mainSeq"/>
+              <p:cTn id="2" nodeType="mainSeq"/>
               <p:prevCondLst>
-                <p:cond delay="0" evt="onPrev">
+                <p:cond evt="onPrev" delay="0">
                   <p:tgtEl>
                     <p:sldTgt/>
                   </p:tgtEl>
                 </p:cond>
               </p:prevCondLst>
               <p:nextCondLst>
-                <p:cond delay="0" evt="onNext">
+                <p:cond evt="onNext" delay="0">
                   <p:tgtEl>
                     <p:sldTgt/>
                   </p:tgtEl>
@@ -7108,7 +9139,7 @@
 </file>
 
 <file path=ppt/slides/slide6.xml><?xml version="1.0" encoding="utf-8"?>
-<p:sld xmlns:a="http://schemas.openxmlformats.org/drawingml/2006/main" xmlns:p="http://schemas.openxmlformats.org/presentationml/2006/main" xmlns:r="http://schemas.openxmlformats.org/officeDocument/2006/relationships" xmlns:p14="http://schemas.microsoft.com/office/powerpoint/2010/main" xmlns:p15="http://schemas.microsoft.com/office/powerpoint/2012/main" xmlns:mc="http://schemas.openxmlformats.org/markup-compatibility/2006">
+<p:sld xmlns:a="http://schemas.openxmlformats.org/drawingml/2006/main" xmlns:r="http://schemas.openxmlformats.org/officeDocument/2006/relationships" xmlns:p="http://schemas.openxmlformats.org/presentationml/2006/main">
   <p:cSld>
     <p:spTree>
       <p:nvGrpSpPr>
@@ -7144,13 +9175,20 @@
           </a:ln>
         </p:spPr>
         <p:style>
-          <a:lnRef idx="0"/>
-          <a:fillRef idx="0"/>
-          <a:effectRef idx="0"/>
+          <a:lnRef idx="0">
+            <a:scrgbClr r="0" g="0" b="0"/>
+          </a:lnRef>
+          <a:fillRef idx="0">
+            <a:scrgbClr r="0" g="0" b="0"/>
+          </a:fillRef>
+          <a:effectRef idx="0">
+            <a:scrgbClr r="0" g="0" b="0"/>
+          </a:effectRef>
           <a:fontRef idx="minor"/>
         </p:style>
         <p:txBody>
-          <a:bodyPr lIns="90000" rIns="90000" tIns="45000" bIns="45000" anchor="ctr"/>
+          <a:bodyPr lIns="90000" tIns="45000" rIns="90000" bIns="45000" anchor="ctr"/>
+          <a:lstStyle/>
           <a:p>
             <a:pPr>
               <a:lnSpc>
@@ -7158,13 +9196,13 @@
               </a:lnSpc>
             </a:pPr>
             <a:r>
-              <a:rPr b="0" lang="fr-FR" sz="4400" spc="-1" strike="noStrike">
-                <a:solidFill>
-                  <a:srgbClr val="000000"/>
-                </a:solidFill>
-                <a:uFill>
-                  <a:solidFill>
-                    <a:srgbClr val="ffffff"/>
+              <a:rPr lang="fr-FR" sz="4400" b="0" strike="noStrike" spc="-1">
+                <a:solidFill>
+                  <a:srgbClr val="000000"/>
+                </a:solidFill>
+                <a:uFill>
+                  <a:solidFill>
+                    <a:srgbClr val="FFFFFF"/>
                   </a:solidFill>
                 </a:uFill>
                 <a:latin typeface="Calibri Light"/>
@@ -7172,13 +9210,13 @@
               </a:rPr>
               <a:t>KV store : array dynamique de struct</a:t>
             </a:r>
-            <a:endParaRPr b="0" lang="fr-FR" sz="1800" spc="-1" strike="noStrike">
-              <a:solidFill>
-                <a:srgbClr val="000000"/>
-              </a:solidFill>
-              <a:uFill>
-                <a:solidFill>
-                  <a:srgbClr val="ffffff"/>
+            <a:endParaRPr lang="fr-FR" sz="1800" b="0" strike="noStrike" spc="-1">
+              <a:solidFill>
+                <a:srgbClr val="000000"/>
+              </a:solidFill>
+              <a:uFill>
+                <a:solidFill>
+                  <a:srgbClr val="FFFFFF"/>
                 </a:solidFill>
               </a:uFill>
               <a:latin typeface="Arial"/>
@@ -7188,12 +9226,12 @@
       </p:sp>
       <p:pic>
         <p:nvPicPr>
-          <p:cNvPr id="83" name="Content Placeholder 11" descr=""/>
+          <p:cNvPr id="83" name="Content Placeholder 11"/>
           <p:cNvPicPr/>
           <p:nvPr/>
         </p:nvPicPr>
         <p:blipFill>
-          <a:blip r:embed="rId1"/>
+          <a:blip r:embed="rId2"/>
           <a:stretch/>
         </p:blipFill>
         <p:spPr>
@@ -7211,12 +9249,12 @@
       </p:pic>
       <p:pic>
         <p:nvPicPr>
-          <p:cNvPr id="84" name="Picture 13" descr=""/>
+          <p:cNvPr id="84" name="Picture 13"/>
           <p:cNvPicPr/>
           <p:nvPr/>
         </p:nvPicPr>
         <p:blipFill>
-          <a:blip r:embed="rId2"/>
+          <a:blip r:embed="rId3"/>
           <a:stretch/>
         </p:blipFill>
         <p:spPr>
@@ -7234,22 +9272,25 @@
       </p:pic>
     </p:spTree>
   </p:cSld>
+  <p:clrMapOvr>
+    <a:masterClrMapping/>
+  </p:clrMapOvr>
   <p:timing>
     <p:tnLst>
       <p:par>
-        <p:cTn id="11" dur="indefinite" restart="never" nodeType="tmRoot">
+        <p:cTn id="1" dur="indefinite" restart="never" nodeType="tmRoot">
           <p:childTnLst>
             <p:seq>
-              <p:cTn id="12" nodeType="mainSeq"/>
+              <p:cTn id="2" nodeType="mainSeq"/>
               <p:prevCondLst>
-                <p:cond delay="0" evt="onPrev">
+                <p:cond evt="onPrev" delay="0">
                   <p:tgtEl>
                     <p:sldTgt/>
                   </p:tgtEl>
                 </p:cond>
               </p:prevCondLst>
               <p:nextCondLst>
-                <p:cond delay="0" evt="onNext">
+                <p:cond evt="onNext" delay="0">
                   <p:tgtEl>
                     <p:sldTgt/>
                   </p:tgtEl>
@@ -7265,7 +9306,7 @@
 </file>
 
 <file path=ppt/slides/slide7.xml><?xml version="1.0" encoding="utf-8"?>
-<p:sld xmlns:a="http://schemas.openxmlformats.org/drawingml/2006/main" xmlns:p="http://schemas.openxmlformats.org/presentationml/2006/main" xmlns:r="http://schemas.openxmlformats.org/officeDocument/2006/relationships" xmlns:p14="http://schemas.microsoft.com/office/powerpoint/2010/main" xmlns:p15="http://schemas.microsoft.com/office/powerpoint/2012/main" xmlns:mc="http://schemas.openxmlformats.org/markup-compatibility/2006">
+<p:sld xmlns:a="http://schemas.openxmlformats.org/drawingml/2006/main" xmlns:r="http://schemas.openxmlformats.org/officeDocument/2006/relationships" xmlns:p="http://schemas.openxmlformats.org/presentationml/2006/main">
   <p:cSld>
     <p:spTree>
       <p:nvGrpSpPr>
@@ -7301,20 +9342,26 @@
           </a:ln>
         </p:spPr>
         <p:style>
-          <a:lnRef idx="0"/>
-          <a:fillRef idx="0"/>
-          <a:effectRef idx="0"/>
+          <a:lnRef idx="0">
+            <a:scrgbClr r="0" g="0" b="0"/>
+          </a:lnRef>
+          <a:fillRef idx="0">
+            <a:scrgbClr r="0" g="0" b="0"/>
+          </a:fillRef>
+          <a:effectRef idx="0">
+            <a:scrgbClr r="0" g="0" b="0"/>
+          </a:effectRef>
           <a:fontRef idx="minor"/>
         </p:style>
       </p:sp>
       <p:pic>
         <p:nvPicPr>
-          <p:cNvPr id="86" name="Content Placeholder 3" descr=""/>
+          <p:cNvPr id="86" name="Content Placeholder 3"/>
           <p:cNvPicPr/>
           <p:nvPr/>
         </p:nvPicPr>
         <p:blipFill>
-          <a:blip r:embed="rId1"/>
+          <a:blip r:embed="rId2"/>
           <a:stretch/>
         </p:blipFill>
         <p:spPr>
@@ -7332,12 +9379,12 @@
       </p:pic>
       <p:pic>
         <p:nvPicPr>
-          <p:cNvPr id="87" name="Picture 5" descr=""/>
+          <p:cNvPr id="87" name="Picture 5"/>
           <p:cNvPicPr/>
           <p:nvPr/>
         </p:nvPicPr>
         <p:blipFill>
-          <a:blip r:embed="rId2"/>
+          <a:blip r:embed="rId3"/>
           <a:stretch/>
         </p:blipFill>
         <p:spPr>
@@ -7355,22 +9402,25 @@
       </p:pic>
     </p:spTree>
   </p:cSld>
+  <p:clrMapOvr>
+    <a:masterClrMapping/>
+  </p:clrMapOvr>
   <p:timing>
     <p:tnLst>
       <p:par>
-        <p:cTn id="13" dur="indefinite" restart="never" nodeType="tmRoot">
+        <p:cTn id="1" dur="indefinite" restart="never" nodeType="tmRoot">
           <p:childTnLst>
             <p:seq>
-              <p:cTn id="14" nodeType="mainSeq"/>
+              <p:cTn id="2" nodeType="mainSeq"/>
               <p:prevCondLst>
-                <p:cond delay="0" evt="onPrev">
+                <p:cond evt="onPrev" delay="0">
                   <p:tgtEl>
                     <p:sldTgt/>
                   </p:tgtEl>
                 </p:cond>
               </p:prevCondLst>
               <p:nextCondLst>
-                <p:cond delay="0" evt="onNext">
+                <p:cond evt="onNext" delay="0">
                   <p:tgtEl>
                     <p:sldTgt/>
                   </p:tgtEl>
@@ -7386,7 +9436,7 @@
 </file>
 
 <file path=ppt/slides/slide8.xml><?xml version="1.0" encoding="utf-8"?>
-<p:sld xmlns:a="http://schemas.openxmlformats.org/drawingml/2006/main" xmlns:p="http://schemas.openxmlformats.org/presentationml/2006/main" xmlns:r="http://schemas.openxmlformats.org/officeDocument/2006/relationships" xmlns:p14="http://schemas.microsoft.com/office/powerpoint/2010/main" xmlns:p15="http://schemas.microsoft.com/office/powerpoint/2012/main" xmlns:mc="http://schemas.openxmlformats.org/markup-compatibility/2006">
+<p:sld xmlns:a="http://schemas.openxmlformats.org/drawingml/2006/main" xmlns:r="http://schemas.openxmlformats.org/officeDocument/2006/relationships" xmlns:p="http://schemas.openxmlformats.org/presentationml/2006/main">
   <p:cSld>
     <p:spTree>
       <p:nvGrpSpPr>
@@ -7422,13 +9472,20 @@
           </a:ln>
         </p:spPr>
         <p:style>
-          <a:lnRef idx="0"/>
-          <a:fillRef idx="0"/>
-          <a:effectRef idx="0"/>
+          <a:lnRef idx="0">
+            <a:scrgbClr r="0" g="0" b="0"/>
+          </a:lnRef>
+          <a:fillRef idx="0">
+            <a:scrgbClr r="0" g="0" b="0"/>
+          </a:fillRef>
+          <a:effectRef idx="0">
+            <a:scrgbClr r="0" g="0" b="0"/>
+          </a:effectRef>
           <a:fontRef idx="minor"/>
         </p:style>
         <p:txBody>
-          <a:bodyPr lIns="90000" rIns="90000" tIns="45000" bIns="45000" anchor="ctr"/>
+          <a:bodyPr lIns="90000" tIns="45000" rIns="90000" bIns="45000" anchor="ctr"/>
+          <a:lstStyle/>
           <a:p>
             <a:pPr>
               <a:lnSpc>
@@ -7436,13 +9493,13 @@
               </a:lnSpc>
             </a:pPr>
             <a:r>
-              <a:rPr b="0" lang="fr-FR" sz="4400" spc="-1" strike="noStrike">
-                <a:solidFill>
-                  <a:srgbClr val="000000"/>
-                </a:solidFill>
-                <a:uFill>
-                  <a:solidFill>
-                    <a:srgbClr val="ffffff"/>
+              <a:rPr lang="fr-FR" sz="4400" b="0" strike="noStrike" spc="-1">
+                <a:solidFill>
+                  <a:srgbClr val="000000"/>
+                </a:solidFill>
+                <a:uFill>
+                  <a:solidFill>
+                    <a:srgbClr val="FFFFFF"/>
                   </a:solidFill>
                 </a:uFill>
                 <a:latin typeface="Calibri Light"/>
@@ -7450,13 +9507,13 @@
               </a:rPr>
               <a:t>Communication server - clients </a:t>
             </a:r>
-            <a:endParaRPr b="0" lang="fr-FR" sz="1800" spc="-1" strike="noStrike">
-              <a:solidFill>
-                <a:srgbClr val="000000"/>
-              </a:solidFill>
-              <a:uFill>
-                <a:solidFill>
-                  <a:srgbClr val="ffffff"/>
+            <a:endParaRPr lang="fr-FR" sz="1800" b="0" strike="noStrike" spc="-1">
+              <a:solidFill>
+                <a:srgbClr val="000000"/>
+              </a:solidFill>
+              <a:uFill>
+                <a:solidFill>
+                  <a:srgbClr val="FFFFFF"/>
                 </a:solidFill>
               </a:uFill>
               <a:latin typeface="Arial"/>
@@ -7484,26 +9541,33 @@
           </a:ln>
         </p:spPr>
         <p:style>
-          <a:lnRef idx="0"/>
-          <a:fillRef idx="0"/>
-          <a:effectRef idx="0"/>
+          <a:lnRef idx="0">
+            <a:scrgbClr r="0" g="0" b="0"/>
+          </a:lnRef>
+          <a:fillRef idx="0">
+            <a:scrgbClr r="0" g="0" b="0"/>
+          </a:fillRef>
+          <a:effectRef idx="0">
+            <a:scrgbClr r="0" g="0" b="0"/>
+          </a:effectRef>
           <a:fontRef idx="minor"/>
         </p:style>
         <p:txBody>
-          <a:bodyPr lIns="90000" rIns="90000" tIns="45000" bIns="45000"/>
+          <a:bodyPr lIns="90000" tIns="45000" rIns="90000" bIns="45000"/>
+          <a:lstStyle/>
           <a:p>
             <a:pPr>
               <a:lnSpc>
                 <a:spcPct val="90000"/>
               </a:lnSpc>
             </a:pPr>
-            <a:endParaRPr b="0" lang="fr-FR" sz="1800" spc="-1" strike="noStrike">
-              <a:solidFill>
-                <a:srgbClr val="000000"/>
-              </a:solidFill>
-              <a:uFill>
-                <a:solidFill>
-                  <a:srgbClr val="ffffff"/>
+            <a:endParaRPr lang="fr-FR" sz="1800" b="0" strike="noStrike" spc="-1">
+              <a:solidFill>
+                <a:srgbClr val="000000"/>
+              </a:solidFill>
+              <a:uFill>
+                <a:solidFill>
+                  <a:srgbClr val="FFFFFF"/>
                 </a:solidFill>
               </a:uFill>
               <a:latin typeface="Arial"/>
@@ -7521,13 +9585,13 @@
               <a:buChar char="•"/>
             </a:pPr>
             <a:r>
-              <a:rPr b="0" lang="fr-FR" sz="2800" spc="-1" strike="noStrike">
-                <a:solidFill>
-                  <a:srgbClr val="000000"/>
-                </a:solidFill>
-                <a:uFill>
-                  <a:solidFill>
-                    <a:srgbClr val="ffffff"/>
+              <a:rPr lang="fr-FR" sz="2800" b="0" strike="noStrike" spc="-1">
+                <a:solidFill>
+                  <a:srgbClr val="000000"/>
+                </a:solidFill>
+                <a:uFill>
+                  <a:solidFill>
+                    <a:srgbClr val="FFFFFF"/>
                   </a:solidFill>
                 </a:uFill>
                 <a:latin typeface="Calibri"/>
@@ -7535,13 +9599,13 @@
               </a:rPr>
               <a:t>Simple, ordonné, syncro</a:t>
             </a:r>
-            <a:endParaRPr b="0" lang="fr-FR" sz="1800" spc="-1" strike="noStrike">
-              <a:solidFill>
-                <a:srgbClr val="000000"/>
-              </a:solidFill>
-              <a:uFill>
-                <a:solidFill>
-                  <a:srgbClr val="ffffff"/>
+            <a:endParaRPr lang="fr-FR" sz="1800" b="0" strike="noStrike" spc="-1">
+              <a:solidFill>
+                <a:srgbClr val="000000"/>
+              </a:solidFill>
+              <a:uFill>
+                <a:solidFill>
+                  <a:srgbClr val="FFFFFF"/>
                 </a:solidFill>
               </a:uFill>
               <a:latin typeface="Arial"/>
@@ -7553,13 +9617,13 @@
                 <a:spcPct val="90000"/>
               </a:lnSpc>
             </a:pPr>
-            <a:endParaRPr b="0" lang="fr-FR" sz="1800" spc="-1" strike="noStrike">
-              <a:solidFill>
-                <a:srgbClr val="000000"/>
-              </a:solidFill>
-              <a:uFill>
-                <a:solidFill>
-                  <a:srgbClr val="ffffff"/>
+            <a:endParaRPr lang="fr-FR" sz="1800" b="0" strike="noStrike" spc="-1">
+              <a:solidFill>
+                <a:srgbClr val="000000"/>
+              </a:solidFill>
+              <a:uFill>
+                <a:solidFill>
+                  <a:srgbClr val="FFFFFF"/>
                 </a:solidFill>
               </a:uFill>
               <a:latin typeface="Arial"/>
@@ -7577,13 +9641,13 @@
               <a:buChar char="•"/>
             </a:pPr>
             <a:r>
-              <a:rPr b="0" lang="fr-FR" sz="2800" spc="-1" strike="noStrike">
-                <a:solidFill>
-                  <a:srgbClr val="000000"/>
-                </a:solidFill>
-                <a:uFill>
-                  <a:solidFill>
-                    <a:srgbClr val="ffffff"/>
+              <a:rPr lang="fr-FR" sz="2800" b="0" strike="noStrike" spc="-1">
+                <a:solidFill>
+                  <a:srgbClr val="000000"/>
+                </a:solidFill>
+                <a:uFill>
+                  <a:solidFill>
+                    <a:srgbClr val="FFFFFF"/>
                   </a:solidFill>
                 </a:uFill>
                 <a:latin typeface="Calibri"/>
@@ -7591,13 +9655,13 @@
               </a:rPr>
               <a:t>Messages renvoyés aux clients</a:t>
             </a:r>
-            <a:endParaRPr b="0" lang="fr-FR" sz="1800" spc="-1" strike="noStrike">
-              <a:solidFill>
-                <a:srgbClr val="000000"/>
-              </a:solidFill>
-              <a:uFill>
-                <a:solidFill>
-                  <a:srgbClr val="ffffff"/>
+            <a:endParaRPr lang="fr-FR" sz="1800" b="0" strike="noStrike" spc="-1">
+              <a:solidFill>
+                <a:srgbClr val="000000"/>
+              </a:solidFill>
+              <a:uFill>
+                <a:solidFill>
+                  <a:srgbClr val="FFFFFF"/>
                 </a:solidFill>
               </a:uFill>
               <a:latin typeface="Arial"/>
@@ -7607,12 +9671,12 @@
       </p:sp>
       <p:pic>
         <p:nvPicPr>
-          <p:cNvPr id="90" name="Image 95" descr=""/>
+          <p:cNvPr id="90" name="Image 95"/>
           <p:cNvPicPr/>
           <p:nvPr/>
         </p:nvPicPr>
         <p:blipFill>
-          <a:blip r:embed="rId1"/>
+          <a:blip r:embed="rId2"/>
           <a:stretch/>
         </p:blipFill>
         <p:spPr>
@@ -7630,7 +9694,7 @@
       </p:pic>
       <p:pic>
         <p:nvPicPr>
-          <p:cNvPr id="91" name="Image 96" descr=""/>
+          <p:cNvPr id="91" name="Image 96"/>
           <p:cNvPicPr/>
           <p:nvPr/>
         </p:nvPicPr>
@@ -7653,22 +9717,25 @@
       </p:pic>
     </p:spTree>
   </p:cSld>
+  <p:clrMapOvr>
+    <a:masterClrMapping/>
+  </p:clrMapOvr>
   <p:timing>
     <p:tnLst>
       <p:par>
-        <p:cTn id="15" dur="indefinite" restart="never" nodeType="tmRoot">
+        <p:cTn id="1" dur="indefinite" restart="never" nodeType="tmRoot">
           <p:childTnLst>
             <p:seq>
-              <p:cTn id="16" nodeType="mainSeq"/>
+              <p:cTn id="2" nodeType="mainSeq"/>
               <p:prevCondLst>
-                <p:cond delay="0" evt="onPrev">
+                <p:cond evt="onPrev" delay="0">
                   <p:tgtEl>
                     <p:sldTgt/>
                   </p:tgtEl>
                 </p:cond>
               </p:prevCondLst>
               <p:nextCondLst>
-                <p:cond delay="0" evt="onNext">
+                <p:cond evt="onNext" delay="0">
                   <p:tgtEl>
                     <p:sldTgt/>
                   </p:tgtEl>
@@ -7684,7 +9751,7 @@
 </file>
 
 <file path=ppt/slides/slide9.xml><?xml version="1.0" encoding="utf-8"?>
-<p:sld xmlns:a="http://schemas.openxmlformats.org/drawingml/2006/main" xmlns:p="http://schemas.openxmlformats.org/presentationml/2006/main" xmlns:r="http://schemas.openxmlformats.org/officeDocument/2006/relationships" xmlns:p14="http://schemas.microsoft.com/office/powerpoint/2010/main" xmlns:p15="http://schemas.microsoft.com/office/powerpoint/2012/main" xmlns:mc="http://schemas.openxmlformats.org/markup-compatibility/2006">
+<p:sld xmlns:a="http://schemas.openxmlformats.org/drawingml/2006/main" xmlns:r="http://schemas.openxmlformats.org/officeDocument/2006/relationships" xmlns:p="http://schemas.openxmlformats.org/presentationml/2006/main">
   <p:cSld>
     <p:spTree>
       <p:nvGrpSpPr>
@@ -7720,13 +9787,20 @@
           </a:ln>
         </p:spPr>
         <p:style>
-          <a:lnRef idx="0"/>
-          <a:fillRef idx="0"/>
-          <a:effectRef idx="0"/>
+          <a:lnRef idx="0">
+            <a:scrgbClr r="0" g="0" b="0"/>
+          </a:lnRef>
+          <a:fillRef idx="0">
+            <a:scrgbClr r="0" g="0" b="0"/>
+          </a:fillRef>
+          <a:effectRef idx="0">
+            <a:scrgbClr r="0" g="0" b="0"/>
+          </a:effectRef>
           <a:fontRef idx="minor"/>
         </p:style>
         <p:txBody>
-          <a:bodyPr lIns="90000" rIns="90000" tIns="45000" bIns="45000" anchor="ctr"/>
+          <a:bodyPr lIns="90000" tIns="45000" rIns="90000" bIns="45000" anchor="ctr"/>
+          <a:lstStyle/>
           <a:p>
             <a:pPr>
               <a:lnSpc>
@@ -7734,13 +9808,13 @@
               </a:lnSpc>
             </a:pPr>
             <a:r>
-              <a:rPr b="0" lang="fr-FR" sz="4400" spc="-1" strike="noStrike">
-                <a:solidFill>
-                  <a:srgbClr val="000000"/>
-                </a:solidFill>
-                <a:uFill>
-                  <a:solidFill>
-                    <a:srgbClr val="ffffff"/>
+              <a:rPr lang="fr-FR" sz="4400" b="0" strike="noStrike" spc="-1">
+                <a:solidFill>
+                  <a:srgbClr val="000000"/>
+                </a:solidFill>
+                <a:uFill>
+                  <a:solidFill>
+                    <a:srgbClr val="FFFFFF"/>
                   </a:solidFill>
                 </a:uFill>
                 <a:latin typeface="Calibri Light"/>
@@ -7748,13 +9822,13 @@
               </a:rPr>
               <a:t>Lire, écrire et modifier des valeurs</a:t>
             </a:r>
-            <a:endParaRPr b="0" lang="fr-FR" sz="1800" spc="-1" strike="noStrike">
-              <a:solidFill>
-                <a:srgbClr val="000000"/>
-              </a:solidFill>
-              <a:uFill>
-                <a:solidFill>
-                  <a:srgbClr val="ffffff"/>
+            <a:endParaRPr lang="fr-FR" sz="1800" b="0" strike="noStrike" spc="-1">
+              <a:solidFill>
+                <a:srgbClr val="000000"/>
+              </a:solidFill>
+              <a:uFill>
+                <a:solidFill>
+                  <a:srgbClr val="FFFFFF"/>
                 </a:solidFill>
               </a:uFill>
               <a:latin typeface="Arial"/>
@@ -7770,8 +9844,8 @@
         </p:nvSpPr>
         <p:spPr>
           <a:xfrm>
-            <a:off x="838080" y="1825560"/>
-            <a:ext cx="10514880" cy="4350600"/>
+            <a:off x="838080" y="2129424"/>
+            <a:ext cx="10514880" cy="4046735"/>
           </a:xfrm>
           <a:prstGeom prst="rect">
             <a:avLst/>
@@ -7782,13 +9856,20 @@
           </a:ln>
         </p:spPr>
         <p:style>
-          <a:lnRef idx="0"/>
-          <a:fillRef idx="0"/>
-          <a:effectRef idx="0"/>
+          <a:lnRef idx="0">
+            <a:scrgbClr r="0" g="0" b="0"/>
+          </a:lnRef>
+          <a:fillRef idx="0">
+            <a:scrgbClr r="0" g="0" b="0"/>
+          </a:fillRef>
+          <a:effectRef idx="0">
+            <a:scrgbClr r="0" g="0" b="0"/>
+          </a:effectRef>
           <a:fontRef idx="minor"/>
         </p:style>
         <p:txBody>
-          <a:bodyPr lIns="90000" rIns="90000" tIns="45000" bIns="45000"/>
+          <a:bodyPr lIns="90000" tIns="45000" rIns="90000" bIns="45000"/>
+          <a:lstStyle/>
           <a:p>
             <a:pPr marL="228600" indent="-227880">
               <a:lnSpc>
@@ -7801,13 +9882,13 @@
               <a:buChar char="•"/>
             </a:pPr>
             <a:r>
-              <a:rPr b="0" lang="fr-FR" sz="2800" spc="-1" strike="noStrike">
-                <a:solidFill>
-                  <a:srgbClr val="000000"/>
-                </a:solidFill>
-                <a:uFill>
-                  <a:solidFill>
-                    <a:srgbClr val="ffffff"/>
+              <a:rPr lang="fr-FR" sz="2800" b="0" strike="noStrike" spc="-1" dirty="0" err="1">
+                <a:solidFill>
+                  <a:srgbClr val="000000"/>
+                </a:solidFill>
+                <a:uFill>
+                  <a:solidFill>
+                    <a:srgbClr val="FFFFFF"/>
                   </a:solidFill>
                 </a:uFill>
                 <a:latin typeface="Calibri"/>
@@ -7815,13 +9896,13 @@
               </a:rPr>
               <a:t>Regex</a:t>
             </a:r>
-            <a:endParaRPr b="0" lang="fr-FR" sz="1800" spc="-1" strike="noStrike">
-              <a:solidFill>
-                <a:srgbClr val="000000"/>
-              </a:solidFill>
-              <a:uFill>
-                <a:solidFill>
-                  <a:srgbClr val="ffffff"/>
+            <a:endParaRPr lang="fr-FR" sz="1800" b="0" strike="noStrike" spc="-1" dirty="0">
+              <a:solidFill>
+                <a:srgbClr val="000000"/>
+              </a:solidFill>
+              <a:uFill>
+                <a:solidFill>
+                  <a:srgbClr val="FFFFFF"/>
                 </a:solidFill>
               </a:uFill>
               <a:latin typeface="Arial"/>
@@ -7839,13 +9920,13 @@
               <a:buChar char="•"/>
             </a:pPr>
             <a:r>
-              <a:rPr b="0" lang="fr-FR" sz="2800" spc="-1" strike="noStrike">
-                <a:solidFill>
-                  <a:srgbClr val="000000"/>
-                </a:solidFill>
-                <a:uFill>
-                  <a:solidFill>
-                    <a:srgbClr val="ffffff"/>
+              <a:rPr lang="fr-FR" sz="2800" b="0" strike="noStrike" spc="-1" dirty="0">
+                <a:solidFill>
+                  <a:srgbClr val="000000"/>
+                </a:solidFill>
+                <a:uFill>
+                  <a:solidFill>
+                    <a:srgbClr val="FFFFFF"/>
                   </a:solidFill>
                 </a:uFill>
                 <a:latin typeface="Calibri"/>
@@ -7853,20 +9934,20 @@
               </a:rPr>
               <a:t>Manipulation du Key-Value Store :</a:t>
             </a:r>
-            <a:endParaRPr b="0" lang="fr-FR" sz="1800" spc="-1" strike="noStrike">
-              <a:solidFill>
-                <a:srgbClr val="000000"/>
-              </a:solidFill>
-              <a:uFill>
-                <a:solidFill>
-                  <a:srgbClr val="ffffff"/>
-                </a:solidFill>
-              </a:uFill>
-              <a:latin typeface="Arial"/>
-            </a:endParaRPr>
-          </a:p>
-          <a:p>
-            <a:pPr lvl="1" marL="685800" indent="-227880">
+            <a:endParaRPr lang="fr-FR" sz="1800" b="0" strike="noStrike" spc="-1" dirty="0">
+              <a:solidFill>
+                <a:srgbClr val="000000"/>
+              </a:solidFill>
+              <a:uFill>
+                <a:solidFill>
+                  <a:srgbClr val="FFFFFF"/>
+                </a:solidFill>
+              </a:uFill>
+              <a:latin typeface="Arial"/>
+            </a:endParaRPr>
+          </a:p>
+          <a:p>
+            <a:pPr marL="685800" lvl="1" indent="-227880">
               <a:lnSpc>
                 <a:spcPct val="90000"/>
               </a:lnSpc>
@@ -7877,13 +9958,13 @@
               <a:buChar char="•"/>
             </a:pPr>
             <a:r>
-              <a:rPr b="0" lang="fr-FR" sz="2800" spc="-1" strike="noStrike">
-                <a:solidFill>
-                  <a:srgbClr val="000000"/>
-                </a:solidFill>
-                <a:uFill>
-                  <a:solidFill>
-                    <a:srgbClr val="ffffff"/>
+              <a:rPr lang="fr-FR" sz="2800" b="0" strike="noStrike" spc="-1" dirty="0" err="1">
+                <a:solidFill>
+                  <a:srgbClr val="000000"/>
+                </a:solidFill>
+                <a:uFill>
+                  <a:solidFill>
+                    <a:srgbClr val="FFFFFF"/>
                   </a:solidFill>
                 </a:uFill>
                 <a:latin typeface="Calibri"/>
@@ -7891,20 +9972,20 @@
               </a:rPr>
               <a:t>addpair</a:t>
             </a:r>
-            <a:endParaRPr b="0" lang="fr-FR" sz="1800" spc="-1" strike="noStrike">
-              <a:solidFill>
-                <a:srgbClr val="000000"/>
-              </a:solidFill>
-              <a:uFill>
-                <a:solidFill>
-                  <a:srgbClr val="ffffff"/>
-                </a:solidFill>
-              </a:uFill>
-              <a:latin typeface="Arial"/>
-            </a:endParaRPr>
-          </a:p>
-          <a:p>
-            <a:pPr lvl="1" marL="685800" indent="-227880">
+            <a:endParaRPr lang="fr-FR" sz="1800" b="0" strike="noStrike" spc="-1" dirty="0">
+              <a:solidFill>
+                <a:srgbClr val="000000"/>
+              </a:solidFill>
+              <a:uFill>
+                <a:solidFill>
+                  <a:srgbClr val="FFFFFF"/>
+                </a:solidFill>
+              </a:uFill>
+              <a:latin typeface="Arial"/>
+            </a:endParaRPr>
+          </a:p>
+          <a:p>
+            <a:pPr marL="685800" lvl="1" indent="-227880">
               <a:lnSpc>
                 <a:spcPct val="90000"/>
               </a:lnSpc>
@@ -7915,13 +9996,13 @@
               <a:buChar char="•"/>
             </a:pPr>
             <a:r>
-              <a:rPr b="0" lang="fr-FR" sz="2800" spc="-1" strike="noStrike">
-                <a:solidFill>
-                  <a:srgbClr val="000000"/>
-                </a:solidFill>
-                <a:uFill>
-                  <a:solidFill>
-                    <a:srgbClr val="ffffff"/>
+              <a:rPr lang="fr-FR" sz="2800" b="0" strike="noStrike" spc="-1" dirty="0" err="1">
+                <a:solidFill>
+                  <a:srgbClr val="000000"/>
+                </a:solidFill>
+                <a:uFill>
+                  <a:solidFill>
+                    <a:srgbClr val="FFFFFF"/>
                   </a:solidFill>
                 </a:uFill>
                 <a:latin typeface="Calibri"/>
@@ -7929,20 +10010,20 @@
               </a:rPr>
               <a:t>deletepair</a:t>
             </a:r>
-            <a:endParaRPr b="0" lang="fr-FR" sz="1800" spc="-1" strike="noStrike">
-              <a:solidFill>
-                <a:srgbClr val="000000"/>
-              </a:solidFill>
-              <a:uFill>
-                <a:solidFill>
-                  <a:srgbClr val="ffffff"/>
-                </a:solidFill>
-              </a:uFill>
-              <a:latin typeface="Arial"/>
-            </a:endParaRPr>
-          </a:p>
-          <a:p>
-            <a:pPr lvl="1" marL="685800" indent="-227880">
+            <a:endParaRPr lang="fr-FR" sz="1800" b="0" strike="noStrike" spc="-1" dirty="0">
+              <a:solidFill>
+                <a:srgbClr val="000000"/>
+              </a:solidFill>
+              <a:uFill>
+                <a:solidFill>
+                  <a:srgbClr val="FFFFFF"/>
+                </a:solidFill>
+              </a:uFill>
+              <a:latin typeface="Arial"/>
+            </a:endParaRPr>
+          </a:p>
+          <a:p>
+            <a:pPr marL="685800" lvl="1" indent="-227880">
               <a:lnSpc>
                 <a:spcPct val="90000"/>
               </a:lnSpc>
@@ -7953,13 +10034,13 @@
               <a:buChar char="•"/>
             </a:pPr>
             <a:r>
-              <a:rPr b="0" lang="fr-FR" sz="2800" spc="-1" strike="noStrike">
-                <a:solidFill>
-                  <a:srgbClr val="000000"/>
-                </a:solidFill>
-                <a:uFill>
-                  <a:solidFill>
-                    <a:srgbClr val="ffffff"/>
+              <a:rPr lang="fr-FR" sz="2800" b="0" strike="noStrike" spc="-1" dirty="0" err="1">
+                <a:solidFill>
+                  <a:srgbClr val="000000"/>
+                </a:solidFill>
+                <a:uFill>
+                  <a:solidFill>
+                    <a:srgbClr val="FFFFFF"/>
                   </a:solidFill>
                 </a:uFill>
                 <a:latin typeface="Calibri"/>
@@ -7967,20 +10048,20 @@
               </a:rPr>
               <a:t>modifyPair</a:t>
             </a:r>
-            <a:endParaRPr b="0" lang="fr-FR" sz="1800" spc="-1" strike="noStrike">
-              <a:solidFill>
-                <a:srgbClr val="000000"/>
-              </a:solidFill>
-              <a:uFill>
-                <a:solidFill>
-                  <a:srgbClr val="ffffff"/>
-                </a:solidFill>
-              </a:uFill>
-              <a:latin typeface="Arial"/>
-            </a:endParaRPr>
-          </a:p>
-          <a:p>
-            <a:pPr lvl="1" marL="685800" indent="-227880">
+            <a:endParaRPr lang="fr-FR" sz="1800" b="0" strike="noStrike" spc="-1" dirty="0">
+              <a:solidFill>
+                <a:srgbClr val="000000"/>
+              </a:solidFill>
+              <a:uFill>
+                <a:solidFill>
+                  <a:srgbClr val="FFFFFF"/>
+                </a:solidFill>
+              </a:uFill>
+              <a:latin typeface="Arial"/>
+            </a:endParaRPr>
+          </a:p>
+          <a:p>
+            <a:pPr marL="685800" lvl="1" indent="-227880">
               <a:lnSpc>
                 <a:spcPct val="90000"/>
               </a:lnSpc>
@@ -7991,13 +10072,13 @@
               <a:buChar char="•"/>
             </a:pPr>
             <a:r>
-              <a:rPr b="0" lang="fr-FR" sz="2800" spc="-1" strike="noStrike">
-                <a:solidFill>
-                  <a:srgbClr val="000000"/>
-                </a:solidFill>
-                <a:uFill>
-                  <a:solidFill>
-                    <a:srgbClr val="ffffff"/>
+              <a:rPr lang="fr-FR" sz="2800" b="0" strike="noStrike" spc="-1" dirty="0" err="1">
+                <a:solidFill>
+                  <a:srgbClr val="000000"/>
+                </a:solidFill>
+                <a:uFill>
+                  <a:solidFill>
+                    <a:srgbClr val="FFFFFF"/>
                   </a:solidFill>
                 </a:uFill>
                 <a:latin typeface="Calibri"/>
@@ -8005,20 +10086,20 @@
               </a:rPr>
               <a:t>readpair</a:t>
             </a:r>
-            <a:endParaRPr b="0" lang="fr-FR" sz="1800" spc="-1" strike="noStrike">
-              <a:solidFill>
-                <a:srgbClr val="000000"/>
-              </a:solidFill>
-              <a:uFill>
-                <a:solidFill>
-                  <a:srgbClr val="ffffff"/>
-                </a:solidFill>
-              </a:uFill>
-              <a:latin typeface="Arial"/>
-            </a:endParaRPr>
-          </a:p>
-          <a:p>
-            <a:pPr lvl="1" marL="685800" indent="-227880">
+            <a:endParaRPr lang="fr-FR" sz="1800" b="0" strike="noStrike" spc="-1" dirty="0">
+              <a:solidFill>
+                <a:srgbClr val="000000"/>
+              </a:solidFill>
+              <a:uFill>
+                <a:solidFill>
+                  <a:srgbClr val="FFFFFF"/>
+                </a:solidFill>
+              </a:uFill>
+              <a:latin typeface="Arial"/>
+            </a:endParaRPr>
+          </a:p>
+          <a:p>
+            <a:pPr marL="685800" lvl="1" indent="-227880">
               <a:lnSpc>
                 <a:spcPct val="90000"/>
               </a:lnSpc>
@@ -8029,13 +10110,13 @@
               <a:buChar char="•"/>
             </a:pPr>
             <a:r>
-              <a:rPr b="0" lang="fr-FR" sz="2800" spc="-1" strike="noStrike">
-                <a:solidFill>
-                  <a:srgbClr val="000000"/>
-                </a:solidFill>
-                <a:uFill>
-                  <a:solidFill>
-                    <a:srgbClr val="ffffff"/>
+              <a:rPr lang="fr-FR" sz="2800" b="0" strike="noStrike" spc="-1" dirty="0" err="1">
+                <a:solidFill>
+                  <a:srgbClr val="000000"/>
+                </a:solidFill>
+                <a:uFill>
+                  <a:solidFill>
+                    <a:srgbClr val="FFFFFF"/>
                   </a:solidFill>
                 </a:uFill>
                 <a:latin typeface="Calibri"/>
@@ -8043,13 +10124,13 @@
               </a:rPr>
               <a:t>printKV</a:t>
             </a:r>
-            <a:endParaRPr b="0" lang="fr-FR" sz="1800" spc="-1" strike="noStrike">
-              <a:solidFill>
-                <a:srgbClr val="000000"/>
-              </a:solidFill>
-              <a:uFill>
-                <a:solidFill>
-                  <a:srgbClr val="ffffff"/>
+            <a:endParaRPr lang="fr-FR" sz="1800" b="0" strike="noStrike" spc="-1" dirty="0">
+              <a:solidFill>
+                <a:srgbClr val="000000"/>
+              </a:solidFill>
+              <a:uFill>
+                <a:solidFill>
+                  <a:srgbClr val="FFFFFF"/>
                 </a:solidFill>
               </a:uFill>
               <a:latin typeface="Arial"/>
@@ -8061,13 +10142,13 @@
                 <a:spcPct val="90000"/>
               </a:lnSpc>
             </a:pPr>
-            <a:endParaRPr b="0" lang="fr-FR" sz="1800" spc="-1" strike="noStrike">
-              <a:solidFill>
-                <a:srgbClr val="000000"/>
-              </a:solidFill>
-              <a:uFill>
-                <a:solidFill>
-                  <a:srgbClr val="ffffff"/>
+            <a:endParaRPr lang="fr-FR" sz="1800" b="0" strike="noStrike" spc="-1" dirty="0">
+              <a:solidFill>
+                <a:srgbClr val="000000"/>
+              </a:solidFill>
+              <a:uFill>
+                <a:solidFill>
+                  <a:srgbClr val="FFFFFF"/>
                 </a:solidFill>
               </a:uFill>
               <a:latin typeface="Arial"/>
@@ -8079,13 +10160,13 @@
                 <a:spcPct val="90000"/>
               </a:lnSpc>
             </a:pPr>
-            <a:endParaRPr b="0" lang="fr-FR" sz="1800" spc="-1" strike="noStrike">
-              <a:solidFill>
-                <a:srgbClr val="000000"/>
-              </a:solidFill>
-              <a:uFill>
-                <a:solidFill>
-                  <a:srgbClr val="ffffff"/>
+            <a:endParaRPr lang="fr-FR" sz="1800" b="0" strike="noStrike" spc="-1" dirty="0">
+              <a:solidFill>
+                <a:srgbClr val="000000"/>
+              </a:solidFill>
+              <a:uFill>
+                <a:solidFill>
+                  <a:srgbClr val="FFFFFF"/>
                 </a:solidFill>
               </a:uFill>
               <a:latin typeface="Arial"/>
@@ -8097,13 +10178,13 @@
                 <a:spcPct val="90000"/>
               </a:lnSpc>
             </a:pPr>
-            <a:endParaRPr b="0" lang="fr-FR" sz="1800" spc="-1" strike="noStrike">
-              <a:solidFill>
-                <a:srgbClr val="000000"/>
-              </a:solidFill>
-              <a:uFill>
-                <a:solidFill>
-                  <a:srgbClr val="ffffff"/>
+            <a:endParaRPr lang="fr-FR" sz="1800" b="0" strike="noStrike" spc="-1" dirty="0">
+              <a:solidFill>
+                <a:srgbClr val="000000"/>
+              </a:solidFill>
+              <a:uFill>
+                <a:solidFill>
+                  <a:srgbClr val="FFFFFF"/>
                 </a:solidFill>
               </a:uFill>
               <a:latin typeface="Arial"/>
@@ -8113,22 +10194,25 @@
       </p:sp>
     </p:spTree>
   </p:cSld>
+  <p:clrMapOvr>
+    <a:masterClrMapping/>
+  </p:clrMapOvr>
   <p:timing>
     <p:tnLst>
       <p:par>
-        <p:cTn id="17" dur="indefinite" restart="never" nodeType="tmRoot">
+        <p:cTn id="1" dur="indefinite" restart="never" nodeType="tmRoot">
           <p:childTnLst>
             <p:seq>
-              <p:cTn id="18" nodeType="mainSeq"/>
+              <p:cTn id="2" nodeType="mainSeq"/>
               <p:prevCondLst>
-                <p:cond delay="0" evt="onPrev">
+                <p:cond evt="onPrev" delay="0">
                   <p:tgtEl>
                     <p:sldTgt/>
                   </p:tgtEl>
                 </p:cond>
               </p:prevCondLst>
               <p:nextCondLst>
-                <p:cond delay="0" evt="onNext">
+                <p:cond evt="onNext" delay="0">
                   <p:tgtEl>
                     <p:sldTgt/>
                   </p:tgtEl>
@@ -8363,6 +10447,8 @@
       </a:bgFillStyleLst>
     </a:fmtScheme>
   </a:themeElements>
+  <a:objectDefaults/>
+  <a:extraClrSchemeLst/>
 </a:theme>
 </file>
 
@@ -8586,5 +10672,7 @@
       </a:bgFillStyleLst>
     </a:fmtScheme>
   </a:themeElements>
+  <a:objectDefaults/>
+  <a:extraClrSchemeLst/>
 </a:theme>
 </file>
--- a/presentation/KVS_presentation.pptx
+++ b/presentation/KVS_presentation.pptx
@@ -118,6 +118,11 @@
       </a:defRPr>
     </a:lvl9pPr>
   </p:defaultTextStyle>
+  <p:extLst>
+    <p:ext uri="{EFAFB233-063F-42B5-8137-9DF3F51BA10A}">
+      <p15:sldGuideLst xmlns:p15="http://schemas.microsoft.com/office/powerpoint/2012/main"/>
+    </p:ext>
+  </p:extLst>
 </p:presentation>
 </file>
 
@@ -4348,8 +4353,9 @@
           <a:bodyPr lIns="90000" tIns="45000" rIns="90000" bIns="45000" anchor="b"/>
           <a:lstStyle/>
           <a:p>
-            <a:r>
-              <a:rPr lang="fr-FR" sz="6000" b="1" strike="noStrike" spc="-1">
+            <a:pPr algn="ctr"/>
+            <a:r>
+              <a:rPr lang="fr-FR" sz="6000" b="1" strike="noStrike" spc="-1" dirty="0" err="1">
                 <a:solidFill>
                   <a:srgbClr val="000000"/>
                 </a:solidFill>
@@ -4361,9 +4367,24 @@
                 <a:latin typeface="Calibri Light"/>
                 <a:ea typeface="DejaVu Sans"/>
               </a:rPr>
-              <a:t>Miniproject MP01: </a:t>
-            </a:r>
-            <a:endParaRPr lang="fr-FR" sz="1800" b="0" strike="noStrike" spc="-1">
+              <a:t>Miniproject</a:t>
+            </a:r>
+            <a:r>
+              <a:rPr lang="fr-FR" sz="6000" b="1" strike="noStrike" spc="-1" dirty="0">
+                <a:solidFill>
+                  <a:srgbClr val="000000"/>
+                </a:solidFill>
+                <a:uFill>
+                  <a:solidFill>
+                    <a:srgbClr val="FFFFFF"/>
+                  </a:solidFill>
+                </a:uFill>
+                <a:latin typeface="Calibri Light"/>
+                <a:ea typeface="DejaVu Sans"/>
+              </a:rPr>
+              <a:t> MP01: </a:t>
+            </a:r>
+            <a:endParaRPr lang="fr-FR" sz="1800" b="0" strike="noStrike" spc="-1" dirty="0">
               <a:solidFill>
                 <a:srgbClr val="000000"/>
               </a:solidFill>
@@ -4382,7 +4403,7 @@
               </a:lnSpc>
             </a:pPr>
             <a:r>
-              <a:rPr lang="fr-FR" sz="6000" b="1" strike="noStrike" spc="-1">
+              <a:rPr lang="fr-FR" sz="6000" b="1" strike="noStrike" spc="-1" dirty="0">
                 <a:solidFill>
                   <a:srgbClr val="000000"/>
                 </a:solidFill>
@@ -4396,7 +4417,7 @@
               </a:rPr>
               <a:t>Key-Value Store in Linux </a:t>
             </a:r>
-            <a:endParaRPr lang="fr-FR" sz="1800" b="0" strike="noStrike" spc="-1">
+            <a:endParaRPr lang="fr-FR" sz="1800" b="0" strike="noStrike" spc="-1" dirty="0">
               <a:solidFill>
                 <a:srgbClr val="000000"/>
               </a:solidFill>

--- a/presentation/KVS_presentation.pptx
+++ b/presentation/KVS_presentation.pptx
@@ -49,7 +49,7 @@
       </p:grpSpPr>
       <p:sp>
         <p:nvSpPr>
-          <p:cNvPr id="114" name="PlaceHolder 1"/>
+          <p:cNvPr id="111" name="PlaceHolder 1"/>
           <p:cNvSpPr>
             <a:spLocks noGrp="1"/>
           </p:cNvSpPr>
@@ -99,7 +99,7 @@
       </p:sp>
       <p:sp>
         <p:nvSpPr>
-          <p:cNvPr id="115" name="PlaceHolder 2"/>
+          <p:cNvPr id="112" name="PlaceHolder 2"/>
           <p:cNvSpPr>
             <a:spLocks noGrp="1"/>
           </p:cNvSpPr>
@@ -149,7 +149,7 @@
       </p:sp>
       <p:sp>
         <p:nvSpPr>
-          <p:cNvPr id="116" name="PlaceHolder 3"/>
+          <p:cNvPr id="113" name="PlaceHolder 3"/>
           <p:cNvSpPr>
             <a:spLocks noGrp="1"/>
           </p:cNvSpPr>
@@ -200,7 +200,7 @@
       </p:sp>
       <p:sp>
         <p:nvSpPr>
-          <p:cNvPr id="117" name="PlaceHolder 4"/>
+          <p:cNvPr id="114" name="PlaceHolder 4"/>
           <p:cNvSpPr>
             <a:spLocks noGrp="1"/>
           </p:cNvSpPr>
@@ -250,7 +250,7 @@
       </p:sp>
       <p:sp>
         <p:nvSpPr>
-          <p:cNvPr id="118" name="PlaceHolder 5"/>
+          <p:cNvPr id="115" name="PlaceHolder 5"/>
           <p:cNvSpPr>
             <a:spLocks noGrp="1"/>
           </p:cNvSpPr>
@@ -271,7 +271,7 @@
           <a:bodyPr lIns="0" rIns="0" tIns="0" bIns="0" anchor="b"/>
           <a:p>
             <a:pPr algn="r"/>
-            <a:fld id="{072C70C0-320B-4DCE-8D8D-90DBAD446191}" type="slidenum">
+            <a:fld id="{1F5958C4-8BBE-415D-ACD5-BDB6B240AE3F}" type="slidenum">
               <a:rPr b="0" lang="fr-FR" sz="1400" spc="-1" strike="noStrike">
                 <a:solidFill>
                   <a:srgbClr val="000000"/>
@@ -324,7 +324,7 @@
       </p:grpSpPr>
       <p:sp>
         <p:nvSpPr>
-          <p:cNvPr id="154" name="PlaceHolder 1"/>
+          <p:cNvPr id="151" name="PlaceHolder 1"/>
           <p:cNvSpPr>
             <a:spLocks noGrp="1"/>
           </p:cNvSpPr>
@@ -334,15 +334,15 @@
         </p:nvSpPr>
         <p:spPr>
           <a:xfrm>
-            <a:off x="755640" y="5145120"/>
-            <a:ext cx="6048000" cy="4209840"/>
-          </a:xfrm>
-          <a:prstGeom prst="rect">
-            <a:avLst/>
-          </a:prstGeom>
-        </p:spPr>
-        <p:txBody>
-          <a:bodyPr/>
+            <a:off x="756000" y="5078520"/>
+            <a:ext cx="6047640" cy="4811040"/>
+          </a:xfrm>
+          <a:prstGeom prst="rect">
+            <a:avLst/>
+          </a:prstGeom>
+        </p:spPr>
+        <p:txBody>
+          <a:bodyPr lIns="0" rIns="0" tIns="0" bIns="0"/>
           <a:p>
             <a:r>
               <a:rPr b="0" lang="fr-FR" sz="2000" spc="-1" strike="noStrike">
@@ -374,14 +374,14 @@
       </p:sp>
       <p:sp>
         <p:nvSpPr>
-          <p:cNvPr id="155" name="TextShape 2"/>
-          <p:cNvSpPr txBox="1"/>
+          <p:cNvPr id="152" name="CustomShape 2"/>
+          <p:cNvSpPr/>
           <p:nvPr/>
         </p:nvSpPr>
         <p:spPr>
           <a:xfrm>
             <a:off x="4281480" y="10155240"/>
-            <a:ext cx="3276360" cy="536040"/>
+            <a:ext cx="3276000" cy="535680"/>
           </a:xfrm>
           <a:prstGeom prst="rect">
             <a:avLst/>
@@ -391,15 +391,21 @@
             <a:noFill/>
           </a:ln>
         </p:spPr>
-        <p:txBody>
-          <a:bodyPr anchor="b"/>
+        <p:style>
+          <a:lnRef idx="0"/>
+          <a:fillRef idx="0"/>
+          <a:effectRef idx="0"/>
+          <a:fontRef idx="minor"/>
+        </p:style>
+        <p:txBody>
+          <a:bodyPr lIns="90000" rIns="90000" tIns="45000" bIns="45000" anchor="b"/>
           <a:p>
             <a:pPr algn="r">
               <a:lnSpc>
                 <a:spcPct val="100000"/>
               </a:lnSpc>
             </a:pPr>
-            <a:fld id="{7C69F4B5-E50C-4EC4-AE35-50E6205B0B0D}" type="slidenum">
+            <a:fld id="{62846407-41CD-4CB6-AF42-E0A45CD48958}" type="slidenum">
               <a:rPr b="0" lang="fr-FR" sz="1200" spc="-1" strike="noStrike">
                 <a:solidFill>
                   <a:srgbClr val="000000"/>
@@ -414,16 +420,16 @@
               </a:rPr>
               <a:t>1</a:t>
             </a:fld>
-            <a:endParaRPr b="0" lang="fr-FR" sz="1400" spc="-1" strike="noStrike">
-              <a:solidFill>
-                <a:srgbClr val="000000"/>
-              </a:solidFill>
-              <a:uFill>
-                <a:solidFill>
-                  <a:srgbClr val="ffffff"/>
-                </a:solidFill>
-              </a:uFill>
-              <a:latin typeface="Times New Roman"/>
+            <a:endParaRPr b="0" lang="fr-FR" sz="1800" spc="-1" strike="noStrike">
+              <a:solidFill>
+                <a:srgbClr val="000000"/>
+              </a:solidFill>
+              <a:uFill>
+                <a:solidFill>
+                  <a:srgbClr val="ffffff"/>
+                </a:solidFill>
+              </a:uFill>
+              <a:latin typeface="Arial"/>
             </a:endParaRPr>
           </a:p>
         </p:txBody>
@@ -452,7 +458,7 @@
       </p:grpSpPr>
       <p:sp>
         <p:nvSpPr>
-          <p:cNvPr id="172" name="PlaceHolder 1"/>
+          <p:cNvPr id="169" name="PlaceHolder 1"/>
           <p:cNvSpPr>
             <a:spLocks noGrp="1"/>
           </p:cNvSpPr>
@@ -462,15 +468,15 @@
         </p:nvSpPr>
         <p:spPr>
           <a:xfrm>
-            <a:off x="755640" y="5145120"/>
-            <a:ext cx="6048000" cy="4209840"/>
-          </a:xfrm>
-          <a:prstGeom prst="rect">
-            <a:avLst/>
-          </a:prstGeom>
-        </p:spPr>
-        <p:txBody>
-          <a:bodyPr/>
+            <a:off x="755640" y="5078520"/>
+            <a:ext cx="6047280" cy="4810680"/>
+          </a:xfrm>
+          <a:prstGeom prst="rect">
+            <a:avLst/>
+          </a:prstGeom>
+        </p:spPr>
+        <p:txBody>
+          <a:bodyPr lIns="0" rIns="0" tIns="0" bIns="0"/>
           <a:p>
             <a:r>
               <a:rPr b="0" lang="fr-FR" sz="2000" spc="-1" strike="noStrike">
@@ -502,14 +508,14 @@
       </p:sp>
       <p:sp>
         <p:nvSpPr>
-          <p:cNvPr id="173" name="TextShape 2"/>
-          <p:cNvSpPr txBox="1"/>
+          <p:cNvPr id="170" name="CustomShape 2"/>
+          <p:cNvSpPr/>
           <p:nvPr/>
         </p:nvSpPr>
         <p:spPr>
           <a:xfrm>
             <a:off x="4281480" y="10155240"/>
-            <a:ext cx="3276360" cy="536040"/>
+            <a:ext cx="3276000" cy="535680"/>
           </a:xfrm>
           <a:prstGeom prst="rect">
             <a:avLst/>
@@ -519,15 +525,21 @@
             <a:noFill/>
           </a:ln>
         </p:spPr>
-        <p:txBody>
-          <a:bodyPr anchor="b"/>
+        <p:style>
+          <a:lnRef idx="0"/>
+          <a:fillRef idx="0"/>
+          <a:effectRef idx="0"/>
+          <a:fontRef idx="minor"/>
+        </p:style>
+        <p:txBody>
+          <a:bodyPr lIns="90000" rIns="90000" tIns="45000" bIns="45000" anchor="b"/>
           <a:p>
             <a:pPr algn="r">
               <a:lnSpc>
                 <a:spcPct val="100000"/>
               </a:lnSpc>
             </a:pPr>
-            <a:fld id="{1DC44FF9-DDC0-4B97-AADD-C2290EE37408}" type="slidenum">
+            <a:fld id="{846ED2DB-5BD0-4E7B-83CC-B326C0F7E3C6}" type="slidenum">
               <a:rPr b="0" lang="fr-FR" sz="1200" spc="-1" strike="noStrike">
                 <a:solidFill>
                   <a:srgbClr val="000000"/>
@@ -542,16 +554,16 @@
               </a:rPr>
               <a:t>1</a:t>
             </a:fld>
-            <a:endParaRPr b="0" lang="fr-FR" sz="1400" spc="-1" strike="noStrike">
-              <a:solidFill>
-                <a:srgbClr val="000000"/>
-              </a:solidFill>
-              <a:uFill>
-                <a:solidFill>
-                  <a:srgbClr val="ffffff"/>
-                </a:solidFill>
-              </a:uFill>
-              <a:latin typeface="Times New Roman"/>
+            <a:endParaRPr b="0" lang="fr-FR" sz="1800" spc="-1" strike="noStrike">
+              <a:solidFill>
+                <a:srgbClr val="000000"/>
+              </a:solidFill>
+              <a:uFill>
+                <a:solidFill>
+                  <a:srgbClr val="ffffff"/>
+                </a:solidFill>
+              </a:uFill>
+              <a:latin typeface="Arial"/>
             </a:endParaRPr>
           </a:p>
         </p:txBody>
@@ -580,7 +592,7 @@
       </p:grpSpPr>
       <p:sp>
         <p:nvSpPr>
-          <p:cNvPr id="174" name="PlaceHolder 1"/>
+          <p:cNvPr id="171" name="PlaceHolder 1"/>
           <p:cNvSpPr>
             <a:spLocks noGrp="1"/>
           </p:cNvSpPr>
@@ -590,15 +602,15 @@
         </p:nvSpPr>
         <p:spPr>
           <a:xfrm>
-            <a:off x="755640" y="5145120"/>
-            <a:ext cx="6048000" cy="4209840"/>
-          </a:xfrm>
-          <a:prstGeom prst="rect">
-            <a:avLst/>
-          </a:prstGeom>
-        </p:spPr>
-        <p:txBody>
-          <a:bodyPr/>
+            <a:off x="755640" y="5078520"/>
+            <a:ext cx="6047280" cy="4810680"/>
+          </a:xfrm>
+          <a:prstGeom prst="rect">
+            <a:avLst/>
+          </a:prstGeom>
+        </p:spPr>
+        <p:txBody>
+          <a:bodyPr lIns="0" rIns="0" tIns="0" bIns="0"/>
           <a:p>
             <a:r>
               <a:rPr b="0" lang="fr-FR" sz="2000" spc="-1" strike="noStrike">
@@ -612,7 +624,7 @@
                 </a:uFill>
                 <a:latin typeface="Arial"/>
               </a:rPr>
-              <a:t>Jonas</a:t>
+              <a:t>Jonas </a:t>
             </a:r>
             <a:endParaRPr b="0" lang="fr-FR" sz="2000" spc="-1" strike="noStrike">
               <a:solidFill>
@@ -639,6 +651,208 @@
                 </a:uFill>
                 <a:latin typeface="Arial"/>
               </a:rPr>
+              <a:t>HG $ m 1 salut montrer que ca attend</a:t>
+            </a:r>
+            <a:endParaRPr b="0" lang="fr-FR" sz="2000" spc="-1" strike="noStrike">
+              <a:solidFill>
+                <a:srgbClr val="000000"/>
+              </a:solidFill>
+              <a:uFill>
+                <a:solidFill>
+                  <a:srgbClr val="ffffff"/>
+                </a:solidFill>
+              </a:uFill>
+              <a:latin typeface="Arial"/>
+            </a:endParaRPr>
+          </a:p>
+          <a:p>
+            <a:r>
+              <a:rPr b="0" lang="fr-FR" sz="2000" spc="-1" strike="noStrike">
+                <a:solidFill>
+                  <a:srgbClr val="000000"/>
+                </a:solidFill>
+                <a:uFill>
+                  <a:solidFill>
+                    <a:srgbClr val="ffffff"/>
+                  </a:solidFill>
+                </a:uFill>
+                <a:latin typeface="Arial"/>
+              </a:rPr>
+              <a:t>BG $ r 1, r 2 pour montrer que cela va vite</a:t>
+            </a:r>
+            <a:endParaRPr b="0" lang="fr-FR" sz="2000" spc="-1" strike="noStrike">
+              <a:solidFill>
+                <a:srgbClr val="000000"/>
+              </a:solidFill>
+              <a:uFill>
+                <a:solidFill>
+                  <a:srgbClr val="ffffff"/>
+                </a:solidFill>
+              </a:uFill>
+              <a:latin typeface="Arial"/>
+            </a:endParaRPr>
+          </a:p>
+          <a:p>
+            <a:r>
+              <a:rPr b="0" lang="fr-FR" sz="2000" spc="-1" strike="noStrike">
+                <a:solidFill>
+                  <a:srgbClr val="000000"/>
+                </a:solidFill>
+                <a:uFill>
+                  <a:solidFill>
+                    <a:srgbClr val="ffffff"/>
+                  </a:solidFill>
+                </a:uFill>
+                <a:latin typeface="Arial"/>
+              </a:rPr>
+              <a:t>HG $ m 2 hello et en même temps BG $ r 1 attend</a:t>
+            </a:r>
+            <a:endParaRPr b="0" lang="fr-FR" sz="2000" spc="-1" strike="noStrike">
+              <a:solidFill>
+                <a:srgbClr val="000000"/>
+              </a:solidFill>
+              <a:uFill>
+                <a:solidFill>
+                  <a:srgbClr val="ffffff"/>
+                </a:solidFill>
+              </a:uFill>
+              <a:latin typeface="Arial"/>
+            </a:endParaRPr>
+          </a:p>
+          <a:p>
+            <a:r>
+              <a:rPr b="0" lang="fr-FR" sz="2000" spc="-1" strike="noStrike">
+                <a:solidFill>
+                  <a:srgbClr val="000000"/>
+                </a:solidFill>
+                <a:uFill>
+                  <a:solidFill>
+                    <a:srgbClr val="ffffff"/>
+                  </a:solidFill>
+                </a:uFill>
+                <a:latin typeface="Arial"/>
+              </a:rPr>
+              <a:t>HG $ m 2 salut en parallel BG $ p &gt; rapide</a:t>
+            </a:r>
+            <a:endParaRPr b="0" lang="fr-FR" sz="2000" spc="-1" strike="noStrike">
+              <a:solidFill>
+                <a:srgbClr val="000000"/>
+              </a:solidFill>
+              <a:uFill>
+                <a:solidFill>
+                  <a:srgbClr val="ffffff"/>
+                </a:solidFill>
+              </a:uFill>
+              <a:latin typeface="Arial"/>
+            </a:endParaRPr>
+          </a:p>
+          <a:p>
+            <a:r>
+              <a:rPr b="0" lang="fr-FR" sz="2000" spc="-1" strike="noStrike">
+                <a:solidFill>
+                  <a:srgbClr val="000000"/>
+                </a:solidFill>
+                <a:uFill>
+                  <a:solidFill>
+                    <a:srgbClr val="ffffff"/>
+                  </a:solidFill>
+                </a:uFill>
+                <a:latin typeface="Arial"/>
+              </a:rPr>
+              <a:t>HG/BG $ q → ALT F4 </a:t>
+            </a:r>
+            <a:endParaRPr b="0" lang="fr-FR" sz="2000" spc="-1" strike="noStrike">
+              <a:solidFill>
+                <a:srgbClr val="000000"/>
+              </a:solidFill>
+              <a:uFill>
+                <a:solidFill>
+                  <a:srgbClr val="ffffff"/>
+                </a:solidFill>
+              </a:uFill>
+              <a:latin typeface="Arial"/>
+            </a:endParaRPr>
+          </a:p>
+          <a:p>
+            <a:r>
+              <a:rPr b="0" lang="fr-FR" sz="2000" spc="-1" strike="noStrike">
+                <a:solidFill>
+                  <a:srgbClr val="000000"/>
+                </a:solidFill>
+                <a:uFill>
+                  <a:solidFill>
+                    <a:srgbClr val="ffffff"/>
+                  </a:solidFill>
+                </a:uFill>
+                <a:latin typeface="Arial"/>
+              </a:rPr>
+              <a:t>Droite : q et ctrl-c =&gt; revenir à la diapo </a:t>
+            </a:r>
+            <a:endParaRPr b="0" lang="fr-FR" sz="2000" spc="-1" strike="noStrike">
+              <a:solidFill>
+                <a:srgbClr val="000000"/>
+              </a:solidFill>
+              <a:uFill>
+                <a:solidFill>
+                  <a:srgbClr val="ffffff"/>
+                </a:solidFill>
+              </a:uFill>
+              <a:latin typeface="Arial"/>
+            </a:endParaRPr>
+          </a:p>
+          <a:p>
+            <a:endParaRPr b="0" lang="fr-FR" sz="2000" spc="-1" strike="noStrike">
+              <a:solidFill>
+                <a:srgbClr val="000000"/>
+              </a:solidFill>
+              <a:uFill>
+                <a:solidFill>
+                  <a:srgbClr val="ffffff"/>
+                </a:solidFill>
+              </a:uFill>
+              <a:latin typeface="Arial"/>
+            </a:endParaRPr>
+          </a:p>
+          <a:p>
+            <a:r>
+              <a:rPr b="0" lang="fr-FR" sz="2000" spc="-1" strike="noStrike">
+                <a:solidFill>
+                  <a:srgbClr val="000000"/>
+                </a:solidFill>
+                <a:uFill>
+                  <a:solidFill>
+                    <a:srgbClr val="ffffff"/>
+                  </a:solidFill>
+                </a:uFill>
+                <a:latin typeface="Arial"/>
+              </a:rPr>
+              <a:t>Préparer avant :</a:t>
+            </a:r>
+            <a:endParaRPr b="0" lang="fr-FR" sz="2000" spc="-1" strike="noStrike">
+              <a:solidFill>
+                <a:srgbClr val="000000"/>
+              </a:solidFill>
+              <a:uFill>
+                <a:solidFill>
+                  <a:srgbClr val="ffffff"/>
+                </a:solidFill>
+              </a:uFill>
+              <a:latin typeface="Arial"/>
+            </a:endParaRPr>
+          </a:p>
+          <a:p>
+            <a:r>
+              <a:rPr b="0" lang="fr-FR" sz="2000" spc="-1" strike="noStrike">
+                <a:solidFill>
+                  <a:srgbClr val="000000"/>
+                </a:solidFill>
+                <a:uFill>
+                  <a:solidFill>
+                    <a:srgbClr val="ffffff"/>
+                  </a:solidFill>
+                </a:uFill>
+                <a:latin typeface="Arial"/>
+              </a:rPr>
               <a:t>Dans grande console à droite : $ make, $ ./server</a:t>
             </a:r>
             <a:endParaRPr b="0" lang="fr-FR" sz="2000" spc="-1" strike="noStrike">
@@ -666,7 +880,7 @@
                 </a:uFill>
                 <a:latin typeface="Arial"/>
               </a:rPr>
-              <a:t>Dans petite console haut/g : $ ./client</a:t>
+              <a:t>Dans petite console haut/g : $ ./client a test{1..6}-s-p</a:t>
             </a:r>
             <a:endParaRPr b="0" lang="fr-FR" sz="2000" spc="-1" strike="noStrike">
               <a:solidFill>
@@ -708,20 +922,6 @@
             </a:endParaRPr>
           </a:p>
           <a:p>
-            <a:r>
-              <a:rPr b="0" lang="fr-FR" sz="2000" spc="-1" strike="noStrike">
-                <a:solidFill>
-                  <a:srgbClr val="000000"/>
-                </a:solidFill>
-                <a:uFill>
-                  <a:solidFill>
-                    <a:srgbClr val="ffffff"/>
-                  </a:solidFill>
-                </a:uFill>
-                <a:latin typeface="Arial"/>
-              </a:rPr>
-              <a:t>HG $ a test{1..5} puis $ p =&gt; pour afficher et $ s </a:t>
-            </a:r>
             <a:endParaRPr b="0" lang="fr-FR" sz="2000" spc="-1" strike="noStrike">
               <a:solidFill>
                 <a:srgbClr val="000000"/>
@@ -734,112 +934,18 @@
               <a:latin typeface="Arial"/>
             </a:endParaRPr>
           </a:p>
-          <a:p>
-            <a:r>
-              <a:rPr b="0" lang="fr-FR" sz="2000" spc="-1" strike="noStrike">
-                <a:solidFill>
-                  <a:srgbClr val="000000"/>
-                </a:solidFill>
-                <a:uFill>
-                  <a:solidFill>
-                    <a:srgbClr val="ffffff"/>
-                  </a:solidFill>
-                </a:uFill>
-                <a:latin typeface="Arial"/>
-              </a:rPr>
-              <a:t>BG $ r 1, r 2 pour montrer que cela va vite</a:t>
-            </a:r>
-            <a:endParaRPr b="0" lang="fr-FR" sz="2000" spc="-1" strike="noStrike">
-              <a:solidFill>
-                <a:srgbClr val="000000"/>
-              </a:solidFill>
-              <a:uFill>
-                <a:solidFill>
-                  <a:srgbClr val="ffffff"/>
-                </a:solidFill>
-              </a:uFill>
-              <a:latin typeface="Arial"/>
-            </a:endParaRPr>
-          </a:p>
-          <a:p>
-            <a:r>
-              <a:rPr b="0" lang="fr-FR" sz="2000" spc="-1" strike="noStrike">
-                <a:solidFill>
-                  <a:srgbClr val="000000"/>
-                </a:solidFill>
-                <a:uFill>
-                  <a:solidFill>
-                    <a:srgbClr val="ffffff"/>
-                  </a:solidFill>
-                </a:uFill>
-                <a:latin typeface="Arial"/>
-              </a:rPr>
-              <a:t>HG $ m 1 hello et en même temps BG $ r 1 attend</a:t>
-            </a:r>
-            <a:endParaRPr b="0" lang="fr-FR" sz="2000" spc="-1" strike="noStrike">
-              <a:solidFill>
-                <a:srgbClr val="000000"/>
-              </a:solidFill>
-              <a:uFill>
-                <a:solidFill>
-                  <a:srgbClr val="ffffff"/>
-                </a:solidFill>
-              </a:uFill>
-              <a:latin typeface="Arial"/>
-            </a:endParaRPr>
-          </a:p>
-          <a:p>
-            <a:r>
-              <a:rPr b="0" lang="fr-FR" sz="2000" spc="-1" strike="noStrike">
-                <a:solidFill>
-                  <a:srgbClr val="000000"/>
-                </a:solidFill>
-                <a:uFill>
-                  <a:solidFill>
-                    <a:srgbClr val="ffffff"/>
-                  </a:solidFill>
-                </a:uFill>
-                <a:latin typeface="Arial"/>
-              </a:rPr>
-              <a:t>HG $ m 1 salut en parallel BG $ r 2 ou r3 &gt; rapide</a:t>
-            </a:r>
-            <a:endParaRPr b="0" lang="fr-FR" sz="2000" spc="-1" strike="noStrike">
-              <a:solidFill>
-                <a:srgbClr val="000000"/>
-              </a:solidFill>
-              <a:uFill>
-                <a:solidFill>
-                  <a:srgbClr val="ffffff"/>
-                </a:solidFill>
-              </a:uFill>
-              <a:latin typeface="Arial"/>
-            </a:endParaRPr>
-          </a:p>
-          <a:p>
-            <a:endParaRPr b="0" lang="fr-FR" sz="2000" spc="-1" strike="noStrike">
-              <a:solidFill>
-                <a:srgbClr val="000000"/>
-              </a:solidFill>
-              <a:uFill>
-                <a:solidFill>
-                  <a:srgbClr val="ffffff"/>
-                </a:solidFill>
-              </a:uFill>
-              <a:latin typeface="Arial"/>
-            </a:endParaRPr>
-          </a:p>
-        </p:txBody>
-      </p:sp>
-      <p:sp>
-        <p:nvSpPr>
-          <p:cNvPr id="175" name="TextShape 2"/>
-          <p:cNvSpPr txBox="1"/>
+        </p:txBody>
+      </p:sp>
+      <p:sp>
+        <p:nvSpPr>
+          <p:cNvPr id="172" name="CustomShape 2"/>
+          <p:cNvSpPr/>
           <p:nvPr/>
         </p:nvSpPr>
         <p:spPr>
           <a:xfrm>
             <a:off x="4281480" y="10155240"/>
-            <a:ext cx="3276360" cy="536040"/>
+            <a:ext cx="3276000" cy="535680"/>
           </a:xfrm>
           <a:prstGeom prst="rect">
             <a:avLst/>
@@ -849,15 +955,21 @@
             <a:noFill/>
           </a:ln>
         </p:spPr>
-        <p:txBody>
-          <a:bodyPr anchor="b"/>
+        <p:style>
+          <a:lnRef idx="0"/>
+          <a:fillRef idx="0"/>
+          <a:effectRef idx="0"/>
+          <a:fontRef idx="minor"/>
+        </p:style>
+        <p:txBody>
+          <a:bodyPr lIns="90000" rIns="90000" tIns="45000" bIns="45000" anchor="b"/>
           <a:p>
             <a:pPr algn="r">
               <a:lnSpc>
                 <a:spcPct val="100000"/>
               </a:lnSpc>
             </a:pPr>
-            <a:fld id="{B1224E66-2AAE-4792-AD79-C2F11C29F22B}" type="slidenum">
+            <a:fld id="{7F5673E3-47A1-467C-867B-A6CF8D0837A5}" type="slidenum">
               <a:rPr b="0" lang="fr-FR" sz="1200" spc="-1" strike="noStrike">
                 <a:solidFill>
                   <a:srgbClr val="000000"/>
@@ -872,16 +984,16 @@
               </a:rPr>
               <a:t>1</a:t>
             </a:fld>
-            <a:endParaRPr b="0" lang="fr-FR" sz="1400" spc="-1" strike="noStrike">
-              <a:solidFill>
-                <a:srgbClr val="000000"/>
-              </a:solidFill>
-              <a:uFill>
-                <a:solidFill>
-                  <a:srgbClr val="ffffff"/>
-                </a:solidFill>
-              </a:uFill>
-              <a:latin typeface="Times New Roman"/>
+            <a:endParaRPr b="0" lang="fr-FR" sz="1800" spc="-1" strike="noStrike">
+              <a:solidFill>
+                <a:srgbClr val="000000"/>
+              </a:solidFill>
+              <a:uFill>
+                <a:solidFill>
+                  <a:srgbClr val="ffffff"/>
+                </a:solidFill>
+              </a:uFill>
+              <a:latin typeface="Arial"/>
             </a:endParaRPr>
           </a:p>
         </p:txBody>
@@ -910,7 +1022,7 @@
       </p:grpSpPr>
       <p:sp>
         <p:nvSpPr>
-          <p:cNvPr id="176" name="PlaceHolder 1"/>
+          <p:cNvPr id="173" name="PlaceHolder 1"/>
           <p:cNvSpPr>
             <a:spLocks noGrp="1"/>
           </p:cNvSpPr>
@@ -920,15 +1032,15 @@
         </p:nvSpPr>
         <p:spPr>
           <a:xfrm>
-            <a:off x="755640" y="5145120"/>
-            <a:ext cx="6048000" cy="4209840"/>
-          </a:xfrm>
-          <a:prstGeom prst="rect">
-            <a:avLst/>
-          </a:prstGeom>
-        </p:spPr>
-        <p:txBody>
-          <a:bodyPr/>
+            <a:off x="755640" y="5078520"/>
+            <a:ext cx="6047280" cy="4810680"/>
+          </a:xfrm>
+          <a:prstGeom prst="rect">
+            <a:avLst/>
+          </a:prstGeom>
+        </p:spPr>
+        <p:txBody>
+          <a:bodyPr lIns="0" rIns="0" tIns="0" bIns="0"/>
           <a:p>
             <a:r>
               <a:rPr b="0" lang="fr-FR" sz="2000" spc="-1" strike="noStrike">
@@ -960,14 +1072,14 @@
       </p:sp>
       <p:sp>
         <p:nvSpPr>
-          <p:cNvPr id="177" name="TextShape 2"/>
-          <p:cNvSpPr txBox="1"/>
+          <p:cNvPr id="174" name="CustomShape 2"/>
+          <p:cNvSpPr/>
           <p:nvPr/>
         </p:nvSpPr>
         <p:spPr>
           <a:xfrm>
             <a:off x="4281480" y="10155240"/>
-            <a:ext cx="3276360" cy="536040"/>
+            <a:ext cx="3276000" cy="535680"/>
           </a:xfrm>
           <a:prstGeom prst="rect">
             <a:avLst/>
@@ -977,15 +1089,21 @@
             <a:noFill/>
           </a:ln>
         </p:spPr>
-        <p:txBody>
-          <a:bodyPr anchor="b"/>
+        <p:style>
+          <a:lnRef idx="0"/>
+          <a:fillRef idx="0"/>
+          <a:effectRef idx="0"/>
+          <a:fontRef idx="minor"/>
+        </p:style>
+        <p:txBody>
+          <a:bodyPr lIns="90000" rIns="90000" tIns="45000" bIns="45000" anchor="b"/>
           <a:p>
             <a:pPr algn="r">
               <a:lnSpc>
                 <a:spcPct val="100000"/>
               </a:lnSpc>
             </a:pPr>
-            <a:fld id="{CE953870-CDA3-49F6-84CA-11A08C3B22C7}" type="slidenum">
+            <a:fld id="{274C73C2-153F-4333-A3B4-E82CEA70E547}" type="slidenum">
               <a:rPr b="0" lang="fr-FR" sz="1200" spc="-1" strike="noStrike">
                 <a:solidFill>
                   <a:srgbClr val="000000"/>
@@ -1000,16 +1118,16 @@
               </a:rPr>
               <a:t>1</a:t>
             </a:fld>
-            <a:endParaRPr b="0" lang="fr-FR" sz="1400" spc="-1" strike="noStrike">
-              <a:solidFill>
-                <a:srgbClr val="000000"/>
-              </a:solidFill>
-              <a:uFill>
-                <a:solidFill>
-                  <a:srgbClr val="ffffff"/>
-                </a:solidFill>
-              </a:uFill>
-              <a:latin typeface="Times New Roman"/>
+            <a:endParaRPr b="0" lang="fr-FR" sz="1800" spc="-1" strike="noStrike">
+              <a:solidFill>
+                <a:srgbClr val="000000"/>
+              </a:solidFill>
+              <a:uFill>
+                <a:solidFill>
+                  <a:srgbClr val="ffffff"/>
+                </a:solidFill>
+              </a:uFill>
+              <a:latin typeface="Arial"/>
             </a:endParaRPr>
           </a:p>
         </p:txBody>
@@ -1038,7 +1156,7 @@
       </p:grpSpPr>
       <p:sp>
         <p:nvSpPr>
-          <p:cNvPr id="178" name="PlaceHolder 1"/>
+          <p:cNvPr id="175" name="PlaceHolder 1"/>
           <p:cNvSpPr>
             <a:spLocks noGrp="1"/>
           </p:cNvSpPr>
@@ -1048,15 +1166,15 @@
         </p:nvSpPr>
         <p:spPr>
           <a:xfrm>
-            <a:off x="755640" y="5145120"/>
-            <a:ext cx="6048000" cy="4209840"/>
-          </a:xfrm>
-          <a:prstGeom prst="rect">
-            <a:avLst/>
-          </a:prstGeom>
-        </p:spPr>
-        <p:txBody>
-          <a:bodyPr/>
+            <a:off x="755640" y="5078520"/>
+            <a:ext cx="6047280" cy="4810680"/>
+          </a:xfrm>
+          <a:prstGeom prst="rect">
+            <a:avLst/>
+          </a:prstGeom>
+        </p:spPr>
+        <p:txBody>
+          <a:bodyPr lIns="0" rIns="0" tIns="0" bIns="0"/>
           <a:p>
             <a:r>
               <a:rPr b="0" lang="fr-FR" sz="2000" spc="-1" strike="noStrike">
@@ -1112,7 +1230,7 @@
             </a:endParaRPr>
           </a:p>
           <a:p>
-            <a:pPr>
+            <a:pPr marL="216000" indent="-216000">
               <a:lnSpc>
                 <a:spcPct val="100000"/>
               </a:lnSpc>
@@ -1205,7 +1323,7 @@
             </a:endParaRPr>
           </a:p>
           <a:p>
-            <a:pPr>
+            <a:pPr marL="216000" indent="-216000">
               <a:lnSpc>
                 <a:spcPct val="100000"/>
               </a:lnSpc>
@@ -1226,14 +1344,14 @@
       </p:sp>
       <p:sp>
         <p:nvSpPr>
-          <p:cNvPr id="179" name="TextShape 2"/>
-          <p:cNvSpPr txBox="1"/>
+          <p:cNvPr id="176" name="CustomShape 2"/>
+          <p:cNvSpPr/>
           <p:nvPr/>
         </p:nvSpPr>
         <p:spPr>
           <a:xfrm>
             <a:off x="4281480" y="10155240"/>
-            <a:ext cx="3276360" cy="536040"/>
+            <a:ext cx="3276000" cy="535680"/>
           </a:xfrm>
           <a:prstGeom prst="rect">
             <a:avLst/>
@@ -1243,15 +1361,21 @@
             <a:noFill/>
           </a:ln>
         </p:spPr>
-        <p:txBody>
-          <a:bodyPr anchor="b"/>
+        <p:style>
+          <a:lnRef idx="0"/>
+          <a:fillRef idx="0"/>
+          <a:effectRef idx="0"/>
+          <a:fontRef idx="minor"/>
+        </p:style>
+        <p:txBody>
+          <a:bodyPr lIns="90000" rIns="90000" tIns="45000" bIns="45000" anchor="b"/>
           <a:p>
             <a:pPr algn="r">
               <a:lnSpc>
                 <a:spcPct val="100000"/>
               </a:lnSpc>
             </a:pPr>
-            <a:fld id="{9985861B-F415-4E4C-9A40-66B8B7C89D24}" type="slidenum">
+            <a:fld id="{38F19233-2DCA-498B-BDA9-DB3F7E6E3165}" type="slidenum">
               <a:rPr b="0" lang="fr-FR" sz="1200" spc="-1" strike="noStrike">
                 <a:solidFill>
                   <a:srgbClr val="000000"/>
@@ -1264,18 +1388,18 @@
                 <a:latin typeface="+mn-lt"/>
                 <a:ea typeface="+mn-ea"/>
               </a:rPr>
-              <a:t>1</a:t>
+              <a:t>&lt;numéro&gt;</a:t>
             </a:fld>
-            <a:endParaRPr b="0" lang="fr-FR" sz="1400" spc="-1" strike="noStrike">
-              <a:solidFill>
-                <a:srgbClr val="000000"/>
-              </a:solidFill>
-              <a:uFill>
-                <a:solidFill>
-                  <a:srgbClr val="ffffff"/>
-                </a:solidFill>
-              </a:uFill>
-              <a:latin typeface="Times New Roman"/>
+            <a:endParaRPr b="0" lang="fr-FR" sz="1800" spc="-1" strike="noStrike">
+              <a:solidFill>
+                <a:srgbClr val="000000"/>
+              </a:solidFill>
+              <a:uFill>
+                <a:solidFill>
+                  <a:srgbClr val="ffffff"/>
+                </a:solidFill>
+              </a:uFill>
+              <a:latin typeface="Arial"/>
             </a:endParaRPr>
           </a:p>
         </p:txBody>
@@ -1304,7 +1428,7 @@
       </p:grpSpPr>
       <p:sp>
         <p:nvSpPr>
-          <p:cNvPr id="156" name="PlaceHolder 1"/>
+          <p:cNvPr id="153" name="PlaceHolder 1"/>
           <p:cNvSpPr>
             <a:spLocks noGrp="1"/>
           </p:cNvSpPr>
@@ -1314,15 +1438,15 @@
         </p:nvSpPr>
         <p:spPr>
           <a:xfrm>
-            <a:off x="755640" y="5145120"/>
-            <a:ext cx="6048000" cy="4209840"/>
-          </a:xfrm>
-          <a:prstGeom prst="rect">
-            <a:avLst/>
-          </a:prstGeom>
-        </p:spPr>
-        <p:txBody>
-          <a:bodyPr/>
+            <a:off x="755640" y="5078520"/>
+            <a:ext cx="6047280" cy="4810680"/>
+          </a:xfrm>
+          <a:prstGeom prst="rect">
+            <a:avLst/>
+          </a:prstGeom>
+        </p:spPr>
+        <p:txBody>
+          <a:bodyPr lIns="0" rIns="0" tIns="0" bIns="0"/>
           <a:p>
             <a:r>
               <a:rPr b="0" lang="fr-FR" sz="2000" spc="-1" strike="noStrike">
@@ -1354,14 +1478,14 @@
       </p:sp>
       <p:sp>
         <p:nvSpPr>
-          <p:cNvPr id="157" name="TextShape 2"/>
-          <p:cNvSpPr txBox="1"/>
+          <p:cNvPr id="154" name="CustomShape 2"/>
+          <p:cNvSpPr/>
           <p:nvPr/>
         </p:nvSpPr>
         <p:spPr>
           <a:xfrm>
             <a:off x="4281480" y="10155240"/>
-            <a:ext cx="3276360" cy="536040"/>
+            <a:ext cx="3276000" cy="535680"/>
           </a:xfrm>
           <a:prstGeom prst="rect">
             <a:avLst/>
@@ -1371,15 +1495,21 @@
             <a:noFill/>
           </a:ln>
         </p:spPr>
-        <p:txBody>
-          <a:bodyPr anchor="b"/>
+        <p:style>
+          <a:lnRef idx="0"/>
+          <a:fillRef idx="0"/>
+          <a:effectRef idx="0"/>
+          <a:fontRef idx="minor"/>
+        </p:style>
+        <p:txBody>
+          <a:bodyPr lIns="90000" rIns="90000" tIns="45000" bIns="45000" anchor="b"/>
           <a:p>
             <a:pPr algn="r">
               <a:lnSpc>
                 <a:spcPct val="100000"/>
               </a:lnSpc>
             </a:pPr>
-            <a:fld id="{D238AEB8-C8EB-415A-9BBD-BB1DAF5B1B6F}" type="slidenum">
+            <a:fld id="{630EE4AC-EA1E-468F-A6FE-9ADB31635B03}" type="slidenum">
               <a:rPr b="0" lang="fr-FR" sz="1200" spc="-1" strike="noStrike">
                 <a:solidFill>
                   <a:srgbClr val="000000"/>
@@ -1394,16 +1524,16 @@
               </a:rPr>
               <a:t>1</a:t>
             </a:fld>
-            <a:endParaRPr b="0" lang="fr-FR" sz="1400" spc="-1" strike="noStrike">
-              <a:solidFill>
-                <a:srgbClr val="000000"/>
-              </a:solidFill>
-              <a:uFill>
-                <a:solidFill>
-                  <a:srgbClr val="ffffff"/>
-                </a:solidFill>
-              </a:uFill>
-              <a:latin typeface="Times New Roman"/>
+            <a:endParaRPr b="0" lang="fr-FR" sz="1800" spc="-1" strike="noStrike">
+              <a:solidFill>
+                <a:srgbClr val="000000"/>
+              </a:solidFill>
+              <a:uFill>
+                <a:solidFill>
+                  <a:srgbClr val="ffffff"/>
+                </a:solidFill>
+              </a:uFill>
+              <a:latin typeface="Arial"/>
             </a:endParaRPr>
           </a:p>
         </p:txBody>
@@ -1432,7 +1562,7 @@
       </p:grpSpPr>
       <p:sp>
         <p:nvSpPr>
-          <p:cNvPr id="158" name="PlaceHolder 1"/>
+          <p:cNvPr id="155" name="PlaceHolder 1"/>
           <p:cNvSpPr>
             <a:spLocks noGrp="1"/>
           </p:cNvSpPr>
@@ -1442,15 +1572,15 @@
         </p:nvSpPr>
         <p:spPr>
           <a:xfrm>
-            <a:off x="755640" y="5145120"/>
-            <a:ext cx="6048000" cy="4209840"/>
-          </a:xfrm>
-          <a:prstGeom prst="rect">
-            <a:avLst/>
-          </a:prstGeom>
-        </p:spPr>
-        <p:txBody>
-          <a:bodyPr/>
+            <a:off x="755640" y="5078520"/>
+            <a:ext cx="6047280" cy="4810680"/>
+          </a:xfrm>
+          <a:prstGeom prst="rect">
+            <a:avLst/>
+          </a:prstGeom>
+        </p:spPr>
+        <p:txBody>
+          <a:bodyPr lIns="0" rIns="0" tIns="0" bIns="0"/>
           <a:p>
             <a:r>
               <a:rPr b="0" lang="fr-FR" sz="2000" spc="-1" strike="noStrike">
@@ -1482,14 +1612,14 @@
       </p:sp>
       <p:sp>
         <p:nvSpPr>
-          <p:cNvPr id="159" name="TextShape 2"/>
-          <p:cNvSpPr txBox="1"/>
+          <p:cNvPr id="156" name="CustomShape 2"/>
+          <p:cNvSpPr/>
           <p:nvPr/>
         </p:nvSpPr>
         <p:spPr>
           <a:xfrm>
             <a:off x="4281480" y="10155240"/>
-            <a:ext cx="3276360" cy="536040"/>
+            <a:ext cx="3276000" cy="535680"/>
           </a:xfrm>
           <a:prstGeom prst="rect">
             <a:avLst/>
@@ -1499,15 +1629,21 @@
             <a:noFill/>
           </a:ln>
         </p:spPr>
-        <p:txBody>
-          <a:bodyPr anchor="b"/>
+        <p:style>
+          <a:lnRef idx="0"/>
+          <a:fillRef idx="0"/>
+          <a:effectRef idx="0"/>
+          <a:fontRef idx="minor"/>
+        </p:style>
+        <p:txBody>
+          <a:bodyPr lIns="90000" rIns="90000" tIns="45000" bIns="45000" anchor="b"/>
           <a:p>
             <a:pPr algn="r">
               <a:lnSpc>
                 <a:spcPct val="100000"/>
               </a:lnSpc>
             </a:pPr>
-            <a:fld id="{59F63CEB-CE8F-4304-9CD3-24AF87A63A52}" type="slidenum">
+            <a:fld id="{1B5B64CA-B2FC-4611-8C93-503FAD2F8B95}" type="slidenum">
               <a:rPr b="0" lang="fr-FR" sz="1200" spc="-1" strike="noStrike">
                 <a:solidFill>
                   <a:srgbClr val="000000"/>
@@ -1522,16 +1658,16 @@
               </a:rPr>
               <a:t>1</a:t>
             </a:fld>
-            <a:endParaRPr b="0" lang="fr-FR" sz="1400" spc="-1" strike="noStrike">
-              <a:solidFill>
-                <a:srgbClr val="000000"/>
-              </a:solidFill>
-              <a:uFill>
-                <a:solidFill>
-                  <a:srgbClr val="ffffff"/>
-                </a:solidFill>
-              </a:uFill>
-              <a:latin typeface="Times New Roman"/>
+            <a:endParaRPr b="0" lang="fr-FR" sz="1800" spc="-1" strike="noStrike">
+              <a:solidFill>
+                <a:srgbClr val="000000"/>
+              </a:solidFill>
+              <a:uFill>
+                <a:solidFill>
+                  <a:srgbClr val="ffffff"/>
+                </a:solidFill>
+              </a:uFill>
+              <a:latin typeface="Arial"/>
             </a:endParaRPr>
           </a:p>
         </p:txBody>
@@ -1560,7 +1696,7 @@
       </p:grpSpPr>
       <p:sp>
         <p:nvSpPr>
-          <p:cNvPr id="160" name="PlaceHolder 1"/>
+          <p:cNvPr id="157" name="PlaceHolder 1"/>
           <p:cNvSpPr>
             <a:spLocks noGrp="1"/>
           </p:cNvSpPr>
@@ -1570,15 +1706,15 @@
         </p:nvSpPr>
         <p:spPr>
           <a:xfrm>
-            <a:off x="755640" y="5145120"/>
-            <a:ext cx="6048000" cy="4209840"/>
-          </a:xfrm>
-          <a:prstGeom prst="rect">
-            <a:avLst/>
-          </a:prstGeom>
-        </p:spPr>
-        <p:txBody>
-          <a:bodyPr/>
+            <a:off x="755640" y="5078520"/>
+            <a:ext cx="6047280" cy="4810680"/>
+          </a:xfrm>
+          <a:prstGeom prst="rect">
+            <a:avLst/>
+          </a:prstGeom>
+        </p:spPr>
+        <p:txBody>
+          <a:bodyPr lIns="0" rIns="0" tIns="0" bIns="0"/>
           <a:p>
             <a:r>
               <a:rPr b="0" lang="fr-FR" sz="2000" spc="-1" strike="noStrike">
@@ -1607,7 +1743,7 @@
             </a:endParaRPr>
           </a:p>
           <a:p>
-            <a:pPr marL="228600" indent="-227520">
+            <a:pPr marL="228600" indent="-227160">
               <a:lnSpc>
                 <a:spcPct val="90000"/>
               </a:lnSpc>
@@ -1645,7 +1781,7 @@
             </a:endParaRPr>
           </a:p>
           <a:p>
-            <a:pPr marL="228600" indent="-227520">
+            <a:pPr marL="228600" indent="-227160">
               <a:lnSpc>
                 <a:spcPct val="90000"/>
               </a:lnSpc>
@@ -1683,7 +1819,7 @@
             </a:endParaRPr>
           </a:p>
           <a:p>
-            <a:pPr marL="228600" indent="-227520">
+            <a:pPr marL="228600" indent="-227160">
               <a:lnSpc>
                 <a:spcPct val="90000"/>
               </a:lnSpc>
@@ -1721,7 +1857,7 @@
             </a:endParaRPr>
           </a:p>
           <a:p>
-            <a:pPr marL="228600" indent="-227520">
+            <a:pPr marL="228600" indent="-227160">
               <a:lnSpc>
                 <a:spcPct val="90000"/>
               </a:lnSpc>
@@ -1798,14 +1934,14 @@
       </p:sp>
       <p:sp>
         <p:nvSpPr>
-          <p:cNvPr id="161" name="TextShape 2"/>
-          <p:cNvSpPr txBox="1"/>
+          <p:cNvPr id="158" name="CustomShape 2"/>
+          <p:cNvSpPr/>
           <p:nvPr/>
         </p:nvSpPr>
         <p:spPr>
           <a:xfrm>
             <a:off x="4281480" y="10155240"/>
-            <a:ext cx="3276360" cy="536040"/>
+            <a:ext cx="3276000" cy="535680"/>
           </a:xfrm>
           <a:prstGeom prst="rect">
             <a:avLst/>
@@ -1815,15 +1951,21 @@
             <a:noFill/>
           </a:ln>
         </p:spPr>
-        <p:txBody>
-          <a:bodyPr anchor="b"/>
+        <p:style>
+          <a:lnRef idx="0"/>
+          <a:fillRef idx="0"/>
+          <a:effectRef idx="0"/>
+          <a:fontRef idx="minor"/>
+        </p:style>
+        <p:txBody>
+          <a:bodyPr lIns="90000" rIns="90000" tIns="45000" bIns="45000" anchor="b"/>
           <a:p>
             <a:pPr algn="r">
               <a:lnSpc>
                 <a:spcPct val="100000"/>
               </a:lnSpc>
             </a:pPr>
-            <a:fld id="{1FA4D4E4-EA78-4E98-BBA6-5E4DFC6412F7}" type="slidenum">
+            <a:fld id="{025DA356-7F58-4D4E-AB8B-09CCDE5B9EBB}" type="slidenum">
               <a:rPr b="0" lang="fr-FR" sz="1200" spc="-1" strike="noStrike">
                 <a:solidFill>
                   <a:srgbClr val="000000"/>
@@ -1838,16 +1980,16 @@
               </a:rPr>
               <a:t>1</a:t>
             </a:fld>
-            <a:endParaRPr b="0" lang="fr-FR" sz="1400" spc="-1" strike="noStrike">
-              <a:solidFill>
-                <a:srgbClr val="000000"/>
-              </a:solidFill>
-              <a:uFill>
-                <a:solidFill>
-                  <a:srgbClr val="ffffff"/>
-                </a:solidFill>
-              </a:uFill>
-              <a:latin typeface="Times New Roman"/>
+            <a:endParaRPr b="0" lang="fr-FR" sz="1800" spc="-1" strike="noStrike">
+              <a:solidFill>
+                <a:srgbClr val="000000"/>
+              </a:solidFill>
+              <a:uFill>
+                <a:solidFill>
+                  <a:srgbClr val="ffffff"/>
+                </a:solidFill>
+              </a:uFill>
+              <a:latin typeface="Arial"/>
             </a:endParaRPr>
           </a:p>
         </p:txBody>
@@ -1876,7 +2018,7 @@
       </p:grpSpPr>
       <p:sp>
         <p:nvSpPr>
-          <p:cNvPr id="162" name="PlaceHolder 1"/>
+          <p:cNvPr id="159" name="PlaceHolder 1"/>
           <p:cNvSpPr>
             <a:spLocks noGrp="1"/>
           </p:cNvSpPr>
@@ -1886,15 +2028,15 @@
         </p:nvSpPr>
         <p:spPr>
           <a:xfrm>
-            <a:off x="755640" y="5145120"/>
-            <a:ext cx="6048000" cy="4209840"/>
-          </a:xfrm>
-          <a:prstGeom prst="rect">
-            <a:avLst/>
-          </a:prstGeom>
-        </p:spPr>
-        <p:txBody>
-          <a:bodyPr/>
+            <a:off x="755640" y="5078520"/>
+            <a:ext cx="6047280" cy="4810680"/>
+          </a:xfrm>
+          <a:prstGeom prst="rect">
+            <a:avLst/>
+          </a:prstGeom>
+        </p:spPr>
+        <p:txBody>
+          <a:bodyPr lIns="0" rIns="0" tIns="0" bIns="0"/>
           <a:p>
             <a:r>
               <a:rPr b="0" lang="fr-FR" sz="2000" spc="-1" strike="noStrike">
@@ -1926,14 +2068,14 @@
       </p:sp>
       <p:sp>
         <p:nvSpPr>
-          <p:cNvPr id="163" name="TextShape 2"/>
-          <p:cNvSpPr txBox="1"/>
+          <p:cNvPr id="160" name="CustomShape 2"/>
+          <p:cNvSpPr/>
           <p:nvPr/>
         </p:nvSpPr>
         <p:spPr>
           <a:xfrm>
             <a:off x="4281480" y="10155240"/>
-            <a:ext cx="3276360" cy="536040"/>
+            <a:ext cx="3276000" cy="535680"/>
           </a:xfrm>
           <a:prstGeom prst="rect">
             <a:avLst/>
@@ -1943,15 +2085,21 @@
             <a:noFill/>
           </a:ln>
         </p:spPr>
-        <p:txBody>
-          <a:bodyPr anchor="b"/>
+        <p:style>
+          <a:lnRef idx="0"/>
+          <a:fillRef idx="0"/>
+          <a:effectRef idx="0"/>
+          <a:fontRef idx="minor"/>
+        </p:style>
+        <p:txBody>
+          <a:bodyPr lIns="90000" rIns="90000" tIns="45000" bIns="45000" anchor="b"/>
           <a:p>
             <a:pPr algn="r">
               <a:lnSpc>
                 <a:spcPct val="100000"/>
               </a:lnSpc>
             </a:pPr>
-            <a:fld id="{BFDD8A75-494D-4800-BF2B-D00E93490D51}" type="slidenum">
+            <a:fld id="{10A892AB-E53E-47DA-93DF-D237B3526CDC}" type="slidenum">
               <a:rPr b="0" lang="fr-FR" sz="1200" spc="-1" strike="noStrike">
                 <a:solidFill>
                   <a:srgbClr val="000000"/>
@@ -1966,16 +2114,16 @@
               </a:rPr>
               <a:t>1</a:t>
             </a:fld>
-            <a:endParaRPr b="0" lang="fr-FR" sz="1400" spc="-1" strike="noStrike">
-              <a:solidFill>
-                <a:srgbClr val="000000"/>
-              </a:solidFill>
-              <a:uFill>
-                <a:solidFill>
-                  <a:srgbClr val="ffffff"/>
-                </a:solidFill>
-              </a:uFill>
-              <a:latin typeface="Times New Roman"/>
+            <a:endParaRPr b="0" lang="fr-FR" sz="1800" spc="-1" strike="noStrike">
+              <a:solidFill>
+                <a:srgbClr val="000000"/>
+              </a:solidFill>
+              <a:uFill>
+                <a:solidFill>
+                  <a:srgbClr val="ffffff"/>
+                </a:solidFill>
+              </a:uFill>
+              <a:latin typeface="Arial"/>
             </a:endParaRPr>
           </a:p>
         </p:txBody>
@@ -2004,7 +2152,7 @@
       </p:grpSpPr>
       <p:sp>
         <p:nvSpPr>
-          <p:cNvPr id="164" name="PlaceHolder 1"/>
+          <p:cNvPr id="161" name="PlaceHolder 1"/>
           <p:cNvSpPr>
             <a:spLocks noGrp="1"/>
           </p:cNvSpPr>
@@ -2014,15 +2162,15 @@
         </p:nvSpPr>
         <p:spPr>
           <a:xfrm>
-            <a:off x="755640" y="5145120"/>
-            <a:ext cx="6048000" cy="4209840"/>
-          </a:xfrm>
-          <a:prstGeom prst="rect">
-            <a:avLst/>
-          </a:prstGeom>
-        </p:spPr>
-        <p:txBody>
-          <a:bodyPr/>
+            <a:off x="755640" y="5078520"/>
+            <a:ext cx="6047280" cy="4810680"/>
+          </a:xfrm>
+          <a:prstGeom prst="rect">
+            <a:avLst/>
+          </a:prstGeom>
+        </p:spPr>
+        <p:txBody>
+          <a:bodyPr lIns="0" rIns="0" tIns="0" bIns="0"/>
           <a:p>
             <a:r>
               <a:rPr b="0" lang="fr-FR" sz="2000" spc="-1" strike="noStrike">
@@ -2054,14 +2202,14 @@
       </p:sp>
       <p:sp>
         <p:nvSpPr>
-          <p:cNvPr id="165" name="TextShape 2"/>
-          <p:cNvSpPr txBox="1"/>
+          <p:cNvPr id="162" name="CustomShape 2"/>
+          <p:cNvSpPr/>
           <p:nvPr/>
         </p:nvSpPr>
         <p:spPr>
           <a:xfrm>
             <a:off x="4281480" y="10155240"/>
-            <a:ext cx="3276360" cy="536040"/>
+            <a:ext cx="3276000" cy="535680"/>
           </a:xfrm>
           <a:prstGeom prst="rect">
             <a:avLst/>
@@ -2071,15 +2219,21 @@
             <a:noFill/>
           </a:ln>
         </p:spPr>
-        <p:txBody>
-          <a:bodyPr anchor="b"/>
+        <p:style>
+          <a:lnRef idx="0"/>
+          <a:fillRef idx="0"/>
+          <a:effectRef idx="0"/>
+          <a:fontRef idx="minor"/>
+        </p:style>
+        <p:txBody>
+          <a:bodyPr lIns="90000" rIns="90000" tIns="45000" bIns="45000" anchor="b"/>
           <a:p>
             <a:pPr algn="r">
               <a:lnSpc>
                 <a:spcPct val="100000"/>
               </a:lnSpc>
             </a:pPr>
-            <a:fld id="{EA3A8099-7F7D-43CA-90D3-9F6F49715718}" type="slidenum">
+            <a:fld id="{F6649F8A-F3E5-4A72-8217-F2D3409BFA82}" type="slidenum">
               <a:rPr b="0" lang="fr-FR" sz="1200" spc="-1" strike="noStrike">
                 <a:solidFill>
                   <a:srgbClr val="000000"/>
@@ -2094,16 +2248,16 @@
               </a:rPr>
               <a:t>1</a:t>
             </a:fld>
-            <a:endParaRPr b="0" lang="fr-FR" sz="1400" spc="-1" strike="noStrike">
-              <a:solidFill>
-                <a:srgbClr val="000000"/>
-              </a:solidFill>
-              <a:uFill>
-                <a:solidFill>
-                  <a:srgbClr val="ffffff"/>
-                </a:solidFill>
-              </a:uFill>
-              <a:latin typeface="Times New Roman"/>
+            <a:endParaRPr b="0" lang="fr-FR" sz="1800" spc="-1" strike="noStrike">
+              <a:solidFill>
+                <a:srgbClr val="000000"/>
+              </a:solidFill>
+              <a:uFill>
+                <a:solidFill>
+                  <a:srgbClr val="ffffff"/>
+                </a:solidFill>
+              </a:uFill>
+              <a:latin typeface="Arial"/>
             </a:endParaRPr>
           </a:p>
         </p:txBody>
@@ -2132,7 +2286,7 @@
       </p:grpSpPr>
       <p:sp>
         <p:nvSpPr>
-          <p:cNvPr id="166" name="PlaceHolder 1"/>
+          <p:cNvPr id="163" name="PlaceHolder 1"/>
           <p:cNvSpPr>
             <a:spLocks noGrp="1"/>
           </p:cNvSpPr>
@@ -2142,15 +2296,15 @@
         </p:nvSpPr>
         <p:spPr>
           <a:xfrm>
-            <a:off x="755640" y="5145120"/>
-            <a:ext cx="6048000" cy="4209840"/>
-          </a:xfrm>
-          <a:prstGeom prst="rect">
-            <a:avLst/>
-          </a:prstGeom>
-        </p:spPr>
-        <p:txBody>
-          <a:bodyPr/>
+            <a:off x="755640" y="5078520"/>
+            <a:ext cx="6047280" cy="4810680"/>
+          </a:xfrm>
+          <a:prstGeom prst="rect">
+            <a:avLst/>
+          </a:prstGeom>
+        </p:spPr>
+        <p:txBody>
+          <a:bodyPr lIns="0" rIns="0" tIns="0" bIns="0"/>
           <a:p>
             <a:r>
               <a:rPr b="0" lang="fr-FR" sz="2000" spc="-1" strike="noStrike">
@@ -2178,18 +2332,220 @@
               <a:latin typeface="Arial"/>
             </a:endParaRPr>
           </a:p>
-        </p:txBody>
-      </p:sp>
-      <p:sp>
-        <p:nvSpPr>
-          <p:cNvPr id="167" name="TextShape 2"/>
-          <p:cNvSpPr txBox="1"/>
+          <a:p>
+            <a:endParaRPr b="0" lang="fr-FR" sz="2000" spc="-1" strike="noStrike">
+              <a:solidFill>
+                <a:srgbClr val="000000"/>
+              </a:solidFill>
+              <a:uFill>
+                <a:solidFill>
+                  <a:srgbClr val="ffffff"/>
+                </a:solidFill>
+              </a:uFill>
+              <a:latin typeface="Arial"/>
+            </a:endParaRPr>
+          </a:p>
+          <a:p>
+            <a:r>
+              <a:rPr b="0" lang="fr-FR" sz="2000" spc="-1" strike="noStrike">
+                <a:solidFill>
+                  <a:srgbClr val="000000"/>
+                </a:solidFill>
+                <a:uFill>
+                  <a:solidFill>
+                    <a:srgbClr val="ffffff"/>
+                  </a:solidFill>
+                </a:uFill>
+                <a:latin typeface="Arial"/>
+              </a:rPr>
+              <a:t>Socket() =&gt; créé un point de communication </a:t>
+            </a:r>
+            <a:endParaRPr b="0" lang="fr-FR" sz="2000" spc="-1" strike="noStrike">
+              <a:solidFill>
+                <a:srgbClr val="000000"/>
+              </a:solidFill>
+              <a:uFill>
+                <a:solidFill>
+                  <a:srgbClr val="ffffff"/>
+                </a:solidFill>
+              </a:uFill>
+              <a:latin typeface="Arial"/>
+            </a:endParaRPr>
+          </a:p>
+          <a:p>
+            <a:r>
+              <a:rPr b="0" lang="fr-FR" sz="2000" spc="-1" strike="noStrike">
+                <a:solidFill>
+                  <a:srgbClr val="000000"/>
+                </a:solidFill>
+                <a:uFill>
+                  <a:solidFill>
+                    <a:srgbClr val="ffffff"/>
+                  </a:solidFill>
+                </a:uFill>
+                <a:latin typeface="Arial"/>
+              </a:rPr>
+              <a:t>Bind() affecter un nom au socket créé</a:t>
+            </a:r>
+            <a:endParaRPr b="0" lang="fr-FR" sz="2000" spc="-1" strike="noStrike">
+              <a:solidFill>
+                <a:srgbClr val="000000"/>
+              </a:solidFill>
+              <a:uFill>
+                <a:solidFill>
+                  <a:srgbClr val="ffffff"/>
+                </a:solidFill>
+              </a:uFill>
+              <a:latin typeface="Arial"/>
+            </a:endParaRPr>
+          </a:p>
+          <a:p>
+            <a:r>
+              <a:rPr b="0" lang="fr-FR" sz="2000" spc="-1" strike="noStrike">
+                <a:solidFill>
+                  <a:srgbClr val="000000"/>
+                </a:solidFill>
+                <a:uFill>
+                  <a:solidFill>
+                    <a:srgbClr val="ffffff"/>
+                  </a:solidFill>
+                </a:uFill>
+                <a:latin typeface="Arial"/>
+              </a:rPr>
+              <a:t>Listen() =&gt; mets le socket créé en mode d’attente qui devra attendre des connections via :</a:t>
+            </a:r>
+            <a:endParaRPr b="0" lang="fr-FR" sz="2000" spc="-1" strike="noStrike">
+              <a:solidFill>
+                <a:srgbClr val="000000"/>
+              </a:solidFill>
+              <a:uFill>
+                <a:solidFill>
+                  <a:srgbClr val="ffffff"/>
+                </a:solidFill>
+              </a:uFill>
+              <a:latin typeface="Arial"/>
+            </a:endParaRPr>
+          </a:p>
+          <a:p>
+            <a:r>
+              <a:rPr b="0" lang="fr-FR" sz="2000" spc="-1" strike="noStrike">
+                <a:solidFill>
+                  <a:srgbClr val="000000"/>
+                </a:solidFill>
+                <a:uFill>
+                  <a:solidFill>
+                    <a:srgbClr val="ffffff"/>
+                  </a:solidFill>
+                </a:uFill>
+                <a:latin typeface="Arial"/>
+              </a:rPr>
+              <a:t>Accept() =&gt; extrait la première connection arrivée sur le socket désigné.</a:t>
+            </a:r>
+            <a:endParaRPr b="0" lang="fr-FR" sz="2000" spc="-1" strike="noStrike">
+              <a:solidFill>
+                <a:srgbClr val="000000"/>
+              </a:solidFill>
+              <a:uFill>
+                <a:solidFill>
+                  <a:srgbClr val="ffffff"/>
+                </a:solidFill>
+              </a:uFill>
+              <a:latin typeface="Arial"/>
+            </a:endParaRPr>
+          </a:p>
+          <a:p>
+            <a:r>
+              <a:rPr b="0" lang="fr-FR" sz="2000" spc="-1" strike="noStrike">
+                <a:solidFill>
+                  <a:srgbClr val="000000"/>
+                </a:solidFill>
+                <a:uFill>
+                  <a:solidFill>
+                    <a:srgbClr val="ffffff"/>
+                  </a:solidFill>
+                </a:uFill>
+                <a:latin typeface="Arial"/>
+              </a:rPr>
+              <a:t>Connect() =&gt; se connecter à un socket en spécifiant l’adresse</a:t>
+            </a:r>
+            <a:endParaRPr b="0" lang="fr-FR" sz="2000" spc="-1" strike="noStrike">
+              <a:solidFill>
+                <a:srgbClr val="000000"/>
+              </a:solidFill>
+              <a:uFill>
+                <a:solidFill>
+                  <a:srgbClr val="ffffff"/>
+                </a:solidFill>
+              </a:uFill>
+              <a:latin typeface="Arial"/>
+            </a:endParaRPr>
+          </a:p>
+          <a:p>
+            <a:r>
+              <a:rPr b="0" lang="fr-FR" sz="2000" spc="-1" strike="noStrike">
+                <a:solidFill>
+                  <a:srgbClr val="000000"/>
+                </a:solidFill>
+                <a:uFill>
+                  <a:solidFill>
+                    <a:srgbClr val="ffffff"/>
+                  </a:solidFill>
+                </a:uFill>
+                <a:latin typeface="Arial"/>
+              </a:rPr>
+              <a:t>Recv() =&gt; en attente d’un message</a:t>
+            </a:r>
+            <a:endParaRPr b="0" lang="fr-FR" sz="2000" spc="-1" strike="noStrike">
+              <a:solidFill>
+                <a:srgbClr val="000000"/>
+              </a:solidFill>
+              <a:uFill>
+                <a:solidFill>
+                  <a:srgbClr val="ffffff"/>
+                </a:solidFill>
+              </a:uFill>
+              <a:latin typeface="Arial"/>
+            </a:endParaRPr>
+          </a:p>
+          <a:p>
+            <a:r>
+              <a:rPr b="0" lang="fr-FR" sz="2000" spc="-1" strike="noStrike">
+                <a:solidFill>
+                  <a:srgbClr val="000000"/>
+                </a:solidFill>
+                <a:uFill>
+                  <a:solidFill>
+                    <a:srgbClr val="ffffff"/>
+                  </a:solidFill>
+                </a:uFill>
+                <a:latin typeface="Arial"/>
+              </a:rPr>
+              <a:t>Send() =&gt; envoie d’un message sur un autre socket</a:t>
+            </a:r>
+            <a:endParaRPr b="0" lang="fr-FR" sz="2000" spc="-1" strike="noStrike">
+              <a:solidFill>
+                <a:srgbClr val="000000"/>
+              </a:solidFill>
+              <a:uFill>
+                <a:solidFill>
+                  <a:srgbClr val="ffffff"/>
+                </a:solidFill>
+              </a:uFill>
+              <a:latin typeface="Arial"/>
+            </a:endParaRPr>
+          </a:p>
+        </p:txBody>
+      </p:sp>
+      <p:sp>
+        <p:nvSpPr>
+          <p:cNvPr id="164" name="CustomShape 2"/>
+          <p:cNvSpPr/>
           <p:nvPr/>
         </p:nvSpPr>
         <p:spPr>
           <a:xfrm>
             <a:off x="4281480" y="10155240"/>
-            <a:ext cx="3276360" cy="536040"/>
+            <a:ext cx="3276000" cy="535680"/>
           </a:xfrm>
           <a:prstGeom prst="rect">
             <a:avLst/>
@@ -2199,15 +2555,21 @@
             <a:noFill/>
           </a:ln>
         </p:spPr>
-        <p:txBody>
-          <a:bodyPr anchor="b"/>
+        <p:style>
+          <a:lnRef idx="0"/>
+          <a:fillRef idx="0"/>
+          <a:effectRef idx="0"/>
+          <a:fontRef idx="minor"/>
+        </p:style>
+        <p:txBody>
+          <a:bodyPr lIns="90000" rIns="90000" tIns="45000" bIns="45000" anchor="b"/>
           <a:p>
             <a:pPr algn="r">
               <a:lnSpc>
                 <a:spcPct val="100000"/>
               </a:lnSpc>
             </a:pPr>
-            <a:fld id="{A3AB4C34-DED5-4F0E-A46B-7259CAA691CD}" type="slidenum">
+            <a:fld id="{CAEA866B-B234-44A7-97DA-BB542DEB4F8C}" type="slidenum">
               <a:rPr b="0" lang="fr-FR" sz="1200" spc="-1" strike="noStrike">
                 <a:solidFill>
                   <a:srgbClr val="000000"/>
@@ -2222,16 +2584,16 @@
               </a:rPr>
               <a:t>1</a:t>
             </a:fld>
-            <a:endParaRPr b="0" lang="fr-FR" sz="1400" spc="-1" strike="noStrike">
-              <a:solidFill>
-                <a:srgbClr val="000000"/>
-              </a:solidFill>
-              <a:uFill>
-                <a:solidFill>
-                  <a:srgbClr val="ffffff"/>
-                </a:solidFill>
-              </a:uFill>
-              <a:latin typeface="Times New Roman"/>
+            <a:endParaRPr b="0" lang="fr-FR" sz="1800" spc="-1" strike="noStrike">
+              <a:solidFill>
+                <a:srgbClr val="000000"/>
+              </a:solidFill>
+              <a:uFill>
+                <a:solidFill>
+                  <a:srgbClr val="ffffff"/>
+                </a:solidFill>
+              </a:uFill>
+              <a:latin typeface="Arial"/>
             </a:endParaRPr>
           </a:p>
         </p:txBody>
@@ -2260,7 +2622,7 @@
       </p:grpSpPr>
       <p:sp>
         <p:nvSpPr>
-          <p:cNvPr id="168" name="PlaceHolder 1"/>
+          <p:cNvPr id="165" name="PlaceHolder 1"/>
           <p:cNvSpPr>
             <a:spLocks noGrp="1"/>
           </p:cNvSpPr>
@@ -2270,15 +2632,15 @@
         </p:nvSpPr>
         <p:spPr>
           <a:xfrm>
-            <a:off x="755640" y="5145120"/>
-            <a:ext cx="6048000" cy="4209840"/>
-          </a:xfrm>
-          <a:prstGeom prst="rect">
-            <a:avLst/>
-          </a:prstGeom>
-        </p:spPr>
-        <p:txBody>
-          <a:bodyPr/>
+            <a:off x="755640" y="5078520"/>
+            <a:ext cx="6047280" cy="4810680"/>
+          </a:xfrm>
+          <a:prstGeom prst="rect">
+            <a:avLst/>
+          </a:prstGeom>
+        </p:spPr>
+        <p:txBody>
+          <a:bodyPr lIns="0" rIns="0" tIns="0" bIns="0"/>
           <a:p>
             <a:r>
               <a:rPr b="0" lang="fr-FR" sz="2000" spc="-1" strike="noStrike">
@@ -2310,14 +2672,14 @@
       </p:sp>
       <p:sp>
         <p:nvSpPr>
-          <p:cNvPr id="169" name="TextShape 2"/>
-          <p:cNvSpPr txBox="1"/>
+          <p:cNvPr id="166" name="CustomShape 2"/>
+          <p:cNvSpPr/>
           <p:nvPr/>
         </p:nvSpPr>
         <p:spPr>
           <a:xfrm>
             <a:off x="4281480" y="10155240"/>
-            <a:ext cx="3276360" cy="536040"/>
+            <a:ext cx="3276000" cy="535680"/>
           </a:xfrm>
           <a:prstGeom prst="rect">
             <a:avLst/>
@@ -2327,15 +2689,21 @@
             <a:noFill/>
           </a:ln>
         </p:spPr>
-        <p:txBody>
-          <a:bodyPr anchor="b"/>
+        <p:style>
+          <a:lnRef idx="0"/>
+          <a:fillRef idx="0"/>
+          <a:effectRef idx="0"/>
+          <a:fontRef idx="minor"/>
+        </p:style>
+        <p:txBody>
+          <a:bodyPr lIns="90000" rIns="90000" tIns="45000" bIns="45000" anchor="b"/>
           <a:p>
             <a:pPr algn="r">
               <a:lnSpc>
                 <a:spcPct val="100000"/>
               </a:lnSpc>
             </a:pPr>
-            <a:fld id="{DA7E2598-9C1F-45CD-8DB4-34C9287E22E5}" type="slidenum">
+            <a:fld id="{2D1789EE-12CF-4C78-B0CB-EF9D0CB028F2}" type="slidenum">
               <a:rPr b="0" lang="fr-FR" sz="1200" spc="-1" strike="noStrike">
                 <a:solidFill>
                   <a:srgbClr val="000000"/>
@@ -2350,16 +2718,16 @@
               </a:rPr>
               <a:t>1</a:t>
             </a:fld>
-            <a:endParaRPr b="0" lang="fr-FR" sz="1400" spc="-1" strike="noStrike">
-              <a:solidFill>
-                <a:srgbClr val="000000"/>
-              </a:solidFill>
-              <a:uFill>
-                <a:solidFill>
-                  <a:srgbClr val="ffffff"/>
-                </a:solidFill>
-              </a:uFill>
-              <a:latin typeface="Times New Roman"/>
+            <a:endParaRPr b="0" lang="fr-FR" sz="1800" spc="-1" strike="noStrike">
+              <a:solidFill>
+                <a:srgbClr val="000000"/>
+              </a:solidFill>
+              <a:uFill>
+                <a:solidFill>
+                  <a:srgbClr val="ffffff"/>
+                </a:solidFill>
+              </a:uFill>
+              <a:latin typeface="Arial"/>
             </a:endParaRPr>
           </a:p>
         </p:txBody>
@@ -2388,7 +2756,7 @@
       </p:grpSpPr>
       <p:sp>
         <p:nvSpPr>
-          <p:cNvPr id="170" name="PlaceHolder 1"/>
+          <p:cNvPr id="167" name="PlaceHolder 1"/>
           <p:cNvSpPr>
             <a:spLocks noGrp="1"/>
           </p:cNvSpPr>
@@ -2398,15 +2766,15 @@
         </p:nvSpPr>
         <p:spPr>
           <a:xfrm>
-            <a:off x="755640" y="5145120"/>
-            <a:ext cx="6048000" cy="4209840"/>
-          </a:xfrm>
-          <a:prstGeom prst="rect">
-            <a:avLst/>
-          </a:prstGeom>
-        </p:spPr>
-        <p:txBody>
-          <a:bodyPr/>
+            <a:off x="755640" y="5078520"/>
+            <a:ext cx="6047280" cy="4810680"/>
+          </a:xfrm>
+          <a:prstGeom prst="rect">
+            <a:avLst/>
+          </a:prstGeom>
+        </p:spPr>
+        <p:txBody>
+          <a:bodyPr lIns="0" rIns="0" tIns="0" bIns="0"/>
           <a:p>
             <a:r>
               <a:rPr b="0" lang="fr-FR" sz="2000" spc="-1" strike="noStrike">
@@ -2438,14 +2806,14 @@
       </p:sp>
       <p:sp>
         <p:nvSpPr>
-          <p:cNvPr id="171" name="TextShape 2"/>
-          <p:cNvSpPr txBox="1"/>
+          <p:cNvPr id="168" name="CustomShape 2"/>
+          <p:cNvSpPr/>
           <p:nvPr/>
         </p:nvSpPr>
         <p:spPr>
           <a:xfrm>
             <a:off x="4281480" y="10155240"/>
-            <a:ext cx="3276360" cy="536040"/>
+            <a:ext cx="3276000" cy="535680"/>
           </a:xfrm>
           <a:prstGeom prst="rect">
             <a:avLst/>
@@ -2455,15 +2823,21 @@
             <a:noFill/>
           </a:ln>
         </p:spPr>
-        <p:txBody>
-          <a:bodyPr anchor="b"/>
+        <p:style>
+          <a:lnRef idx="0"/>
+          <a:fillRef idx="0"/>
+          <a:effectRef idx="0"/>
+          <a:fontRef idx="minor"/>
+        </p:style>
+        <p:txBody>
+          <a:bodyPr lIns="90000" rIns="90000" tIns="45000" bIns="45000" anchor="b"/>
           <a:p>
             <a:pPr algn="r">
               <a:lnSpc>
                 <a:spcPct val="100000"/>
               </a:lnSpc>
             </a:pPr>
-            <a:fld id="{CB3FED0F-1CBD-478E-8AEA-F070A8AFE6D0}" type="slidenum">
+            <a:fld id="{3D697AAC-AA6F-4D39-8BED-8416C332A844}" type="slidenum">
               <a:rPr b="0" lang="fr-FR" sz="1200" spc="-1" strike="noStrike">
                 <a:solidFill>
                   <a:srgbClr val="000000"/>
@@ -2478,16 +2852,16 @@
               </a:rPr>
               <a:t>1</a:t>
             </a:fld>
-            <a:endParaRPr b="0" lang="fr-FR" sz="1400" spc="-1" strike="noStrike">
-              <a:solidFill>
-                <a:srgbClr val="000000"/>
-              </a:solidFill>
-              <a:uFill>
-                <a:solidFill>
-                  <a:srgbClr val="ffffff"/>
-                </a:solidFill>
-              </a:uFill>
-              <a:latin typeface="Times New Roman"/>
+            <a:endParaRPr b="0" lang="fr-FR" sz="1800" spc="-1" strike="noStrike">
+              <a:solidFill>
+                <a:srgbClr val="000000"/>
+              </a:solidFill>
+              <a:uFill>
+                <a:solidFill>
+                  <a:srgbClr val="ffffff"/>
+                </a:solidFill>
+              </a:uFill>
+              <a:latin typeface="Arial"/>
             </a:endParaRPr>
           </a:p>
         </p:txBody>
@@ -2558,16 +2932,17 @@
         <p:txBody>
           <a:bodyPr lIns="0" rIns="0" tIns="0" bIns="0" anchor="ctr"/>
           <a:p>
-            <a:endParaRPr b="0" lang="fr-FR" sz="1800" spc="-1" strike="noStrike">
-              <a:solidFill>
-                <a:srgbClr val="000000"/>
-              </a:solidFill>
-              <a:uFill>
-                <a:solidFill>
-                  <a:srgbClr val="ffffff"/>
-                </a:solidFill>
-              </a:uFill>
-              <a:latin typeface="Franklin Gothic Book"/>
+            <a:pPr algn="ctr"/>
+            <a:endParaRPr b="0" lang="fr-FR" sz="4400" spc="-1" strike="noStrike">
+              <a:solidFill>
+                <a:srgbClr val="000000"/>
+              </a:solidFill>
+              <a:uFill>
+                <a:solidFill>
+                  <a:srgbClr val="ffffff"/>
+                </a:solidFill>
+              </a:uFill>
+              <a:latin typeface="Arial"/>
             </a:endParaRPr>
           </a:p>
         </p:txBody>
@@ -2594,16 +2969,16 @@
         <p:txBody>
           <a:bodyPr lIns="0" rIns="0" tIns="0" bIns="0"/>
           <a:p>
-            <a:endParaRPr b="0" lang="fr-FR" sz="2000" spc="-1" strike="noStrike">
-              <a:solidFill>
-                <a:srgbClr val="191b0e"/>
-              </a:solidFill>
-              <a:uFill>
-                <a:solidFill>
-                  <a:srgbClr val="ffffff"/>
-                </a:solidFill>
-              </a:uFill>
-              <a:latin typeface="Franklin Gothic Book"/>
+            <a:endParaRPr b="0" lang="fr-FR" sz="3200" spc="-1" strike="noStrike">
+              <a:solidFill>
+                <a:srgbClr val="000000"/>
+              </a:solidFill>
+              <a:uFill>
+                <a:solidFill>
+                  <a:srgbClr val="ffffff"/>
+                </a:solidFill>
+              </a:uFill>
+              <a:latin typeface="Arial"/>
             </a:endParaRPr>
           </a:p>
         </p:txBody>
@@ -2630,16 +3005,16 @@
         <p:txBody>
           <a:bodyPr lIns="0" rIns="0" tIns="0" bIns="0"/>
           <a:p>
-            <a:endParaRPr b="0" lang="fr-FR" sz="2000" spc="-1" strike="noStrike">
-              <a:solidFill>
-                <a:srgbClr val="191b0e"/>
-              </a:solidFill>
-              <a:uFill>
-                <a:solidFill>
-                  <a:srgbClr val="ffffff"/>
-                </a:solidFill>
-              </a:uFill>
-              <a:latin typeface="Franklin Gothic Book"/>
+            <a:endParaRPr b="0" lang="fr-FR" sz="3200" spc="-1" strike="noStrike">
+              <a:solidFill>
+                <a:srgbClr val="000000"/>
+              </a:solidFill>
+              <a:uFill>
+                <a:solidFill>
+                  <a:srgbClr val="ffffff"/>
+                </a:solidFill>
+              </a:uFill>
+              <a:latin typeface="Arial"/>
             </a:endParaRPr>
           </a:p>
         </p:txBody>
@@ -2688,16 +3063,17 @@
         <p:txBody>
           <a:bodyPr lIns="0" rIns="0" tIns="0" bIns="0" anchor="ctr"/>
           <a:p>
-            <a:endParaRPr b="0" lang="fr-FR" sz="1800" spc="-1" strike="noStrike">
-              <a:solidFill>
-                <a:srgbClr val="000000"/>
-              </a:solidFill>
-              <a:uFill>
-                <a:solidFill>
-                  <a:srgbClr val="ffffff"/>
-                </a:solidFill>
-              </a:uFill>
-              <a:latin typeface="Franklin Gothic Book"/>
+            <a:pPr algn="ctr"/>
+            <a:endParaRPr b="0" lang="fr-FR" sz="4400" spc="-1" strike="noStrike">
+              <a:solidFill>
+                <a:srgbClr val="000000"/>
+              </a:solidFill>
+              <a:uFill>
+                <a:solidFill>
+                  <a:srgbClr val="ffffff"/>
+                </a:solidFill>
+              </a:uFill>
+              <a:latin typeface="Arial"/>
             </a:endParaRPr>
           </a:p>
         </p:txBody>
@@ -2724,16 +3100,16 @@
         <p:txBody>
           <a:bodyPr lIns="0" rIns="0" tIns="0" bIns="0"/>
           <a:p>
-            <a:endParaRPr b="0" lang="fr-FR" sz="2000" spc="-1" strike="noStrike">
-              <a:solidFill>
-                <a:srgbClr val="191b0e"/>
-              </a:solidFill>
-              <a:uFill>
-                <a:solidFill>
-                  <a:srgbClr val="ffffff"/>
-                </a:solidFill>
-              </a:uFill>
-              <a:latin typeface="Franklin Gothic Book"/>
+            <a:endParaRPr b="0" lang="fr-FR" sz="3200" spc="-1" strike="noStrike">
+              <a:solidFill>
+                <a:srgbClr val="000000"/>
+              </a:solidFill>
+              <a:uFill>
+                <a:solidFill>
+                  <a:srgbClr val="ffffff"/>
+                </a:solidFill>
+              </a:uFill>
+              <a:latin typeface="Arial"/>
             </a:endParaRPr>
           </a:p>
         </p:txBody>
@@ -2760,16 +3136,16 @@
         <p:txBody>
           <a:bodyPr lIns="0" rIns="0" tIns="0" bIns="0"/>
           <a:p>
-            <a:endParaRPr b="0" lang="fr-FR" sz="2000" spc="-1" strike="noStrike">
-              <a:solidFill>
-                <a:srgbClr val="191b0e"/>
-              </a:solidFill>
-              <a:uFill>
-                <a:solidFill>
-                  <a:srgbClr val="ffffff"/>
-                </a:solidFill>
-              </a:uFill>
-              <a:latin typeface="Franklin Gothic Book"/>
+            <a:endParaRPr b="0" lang="fr-FR" sz="3200" spc="-1" strike="noStrike">
+              <a:solidFill>
+                <a:srgbClr val="000000"/>
+              </a:solidFill>
+              <a:uFill>
+                <a:solidFill>
+                  <a:srgbClr val="ffffff"/>
+                </a:solidFill>
+              </a:uFill>
+              <a:latin typeface="Arial"/>
             </a:endParaRPr>
           </a:p>
         </p:txBody>
@@ -2796,16 +3172,16 @@
         <p:txBody>
           <a:bodyPr lIns="0" rIns="0" tIns="0" bIns="0"/>
           <a:p>
-            <a:endParaRPr b="0" lang="fr-FR" sz="2000" spc="-1" strike="noStrike">
-              <a:solidFill>
-                <a:srgbClr val="191b0e"/>
-              </a:solidFill>
-              <a:uFill>
-                <a:solidFill>
-                  <a:srgbClr val="ffffff"/>
-                </a:solidFill>
-              </a:uFill>
-              <a:latin typeface="Franklin Gothic Book"/>
+            <a:endParaRPr b="0" lang="fr-FR" sz="3200" spc="-1" strike="noStrike">
+              <a:solidFill>
+                <a:srgbClr val="000000"/>
+              </a:solidFill>
+              <a:uFill>
+                <a:solidFill>
+                  <a:srgbClr val="ffffff"/>
+                </a:solidFill>
+              </a:uFill>
+              <a:latin typeface="Arial"/>
             </a:endParaRPr>
           </a:p>
         </p:txBody>
@@ -2832,16 +3208,16 @@
         <p:txBody>
           <a:bodyPr lIns="0" rIns="0" tIns="0" bIns="0"/>
           <a:p>
-            <a:endParaRPr b="0" lang="fr-FR" sz="2000" spc="-1" strike="noStrike">
-              <a:solidFill>
-                <a:srgbClr val="191b0e"/>
-              </a:solidFill>
-              <a:uFill>
-                <a:solidFill>
-                  <a:srgbClr val="ffffff"/>
-                </a:solidFill>
-              </a:uFill>
-              <a:latin typeface="Franklin Gothic Book"/>
+            <a:endParaRPr b="0" lang="fr-FR" sz="3200" spc="-1" strike="noStrike">
+              <a:solidFill>
+                <a:srgbClr val="000000"/>
+              </a:solidFill>
+              <a:uFill>
+                <a:solidFill>
+                  <a:srgbClr val="ffffff"/>
+                </a:solidFill>
+              </a:uFill>
+              <a:latin typeface="Arial"/>
             </a:endParaRPr>
           </a:p>
         </p:txBody>
@@ -2890,16 +3266,17 @@
         <p:txBody>
           <a:bodyPr lIns="0" rIns="0" tIns="0" bIns="0" anchor="ctr"/>
           <a:p>
-            <a:endParaRPr b="0" lang="fr-FR" sz="1800" spc="-1" strike="noStrike">
-              <a:solidFill>
-                <a:srgbClr val="000000"/>
-              </a:solidFill>
-              <a:uFill>
-                <a:solidFill>
-                  <a:srgbClr val="ffffff"/>
-                </a:solidFill>
-              </a:uFill>
-              <a:latin typeface="Franklin Gothic Book"/>
+            <a:pPr algn="ctr"/>
+            <a:endParaRPr b="0" lang="fr-FR" sz="4400" spc="-1" strike="noStrike">
+              <a:solidFill>
+                <a:srgbClr val="000000"/>
+              </a:solidFill>
+              <a:uFill>
+                <a:solidFill>
+                  <a:srgbClr val="ffffff"/>
+                </a:solidFill>
+              </a:uFill>
+              <a:latin typeface="Arial"/>
             </a:endParaRPr>
           </a:p>
         </p:txBody>
@@ -2926,16 +3303,16 @@
         <p:txBody>
           <a:bodyPr lIns="0" rIns="0" tIns="0" bIns="0"/>
           <a:p>
-            <a:endParaRPr b="0" lang="fr-FR" sz="2000" spc="-1" strike="noStrike">
-              <a:solidFill>
-                <a:srgbClr val="191b0e"/>
-              </a:solidFill>
-              <a:uFill>
-                <a:solidFill>
-                  <a:srgbClr val="ffffff"/>
-                </a:solidFill>
-              </a:uFill>
-              <a:latin typeface="Franklin Gothic Book"/>
+            <a:endParaRPr b="0" lang="fr-FR" sz="3200" spc="-1" strike="noStrike">
+              <a:solidFill>
+                <a:srgbClr val="000000"/>
+              </a:solidFill>
+              <a:uFill>
+                <a:solidFill>
+                  <a:srgbClr val="ffffff"/>
+                </a:solidFill>
+              </a:uFill>
+              <a:latin typeface="Arial"/>
             </a:endParaRPr>
           </a:p>
         </p:txBody>
@@ -2962,16 +3339,16 @@
         <p:txBody>
           <a:bodyPr lIns="0" rIns="0" tIns="0" bIns="0"/>
           <a:p>
-            <a:endParaRPr b="0" lang="fr-FR" sz="2000" spc="-1" strike="noStrike">
-              <a:solidFill>
-                <a:srgbClr val="191b0e"/>
-              </a:solidFill>
-              <a:uFill>
-                <a:solidFill>
-                  <a:srgbClr val="ffffff"/>
-                </a:solidFill>
-              </a:uFill>
-              <a:latin typeface="Franklin Gothic Book"/>
+            <a:endParaRPr b="0" lang="fr-FR" sz="3200" spc="-1" strike="noStrike">
+              <a:solidFill>
+                <a:srgbClr val="000000"/>
+              </a:solidFill>
+              <a:uFill>
+                <a:solidFill>
+                  <a:srgbClr val="ffffff"/>
+                </a:solidFill>
+              </a:uFill>
+              <a:latin typeface="Arial"/>
             </a:endParaRPr>
           </a:p>
         </p:txBody>
@@ -3068,7 +3445,7 @@
       </p:grpSpPr>
       <p:sp>
         <p:nvSpPr>
-          <p:cNvPr id="43" name="PlaceHolder 1"/>
+          <p:cNvPr id="40" name="PlaceHolder 1"/>
           <p:cNvSpPr>
             <a:spLocks noGrp="1"/>
           </p:cNvSpPr>
@@ -3088,23 +3465,24 @@
         <p:txBody>
           <a:bodyPr lIns="0" rIns="0" tIns="0" bIns="0" anchor="ctr"/>
           <a:p>
-            <a:endParaRPr b="0" lang="fr-FR" sz="1800" spc="-1" strike="noStrike">
-              <a:solidFill>
-                <a:srgbClr val="000000"/>
-              </a:solidFill>
-              <a:uFill>
-                <a:solidFill>
-                  <a:srgbClr val="ffffff"/>
-                </a:solidFill>
-              </a:uFill>
-              <a:latin typeface="Franklin Gothic Book"/>
-            </a:endParaRPr>
-          </a:p>
-        </p:txBody>
-      </p:sp>
-      <p:sp>
-        <p:nvSpPr>
-          <p:cNvPr id="44" name="PlaceHolder 2"/>
+            <a:pPr algn="ctr"/>
+            <a:endParaRPr b="0" lang="fr-FR" sz="4400" spc="-1" strike="noStrike">
+              <a:solidFill>
+                <a:srgbClr val="000000"/>
+              </a:solidFill>
+              <a:uFill>
+                <a:solidFill>
+                  <a:srgbClr val="ffffff"/>
+                </a:solidFill>
+              </a:uFill>
+              <a:latin typeface="Arial"/>
+            </a:endParaRPr>
+          </a:p>
+        </p:txBody>
+      </p:sp>
+      <p:sp>
+        <p:nvSpPr>
+          <p:cNvPr id="41" name="PlaceHolder 2"/>
           <p:cNvSpPr>
             <a:spLocks noGrp="1"/>
           </p:cNvSpPr>
@@ -3163,7 +3541,7 @@
       </p:grpSpPr>
       <p:sp>
         <p:nvSpPr>
-          <p:cNvPr id="45" name="PlaceHolder 1"/>
+          <p:cNvPr id="42" name="PlaceHolder 1"/>
           <p:cNvSpPr>
             <a:spLocks noGrp="1"/>
           </p:cNvSpPr>
@@ -3183,23 +3561,24 @@
         <p:txBody>
           <a:bodyPr lIns="0" rIns="0" tIns="0" bIns="0" anchor="ctr"/>
           <a:p>
-            <a:endParaRPr b="0" lang="fr-FR" sz="1800" spc="-1" strike="noStrike">
-              <a:solidFill>
-                <a:srgbClr val="000000"/>
-              </a:solidFill>
-              <a:uFill>
-                <a:solidFill>
-                  <a:srgbClr val="ffffff"/>
-                </a:solidFill>
-              </a:uFill>
-              <a:latin typeface="Franklin Gothic Book"/>
-            </a:endParaRPr>
-          </a:p>
-        </p:txBody>
-      </p:sp>
-      <p:sp>
-        <p:nvSpPr>
-          <p:cNvPr id="46" name="PlaceHolder 2"/>
+            <a:pPr algn="ctr"/>
+            <a:endParaRPr b="0" lang="fr-FR" sz="4400" spc="-1" strike="noStrike">
+              <a:solidFill>
+                <a:srgbClr val="000000"/>
+              </a:solidFill>
+              <a:uFill>
+                <a:solidFill>
+                  <a:srgbClr val="ffffff"/>
+                </a:solidFill>
+              </a:uFill>
+              <a:latin typeface="Arial"/>
+            </a:endParaRPr>
+          </a:p>
+        </p:txBody>
+      </p:sp>
+      <p:sp>
+        <p:nvSpPr>
+          <p:cNvPr id="43" name="PlaceHolder 2"/>
           <p:cNvSpPr>
             <a:spLocks noGrp="1"/>
           </p:cNvSpPr>
@@ -3219,16 +3598,16 @@
         <p:txBody>
           <a:bodyPr lIns="0" rIns="0" tIns="0" bIns="0"/>
           <a:p>
-            <a:endParaRPr b="0" lang="fr-FR" sz="2000" spc="-1" strike="noStrike">
-              <a:solidFill>
-                <a:srgbClr val="191b0e"/>
-              </a:solidFill>
-              <a:uFill>
-                <a:solidFill>
-                  <a:srgbClr val="ffffff"/>
-                </a:solidFill>
-              </a:uFill>
-              <a:latin typeface="Franklin Gothic Book"/>
+            <a:endParaRPr b="0" lang="fr-FR" sz="3200" spc="-1" strike="noStrike">
+              <a:solidFill>
+                <a:srgbClr val="000000"/>
+              </a:solidFill>
+              <a:uFill>
+                <a:solidFill>
+                  <a:srgbClr val="ffffff"/>
+                </a:solidFill>
+              </a:uFill>
+              <a:latin typeface="Arial"/>
             </a:endParaRPr>
           </a:p>
         </p:txBody>
@@ -3257,7 +3636,7 @@
       </p:grpSpPr>
       <p:sp>
         <p:nvSpPr>
-          <p:cNvPr id="47" name="PlaceHolder 1"/>
+          <p:cNvPr id="44" name="PlaceHolder 1"/>
           <p:cNvSpPr>
             <a:spLocks noGrp="1"/>
           </p:cNvSpPr>
@@ -3277,23 +3656,24 @@
         <p:txBody>
           <a:bodyPr lIns="0" rIns="0" tIns="0" bIns="0" anchor="ctr"/>
           <a:p>
-            <a:endParaRPr b="0" lang="fr-FR" sz="1800" spc="-1" strike="noStrike">
-              <a:solidFill>
-                <a:srgbClr val="000000"/>
-              </a:solidFill>
-              <a:uFill>
-                <a:solidFill>
-                  <a:srgbClr val="ffffff"/>
-                </a:solidFill>
-              </a:uFill>
-              <a:latin typeface="Franklin Gothic Book"/>
-            </a:endParaRPr>
-          </a:p>
-        </p:txBody>
-      </p:sp>
-      <p:sp>
-        <p:nvSpPr>
-          <p:cNvPr id="48" name="PlaceHolder 2"/>
+            <a:pPr algn="ctr"/>
+            <a:endParaRPr b="0" lang="fr-FR" sz="4400" spc="-1" strike="noStrike">
+              <a:solidFill>
+                <a:srgbClr val="000000"/>
+              </a:solidFill>
+              <a:uFill>
+                <a:solidFill>
+                  <a:srgbClr val="ffffff"/>
+                </a:solidFill>
+              </a:uFill>
+              <a:latin typeface="Arial"/>
+            </a:endParaRPr>
+          </a:p>
+        </p:txBody>
+      </p:sp>
+      <p:sp>
+        <p:nvSpPr>
+          <p:cNvPr id="45" name="PlaceHolder 2"/>
           <p:cNvSpPr>
             <a:spLocks noGrp="1"/>
           </p:cNvSpPr>
@@ -3313,23 +3693,23 @@
         <p:txBody>
           <a:bodyPr lIns="0" rIns="0" tIns="0" bIns="0"/>
           <a:p>
-            <a:endParaRPr b="0" lang="fr-FR" sz="2000" spc="-1" strike="noStrike">
-              <a:solidFill>
-                <a:srgbClr val="191b0e"/>
-              </a:solidFill>
-              <a:uFill>
-                <a:solidFill>
-                  <a:srgbClr val="ffffff"/>
-                </a:solidFill>
-              </a:uFill>
-              <a:latin typeface="Franklin Gothic Book"/>
-            </a:endParaRPr>
-          </a:p>
-        </p:txBody>
-      </p:sp>
-      <p:sp>
-        <p:nvSpPr>
-          <p:cNvPr id="49" name="PlaceHolder 3"/>
+            <a:endParaRPr b="0" lang="fr-FR" sz="3200" spc="-1" strike="noStrike">
+              <a:solidFill>
+                <a:srgbClr val="000000"/>
+              </a:solidFill>
+              <a:uFill>
+                <a:solidFill>
+                  <a:srgbClr val="ffffff"/>
+                </a:solidFill>
+              </a:uFill>
+              <a:latin typeface="Arial"/>
+            </a:endParaRPr>
+          </a:p>
+        </p:txBody>
+      </p:sp>
+      <p:sp>
+        <p:nvSpPr>
+          <p:cNvPr id="46" name="PlaceHolder 3"/>
           <p:cNvSpPr>
             <a:spLocks noGrp="1"/>
           </p:cNvSpPr>
@@ -3349,16 +3729,16 @@
         <p:txBody>
           <a:bodyPr lIns="0" rIns="0" tIns="0" bIns="0"/>
           <a:p>
-            <a:endParaRPr b="0" lang="fr-FR" sz="2000" spc="-1" strike="noStrike">
-              <a:solidFill>
-                <a:srgbClr val="191b0e"/>
-              </a:solidFill>
-              <a:uFill>
-                <a:solidFill>
-                  <a:srgbClr val="ffffff"/>
-                </a:solidFill>
-              </a:uFill>
-              <a:latin typeface="Franklin Gothic Book"/>
+            <a:endParaRPr b="0" lang="fr-FR" sz="3200" spc="-1" strike="noStrike">
+              <a:solidFill>
+                <a:srgbClr val="000000"/>
+              </a:solidFill>
+              <a:uFill>
+                <a:solidFill>
+                  <a:srgbClr val="ffffff"/>
+                </a:solidFill>
+              </a:uFill>
+              <a:latin typeface="Arial"/>
             </a:endParaRPr>
           </a:p>
         </p:txBody>
@@ -3387,7 +3767,7 @@
       </p:grpSpPr>
       <p:sp>
         <p:nvSpPr>
-          <p:cNvPr id="50" name="PlaceHolder 1"/>
+          <p:cNvPr id="47" name="PlaceHolder 1"/>
           <p:cNvSpPr>
             <a:spLocks noGrp="1"/>
           </p:cNvSpPr>
@@ -3407,16 +3787,17 @@
         <p:txBody>
           <a:bodyPr lIns="0" rIns="0" tIns="0" bIns="0" anchor="ctr"/>
           <a:p>
-            <a:endParaRPr b="0" lang="fr-FR" sz="1800" spc="-1" strike="noStrike">
-              <a:solidFill>
-                <a:srgbClr val="000000"/>
-              </a:solidFill>
-              <a:uFill>
-                <a:solidFill>
-                  <a:srgbClr val="ffffff"/>
-                </a:solidFill>
-              </a:uFill>
-              <a:latin typeface="Franklin Gothic Book"/>
+            <a:pPr algn="ctr"/>
+            <a:endParaRPr b="0" lang="fr-FR" sz="4400" spc="-1" strike="noStrike">
+              <a:solidFill>
+                <a:srgbClr val="000000"/>
+              </a:solidFill>
+              <a:uFill>
+                <a:solidFill>
+                  <a:srgbClr val="ffffff"/>
+                </a:solidFill>
+              </a:uFill>
+              <a:latin typeface="Arial"/>
             </a:endParaRPr>
           </a:p>
         </p:txBody>
@@ -3445,7 +3826,7 @@
       </p:grpSpPr>
       <p:sp>
         <p:nvSpPr>
-          <p:cNvPr id="51" name="PlaceHolder 1"/>
+          <p:cNvPr id="48" name="PlaceHolder 1"/>
           <p:cNvSpPr>
             <a:spLocks noGrp="1"/>
           </p:cNvSpPr>
@@ -3504,7 +3885,7 @@
       </p:grpSpPr>
       <p:sp>
         <p:nvSpPr>
-          <p:cNvPr id="52" name="PlaceHolder 1"/>
+          <p:cNvPr id="49" name="PlaceHolder 1"/>
           <p:cNvSpPr>
             <a:spLocks noGrp="1"/>
           </p:cNvSpPr>
@@ -3524,23 +3905,24 @@
         <p:txBody>
           <a:bodyPr lIns="0" rIns="0" tIns="0" bIns="0" anchor="ctr"/>
           <a:p>
-            <a:endParaRPr b="0" lang="fr-FR" sz="1800" spc="-1" strike="noStrike">
-              <a:solidFill>
-                <a:srgbClr val="000000"/>
-              </a:solidFill>
-              <a:uFill>
-                <a:solidFill>
-                  <a:srgbClr val="ffffff"/>
-                </a:solidFill>
-              </a:uFill>
-              <a:latin typeface="Franklin Gothic Book"/>
-            </a:endParaRPr>
-          </a:p>
-        </p:txBody>
-      </p:sp>
-      <p:sp>
-        <p:nvSpPr>
-          <p:cNvPr id="53" name="PlaceHolder 2"/>
+            <a:pPr algn="ctr"/>
+            <a:endParaRPr b="0" lang="fr-FR" sz="4400" spc="-1" strike="noStrike">
+              <a:solidFill>
+                <a:srgbClr val="000000"/>
+              </a:solidFill>
+              <a:uFill>
+                <a:solidFill>
+                  <a:srgbClr val="ffffff"/>
+                </a:solidFill>
+              </a:uFill>
+              <a:latin typeface="Arial"/>
+            </a:endParaRPr>
+          </a:p>
+        </p:txBody>
+      </p:sp>
+      <p:sp>
+        <p:nvSpPr>
+          <p:cNvPr id="50" name="PlaceHolder 2"/>
           <p:cNvSpPr>
             <a:spLocks noGrp="1"/>
           </p:cNvSpPr>
@@ -3560,23 +3942,23 @@
         <p:txBody>
           <a:bodyPr lIns="0" rIns="0" tIns="0" bIns="0"/>
           <a:p>
-            <a:endParaRPr b="0" lang="fr-FR" sz="2000" spc="-1" strike="noStrike">
-              <a:solidFill>
-                <a:srgbClr val="191b0e"/>
-              </a:solidFill>
-              <a:uFill>
-                <a:solidFill>
-                  <a:srgbClr val="ffffff"/>
-                </a:solidFill>
-              </a:uFill>
-              <a:latin typeface="Franklin Gothic Book"/>
-            </a:endParaRPr>
-          </a:p>
-        </p:txBody>
-      </p:sp>
-      <p:sp>
-        <p:nvSpPr>
-          <p:cNvPr id="54" name="PlaceHolder 3"/>
+            <a:endParaRPr b="0" lang="fr-FR" sz="3200" spc="-1" strike="noStrike">
+              <a:solidFill>
+                <a:srgbClr val="000000"/>
+              </a:solidFill>
+              <a:uFill>
+                <a:solidFill>
+                  <a:srgbClr val="ffffff"/>
+                </a:solidFill>
+              </a:uFill>
+              <a:latin typeface="Arial"/>
+            </a:endParaRPr>
+          </a:p>
+        </p:txBody>
+      </p:sp>
+      <p:sp>
+        <p:nvSpPr>
+          <p:cNvPr id="51" name="PlaceHolder 3"/>
           <p:cNvSpPr>
             <a:spLocks noGrp="1"/>
           </p:cNvSpPr>
@@ -3596,23 +3978,23 @@
         <p:txBody>
           <a:bodyPr lIns="0" rIns="0" tIns="0" bIns="0"/>
           <a:p>
-            <a:endParaRPr b="0" lang="fr-FR" sz="2000" spc="-1" strike="noStrike">
-              <a:solidFill>
-                <a:srgbClr val="191b0e"/>
-              </a:solidFill>
-              <a:uFill>
-                <a:solidFill>
-                  <a:srgbClr val="ffffff"/>
-                </a:solidFill>
-              </a:uFill>
-              <a:latin typeface="Franklin Gothic Book"/>
-            </a:endParaRPr>
-          </a:p>
-        </p:txBody>
-      </p:sp>
-      <p:sp>
-        <p:nvSpPr>
-          <p:cNvPr id="55" name="PlaceHolder 4"/>
+            <a:endParaRPr b="0" lang="fr-FR" sz="3200" spc="-1" strike="noStrike">
+              <a:solidFill>
+                <a:srgbClr val="000000"/>
+              </a:solidFill>
+              <a:uFill>
+                <a:solidFill>
+                  <a:srgbClr val="ffffff"/>
+                </a:solidFill>
+              </a:uFill>
+              <a:latin typeface="Arial"/>
+            </a:endParaRPr>
+          </a:p>
+        </p:txBody>
+      </p:sp>
+      <p:sp>
+        <p:nvSpPr>
+          <p:cNvPr id="52" name="PlaceHolder 4"/>
           <p:cNvSpPr>
             <a:spLocks noGrp="1"/>
           </p:cNvSpPr>
@@ -3632,16 +4014,16 @@
         <p:txBody>
           <a:bodyPr lIns="0" rIns="0" tIns="0" bIns="0"/>
           <a:p>
-            <a:endParaRPr b="0" lang="fr-FR" sz="2000" spc="-1" strike="noStrike">
-              <a:solidFill>
-                <a:srgbClr val="191b0e"/>
-              </a:solidFill>
-              <a:uFill>
-                <a:solidFill>
-                  <a:srgbClr val="ffffff"/>
-                </a:solidFill>
-              </a:uFill>
-              <a:latin typeface="Franklin Gothic Book"/>
+            <a:endParaRPr b="0" lang="fr-FR" sz="3200" spc="-1" strike="noStrike">
+              <a:solidFill>
+                <a:srgbClr val="000000"/>
+              </a:solidFill>
+              <a:uFill>
+                <a:solidFill>
+                  <a:srgbClr val="ffffff"/>
+                </a:solidFill>
+              </a:uFill>
+              <a:latin typeface="Arial"/>
             </a:endParaRPr>
           </a:p>
         </p:txBody>
@@ -3690,16 +4072,17 @@
         <p:txBody>
           <a:bodyPr lIns="0" rIns="0" tIns="0" bIns="0" anchor="ctr"/>
           <a:p>
-            <a:endParaRPr b="0" lang="fr-FR" sz="1800" spc="-1" strike="noStrike">
-              <a:solidFill>
-                <a:srgbClr val="000000"/>
-              </a:solidFill>
-              <a:uFill>
-                <a:solidFill>
-                  <a:srgbClr val="ffffff"/>
-                </a:solidFill>
-              </a:uFill>
-              <a:latin typeface="Franklin Gothic Book"/>
+            <a:pPr algn="ctr"/>
+            <a:endParaRPr b="0" lang="fr-FR" sz="4400" spc="-1" strike="noStrike">
+              <a:solidFill>
+                <a:srgbClr val="000000"/>
+              </a:solidFill>
+              <a:uFill>
+                <a:solidFill>
+                  <a:srgbClr val="ffffff"/>
+                </a:solidFill>
+              </a:uFill>
+              <a:latin typeface="Arial"/>
             </a:endParaRPr>
           </a:p>
         </p:txBody>
@@ -3765,7 +4148,7 @@
       </p:grpSpPr>
       <p:sp>
         <p:nvSpPr>
-          <p:cNvPr id="56" name="PlaceHolder 1"/>
+          <p:cNvPr id="53" name="PlaceHolder 1"/>
           <p:cNvSpPr>
             <a:spLocks noGrp="1"/>
           </p:cNvSpPr>
@@ -3785,23 +4168,24 @@
         <p:txBody>
           <a:bodyPr lIns="0" rIns="0" tIns="0" bIns="0" anchor="ctr"/>
           <a:p>
-            <a:endParaRPr b="0" lang="fr-FR" sz="1800" spc="-1" strike="noStrike">
-              <a:solidFill>
-                <a:srgbClr val="000000"/>
-              </a:solidFill>
-              <a:uFill>
-                <a:solidFill>
-                  <a:srgbClr val="ffffff"/>
-                </a:solidFill>
-              </a:uFill>
-              <a:latin typeface="Franklin Gothic Book"/>
-            </a:endParaRPr>
-          </a:p>
-        </p:txBody>
-      </p:sp>
-      <p:sp>
-        <p:nvSpPr>
-          <p:cNvPr id="57" name="PlaceHolder 2"/>
+            <a:pPr algn="ctr"/>
+            <a:endParaRPr b="0" lang="fr-FR" sz="4400" spc="-1" strike="noStrike">
+              <a:solidFill>
+                <a:srgbClr val="000000"/>
+              </a:solidFill>
+              <a:uFill>
+                <a:solidFill>
+                  <a:srgbClr val="ffffff"/>
+                </a:solidFill>
+              </a:uFill>
+              <a:latin typeface="Arial"/>
+            </a:endParaRPr>
+          </a:p>
+        </p:txBody>
+      </p:sp>
+      <p:sp>
+        <p:nvSpPr>
+          <p:cNvPr id="54" name="PlaceHolder 2"/>
           <p:cNvSpPr>
             <a:spLocks noGrp="1"/>
           </p:cNvSpPr>
@@ -3821,23 +4205,23 @@
         <p:txBody>
           <a:bodyPr lIns="0" rIns="0" tIns="0" bIns="0"/>
           <a:p>
-            <a:endParaRPr b="0" lang="fr-FR" sz="2000" spc="-1" strike="noStrike">
-              <a:solidFill>
-                <a:srgbClr val="191b0e"/>
-              </a:solidFill>
-              <a:uFill>
-                <a:solidFill>
-                  <a:srgbClr val="ffffff"/>
-                </a:solidFill>
-              </a:uFill>
-              <a:latin typeface="Franklin Gothic Book"/>
-            </a:endParaRPr>
-          </a:p>
-        </p:txBody>
-      </p:sp>
-      <p:sp>
-        <p:nvSpPr>
-          <p:cNvPr id="58" name="PlaceHolder 3"/>
+            <a:endParaRPr b="0" lang="fr-FR" sz="3200" spc="-1" strike="noStrike">
+              <a:solidFill>
+                <a:srgbClr val="000000"/>
+              </a:solidFill>
+              <a:uFill>
+                <a:solidFill>
+                  <a:srgbClr val="ffffff"/>
+                </a:solidFill>
+              </a:uFill>
+              <a:latin typeface="Arial"/>
+            </a:endParaRPr>
+          </a:p>
+        </p:txBody>
+      </p:sp>
+      <p:sp>
+        <p:nvSpPr>
+          <p:cNvPr id="55" name="PlaceHolder 3"/>
           <p:cNvSpPr>
             <a:spLocks noGrp="1"/>
           </p:cNvSpPr>
@@ -3857,23 +4241,23 @@
         <p:txBody>
           <a:bodyPr lIns="0" rIns="0" tIns="0" bIns="0"/>
           <a:p>
-            <a:endParaRPr b="0" lang="fr-FR" sz="2000" spc="-1" strike="noStrike">
-              <a:solidFill>
-                <a:srgbClr val="191b0e"/>
-              </a:solidFill>
-              <a:uFill>
-                <a:solidFill>
-                  <a:srgbClr val="ffffff"/>
-                </a:solidFill>
-              </a:uFill>
-              <a:latin typeface="Franklin Gothic Book"/>
-            </a:endParaRPr>
-          </a:p>
-        </p:txBody>
-      </p:sp>
-      <p:sp>
-        <p:nvSpPr>
-          <p:cNvPr id="59" name="PlaceHolder 4"/>
+            <a:endParaRPr b="0" lang="fr-FR" sz="3200" spc="-1" strike="noStrike">
+              <a:solidFill>
+                <a:srgbClr val="000000"/>
+              </a:solidFill>
+              <a:uFill>
+                <a:solidFill>
+                  <a:srgbClr val="ffffff"/>
+                </a:solidFill>
+              </a:uFill>
+              <a:latin typeface="Arial"/>
+            </a:endParaRPr>
+          </a:p>
+        </p:txBody>
+      </p:sp>
+      <p:sp>
+        <p:nvSpPr>
+          <p:cNvPr id="56" name="PlaceHolder 4"/>
           <p:cNvSpPr>
             <a:spLocks noGrp="1"/>
           </p:cNvSpPr>
@@ -3893,16 +4277,16 @@
         <p:txBody>
           <a:bodyPr lIns="0" rIns="0" tIns="0" bIns="0"/>
           <a:p>
-            <a:endParaRPr b="0" lang="fr-FR" sz="2000" spc="-1" strike="noStrike">
-              <a:solidFill>
-                <a:srgbClr val="191b0e"/>
-              </a:solidFill>
-              <a:uFill>
-                <a:solidFill>
-                  <a:srgbClr val="ffffff"/>
-                </a:solidFill>
-              </a:uFill>
-              <a:latin typeface="Franklin Gothic Book"/>
+            <a:endParaRPr b="0" lang="fr-FR" sz="3200" spc="-1" strike="noStrike">
+              <a:solidFill>
+                <a:srgbClr val="000000"/>
+              </a:solidFill>
+              <a:uFill>
+                <a:solidFill>
+                  <a:srgbClr val="ffffff"/>
+                </a:solidFill>
+              </a:uFill>
+              <a:latin typeface="Arial"/>
             </a:endParaRPr>
           </a:p>
         </p:txBody>
@@ -3931,7 +4315,7 @@
       </p:grpSpPr>
       <p:sp>
         <p:nvSpPr>
-          <p:cNvPr id="60" name="PlaceHolder 1"/>
+          <p:cNvPr id="57" name="PlaceHolder 1"/>
           <p:cNvSpPr>
             <a:spLocks noGrp="1"/>
           </p:cNvSpPr>
@@ -3951,23 +4335,24 @@
         <p:txBody>
           <a:bodyPr lIns="0" rIns="0" tIns="0" bIns="0" anchor="ctr"/>
           <a:p>
-            <a:endParaRPr b="0" lang="fr-FR" sz="1800" spc="-1" strike="noStrike">
-              <a:solidFill>
-                <a:srgbClr val="000000"/>
-              </a:solidFill>
-              <a:uFill>
-                <a:solidFill>
-                  <a:srgbClr val="ffffff"/>
-                </a:solidFill>
-              </a:uFill>
-              <a:latin typeface="Franklin Gothic Book"/>
-            </a:endParaRPr>
-          </a:p>
-        </p:txBody>
-      </p:sp>
-      <p:sp>
-        <p:nvSpPr>
-          <p:cNvPr id="61" name="PlaceHolder 2"/>
+            <a:pPr algn="ctr"/>
+            <a:endParaRPr b="0" lang="fr-FR" sz="4400" spc="-1" strike="noStrike">
+              <a:solidFill>
+                <a:srgbClr val="000000"/>
+              </a:solidFill>
+              <a:uFill>
+                <a:solidFill>
+                  <a:srgbClr val="ffffff"/>
+                </a:solidFill>
+              </a:uFill>
+              <a:latin typeface="Arial"/>
+            </a:endParaRPr>
+          </a:p>
+        </p:txBody>
+      </p:sp>
+      <p:sp>
+        <p:nvSpPr>
+          <p:cNvPr id="58" name="PlaceHolder 2"/>
           <p:cNvSpPr>
             <a:spLocks noGrp="1"/>
           </p:cNvSpPr>
@@ -3987,23 +4372,23 @@
         <p:txBody>
           <a:bodyPr lIns="0" rIns="0" tIns="0" bIns="0"/>
           <a:p>
-            <a:endParaRPr b="0" lang="fr-FR" sz="2000" spc="-1" strike="noStrike">
-              <a:solidFill>
-                <a:srgbClr val="191b0e"/>
-              </a:solidFill>
-              <a:uFill>
-                <a:solidFill>
-                  <a:srgbClr val="ffffff"/>
-                </a:solidFill>
-              </a:uFill>
-              <a:latin typeface="Franklin Gothic Book"/>
-            </a:endParaRPr>
-          </a:p>
-        </p:txBody>
-      </p:sp>
-      <p:sp>
-        <p:nvSpPr>
-          <p:cNvPr id="62" name="PlaceHolder 3"/>
+            <a:endParaRPr b="0" lang="fr-FR" sz="3200" spc="-1" strike="noStrike">
+              <a:solidFill>
+                <a:srgbClr val="000000"/>
+              </a:solidFill>
+              <a:uFill>
+                <a:solidFill>
+                  <a:srgbClr val="ffffff"/>
+                </a:solidFill>
+              </a:uFill>
+              <a:latin typeface="Arial"/>
+            </a:endParaRPr>
+          </a:p>
+        </p:txBody>
+      </p:sp>
+      <p:sp>
+        <p:nvSpPr>
+          <p:cNvPr id="59" name="PlaceHolder 3"/>
           <p:cNvSpPr>
             <a:spLocks noGrp="1"/>
           </p:cNvSpPr>
@@ -4023,23 +4408,23 @@
         <p:txBody>
           <a:bodyPr lIns="0" rIns="0" tIns="0" bIns="0"/>
           <a:p>
-            <a:endParaRPr b="0" lang="fr-FR" sz="2000" spc="-1" strike="noStrike">
-              <a:solidFill>
-                <a:srgbClr val="191b0e"/>
-              </a:solidFill>
-              <a:uFill>
-                <a:solidFill>
-                  <a:srgbClr val="ffffff"/>
-                </a:solidFill>
-              </a:uFill>
-              <a:latin typeface="Franklin Gothic Book"/>
-            </a:endParaRPr>
-          </a:p>
-        </p:txBody>
-      </p:sp>
-      <p:sp>
-        <p:nvSpPr>
-          <p:cNvPr id="63" name="PlaceHolder 4"/>
+            <a:endParaRPr b="0" lang="fr-FR" sz="3200" spc="-1" strike="noStrike">
+              <a:solidFill>
+                <a:srgbClr val="000000"/>
+              </a:solidFill>
+              <a:uFill>
+                <a:solidFill>
+                  <a:srgbClr val="ffffff"/>
+                </a:solidFill>
+              </a:uFill>
+              <a:latin typeface="Arial"/>
+            </a:endParaRPr>
+          </a:p>
+        </p:txBody>
+      </p:sp>
+      <p:sp>
+        <p:nvSpPr>
+          <p:cNvPr id="60" name="PlaceHolder 4"/>
           <p:cNvSpPr>
             <a:spLocks noGrp="1"/>
           </p:cNvSpPr>
@@ -4059,16 +4444,16 @@
         <p:txBody>
           <a:bodyPr lIns="0" rIns="0" tIns="0" bIns="0"/>
           <a:p>
-            <a:endParaRPr b="0" lang="fr-FR" sz="2000" spc="-1" strike="noStrike">
-              <a:solidFill>
-                <a:srgbClr val="191b0e"/>
-              </a:solidFill>
-              <a:uFill>
-                <a:solidFill>
-                  <a:srgbClr val="ffffff"/>
-                </a:solidFill>
-              </a:uFill>
-              <a:latin typeface="Franklin Gothic Book"/>
+            <a:endParaRPr b="0" lang="fr-FR" sz="3200" spc="-1" strike="noStrike">
+              <a:solidFill>
+                <a:srgbClr val="000000"/>
+              </a:solidFill>
+              <a:uFill>
+                <a:solidFill>
+                  <a:srgbClr val="ffffff"/>
+                </a:solidFill>
+              </a:uFill>
+              <a:latin typeface="Arial"/>
             </a:endParaRPr>
           </a:p>
         </p:txBody>
@@ -4097,7 +4482,7 @@
       </p:grpSpPr>
       <p:sp>
         <p:nvSpPr>
-          <p:cNvPr id="64" name="PlaceHolder 1"/>
+          <p:cNvPr id="61" name="PlaceHolder 1"/>
           <p:cNvSpPr>
             <a:spLocks noGrp="1"/>
           </p:cNvSpPr>
@@ -4117,23 +4502,24 @@
         <p:txBody>
           <a:bodyPr lIns="0" rIns="0" tIns="0" bIns="0" anchor="ctr"/>
           <a:p>
-            <a:endParaRPr b="0" lang="fr-FR" sz="1800" spc="-1" strike="noStrike">
-              <a:solidFill>
-                <a:srgbClr val="000000"/>
-              </a:solidFill>
-              <a:uFill>
-                <a:solidFill>
-                  <a:srgbClr val="ffffff"/>
-                </a:solidFill>
-              </a:uFill>
-              <a:latin typeface="Franklin Gothic Book"/>
-            </a:endParaRPr>
-          </a:p>
-        </p:txBody>
-      </p:sp>
-      <p:sp>
-        <p:nvSpPr>
-          <p:cNvPr id="65" name="PlaceHolder 2"/>
+            <a:pPr algn="ctr"/>
+            <a:endParaRPr b="0" lang="fr-FR" sz="4400" spc="-1" strike="noStrike">
+              <a:solidFill>
+                <a:srgbClr val="000000"/>
+              </a:solidFill>
+              <a:uFill>
+                <a:solidFill>
+                  <a:srgbClr val="ffffff"/>
+                </a:solidFill>
+              </a:uFill>
+              <a:latin typeface="Arial"/>
+            </a:endParaRPr>
+          </a:p>
+        </p:txBody>
+      </p:sp>
+      <p:sp>
+        <p:nvSpPr>
+          <p:cNvPr id="62" name="PlaceHolder 2"/>
           <p:cNvSpPr>
             <a:spLocks noGrp="1"/>
           </p:cNvSpPr>
@@ -4153,23 +4539,23 @@
         <p:txBody>
           <a:bodyPr lIns="0" rIns="0" tIns="0" bIns="0"/>
           <a:p>
-            <a:endParaRPr b="0" lang="fr-FR" sz="2000" spc="-1" strike="noStrike">
-              <a:solidFill>
-                <a:srgbClr val="191b0e"/>
-              </a:solidFill>
-              <a:uFill>
-                <a:solidFill>
-                  <a:srgbClr val="ffffff"/>
-                </a:solidFill>
-              </a:uFill>
-              <a:latin typeface="Franklin Gothic Book"/>
-            </a:endParaRPr>
-          </a:p>
-        </p:txBody>
-      </p:sp>
-      <p:sp>
-        <p:nvSpPr>
-          <p:cNvPr id="66" name="PlaceHolder 3"/>
+            <a:endParaRPr b="0" lang="fr-FR" sz="3200" spc="-1" strike="noStrike">
+              <a:solidFill>
+                <a:srgbClr val="000000"/>
+              </a:solidFill>
+              <a:uFill>
+                <a:solidFill>
+                  <a:srgbClr val="ffffff"/>
+                </a:solidFill>
+              </a:uFill>
+              <a:latin typeface="Arial"/>
+            </a:endParaRPr>
+          </a:p>
+        </p:txBody>
+      </p:sp>
+      <p:sp>
+        <p:nvSpPr>
+          <p:cNvPr id="63" name="PlaceHolder 3"/>
           <p:cNvSpPr>
             <a:spLocks noGrp="1"/>
           </p:cNvSpPr>
@@ -4189,16 +4575,16 @@
         <p:txBody>
           <a:bodyPr lIns="0" rIns="0" tIns="0" bIns="0"/>
           <a:p>
-            <a:endParaRPr b="0" lang="fr-FR" sz="2000" spc="-1" strike="noStrike">
-              <a:solidFill>
-                <a:srgbClr val="191b0e"/>
-              </a:solidFill>
-              <a:uFill>
-                <a:solidFill>
-                  <a:srgbClr val="ffffff"/>
-                </a:solidFill>
-              </a:uFill>
-              <a:latin typeface="Franklin Gothic Book"/>
+            <a:endParaRPr b="0" lang="fr-FR" sz="3200" spc="-1" strike="noStrike">
+              <a:solidFill>
+                <a:srgbClr val="000000"/>
+              </a:solidFill>
+              <a:uFill>
+                <a:solidFill>
+                  <a:srgbClr val="ffffff"/>
+                </a:solidFill>
+              </a:uFill>
+              <a:latin typeface="Arial"/>
             </a:endParaRPr>
           </a:p>
         </p:txBody>
@@ -4227,7 +4613,7 @@
       </p:grpSpPr>
       <p:sp>
         <p:nvSpPr>
-          <p:cNvPr id="67" name="PlaceHolder 1"/>
+          <p:cNvPr id="64" name="PlaceHolder 1"/>
           <p:cNvSpPr>
             <a:spLocks noGrp="1"/>
           </p:cNvSpPr>
@@ -4247,23 +4633,24 @@
         <p:txBody>
           <a:bodyPr lIns="0" rIns="0" tIns="0" bIns="0" anchor="ctr"/>
           <a:p>
-            <a:endParaRPr b="0" lang="fr-FR" sz="1800" spc="-1" strike="noStrike">
-              <a:solidFill>
-                <a:srgbClr val="000000"/>
-              </a:solidFill>
-              <a:uFill>
-                <a:solidFill>
-                  <a:srgbClr val="ffffff"/>
-                </a:solidFill>
-              </a:uFill>
-              <a:latin typeface="Franklin Gothic Book"/>
-            </a:endParaRPr>
-          </a:p>
-        </p:txBody>
-      </p:sp>
-      <p:sp>
-        <p:nvSpPr>
-          <p:cNvPr id="68" name="PlaceHolder 2"/>
+            <a:pPr algn="ctr"/>
+            <a:endParaRPr b="0" lang="fr-FR" sz="4400" spc="-1" strike="noStrike">
+              <a:solidFill>
+                <a:srgbClr val="000000"/>
+              </a:solidFill>
+              <a:uFill>
+                <a:solidFill>
+                  <a:srgbClr val="ffffff"/>
+                </a:solidFill>
+              </a:uFill>
+              <a:latin typeface="Arial"/>
+            </a:endParaRPr>
+          </a:p>
+        </p:txBody>
+      </p:sp>
+      <p:sp>
+        <p:nvSpPr>
+          <p:cNvPr id="65" name="PlaceHolder 2"/>
           <p:cNvSpPr>
             <a:spLocks noGrp="1"/>
           </p:cNvSpPr>
@@ -4283,23 +4670,23 @@
         <p:txBody>
           <a:bodyPr lIns="0" rIns="0" tIns="0" bIns="0"/>
           <a:p>
-            <a:endParaRPr b="0" lang="fr-FR" sz="2000" spc="-1" strike="noStrike">
-              <a:solidFill>
-                <a:srgbClr val="191b0e"/>
-              </a:solidFill>
-              <a:uFill>
-                <a:solidFill>
-                  <a:srgbClr val="ffffff"/>
-                </a:solidFill>
-              </a:uFill>
-              <a:latin typeface="Franklin Gothic Book"/>
-            </a:endParaRPr>
-          </a:p>
-        </p:txBody>
-      </p:sp>
-      <p:sp>
-        <p:nvSpPr>
-          <p:cNvPr id="69" name="PlaceHolder 3"/>
+            <a:endParaRPr b="0" lang="fr-FR" sz="3200" spc="-1" strike="noStrike">
+              <a:solidFill>
+                <a:srgbClr val="000000"/>
+              </a:solidFill>
+              <a:uFill>
+                <a:solidFill>
+                  <a:srgbClr val="ffffff"/>
+                </a:solidFill>
+              </a:uFill>
+              <a:latin typeface="Arial"/>
+            </a:endParaRPr>
+          </a:p>
+        </p:txBody>
+      </p:sp>
+      <p:sp>
+        <p:nvSpPr>
+          <p:cNvPr id="66" name="PlaceHolder 3"/>
           <p:cNvSpPr>
             <a:spLocks noGrp="1"/>
           </p:cNvSpPr>
@@ -4319,23 +4706,23 @@
         <p:txBody>
           <a:bodyPr lIns="0" rIns="0" tIns="0" bIns="0"/>
           <a:p>
-            <a:endParaRPr b="0" lang="fr-FR" sz="2000" spc="-1" strike="noStrike">
-              <a:solidFill>
-                <a:srgbClr val="191b0e"/>
-              </a:solidFill>
-              <a:uFill>
-                <a:solidFill>
-                  <a:srgbClr val="ffffff"/>
-                </a:solidFill>
-              </a:uFill>
-              <a:latin typeface="Franklin Gothic Book"/>
-            </a:endParaRPr>
-          </a:p>
-        </p:txBody>
-      </p:sp>
-      <p:sp>
-        <p:nvSpPr>
-          <p:cNvPr id="70" name="PlaceHolder 4"/>
+            <a:endParaRPr b="0" lang="fr-FR" sz="3200" spc="-1" strike="noStrike">
+              <a:solidFill>
+                <a:srgbClr val="000000"/>
+              </a:solidFill>
+              <a:uFill>
+                <a:solidFill>
+                  <a:srgbClr val="ffffff"/>
+                </a:solidFill>
+              </a:uFill>
+              <a:latin typeface="Arial"/>
+            </a:endParaRPr>
+          </a:p>
+        </p:txBody>
+      </p:sp>
+      <p:sp>
+        <p:nvSpPr>
+          <p:cNvPr id="67" name="PlaceHolder 4"/>
           <p:cNvSpPr>
             <a:spLocks noGrp="1"/>
           </p:cNvSpPr>
@@ -4355,23 +4742,23 @@
         <p:txBody>
           <a:bodyPr lIns="0" rIns="0" tIns="0" bIns="0"/>
           <a:p>
-            <a:endParaRPr b="0" lang="fr-FR" sz="2000" spc="-1" strike="noStrike">
-              <a:solidFill>
-                <a:srgbClr val="191b0e"/>
-              </a:solidFill>
-              <a:uFill>
-                <a:solidFill>
-                  <a:srgbClr val="ffffff"/>
-                </a:solidFill>
-              </a:uFill>
-              <a:latin typeface="Franklin Gothic Book"/>
-            </a:endParaRPr>
-          </a:p>
-        </p:txBody>
-      </p:sp>
-      <p:sp>
-        <p:nvSpPr>
-          <p:cNvPr id="71" name="PlaceHolder 5"/>
+            <a:endParaRPr b="0" lang="fr-FR" sz="3200" spc="-1" strike="noStrike">
+              <a:solidFill>
+                <a:srgbClr val="000000"/>
+              </a:solidFill>
+              <a:uFill>
+                <a:solidFill>
+                  <a:srgbClr val="ffffff"/>
+                </a:solidFill>
+              </a:uFill>
+              <a:latin typeface="Arial"/>
+            </a:endParaRPr>
+          </a:p>
+        </p:txBody>
+      </p:sp>
+      <p:sp>
+        <p:nvSpPr>
+          <p:cNvPr id="68" name="PlaceHolder 5"/>
           <p:cNvSpPr>
             <a:spLocks noGrp="1"/>
           </p:cNvSpPr>
@@ -4391,16 +4778,16 @@
         <p:txBody>
           <a:bodyPr lIns="0" rIns="0" tIns="0" bIns="0"/>
           <a:p>
-            <a:endParaRPr b="0" lang="fr-FR" sz="2000" spc="-1" strike="noStrike">
-              <a:solidFill>
-                <a:srgbClr val="191b0e"/>
-              </a:solidFill>
-              <a:uFill>
-                <a:solidFill>
-                  <a:srgbClr val="ffffff"/>
-                </a:solidFill>
-              </a:uFill>
-              <a:latin typeface="Franklin Gothic Book"/>
+            <a:endParaRPr b="0" lang="fr-FR" sz="3200" spc="-1" strike="noStrike">
+              <a:solidFill>
+                <a:srgbClr val="000000"/>
+              </a:solidFill>
+              <a:uFill>
+                <a:solidFill>
+                  <a:srgbClr val="ffffff"/>
+                </a:solidFill>
+              </a:uFill>
+              <a:latin typeface="Arial"/>
             </a:endParaRPr>
           </a:p>
         </p:txBody>
@@ -4429,7 +4816,7 @@
       </p:grpSpPr>
       <p:sp>
         <p:nvSpPr>
-          <p:cNvPr id="72" name="PlaceHolder 1"/>
+          <p:cNvPr id="69" name="PlaceHolder 1"/>
           <p:cNvSpPr>
             <a:spLocks noGrp="1"/>
           </p:cNvSpPr>
@@ -4449,23 +4836,24 @@
         <p:txBody>
           <a:bodyPr lIns="0" rIns="0" tIns="0" bIns="0" anchor="ctr"/>
           <a:p>
-            <a:endParaRPr b="0" lang="fr-FR" sz="1800" spc="-1" strike="noStrike">
-              <a:solidFill>
-                <a:srgbClr val="000000"/>
-              </a:solidFill>
-              <a:uFill>
-                <a:solidFill>
-                  <a:srgbClr val="ffffff"/>
-                </a:solidFill>
-              </a:uFill>
-              <a:latin typeface="Franklin Gothic Book"/>
-            </a:endParaRPr>
-          </a:p>
-        </p:txBody>
-      </p:sp>
-      <p:sp>
-        <p:nvSpPr>
-          <p:cNvPr id="73" name="PlaceHolder 2"/>
+            <a:pPr algn="ctr"/>
+            <a:endParaRPr b="0" lang="fr-FR" sz="4400" spc="-1" strike="noStrike">
+              <a:solidFill>
+                <a:srgbClr val="000000"/>
+              </a:solidFill>
+              <a:uFill>
+                <a:solidFill>
+                  <a:srgbClr val="ffffff"/>
+                </a:solidFill>
+              </a:uFill>
+              <a:latin typeface="Arial"/>
+            </a:endParaRPr>
+          </a:p>
+        </p:txBody>
+      </p:sp>
+      <p:sp>
+        <p:nvSpPr>
+          <p:cNvPr id="70" name="PlaceHolder 2"/>
           <p:cNvSpPr>
             <a:spLocks noGrp="1"/>
           </p:cNvSpPr>
@@ -4485,23 +4873,23 @@
         <p:txBody>
           <a:bodyPr lIns="0" rIns="0" tIns="0" bIns="0"/>
           <a:p>
-            <a:endParaRPr b="0" lang="fr-FR" sz="2000" spc="-1" strike="noStrike">
-              <a:solidFill>
-                <a:srgbClr val="191b0e"/>
-              </a:solidFill>
-              <a:uFill>
-                <a:solidFill>
-                  <a:srgbClr val="ffffff"/>
-                </a:solidFill>
-              </a:uFill>
-              <a:latin typeface="Franklin Gothic Book"/>
-            </a:endParaRPr>
-          </a:p>
-        </p:txBody>
-      </p:sp>
-      <p:sp>
-        <p:nvSpPr>
-          <p:cNvPr id="74" name="PlaceHolder 3"/>
+            <a:endParaRPr b="0" lang="fr-FR" sz="3200" spc="-1" strike="noStrike">
+              <a:solidFill>
+                <a:srgbClr val="000000"/>
+              </a:solidFill>
+              <a:uFill>
+                <a:solidFill>
+                  <a:srgbClr val="ffffff"/>
+                </a:solidFill>
+              </a:uFill>
+              <a:latin typeface="Arial"/>
+            </a:endParaRPr>
+          </a:p>
+        </p:txBody>
+      </p:sp>
+      <p:sp>
+        <p:nvSpPr>
+          <p:cNvPr id="71" name="PlaceHolder 3"/>
           <p:cNvSpPr>
             <a:spLocks noGrp="1"/>
           </p:cNvSpPr>
@@ -4521,23 +4909,23 @@
         <p:txBody>
           <a:bodyPr lIns="0" rIns="0" tIns="0" bIns="0"/>
           <a:p>
-            <a:endParaRPr b="0" lang="fr-FR" sz="2000" spc="-1" strike="noStrike">
-              <a:solidFill>
-                <a:srgbClr val="191b0e"/>
-              </a:solidFill>
-              <a:uFill>
-                <a:solidFill>
-                  <a:srgbClr val="ffffff"/>
-                </a:solidFill>
-              </a:uFill>
-              <a:latin typeface="Franklin Gothic Book"/>
+            <a:endParaRPr b="0" lang="fr-FR" sz="3200" spc="-1" strike="noStrike">
+              <a:solidFill>
+                <a:srgbClr val="000000"/>
+              </a:solidFill>
+              <a:uFill>
+                <a:solidFill>
+                  <a:srgbClr val="ffffff"/>
+                </a:solidFill>
+              </a:uFill>
+              <a:latin typeface="Arial"/>
             </a:endParaRPr>
           </a:p>
         </p:txBody>
       </p:sp>
       <p:pic>
         <p:nvPicPr>
-          <p:cNvPr id="75" name="" descr=""/>
+          <p:cNvPr id="72" name="" descr=""/>
           <p:cNvPicPr/>
           <p:nvPr/>
         </p:nvPicPr>
@@ -4560,7 +4948,7 @@
       </p:pic>
       <p:pic>
         <p:nvPicPr>
-          <p:cNvPr id="76" name="" descr=""/>
+          <p:cNvPr id="73" name="" descr=""/>
           <p:cNvPicPr/>
           <p:nvPr/>
         </p:nvPicPr>
@@ -4627,7 +5015,7 @@
       </p:grpSpPr>
       <p:sp>
         <p:nvSpPr>
-          <p:cNvPr id="80" name="PlaceHolder 1"/>
+          <p:cNvPr id="77" name="PlaceHolder 1"/>
           <p:cNvSpPr>
             <a:spLocks noGrp="1"/>
           </p:cNvSpPr>
@@ -4647,23 +5035,24 @@
         <p:txBody>
           <a:bodyPr lIns="0" rIns="0" tIns="0" bIns="0" anchor="ctr"/>
           <a:p>
-            <a:endParaRPr b="0" lang="fr-FR" sz="1800" spc="-1" strike="noStrike">
-              <a:solidFill>
-                <a:srgbClr val="000000"/>
-              </a:solidFill>
-              <a:uFill>
-                <a:solidFill>
-                  <a:srgbClr val="ffffff"/>
-                </a:solidFill>
-              </a:uFill>
-              <a:latin typeface="Franklin Gothic Book"/>
-            </a:endParaRPr>
-          </a:p>
-        </p:txBody>
-      </p:sp>
-      <p:sp>
-        <p:nvSpPr>
-          <p:cNvPr id="81" name="PlaceHolder 2"/>
+            <a:pPr algn="ctr"/>
+            <a:endParaRPr b="0" lang="fr-FR" sz="4400" spc="-1" strike="noStrike">
+              <a:solidFill>
+                <a:srgbClr val="000000"/>
+              </a:solidFill>
+              <a:uFill>
+                <a:solidFill>
+                  <a:srgbClr val="ffffff"/>
+                </a:solidFill>
+              </a:uFill>
+              <a:latin typeface="Arial"/>
+            </a:endParaRPr>
+          </a:p>
+        </p:txBody>
+      </p:sp>
+      <p:sp>
+        <p:nvSpPr>
+          <p:cNvPr id="78" name="PlaceHolder 2"/>
           <p:cNvSpPr>
             <a:spLocks noGrp="1"/>
           </p:cNvSpPr>
@@ -4722,7 +5111,7 @@
       </p:grpSpPr>
       <p:sp>
         <p:nvSpPr>
-          <p:cNvPr id="82" name="PlaceHolder 1"/>
+          <p:cNvPr id="79" name="PlaceHolder 1"/>
           <p:cNvSpPr>
             <a:spLocks noGrp="1"/>
           </p:cNvSpPr>
@@ -4742,23 +5131,24 @@
         <p:txBody>
           <a:bodyPr lIns="0" rIns="0" tIns="0" bIns="0" anchor="ctr"/>
           <a:p>
-            <a:endParaRPr b="0" lang="fr-FR" sz="1800" spc="-1" strike="noStrike">
-              <a:solidFill>
-                <a:srgbClr val="000000"/>
-              </a:solidFill>
-              <a:uFill>
-                <a:solidFill>
-                  <a:srgbClr val="ffffff"/>
-                </a:solidFill>
-              </a:uFill>
-              <a:latin typeface="Franklin Gothic Book"/>
-            </a:endParaRPr>
-          </a:p>
-        </p:txBody>
-      </p:sp>
-      <p:sp>
-        <p:nvSpPr>
-          <p:cNvPr id="83" name="PlaceHolder 2"/>
+            <a:pPr algn="ctr"/>
+            <a:endParaRPr b="0" lang="fr-FR" sz="4400" spc="-1" strike="noStrike">
+              <a:solidFill>
+                <a:srgbClr val="000000"/>
+              </a:solidFill>
+              <a:uFill>
+                <a:solidFill>
+                  <a:srgbClr val="ffffff"/>
+                </a:solidFill>
+              </a:uFill>
+              <a:latin typeface="Arial"/>
+            </a:endParaRPr>
+          </a:p>
+        </p:txBody>
+      </p:sp>
+      <p:sp>
+        <p:nvSpPr>
+          <p:cNvPr id="80" name="PlaceHolder 2"/>
           <p:cNvSpPr>
             <a:spLocks noGrp="1"/>
           </p:cNvSpPr>
@@ -4778,16 +5168,16 @@
         <p:txBody>
           <a:bodyPr lIns="0" rIns="0" tIns="0" bIns="0"/>
           <a:p>
-            <a:endParaRPr b="0" lang="fr-FR" sz="2000" spc="-1" strike="noStrike">
-              <a:solidFill>
-                <a:srgbClr val="191b0e"/>
-              </a:solidFill>
-              <a:uFill>
-                <a:solidFill>
-                  <a:srgbClr val="ffffff"/>
-                </a:solidFill>
-              </a:uFill>
-              <a:latin typeface="Franklin Gothic Book"/>
+            <a:endParaRPr b="0" lang="fr-FR" sz="3200" spc="-1" strike="noStrike">
+              <a:solidFill>
+                <a:srgbClr val="000000"/>
+              </a:solidFill>
+              <a:uFill>
+                <a:solidFill>
+                  <a:srgbClr val="ffffff"/>
+                </a:solidFill>
+              </a:uFill>
+              <a:latin typeface="Arial"/>
             </a:endParaRPr>
           </a:p>
         </p:txBody>
@@ -4816,7 +5206,7 @@
       </p:grpSpPr>
       <p:sp>
         <p:nvSpPr>
-          <p:cNvPr id="84" name="PlaceHolder 1"/>
+          <p:cNvPr id="81" name="PlaceHolder 1"/>
           <p:cNvSpPr>
             <a:spLocks noGrp="1"/>
           </p:cNvSpPr>
@@ -4836,23 +5226,24 @@
         <p:txBody>
           <a:bodyPr lIns="0" rIns="0" tIns="0" bIns="0" anchor="ctr"/>
           <a:p>
-            <a:endParaRPr b="0" lang="fr-FR" sz="1800" spc="-1" strike="noStrike">
-              <a:solidFill>
-                <a:srgbClr val="000000"/>
-              </a:solidFill>
-              <a:uFill>
-                <a:solidFill>
-                  <a:srgbClr val="ffffff"/>
-                </a:solidFill>
-              </a:uFill>
-              <a:latin typeface="Franklin Gothic Book"/>
-            </a:endParaRPr>
-          </a:p>
-        </p:txBody>
-      </p:sp>
-      <p:sp>
-        <p:nvSpPr>
-          <p:cNvPr id="85" name="PlaceHolder 2"/>
+            <a:pPr algn="ctr"/>
+            <a:endParaRPr b="0" lang="fr-FR" sz="4400" spc="-1" strike="noStrike">
+              <a:solidFill>
+                <a:srgbClr val="000000"/>
+              </a:solidFill>
+              <a:uFill>
+                <a:solidFill>
+                  <a:srgbClr val="ffffff"/>
+                </a:solidFill>
+              </a:uFill>
+              <a:latin typeface="Arial"/>
+            </a:endParaRPr>
+          </a:p>
+        </p:txBody>
+      </p:sp>
+      <p:sp>
+        <p:nvSpPr>
+          <p:cNvPr id="82" name="PlaceHolder 2"/>
           <p:cNvSpPr>
             <a:spLocks noGrp="1"/>
           </p:cNvSpPr>
@@ -4872,23 +5263,23 @@
         <p:txBody>
           <a:bodyPr lIns="0" rIns="0" tIns="0" bIns="0"/>
           <a:p>
-            <a:endParaRPr b="0" lang="fr-FR" sz="2000" spc="-1" strike="noStrike">
-              <a:solidFill>
-                <a:srgbClr val="191b0e"/>
-              </a:solidFill>
-              <a:uFill>
-                <a:solidFill>
-                  <a:srgbClr val="ffffff"/>
-                </a:solidFill>
-              </a:uFill>
-              <a:latin typeface="Franklin Gothic Book"/>
-            </a:endParaRPr>
-          </a:p>
-        </p:txBody>
-      </p:sp>
-      <p:sp>
-        <p:nvSpPr>
-          <p:cNvPr id="86" name="PlaceHolder 3"/>
+            <a:endParaRPr b="0" lang="fr-FR" sz="3200" spc="-1" strike="noStrike">
+              <a:solidFill>
+                <a:srgbClr val="000000"/>
+              </a:solidFill>
+              <a:uFill>
+                <a:solidFill>
+                  <a:srgbClr val="ffffff"/>
+                </a:solidFill>
+              </a:uFill>
+              <a:latin typeface="Arial"/>
+            </a:endParaRPr>
+          </a:p>
+        </p:txBody>
+      </p:sp>
+      <p:sp>
+        <p:nvSpPr>
+          <p:cNvPr id="83" name="PlaceHolder 3"/>
           <p:cNvSpPr>
             <a:spLocks noGrp="1"/>
           </p:cNvSpPr>
@@ -4908,16 +5299,16 @@
         <p:txBody>
           <a:bodyPr lIns="0" rIns="0" tIns="0" bIns="0"/>
           <a:p>
-            <a:endParaRPr b="0" lang="fr-FR" sz="2000" spc="-1" strike="noStrike">
-              <a:solidFill>
-                <a:srgbClr val="191b0e"/>
-              </a:solidFill>
-              <a:uFill>
-                <a:solidFill>
-                  <a:srgbClr val="ffffff"/>
-                </a:solidFill>
-              </a:uFill>
-              <a:latin typeface="Franklin Gothic Book"/>
+            <a:endParaRPr b="0" lang="fr-FR" sz="3200" spc="-1" strike="noStrike">
+              <a:solidFill>
+                <a:srgbClr val="000000"/>
+              </a:solidFill>
+              <a:uFill>
+                <a:solidFill>
+                  <a:srgbClr val="ffffff"/>
+                </a:solidFill>
+              </a:uFill>
+              <a:latin typeface="Arial"/>
             </a:endParaRPr>
           </a:p>
         </p:txBody>
@@ -4946,7 +5337,7 @@
       </p:grpSpPr>
       <p:sp>
         <p:nvSpPr>
-          <p:cNvPr id="87" name="PlaceHolder 1"/>
+          <p:cNvPr id="84" name="PlaceHolder 1"/>
           <p:cNvSpPr>
             <a:spLocks noGrp="1"/>
           </p:cNvSpPr>
@@ -4966,16 +5357,17 @@
         <p:txBody>
           <a:bodyPr lIns="0" rIns="0" tIns="0" bIns="0" anchor="ctr"/>
           <a:p>
-            <a:endParaRPr b="0" lang="fr-FR" sz="1800" spc="-1" strike="noStrike">
-              <a:solidFill>
-                <a:srgbClr val="000000"/>
-              </a:solidFill>
-              <a:uFill>
-                <a:solidFill>
-                  <a:srgbClr val="ffffff"/>
-                </a:solidFill>
-              </a:uFill>
-              <a:latin typeface="Franklin Gothic Book"/>
+            <a:pPr algn="ctr"/>
+            <a:endParaRPr b="0" lang="fr-FR" sz="4400" spc="-1" strike="noStrike">
+              <a:solidFill>
+                <a:srgbClr val="000000"/>
+              </a:solidFill>
+              <a:uFill>
+                <a:solidFill>
+                  <a:srgbClr val="ffffff"/>
+                </a:solidFill>
+              </a:uFill>
+              <a:latin typeface="Arial"/>
             </a:endParaRPr>
           </a:p>
         </p:txBody>
@@ -5024,16 +5416,17 @@
         <p:txBody>
           <a:bodyPr lIns="0" rIns="0" tIns="0" bIns="0" anchor="ctr"/>
           <a:p>
-            <a:endParaRPr b="0" lang="fr-FR" sz="1800" spc="-1" strike="noStrike">
-              <a:solidFill>
-                <a:srgbClr val="000000"/>
-              </a:solidFill>
-              <a:uFill>
-                <a:solidFill>
-                  <a:srgbClr val="ffffff"/>
-                </a:solidFill>
-              </a:uFill>
-              <a:latin typeface="Franklin Gothic Book"/>
+            <a:pPr algn="ctr"/>
+            <a:endParaRPr b="0" lang="fr-FR" sz="4400" spc="-1" strike="noStrike">
+              <a:solidFill>
+                <a:srgbClr val="000000"/>
+              </a:solidFill>
+              <a:uFill>
+                <a:solidFill>
+                  <a:srgbClr val="ffffff"/>
+                </a:solidFill>
+              </a:uFill>
+              <a:latin typeface="Arial"/>
             </a:endParaRPr>
           </a:p>
         </p:txBody>
@@ -5060,16 +5453,16 @@
         <p:txBody>
           <a:bodyPr lIns="0" rIns="0" tIns="0" bIns="0"/>
           <a:p>
-            <a:endParaRPr b="0" lang="fr-FR" sz="2000" spc="-1" strike="noStrike">
-              <a:solidFill>
-                <a:srgbClr val="191b0e"/>
-              </a:solidFill>
-              <a:uFill>
-                <a:solidFill>
-                  <a:srgbClr val="ffffff"/>
-                </a:solidFill>
-              </a:uFill>
-              <a:latin typeface="Franklin Gothic Book"/>
+            <a:endParaRPr b="0" lang="fr-FR" sz="3200" spc="-1" strike="noStrike">
+              <a:solidFill>
+                <a:srgbClr val="000000"/>
+              </a:solidFill>
+              <a:uFill>
+                <a:solidFill>
+                  <a:srgbClr val="ffffff"/>
+                </a:solidFill>
+              </a:uFill>
+              <a:latin typeface="Arial"/>
             </a:endParaRPr>
           </a:p>
         </p:txBody>
@@ -5098,7 +5491,7 @@
       </p:grpSpPr>
       <p:sp>
         <p:nvSpPr>
-          <p:cNvPr id="88" name="PlaceHolder 1"/>
+          <p:cNvPr id="85" name="PlaceHolder 1"/>
           <p:cNvSpPr>
             <a:spLocks noGrp="1"/>
           </p:cNvSpPr>
@@ -5157,7 +5550,7 @@
       </p:grpSpPr>
       <p:sp>
         <p:nvSpPr>
-          <p:cNvPr id="89" name="PlaceHolder 1"/>
+          <p:cNvPr id="86" name="PlaceHolder 1"/>
           <p:cNvSpPr>
             <a:spLocks noGrp="1"/>
           </p:cNvSpPr>
@@ -5177,23 +5570,24 @@
         <p:txBody>
           <a:bodyPr lIns="0" rIns="0" tIns="0" bIns="0" anchor="ctr"/>
           <a:p>
-            <a:endParaRPr b="0" lang="fr-FR" sz="1800" spc="-1" strike="noStrike">
-              <a:solidFill>
-                <a:srgbClr val="000000"/>
-              </a:solidFill>
-              <a:uFill>
-                <a:solidFill>
-                  <a:srgbClr val="ffffff"/>
-                </a:solidFill>
-              </a:uFill>
-              <a:latin typeface="Franklin Gothic Book"/>
-            </a:endParaRPr>
-          </a:p>
-        </p:txBody>
-      </p:sp>
-      <p:sp>
-        <p:nvSpPr>
-          <p:cNvPr id="90" name="PlaceHolder 2"/>
+            <a:pPr algn="ctr"/>
+            <a:endParaRPr b="0" lang="fr-FR" sz="4400" spc="-1" strike="noStrike">
+              <a:solidFill>
+                <a:srgbClr val="000000"/>
+              </a:solidFill>
+              <a:uFill>
+                <a:solidFill>
+                  <a:srgbClr val="ffffff"/>
+                </a:solidFill>
+              </a:uFill>
+              <a:latin typeface="Arial"/>
+            </a:endParaRPr>
+          </a:p>
+        </p:txBody>
+      </p:sp>
+      <p:sp>
+        <p:nvSpPr>
+          <p:cNvPr id="87" name="PlaceHolder 2"/>
           <p:cNvSpPr>
             <a:spLocks noGrp="1"/>
           </p:cNvSpPr>
@@ -5213,23 +5607,23 @@
         <p:txBody>
           <a:bodyPr lIns="0" rIns="0" tIns="0" bIns="0"/>
           <a:p>
-            <a:endParaRPr b="0" lang="fr-FR" sz="2000" spc="-1" strike="noStrike">
-              <a:solidFill>
-                <a:srgbClr val="191b0e"/>
-              </a:solidFill>
-              <a:uFill>
-                <a:solidFill>
-                  <a:srgbClr val="ffffff"/>
-                </a:solidFill>
-              </a:uFill>
-              <a:latin typeface="Franklin Gothic Book"/>
-            </a:endParaRPr>
-          </a:p>
-        </p:txBody>
-      </p:sp>
-      <p:sp>
-        <p:nvSpPr>
-          <p:cNvPr id="91" name="PlaceHolder 3"/>
+            <a:endParaRPr b="0" lang="fr-FR" sz="3200" spc="-1" strike="noStrike">
+              <a:solidFill>
+                <a:srgbClr val="000000"/>
+              </a:solidFill>
+              <a:uFill>
+                <a:solidFill>
+                  <a:srgbClr val="ffffff"/>
+                </a:solidFill>
+              </a:uFill>
+              <a:latin typeface="Arial"/>
+            </a:endParaRPr>
+          </a:p>
+        </p:txBody>
+      </p:sp>
+      <p:sp>
+        <p:nvSpPr>
+          <p:cNvPr id="88" name="PlaceHolder 3"/>
           <p:cNvSpPr>
             <a:spLocks noGrp="1"/>
           </p:cNvSpPr>
@@ -5249,23 +5643,23 @@
         <p:txBody>
           <a:bodyPr lIns="0" rIns="0" tIns="0" bIns="0"/>
           <a:p>
-            <a:endParaRPr b="0" lang="fr-FR" sz="2000" spc="-1" strike="noStrike">
-              <a:solidFill>
-                <a:srgbClr val="191b0e"/>
-              </a:solidFill>
-              <a:uFill>
-                <a:solidFill>
-                  <a:srgbClr val="ffffff"/>
-                </a:solidFill>
-              </a:uFill>
-              <a:latin typeface="Franklin Gothic Book"/>
-            </a:endParaRPr>
-          </a:p>
-        </p:txBody>
-      </p:sp>
-      <p:sp>
-        <p:nvSpPr>
-          <p:cNvPr id="92" name="PlaceHolder 4"/>
+            <a:endParaRPr b="0" lang="fr-FR" sz="3200" spc="-1" strike="noStrike">
+              <a:solidFill>
+                <a:srgbClr val="000000"/>
+              </a:solidFill>
+              <a:uFill>
+                <a:solidFill>
+                  <a:srgbClr val="ffffff"/>
+                </a:solidFill>
+              </a:uFill>
+              <a:latin typeface="Arial"/>
+            </a:endParaRPr>
+          </a:p>
+        </p:txBody>
+      </p:sp>
+      <p:sp>
+        <p:nvSpPr>
+          <p:cNvPr id="89" name="PlaceHolder 4"/>
           <p:cNvSpPr>
             <a:spLocks noGrp="1"/>
           </p:cNvSpPr>
@@ -5285,16 +5679,16 @@
         <p:txBody>
           <a:bodyPr lIns="0" rIns="0" tIns="0" bIns="0"/>
           <a:p>
-            <a:endParaRPr b="0" lang="fr-FR" sz="2000" spc="-1" strike="noStrike">
-              <a:solidFill>
-                <a:srgbClr val="191b0e"/>
-              </a:solidFill>
-              <a:uFill>
-                <a:solidFill>
-                  <a:srgbClr val="ffffff"/>
-                </a:solidFill>
-              </a:uFill>
-              <a:latin typeface="Franklin Gothic Book"/>
+            <a:endParaRPr b="0" lang="fr-FR" sz="3200" spc="-1" strike="noStrike">
+              <a:solidFill>
+                <a:srgbClr val="000000"/>
+              </a:solidFill>
+              <a:uFill>
+                <a:solidFill>
+                  <a:srgbClr val="ffffff"/>
+                </a:solidFill>
+              </a:uFill>
+              <a:latin typeface="Arial"/>
             </a:endParaRPr>
           </a:p>
         </p:txBody>
@@ -5323,7 +5717,7 @@
       </p:grpSpPr>
       <p:sp>
         <p:nvSpPr>
-          <p:cNvPr id="93" name="PlaceHolder 1"/>
+          <p:cNvPr id="90" name="PlaceHolder 1"/>
           <p:cNvSpPr>
             <a:spLocks noGrp="1"/>
           </p:cNvSpPr>
@@ -5343,23 +5737,24 @@
         <p:txBody>
           <a:bodyPr lIns="0" rIns="0" tIns="0" bIns="0" anchor="ctr"/>
           <a:p>
-            <a:endParaRPr b="0" lang="fr-FR" sz="1800" spc="-1" strike="noStrike">
-              <a:solidFill>
-                <a:srgbClr val="000000"/>
-              </a:solidFill>
-              <a:uFill>
-                <a:solidFill>
-                  <a:srgbClr val="ffffff"/>
-                </a:solidFill>
-              </a:uFill>
-              <a:latin typeface="Franklin Gothic Book"/>
-            </a:endParaRPr>
-          </a:p>
-        </p:txBody>
-      </p:sp>
-      <p:sp>
-        <p:nvSpPr>
-          <p:cNvPr id="94" name="PlaceHolder 2"/>
+            <a:pPr algn="ctr"/>
+            <a:endParaRPr b="0" lang="fr-FR" sz="4400" spc="-1" strike="noStrike">
+              <a:solidFill>
+                <a:srgbClr val="000000"/>
+              </a:solidFill>
+              <a:uFill>
+                <a:solidFill>
+                  <a:srgbClr val="ffffff"/>
+                </a:solidFill>
+              </a:uFill>
+              <a:latin typeface="Arial"/>
+            </a:endParaRPr>
+          </a:p>
+        </p:txBody>
+      </p:sp>
+      <p:sp>
+        <p:nvSpPr>
+          <p:cNvPr id="91" name="PlaceHolder 2"/>
           <p:cNvSpPr>
             <a:spLocks noGrp="1"/>
           </p:cNvSpPr>
@@ -5379,23 +5774,23 @@
         <p:txBody>
           <a:bodyPr lIns="0" rIns="0" tIns="0" bIns="0"/>
           <a:p>
-            <a:endParaRPr b="0" lang="fr-FR" sz="2000" spc="-1" strike="noStrike">
-              <a:solidFill>
-                <a:srgbClr val="191b0e"/>
-              </a:solidFill>
-              <a:uFill>
-                <a:solidFill>
-                  <a:srgbClr val="ffffff"/>
-                </a:solidFill>
-              </a:uFill>
-              <a:latin typeface="Franklin Gothic Book"/>
-            </a:endParaRPr>
-          </a:p>
-        </p:txBody>
-      </p:sp>
-      <p:sp>
-        <p:nvSpPr>
-          <p:cNvPr id="95" name="PlaceHolder 3"/>
+            <a:endParaRPr b="0" lang="fr-FR" sz="3200" spc="-1" strike="noStrike">
+              <a:solidFill>
+                <a:srgbClr val="000000"/>
+              </a:solidFill>
+              <a:uFill>
+                <a:solidFill>
+                  <a:srgbClr val="ffffff"/>
+                </a:solidFill>
+              </a:uFill>
+              <a:latin typeface="Arial"/>
+            </a:endParaRPr>
+          </a:p>
+        </p:txBody>
+      </p:sp>
+      <p:sp>
+        <p:nvSpPr>
+          <p:cNvPr id="92" name="PlaceHolder 3"/>
           <p:cNvSpPr>
             <a:spLocks noGrp="1"/>
           </p:cNvSpPr>
@@ -5415,23 +5810,23 @@
         <p:txBody>
           <a:bodyPr lIns="0" rIns="0" tIns="0" bIns="0"/>
           <a:p>
-            <a:endParaRPr b="0" lang="fr-FR" sz="2000" spc="-1" strike="noStrike">
-              <a:solidFill>
-                <a:srgbClr val="191b0e"/>
-              </a:solidFill>
-              <a:uFill>
-                <a:solidFill>
-                  <a:srgbClr val="ffffff"/>
-                </a:solidFill>
-              </a:uFill>
-              <a:latin typeface="Franklin Gothic Book"/>
-            </a:endParaRPr>
-          </a:p>
-        </p:txBody>
-      </p:sp>
-      <p:sp>
-        <p:nvSpPr>
-          <p:cNvPr id="96" name="PlaceHolder 4"/>
+            <a:endParaRPr b="0" lang="fr-FR" sz="3200" spc="-1" strike="noStrike">
+              <a:solidFill>
+                <a:srgbClr val="000000"/>
+              </a:solidFill>
+              <a:uFill>
+                <a:solidFill>
+                  <a:srgbClr val="ffffff"/>
+                </a:solidFill>
+              </a:uFill>
+              <a:latin typeface="Arial"/>
+            </a:endParaRPr>
+          </a:p>
+        </p:txBody>
+      </p:sp>
+      <p:sp>
+        <p:nvSpPr>
+          <p:cNvPr id="93" name="PlaceHolder 4"/>
           <p:cNvSpPr>
             <a:spLocks noGrp="1"/>
           </p:cNvSpPr>
@@ -5451,16 +5846,16 @@
         <p:txBody>
           <a:bodyPr lIns="0" rIns="0" tIns="0" bIns="0"/>
           <a:p>
-            <a:endParaRPr b="0" lang="fr-FR" sz="2000" spc="-1" strike="noStrike">
-              <a:solidFill>
-                <a:srgbClr val="191b0e"/>
-              </a:solidFill>
-              <a:uFill>
-                <a:solidFill>
-                  <a:srgbClr val="ffffff"/>
-                </a:solidFill>
-              </a:uFill>
-              <a:latin typeface="Franklin Gothic Book"/>
+            <a:endParaRPr b="0" lang="fr-FR" sz="3200" spc="-1" strike="noStrike">
+              <a:solidFill>
+                <a:srgbClr val="000000"/>
+              </a:solidFill>
+              <a:uFill>
+                <a:solidFill>
+                  <a:srgbClr val="ffffff"/>
+                </a:solidFill>
+              </a:uFill>
+              <a:latin typeface="Arial"/>
             </a:endParaRPr>
           </a:p>
         </p:txBody>
@@ -5489,7 +5884,7 @@
       </p:grpSpPr>
       <p:sp>
         <p:nvSpPr>
-          <p:cNvPr id="97" name="PlaceHolder 1"/>
+          <p:cNvPr id="94" name="PlaceHolder 1"/>
           <p:cNvSpPr>
             <a:spLocks noGrp="1"/>
           </p:cNvSpPr>
@@ -5509,23 +5904,24 @@
         <p:txBody>
           <a:bodyPr lIns="0" rIns="0" tIns="0" bIns="0" anchor="ctr"/>
           <a:p>
-            <a:endParaRPr b="0" lang="fr-FR" sz="1800" spc="-1" strike="noStrike">
-              <a:solidFill>
-                <a:srgbClr val="000000"/>
-              </a:solidFill>
-              <a:uFill>
-                <a:solidFill>
-                  <a:srgbClr val="ffffff"/>
-                </a:solidFill>
-              </a:uFill>
-              <a:latin typeface="Franklin Gothic Book"/>
-            </a:endParaRPr>
-          </a:p>
-        </p:txBody>
-      </p:sp>
-      <p:sp>
-        <p:nvSpPr>
-          <p:cNvPr id="98" name="PlaceHolder 2"/>
+            <a:pPr algn="ctr"/>
+            <a:endParaRPr b="0" lang="fr-FR" sz="4400" spc="-1" strike="noStrike">
+              <a:solidFill>
+                <a:srgbClr val="000000"/>
+              </a:solidFill>
+              <a:uFill>
+                <a:solidFill>
+                  <a:srgbClr val="ffffff"/>
+                </a:solidFill>
+              </a:uFill>
+              <a:latin typeface="Arial"/>
+            </a:endParaRPr>
+          </a:p>
+        </p:txBody>
+      </p:sp>
+      <p:sp>
+        <p:nvSpPr>
+          <p:cNvPr id="95" name="PlaceHolder 2"/>
           <p:cNvSpPr>
             <a:spLocks noGrp="1"/>
           </p:cNvSpPr>
@@ -5545,23 +5941,23 @@
         <p:txBody>
           <a:bodyPr lIns="0" rIns="0" tIns="0" bIns="0"/>
           <a:p>
-            <a:endParaRPr b="0" lang="fr-FR" sz="2000" spc="-1" strike="noStrike">
-              <a:solidFill>
-                <a:srgbClr val="191b0e"/>
-              </a:solidFill>
-              <a:uFill>
-                <a:solidFill>
-                  <a:srgbClr val="ffffff"/>
-                </a:solidFill>
-              </a:uFill>
-              <a:latin typeface="Franklin Gothic Book"/>
-            </a:endParaRPr>
-          </a:p>
-        </p:txBody>
-      </p:sp>
-      <p:sp>
-        <p:nvSpPr>
-          <p:cNvPr id="99" name="PlaceHolder 3"/>
+            <a:endParaRPr b="0" lang="fr-FR" sz="3200" spc="-1" strike="noStrike">
+              <a:solidFill>
+                <a:srgbClr val="000000"/>
+              </a:solidFill>
+              <a:uFill>
+                <a:solidFill>
+                  <a:srgbClr val="ffffff"/>
+                </a:solidFill>
+              </a:uFill>
+              <a:latin typeface="Arial"/>
+            </a:endParaRPr>
+          </a:p>
+        </p:txBody>
+      </p:sp>
+      <p:sp>
+        <p:nvSpPr>
+          <p:cNvPr id="96" name="PlaceHolder 3"/>
           <p:cNvSpPr>
             <a:spLocks noGrp="1"/>
           </p:cNvSpPr>
@@ -5581,23 +5977,23 @@
         <p:txBody>
           <a:bodyPr lIns="0" rIns="0" tIns="0" bIns="0"/>
           <a:p>
-            <a:endParaRPr b="0" lang="fr-FR" sz="2000" spc="-1" strike="noStrike">
-              <a:solidFill>
-                <a:srgbClr val="191b0e"/>
-              </a:solidFill>
-              <a:uFill>
-                <a:solidFill>
-                  <a:srgbClr val="ffffff"/>
-                </a:solidFill>
-              </a:uFill>
-              <a:latin typeface="Franklin Gothic Book"/>
-            </a:endParaRPr>
-          </a:p>
-        </p:txBody>
-      </p:sp>
-      <p:sp>
-        <p:nvSpPr>
-          <p:cNvPr id="100" name="PlaceHolder 4"/>
+            <a:endParaRPr b="0" lang="fr-FR" sz="3200" spc="-1" strike="noStrike">
+              <a:solidFill>
+                <a:srgbClr val="000000"/>
+              </a:solidFill>
+              <a:uFill>
+                <a:solidFill>
+                  <a:srgbClr val="ffffff"/>
+                </a:solidFill>
+              </a:uFill>
+              <a:latin typeface="Arial"/>
+            </a:endParaRPr>
+          </a:p>
+        </p:txBody>
+      </p:sp>
+      <p:sp>
+        <p:nvSpPr>
+          <p:cNvPr id="97" name="PlaceHolder 4"/>
           <p:cNvSpPr>
             <a:spLocks noGrp="1"/>
           </p:cNvSpPr>
@@ -5617,16 +6013,16 @@
         <p:txBody>
           <a:bodyPr lIns="0" rIns="0" tIns="0" bIns="0"/>
           <a:p>
-            <a:endParaRPr b="0" lang="fr-FR" sz="2000" spc="-1" strike="noStrike">
-              <a:solidFill>
-                <a:srgbClr val="191b0e"/>
-              </a:solidFill>
-              <a:uFill>
-                <a:solidFill>
-                  <a:srgbClr val="ffffff"/>
-                </a:solidFill>
-              </a:uFill>
-              <a:latin typeface="Franklin Gothic Book"/>
+            <a:endParaRPr b="0" lang="fr-FR" sz="3200" spc="-1" strike="noStrike">
+              <a:solidFill>
+                <a:srgbClr val="000000"/>
+              </a:solidFill>
+              <a:uFill>
+                <a:solidFill>
+                  <a:srgbClr val="ffffff"/>
+                </a:solidFill>
+              </a:uFill>
+              <a:latin typeface="Arial"/>
             </a:endParaRPr>
           </a:p>
         </p:txBody>
@@ -5655,7 +6051,7 @@
       </p:grpSpPr>
       <p:sp>
         <p:nvSpPr>
-          <p:cNvPr id="101" name="PlaceHolder 1"/>
+          <p:cNvPr id="98" name="PlaceHolder 1"/>
           <p:cNvSpPr>
             <a:spLocks noGrp="1"/>
           </p:cNvSpPr>
@@ -5675,23 +6071,24 @@
         <p:txBody>
           <a:bodyPr lIns="0" rIns="0" tIns="0" bIns="0" anchor="ctr"/>
           <a:p>
-            <a:endParaRPr b="0" lang="fr-FR" sz="1800" spc="-1" strike="noStrike">
-              <a:solidFill>
-                <a:srgbClr val="000000"/>
-              </a:solidFill>
-              <a:uFill>
-                <a:solidFill>
-                  <a:srgbClr val="ffffff"/>
-                </a:solidFill>
-              </a:uFill>
-              <a:latin typeface="Franklin Gothic Book"/>
-            </a:endParaRPr>
-          </a:p>
-        </p:txBody>
-      </p:sp>
-      <p:sp>
-        <p:nvSpPr>
-          <p:cNvPr id="102" name="PlaceHolder 2"/>
+            <a:pPr algn="ctr"/>
+            <a:endParaRPr b="0" lang="fr-FR" sz="4400" spc="-1" strike="noStrike">
+              <a:solidFill>
+                <a:srgbClr val="000000"/>
+              </a:solidFill>
+              <a:uFill>
+                <a:solidFill>
+                  <a:srgbClr val="ffffff"/>
+                </a:solidFill>
+              </a:uFill>
+              <a:latin typeface="Arial"/>
+            </a:endParaRPr>
+          </a:p>
+        </p:txBody>
+      </p:sp>
+      <p:sp>
+        <p:nvSpPr>
+          <p:cNvPr id="99" name="PlaceHolder 2"/>
           <p:cNvSpPr>
             <a:spLocks noGrp="1"/>
           </p:cNvSpPr>
@@ -5711,23 +6108,23 @@
         <p:txBody>
           <a:bodyPr lIns="0" rIns="0" tIns="0" bIns="0"/>
           <a:p>
-            <a:endParaRPr b="0" lang="fr-FR" sz="2000" spc="-1" strike="noStrike">
-              <a:solidFill>
-                <a:srgbClr val="191b0e"/>
-              </a:solidFill>
-              <a:uFill>
-                <a:solidFill>
-                  <a:srgbClr val="ffffff"/>
-                </a:solidFill>
-              </a:uFill>
-              <a:latin typeface="Franklin Gothic Book"/>
-            </a:endParaRPr>
-          </a:p>
-        </p:txBody>
-      </p:sp>
-      <p:sp>
-        <p:nvSpPr>
-          <p:cNvPr id="103" name="PlaceHolder 3"/>
+            <a:endParaRPr b="0" lang="fr-FR" sz="3200" spc="-1" strike="noStrike">
+              <a:solidFill>
+                <a:srgbClr val="000000"/>
+              </a:solidFill>
+              <a:uFill>
+                <a:solidFill>
+                  <a:srgbClr val="ffffff"/>
+                </a:solidFill>
+              </a:uFill>
+              <a:latin typeface="Arial"/>
+            </a:endParaRPr>
+          </a:p>
+        </p:txBody>
+      </p:sp>
+      <p:sp>
+        <p:nvSpPr>
+          <p:cNvPr id="100" name="PlaceHolder 3"/>
           <p:cNvSpPr>
             <a:spLocks noGrp="1"/>
           </p:cNvSpPr>
@@ -5747,16 +6144,16 @@
         <p:txBody>
           <a:bodyPr lIns="0" rIns="0" tIns="0" bIns="0"/>
           <a:p>
-            <a:endParaRPr b="0" lang="fr-FR" sz="2000" spc="-1" strike="noStrike">
-              <a:solidFill>
-                <a:srgbClr val="191b0e"/>
-              </a:solidFill>
-              <a:uFill>
-                <a:solidFill>
-                  <a:srgbClr val="ffffff"/>
-                </a:solidFill>
-              </a:uFill>
-              <a:latin typeface="Franklin Gothic Book"/>
+            <a:endParaRPr b="0" lang="fr-FR" sz="3200" spc="-1" strike="noStrike">
+              <a:solidFill>
+                <a:srgbClr val="000000"/>
+              </a:solidFill>
+              <a:uFill>
+                <a:solidFill>
+                  <a:srgbClr val="ffffff"/>
+                </a:solidFill>
+              </a:uFill>
+              <a:latin typeface="Arial"/>
             </a:endParaRPr>
           </a:p>
         </p:txBody>
@@ -5785,7 +6182,7 @@
       </p:grpSpPr>
       <p:sp>
         <p:nvSpPr>
-          <p:cNvPr id="104" name="PlaceHolder 1"/>
+          <p:cNvPr id="101" name="PlaceHolder 1"/>
           <p:cNvSpPr>
             <a:spLocks noGrp="1"/>
           </p:cNvSpPr>
@@ -5805,23 +6202,24 @@
         <p:txBody>
           <a:bodyPr lIns="0" rIns="0" tIns="0" bIns="0" anchor="ctr"/>
           <a:p>
-            <a:endParaRPr b="0" lang="fr-FR" sz="1800" spc="-1" strike="noStrike">
-              <a:solidFill>
-                <a:srgbClr val="000000"/>
-              </a:solidFill>
-              <a:uFill>
-                <a:solidFill>
-                  <a:srgbClr val="ffffff"/>
-                </a:solidFill>
-              </a:uFill>
-              <a:latin typeface="Franklin Gothic Book"/>
-            </a:endParaRPr>
-          </a:p>
-        </p:txBody>
-      </p:sp>
-      <p:sp>
-        <p:nvSpPr>
-          <p:cNvPr id="105" name="PlaceHolder 2"/>
+            <a:pPr algn="ctr"/>
+            <a:endParaRPr b="0" lang="fr-FR" sz="4400" spc="-1" strike="noStrike">
+              <a:solidFill>
+                <a:srgbClr val="000000"/>
+              </a:solidFill>
+              <a:uFill>
+                <a:solidFill>
+                  <a:srgbClr val="ffffff"/>
+                </a:solidFill>
+              </a:uFill>
+              <a:latin typeface="Arial"/>
+            </a:endParaRPr>
+          </a:p>
+        </p:txBody>
+      </p:sp>
+      <p:sp>
+        <p:nvSpPr>
+          <p:cNvPr id="102" name="PlaceHolder 2"/>
           <p:cNvSpPr>
             <a:spLocks noGrp="1"/>
           </p:cNvSpPr>
@@ -5841,23 +6239,23 @@
         <p:txBody>
           <a:bodyPr lIns="0" rIns="0" tIns="0" bIns="0"/>
           <a:p>
-            <a:endParaRPr b="0" lang="fr-FR" sz="2000" spc="-1" strike="noStrike">
-              <a:solidFill>
-                <a:srgbClr val="191b0e"/>
-              </a:solidFill>
-              <a:uFill>
-                <a:solidFill>
-                  <a:srgbClr val="ffffff"/>
-                </a:solidFill>
-              </a:uFill>
-              <a:latin typeface="Franklin Gothic Book"/>
-            </a:endParaRPr>
-          </a:p>
-        </p:txBody>
-      </p:sp>
-      <p:sp>
-        <p:nvSpPr>
-          <p:cNvPr id="106" name="PlaceHolder 3"/>
+            <a:endParaRPr b="0" lang="fr-FR" sz="3200" spc="-1" strike="noStrike">
+              <a:solidFill>
+                <a:srgbClr val="000000"/>
+              </a:solidFill>
+              <a:uFill>
+                <a:solidFill>
+                  <a:srgbClr val="ffffff"/>
+                </a:solidFill>
+              </a:uFill>
+              <a:latin typeface="Arial"/>
+            </a:endParaRPr>
+          </a:p>
+        </p:txBody>
+      </p:sp>
+      <p:sp>
+        <p:nvSpPr>
+          <p:cNvPr id="103" name="PlaceHolder 3"/>
           <p:cNvSpPr>
             <a:spLocks noGrp="1"/>
           </p:cNvSpPr>
@@ -5877,23 +6275,23 @@
         <p:txBody>
           <a:bodyPr lIns="0" rIns="0" tIns="0" bIns="0"/>
           <a:p>
-            <a:endParaRPr b="0" lang="fr-FR" sz="2000" spc="-1" strike="noStrike">
-              <a:solidFill>
-                <a:srgbClr val="191b0e"/>
-              </a:solidFill>
-              <a:uFill>
-                <a:solidFill>
-                  <a:srgbClr val="ffffff"/>
-                </a:solidFill>
-              </a:uFill>
-              <a:latin typeface="Franklin Gothic Book"/>
-            </a:endParaRPr>
-          </a:p>
-        </p:txBody>
-      </p:sp>
-      <p:sp>
-        <p:nvSpPr>
-          <p:cNvPr id="107" name="PlaceHolder 4"/>
+            <a:endParaRPr b="0" lang="fr-FR" sz="3200" spc="-1" strike="noStrike">
+              <a:solidFill>
+                <a:srgbClr val="000000"/>
+              </a:solidFill>
+              <a:uFill>
+                <a:solidFill>
+                  <a:srgbClr val="ffffff"/>
+                </a:solidFill>
+              </a:uFill>
+              <a:latin typeface="Arial"/>
+            </a:endParaRPr>
+          </a:p>
+        </p:txBody>
+      </p:sp>
+      <p:sp>
+        <p:nvSpPr>
+          <p:cNvPr id="104" name="PlaceHolder 4"/>
           <p:cNvSpPr>
             <a:spLocks noGrp="1"/>
           </p:cNvSpPr>
@@ -5913,23 +6311,23 @@
         <p:txBody>
           <a:bodyPr lIns="0" rIns="0" tIns="0" bIns="0"/>
           <a:p>
-            <a:endParaRPr b="0" lang="fr-FR" sz="2000" spc="-1" strike="noStrike">
-              <a:solidFill>
-                <a:srgbClr val="191b0e"/>
-              </a:solidFill>
-              <a:uFill>
-                <a:solidFill>
-                  <a:srgbClr val="ffffff"/>
-                </a:solidFill>
-              </a:uFill>
-              <a:latin typeface="Franklin Gothic Book"/>
-            </a:endParaRPr>
-          </a:p>
-        </p:txBody>
-      </p:sp>
-      <p:sp>
-        <p:nvSpPr>
-          <p:cNvPr id="108" name="PlaceHolder 5"/>
+            <a:endParaRPr b="0" lang="fr-FR" sz="3200" spc="-1" strike="noStrike">
+              <a:solidFill>
+                <a:srgbClr val="000000"/>
+              </a:solidFill>
+              <a:uFill>
+                <a:solidFill>
+                  <a:srgbClr val="ffffff"/>
+                </a:solidFill>
+              </a:uFill>
+              <a:latin typeface="Arial"/>
+            </a:endParaRPr>
+          </a:p>
+        </p:txBody>
+      </p:sp>
+      <p:sp>
+        <p:nvSpPr>
+          <p:cNvPr id="105" name="PlaceHolder 5"/>
           <p:cNvSpPr>
             <a:spLocks noGrp="1"/>
           </p:cNvSpPr>
@@ -5949,16 +6347,16 @@
         <p:txBody>
           <a:bodyPr lIns="0" rIns="0" tIns="0" bIns="0"/>
           <a:p>
-            <a:endParaRPr b="0" lang="fr-FR" sz="2000" spc="-1" strike="noStrike">
-              <a:solidFill>
-                <a:srgbClr val="191b0e"/>
-              </a:solidFill>
-              <a:uFill>
-                <a:solidFill>
-                  <a:srgbClr val="ffffff"/>
-                </a:solidFill>
-              </a:uFill>
-              <a:latin typeface="Franklin Gothic Book"/>
+            <a:endParaRPr b="0" lang="fr-FR" sz="3200" spc="-1" strike="noStrike">
+              <a:solidFill>
+                <a:srgbClr val="000000"/>
+              </a:solidFill>
+              <a:uFill>
+                <a:solidFill>
+                  <a:srgbClr val="ffffff"/>
+                </a:solidFill>
+              </a:uFill>
+              <a:latin typeface="Arial"/>
             </a:endParaRPr>
           </a:p>
         </p:txBody>
@@ -5987,7 +6385,7 @@
       </p:grpSpPr>
       <p:sp>
         <p:nvSpPr>
-          <p:cNvPr id="109" name="PlaceHolder 1"/>
+          <p:cNvPr id="106" name="PlaceHolder 1"/>
           <p:cNvSpPr>
             <a:spLocks noGrp="1"/>
           </p:cNvSpPr>
@@ -6007,23 +6405,24 @@
         <p:txBody>
           <a:bodyPr lIns="0" rIns="0" tIns="0" bIns="0" anchor="ctr"/>
           <a:p>
-            <a:endParaRPr b="0" lang="fr-FR" sz="1800" spc="-1" strike="noStrike">
-              <a:solidFill>
-                <a:srgbClr val="000000"/>
-              </a:solidFill>
-              <a:uFill>
-                <a:solidFill>
-                  <a:srgbClr val="ffffff"/>
-                </a:solidFill>
-              </a:uFill>
-              <a:latin typeface="Franklin Gothic Book"/>
-            </a:endParaRPr>
-          </a:p>
-        </p:txBody>
-      </p:sp>
-      <p:sp>
-        <p:nvSpPr>
-          <p:cNvPr id="110" name="PlaceHolder 2"/>
+            <a:pPr algn="ctr"/>
+            <a:endParaRPr b="0" lang="fr-FR" sz="4400" spc="-1" strike="noStrike">
+              <a:solidFill>
+                <a:srgbClr val="000000"/>
+              </a:solidFill>
+              <a:uFill>
+                <a:solidFill>
+                  <a:srgbClr val="ffffff"/>
+                </a:solidFill>
+              </a:uFill>
+              <a:latin typeface="Arial"/>
+            </a:endParaRPr>
+          </a:p>
+        </p:txBody>
+      </p:sp>
+      <p:sp>
+        <p:nvSpPr>
+          <p:cNvPr id="107" name="PlaceHolder 2"/>
           <p:cNvSpPr>
             <a:spLocks noGrp="1"/>
           </p:cNvSpPr>
@@ -6043,23 +6442,23 @@
         <p:txBody>
           <a:bodyPr lIns="0" rIns="0" tIns="0" bIns="0"/>
           <a:p>
-            <a:endParaRPr b="0" lang="fr-FR" sz="2000" spc="-1" strike="noStrike">
-              <a:solidFill>
-                <a:srgbClr val="191b0e"/>
-              </a:solidFill>
-              <a:uFill>
-                <a:solidFill>
-                  <a:srgbClr val="ffffff"/>
-                </a:solidFill>
-              </a:uFill>
-              <a:latin typeface="Franklin Gothic Book"/>
-            </a:endParaRPr>
-          </a:p>
-        </p:txBody>
-      </p:sp>
-      <p:sp>
-        <p:nvSpPr>
-          <p:cNvPr id="111" name="PlaceHolder 3"/>
+            <a:endParaRPr b="0" lang="fr-FR" sz="3200" spc="-1" strike="noStrike">
+              <a:solidFill>
+                <a:srgbClr val="000000"/>
+              </a:solidFill>
+              <a:uFill>
+                <a:solidFill>
+                  <a:srgbClr val="ffffff"/>
+                </a:solidFill>
+              </a:uFill>
+              <a:latin typeface="Arial"/>
+            </a:endParaRPr>
+          </a:p>
+        </p:txBody>
+      </p:sp>
+      <p:sp>
+        <p:nvSpPr>
+          <p:cNvPr id="108" name="PlaceHolder 3"/>
           <p:cNvSpPr>
             <a:spLocks noGrp="1"/>
           </p:cNvSpPr>
@@ -6079,23 +6478,23 @@
         <p:txBody>
           <a:bodyPr lIns="0" rIns="0" tIns="0" bIns="0"/>
           <a:p>
-            <a:endParaRPr b="0" lang="fr-FR" sz="2000" spc="-1" strike="noStrike">
-              <a:solidFill>
-                <a:srgbClr val="191b0e"/>
-              </a:solidFill>
-              <a:uFill>
-                <a:solidFill>
-                  <a:srgbClr val="ffffff"/>
-                </a:solidFill>
-              </a:uFill>
-              <a:latin typeface="Franklin Gothic Book"/>
+            <a:endParaRPr b="0" lang="fr-FR" sz="3200" spc="-1" strike="noStrike">
+              <a:solidFill>
+                <a:srgbClr val="000000"/>
+              </a:solidFill>
+              <a:uFill>
+                <a:solidFill>
+                  <a:srgbClr val="ffffff"/>
+                </a:solidFill>
+              </a:uFill>
+              <a:latin typeface="Arial"/>
             </a:endParaRPr>
           </a:p>
         </p:txBody>
       </p:sp>
       <p:pic>
         <p:nvPicPr>
-          <p:cNvPr id="112" name="" descr=""/>
+          <p:cNvPr id="109" name="" descr=""/>
           <p:cNvPicPr/>
           <p:nvPr/>
         </p:nvPicPr>
@@ -6118,7 +6517,7 @@
       </p:pic>
       <p:pic>
         <p:nvPicPr>
-          <p:cNvPr id="113" name="" descr=""/>
+          <p:cNvPr id="110" name="" descr=""/>
           <p:cNvPicPr/>
           <p:nvPr/>
         </p:nvPicPr>
@@ -6183,16 +6582,17 @@
         <p:txBody>
           <a:bodyPr lIns="0" rIns="0" tIns="0" bIns="0" anchor="ctr"/>
           <a:p>
-            <a:endParaRPr b="0" lang="fr-FR" sz="1800" spc="-1" strike="noStrike">
-              <a:solidFill>
-                <a:srgbClr val="000000"/>
-              </a:solidFill>
-              <a:uFill>
-                <a:solidFill>
-                  <a:srgbClr val="ffffff"/>
-                </a:solidFill>
-              </a:uFill>
-              <a:latin typeface="Franklin Gothic Book"/>
+            <a:pPr algn="ctr"/>
+            <a:endParaRPr b="0" lang="fr-FR" sz="4400" spc="-1" strike="noStrike">
+              <a:solidFill>
+                <a:srgbClr val="000000"/>
+              </a:solidFill>
+              <a:uFill>
+                <a:solidFill>
+                  <a:srgbClr val="ffffff"/>
+                </a:solidFill>
+              </a:uFill>
+              <a:latin typeface="Arial"/>
             </a:endParaRPr>
           </a:p>
         </p:txBody>
@@ -6219,16 +6619,16 @@
         <p:txBody>
           <a:bodyPr lIns="0" rIns="0" tIns="0" bIns="0"/>
           <a:p>
-            <a:endParaRPr b="0" lang="fr-FR" sz="2000" spc="-1" strike="noStrike">
-              <a:solidFill>
-                <a:srgbClr val="191b0e"/>
-              </a:solidFill>
-              <a:uFill>
-                <a:solidFill>
-                  <a:srgbClr val="ffffff"/>
-                </a:solidFill>
-              </a:uFill>
-              <a:latin typeface="Franklin Gothic Book"/>
+            <a:endParaRPr b="0" lang="fr-FR" sz="3200" spc="-1" strike="noStrike">
+              <a:solidFill>
+                <a:srgbClr val="000000"/>
+              </a:solidFill>
+              <a:uFill>
+                <a:solidFill>
+                  <a:srgbClr val="ffffff"/>
+                </a:solidFill>
+              </a:uFill>
+              <a:latin typeface="Arial"/>
             </a:endParaRPr>
           </a:p>
         </p:txBody>
@@ -6255,16 +6655,16 @@
         <p:txBody>
           <a:bodyPr lIns="0" rIns="0" tIns="0" bIns="0"/>
           <a:p>
-            <a:endParaRPr b="0" lang="fr-FR" sz="2000" spc="-1" strike="noStrike">
-              <a:solidFill>
-                <a:srgbClr val="191b0e"/>
-              </a:solidFill>
-              <a:uFill>
-                <a:solidFill>
-                  <a:srgbClr val="ffffff"/>
-                </a:solidFill>
-              </a:uFill>
-              <a:latin typeface="Franklin Gothic Book"/>
+            <a:endParaRPr b="0" lang="fr-FR" sz="3200" spc="-1" strike="noStrike">
+              <a:solidFill>
+                <a:srgbClr val="000000"/>
+              </a:solidFill>
+              <a:uFill>
+                <a:solidFill>
+                  <a:srgbClr val="ffffff"/>
+                </a:solidFill>
+              </a:uFill>
+              <a:latin typeface="Arial"/>
             </a:endParaRPr>
           </a:p>
         </p:txBody>
@@ -6313,16 +6713,17 @@
         <p:txBody>
           <a:bodyPr lIns="0" rIns="0" tIns="0" bIns="0" anchor="ctr"/>
           <a:p>
-            <a:endParaRPr b="0" lang="fr-FR" sz="1800" spc="-1" strike="noStrike">
-              <a:solidFill>
-                <a:srgbClr val="000000"/>
-              </a:solidFill>
-              <a:uFill>
-                <a:solidFill>
-                  <a:srgbClr val="ffffff"/>
-                </a:solidFill>
-              </a:uFill>
-              <a:latin typeface="Franklin Gothic Book"/>
+            <a:pPr algn="ctr"/>
+            <a:endParaRPr b="0" lang="fr-FR" sz="4400" spc="-1" strike="noStrike">
+              <a:solidFill>
+                <a:srgbClr val="000000"/>
+              </a:solidFill>
+              <a:uFill>
+                <a:solidFill>
+                  <a:srgbClr val="ffffff"/>
+                </a:solidFill>
+              </a:uFill>
+              <a:latin typeface="Arial"/>
             </a:endParaRPr>
           </a:p>
         </p:txBody>
@@ -6430,16 +6831,17 @@
         <p:txBody>
           <a:bodyPr lIns="0" rIns="0" tIns="0" bIns="0" anchor="ctr"/>
           <a:p>
-            <a:endParaRPr b="0" lang="fr-FR" sz="1800" spc="-1" strike="noStrike">
-              <a:solidFill>
-                <a:srgbClr val="000000"/>
-              </a:solidFill>
-              <a:uFill>
-                <a:solidFill>
-                  <a:srgbClr val="ffffff"/>
-                </a:solidFill>
-              </a:uFill>
-              <a:latin typeface="Franklin Gothic Book"/>
+            <a:pPr algn="ctr"/>
+            <a:endParaRPr b="0" lang="fr-FR" sz="4400" spc="-1" strike="noStrike">
+              <a:solidFill>
+                <a:srgbClr val="000000"/>
+              </a:solidFill>
+              <a:uFill>
+                <a:solidFill>
+                  <a:srgbClr val="ffffff"/>
+                </a:solidFill>
+              </a:uFill>
+              <a:latin typeface="Arial"/>
             </a:endParaRPr>
           </a:p>
         </p:txBody>
@@ -6466,16 +6868,16 @@
         <p:txBody>
           <a:bodyPr lIns="0" rIns="0" tIns="0" bIns="0"/>
           <a:p>
-            <a:endParaRPr b="0" lang="fr-FR" sz="2000" spc="-1" strike="noStrike">
-              <a:solidFill>
-                <a:srgbClr val="191b0e"/>
-              </a:solidFill>
-              <a:uFill>
-                <a:solidFill>
-                  <a:srgbClr val="ffffff"/>
-                </a:solidFill>
-              </a:uFill>
-              <a:latin typeface="Franklin Gothic Book"/>
+            <a:endParaRPr b="0" lang="fr-FR" sz="3200" spc="-1" strike="noStrike">
+              <a:solidFill>
+                <a:srgbClr val="000000"/>
+              </a:solidFill>
+              <a:uFill>
+                <a:solidFill>
+                  <a:srgbClr val="ffffff"/>
+                </a:solidFill>
+              </a:uFill>
+              <a:latin typeface="Arial"/>
             </a:endParaRPr>
           </a:p>
         </p:txBody>
@@ -6502,16 +6904,16 @@
         <p:txBody>
           <a:bodyPr lIns="0" rIns="0" tIns="0" bIns="0"/>
           <a:p>
-            <a:endParaRPr b="0" lang="fr-FR" sz="2000" spc="-1" strike="noStrike">
-              <a:solidFill>
-                <a:srgbClr val="191b0e"/>
-              </a:solidFill>
-              <a:uFill>
-                <a:solidFill>
-                  <a:srgbClr val="ffffff"/>
-                </a:solidFill>
-              </a:uFill>
-              <a:latin typeface="Franklin Gothic Book"/>
+            <a:endParaRPr b="0" lang="fr-FR" sz="3200" spc="-1" strike="noStrike">
+              <a:solidFill>
+                <a:srgbClr val="000000"/>
+              </a:solidFill>
+              <a:uFill>
+                <a:solidFill>
+                  <a:srgbClr val="ffffff"/>
+                </a:solidFill>
+              </a:uFill>
+              <a:latin typeface="Arial"/>
             </a:endParaRPr>
           </a:p>
         </p:txBody>
@@ -6538,16 +6940,16 @@
         <p:txBody>
           <a:bodyPr lIns="0" rIns="0" tIns="0" bIns="0"/>
           <a:p>
-            <a:endParaRPr b="0" lang="fr-FR" sz="2000" spc="-1" strike="noStrike">
-              <a:solidFill>
-                <a:srgbClr val="191b0e"/>
-              </a:solidFill>
-              <a:uFill>
-                <a:solidFill>
-                  <a:srgbClr val="ffffff"/>
-                </a:solidFill>
-              </a:uFill>
-              <a:latin typeface="Franklin Gothic Book"/>
+            <a:endParaRPr b="0" lang="fr-FR" sz="3200" spc="-1" strike="noStrike">
+              <a:solidFill>
+                <a:srgbClr val="000000"/>
+              </a:solidFill>
+              <a:uFill>
+                <a:solidFill>
+                  <a:srgbClr val="ffffff"/>
+                </a:solidFill>
+              </a:uFill>
+              <a:latin typeface="Arial"/>
             </a:endParaRPr>
           </a:p>
         </p:txBody>
@@ -6596,16 +6998,17 @@
         <p:txBody>
           <a:bodyPr lIns="0" rIns="0" tIns="0" bIns="0" anchor="ctr"/>
           <a:p>
-            <a:endParaRPr b="0" lang="fr-FR" sz="1800" spc="-1" strike="noStrike">
-              <a:solidFill>
-                <a:srgbClr val="000000"/>
-              </a:solidFill>
-              <a:uFill>
-                <a:solidFill>
-                  <a:srgbClr val="ffffff"/>
-                </a:solidFill>
-              </a:uFill>
-              <a:latin typeface="Franklin Gothic Book"/>
+            <a:pPr algn="ctr"/>
+            <a:endParaRPr b="0" lang="fr-FR" sz="4400" spc="-1" strike="noStrike">
+              <a:solidFill>
+                <a:srgbClr val="000000"/>
+              </a:solidFill>
+              <a:uFill>
+                <a:solidFill>
+                  <a:srgbClr val="ffffff"/>
+                </a:solidFill>
+              </a:uFill>
+              <a:latin typeface="Arial"/>
             </a:endParaRPr>
           </a:p>
         </p:txBody>
@@ -6632,16 +7035,16 @@
         <p:txBody>
           <a:bodyPr lIns="0" rIns="0" tIns="0" bIns="0"/>
           <a:p>
-            <a:endParaRPr b="0" lang="fr-FR" sz="2000" spc="-1" strike="noStrike">
-              <a:solidFill>
-                <a:srgbClr val="191b0e"/>
-              </a:solidFill>
-              <a:uFill>
-                <a:solidFill>
-                  <a:srgbClr val="ffffff"/>
-                </a:solidFill>
-              </a:uFill>
-              <a:latin typeface="Franklin Gothic Book"/>
+            <a:endParaRPr b="0" lang="fr-FR" sz="3200" spc="-1" strike="noStrike">
+              <a:solidFill>
+                <a:srgbClr val="000000"/>
+              </a:solidFill>
+              <a:uFill>
+                <a:solidFill>
+                  <a:srgbClr val="ffffff"/>
+                </a:solidFill>
+              </a:uFill>
+              <a:latin typeface="Arial"/>
             </a:endParaRPr>
           </a:p>
         </p:txBody>
@@ -6668,16 +7071,16 @@
         <p:txBody>
           <a:bodyPr lIns="0" rIns="0" tIns="0" bIns="0"/>
           <a:p>
-            <a:endParaRPr b="0" lang="fr-FR" sz="2000" spc="-1" strike="noStrike">
-              <a:solidFill>
-                <a:srgbClr val="191b0e"/>
-              </a:solidFill>
-              <a:uFill>
-                <a:solidFill>
-                  <a:srgbClr val="ffffff"/>
-                </a:solidFill>
-              </a:uFill>
-              <a:latin typeface="Franklin Gothic Book"/>
+            <a:endParaRPr b="0" lang="fr-FR" sz="3200" spc="-1" strike="noStrike">
+              <a:solidFill>
+                <a:srgbClr val="000000"/>
+              </a:solidFill>
+              <a:uFill>
+                <a:solidFill>
+                  <a:srgbClr val="ffffff"/>
+                </a:solidFill>
+              </a:uFill>
+              <a:latin typeface="Arial"/>
             </a:endParaRPr>
           </a:p>
         </p:txBody>
@@ -6704,16 +7107,16 @@
         <p:txBody>
           <a:bodyPr lIns="0" rIns="0" tIns="0" bIns="0"/>
           <a:p>
-            <a:endParaRPr b="0" lang="fr-FR" sz="2000" spc="-1" strike="noStrike">
-              <a:solidFill>
-                <a:srgbClr val="191b0e"/>
-              </a:solidFill>
-              <a:uFill>
-                <a:solidFill>
-                  <a:srgbClr val="ffffff"/>
-                </a:solidFill>
-              </a:uFill>
-              <a:latin typeface="Franklin Gothic Book"/>
+            <a:endParaRPr b="0" lang="fr-FR" sz="3200" spc="-1" strike="noStrike">
+              <a:solidFill>
+                <a:srgbClr val="000000"/>
+              </a:solidFill>
+              <a:uFill>
+                <a:solidFill>
+                  <a:srgbClr val="ffffff"/>
+                </a:solidFill>
+              </a:uFill>
+              <a:latin typeface="Arial"/>
             </a:endParaRPr>
           </a:p>
         </p:txBody>
@@ -6762,16 +7165,17 @@
         <p:txBody>
           <a:bodyPr lIns="0" rIns="0" tIns="0" bIns="0" anchor="ctr"/>
           <a:p>
-            <a:endParaRPr b="0" lang="fr-FR" sz="1800" spc="-1" strike="noStrike">
-              <a:solidFill>
-                <a:srgbClr val="000000"/>
-              </a:solidFill>
-              <a:uFill>
-                <a:solidFill>
-                  <a:srgbClr val="ffffff"/>
-                </a:solidFill>
-              </a:uFill>
-              <a:latin typeface="Franklin Gothic Book"/>
+            <a:pPr algn="ctr"/>
+            <a:endParaRPr b="0" lang="fr-FR" sz="4400" spc="-1" strike="noStrike">
+              <a:solidFill>
+                <a:srgbClr val="000000"/>
+              </a:solidFill>
+              <a:uFill>
+                <a:solidFill>
+                  <a:srgbClr val="ffffff"/>
+                </a:solidFill>
+              </a:uFill>
+              <a:latin typeface="Arial"/>
             </a:endParaRPr>
           </a:p>
         </p:txBody>
@@ -6798,16 +7202,16 @@
         <p:txBody>
           <a:bodyPr lIns="0" rIns="0" tIns="0" bIns="0"/>
           <a:p>
-            <a:endParaRPr b="0" lang="fr-FR" sz="2000" spc="-1" strike="noStrike">
-              <a:solidFill>
-                <a:srgbClr val="191b0e"/>
-              </a:solidFill>
-              <a:uFill>
-                <a:solidFill>
-                  <a:srgbClr val="ffffff"/>
-                </a:solidFill>
-              </a:uFill>
-              <a:latin typeface="Franklin Gothic Book"/>
+            <a:endParaRPr b="0" lang="fr-FR" sz="3200" spc="-1" strike="noStrike">
+              <a:solidFill>
+                <a:srgbClr val="000000"/>
+              </a:solidFill>
+              <a:uFill>
+                <a:solidFill>
+                  <a:srgbClr val="ffffff"/>
+                </a:solidFill>
+              </a:uFill>
+              <a:latin typeface="Arial"/>
             </a:endParaRPr>
           </a:p>
         </p:txBody>
@@ -6834,16 +7238,16 @@
         <p:txBody>
           <a:bodyPr lIns="0" rIns="0" tIns="0" bIns="0"/>
           <a:p>
-            <a:endParaRPr b="0" lang="fr-FR" sz="2000" spc="-1" strike="noStrike">
-              <a:solidFill>
-                <a:srgbClr val="191b0e"/>
-              </a:solidFill>
-              <a:uFill>
-                <a:solidFill>
-                  <a:srgbClr val="ffffff"/>
-                </a:solidFill>
-              </a:uFill>
-              <a:latin typeface="Franklin Gothic Book"/>
+            <a:endParaRPr b="0" lang="fr-FR" sz="3200" spc="-1" strike="noStrike">
+              <a:solidFill>
+                <a:srgbClr val="000000"/>
+              </a:solidFill>
+              <a:uFill>
+                <a:solidFill>
+                  <a:srgbClr val="ffffff"/>
+                </a:solidFill>
+              </a:uFill>
+              <a:latin typeface="Arial"/>
             </a:endParaRPr>
           </a:p>
         </p:txBody>
@@ -6870,16 +7274,16 @@
         <p:txBody>
           <a:bodyPr lIns="0" rIns="0" tIns="0" bIns="0"/>
           <a:p>
-            <a:endParaRPr b="0" lang="fr-FR" sz="2000" spc="-1" strike="noStrike">
-              <a:solidFill>
-                <a:srgbClr val="191b0e"/>
-              </a:solidFill>
-              <a:uFill>
-                <a:solidFill>
-                  <a:srgbClr val="ffffff"/>
-                </a:solidFill>
-              </a:uFill>
-              <a:latin typeface="Franklin Gothic Book"/>
+            <a:endParaRPr b="0" lang="fr-FR" sz="3200" spc="-1" strike="noStrike">
+              <a:solidFill>
+                <a:srgbClr val="000000"/>
+              </a:solidFill>
+              <a:uFill>
+                <a:solidFill>
+                  <a:srgbClr val="ffffff"/>
+                </a:solidFill>
+              </a:uFill>
+              <a:latin typeface="Arial"/>
             </a:endParaRPr>
           </a:p>
         </p:txBody>
@@ -6922,7 +7326,7 @@
         <p:spPr>
           <a:xfrm>
             <a:off x="478080" y="360"/>
-            <a:ext cx="228240" cy="6857640"/>
+            <a:ext cx="227880" cy="6857280"/>
           </a:xfrm>
           <a:prstGeom prst="rect">
             <a:avLst/>
@@ -6962,7 +7366,7 @@
         <p:spPr>
           <a:xfrm>
             <a:off x="609480" y="273600"/>
-            <a:ext cx="10972080" cy="1144440"/>
+            <a:ext cx="10972440" cy="1144800"/>
           </a:xfrm>
           <a:prstGeom prst="rect">
             <a:avLst/>
@@ -6971,16 +7375,45 @@
         <p:txBody>
           <a:bodyPr lIns="0" rIns="0" tIns="0" bIns="0" anchor="ctr"/>
           <a:p>
-            <a:endParaRPr b="0" lang="fr-FR" sz="1800" spc="-1" strike="noStrike">
-              <a:solidFill>
-                <a:srgbClr val="000000"/>
-              </a:solidFill>
-              <a:uFill>
-                <a:solidFill>
-                  <a:srgbClr val="ffffff"/>
-                </a:solidFill>
-              </a:uFill>
-              <a:latin typeface="Franklin Gothic Book"/>
+            <a:pPr algn="ctr"/>
+            <a:r>
+              <a:rPr b="0" lang="fr-FR" sz="4400" spc="-1" strike="noStrike">
+                <a:solidFill>
+                  <a:srgbClr val="000000"/>
+                </a:solidFill>
+                <a:uFill>
+                  <a:solidFill>
+                    <a:srgbClr val="ffffff"/>
+                  </a:solidFill>
+                </a:uFill>
+                <a:latin typeface="Arial"/>
+              </a:rPr>
+              <a:t>Cliquez pour éditer le </a:t>
+            </a:r>
+            <a:r>
+              <a:rPr b="0" lang="fr-FR" sz="4400" spc="-1" strike="noStrike">
+                <a:solidFill>
+                  <a:srgbClr val="000000"/>
+                </a:solidFill>
+                <a:uFill>
+                  <a:solidFill>
+                    <a:srgbClr val="ffffff"/>
+                  </a:solidFill>
+                </a:uFill>
+                <a:latin typeface="Arial"/>
+              </a:rPr>
+              <a:t>format du texte-titre</a:t>
+            </a:r>
+            <a:endParaRPr b="0" lang="fr-FR" sz="4400" spc="-1" strike="noStrike">
+              <a:solidFill>
+                <a:srgbClr val="000000"/>
+              </a:solidFill>
+              <a:uFill>
+                <a:solidFill>
+                  <a:srgbClr val="ffffff"/>
+                </a:solidFill>
+              </a:uFill>
+              <a:latin typeface="Arial"/>
             </a:endParaRPr>
           </a:p>
         </p:txBody>
@@ -6998,7 +7431,7 @@
         <p:spPr>
           <a:xfrm>
             <a:off x="609480" y="1604520"/>
-            <a:ext cx="10972080" cy="3976920"/>
+            <a:ext cx="10972440" cy="3977280"/>
           </a:xfrm>
           <a:prstGeom prst="rect">
             <a:avLst/>
@@ -7016,29 +7449,29 @@
               <a:buChar char=""/>
             </a:pPr>
             <a:r>
-              <a:rPr b="0" lang="fr-FR" sz="2000" spc="-1" strike="noStrike">
-                <a:solidFill>
-                  <a:srgbClr val="191b0e"/>
-                </a:solidFill>
-                <a:uFill>
-                  <a:solidFill>
-                    <a:srgbClr val="ffffff"/>
-                  </a:solidFill>
-                </a:uFill>
-                <a:latin typeface="Franklin Gothic Book"/>
+              <a:rPr b="0" lang="fr-FR" sz="3200" spc="-1" strike="noStrike">
+                <a:solidFill>
+                  <a:srgbClr val="000000"/>
+                </a:solidFill>
+                <a:uFill>
+                  <a:solidFill>
+                    <a:srgbClr val="ffffff"/>
+                  </a:solidFill>
+                </a:uFill>
+                <a:latin typeface="Arial"/>
               </a:rPr>
               <a:t>Cliquez pour éditer le format du plan de texte</a:t>
             </a:r>
-            <a:endParaRPr b="0" lang="fr-FR" sz="2000" spc="-1" strike="noStrike">
-              <a:solidFill>
-                <a:srgbClr val="191b0e"/>
-              </a:solidFill>
-              <a:uFill>
-                <a:solidFill>
-                  <a:srgbClr val="ffffff"/>
-                </a:solidFill>
-              </a:uFill>
-              <a:latin typeface="Franklin Gothic Book"/>
+            <a:endParaRPr b="0" lang="fr-FR" sz="3200" spc="-1" strike="noStrike">
+              <a:solidFill>
+                <a:srgbClr val="000000"/>
+              </a:solidFill>
+              <a:uFill>
+                <a:solidFill>
+                  <a:srgbClr val="ffffff"/>
+                </a:solidFill>
+              </a:uFill>
+              <a:latin typeface="Arial"/>
             </a:endParaRPr>
           </a:p>
           <a:p>
@@ -7051,29 +7484,29 @@
               <a:buChar char=""/>
             </a:pPr>
             <a:r>
-              <a:rPr b="0" lang="fr-FR" sz="2000" spc="-1" strike="noStrike">
-                <a:solidFill>
-                  <a:srgbClr val="191b0e"/>
-                </a:solidFill>
-                <a:uFill>
-                  <a:solidFill>
-                    <a:srgbClr val="ffffff"/>
-                  </a:solidFill>
-                </a:uFill>
-                <a:latin typeface="Franklin Gothic Book"/>
+              <a:rPr b="0" lang="fr-FR" sz="2800" spc="-1" strike="noStrike">
+                <a:solidFill>
+                  <a:srgbClr val="000000"/>
+                </a:solidFill>
+                <a:uFill>
+                  <a:solidFill>
+                    <a:srgbClr val="ffffff"/>
+                  </a:solidFill>
+                </a:uFill>
+                <a:latin typeface="Arial"/>
               </a:rPr>
               <a:t>Second niveau de plan</a:t>
             </a:r>
-            <a:endParaRPr b="0" lang="fr-FR" sz="2000" spc="-1" strike="noStrike">
-              <a:solidFill>
-                <a:srgbClr val="191b0e"/>
-              </a:solidFill>
-              <a:uFill>
-                <a:solidFill>
-                  <a:srgbClr val="ffffff"/>
-                </a:solidFill>
-              </a:uFill>
-              <a:latin typeface="Franklin Gothic Book"/>
+            <a:endParaRPr b="0" lang="fr-FR" sz="2800" spc="-1" strike="noStrike">
+              <a:solidFill>
+                <a:srgbClr val="000000"/>
+              </a:solidFill>
+              <a:uFill>
+                <a:solidFill>
+                  <a:srgbClr val="ffffff"/>
+                </a:solidFill>
+              </a:uFill>
+              <a:latin typeface="Arial"/>
             </a:endParaRPr>
           </a:p>
           <a:p>
@@ -7086,29 +7519,29 @@
               <a:buChar char=""/>
             </a:pPr>
             <a:r>
-              <a:rPr b="0" i="1" lang="fr-FR" sz="2000" spc="-1" strike="noStrike">
-                <a:solidFill>
-                  <a:srgbClr val="191b0e"/>
-                </a:solidFill>
-                <a:uFill>
-                  <a:solidFill>
-                    <a:srgbClr val="ffffff"/>
-                  </a:solidFill>
-                </a:uFill>
-                <a:latin typeface="Franklin Gothic Book"/>
+              <a:rPr b="0" lang="fr-FR" sz="2400" spc="-1" strike="noStrike">
+                <a:solidFill>
+                  <a:srgbClr val="000000"/>
+                </a:solidFill>
+                <a:uFill>
+                  <a:solidFill>
+                    <a:srgbClr val="ffffff"/>
+                  </a:solidFill>
+                </a:uFill>
+                <a:latin typeface="Arial"/>
               </a:rPr>
               <a:t>Troisième niveau de plan</a:t>
             </a:r>
-            <a:endParaRPr b="0" i="1" lang="fr-FR" sz="2000" spc="-1" strike="noStrike">
-              <a:solidFill>
-                <a:srgbClr val="191b0e"/>
-              </a:solidFill>
-              <a:uFill>
-                <a:solidFill>
-                  <a:srgbClr val="ffffff"/>
-                </a:solidFill>
-              </a:uFill>
-              <a:latin typeface="Franklin Gothic Book"/>
+            <a:endParaRPr b="0" lang="fr-FR" sz="2400" spc="-1" strike="noStrike">
+              <a:solidFill>
+                <a:srgbClr val="000000"/>
+              </a:solidFill>
+              <a:uFill>
+                <a:solidFill>
+                  <a:srgbClr val="ffffff"/>
+                </a:solidFill>
+              </a:uFill>
+              <a:latin typeface="Arial"/>
             </a:endParaRPr>
           </a:p>
           <a:p>
@@ -7123,27 +7556,27 @@
             <a:r>
               <a:rPr b="0" lang="fr-FR" sz="2000" spc="-1" strike="noStrike">
                 <a:solidFill>
-                  <a:srgbClr val="191b0e"/>
-                </a:solidFill>
-                <a:uFill>
-                  <a:solidFill>
-                    <a:srgbClr val="ffffff"/>
-                  </a:solidFill>
-                </a:uFill>
-                <a:latin typeface="Franklin Gothic Book"/>
+                  <a:srgbClr val="000000"/>
+                </a:solidFill>
+                <a:uFill>
+                  <a:solidFill>
+                    <a:srgbClr val="ffffff"/>
+                  </a:solidFill>
+                </a:uFill>
+                <a:latin typeface="Arial"/>
               </a:rPr>
               <a:t>Quatrième niveau de plan</a:t>
             </a:r>
             <a:endParaRPr b="0" lang="fr-FR" sz="2000" spc="-1" strike="noStrike">
               <a:solidFill>
-                <a:srgbClr val="191b0e"/>
-              </a:solidFill>
-              <a:uFill>
-                <a:solidFill>
-                  <a:srgbClr val="ffffff"/>
-                </a:solidFill>
-              </a:uFill>
-              <a:latin typeface="Franklin Gothic Book"/>
+                <a:srgbClr val="000000"/>
+              </a:solidFill>
+              <a:uFill>
+                <a:solidFill>
+                  <a:srgbClr val="ffffff"/>
+                </a:solidFill>
+              </a:uFill>
+              <a:latin typeface="Arial"/>
             </a:endParaRPr>
           </a:p>
           <a:p>
@@ -7158,27 +7591,27 @@
             <a:r>
               <a:rPr b="0" lang="fr-FR" sz="2000" spc="-1" strike="noStrike">
                 <a:solidFill>
-                  <a:srgbClr val="191b0e"/>
-                </a:solidFill>
-                <a:uFill>
-                  <a:solidFill>
-                    <a:srgbClr val="ffffff"/>
-                  </a:solidFill>
-                </a:uFill>
-                <a:latin typeface="Franklin Gothic Book"/>
+                  <a:srgbClr val="000000"/>
+                </a:solidFill>
+                <a:uFill>
+                  <a:solidFill>
+                    <a:srgbClr val="ffffff"/>
+                  </a:solidFill>
+                </a:uFill>
+                <a:latin typeface="Arial"/>
               </a:rPr>
               <a:t>Cinquième niveau de plan</a:t>
             </a:r>
             <a:endParaRPr b="0" lang="fr-FR" sz="2000" spc="-1" strike="noStrike">
               <a:solidFill>
-                <a:srgbClr val="191b0e"/>
-              </a:solidFill>
-              <a:uFill>
-                <a:solidFill>
-                  <a:srgbClr val="ffffff"/>
-                </a:solidFill>
-              </a:uFill>
-              <a:latin typeface="Franklin Gothic Book"/>
+                <a:srgbClr val="000000"/>
+              </a:solidFill>
+              <a:uFill>
+                <a:solidFill>
+                  <a:srgbClr val="ffffff"/>
+                </a:solidFill>
+              </a:uFill>
+              <a:latin typeface="Arial"/>
             </a:endParaRPr>
           </a:p>
           <a:p>
@@ -7193,27 +7626,27 @@
             <a:r>
               <a:rPr b="0" lang="fr-FR" sz="2000" spc="-1" strike="noStrike">
                 <a:solidFill>
-                  <a:srgbClr val="191b0e"/>
-                </a:solidFill>
-                <a:uFill>
-                  <a:solidFill>
-                    <a:srgbClr val="ffffff"/>
-                  </a:solidFill>
-                </a:uFill>
-                <a:latin typeface="Franklin Gothic Book"/>
+                  <a:srgbClr val="000000"/>
+                </a:solidFill>
+                <a:uFill>
+                  <a:solidFill>
+                    <a:srgbClr val="ffffff"/>
+                  </a:solidFill>
+                </a:uFill>
+                <a:latin typeface="Arial"/>
               </a:rPr>
               <a:t>Sixième niveau de plan</a:t>
             </a:r>
             <a:endParaRPr b="0" lang="fr-FR" sz="2000" spc="-1" strike="noStrike">
               <a:solidFill>
-                <a:srgbClr val="191b0e"/>
-              </a:solidFill>
-              <a:uFill>
-                <a:solidFill>
-                  <a:srgbClr val="ffffff"/>
-                </a:solidFill>
-              </a:uFill>
-              <a:latin typeface="Franklin Gothic Book"/>
+                <a:srgbClr val="000000"/>
+              </a:solidFill>
+              <a:uFill>
+                <a:solidFill>
+                  <a:srgbClr val="ffffff"/>
+                </a:solidFill>
+              </a:uFill>
+              <a:latin typeface="Arial"/>
             </a:endParaRPr>
           </a:p>
           <a:p>
@@ -7228,27 +7661,27 @@
             <a:r>
               <a:rPr b="0" lang="fr-FR" sz="2000" spc="-1" strike="noStrike">
                 <a:solidFill>
-                  <a:srgbClr val="191b0e"/>
-                </a:solidFill>
-                <a:uFill>
-                  <a:solidFill>
-                    <a:srgbClr val="ffffff"/>
-                  </a:solidFill>
-                </a:uFill>
-                <a:latin typeface="Franklin Gothic Book"/>
+                  <a:srgbClr val="000000"/>
+                </a:solidFill>
+                <a:uFill>
+                  <a:solidFill>
+                    <a:srgbClr val="ffffff"/>
+                  </a:solidFill>
+                </a:uFill>
+                <a:latin typeface="Arial"/>
               </a:rPr>
               <a:t>Septième niveau de plan</a:t>
             </a:r>
             <a:endParaRPr b="0" lang="fr-FR" sz="2000" spc="-1" strike="noStrike">
               <a:solidFill>
-                <a:srgbClr val="191b0e"/>
-              </a:solidFill>
-              <a:uFill>
-                <a:solidFill>
-                  <a:srgbClr val="ffffff"/>
-                </a:solidFill>
-              </a:uFill>
-              <a:latin typeface="Franklin Gothic Book"/>
+                <a:srgbClr val="000000"/>
+              </a:solidFill>
+              <a:uFill>
+                <a:solidFill>
+                  <a:srgbClr val="ffffff"/>
+                </a:solidFill>
+              </a:uFill>
+              <a:latin typeface="Arial"/>
             </a:endParaRPr>
           </a:p>
         </p:txBody>
@@ -7306,7 +7739,7 @@
         <p:spPr>
           <a:xfrm>
             <a:off x="478080" y="360"/>
-            <a:ext cx="228240" cy="6857640"/>
+            <a:ext cx="227880" cy="6857280"/>
           </a:xfrm>
           <a:prstGeom prst="rect">
             <a:avLst/>
@@ -7340,152 +7773,6 @@
             <a:spLocks noGrp="1"/>
           </p:cNvSpPr>
           <p:nvPr>
-            <p:ph type="dt"/>
-          </p:nvPr>
-        </p:nvSpPr>
-        <p:spPr>
-          <a:xfrm>
-            <a:off x="1390680" y="6453360"/>
-            <a:ext cx="1204200" cy="404280"/>
-          </a:xfrm>
-          <a:prstGeom prst="rect">
-            <a:avLst/>
-          </a:prstGeom>
-        </p:spPr>
-        <p:txBody>
-          <a:bodyPr anchor="ctr"/>
-          <a:p>
-            <a:pPr>
-              <a:lnSpc>
-                <a:spcPct val="100000"/>
-              </a:lnSpc>
-            </a:pPr>
-            <a:r>
-              <a:rPr b="0" lang="fr-FR" sz="1200" spc="-1" strike="noStrike">
-                <a:solidFill>
-                  <a:srgbClr val="191b0e"/>
-                </a:solidFill>
-                <a:uFill>
-                  <a:solidFill>
-                    <a:srgbClr val="ffffff"/>
-                  </a:solidFill>
-                </a:uFill>
-                <a:latin typeface="Franklin Gothic Book"/>
-              </a:rPr>
-              <a:t>29/05/2018</a:t>
-            </a:r>
-            <a:endParaRPr b="0" lang="fr-FR" sz="1400" spc="-1" strike="noStrike">
-              <a:solidFill>
-                <a:srgbClr val="000000"/>
-              </a:solidFill>
-              <a:uFill>
-                <a:solidFill>
-                  <a:srgbClr val="ffffff"/>
-                </a:solidFill>
-              </a:uFill>
-              <a:latin typeface="Times New Roman"/>
-            </a:endParaRPr>
-          </a:p>
-        </p:txBody>
-      </p:sp>
-      <p:sp>
-        <p:nvSpPr>
-          <p:cNvPr id="39" name="PlaceHolder 3"/>
-          <p:cNvSpPr>
-            <a:spLocks noGrp="1"/>
-          </p:cNvSpPr>
-          <p:nvPr>
-            <p:ph type="ftr"/>
-          </p:nvPr>
-        </p:nvSpPr>
-        <p:spPr>
-          <a:xfrm>
-            <a:off x="2893680" y="6453360"/>
-            <a:ext cx="6280560" cy="404280"/>
-          </a:xfrm>
-          <a:prstGeom prst="rect">
-            <a:avLst/>
-          </a:prstGeom>
-        </p:spPr>
-        <p:txBody>
-          <a:bodyPr anchor="ctr"/>
-          <a:p>
-            <a:endParaRPr b="0" lang="fr-FR" sz="2400" spc="-1" strike="noStrike">
-              <a:solidFill>
-                <a:srgbClr val="000000"/>
-              </a:solidFill>
-              <a:uFill>
-                <a:solidFill>
-                  <a:srgbClr val="ffffff"/>
-                </a:solidFill>
-              </a:uFill>
-              <a:latin typeface="Times New Roman"/>
-            </a:endParaRPr>
-          </a:p>
-        </p:txBody>
-      </p:sp>
-      <p:sp>
-        <p:nvSpPr>
-          <p:cNvPr id="40" name="PlaceHolder 4"/>
-          <p:cNvSpPr>
-            <a:spLocks noGrp="1"/>
-          </p:cNvSpPr>
-          <p:nvPr>
-            <p:ph type="sldNum"/>
-          </p:nvPr>
-        </p:nvSpPr>
-        <p:spPr>
-          <a:xfrm>
-            <a:off x="9472680" y="6453360"/>
-            <a:ext cx="1595880" cy="404280"/>
-          </a:xfrm>
-          <a:prstGeom prst="rect">
-            <a:avLst/>
-          </a:prstGeom>
-        </p:spPr>
-        <p:txBody>
-          <a:bodyPr anchor="ctr"/>
-          <a:p>
-            <a:pPr algn="r">
-              <a:lnSpc>
-                <a:spcPct val="100000"/>
-              </a:lnSpc>
-            </a:pPr>
-            <a:fld id="{A934FD53-FB06-43BC-AA29-2E75F9BD015B}" type="slidenum">
-              <a:rPr b="0" lang="fr-FR" sz="1200" spc="-1" strike="noStrike">
-                <a:solidFill>
-                  <a:srgbClr val="191b0e"/>
-                </a:solidFill>
-                <a:uFill>
-                  <a:solidFill>
-                    <a:srgbClr val="ffffff"/>
-                  </a:solidFill>
-                </a:uFill>
-                <a:latin typeface="Franklin Gothic Book"/>
-              </a:rPr>
-              <a:t>1</a:t>
-            </a:fld>
-            <a:endParaRPr b="0" lang="fr-FR" sz="1400" spc="-1" strike="noStrike">
-              <a:solidFill>
-                <a:srgbClr val="000000"/>
-              </a:solidFill>
-              <a:uFill>
-                <a:solidFill>
-                  <a:srgbClr val="ffffff"/>
-                </a:solidFill>
-              </a:uFill>
-              <a:latin typeface="Times New Roman"/>
-            </a:endParaRPr>
-          </a:p>
-        </p:txBody>
-      </p:sp>
-      <p:sp>
-        <p:nvSpPr>
-          <p:cNvPr id="41" name="PlaceHolder 5"/>
-          <p:cNvSpPr>
-            <a:spLocks noGrp="1"/>
-          </p:cNvSpPr>
-          <p:nvPr>
             <p:ph type="title"/>
           </p:nvPr>
         </p:nvSpPr>
@@ -7501,37 +7788,38 @@
         <p:txBody>
           <a:bodyPr lIns="0" rIns="0" tIns="0" bIns="0" anchor="ctr"/>
           <a:p>
-            <a:r>
-              <a:rPr b="0" lang="fr-FR" sz="1800" spc="-1" strike="noStrike">
-                <a:solidFill>
-                  <a:srgbClr val="000000"/>
-                </a:solidFill>
-                <a:uFill>
-                  <a:solidFill>
-                    <a:srgbClr val="ffffff"/>
-                  </a:solidFill>
-                </a:uFill>
-                <a:latin typeface="Franklin Gothic Book"/>
+            <a:pPr algn="ctr"/>
+            <a:r>
+              <a:rPr b="0" lang="fr-FR" sz="4400" spc="-1" strike="noStrike">
+                <a:solidFill>
+                  <a:srgbClr val="000000"/>
+                </a:solidFill>
+                <a:uFill>
+                  <a:solidFill>
+                    <a:srgbClr val="ffffff"/>
+                  </a:solidFill>
+                </a:uFill>
+                <a:latin typeface="Arial"/>
               </a:rPr>
               <a:t>Cliquez pour éditer le format du texte-titre</a:t>
             </a:r>
-            <a:endParaRPr b="0" lang="fr-FR" sz="1800" spc="-1" strike="noStrike">
-              <a:solidFill>
-                <a:srgbClr val="000000"/>
-              </a:solidFill>
-              <a:uFill>
-                <a:solidFill>
-                  <a:srgbClr val="ffffff"/>
-                </a:solidFill>
-              </a:uFill>
-              <a:latin typeface="Franklin Gothic Book"/>
-            </a:endParaRPr>
-          </a:p>
-        </p:txBody>
-      </p:sp>
-      <p:sp>
-        <p:nvSpPr>
-          <p:cNvPr id="42" name="PlaceHolder 6"/>
+            <a:endParaRPr b="0" lang="fr-FR" sz="4400" spc="-1" strike="noStrike">
+              <a:solidFill>
+                <a:srgbClr val="000000"/>
+              </a:solidFill>
+              <a:uFill>
+                <a:solidFill>
+                  <a:srgbClr val="ffffff"/>
+                </a:solidFill>
+              </a:uFill>
+              <a:latin typeface="Arial"/>
+            </a:endParaRPr>
+          </a:p>
+        </p:txBody>
+      </p:sp>
+      <p:sp>
+        <p:nvSpPr>
+          <p:cNvPr id="39" name="PlaceHolder 3"/>
           <p:cNvSpPr>
             <a:spLocks noGrp="1"/>
           </p:cNvSpPr>
@@ -7560,29 +7848,29 @@
               <a:buChar char=""/>
             </a:pPr>
             <a:r>
-              <a:rPr b="0" lang="fr-FR" sz="2000" spc="-1" strike="noStrike">
-                <a:solidFill>
-                  <a:srgbClr val="191b0e"/>
-                </a:solidFill>
-                <a:uFill>
-                  <a:solidFill>
-                    <a:srgbClr val="ffffff"/>
-                  </a:solidFill>
-                </a:uFill>
-                <a:latin typeface="Franklin Gothic Book"/>
+              <a:rPr b="0" lang="fr-FR" sz="3200" spc="-1" strike="noStrike">
+                <a:solidFill>
+                  <a:srgbClr val="000000"/>
+                </a:solidFill>
+                <a:uFill>
+                  <a:solidFill>
+                    <a:srgbClr val="ffffff"/>
+                  </a:solidFill>
+                </a:uFill>
+                <a:latin typeface="Arial"/>
               </a:rPr>
               <a:t>Cliquez pour éditer le format du plan de texte</a:t>
             </a:r>
-            <a:endParaRPr b="0" lang="fr-FR" sz="2000" spc="-1" strike="noStrike">
-              <a:solidFill>
-                <a:srgbClr val="191b0e"/>
-              </a:solidFill>
-              <a:uFill>
-                <a:solidFill>
-                  <a:srgbClr val="ffffff"/>
-                </a:solidFill>
-              </a:uFill>
-              <a:latin typeface="Franklin Gothic Book"/>
+            <a:endParaRPr b="0" lang="fr-FR" sz="3200" spc="-1" strike="noStrike">
+              <a:solidFill>
+                <a:srgbClr val="000000"/>
+              </a:solidFill>
+              <a:uFill>
+                <a:solidFill>
+                  <a:srgbClr val="ffffff"/>
+                </a:solidFill>
+              </a:uFill>
+              <a:latin typeface="Arial"/>
             </a:endParaRPr>
           </a:p>
           <a:p>
@@ -7595,29 +7883,29 @@
               <a:buChar char=""/>
             </a:pPr>
             <a:r>
-              <a:rPr b="0" lang="fr-FR" sz="1800" spc="-1" strike="noStrike">
-                <a:solidFill>
-                  <a:srgbClr val="191b0e"/>
-                </a:solidFill>
-                <a:uFill>
-                  <a:solidFill>
-                    <a:srgbClr val="ffffff"/>
-                  </a:solidFill>
-                </a:uFill>
-                <a:latin typeface="Franklin Gothic Book"/>
+              <a:rPr b="0" lang="fr-FR" sz="2800" spc="-1" strike="noStrike">
+                <a:solidFill>
+                  <a:srgbClr val="000000"/>
+                </a:solidFill>
+                <a:uFill>
+                  <a:solidFill>
+                    <a:srgbClr val="ffffff"/>
+                  </a:solidFill>
+                </a:uFill>
+                <a:latin typeface="Arial"/>
               </a:rPr>
               <a:t>Second niveau de plan</a:t>
             </a:r>
-            <a:endParaRPr b="0" lang="fr-FR" sz="1800" spc="-1" strike="noStrike">
-              <a:solidFill>
-                <a:srgbClr val="191b0e"/>
-              </a:solidFill>
-              <a:uFill>
-                <a:solidFill>
-                  <a:srgbClr val="ffffff"/>
-                </a:solidFill>
-              </a:uFill>
-              <a:latin typeface="Franklin Gothic Book"/>
+            <a:endParaRPr b="0" lang="fr-FR" sz="2800" spc="-1" strike="noStrike">
+              <a:solidFill>
+                <a:srgbClr val="000000"/>
+              </a:solidFill>
+              <a:uFill>
+                <a:solidFill>
+                  <a:srgbClr val="ffffff"/>
+                </a:solidFill>
+              </a:uFill>
+              <a:latin typeface="Arial"/>
             </a:endParaRPr>
           </a:p>
           <a:p>
@@ -7630,29 +7918,29 @@
               <a:buChar char=""/>
             </a:pPr>
             <a:r>
-              <a:rPr b="0" i="1" lang="fr-FR" sz="1800" spc="-1" strike="noStrike">
-                <a:solidFill>
-                  <a:srgbClr val="191b0e"/>
-                </a:solidFill>
-                <a:uFill>
-                  <a:solidFill>
-                    <a:srgbClr val="ffffff"/>
-                  </a:solidFill>
-                </a:uFill>
-                <a:latin typeface="Franklin Gothic Book"/>
+              <a:rPr b="0" lang="fr-FR" sz="2400" spc="-1" strike="noStrike">
+                <a:solidFill>
+                  <a:srgbClr val="000000"/>
+                </a:solidFill>
+                <a:uFill>
+                  <a:solidFill>
+                    <a:srgbClr val="ffffff"/>
+                  </a:solidFill>
+                </a:uFill>
+                <a:latin typeface="Arial"/>
               </a:rPr>
               <a:t>Troisième niveau de plan</a:t>
             </a:r>
-            <a:endParaRPr b="0" i="1" lang="fr-FR" sz="1800" spc="-1" strike="noStrike">
-              <a:solidFill>
-                <a:srgbClr val="191b0e"/>
-              </a:solidFill>
-              <a:uFill>
-                <a:solidFill>
-                  <a:srgbClr val="ffffff"/>
-                </a:solidFill>
-              </a:uFill>
-              <a:latin typeface="Franklin Gothic Book"/>
+            <a:endParaRPr b="0" lang="fr-FR" sz="2400" spc="-1" strike="noStrike">
+              <a:solidFill>
+                <a:srgbClr val="000000"/>
+              </a:solidFill>
+              <a:uFill>
+                <a:solidFill>
+                  <a:srgbClr val="ffffff"/>
+                </a:solidFill>
+              </a:uFill>
+              <a:latin typeface="Arial"/>
             </a:endParaRPr>
           </a:p>
           <a:p>
@@ -7665,29 +7953,29 @@
               <a:buChar char=""/>
             </a:pPr>
             <a:r>
-              <a:rPr b="0" lang="fr-FR" sz="1600" spc="-1" strike="noStrike">
-                <a:solidFill>
-                  <a:srgbClr val="191b0e"/>
-                </a:solidFill>
-                <a:uFill>
-                  <a:solidFill>
-                    <a:srgbClr val="ffffff"/>
-                  </a:solidFill>
-                </a:uFill>
-                <a:latin typeface="Franklin Gothic Book"/>
+              <a:rPr b="0" lang="fr-FR" sz="2000" spc="-1" strike="noStrike">
+                <a:solidFill>
+                  <a:srgbClr val="000000"/>
+                </a:solidFill>
+                <a:uFill>
+                  <a:solidFill>
+                    <a:srgbClr val="ffffff"/>
+                  </a:solidFill>
+                </a:uFill>
+                <a:latin typeface="Arial"/>
               </a:rPr>
               <a:t>Quatrième niveau de plan</a:t>
             </a:r>
-            <a:endParaRPr b="0" lang="fr-FR" sz="1600" spc="-1" strike="noStrike">
-              <a:solidFill>
-                <a:srgbClr val="191b0e"/>
-              </a:solidFill>
-              <a:uFill>
-                <a:solidFill>
-                  <a:srgbClr val="ffffff"/>
-                </a:solidFill>
-              </a:uFill>
-              <a:latin typeface="Franklin Gothic Book"/>
+            <a:endParaRPr b="0" lang="fr-FR" sz="2000" spc="-1" strike="noStrike">
+              <a:solidFill>
+                <a:srgbClr val="000000"/>
+              </a:solidFill>
+              <a:uFill>
+                <a:solidFill>
+                  <a:srgbClr val="ffffff"/>
+                </a:solidFill>
+              </a:uFill>
+              <a:latin typeface="Arial"/>
             </a:endParaRPr>
           </a:p>
           <a:p>
@@ -7702,27 +7990,27 @@
             <a:r>
               <a:rPr b="0" lang="fr-FR" sz="2000" spc="-1" strike="noStrike">
                 <a:solidFill>
-                  <a:srgbClr val="191b0e"/>
-                </a:solidFill>
-                <a:uFill>
-                  <a:solidFill>
-                    <a:srgbClr val="ffffff"/>
-                  </a:solidFill>
-                </a:uFill>
-                <a:latin typeface="Franklin Gothic Book"/>
+                  <a:srgbClr val="000000"/>
+                </a:solidFill>
+                <a:uFill>
+                  <a:solidFill>
+                    <a:srgbClr val="ffffff"/>
+                  </a:solidFill>
+                </a:uFill>
+                <a:latin typeface="Arial"/>
               </a:rPr>
               <a:t>Cinquième niveau de plan</a:t>
             </a:r>
             <a:endParaRPr b="0" lang="fr-FR" sz="2000" spc="-1" strike="noStrike">
               <a:solidFill>
-                <a:srgbClr val="191b0e"/>
-              </a:solidFill>
-              <a:uFill>
-                <a:solidFill>
-                  <a:srgbClr val="ffffff"/>
-                </a:solidFill>
-              </a:uFill>
-              <a:latin typeface="Franklin Gothic Book"/>
+                <a:srgbClr val="000000"/>
+              </a:solidFill>
+              <a:uFill>
+                <a:solidFill>
+                  <a:srgbClr val="ffffff"/>
+                </a:solidFill>
+              </a:uFill>
+              <a:latin typeface="Arial"/>
             </a:endParaRPr>
           </a:p>
           <a:p>
@@ -7737,27 +8025,27 @@
             <a:r>
               <a:rPr b="0" lang="fr-FR" sz="2000" spc="-1" strike="noStrike">
                 <a:solidFill>
-                  <a:srgbClr val="191b0e"/>
-                </a:solidFill>
-                <a:uFill>
-                  <a:solidFill>
-                    <a:srgbClr val="ffffff"/>
-                  </a:solidFill>
-                </a:uFill>
-                <a:latin typeface="Franklin Gothic Book"/>
+                  <a:srgbClr val="000000"/>
+                </a:solidFill>
+                <a:uFill>
+                  <a:solidFill>
+                    <a:srgbClr val="ffffff"/>
+                  </a:solidFill>
+                </a:uFill>
+                <a:latin typeface="Arial"/>
               </a:rPr>
               <a:t>Sixième niveau de plan</a:t>
             </a:r>
             <a:endParaRPr b="0" lang="fr-FR" sz="2000" spc="-1" strike="noStrike">
               <a:solidFill>
-                <a:srgbClr val="191b0e"/>
-              </a:solidFill>
-              <a:uFill>
-                <a:solidFill>
-                  <a:srgbClr val="ffffff"/>
-                </a:solidFill>
-              </a:uFill>
-              <a:latin typeface="Franklin Gothic Book"/>
+                <a:srgbClr val="000000"/>
+              </a:solidFill>
+              <a:uFill>
+                <a:solidFill>
+                  <a:srgbClr val="ffffff"/>
+                </a:solidFill>
+              </a:uFill>
+              <a:latin typeface="Arial"/>
             </a:endParaRPr>
           </a:p>
           <a:p>
@@ -7772,27 +8060,27 @@
             <a:r>
               <a:rPr b="0" lang="fr-FR" sz="2000" spc="-1" strike="noStrike">
                 <a:solidFill>
-                  <a:srgbClr val="191b0e"/>
-                </a:solidFill>
-                <a:uFill>
-                  <a:solidFill>
-                    <a:srgbClr val="ffffff"/>
-                  </a:solidFill>
-                </a:uFill>
-                <a:latin typeface="Franklin Gothic Book"/>
+                  <a:srgbClr val="000000"/>
+                </a:solidFill>
+                <a:uFill>
+                  <a:solidFill>
+                    <a:srgbClr val="ffffff"/>
+                  </a:solidFill>
+                </a:uFill>
+                <a:latin typeface="Arial"/>
               </a:rPr>
               <a:t>Septième niveau de plan</a:t>
             </a:r>
             <a:endParaRPr b="0" lang="fr-FR" sz="2000" spc="-1" strike="noStrike">
               <a:solidFill>
-                <a:srgbClr val="191b0e"/>
-              </a:solidFill>
-              <a:uFill>
-                <a:solidFill>
-                  <a:srgbClr val="ffffff"/>
-                </a:solidFill>
-              </a:uFill>
-              <a:latin typeface="Franklin Gothic Book"/>
+                <a:srgbClr val="000000"/>
+              </a:solidFill>
+              <a:uFill>
+                <a:solidFill>
+                  <a:srgbClr val="ffffff"/>
+                </a:solidFill>
+              </a:uFill>
+              <a:latin typeface="Arial"/>
             </a:endParaRPr>
           </a:p>
         </p:txBody>
@@ -7843,14 +8131,14 @@
       </p:grpSpPr>
       <p:sp>
         <p:nvSpPr>
-          <p:cNvPr id="77" name="CustomShape 1"/>
+          <p:cNvPr id="74" name="CustomShape 1"/>
           <p:cNvSpPr/>
           <p:nvPr/>
         </p:nvSpPr>
         <p:spPr>
           <a:xfrm>
             <a:off x="478080" y="360"/>
-            <a:ext cx="228240" cy="6857640"/>
+            <a:ext cx="227880" cy="6857280"/>
           </a:xfrm>
           <a:prstGeom prst="rect">
             <a:avLst/>
@@ -7879,7 +8167,7 @@
       </p:sp>
       <p:sp>
         <p:nvSpPr>
-          <p:cNvPr id="78" name="PlaceHolder 2"/>
+          <p:cNvPr id="75" name="PlaceHolder 2"/>
           <p:cNvSpPr>
             <a:spLocks noGrp="1"/>
           </p:cNvSpPr>
@@ -7899,23 +8187,24 @@
         <p:txBody>
           <a:bodyPr lIns="0" rIns="0" tIns="0" bIns="0" anchor="ctr"/>
           <a:p>
-            <a:endParaRPr b="0" lang="fr-FR" sz="1800" spc="-1" strike="noStrike">
-              <a:solidFill>
-                <a:srgbClr val="000000"/>
-              </a:solidFill>
-              <a:uFill>
-                <a:solidFill>
-                  <a:srgbClr val="ffffff"/>
-                </a:solidFill>
-              </a:uFill>
-              <a:latin typeface="Franklin Gothic Book"/>
-            </a:endParaRPr>
-          </a:p>
-        </p:txBody>
-      </p:sp>
-      <p:sp>
-        <p:nvSpPr>
-          <p:cNvPr id="79" name="PlaceHolder 3"/>
+            <a:pPr algn="ctr"/>
+            <a:endParaRPr b="0" lang="fr-FR" sz="4400" spc="-1" strike="noStrike">
+              <a:solidFill>
+                <a:srgbClr val="000000"/>
+              </a:solidFill>
+              <a:uFill>
+                <a:solidFill>
+                  <a:srgbClr val="ffffff"/>
+                </a:solidFill>
+              </a:uFill>
+              <a:latin typeface="Arial"/>
+            </a:endParaRPr>
+          </a:p>
+        </p:txBody>
+      </p:sp>
+      <p:sp>
+        <p:nvSpPr>
+          <p:cNvPr id="76" name="PlaceHolder 3"/>
           <p:cNvSpPr>
             <a:spLocks noGrp="1"/>
           </p:cNvSpPr>
@@ -7926,7 +8215,7 @@
         <p:spPr>
           <a:xfrm>
             <a:off x="609480" y="1604520"/>
-            <a:ext cx="10972440" cy="3977280"/>
+            <a:ext cx="10972080" cy="3976920"/>
           </a:xfrm>
           <a:prstGeom prst="rect">
             <a:avLst/>
@@ -7944,29 +8233,29 @@
               <a:buChar char=""/>
             </a:pPr>
             <a:r>
-              <a:rPr b="0" lang="fr-FR" sz="2000" spc="-1" strike="noStrike">
-                <a:solidFill>
-                  <a:srgbClr val="191b0e"/>
-                </a:solidFill>
-                <a:uFill>
-                  <a:solidFill>
-                    <a:srgbClr val="ffffff"/>
-                  </a:solidFill>
-                </a:uFill>
-                <a:latin typeface="Franklin Gothic Book"/>
+              <a:rPr b="0" lang="fr-FR" sz="1800" spc="-1" strike="noStrike">
+                <a:solidFill>
+                  <a:srgbClr val="000000"/>
+                </a:solidFill>
+                <a:uFill>
+                  <a:solidFill>
+                    <a:srgbClr val="ffffff"/>
+                  </a:solidFill>
+                </a:uFill>
+                <a:latin typeface="Arial"/>
               </a:rPr>
               <a:t>Cliquez pour éditer le format du plan de texte</a:t>
             </a:r>
-            <a:endParaRPr b="0" lang="fr-FR" sz="2000" spc="-1" strike="noStrike">
-              <a:solidFill>
-                <a:srgbClr val="191b0e"/>
-              </a:solidFill>
-              <a:uFill>
-                <a:solidFill>
-                  <a:srgbClr val="ffffff"/>
-                </a:solidFill>
-              </a:uFill>
-              <a:latin typeface="Franklin Gothic Book"/>
+            <a:endParaRPr b="0" lang="fr-FR" sz="1800" spc="-1" strike="noStrike">
+              <a:solidFill>
+                <a:srgbClr val="000000"/>
+              </a:solidFill>
+              <a:uFill>
+                <a:solidFill>
+                  <a:srgbClr val="ffffff"/>
+                </a:solidFill>
+              </a:uFill>
+              <a:latin typeface="Arial"/>
             </a:endParaRPr>
           </a:p>
           <a:p>
@@ -7981,27 +8270,27 @@
             <a:r>
               <a:rPr b="0" lang="fr-FR" sz="1800" spc="-1" strike="noStrike">
                 <a:solidFill>
-                  <a:srgbClr val="191b0e"/>
-                </a:solidFill>
-                <a:uFill>
-                  <a:solidFill>
-                    <a:srgbClr val="ffffff"/>
-                  </a:solidFill>
-                </a:uFill>
-                <a:latin typeface="Franklin Gothic Book"/>
+                  <a:srgbClr val="000000"/>
+                </a:solidFill>
+                <a:uFill>
+                  <a:solidFill>
+                    <a:srgbClr val="ffffff"/>
+                  </a:solidFill>
+                </a:uFill>
+                <a:latin typeface="Arial"/>
               </a:rPr>
               <a:t>Second niveau de plan</a:t>
             </a:r>
             <a:endParaRPr b="0" lang="fr-FR" sz="1800" spc="-1" strike="noStrike">
               <a:solidFill>
-                <a:srgbClr val="191b0e"/>
-              </a:solidFill>
-              <a:uFill>
-                <a:solidFill>
-                  <a:srgbClr val="ffffff"/>
-                </a:solidFill>
-              </a:uFill>
-              <a:latin typeface="Franklin Gothic Book"/>
+                <a:srgbClr val="000000"/>
+              </a:solidFill>
+              <a:uFill>
+                <a:solidFill>
+                  <a:srgbClr val="ffffff"/>
+                </a:solidFill>
+              </a:uFill>
+              <a:latin typeface="Arial"/>
             </a:endParaRPr>
           </a:p>
           <a:p>
@@ -8014,29 +8303,29 @@
               <a:buChar char=""/>
             </a:pPr>
             <a:r>
-              <a:rPr b="0" i="1" lang="fr-FR" sz="1800" spc="-1" strike="noStrike">
-                <a:solidFill>
-                  <a:srgbClr val="191b0e"/>
-                </a:solidFill>
-                <a:uFill>
-                  <a:solidFill>
-                    <a:srgbClr val="ffffff"/>
-                  </a:solidFill>
-                </a:uFill>
-                <a:latin typeface="Franklin Gothic Book"/>
+              <a:rPr b="0" lang="fr-FR" sz="1800" spc="-1" strike="noStrike">
+                <a:solidFill>
+                  <a:srgbClr val="000000"/>
+                </a:solidFill>
+                <a:uFill>
+                  <a:solidFill>
+                    <a:srgbClr val="ffffff"/>
+                  </a:solidFill>
+                </a:uFill>
+                <a:latin typeface="Arial"/>
               </a:rPr>
               <a:t>Troisième niveau de plan</a:t>
             </a:r>
-            <a:endParaRPr b="0" i="1" lang="fr-FR" sz="1800" spc="-1" strike="noStrike">
-              <a:solidFill>
-                <a:srgbClr val="191b0e"/>
-              </a:solidFill>
-              <a:uFill>
-                <a:solidFill>
-                  <a:srgbClr val="ffffff"/>
-                </a:solidFill>
-              </a:uFill>
-              <a:latin typeface="Franklin Gothic Book"/>
+            <a:endParaRPr b="0" lang="fr-FR" sz="1800" spc="-1" strike="noStrike">
+              <a:solidFill>
+                <a:srgbClr val="000000"/>
+              </a:solidFill>
+              <a:uFill>
+                <a:solidFill>
+                  <a:srgbClr val="ffffff"/>
+                </a:solidFill>
+              </a:uFill>
+              <a:latin typeface="Arial"/>
             </a:endParaRPr>
           </a:p>
           <a:p>
@@ -8049,29 +8338,29 @@
               <a:buChar char=""/>
             </a:pPr>
             <a:r>
-              <a:rPr b="0" lang="fr-FR" sz="1600" spc="-1" strike="noStrike">
-                <a:solidFill>
-                  <a:srgbClr val="191b0e"/>
-                </a:solidFill>
-                <a:uFill>
-                  <a:solidFill>
-                    <a:srgbClr val="ffffff"/>
-                  </a:solidFill>
-                </a:uFill>
-                <a:latin typeface="Franklin Gothic Book"/>
+              <a:rPr b="0" lang="fr-FR" sz="1800" spc="-1" strike="noStrike">
+                <a:solidFill>
+                  <a:srgbClr val="000000"/>
+                </a:solidFill>
+                <a:uFill>
+                  <a:solidFill>
+                    <a:srgbClr val="ffffff"/>
+                  </a:solidFill>
+                </a:uFill>
+                <a:latin typeface="Arial"/>
               </a:rPr>
               <a:t>Quatrième niveau de plan</a:t>
             </a:r>
-            <a:endParaRPr b="0" lang="fr-FR" sz="1600" spc="-1" strike="noStrike">
-              <a:solidFill>
-                <a:srgbClr val="191b0e"/>
-              </a:solidFill>
-              <a:uFill>
-                <a:solidFill>
-                  <a:srgbClr val="ffffff"/>
-                </a:solidFill>
-              </a:uFill>
-              <a:latin typeface="Franklin Gothic Book"/>
+            <a:endParaRPr b="0" lang="fr-FR" sz="1800" spc="-1" strike="noStrike">
+              <a:solidFill>
+                <a:srgbClr val="000000"/>
+              </a:solidFill>
+              <a:uFill>
+                <a:solidFill>
+                  <a:srgbClr val="ffffff"/>
+                </a:solidFill>
+              </a:uFill>
+              <a:latin typeface="Arial"/>
             </a:endParaRPr>
           </a:p>
           <a:p>
@@ -8084,29 +8373,29 @@
               <a:buChar char=""/>
             </a:pPr>
             <a:r>
-              <a:rPr b="0" lang="fr-FR" sz="2000" spc="-1" strike="noStrike">
-                <a:solidFill>
-                  <a:srgbClr val="191b0e"/>
-                </a:solidFill>
-                <a:uFill>
-                  <a:solidFill>
-                    <a:srgbClr val="ffffff"/>
-                  </a:solidFill>
-                </a:uFill>
-                <a:latin typeface="Franklin Gothic Book"/>
+              <a:rPr b="0" lang="fr-FR" sz="1800" spc="-1" strike="noStrike">
+                <a:solidFill>
+                  <a:srgbClr val="000000"/>
+                </a:solidFill>
+                <a:uFill>
+                  <a:solidFill>
+                    <a:srgbClr val="ffffff"/>
+                  </a:solidFill>
+                </a:uFill>
+                <a:latin typeface="Arial"/>
               </a:rPr>
               <a:t>Cinquième niveau de plan</a:t>
             </a:r>
-            <a:endParaRPr b="0" lang="fr-FR" sz="2000" spc="-1" strike="noStrike">
-              <a:solidFill>
-                <a:srgbClr val="191b0e"/>
-              </a:solidFill>
-              <a:uFill>
-                <a:solidFill>
-                  <a:srgbClr val="ffffff"/>
-                </a:solidFill>
-              </a:uFill>
-              <a:latin typeface="Franklin Gothic Book"/>
+            <a:endParaRPr b="0" lang="fr-FR" sz="1800" spc="-1" strike="noStrike">
+              <a:solidFill>
+                <a:srgbClr val="000000"/>
+              </a:solidFill>
+              <a:uFill>
+                <a:solidFill>
+                  <a:srgbClr val="ffffff"/>
+                </a:solidFill>
+              </a:uFill>
+              <a:latin typeface="Arial"/>
             </a:endParaRPr>
           </a:p>
           <a:p>
@@ -8119,29 +8408,29 @@
               <a:buChar char=""/>
             </a:pPr>
             <a:r>
-              <a:rPr b="0" lang="fr-FR" sz="2000" spc="-1" strike="noStrike">
-                <a:solidFill>
-                  <a:srgbClr val="191b0e"/>
-                </a:solidFill>
-                <a:uFill>
-                  <a:solidFill>
-                    <a:srgbClr val="ffffff"/>
-                  </a:solidFill>
-                </a:uFill>
-                <a:latin typeface="Franklin Gothic Book"/>
+              <a:rPr b="0" lang="fr-FR" sz="1800" spc="-1" strike="noStrike">
+                <a:solidFill>
+                  <a:srgbClr val="000000"/>
+                </a:solidFill>
+                <a:uFill>
+                  <a:solidFill>
+                    <a:srgbClr val="ffffff"/>
+                  </a:solidFill>
+                </a:uFill>
+                <a:latin typeface="Arial"/>
               </a:rPr>
               <a:t>Sixième niveau de plan</a:t>
             </a:r>
-            <a:endParaRPr b="0" lang="fr-FR" sz="2000" spc="-1" strike="noStrike">
-              <a:solidFill>
-                <a:srgbClr val="191b0e"/>
-              </a:solidFill>
-              <a:uFill>
-                <a:solidFill>
-                  <a:srgbClr val="ffffff"/>
-                </a:solidFill>
-              </a:uFill>
-              <a:latin typeface="Franklin Gothic Book"/>
+            <a:endParaRPr b="0" lang="fr-FR" sz="1800" spc="-1" strike="noStrike">
+              <a:solidFill>
+                <a:srgbClr val="000000"/>
+              </a:solidFill>
+              <a:uFill>
+                <a:solidFill>
+                  <a:srgbClr val="ffffff"/>
+                </a:solidFill>
+              </a:uFill>
+              <a:latin typeface="Arial"/>
             </a:endParaRPr>
           </a:p>
           <a:p>
@@ -8154,29 +8443,29 @@
               <a:buChar char=""/>
             </a:pPr>
             <a:r>
-              <a:rPr b="0" lang="fr-FR" sz="2000" spc="-1" strike="noStrike">
-                <a:solidFill>
-                  <a:srgbClr val="191b0e"/>
-                </a:solidFill>
-                <a:uFill>
-                  <a:solidFill>
-                    <a:srgbClr val="ffffff"/>
-                  </a:solidFill>
-                </a:uFill>
-                <a:latin typeface="Franklin Gothic Book"/>
+              <a:rPr b="0" lang="fr-FR" sz="1800" spc="-1" strike="noStrike">
+                <a:solidFill>
+                  <a:srgbClr val="000000"/>
+                </a:solidFill>
+                <a:uFill>
+                  <a:solidFill>
+                    <a:srgbClr val="ffffff"/>
+                  </a:solidFill>
+                </a:uFill>
+                <a:latin typeface="Arial"/>
               </a:rPr>
               <a:t>Septième niveau de plan</a:t>
             </a:r>
-            <a:endParaRPr b="0" lang="fr-FR" sz="2000" spc="-1" strike="noStrike">
-              <a:solidFill>
-                <a:srgbClr val="191b0e"/>
-              </a:solidFill>
-              <a:uFill>
-                <a:solidFill>
-                  <a:srgbClr val="ffffff"/>
-                </a:solidFill>
-              </a:uFill>
-              <a:latin typeface="Franklin Gothic Book"/>
+            <a:endParaRPr b="0" lang="fr-FR" sz="1800" spc="-1" strike="noStrike">
+              <a:solidFill>
+                <a:srgbClr val="000000"/>
+              </a:solidFill>
+              <a:uFill>
+                <a:solidFill>
+                  <a:srgbClr val="ffffff"/>
+                </a:solidFill>
+              </a:uFill>
+              <a:latin typeface="Arial"/>
             </a:endParaRPr>
           </a:p>
         </p:txBody>
@@ -8220,14 +8509,14 @@
       </p:grpSpPr>
       <p:sp>
         <p:nvSpPr>
-          <p:cNvPr id="119" name="CustomShape 1"/>
+          <p:cNvPr id="116" name="CustomShape 1"/>
           <p:cNvSpPr/>
           <p:nvPr/>
         </p:nvSpPr>
         <p:spPr>
           <a:xfrm>
             <a:off x="1523880" y="1122480"/>
-            <a:ext cx="9142920" cy="2386440"/>
+            <a:ext cx="9142560" cy="2386080"/>
           </a:xfrm>
           <a:prstGeom prst="rect">
             <a:avLst/>
@@ -8315,14 +8604,14 @@
       </p:sp>
       <p:sp>
         <p:nvSpPr>
-          <p:cNvPr id="120" name="CustomShape 2"/>
+          <p:cNvPr id="117" name="CustomShape 2"/>
           <p:cNvSpPr/>
           <p:nvPr/>
         </p:nvSpPr>
         <p:spPr>
           <a:xfrm>
             <a:off x="1523880" y="4572000"/>
-            <a:ext cx="9142920" cy="1464480"/>
+            <a:ext cx="9142560" cy="1464120"/>
           </a:xfrm>
           <a:prstGeom prst="rect">
             <a:avLst/>
@@ -8459,14 +8748,14 @@
       </p:grpSpPr>
       <p:sp>
         <p:nvSpPr>
-          <p:cNvPr id="141" name="CustomShape 1"/>
+          <p:cNvPr id="138" name="CustomShape 1"/>
           <p:cNvSpPr/>
           <p:nvPr/>
         </p:nvSpPr>
         <p:spPr>
           <a:xfrm>
             <a:off x="838080" y="365040"/>
-            <a:ext cx="10514520" cy="1324440"/>
+            <a:ext cx="10514160" cy="1324080"/>
           </a:xfrm>
           <a:prstGeom prst="rect">
             <a:avLst/>
@@ -8521,14 +8810,14 @@
       </p:sp>
       <p:sp>
         <p:nvSpPr>
-          <p:cNvPr id="142" name="CustomShape 2"/>
+          <p:cNvPr id="139" name="CustomShape 2"/>
           <p:cNvSpPr/>
           <p:nvPr/>
         </p:nvSpPr>
         <p:spPr>
           <a:xfrm>
             <a:off x="838080" y="1825560"/>
-            <a:ext cx="10514520" cy="4350240"/>
+            <a:ext cx="10514160" cy="4349880"/>
           </a:xfrm>
           <a:prstGeom prst="rect">
             <a:avLst/>
@@ -8601,7 +8890,7 @@
             </a:endParaRPr>
           </a:p>
           <a:p>
-            <a:pPr marL="228600" indent="-227520">
+            <a:pPr marL="228600" indent="-227160">
               <a:lnSpc>
                 <a:spcPct val="90000"/>
               </a:lnSpc>
@@ -8639,7 +8928,7 @@
             </a:endParaRPr>
           </a:p>
           <a:p>
-            <a:pPr marL="228600" indent="-227520">
+            <a:pPr marL="228600" indent="-227160">
               <a:lnSpc>
                 <a:spcPct val="90000"/>
               </a:lnSpc>
@@ -8707,7 +8996,7 @@
             </a:endParaRPr>
           </a:p>
           <a:p>
-            <a:pPr marL="228600" indent="-227520">
+            <a:pPr marL="228600" indent="-227160">
               <a:lnSpc>
                 <a:spcPct val="90000"/>
               </a:lnSpc>
@@ -8745,7 +9034,7 @@
             </a:endParaRPr>
           </a:p>
           <a:p>
-            <a:pPr marL="228600" indent="-227520">
+            <a:pPr marL="228600" indent="-227160">
               <a:lnSpc>
                 <a:spcPct val="90000"/>
               </a:lnSpc>
@@ -8783,7 +9072,7 @@
             </a:endParaRPr>
           </a:p>
           <a:p>
-            <a:pPr marL="228600" indent="-227520">
+            <a:pPr marL="228600" indent="-227160">
               <a:lnSpc>
                 <a:spcPct val="90000"/>
               </a:lnSpc>
@@ -8891,14 +9180,14 @@
       </p:grpSpPr>
       <p:sp>
         <p:nvSpPr>
-          <p:cNvPr id="143" name="CustomShape 1"/>
+          <p:cNvPr id="140" name="CustomShape 1"/>
           <p:cNvSpPr/>
           <p:nvPr/>
         </p:nvSpPr>
         <p:spPr>
           <a:xfrm>
             <a:off x="838080" y="365040"/>
-            <a:ext cx="10514520" cy="1324440"/>
+            <a:ext cx="10514160" cy="1324080"/>
           </a:xfrm>
           <a:prstGeom prst="rect">
             <a:avLst/>
@@ -8953,14 +9242,14 @@
       </p:sp>
       <p:sp>
         <p:nvSpPr>
-          <p:cNvPr id="144" name="CustomShape 2"/>
+          <p:cNvPr id="141" name="CustomShape 2"/>
           <p:cNvSpPr/>
           <p:nvPr/>
         </p:nvSpPr>
         <p:spPr>
           <a:xfrm>
             <a:off x="838080" y="2329920"/>
-            <a:ext cx="10514520" cy="3845880"/>
+            <a:ext cx="10514160" cy="3845520"/>
           </a:xfrm>
           <a:prstGeom prst="rect">
             <a:avLst/>
@@ -8979,7 +9268,7 @@
         <p:txBody>
           <a:bodyPr lIns="90000" rIns="90000" tIns="45000" bIns="45000"/>
           <a:p>
-            <a:pPr marL="228600" indent="-227520">
+            <a:pPr marL="228600" indent="-227160">
               <a:lnSpc>
                 <a:spcPct val="90000"/>
               </a:lnSpc>
@@ -9017,7 +9306,7 @@
             </a:endParaRPr>
           </a:p>
           <a:p>
-            <a:pPr marL="228600" indent="-227520">
+            <a:pPr marL="228600" indent="-227160">
               <a:lnSpc>
                 <a:spcPct val="90000"/>
               </a:lnSpc>
@@ -9055,7 +9344,7 @@
             </a:endParaRPr>
           </a:p>
           <a:p>
-            <a:pPr marL="228600" indent="-227520">
+            <a:pPr marL="228600" indent="-227160">
               <a:lnSpc>
                 <a:spcPct val="90000"/>
               </a:lnSpc>
@@ -9093,7 +9382,7 @@
             </a:endParaRPr>
           </a:p>
           <a:p>
-            <a:pPr marL="228600" indent="-227520">
+            <a:pPr marL="228600" indent="-227160">
               <a:lnSpc>
                 <a:spcPct val="90000"/>
               </a:lnSpc>
@@ -9183,14 +9472,14 @@
       </p:grpSpPr>
       <p:sp>
         <p:nvSpPr>
-          <p:cNvPr id="145" name="TextShape 1"/>
-          <p:cNvSpPr txBox="1"/>
+          <p:cNvPr id="142" name="CustomShape 1"/>
+          <p:cNvSpPr/>
           <p:nvPr/>
         </p:nvSpPr>
         <p:spPr>
           <a:xfrm>
             <a:off x="965160" y="1435320"/>
-            <a:ext cx="10972080" cy="5185080"/>
+            <a:ext cx="10971720" cy="5184720"/>
           </a:xfrm>
           <a:prstGeom prst="rect">
             <a:avLst/>
@@ -9200,10 +9489,16 @@
             <a:noFill/>
           </a:ln>
         </p:spPr>
+        <p:style>
+          <a:lnRef idx="0"/>
+          <a:fillRef idx="0"/>
+          <a:effectRef idx="0"/>
+          <a:fontRef idx="minor"/>
+        </p:style>
         <p:txBody>
           <a:bodyPr lIns="0" rIns="0" tIns="0" bIns="0" anchor="ctr"/>
           <a:p>
-            <a:pPr marL="384120" indent="-383760">
+            <a:pPr marL="384120" indent="-383400">
               <a:lnSpc>
                 <a:spcPct val="94000"/>
               </a:lnSpc>
@@ -9227,20 +9522,20 @@
               </a:rPr>
               <a:t>Threads</a:t>
             </a:r>
-            <a:endParaRPr b="0" lang="fr-FR" sz="3200" spc="-1" strike="noStrike">
-              <a:solidFill>
-                <a:srgbClr val="000000"/>
-              </a:solidFill>
-              <a:uFill>
-                <a:solidFill>
-                  <a:srgbClr val="ffffff"/>
-                </a:solidFill>
-              </a:uFill>
-              <a:latin typeface="Arial"/>
-            </a:endParaRPr>
-          </a:p>
-          <a:p>
-            <a:pPr marL="384120" indent="-383760">
+            <a:endParaRPr b="0" lang="fr-FR" sz="1800" spc="-1" strike="noStrike">
+              <a:solidFill>
+                <a:srgbClr val="000000"/>
+              </a:solidFill>
+              <a:uFill>
+                <a:solidFill>
+                  <a:srgbClr val="ffffff"/>
+                </a:solidFill>
+              </a:uFill>
+              <a:latin typeface="Arial"/>
+            </a:endParaRPr>
+          </a:p>
+          <a:p>
+            <a:pPr marL="384120" indent="-383400">
               <a:lnSpc>
                 <a:spcPct val="94000"/>
               </a:lnSpc>
@@ -9264,20 +9559,20 @@
               </a:rPr>
               <a:t>Mutex</a:t>
             </a:r>
-            <a:endParaRPr b="0" lang="fr-FR" sz="3200" spc="-1" strike="noStrike">
-              <a:solidFill>
-                <a:srgbClr val="000000"/>
-              </a:solidFill>
-              <a:uFill>
-                <a:solidFill>
-                  <a:srgbClr val="ffffff"/>
-                </a:solidFill>
-              </a:uFill>
-              <a:latin typeface="Arial"/>
-            </a:endParaRPr>
-          </a:p>
-          <a:p>
-            <a:pPr marL="384120" indent="-383760">
+            <a:endParaRPr b="0" lang="fr-FR" sz="1800" spc="-1" strike="noStrike">
+              <a:solidFill>
+                <a:srgbClr val="000000"/>
+              </a:solidFill>
+              <a:uFill>
+                <a:solidFill>
+                  <a:srgbClr val="ffffff"/>
+                </a:solidFill>
+              </a:uFill>
+              <a:latin typeface="Arial"/>
+            </a:endParaRPr>
+          </a:p>
+          <a:p>
+            <a:pPr marL="384120" indent="-383400">
               <a:lnSpc>
                 <a:spcPct val="94000"/>
               </a:lnSpc>
@@ -9301,20 +9596,20 @@
               </a:rPr>
               <a:t>Array dynamique en C</a:t>
             </a:r>
-            <a:endParaRPr b="0" lang="fr-FR" sz="3200" spc="-1" strike="noStrike">
-              <a:solidFill>
-                <a:srgbClr val="000000"/>
-              </a:solidFill>
-              <a:uFill>
-                <a:solidFill>
-                  <a:srgbClr val="ffffff"/>
-                </a:solidFill>
-              </a:uFill>
-              <a:latin typeface="Arial"/>
-            </a:endParaRPr>
-          </a:p>
-          <a:p>
-            <a:pPr marL="384120" indent="-383760">
+            <a:endParaRPr b="0" lang="fr-FR" sz="1800" spc="-1" strike="noStrike">
+              <a:solidFill>
+                <a:srgbClr val="000000"/>
+              </a:solidFill>
+              <a:uFill>
+                <a:solidFill>
+                  <a:srgbClr val="ffffff"/>
+                </a:solidFill>
+              </a:uFill>
+              <a:latin typeface="Arial"/>
+            </a:endParaRPr>
+          </a:p>
+          <a:p>
+            <a:pPr marL="384120" indent="-383400">
               <a:lnSpc>
                 <a:spcPct val="94000"/>
               </a:lnSpc>
@@ -9338,20 +9633,20 @@
               </a:rPr>
               <a:t>Communication via Socket</a:t>
             </a:r>
-            <a:endParaRPr b="0" lang="fr-FR" sz="3200" spc="-1" strike="noStrike">
-              <a:solidFill>
-                <a:srgbClr val="000000"/>
-              </a:solidFill>
-              <a:uFill>
-                <a:solidFill>
-                  <a:srgbClr val="ffffff"/>
-                </a:solidFill>
-              </a:uFill>
-              <a:latin typeface="Arial"/>
-            </a:endParaRPr>
-          </a:p>
-          <a:p>
-            <a:pPr marL="384120" indent="-383760">
+            <a:endParaRPr b="0" lang="fr-FR" sz="1800" spc="-1" strike="noStrike">
+              <a:solidFill>
+                <a:srgbClr val="000000"/>
+              </a:solidFill>
+              <a:uFill>
+                <a:solidFill>
+                  <a:srgbClr val="ffffff"/>
+                </a:solidFill>
+              </a:uFill>
+              <a:latin typeface="Arial"/>
+            </a:endParaRPr>
+          </a:p>
+          <a:p>
+            <a:pPr marL="384120" indent="-383400">
               <a:lnSpc>
                 <a:spcPct val="94000"/>
               </a:lnSpc>
@@ -9375,20 +9670,20 @@
               </a:rPr>
               <a:t>Gestion de projet </a:t>
             </a:r>
-            <a:endParaRPr b="0" lang="fr-FR" sz="3200" spc="-1" strike="noStrike">
-              <a:solidFill>
-                <a:srgbClr val="000000"/>
-              </a:solidFill>
-              <a:uFill>
-                <a:solidFill>
-                  <a:srgbClr val="ffffff"/>
-                </a:solidFill>
-              </a:uFill>
-              <a:latin typeface="Arial"/>
-            </a:endParaRPr>
-          </a:p>
-          <a:p>
-            <a:pPr lvl="1" marL="914400" indent="-383760">
+            <a:endParaRPr b="0" lang="fr-FR" sz="1800" spc="-1" strike="noStrike">
+              <a:solidFill>
+                <a:srgbClr val="000000"/>
+              </a:solidFill>
+              <a:uFill>
+                <a:solidFill>
+                  <a:srgbClr val="ffffff"/>
+                </a:solidFill>
+              </a:uFill>
+              <a:latin typeface="Arial"/>
+            </a:endParaRPr>
+          </a:p>
+          <a:p>
+            <a:pPr lvl="1" marL="914400" indent="-383400">
               <a:lnSpc>
                 <a:spcPct val="100000"/>
               </a:lnSpc>
@@ -9412,20 +9707,20 @@
               </a:rPr>
               <a:t>Start from scratch</a:t>
             </a:r>
-            <a:endParaRPr b="0" lang="fr-FR" sz="3200" spc="-1" strike="noStrike">
-              <a:solidFill>
-                <a:srgbClr val="000000"/>
-              </a:solidFill>
-              <a:uFill>
-                <a:solidFill>
-                  <a:srgbClr val="ffffff"/>
-                </a:solidFill>
-              </a:uFill>
-              <a:latin typeface="Arial"/>
-            </a:endParaRPr>
-          </a:p>
-          <a:p>
-            <a:pPr lvl="1" marL="914400" indent="-383760">
+            <a:endParaRPr b="0" lang="fr-FR" sz="1800" spc="-1" strike="noStrike">
+              <a:solidFill>
+                <a:srgbClr val="000000"/>
+              </a:solidFill>
+              <a:uFill>
+                <a:solidFill>
+                  <a:srgbClr val="ffffff"/>
+                </a:solidFill>
+              </a:uFill>
+              <a:latin typeface="Arial"/>
+            </a:endParaRPr>
+          </a:p>
+          <a:p>
+            <a:pPr lvl="1" marL="914400" indent="-383400">
               <a:lnSpc>
                 <a:spcPct val="100000"/>
               </a:lnSpc>
@@ -9449,20 +9744,20 @@
               </a:rPr>
               <a:t>Makefile </a:t>
             </a:r>
-            <a:endParaRPr b="0" lang="fr-FR" sz="3200" spc="-1" strike="noStrike">
-              <a:solidFill>
-                <a:srgbClr val="000000"/>
-              </a:solidFill>
-              <a:uFill>
-                <a:solidFill>
-                  <a:srgbClr val="ffffff"/>
-                </a:solidFill>
-              </a:uFill>
-              <a:latin typeface="Arial"/>
-            </a:endParaRPr>
-          </a:p>
-          <a:p>
-            <a:pPr lvl="1" marL="914400" indent="-383760">
+            <a:endParaRPr b="0" lang="fr-FR" sz="1800" spc="-1" strike="noStrike">
+              <a:solidFill>
+                <a:srgbClr val="000000"/>
+              </a:solidFill>
+              <a:uFill>
+                <a:solidFill>
+                  <a:srgbClr val="ffffff"/>
+                </a:solidFill>
+              </a:uFill>
+              <a:latin typeface="Arial"/>
+            </a:endParaRPr>
+          </a:p>
+          <a:p>
+            <a:pPr lvl="1" marL="914400" indent="-383400">
               <a:lnSpc>
                 <a:spcPct val="100000"/>
               </a:lnSpc>
@@ -9486,20 +9781,20 @@
               </a:rPr>
               <a:t>README</a:t>
             </a:r>
-            <a:endParaRPr b="0" lang="fr-FR" sz="3200" spc="-1" strike="noStrike">
-              <a:solidFill>
-                <a:srgbClr val="000000"/>
-              </a:solidFill>
-              <a:uFill>
-                <a:solidFill>
-                  <a:srgbClr val="ffffff"/>
-                </a:solidFill>
-              </a:uFill>
-              <a:latin typeface="Arial"/>
-            </a:endParaRPr>
-          </a:p>
-          <a:p>
-            <a:pPr lvl="1" marL="914400" indent="-383760">
+            <a:endParaRPr b="0" lang="fr-FR" sz="1800" spc="-1" strike="noStrike">
+              <a:solidFill>
+                <a:srgbClr val="000000"/>
+              </a:solidFill>
+              <a:uFill>
+                <a:solidFill>
+                  <a:srgbClr val="ffffff"/>
+                </a:solidFill>
+              </a:uFill>
+              <a:latin typeface="Arial"/>
+            </a:endParaRPr>
+          </a:p>
+          <a:p>
+            <a:pPr lvl="1" marL="914400" indent="-383400">
               <a:lnSpc>
                 <a:spcPct val="100000"/>
               </a:lnSpc>
@@ -9523,20 +9818,20 @@
               </a:rPr>
               <a:t>Arborescence</a:t>
             </a:r>
-            <a:endParaRPr b="0" lang="fr-FR" sz="3200" spc="-1" strike="noStrike">
-              <a:solidFill>
-                <a:srgbClr val="000000"/>
-              </a:solidFill>
-              <a:uFill>
-                <a:solidFill>
-                  <a:srgbClr val="ffffff"/>
-                </a:solidFill>
-              </a:uFill>
-              <a:latin typeface="Arial"/>
-            </a:endParaRPr>
-          </a:p>
-          <a:p>
-            <a:pPr lvl="1" marL="914400" indent="-383760">
+            <a:endParaRPr b="0" lang="fr-FR" sz="1800" spc="-1" strike="noStrike">
+              <a:solidFill>
+                <a:srgbClr val="000000"/>
+              </a:solidFill>
+              <a:uFill>
+                <a:solidFill>
+                  <a:srgbClr val="ffffff"/>
+                </a:solidFill>
+              </a:uFill>
+              <a:latin typeface="Arial"/>
+            </a:endParaRPr>
+          </a:p>
+          <a:p>
+            <a:pPr lvl="1" marL="914400" indent="-383400">
               <a:lnSpc>
                 <a:spcPct val="100000"/>
               </a:lnSpc>
@@ -9560,7 +9855,7 @@
               </a:rPr>
               <a:t>Github</a:t>
             </a:r>
-            <a:endParaRPr b="0" lang="fr-FR" sz="3200" spc="-1" strike="noStrike">
+            <a:endParaRPr b="0" lang="fr-FR" sz="1800" spc="-1" strike="noStrike">
               <a:solidFill>
                 <a:srgbClr val="000000"/>
               </a:solidFill>
@@ -9578,30 +9873,30 @@
                 <a:spcPct val="100000"/>
               </a:lnSpc>
             </a:pPr>
-            <a:endParaRPr b="0" lang="fr-FR" sz="3200" spc="-1" strike="noStrike">
-              <a:solidFill>
-                <a:srgbClr val="000000"/>
-              </a:solidFill>
-              <a:uFill>
-                <a:solidFill>
-                  <a:srgbClr val="ffffff"/>
-                </a:solidFill>
-              </a:uFill>
-              <a:latin typeface="Arial"/>
-            </a:endParaRPr>
-          </a:p>
-        </p:txBody>
-      </p:sp>
-      <p:sp>
-        <p:nvSpPr>
-          <p:cNvPr id="146" name="TextShape 2"/>
-          <p:cNvSpPr txBox="1"/>
+            <a:endParaRPr b="0" lang="fr-FR" sz="1800" spc="-1" strike="noStrike">
+              <a:solidFill>
+                <a:srgbClr val="000000"/>
+              </a:solidFill>
+              <a:uFill>
+                <a:solidFill>
+                  <a:srgbClr val="ffffff"/>
+                </a:solidFill>
+              </a:uFill>
+              <a:latin typeface="Arial"/>
+            </a:endParaRPr>
+          </a:p>
+        </p:txBody>
+      </p:sp>
+      <p:sp>
+        <p:nvSpPr>
+          <p:cNvPr id="143" name="CustomShape 2"/>
+          <p:cNvSpPr/>
           <p:nvPr/>
         </p:nvSpPr>
         <p:spPr>
           <a:xfrm>
             <a:off x="965160" y="290520"/>
-            <a:ext cx="10972080" cy="1144440"/>
+            <a:ext cx="10971720" cy="1144080"/>
           </a:xfrm>
           <a:prstGeom prst="rect">
             <a:avLst/>
@@ -9611,6 +9906,12 @@
             <a:noFill/>
           </a:ln>
         </p:spPr>
+        <p:style>
+          <a:lnRef idx="0"/>
+          <a:fillRef idx="0"/>
+          <a:effectRef idx="0"/>
+          <a:fontRef idx="minor"/>
+        </p:style>
         <p:txBody>
           <a:bodyPr lIns="0" rIns="0" tIns="0" bIns="0" anchor="ctr"/>
           <a:p>
@@ -9656,7 +9957,7 @@
                   <a:srgbClr val="ffffff"/>
                 </a:solidFill>
               </a:uFill>
-              <a:latin typeface="Franklin Gothic Book"/>
+              <a:latin typeface="Arial"/>
             </a:endParaRPr>
           </a:p>
         </p:txBody>
@@ -9712,14 +10013,14 @@
       </p:grpSpPr>
       <p:sp>
         <p:nvSpPr>
-          <p:cNvPr id="147" name="CustomShape 1"/>
+          <p:cNvPr id="144" name="CustomShape 1"/>
           <p:cNvSpPr/>
           <p:nvPr/>
         </p:nvSpPr>
         <p:spPr>
           <a:xfrm>
             <a:off x="838080" y="365040"/>
-            <a:ext cx="10514520" cy="1324440"/>
+            <a:ext cx="10514160" cy="1324080"/>
           </a:xfrm>
           <a:prstGeom prst="rect">
             <a:avLst/>
@@ -9774,14 +10075,14 @@
       </p:sp>
       <p:sp>
         <p:nvSpPr>
-          <p:cNvPr id="148" name="CustomShape 2"/>
+          <p:cNvPr id="145" name="CustomShape 2"/>
           <p:cNvSpPr/>
           <p:nvPr/>
         </p:nvSpPr>
         <p:spPr>
           <a:xfrm>
             <a:off x="838080" y="1938240"/>
-            <a:ext cx="10514520" cy="4350240"/>
+            <a:ext cx="10514160" cy="4349880"/>
           </a:xfrm>
           <a:prstGeom prst="rect">
             <a:avLst/>
@@ -9800,7 +10101,7 @@
         <p:txBody>
           <a:bodyPr lIns="90000" rIns="90000" tIns="45000" bIns="45000"/>
           <a:p>
-            <a:pPr marL="228600" indent="-227520">
+            <a:pPr marL="228600" indent="-227160">
               <a:lnSpc>
                 <a:spcPct val="90000"/>
               </a:lnSpc>
@@ -9821,6 +10122,7 @@
                   </a:solidFill>
                 </a:uFill>
                 <a:latin typeface="Calibri"/>
+                <a:ea typeface="DejaVu Sans"/>
               </a:rPr>
               <a:t>Avec des bullet points</a:t>
             </a:r>
@@ -9889,14 +10191,14 @@
       </p:grpSpPr>
       <p:sp>
         <p:nvSpPr>
-          <p:cNvPr id="149" name="CustomShape 1"/>
+          <p:cNvPr id="146" name="CustomShape 1"/>
           <p:cNvSpPr/>
           <p:nvPr/>
         </p:nvSpPr>
         <p:spPr>
           <a:xfrm>
             <a:off x="838080" y="365040"/>
-            <a:ext cx="10514520" cy="1324440"/>
+            <a:ext cx="10514160" cy="1324080"/>
           </a:xfrm>
           <a:prstGeom prst="rect">
             <a:avLst/>
@@ -9951,14 +10253,14 @@
       </p:sp>
       <p:sp>
         <p:nvSpPr>
-          <p:cNvPr id="150" name="CustomShape 2"/>
+          <p:cNvPr id="147" name="CustomShape 2"/>
           <p:cNvSpPr/>
           <p:nvPr/>
         </p:nvSpPr>
         <p:spPr>
           <a:xfrm>
             <a:off x="838080" y="1825560"/>
-            <a:ext cx="10514520" cy="4350240"/>
+            <a:ext cx="10514160" cy="4349880"/>
           </a:xfrm>
           <a:prstGeom prst="rect">
             <a:avLst/>
@@ -9977,7 +10279,7 @@
       </p:sp>
       <p:pic>
         <p:nvPicPr>
-          <p:cNvPr id="151" name="Image 103" descr=""/>
+          <p:cNvPr id="148" name="Image 103" descr=""/>
           <p:cNvPicPr/>
           <p:nvPr/>
         </p:nvPicPr>
@@ -9988,7 +10290,7 @@
         <p:spPr>
           <a:xfrm>
             <a:off x="2503440" y="1738080"/>
-            <a:ext cx="4552200" cy="3085560"/>
+            <a:ext cx="4551840" cy="3085200"/>
           </a:xfrm>
           <a:prstGeom prst="rect">
             <a:avLst/>
@@ -10000,7 +10302,7 @@
       </p:pic>
       <p:pic>
         <p:nvPicPr>
-          <p:cNvPr id="152" name="Image 104" descr=""/>
+          <p:cNvPr id="149" name="Image 104" descr=""/>
           <p:cNvPicPr/>
           <p:nvPr/>
         </p:nvPicPr>
@@ -10011,7 +10313,7 @@
         <p:spPr>
           <a:xfrm>
             <a:off x="2647440" y="1590840"/>
-            <a:ext cx="7000200" cy="4744800"/>
+            <a:ext cx="6999840" cy="4744440"/>
           </a:xfrm>
           <a:prstGeom prst="rect">
             <a:avLst/>
@@ -10023,7 +10325,7 @@
       </p:pic>
       <p:pic>
         <p:nvPicPr>
-          <p:cNvPr id="153" name="Image 105" descr=""/>
+          <p:cNvPr id="150" name="Image 105" descr=""/>
           <p:cNvPicPr/>
           <p:nvPr/>
         </p:nvPicPr>
@@ -10034,7 +10336,7 @@
         <p:spPr>
           <a:xfrm>
             <a:off x="2376000" y="1302840"/>
-            <a:ext cx="7425000" cy="5032800"/>
+            <a:ext cx="7424640" cy="5032440"/>
           </a:xfrm>
           <a:prstGeom prst="rect">
             <a:avLst/>
@@ -10095,14 +10397,14 @@
       </p:grpSpPr>
       <p:sp>
         <p:nvSpPr>
-          <p:cNvPr id="121" name="CustomShape 1"/>
+          <p:cNvPr id="118" name="CustomShape 1"/>
           <p:cNvSpPr/>
           <p:nvPr/>
         </p:nvSpPr>
         <p:spPr>
           <a:xfrm>
             <a:off x="838080" y="365040"/>
-            <a:ext cx="10514520" cy="1324440"/>
+            <a:ext cx="10514160" cy="1324080"/>
           </a:xfrm>
           <a:prstGeom prst="rect">
             <a:avLst/>
@@ -10157,14 +10459,14 @@
       </p:sp>
       <p:sp>
         <p:nvSpPr>
-          <p:cNvPr id="122" name="CustomShape 2"/>
+          <p:cNvPr id="119" name="CustomShape 2"/>
           <p:cNvSpPr/>
           <p:nvPr/>
         </p:nvSpPr>
         <p:spPr>
           <a:xfrm>
             <a:off x="838080" y="1503000"/>
-            <a:ext cx="10514520" cy="5234760"/>
+            <a:ext cx="10514160" cy="5234400"/>
           </a:xfrm>
           <a:prstGeom prst="rect">
             <a:avLst/>
@@ -10183,7 +10485,7 @@
         <p:txBody>
           <a:bodyPr lIns="90000" rIns="90000" tIns="45000" bIns="45000"/>
           <a:p>
-            <a:pPr marL="228600" indent="-227520">
+            <a:pPr marL="228600" indent="-227160">
               <a:lnSpc>
                 <a:spcPct val="90000"/>
               </a:lnSpc>
@@ -10221,7 +10523,7 @@
             </a:endParaRPr>
           </a:p>
           <a:p>
-            <a:pPr marL="228600" indent="-227520">
+            <a:pPr marL="228600" indent="-227160">
               <a:lnSpc>
                 <a:spcPct val="90000"/>
               </a:lnSpc>
@@ -10259,7 +10561,7 @@
             </a:endParaRPr>
           </a:p>
           <a:p>
-            <a:pPr marL="228600" indent="-227520">
+            <a:pPr marL="228600" indent="-227160">
               <a:lnSpc>
                 <a:spcPct val="90000"/>
               </a:lnSpc>
@@ -10297,7 +10599,7 @@
             </a:endParaRPr>
           </a:p>
           <a:p>
-            <a:pPr lvl="1" marL="685800" indent="-227520">
+            <a:pPr lvl="1" marL="685800" indent="-227160">
               <a:lnSpc>
                 <a:spcPct val="100000"/>
               </a:lnSpc>
@@ -10335,7 +10637,7 @@
             </a:endParaRPr>
           </a:p>
           <a:p>
-            <a:pPr lvl="1" marL="685800" indent="-227520">
+            <a:pPr lvl="1" marL="685800" indent="-227160">
               <a:lnSpc>
                 <a:spcPct val="100000"/>
               </a:lnSpc>
@@ -10373,7 +10675,7 @@
             </a:endParaRPr>
           </a:p>
           <a:p>
-            <a:pPr lvl="1" marL="685800" indent="-227520">
+            <a:pPr lvl="1" marL="685800" indent="-227160">
               <a:lnSpc>
                 <a:spcPct val="100000"/>
               </a:lnSpc>
@@ -10411,7 +10713,7 @@
             </a:endParaRPr>
           </a:p>
           <a:p>
-            <a:pPr lvl="1" marL="685800" indent="-227520">
+            <a:pPr lvl="1" marL="685800" indent="-227160">
               <a:lnSpc>
                 <a:spcPct val="100000"/>
               </a:lnSpc>
@@ -10449,7 +10751,7 @@
             </a:endParaRPr>
           </a:p>
           <a:p>
-            <a:pPr marL="228600" indent="-227520">
+            <a:pPr marL="228600" indent="-227160">
               <a:lnSpc>
                 <a:spcPct val="90000"/>
               </a:lnSpc>
@@ -10487,7 +10789,7 @@
             </a:endParaRPr>
           </a:p>
           <a:p>
-            <a:pPr marL="228600" indent="-227520">
+            <a:pPr marL="228600" indent="-227160">
               <a:lnSpc>
                 <a:spcPct val="90000"/>
               </a:lnSpc>
@@ -10525,7 +10827,7 @@
             </a:endParaRPr>
           </a:p>
           <a:p>
-            <a:pPr marL="228600" indent="-227520">
+            <a:pPr marL="228600" indent="-227160">
               <a:lnSpc>
                 <a:spcPct val="90000"/>
               </a:lnSpc>
@@ -10563,7 +10865,7 @@
             </a:endParaRPr>
           </a:p>
           <a:p>
-            <a:pPr marL="228600" indent="-227520">
+            <a:pPr marL="228600" indent="-227160">
               <a:lnSpc>
                 <a:spcPct val="90000"/>
               </a:lnSpc>
@@ -10601,7 +10903,7 @@
             </a:endParaRPr>
           </a:p>
           <a:p>
-            <a:pPr marL="228600" indent="-227520">
+            <a:pPr marL="228600" indent="-227160">
               <a:lnSpc>
                 <a:spcPct val="90000"/>
               </a:lnSpc>
@@ -10691,14 +10993,14 @@
       </p:grpSpPr>
       <p:sp>
         <p:nvSpPr>
-          <p:cNvPr id="123" name="CustomShape 1"/>
+          <p:cNvPr id="120" name="CustomShape 1"/>
           <p:cNvSpPr/>
           <p:nvPr/>
         </p:nvSpPr>
         <p:spPr>
           <a:xfrm>
             <a:off x="838080" y="365040"/>
-            <a:ext cx="10514520" cy="1324440"/>
+            <a:ext cx="10514160" cy="1324080"/>
           </a:xfrm>
           <a:prstGeom prst="rect">
             <a:avLst/>
@@ -10753,14 +11055,14 @@
       </p:sp>
       <p:sp>
         <p:nvSpPr>
-          <p:cNvPr id="124" name="CustomShape 2"/>
+          <p:cNvPr id="121" name="CustomShape 2"/>
           <p:cNvSpPr/>
           <p:nvPr/>
         </p:nvSpPr>
         <p:spPr>
           <a:xfrm>
             <a:off x="838080" y="2279880"/>
-            <a:ext cx="10514520" cy="3895920"/>
+            <a:ext cx="10514160" cy="3895560"/>
           </a:xfrm>
           <a:prstGeom prst="rect">
             <a:avLst/>
@@ -10779,7 +11081,7 @@
         <p:txBody>
           <a:bodyPr lIns="90000" rIns="90000" tIns="45000" bIns="45000"/>
           <a:p>
-            <a:pPr marL="228600" indent="-227520">
+            <a:pPr marL="228600" indent="-227160">
               <a:lnSpc>
                 <a:spcPct val="90000"/>
               </a:lnSpc>
@@ -10817,7 +11119,7 @@
             </a:endParaRPr>
           </a:p>
           <a:p>
-            <a:pPr marL="228600" indent="-227520">
+            <a:pPr marL="228600" indent="-227160">
               <a:lnSpc>
                 <a:spcPct val="90000"/>
               </a:lnSpc>
@@ -10855,7 +11157,7 @@
             </a:endParaRPr>
           </a:p>
           <a:p>
-            <a:pPr lvl="1" marL="685800" indent="-227520">
+            <a:pPr lvl="1" marL="685800" indent="-227160">
               <a:lnSpc>
                 <a:spcPct val="100000"/>
               </a:lnSpc>
@@ -10963,14 +11265,14 @@
       </p:grpSpPr>
       <p:sp>
         <p:nvSpPr>
-          <p:cNvPr id="125" name="CustomShape 1"/>
+          <p:cNvPr id="122" name="CustomShape 1"/>
           <p:cNvSpPr/>
           <p:nvPr/>
         </p:nvSpPr>
         <p:spPr>
           <a:xfrm>
             <a:off x="838080" y="365040"/>
-            <a:ext cx="10514520" cy="1324440"/>
+            <a:ext cx="10514160" cy="1324080"/>
           </a:xfrm>
           <a:prstGeom prst="rect">
             <a:avLst/>
@@ -11025,14 +11327,14 @@
       </p:sp>
       <p:sp>
         <p:nvSpPr>
-          <p:cNvPr id="126" name="CustomShape 2"/>
+          <p:cNvPr id="123" name="CustomShape 2"/>
           <p:cNvSpPr/>
           <p:nvPr/>
         </p:nvSpPr>
         <p:spPr>
           <a:xfrm>
             <a:off x="838080" y="2442600"/>
-            <a:ext cx="10514520" cy="3733200"/>
+            <a:ext cx="10514160" cy="3732840"/>
           </a:xfrm>
           <a:prstGeom prst="rect">
             <a:avLst/>
@@ -11051,7 +11353,7 @@
         <p:txBody>
           <a:bodyPr lIns="90000" rIns="90000" tIns="45000" bIns="45000"/>
           <a:p>
-            <a:pPr marL="228600" indent="-227520">
+            <a:pPr marL="228600" indent="-227160">
               <a:lnSpc>
                 <a:spcPct val="90000"/>
               </a:lnSpc>
@@ -11089,7 +11391,7 @@
             </a:endParaRPr>
           </a:p>
           <a:p>
-            <a:pPr lvl="1" marL="685800" indent="-227520">
+            <a:pPr lvl="1" marL="685800" indent="-227160">
               <a:lnSpc>
                 <a:spcPct val="100000"/>
               </a:lnSpc>
@@ -11127,7 +11429,7 @@
             </a:endParaRPr>
           </a:p>
           <a:p>
-            <a:pPr lvl="1" marL="685800" indent="-227520">
+            <a:pPr lvl="1" marL="685800" indent="-227160">
               <a:lnSpc>
                 <a:spcPct val="100000"/>
               </a:lnSpc>
@@ -11165,7 +11467,7 @@
             </a:endParaRPr>
           </a:p>
           <a:p>
-            <a:pPr lvl="1" marL="685800" indent="-227520">
+            <a:pPr lvl="1" marL="685800" indent="-227160">
               <a:lnSpc>
                 <a:spcPct val="100000"/>
               </a:lnSpc>
@@ -11203,7 +11505,7 @@
             </a:endParaRPr>
           </a:p>
           <a:p>
-            <a:pPr lvl="1" marL="685800" indent="-227520">
+            <a:pPr lvl="1" marL="685800" indent="-227160">
               <a:lnSpc>
                 <a:spcPct val="100000"/>
               </a:lnSpc>
@@ -11311,14 +11613,14 @@
       </p:grpSpPr>
       <p:sp>
         <p:nvSpPr>
-          <p:cNvPr id="127" name="CustomShape 1"/>
+          <p:cNvPr id="124" name="CustomShape 1"/>
           <p:cNvSpPr/>
           <p:nvPr/>
         </p:nvSpPr>
         <p:spPr>
           <a:xfrm>
             <a:off x="838080" y="365040"/>
-            <a:ext cx="10514520" cy="1324440"/>
+            <a:ext cx="10514160" cy="1324080"/>
           </a:xfrm>
           <a:prstGeom prst="rect">
             <a:avLst/>
@@ -11373,7 +11675,7 @@
       </p:sp>
       <p:pic>
         <p:nvPicPr>
-          <p:cNvPr id="128" name="Content Placeholder 11" descr=""/>
+          <p:cNvPr id="125" name="Content Placeholder 11" descr=""/>
           <p:cNvPicPr/>
           <p:nvPr/>
         </p:nvPicPr>
@@ -11384,7 +11686,7 @@
         <p:spPr>
           <a:xfrm>
             <a:off x="1092240" y="2156400"/>
-            <a:ext cx="6622920" cy="2906280"/>
+            <a:ext cx="6622560" cy="2905920"/>
           </a:xfrm>
           <a:prstGeom prst="rect">
             <a:avLst/>
@@ -11396,7 +11698,7 @@
       </p:pic>
       <p:pic>
         <p:nvPicPr>
-          <p:cNvPr id="129" name="Picture 13" descr=""/>
+          <p:cNvPr id="126" name="Picture 13" descr=""/>
           <p:cNvPicPr/>
           <p:nvPr/>
         </p:nvPicPr>
@@ -11407,7 +11709,7 @@
         <p:spPr>
           <a:xfrm>
             <a:off x="8016120" y="1809360"/>
-            <a:ext cx="3793680" cy="4476960"/>
+            <a:ext cx="3793320" cy="4476600"/>
           </a:xfrm>
           <a:prstGeom prst="rect">
             <a:avLst/>
@@ -11468,14 +11770,14 @@
       </p:grpSpPr>
       <p:sp>
         <p:nvSpPr>
-          <p:cNvPr id="130" name="CustomShape 1"/>
+          <p:cNvPr id="127" name="CustomShape 1"/>
           <p:cNvSpPr/>
           <p:nvPr/>
         </p:nvSpPr>
         <p:spPr>
           <a:xfrm>
             <a:off x="838080" y="365040"/>
-            <a:ext cx="10514520" cy="1324440"/>
+            <a:ext cx="10514160" cy="1324080"/>
           </a:xfrm>
           <a:prstGeom prst="rect">
             <a:avLst/>
@@ -11494,7 +11796,7 @@
       </p:sp>
       <p:pic>
         <p:nvPicPr>
-          <p:cNvPr id="131" name="Content Placeholder 3" descr=""/>
+          <p:cNvPr id="128" name="Content Placeholder 3" descr=""/>
           <p:cNvPicPr/>
           <p:nvPr/>
         </p:nvPicPr>
@@ -11505,7 +11807,7 @@
         <p:spPr>
           <a:xfrm>
             <a:off x="8224920" y="1533600"/>
-            <a:ext cx="3686400" cy="4350240"/>
+            <a:ext cx="3686040" cy="4349880"/>
           </a:xfrm>
           <a:prstGeom prst="rect">
             <a:avLst/>
@@ -11517,7 +11819,7 @@
       </p:pic>
       <p:pic>
         <p:nvPicPr>
-          <p:cNvPr id="132" name="Picture 5" descr=""/>
+          <p:cNvPr id="129" name="Picture 5" descr=""/>
           <p:cNvPicPr/>
           <p:nvPr/>
         </p:nvPicPr>
@@ -11528,7 +11830,7 @@
         <p:spPr>
           <a:xfrm>
             <a:off x="1151280" y="1977120"/>
-            <a:ext cx="6760440" cy="1995840"/>
+            <a:ext cx="6760080" cy="1995480"/>
           </a:xfrm>
           <a:prstGeom prst="rect">
             <a:avLst/>
@@ -11589,14 +11891,14 @@
       </p:grpSpPr>
       <p:sp>
         <p:nvSpPr>
-          <p:cNvPr id="133" name="CustomShape 1"/>
+          <p:cNvPr id="130" name="CustomShape 1"/>
           <p:cNvSpPr/>
           <p:nvPr/>
         </p:nvSpPr>
         <p:spPr>
           <a:xfrm>
             <a:off x="838080" y="365040"/>
-            <a:ext cx="10514520" cy="1324440"/>
+            <a:ext cx="10514160" cy="1324080"/>
           </a:xfrm>
           <a:prstGeom prst="rect">
             <a:avLst/>
@@ -11651,14 +11953,14 @@
       </p:sp>
       <p:sp>
         <p:nvSpPr>
-          <p:cNvPr id="134" name="CustomShape 2"/>
+          <p:cNvPr id="131" name="CustomShape 2"/>
           <p:cNvSpPr/>
           <p:nvPr/>
         </p:nvSpPr>
         <p:spPr>
           <a:xfrm>
             <a:off x="838080" y="1825560"/>
-            <a:ext cx="10514520" cy="4350240"/>
+            <a:ext cx="10514160" cy="4349880"/>
           </a:xfrm>
           <a:prstGeom prst="rect">
             <a:avLst/>
@@ -11695,7 +11997,7 @@
             </a:endParaRPr>
           </a:p>
           <a:p>
-            <a:pPr marL="228600" indent="-227520">
+            <a:pPr marL="228600" indent="-227160">
               <a:lnSpc>
                 <a:spcPct val="90000"/>
               </a:lnSpc>
@@ -11733,7 +12035,7 @@
             </a:endParaRPr>
           </a:p>
           <a:p>
-            <a:pPr lvl="1" marL="685800" indent="-227520">
+            <a:pPr lvl="1" marL="685800" indent="-227160">
               <a:lnSpc>
                 <a:spcPct val="90000"/>
               </a:lnSpc>
@@ -11789,7 +12091,7 @@
             </a:endParaRPr>
           </a:p>
           <a:p>
-            <a:pPr marL="228600" indent="-227520">
+            <a:pPr marL="228600" indent="-227160">
               <a:lnSpc>
                 <a:spcPct val="90000"/>
               </a:lnSpc>
@@ -11830,7 +12132,7 @@
       </p:sp>
       <p:pic>
         <p:nvPicPr>
-          <p:cNvPr id="135" name="Image 95" descr=""/>
+          <p:cNvPr id="132" name="Image 95" descr=""/>
           <p:cNvPicPr/>
           <p:nvPr/>
         </p:nvPicPr>
@@ -11841,7 +12143,7 @@
         <p:spPr>
           <a:xfrm>
             <a:off x="7128000" y="1728000"/>
-            <a:ext cx="2989800" cy="2751480"/>
+            <a:ext cx="2989440" cy="2751120"/>
           </a:xfrm>
           <a:prstGeom prst="rect">
             <a:avLst/>
@@ -11853,7 +12155,7 @@
       </p:pic>
       <p:pic>
         <p:nvPicPr>
-          <p:cNvPr id="136" name="Image 96" descr=""/>
+          <p:cNvPr id="133" name="Image 96" descr=""/>
           <p:cNvPicPr/>
           <p:nvPr/>
         </p:nvPicPr>
@@ -11864,7 +12166,7 @@
         <p:spPr>
           <a:xfrm>
             <a:off x="7054560" y="1440000"/>
-            <a:ext cx="4536720" cy="4175280"/>
+            <a:ext cx="4536360" cy="4174920"/>
           </a:xfrm>
           <a:prstGeom prst="rect">
             <a:avLst/>
@@ -11925,14 +12227,14 @@
       </p:grpSpPr>
       <p:sp>
         <p:nvSpPr>
-          <p:cNvPr id="137" name="CustomShape 1"/>
+          <p:cNvPr id="134" name="CustomShape 1"/>
           <p:cNvSpPr/>
           <p:nvPr/>
         </p:nvSpPr>
         <p:spPr>
           <a:xfrm>
             <a:off x="838080" y="365040"/>
-            <a:ext cx="10514520" cy="1324440"/>
+            <a:ext cx="10514160" cy="1324080"/>
           </a:xfrm>
           <a:prstGeom prst="rect">
             <a:avLst/>
@@ -11987,14 +12289,14 @@
       </p:sp>
       <p:sp>
         <p:nvSpPr>
-          <p:cNvPr id="138" name="CustomShape 2"/>
+          <p:cNvPr id="135" name="CustomShape 2"/>
           <p:cNvSpPr/>
           <p:nvPr/>
         </p:nvSpPr>
         <p:spPr>
           <a:xfrm>
             <a:off x="838080" y="2129400"/>
-            <a:ext cx="10514520" cy="4046400"/>
+            <a:ext cx="10514160" cy="4046040"/>
           </a:xfrm>
           <a:prstGeom prst="rect">
             <a:avLst/>
@@ -12013,7 +12315,7 @@
         <p:txBody>
           <a:bodyPr lIns="90000" rIns="90000" tIns="45000" bIns="45000"/>
           <a:p>
-            <a:pPr marL="228600" indent="-227520">
+            <a:pPr marL="228600" indent="-227160">
               <a:lnSpc>
                 <a:spcPct val="90000"/>
               </a:lnSpc>
@@ -12051,7 +12353,7 @@
             </a:endParaRPr>
           </a:p>
           <a:p>
-            <a:pPr marL="228600" indent="-227520">
+            <a:pPr marL="228600" indent="-227160">
               <a:lnSpc>
                 <a:spcPct val="90000"/>
               </a:lnSpc>
@@ -12089,7 +12391,7 @@
             </a:endParaRPr>
           </a:p>
           <a:p>
-            <a:pPr lvl="1" marL="685800" indent="-227520">
+            <a:pPr lvl="1" marL="685800" indent="-227160">
               <a:lnSpc>
                 <a:spcPct val="90000"/>
               </a:lnSpc>
@@ -12127,7 +12429,7 @@
             </a:endParaRPr>
           </a:p>
           <a:p>
-            <a:pPr lvl="1" marL="685800" indent="-227520">
+            <a:pPr lvl="1" marL="685800" indent="-227160">
               <a:lnSpc>
                 <a:spcPct val="90000"/>
               </a:lnSpc>
@@ -12165,7 +12467,7 @@
             </a:endParaRPr>
           </a:p>
           <a:p>
-            <a:pPr lvl="1" marL="685800" indent="-227520">
+            <a:pPr lvl="1" marL="685800" indent="-227160">
               <a:lnSpc>
                 <a:spcPct val="90000"/>
               </a:lnSpc>
@@ -12203,7 +12505,7 @@
             </a:endParaRPr>
           </a:p>
           <a:p>
-            <a:pPr lvl="1" marL="685800" indent="-227520">
+            <a:pPr lvl="1" marL="685800" indent="-227160">
               <a:lnSpc>
                 <a:spcPct val="90000"/>
               </a:lnSpc>
@@ -12241,7 +12543,7 @@
             </a:endParaRPr>
           </a:p>
           <a:p>
-            <a:pPr lvl="1" marL="685800" indent="-227520">
+            <a:pPr lvl="1" marL="685800" indent="-227160">
               <a:lnSpc>
                 <a:spcPct val="90000"/>
               </a:lnSpc>
@@ -12385,14 +12687,14 @@
       </p:grpSpPr>
       <p:sp>
         <p:nvSpPr>
-          <p:cNvPr id="139" name="CustomShape 1"/>
+          <p:cNvPr id="136" name="CustomShape 1"/>
           <p:cNvSpPr/>
           <p:nvPr/>
         </p:nvSpPr>
         <p:spPr>
           <a:xfrm>
             <a:off x="838080" y="365040"/>
-            <a:ext cx="10514520" cy="1324440"/>
+            <a:ext cx="10514160" cy="1324080"/>
           </a:xfrm>
           <a:prstGeom prst="rect">
             <a:avLst/>
@@ -12447,14 +12749,14 @@
       </p:sp>
       <p:sp>
         <p:nvSpPr>
-          <p:cNvPr id="140" name="CustomShape 2"/>
+          <p:cNvPr id="137" name="CustomShape 2"/>
           <p:cNvSpPr/>
           <p:nvPr/>
         </p:nvSpPr>
         <p:spPr>
           <a:xfrm>
             <a:off x="838080" y="1825560"/>
-            <a:ext cx="10514520" cy="4787640"/>
+            <a:ext cx="10514160" cy="4787280"/>
           </a:xfrm>
           <a:prstGeom prst="rect">
             <a:avLst/>
@@ -12473,7 +12775,7 @@
         <p:txBody>
           <a:bodyPr lIns="90000" rIns="90000" tIns="45000" bIns="45000"/>
           <a:p>
-            <a:pPr marL="228600" indent="-227520">
+            <a:pPr marL="228600" indent="-227160">
               <a:lnSpc>
                 <a:spcPct val="90000"/>
               </a:lnSpc>
@@ -12511,7 +12813,7 @@
             </a:endParaRPr>
           </a:p>
           <a:p>
-            <a:pPr lvl="1" marL="685800" indent="-227520">
+            <a:pPr lvl="1" marL="685800" indent="-227160">
               <a:lnSpc>
                 <a:spcPct val="100000"/>
               </a:lnSpc>
@@ -12549,7 +12851,7 @@
             </a:endParaRPr>
           </a:p>
           <a:p>
-            <a:pPr lvl="1" marL="685800" indent="-227520">
+            <a:pPr lvl="1" marL="685800" indent="-227160">
               <a:lnSpc>
                 <a:spcPct val="100000"/>
               </a:lnSpc>
@@ -12587,7 +12889,7 @@
             </a:endParaRPr>
           </a:p>
           <a:p>
-            <a:pPr lvl="1" marL="685800" indent="-227520">
+            <a:pPr lvl="1" marL="685800" indent="-227160">
               <a:lnSpc>
                 <a:spcPct val="100000"/>
               </a:lnSpc>
@@ -12625,7 +12927,7 @@
             </a:endParaRPr>
           </a:p>
           <a:p>
-            <a:pPr lvl="1" marL="685800" indent="-227520">
+            <a:pPr lvl="1" marL="685800" indent="-227160">
               <a:lnSpc>
                 <a:spcPct val="100000"/>
               </a:lnSpc>
@@ -12663,7 +12965,7 @@
             </a:endParaRPr>
           </a:p>
           <a:p>
-            <a:pPr marL="228600" indent="-227520">
+            <a:pPr marL="228600" indent="-227160">
               <a:lnSpc>
                 <a:spcPct val="90000"/>
               </a:lnSpc>
@@ -12701,7 +13003,7 @@
             </a:endParaRPr>
           </a:p>
           <a:p>
-            <a:pPr lvl="1" marL="685800" indent="-227520">
+            <a:pPr lvl="1" marL="685800" indent="-227160">
               <a:lnSpc>
                 <a:spcPct val="90000"/>
               </a:lnSpc>
@@ -12739,7 +13041,7 @@
             </a:endParaRPr>
           </a:p>
           <a:p>
-            <a:pPr lvl="1" marL="685800" indent="-227520">
+            <a:pPr lvl="1" marL="685800" indent="-227160">
               <a:lnSpc>
                 <a:spcPct val="90000"/>
               </a:lnSpc>
@@ -12777,7 +13079,7 @@
             </a:endParaRPr>
           </a:p>
           <a:p>
-            <a:pPr lvl="1" marL="685800" indent="-227520">
+            <a:pPr lvl="1" marL="685800" indent="-227160">
               <a:lnSpc>
                 <a:spcPct val="90000"/>
               </a:lnSpc>
@@ -12815,7 +13117,7 @@
             </a:endParaRPr>
           </a:p>
           <a:p>
-            <a:pPr marL="228600" indent="-227520">
+            <a:pPr marL="228600" indent="-227160">
               <a:lnSpc>
                 <a:spcPct val="90000"/>
               </a:lnSpc>
@@ -12853,7 +13155,7 @@
             </a:endParaRPr>
           </a:p>
           <a:p>
-            <a:pPr marL="228600" indent="-227520">
+            <a:pPr marL="228600" indent="-227160">
               <a:lnSpc>
                 <a:spcPct val="90000"/>
               </a:lnSpc>

--- a/presentation/KVS_presentation.pptx
+++ b/presentation/KVS_presentation.pptx
@@ -121,6 +121,11 @@
       </a:defRPr>
     </a:lvl9pPr>
   </p:defaultTextStyle>
+  <p:extLst>
+    <p:ext uri="{EFAFB233-063F-42B5-8137-9DF3F51BA10A}">
+      <p15:sldGuideLst xmlns:p15="http://schemas.microsoft.com/office/powerpoint/2012/main"/>
+    </p:ext>
+  </p:extLst>
 </p:presentation>
 </file>
 
@@ -343,7 +348,7 @@
                 </a:uFill>
                 <a:latin typeface="Times New Roman"/>
               </a:rPr>
-              <a:t>‹N°›</a:t>
+              <a:t>‹#›</a:t>
             </a:fld>
             <a:endParaRPr lang="fr-FR" sz="1400" b="0" strike="noStrike" spc="-1">
               <a:solidFill>
@@ -1086,7 +1091,7 @@
           <a:lstStyle/>
           <a:p>
             <a:r>
-              <a:rPr lang="fr-FR" sz="2000" b="0" strike="noStrike" spc="-1">
+              <a:rPr lang="fr-FR" sz="2000" b="0" strike="noStrike" spc="-1" dirty="0">
                 <a:solidFill>
                   <a:srgbClr val="000000"/>
                 </a:solidFill>
@@ -1102,7 +1107,7 @@
           </a:p>
           <a:p>
             <a:r>
-              <a:rPr lang="fr-FR" sz="2000" b="0" strike="noStrike" spc="-1">
+              <a:rPr lang="fr-FR" sz="2000" b="0" strike="noStrike" spc="-1" dirty="0">
                 <a:solidFill>
                   <a:srgbClr val="000000"/>
                 </a:solidFill>
@@ -1123,7 +1128,7 @@
               </a:lnSpc>
             </a:pPr>
             <a:r>
-              <a:rPr lang="fr-FR" sz="1200" b="0" strike="noStrike" spc="-1">
+              <a:rPr lang="fr-FR" sz="1200" b="0" strike="noStrike" spc="-1" dirty="0">
                 <a:solidFill>
                   <a:srgbClr val="000000"/>
                 </a:solidFill>
@@ -1138,7 +1143,7 @@
               <a:t>La solution présentée ainsi que le code répondent à la consigne, c'est-à-dire aux 5 fonctionnalités minimales. En outre, les décisions d'implémentation concernant la priorité des "</a:t>
             </a:r>
             <a:r>
-              <a:rPr lang="fr-FR" sz="1200" b="0" u="sng" strike="noStrike" spc="-1">
+              <a:rPr lang="fr-FR" sz="1200" b="0" u="sng" strike="noStrike" spc="-1" dirty="0" err="1">
                 <a:solidFill>
                   <a:srgbClr val="000000"/>
                 </a:solidFill>
@@ -1153,7 +1158,7 @@
               <a:t>readers</a:t>
             </a:r>
             <a:r>
-              <a:rPr lang="fr-FR" sz="1200" b="0" strike="noStrike" spc="-1">
+              <a:rPr lang="fr-FR" sz="1200" b="0" strike="noStrike" spc="-1" dirty="0">
                 <a:solidFill>
                   <a:srgbClr val="000000"/>
                 </a:solidFill>
@@ -1168,7 +1173,7 @@
               <a:t>"/"</a:t>
             </a:r>
             <a:r>
-              <a:rPr lang="fr-FR" sz="1200" b="0" u="sng" strike="noStrike" spc="-1">
+              <a:rPr lang="fr-FR" sz="1200" b="0" u="sng" strike="noStrike" spc="-1" dirty="0" err="1">
                 <a:solidFill>
                   <a:srgbClr val="000000"/>
                 </a:solidFill>
@@ -1183,7 +1188,7 @@
               <a:t>writters</a:t>
             </a:r>
             <a:r>
-              <a:rPr lang="fr-FR" sz="1200" b="0" strike="noStrike" spc="-1">
+              <a:rPr lang="fr-FR" sz="1200" b="0" strike="noStrike" spc="-1" dirty="0">
                 <a:solidFill>
                   <a:srgbClr val="000000"/>
                 </a:solidFill>
@@ -1197,7 +1202,7 @@
               </a:rPr>
               <a:t>", de la structure de donnée ainsi que des accès simultanés semblent efficaces et optimisés dans leur forme, bien que ces solutions ne soient des plus idéales. </a:t>
             </a:r>
-            <a:endParaRPr lang="fr-FR" sz="2000" b="0" strike="noStrike" spc="-1">
+            <a:endParaRPr lang="fr-FR" sz="2000" b="0" strike="noStrike" spc="-1" dirty="0">
               <a:solidFill>
                 <a:srgbClr val="000000"/>
               </a:solidFill>
@@ -1215,7 +1220,7 @@
                 <a:spcPct val="100000"/>
               </a:lnSpc>
             </a:pPr>
-            <a:endParaRPr lang="fr-FR" sz="2000" b="0" strike="noStrike" spc="-1">
+            <a:endParaRPr lang="fr-FR" sz="2000" b="0" strike="noStrike" spc="-1" dirty="0">
               <a:solidFill>
                 <a:srgbClr val="000000"/>
               </a:solidFill>
@@ -11112,7 +11117,7 @@
               <a:buChar char="•"/>
             </a:pPr>
             <a:r>
-              <a:rPr lang="fr-FR" sz="2800" b="0" strike="noStrike" spc="-1">
+              <a:rPr lang="fr-FR" sz="2800" spc="-1" dirty="0">
                 <a:solidFill>
                   <a:srgbClr val="000000"/>
                 </a:solidFill>
@@ -11122,20 +11127,244 @@
                   </a:solidFill>
                 </a:uFill>
                 <a:latin typeface="Calibri"/>
-                <a:ea typeface="DejaVu Sans"/>
-              </a:rPr>
-              <a:t>Avec des bullet points</a:t>
-            </a:r>
-            <a:endParaRPr lang="fr-FR" sz="1800" b="0" strike="noStrike" spc="-1">
-              <a:solidFill>
-                <a:srgbClr val="000000"/>
-              </a:solidFill>
-              <a:uFill>
-                <a:solidFill>
-                  <a:srgbClr val="FFFFFF"/>
-                </a:solidFill>
-              </a:uFill>
-              <a:latin typeface="Arial"/>
+              </a:rPr>
+              <a:t>La solution respecte les consignes (5 fonctionnalités minimale)</a:t>
+            </a:r>
+          </a:p>
+          <a:p>
+            <a:pPr marL="228600" indent="-227160">
+              <a:lnSpc>
+                <a:spcPct val="90000"/>
+              </a:lnSpc>
+              <a:buClr>
+                <a:srgbClr val="000000"/>
+              </a:buClr>
+              <a:buFont typeface="Arial"/>
+              <a:buChar char="•"/>
+            </a:pPr>
+            <a:r>
+              <a:rPr lang="fr-FR" sz="2800" b="0" strike="noStrike" spc="-1" dirty="0">
+                <a:solidFill>
+                  <a:srgbClr val="000000"/>
+                </a:solidFill>
+                <a:uFill>
+                  <a:solidFill>
+                    <a:srgbClr val="FFFFFF"/>
+                  </a:solidFill>
+                </a:uFill>
+                <a:latin typeface="Calibri"/>
+              </a:rPr>
+              <a:t>Priorité </a:t>
+            </a:r>
+            <a:r>
+              <a:rPr lang="fr-FR" sz="2800" b="0" strike="noStrike" spc="-1" dirty="0" err="1">
+                <a:solidFill>
+                  <a:srgbClr val="000000"/>
+                </a:solidFill>
+                <a:uFill>
+                  <a:solidFill>
+                    <a:srgbClr val="FFFFFF"/>
+                  </a:solidFill>
+                </a:uFill>
+                <a:latin typeface="Calibri"/>
+              </a:rPr>
+              <a:t>reader</a:t>
+            </a:r>
+            <a:r>
+              <a:rPr lang="fr-FR" sz="2800" b="0" strike="noStrike" spc="-1" dirty="0">
+                <a:solidFill>
+                  <a:srgbClr val="000000"/>
+                </a:solidFill>
+                <a:uFill>
+                  <a:solidFill>
+                    <a:srgbClr val="FFFFFF"/>
+                  </a:solidFill>
+                </a:uFill>
+                <a:latin typeface="Calibri"/>
+              </a:rPr>
+              <a:t>/</a:t>
+            </a:r>
+            <a:r>
+              <a:rPr lang="fr-FR" sz="2800" b="0" strike="noStrike" spc="-1" dirty="0" err="1">
+                <a:solidFill>
+                  <a:srgbClr val="000000"/>
+                </a:solidFill>
+                <a:uFill>
+                  <a:solidFill>
+                    <a:srgbClr val="FFFFFF"/>
+                  </a:solidFill>
+                </a:uFill>
+                <a:latin typeface="Calibri"/>
+              </a:rPr>
+              <a:t>writer</a:t>
+            </a:r>
+            <a:r>
+              <a:rPr lang="fr-FR" sz="2800" b="0" strike="noStrike" spc="-1" dirty="0">
+                <a:solidFill>
+                  <a:srgbClr val="000000"/>
+                </a:solidFill>
+                <a:uFill>
+                  <a:solidFill>
+                    <a:srgbClr val="FFFFFF"/>
+                  </a:solidFill>
+                </a:uFill>
+                <a:latin typeface="Calibri"/>
+              </a:rPr>
+              <a:t> (</a:t>
+            </a:r>
+            <a:r>
+              <a:rPr lang="fr-FR" sz="2800" b="0" strike="noStrike" spc="-1" dirty="0" err="1">
+                <a:solidFill>
+                  <a:srgbClr val="000000"/>
+                </a:solidFill>
+                <a:uFill>
+                  <a:solidFill>
+                    <a:srgbClr val="FFFFFF"/>
+                  </a:solidFill>
+                </a:uFill>
+                <a:latin typeface="Calibri"/>
+              </a:rPr>
+              <a:t>mutex</a:t>
+            </a:r>
+            <a:r>
+              <a:rPr lang="fr-FR" sz="2800" b="0" strike="noStrike" spc="-1" dirty="0">
+                <a:solidFill>
+                  <a:srgbClr val="000000"/>
+                </a:solidFill>
+                <a:uFill>
+                  <a:solidFill>
+                    <a:srgbClr val="FFFFFF"/>
+                  </a:solidFill>
+                </a:uFill>
+                <a:latin typeface="Calibri"/>
+              </a:rPr>
+              <a:t>)</a:t>
+            </a:r>
+          </a:p>
+          <a:p>
+            <a:pPr marL="228600" indent="-227160">
+              <a:lnSpc>
+                <a:spcPct val="90000"/>
+              </a:lnSpc>
+              <a:buClr>
+                <a:srgbClr val="000000"/>
+              </a:buClr>
+              <a:buFont typeface="Arial"/>
+              <a:buChar char="•"/>
+            </a:pPr>
+            <a:r>
+              <a:rPr lang="fr-FR" sz="2800" spc="-1" dirty="0">
+                <a:solidFill>
+                  <a:srgbClr val="000000"/>
+                </a:solidFill>
+                <a:uFill>
+                  <a:solidFill>
+                    <a:srgbClr val="FFFFFF"/>
+                  </a:solidFill>
+                </a:uFill>
+                <a:latin typeface="Calibri"/>
+              </a:rPr>
+              <a:t>Accès simultanés </a:t>
+            </a:r>
+          </a:p>
+          <a:p>
+            <a:pPr marL="228600" indent="-227160">
+              <a:lnSpc>
+                <a:spcPct val="90000"/>
+              </a:lnSpc>
+              <a:buClr>
+                <a:srgbClr val="000000"/>
+              </a:buClr>
+              <a:buFont typeface="Arial"/>
+              <a:buChar char="•"/>
+            </a:pPr>
+            <a:r>
+              <a:rPr lang="fr-FR" sz="2800" spc="-1" dirty="0">
+                <a:solidFill>
+                  <a:srgbClr val="000000"/>
+                </a:solidFill>
+                <a:uFill>
+                  <a:solidFill>
+                    <a:srgbClr val="FFFFFF"/>
+                  </a:solidFill>
+                </a:uFill>
+                <a:latin typeface="Calibri"/>
+              </a:rPr>
+              <a:t>Structure de donnée</a:t>
+            </a:r>
+            <a:endParaRPr lang="fr-FR" spc="-1" dirty="0">
+              <a:solidFill>
+                <a:srgbClr val="000000"/>
+              </a:solidFill>
+              <a:uFill>
+                <a:solidFill>
+                  <a:srgbClr val="FFFFFF"/>
+                </a:solidFill>
+              </a:uFill>
+              <a:latin typeface="Arial"/>
+            </a:endParaRPr>
+          </a:p>
+          <a:p>
+            <a:pPr marL="228600" indent="-227160">
+              <a:lnSpc>
+                <a:spcPct val="90000"/>
+              </a:lnSpc>
+              <a:buClr>
+                <a:srgbClr val="000000"/>
+              </a:buClr>
+              <a:buFont typeface="Arial"/>
+              <a:buChar char="•"/>
+            </a:pPr>
+            <a:r>
+              <a:rPr lang="fr-FR" sz="2800" spc="-1" dirty="0">
+                <a:solidFill>
+                  <a:srgbClr val="000000"/>
+                </a:solidFill>
+                <a:uFill>
+                  <a:solidFill>
+                    <a:srgbClr val="FFFFFF"/>
+                  </a:solidFill>
+                </a:uFill>
+                <a:latin typeface="Arial"/>
+              </a:rPr>
+              <a:t>Optimisés dans leur forme</a:t>
+            </a:r>
+          </a:p>
+          <a:p>
+            <a:pPr marL="228600" indent="-227160">
+              <a:lnSpc>
+                <a:spcPct val="90000"/>
+              </a:lnSpc>
+              <a:buClr>
+                <a:srgbClr val="000000"/>
+              </a:buClr>
+              <a:buFont typeface="Arial"/>
+              <a:buChar char="•"/>
+            </a:pPr>
+            <a:r>
+              <a:rPr lang="fr-FR" sz="2800" spc="-1" dirty="0">
+                <a:solidFill>
+                  <a:srgbClr val="000000"/>
+                </a:solidFill>
+                <a:uFill>
+                  <a:solidFill>
+                    <a:srgbClr val="FFFFFF"/>
+                  </a:solidFill>
+                </a:uFill>
+                <a:latin typeface="Arial"/>
+              </a:rPr>
+              <a:t>Toutefois, pas la solution la plus efficace</a:t>
+            </a:r>
+            <a:endParaRPr lang="fr-FR" sz="2800" spc="-1" dirty="0">
+              <a:solidFill>
+                <a:srgbClr val="000000"/>
+              </a:solidFill>
+              <a:uFill>
+                <a:solidFill>
+                  <a:srgbClr val="FFFFFF"/>
+                </a:solidFill>
+              </a:uFill>
+              <a:latin typeface="Calibri"/>
             </a:endParaRPr>
           </a:p>
         </p:txBody>
